--- a/钉钉机器人.pptx
+++ b/钉钉机器人.pptx
@@ -4286,25 +4286,26 @@
           <a:p>
             <a:pPr rtl="0"/>
             <a:r>
+              <a:rPr lang="zh-CN" altLang="en-US" dirty="0"/>
+              <a:t>开发</a:t>
+            </a:r>
+            <a:r>
               <a:rPr lang="zh-CN" altLang="en-US" dirty="0">
                 <a:latin typeface="微软雅黑" panose="020B0503020204020204" pitchFamily="34" charset="-122"/>
                 <a:ea typeface="微软雅黑" panose="020B0503020204020204" pitchFamily="34" charset="-122"/>
               </a:rPr>
-              <a:t>钉钉消息通知开发分享</a:t>
-            </a:r>
-            <a:r>
-              <a:rPr lang="en-US" altLang="zh-CN" dirty="0">
-                <a:latin typeface="微软雅黑" panose="020B0503020204020204" pitchFamily="34" charset="-122"/>
-                <a:ea typeface="微软雅黑" panose="020B0503020204020204" pitchFamily="34" charset="-122"/>
-              </a:rPr>
-              <a:t>—</a:t>
-            </a:r>
+              <a:t>钉钉消息通知</a:t>
+            </a:r>
+            <a:endParaRPr lang="en-US" altLang="zh-CN" dirty="0"/>
+          </a:p>
+          <a:p>
+            <a:pPr rtl="0"/>
             <a:r>
               <a:rPr lang="zh-CN" altLang="en-US" dirty="0">
                 <a:latin typeface="微软雅黑" panose="020B0503020204020204" pitchFamily="34" charset="-122"/>
                 <a:ea typeface="微软雅黑" panose="020B0503020204020204" pitchFamily="34" charset="-122"/>
               </a:rPr>
-              <a:t>王书敏</a:t>
+              <a:t>                        王书敏</a:t>
             </a:r>
           </a:p>
         </p:txBody>
@@ -5957,13 +5958,13 @@
               <a:t> </a:t>
             </a:r>
             <a:r>
-              <a:rPr lang="zh-CN" altLang="zh-CN" sz="1100" dirty="0">
+              <a:rPr lang="en-US" altLang="zh-CN" sz="1100" dirty="0" err="1">
                 <a:solidFill>
                   <a:srgbClr val="61AFEF"/>
                 </a:solidFill>
                 <a:latin typeface="Arial Unicode MS" panose="020B0604020202020204" pitchFamily="34" charset="-122"/>
               </a:rPr>
-              <a:t>alarm_dd</a:t>
+              <a:t>send_msg</a:t>
             </a:r>
             <a:r>
               <a:rPr lang="zh-CN" altLang="zh-CN" sz="1100" dirty="0">
@@ -7175,13 +7176,13 @@
               </a:spcAft>
             </a:pPr>
             <a:r>
-              <a:rPr lang="zh-CN" altLang="zh-CN" sz="1100" dirty="0">
+              <a:rPr lang="en-US" altLang="zh-CN" sz="1100" dirty="0" err="1">
                 <a:solidFill>
                   <a:srgbClr val="61AFEF"/>
                 </a:solidFill>
                 <a:latin typeface="Arial Unicode MS" panose="020B0604020202020204" pitchFamily="34" charset="-122"/>
               </a:rPr>
-              <a:t>alarm_dd</a:t>
+              <a:t>send_msg</a:t>
             </a:r>
             <a:r>
               <a:rPr lang="zh-CN" altLang="zh-CN" sz="1100" dirty="0">
@@ -7514,6 +7515,529 @@
               <a:t>、获取</a:t>
             </a:r>
             <a:endParaRPr lang="en-US" altLang="zh-CN" sz="2000" dirty="0"/>
+          </a:p>
+        </p:txBody>
+      </p:sp>
+      <p:sp>
+        <p:nvSpPr>
+          <p:cNvPr id="4" name="矩形 3">
+            <a:extLst>
+              <a:ext uri="{FF2B5EF4-FFF2-40B4-BE49-F238E27FC236}">
+                <a16:creationId xmlns:a16="http://schemas.microsoft.com/office/drawing/2014/main" id="{71EE1488-F5FB-439A-B18D-6D592FEFC0C6}"/>
+              </a:ext>
+            </a:extLst>
+          </p:cNvPr>
+          <p:cNvSpPr/>
+          <p:nvPr/>
+        </p:nvSpPr>
+        <p:spPr>
+          <a:xfrm>
+            <a:off x="3546133" y="1484784"/>
+            <a:ext cx="1944216" cy="864096"/>
+          </a:xfrm>
+          <a:prstGeom prst="rect">
+            <a:avLst/>
+          </a:prstGeom>
+          <a:solidFill>
+            <a:schemeClr val="bg2">
+              <a:lumMod val="90000"/>
+            </a:schemeClr>
+          </a:solidFill>
+          <a:ln>
+            <a:noFill/>
+          </a:ln>
+          <a:effectLst>
+            <a:outerShdw blurRad="44450" dist="27940" dir="5400000" algn="ctr">
+              <a:srgbClr val="000000">
+                <a:alpha val="32000"/>
+              </a:srgbClr>
+            </a:outerShdw>
+          </a:effectLst>
+          <a:scene3d>
+            <a:camera prst="orthographicFront">
+              <a:rot lat="0" lon="0" rev="0"/>
+            </a:camera>
+            <a:lightRig rig="balanced" dir="t">
+              <a:rot lat="0" lon="0" rev="8700000"/>
+            </a:lightRig>
+          </a:scene3d>
+          <a:sp3d>
+            <a:bevelT w="190500" h="38100"/>
+          </a:sp3d>
+        </p:spPr>
+        <p:style>
+          <a:lnRef idx="2">
+            <a:schemeClr val="accent1">
+              <a:shade val="50000"/>
+            </a:schemeClr>
+          </a:lnRef>
+          <a:fillRef idx="1">
+            <a:schemeClr val="accent1"/>
+          </a:fillRef>
+          <a:effectRef idx="0">
+            <a:schemeClr val="accent1"/>
+          </a:effectRef>
+          <a:fontRef idx="minor">
+            <a:schemeClr val="lt1"/>
+          </a:fontRef>
+        </p:style>
+        <p:txBody>
+          <a:bodyPr rtlCol="0" anchor="ctr"/>
+          <a:lstStyle/>
+          <a:p>
+            <a:pPr algn="ctr"/>
+            <a:r>
+              <a:rPr lang="zh-CN" altLang="en-US" sz="1800" dirty="0">
+                <a:solidFill>
+                  <a:schemeClr val="tx2"/>
+                </a:solidFill>
+                <a:latin typeface="微软雅黑" panose="020B0503020204020204" pitchFamily="34" charset="-122"/>
+                <a:ea typeface="微软雅黑" panose="020B0503020204020204" pitchFamily="34" charset="-122"/>
+              </a:rPr>
+              <a:t>上传图片到钉钉服务器</a:t>
+            </a:r>
+          </a:p>
+        </p:txBody>
+      </p:sp>
+      <p:sp>
+        <p:nvSpPr>
+          <p:cNvPr id="5" name="矩形 4">
+            <a:extLst>
+              <a:ext uri="{FF2B5EF4-FFF2-40B4-BE49-F238E27FC236}">
+                <a16:creationId xmlns:a16="http://schemas.microsoft.com/office/drawing/2014/main" id="{0DA1225E-FAD1-4310-B628-64C53CB960A8}"/>
+              </a:ext>
+            </a:extLst>
+          </p:cNvPr>
+          <p:cNvSpPr/>
+          <p:nvPr/>
+        </p:nvSpPr>
+        <p:spPr>
+          <a:xfrm>
+            <a:off x="1125860" y="1484784"/>
+            <a:ext cx="1944216" cy="864096"/>
+          </a:xfrm>
+          <a:prstGeom prst="rect">
+            <a:avLst/>
+          </a:prstGeom>
+          <a:solidFill>
+            <a:schemeClr val="bg2">
+              <a:lumMod val="90000"/>
+            </a:schemeClr>
+          </a:solidFill>
+          <a:ln>
+            <a:noFill/>
+          </a:ln>
+          <a:effectLst>
+            <a:outerShdw blurRad="44450" dist="27940" dir="5400000" algn="ctr">
+              <a:srgbClr val="000000">
+                <a:alpha val="32000"/>
+              </a:srgbClr>
+            </a:outerShdw>
+          </a:effectLst>
+          <a:scene3d>
+            <a:camera prst="orthographicFront">
+              <a:rot lat="0" lon="0" rev="0"/>
+            </a:camera>
+            <a:lightRig rig="balanced" dir="t">
+              <a:rot lat="0" lon="0" rev="8700000"/>
+            </a:lightRig>
+          </a:scene3d>
+          <a:sp3d>
+            <a:bevelT w="190500" h="38100"/>
+          </a:sp3d>
+        </p:spPr>
+        <p:style>
+          <a:lnRef idx="2">
+            <a:schemeClr val="accent1">
+              <a:shade val="50000"/>
+            </a:schemeClr>
+          </a:lnRef>
+          <a:fillRef idx="1">
+            <a:schemeClr val="accent1"/>
+          </a:fillRef>
+          <a:effectRef idx="0">
+            <a:schemeClr val="accent1"/>
+          </a:effectRef>
+          <a:fontRef idx="minor">
+            <a:schemeClr val="lt1"/>
+          </a:fontRef>
+        </p:style>
+        <p:txBody>
+          <a:bodyPr rtlCol="0" anchor="ctr"/>
+          <a:lstStyle/>
+          <a:p>
+            <a:pPr algn="ctr"/>
+            <a:r>
+              <a:rPr lang="zh-CN" altLang="en-US" sz="1800" dirty="0">
+                <a:solidFill>
+                  <a:schemeClr val="tx2"/>
+                </a:solidFill>
+                <a:latin typeface="微软雅黑" panose="020B0503020204020204" pitchFamily="34" charset="-122"/>
+                <a:ea typeface="微软雅黑" panose="020B0503020204020204" pitchFamily="34" charset="-122"/>
+              </a:rPr>
+              <a:t>获取图片</a:t>
+            </a:r>
+          </a:p>
+        </p:txBody>
+      </p:sp>
+      <p:sp>
+        <p:nvSpPr>
+          <p:cNvPr id="6" name="矩形 5">
+            <a:extLst>
+              <a:ext uri="{FF2B5EF4-FFF2-40B4-BE49-F238E27FC236}">
+                <a16:creationId xmlns:a16="http://schemas.microsoft.com/office/drawing/2014/main" id="{68E05A05-1F20-4BBC-ACDF-CCAFE643727D}"/>
+              </a:ext>
+            </a:extLst>
+          </p:cNvPr>
+          <p:cNvSpPr/>
+          <p:nvPr/>
+        </p:nvSpPr>
+        <p:spPr>
+          <a:xfrm>
+            <a:off x="5966406" y="1484784"/>
+            <a:ext cx="1944216" cy="864096"/>
+          </a:xfrm>
+          <a:prstGeom prst="rect">
+            <a:avLst/>
+          </a:prstGeom>
+          <a:solidFill>
+            <a:schemeClr val="bg2">
+              <a:lumMod val="90000"/>
+            </a:schemeClr>
+          </a:solidFill>
+          <a:ln>
+            <a:noFill/>
+          </a:ln>
+          <a:effectLst>
+            <a:outerShdw blurRad="44450" dist="27940" dir="5400000" algn="ctr">
+              <a:srgbClr val="000000">
+                <a:alpha val="32000"/>
+              </a:srgbClr>
+            </a:outerShdw>
+          </a:effectLst>
+          <a:scene3d>
+            <a:camera prst="orthographicFront">
+              <a:rot lat="0" lon="0" rev="0"/>
+            </a:camera>
+            <a:lightRig rig="balanced" dir="t">
+              <a:rot lat="0" lon="0" rev="8700000"/>
+            </a:lightRig>
+          </a:scene3d>
+          <a:sp3d>
+            <a:bevelT w="190500" h="38100"/>
+          </a:sp3d>
+        </p:spPr>
+        <p:style>
+          <a:lnRef idx="2">
+            <a:schemeClr val="accent1">
+              <a:shade val="50000"/>
+            </a:schemeClr>
+          </a:lnRef>
+          <a:fillRef idx="1">
+            <a:schemeClr val="accent1"/>
+          </a:fillRef>
+          <a:effectRef idx="0">
+            <a:schemeClr val="accent1"/>
+          </a:effectRef>
+          <a:fontRef idx="minor">
+            <a:schemeClr val="lt1"/>
+          </a:fontRef>
+        </p:style>
+        <p:txBody>
+          <a:bodyPr rtlCol="0" anchor="ctr"/>
+          <a:lstStyle/>
+          <a:p>
+            <a:pPr algn="ctr"/>
+            <a:r>
+              <a:rPr lang="zh-CN" altLang="en-US" sz="1800" dirty="0">
+                <a:solidFill>
+                  <a:schemeClr val="tx2"/>
+                </a:solidFill>
+                <a:latin typeface="微软雅黑" panose="020B0503020204020204" pitchFamily="34" charset="-122"/>
+                <a:ea typeface="微软雅黑" panose="020B0503020204020204" pitchFamily="34" charset="-122"/>
+              </a:rPr>
+              <a:t>得到</a:t>
+            </a:r>
+            <a:r>
+              <a:rPr lang="en-US" altLang="zh-CN" sz="1800" dirty="0" err="1">
+                <a:solidFill>
+                  <a:schemeClr val="tx2"/>
+                </a:solidFill>
+                <a:latin typeface="微软雅黑" panose="020B0503020204020204" pitchFamily="34" charset="-122"/>
+                <a:ea typeface="微软雅黑" panose="020B0503020204020204" pitchFamily="34" charset="-122"/>
+              </a:rPr>
+              <a:t>media_id</a:t>
+            </a:r>
+            <a:endParaRPr lang="zh-CN" altLang="en-US" sz="1800" dirty="0">
+              <a:solidFill>
+                <a:schemeClr val="tx2"/>
+              </a:solidFill>
+              <a:latin typeface="微软雅黑" panose="020B0503020204020204" pitchFamily="34" charset="-122"/>
+              <a:ea typeface="微软雅黑" panose="020B0503020204020204" pitchFamily="34" charset="-122"/>
+            </a:endParaRPr>
+          </a:p>
+        </p:txBody>
+      </p:sp>
+      <p:sp>
+        <p:nvSpPr>
+          <p:cNvPr id="7" name="矩形 6">
+            <a:extLst>
+              <a:ext uri="{FF2B5EF4-FFF2-40B4-BE49-F238E27FC236}">
+                <a16:creationId xmlns:a16="http://schemas.microsoft.com/office/drawing/2014/main" id="{87059995-9539-42D7-823E-AF484BF532DD}"/>
+              </a:ext>
+            </a:extLst>
+          </p:cNvPr>
+          <p:cNvSpPr/>
+          <p:nvPr/>
+        </p:nvSpPr>
+        <p:spPr>
+          <a:xfrm>
+            <a:off x="8386679" y="1487831"/>
+            <a:ext cx="1944216" cy="864096"/>
+          </a:xfrm>
+          <a:prstGeom prst="rect">
+            <a:avLst/>
+          </a:prstGeom>
+          <a:solidFill>
+            <a:schemeClr val="bg2">
+              <a:lumMod val="90000"/>
+            </a:schemeClr>
+          </a:solidFill>
+          <a:ln>
+            <a:noFill/>
+          </a:ln>
+          <a:effectLst>
+            <a:outerShdw blurRad="44450" dist="27940" dir="5400000" algn="ctr">
+              <a:srgbClr val="000000">
+                <a:alpha val="32000"/>
+              </a:srgbClr>
+            </a:outerShdw>
+          </a:effectLst>
+          <a:scene3d>
+            <a:camera prst="orthographicFront">
+              <a:rot lat="0" lon="0" rev="0"/>
+            </a:camera>
+            <a:lightRig rig="balanced" dir="t">
+              <a:rot lat="0" lon="0" rev="8700000"/>
+            </a:lightRig>
+          </a:scene3d>
+          <a:sp3d>
+            <a:bevelT w="190500" h="38100"/>
+          </a:sp3d>
+        </p:spPr>
+        <p:style>
+          <a:lnRef idx="2">
+            <a:schemeClr val="accent1">
+              <a:shade val="50000"/>
+            </a:schemeClr>
+          </a:lnRef>
+          <a:fillRef idx="1">
+            <a:schemeClr val="accent1"/>
+          </a:fillRef>
+          <a:effectRef idx="0">
+            <a:schemeClr val="accent1"/>
+          </a:effectRef>
+          <a:fontRef idx="minor">
+            <a:schemeClr val="lt1"/>
+          </a:fontRef>
+        </p:style>
+        <p:txBody>
+          <a:bodyPr rtlCol="0" anchor="ctr"/>
+          <a:lstStyle/>
+          <a:p>
+            <a:pPr algn="ctr"/>
+            <a:r>
+              <a:rPr lang="zh-CN" altLang="en-US" sz="1800" dirty="0">
+                <a:solidFill>
+                  <a:schemeClr val="tx2"/>
+                </a:solidFill>
+                <a:latin typeface="微软雅黑" panose="020B0503020204020204" pitchFamily="34" charset="-122"/>
+                <a:ea typeface="微软雅黑" panose="020B0503020204020204" pitchFamily="34" charset="-122"/>
+              </a:rPr>
+              <a:t>发送</a:t>
+            </a:r>
+            <a:r>
+              <a:rPr lang="en-US" altLang="zh-CN" sz="1800" dirty="0">
+                <a:solidFill>
+                  <a:schemeClr val="tx2"/>
+                </a:solidFill>
+                <a:latin typeface="微软雅黑" panose="020B0503020204020204" pitchFamily="34" charset="-122"/>
+                <a:ea typeface="微软雅黑" panose="020B0503020204020204" pitchFamily="34" charset="-122"/>
+              </a:rPr>
+              <a:t>markdown</a:t>
+            </a:r>
+            <a:r>
+              <a:rPr lang="zh-CN" altLang="en-US" sz="1800" dirty="0">
+                <a:solidFill>
+                  <a:schemeClr val="tx2"/>
+                </a:solidFill>
+                <a:latin typeface="微软雅黑" panose="020B0503020204020204" pitchFamily="34" charset="-122"/>
+                <a:ea typeface="微软雅黑" panose="020B0503020204020204" pitchFamily="34" charset="-122"/>
+              </a:rPr>
+              <a:t>格式内容</a:t>
+            </a:r>
+          </a:p>
+        </p:txBody>
+      </p:sp>
+      <p:sp>
+        <p:nvSpPr>
+          <p:cNvPr id="8" name="箭头: 右 7">
+            <a:extLst>
+              <a:ext uri="{FF2B5EF4-FFF2-40B4-BE49-F238E27FC236}">
+                <a16:creationId xmlns:a16="http://schemas.microsoft.com/office/drawing/2014/main" id="{95EDF77D-18A6-4ECE-9489-F86EFCF6FC07}"/>
+              </a:ext>
+            </a:extLst>
+          </p:cNvPr>
+          <p:cNvSpPr/>
+          <p:nvPr/>
+        </p:nvSpPr>
+        <p:spPr>
+          <a:xfrm>
+            <a:off x="3070075" y="1810479"/>
+            <a:ext cx="476057" cy="212705"/>
+          </a:xfrm>
+          <a:prstGeom prst="rightArrow">
+            <a:avLst/>
+          </a:prstGeom>
+          <a:solidFill>
+            <a:srgbClr val="FF0000"/>
+          </a:solidFill>
+          <a:ln>
+            <a:solidFill>
+              <a:srgbClr val="FF0000"/>
+            </a:solidFill>
+          </a:ln>
+        </p:spPr>
+        <p:style>
+          <a:lnRef idx="2">
+            <a:schemeClr val="accent1">
+              <a:shade val="50000"/>
+            </a:schemeClr>
+          </a:lnRef>
+          <a:fillRef idx="1">
+            <a:schemeClr val="accent1"/>
+          </a:fillRef>
+          <a:effectRef idx="0">
+            <a:schemeClr val="accent1"/>
+          </a:effectRef>
+          <a:fontRef idx="minor">
+            <a:schemeClr val="lt1"/>
+          </a:fontRef>
+        </p:style>
+        <p:txBody>
+          <a:bodyPr rtlCol="0" anchor="ctr"/>
+          <a:lstStyle/>
+          <a:p>
+            <a:pPr algn="ctr"/>
+            <a:endParaRPr lang="zh-CN" altLang="en-US"/>
+          </a:p>
+        </p:txBody>
+      </p:sp>
+      <p:sp>
+        <p:nvSpPr>
+          <p:cNvPr id="9" name="箭头: 右 8">
+            <a:extLst>
+              <a:ext uri="{FF2B5EF4-FFF2-40B4-BE49-F238E27FC236}">
+                <a16:creationId xmlns:a16="http://schemas.microsoft.com/office/drawing/2014/main" id="{AC1E91BE-F438-47C2-9F89-B3CDD9BA3FC8}"/>
+              </a:ext>
+            </a:extLst>
+          </p:cNvPr>
+          <p:cNvSpPr/>
+          <p:nvPr/>
+        </p:nvSpPr>
+        <p:spPr>
+          <a:xfrm>
+            <a:off x="5490349" y="1810479"/>
+            <a:ext cx="476057" cy="212705"/>
+          </a:xfrm>
+          <a:prstGeom prst="rightArrow">
+            <a:avLst/>
+          </a:prstGeom>
+          <a:solidFill>
+            <a:srgbClr val="FF0000"/>
+          </a:solidFill>
+          <a:ln>
+            <a:solidFill>
+              <a:srgbClr val="FF0000"/>
+            </a:solidFill>
+          </a:ln>
+        </p:spPr>
+        <p:style>
+          <a:lnRef idx="2">
+            <a:schemeClr val="accent1">
+              <a:shade val="50000"/>
+            </a:schemeClr>
+          </a:lnRef>
+          <a:fillRef idx="1">
+            <a:schemeClr val="accent1"/>
+          </a:fillRef>
+          <a:effectRef idx="0">
+            <a:schemeClr val="accent1"/>
+          </a:effectRef>
+          <a:fontRef idx="minor">
+            <a:schemeClr val="lt1"/>
+          </a:fontRef>
+        </p:style>
+        <p:txBody>
+          <a:bodyPr rtlCol="0" anchor="ctr"/>
+          <a:lstStyle/>
+          <a:p>
+            <a:pPr algn="ctr"/>
+            <a:endParaRPr lang="zh-CN" altLang="en-US"/>
+          </a:p>
+        </p:txBody>
+      </p:sp>
+      <p:sp>
+        <p:nvSpPr>
+          <p:cNvPr id="10" name="箭头: 右 9">
+            <a:extLst>
+              <a:ext uri="{FF2B5EF4-FFF2-40B4-BE49-F238E27FC236}">
+                <a16:creationId xmlns:a16="http://schemas.microsoft.com/office/drawing/2014/main" id="{9D4A908C-E3DF-481B-B211-3AD36FA6BF08}"/>
+              </a:ext>
+            </a:extLst>
+          </p:cNvPr>
+          <p:cNvSpPr/>
+          <p:nvPr/>
+        </p:nvSpPr>
+        <p:spPr>
+          <a:xfrm>
+            <a:off x="7912112" y="1810479"/>
+            <a:ext cx="476057" cy="212705"/>
+          </a:xfrm>
+          <a:prstGeom prst="rightArrow">
+            <a:avLst/>
+          </a:prstGeom>
+          <a:solidFill>
+            <a:srgbClr val="FF0000"/>
+          </a:solidFill>
+          <a:ln>
+            <a:solidFill>
+              <a:srgbClr val="FF0000"/>
+            </a:solidFill>
+          </a:ln>
+        </p:spPr>
+        <p:style>
+          <a:lnRef idx="2">
+            <a:schemeClr val="accent1">
+              <a:shade val="50000"/>
+            </a:schemeClr>
+          </a:lnRef>
+          <a:fillRef idx="1">
+            <a:schemeClr val="accent1"/>
+          </a:fillRef>
+          <a:effectRef idx="0">
+            <a:schemeClr val="accent1"/>
+          </a:effectRef>
+          <a:fontRef idx="minor">
+            <a:schemeClr val="lt1"/>
+          </a:fontRef>
+        </p:style>
+        <p:txBody>
+          <a:bodyPr rtlCol="0" anchor="ctr"/>
+          <a:lstStyle/>
+          <a:p>
+            <a:pPr algn="ctr"/>
+            <a:endParaRPr lang="zh-CN" altLang="en-US"/>
           </a:p>
         </p:txBody>
       </p:sp>
@@ -13729,13 +14253,13 @@
               <a:t> </a:t>
             </a:r>
             <a:r>
-              <a:rPr lang="zh-CN" altLang="zh-CN" sz="1100" dirty="0">
+              <a:rPr lang="en-US" altLang="zh-CN" sz="1100" dirty="0" err="1">
                 <a:solidFill>
                   <a:srgbClr val="61AFEF"/>
                 </a:solidFill>
                 <a:latin typeface="Arial Unicode MS" panose="020B0604020202020204" pitchFamily="34" charset="-122"/>
               </a:rPr>
-              <a:t>alarm_dd</a:t>
+              <a:t>send_msg</a:t>
             </a:r>
             <a:r>
               <a:rPr lang="zh-CN" altLang="zh-CN" sz="1100" dirty="0">
@@ -14576,13 +15100,13 @@
               </a:spcAft>
             </a:pPr>
             <a:r>
-              <a:rPr lang="zh-CN" altLang="zh-CN" sz="1100" dirty="0">
+              <a:rPr lang="en-US" altLang="zh-CN" sz="1100" dirty="0" err="1">
                 <a:solidFill>
                   <a:srgbClr val="61AFEF"/>
                 </a:solidFill>
                 <a:latin typeface="Arial Unicode MS" panose="020B0604020202020204" pitchFamily="34" charset="-122"/>
               </a:rPr>
-              <a:t>alarm_dd</a:t>
+              <a:t>send_msg</a:t>
             </a:r>
             <a:r>
               <a:rPr lang="zh-CN" altLang="zh-CN" sz="1100" dirty="0">
@@ -15017,13 +15541,13 @@
               <a:t> </a:t>
             </a:r>
             <a:r>
-              <a:rPr lang="zh-CN" altLang="zh-CN" sz="1100" dirty="0">
+              <a:rPr lang="en-US" altLang="zh-CN" sz="1100" dirty="0" err="1">
                 <a:solidFill>
                   <a:srgbClr val="61AFEF"/>
                 </a:solidFill>
                 <a:latin typeface="Arial Unicode MS" panose="020B0604020202020204" pitchFamily="34" charset="-122"/>
               </a:rPr>
-              <a:t>alarm_dd</a:t>
+              <a:t>send_msg</a:t>
             </a:r>
             <a:r>
               <a:rPr lang="zh-CN" altLang="zh-CN" sz="1100" dirty="0">
@@ -16079,13 +16603,13 @@
               </a:spcAft>
             </a:pPr>
             <a:r>
-              <a:rPr lang="zh-CN" altLang="zh-CN" sz="1100" dirty="0">
+              <a:rPr lang="en-US" altLang="zh-CN" sz="1100" dirty="0" err="1">
                 <a:solidFill>
                   <a:srgbClr val="61AFEF"/>
                 </a:solidFill>
                 <a:latin typeface="Arial Unicode MS" panose="020B0604020202020204" pitchFamily="34" charset="-122"/>
               </a:rPr>
-              <a:t>alarm_dd</a:t>
+              <a:t>send_msg</a:t>
             </a:r>
             <a:r>
               <a:rPr lang="zh-CN" altLang="zh-CN" sz="1100" dirty="0">
@@ -18781,139 +19305,12 @@
 </file>
 
 <file path=customXml/item1.xml><?xml version="1.0" encoding="utf-8"?>
-<p:properties xmlns:p="http://schemas.microsoft.com/office/2006/metadata/properties" xmlns:xsi="http://www.w3.org/2001/XMLSchema-instance" xmlns:pc="http://schemas.microsoft.com/office/infopath/2007/PartnerControls">
-  <documentManagement>
-    <LocPublishedLinkedAssetsLookup xmlns="4873beb7-5857-4685-be1f-d57550cc96cc" xsi:nil="true"/>
-    <ApprovalStatus xmlns="4873beb7-5857-4685-be1f-d57550cc96cc">InProgress</ApprovalStatus>
-    <MarketSpecific xmlns="4873beb7-5857-4685-be1f-d57550cc96cc">false</MarketSpecific>
-    <LocComments xmlns="4873beb7-5857-4685-be1f-d57550cc96cc" xsi:nil="true"/>
-    <LocLastLocAttemptVersionTypeLookup xmlns="4873beb7-5857-4685-be1f-d57550cc96cc" xsi:nil="true"/>
-    <DirectSourceMarket xmlns="4873beb7-5857-4685-be1f-d57550cc96cc" xsi:nil="true"/>
-    <ThumbnailAssetId xmlns="4873beb7-5857-4685-be1f-d57550cc96cc" xsi:nil="true"/>
-    <PrimaryImageGen xmlns="4873beb7-5857-4685-be1f-d57550cc96cc">false</PrimaryImageGen>
-    <LocNewPublishedVersionLookup xmlns="4873beb7-5857-4685-be1f-d57550cc96cc" xsi:nil="true"/>
-    <LegacyData xmlns="4873beb7-5857-4685-be1f-d57550cc96cc" xsi:nil="true"/>
-    <LocRecommendedHandoff xmlns="4873beb7-5857-4685-be1f-d57550cc96cc" xsi:nil="true"/>
-    <BusinessGroup xmlns="4873beb7-5857-4685-be1f-d57550cc96cc" xsi:nil="true"/>
-    <BlockPublish xmlns="4873beb7-5857-4685-be1f-d57550cc96cc">false</BlockPublish>
-    <TPFriendlyName xmlns="4873beb7-5857-4685-be1f-d57550cc96cc" xsi:nil="true"/>
-    <LocOverallPublishStatusLookup xmlns="4873beb7-5857-4685-be1f-d57550cc96cc" xsi:nil="true"/>
-    <NumericId xmlns="4873beb7-5857-4685-be1f-d57550cc96cc" xsi:nil="true"/>
-    <APEditor xmlns="4873beb7-5857-4685-be1f-d57550cc96cc">
-      <UserInfo>
-        <DisplayName/>
-        <AccountId xsi:nil="true"/>
-        <AccountType/>
-      </UserInfo>
-    </APEditor>
-    <SourceTitle xmlns="4873beb7-5857-4685-be1f-d57550cc96cc" xsi:nil="true"/>
-    <OpenTemplate xmlns="4873beb7-5857-4685-be1f-d57550cc96cc">true</OpenTemplate>
-    <LocOverallLocStatusLookup xmlns="4873beb7-5857-4685-be1f-d57550cc96cc" xsi:nil="true"/>
-    <UALocComments xmlns="4873beb7-5857-4685-be1f-d57550cc96cc" xsi:nil="true"/>
-    <ParentAssetId xmlns="4873beb7-5857-4685-be1f-d57550cc96cc" xsi:nil="true"/>
-    <IntlLangReviewDate xmlns="4873beb7-5857-4685-be1f-d57550cc96cc" xsi:nil="true"/>
-    <FeatureTagsTaxHTField0 xmlns="4873beb7-5857-4685-be1f-d57550cc96cc">
-      <Terms xmlns="http://schemas.microsoft.com/office/infopath/2007/PartnerControls"/>
-    </FeatureTagsTaxHTField0>
-    <PublishStatusLookup xmlns="4873beb7-5857-4685-be1f-d57550cc96cc">
-      <Value>1345039</Value>
-    </PublishStatusLookup>
-    <Providers xmlns="4873beb7-5857-4685-be1f-d57550cc96cc" xsi:nil="true"/>
-    <MachineTranslated xmlns="4873beb7-5857-4685-be1f-d57550cc96cc">false</MachineTranslated>
-    <OriginalSourceMarket xmlns="4873beb7-5857-4685-be1f-d57550cc96cc" xsi:nil="true"/>
-    <APDescription xmlns="4873beb7-5857-4685-be1f-d57550cc96cc">The bookstacks present on most slides  make this a good choice for students, teachers, reading enthusiasts, and others in education. This presentation template contains multiple slide layouts in widescreen format (16x9) and includes a sample table and chart that you can easily  modify.</APDescription>
-    <ClipArtFilename xmlns="4873beb7-5857-4685-be1f-d57550cc96cc" xsi:nil="true"/>
-    <ContentItem xmlns="4873beb7-5857-4685-be1f-d57550cc96cc" xsi:nil="true"/>
-    <TPInstallLocation xmlns="4873beb7-5857-4685-be1f-d57550cc96cc" xsi:nil="true"/>
-    <PublishTargets xmlns="4873beb7-5857-4685-be1f-d57550cc96cc">OfficeOnlineVNext</PublishTargets>
-    <TimesCloned xmlns="4873beb7-5857-4685-be1f-d57550cc96cc" xsi:nil="true"/>
-    <AssetStart xmlns="4873beb7-5857-4685-be1f-d57550cc96cc">2011-11-26T00:00:00+00:00</AssetStart>
-    <Provider xmlns="4873beb7-5857-4685-be1f-d57550cc96cc" xsi:nil="true"/>
-    <AcquiredFrom xmlns="4873beb7-5857-4685-be1f-d57550cc96cc">Internal MS</AcquiredFrom>
-    <FriendlyTitle xmlns="4873beb7-5857-4685-be1f-d57550cc96cc" xsi:nil="true"/>
-    <LastHandOff xmlns="4873beb7-5857-4685-be1f-d57550cc96cc" xsi:nil="true"/>
-    <TPClientViewer xmlns="4873beb7-5857-4685-be1f-d57550cc96cc" xsi:nil="true"/>
-    <TemplateStatus xmlns="4873beb7-5857-4685-be1f-d57550cc96cc">Complete</TemplateStatus>
-    <Downloads xmlns="4873beb7-5857-4685-be1f-d57550cc96cc">0</Downloads>
-    <OOCacheId xmlns="4873beb7-5857-4685-be1f-d57550cc96cc" xsi:nil="true"/>
-    <IsDeleted xmlns="4873beb7-5857-4685-be1f-d57550cc96cc">false</IsDeleted>
-    <LocPublishedDependentAssetsLookup xmlns="4873beb7-5857-4685-be1f-d57550cc96cc" xsi:nil="true"/>
-    <AssetExpire xmlns="4873beb7-5857-4685-be1f-d57550cc96cc">2029-05-12T07:00:00+00:00</AssetExpire>
-    <DSATActionTaken xmlns="4873beb7-5857-4685-be1f-d57550cc96cc" xsi:nil="true"/>
-    <CSXSubmissionMarket xmlns="4873beb7-5857-4685-be1f-d57550cc96cc" xsi:nil="true"/>
-    <TPExecutable xmlns="4873beb7-5857-4685-be1f-d57550cc96cc" xsi:nil="true"/>
-    <EditorialTags xmlns="4873beb7-5857-4685-be1f-d57550cc96cc" xsi:nil="true"/>
-    <SubmitterId xmlns="4873beb7-5857-4685-be1f-d57550cc96cc" xsi:nil="true"/>
-    <ApprovalLog xmlns="4873beb7-5857-4685-be1f-d57550cc96cc" xsi:nil="true"/>
-    <AssetType xmlns="4873beb7-5857-4685-be1f-d57550cc96cc">TP</AssetType>
-    <BugNumber xmlns="4873beb7-5857-4685-be1f-d57550cc96cc" xsi:nil="true"/>
-    <CSXSubmissionDate xmlns="4873beb7-5857-4685-be1f-d57550cc96cc" xsi:nil="true"/>
-    <CSXUpdate xmlns="4873beb7-5857-4685-be1f-d57550cc96cc">false</CSXUpdate>
-    <Milestone xmlns="4873beb7-5857-4685-be1f-d57550cc96cc" xsi:nil="true"/>
-    <RecommendationsModifier xmlns="4873beb7-5857-4685-be1f-d57550cc96cc" xsi:nil="true"/>
-    <OriginAsset xmlns="4873beb7-5857-4685-be1f-d57550cc96cc" xsi:nil="true"/>
-    <TPComponent xmlns="4873beb7-5857-4685-be1f-d57550cc96cc" xsi:nil="true"/>
-    <AssetId xmlns="4873beb7-5857-4685-be1f-d57550cc96cc">TP102787939</AssetId>
-    <IntlLocPriority xmlns="4873beb7-5857-4685-be1f-d57550cc96cc" xsi:nil="true"/>
-    <PolicheckWords xmlns="4873beb7-5857-4685-be1f-d57550cc96cc" xsi:nil="true"/>
-    <TPLaunchHelpLink xmlns="4873beb7-5857-4685-be1f-d57550cc96cc" xsi:nil="true"/>
-    <TPApplication xmlns="4873beb7-5857-4685-be1f-d57550cc96cc" xsi:nil="true"/>
-    <CrawlForDependencies xmlns="4873beb7-5857-4685-be1f-d57550cc96cc">false</CrawlForDependencies>
-    <HandoffToMSDN xmlns="4873beb7-5857-4685-be1f-d57550cc96cc" xsi:nil="true"/>
-    <PlannedPubDate xmlns="4873beb7-5857-4685-be1f-d57550cc96cc" xsi:nil="true"/>
-    <IntlLangReviewer xmlns="4873beb7-5857-4685-be1f-d57550cc96cc" xsi:nil="true"/>
-    <TrustLevel xmlns="4873beb7-5857-4685-be1f-d57550cc96cc">1 Microsoft Managed Content</TrustLevel>
-    <LocLastLocAttemptVersionLookup xmlns="4873beb7-5857-4685-be1f-d57550cc96cc">694216</LocLastLocAttemptVersionLookup>
-    <LocProcessedForHandoffsLookup xmlns="4873beb7-5857-4685-be1f-d57550cc96cc" xsi:nil="true"/>
-    <IsSearchable xmlns="4873beb7-5857-4685-be1f-d57550cc96cc">true</IsSearchable>
-    <TemplateTemplateType xmlns="4873beb7-5857-4685-be1f-d57550cc96cc">PowerPoint Presentation Template</TemplateTemplateType>
-    <CampaignTagsTaxHTField0 xmlns="4873beb7-5857-4685-be1f-d57550cc96cc">
-      <Terms xmlns="http://schemas.microsoft.com/office/infopath/2007/PartnerControls"/>
-    </CampaignTagsTaxHTField0>
-    <TPNamespace xmlns="4873beb7-5857-4685-be1f-d57550cc96cc" xsi:nil="true"/>
-    <LocOverallPreviewStatusLookup xmlns="4873beb7-5857-4685-be1f-d57550cc96cc" xsi:nil="true"/>
-    <TaxCatchAll xmlns="4873beb7-5857-4685-be1f-d57550cc96cc"/>
-    <Markets xmlns="4873beb7-5857-4685-be1f-d57550cc96cc"/>
-    <UAProjectedTotalWords xmlns="4873beb7-5857-4685-be1f-d57550cc96cc" xsi:nil="true"/>
-    <IntlLangReview xmlns="4873beb7-5857-4685-be1f-d57550cc96cc" xsi:nil="true"/>
-    <OutputCachingOn xmlns="4873beb7-5857-4685-be1f-d57550cc96cc">false</OutputCachingOn>
-    <AverageRating xmlns="4873beb7-5857-4685-be1f-d57550cc96cc" xsi:nil="true"/>
-    <APAuthor xmlns="4873beb7-5857-4685-be1f-d57550cc96cc">
-      <UserInfo>
-        <DisplayName>REDMOND\kristaa</DisplayName>
-        <AccountId>136</AccountId>
-        <AccountType/>
-      </UserInfo>
-    </APAuthor>
-    <LocManualTestRequired xmlns="4873beb7-5857-4685-be1f-d57550cc96cc">false</LocManualTestRequired>
-    <TPCommandLine xmlns="4873beb7-5857-4685-be1f-d57550cc96cc" xsi:nil="true"/>
-    <TPAppVersion xmlns="4873beb7-5857-4685-be1f-d57550cc96cc" xsi:nil="true"/>
-    <EditorialStatus xmlns="4873beb7-5857-4685-be1f-d57550cc96cc">Complete</EditorialStatus>
-    <LastModifiedDateTime xmlns="4873beb7-5857-4685-be1f-d57550cc96cc" xsi:nil="true"/>
-    <ScenarioTagsTaxHTField0 xmlns="4873beb7-5857-4685-be1f-d57550cc96cc">
-      <Terms xmlns="http://schemas.microsoft.com/office/infopath/2007/PartnerControls"/>
-    </ScenarioTagsTaxHTField0>
-    <LocProcessedForMarketsLookup xmlns="4873beb7-5857-4685-be1f-d57550cc96cc" xsi:nil="true"/>
-    <TPLaunchHelpLinkType xmlns="4873beb7-5857-4685-be1f-d57550cc96cc">Template</TPLaunchHelpLinkType>
-    <OriginalRelease xmlns="4873beb7-5857-4685-be1f-d57550cc96cc">15</OriginalRelease>
-    <LocalizationTagsTaxHTField0 xmlns="4873beb7-5857-4685-be1f-d57550cc96cc">
-      <Terms xmlns="http://schemas.microsoft.com/office/infopath/2007/PartnerControls"/>
-    </LocalizationTagsTaxHTField0>
-    <UACurrentWords xmlns="4873beb7-5857-4685-be1f-d57550cc96cc" xsi:nil="true"/>
-    <ArtSampleDocs xmlns="4873beb7-5857-4685-be1f-d57550cc96cc" xsi:nil="true"/>
-    <UALocRecommendation xmlns="4873beb7-5857-4685-be1f-d57550cc96cc">Localize</UALocRecommendation>
-    <Manager xmlns="4873beb7-5857-4685-be1f-d57550cc96cc" xsi:nil="true"/>
-    <LocOverallHandbackStatusLookup xmlns="4873beb7-5857-4685-be1f-d57550cc96cc" xsi:nil="true"/>
-    <ShowIn xmlns="4873beb7-5857-4685-be1f-d57550cc96cc">Show everywhere</ShowIn>
-    <UANotes xmlns="4873beb7-5857-4685-be1f-d57550cc96cc" xsi:nil="true"/>
-    <InternalTagsTaxHTField0 xmlns="4873beb7-5857-4685-be1f-d57550cc96cc">
-      <Terms xmlns="http://schemas.microsoft.com/office/infopath/2007/PartnerControls"/>
-    </InternalTagsTaxHTField0>
-    <CSXHash xmlns="4873beb7-5857-4685-be1f-d57550cc96cc" xsi:nil="true"/>
-    <VoteCount xmlns="4873beb7-5857-4685-be1f-d57550cc96cc" xsi:nil="true"/>
-    <LocMarketGroupTiers2 xmlns="4873beb7-5857-4685-be1f-d57550cc96cc" xsi:nil="true"/>
-  </documentManagement>
-</p:properties>
+<?mso-contentType ?>
+<FormTemplates xmlns="http://schemas.microsoft.com/sharepoint/v3/contenttype/forms">
+  <Display>DocumentLibraryForm</Display>
+  <Edit>AssetEditForm</Edit>
+  <New>DocumentLibraryForm</New>
+</FormTemplates>
 </file>
 
 <file path=customXml/item2.xml><?xml version="1.0" encoding="utf-8"?>
@@ -19957,26 +20354,145 @@
 </file>
 
 <file path=customXml/item3.xml><?xml version="1.0" encoding="utf-8"?>
-<?mso-contentType ?>
-<FormTemplates xmlns="http://schemas.microsoft.com/sharepoint/v3/contenttype/forms">
-  <Display>DocumentLibraryForm</Display>
-  <Edit>AssetEditForm</Edit>
-  <New>DocumentLibraryForm</New>
-</FormTemplates>
+<p:properties xmlns:p="http://schemas.microsoft.com/office/2006/metadata/properties" xmlns:xsi="http://www.w3.org/2001/XMLSchema-instance" xmlns:pc="http://schemas.microsoft.com/office/infopath/2007/PartnerControls">
+  <documentManagement>
+    <LocPublishedLinkedAssetsLookup xmlns="4873beb7-5857-4685-be1f-d57550cc96cc" xsi:nil="true"/>
+    <ApprovalStatus xmlns="4873beb7-5857-4685-be1f-d57550cc96cc">InProgress</ApprovalStatus>
+    <MarketSpecific xmlns="4873beb7-5857-4685-be1f-d57550cc96cc">false</MarketSpecific>
+    <LocComments xmlns="4873beb7-5857-4685-be1f-d57550cc96cc" xsi:nil="true"/>
+    <LocLastLocAttemptVersionTypeLookup xmlns="4873beb7-5857-4685-be1f-d57550cc96cc" xsi:nil="true"/>
+    <DirectSourceMarket xmlns="4873beb7-5857-4685-be1f-d57550cc96cc" xsi:nil="true"/>
+    <ThumbnailAssetId xmlns="4873beb7-5857-4685-be1f-d57550cc96cc" xsi:nil="true"/>
+    <PrimaryImageGen xmlns="4873beb7-5857-4685-be1f-d57550cc96cc">false</PrimaryImageGen>
+    <LocNewPublishedVersionLookup xmlns="4873beb7-5857-4685-be1f-d57550cc96cc" xsi:nil="true"/>
+    <LegacyData xmlns="4873beb7-5857-4685-be1f-d57550cc96cc" xsi:nil="true"/>
+    <LocRecommendedHandoff xmlns="4873beb7-5857-4685-be1f-d57550cc96cc" xsi:nil="true"/>
+    <BusinessGroup xmlns="4873beb7-5857-4685-be1f-d57550cc96cc" xsi:nil="true"/>
+    <BlockPublish xmlns="4873beb7-5857-4685-be1f-d57550cc96cc">false</BlockPublish>
+    <TPFriendlyName xmlns="4873beb7-5857-4685-be1f-d57550cc96cc" xsi:nil="true"/>
+    <LocOverallPublishStatusLookup xmlns="4873beb7-5857-4685-be1f-d57550cc96cc" xsi:nil="true"/>
+    <NumericId xmlns="4873beb7-5857-4685-be1f-d57550cc96cc" xsi:nil="true"/>
+    <APEditor xmlns="4873beb7-5857-4685-be1f-d57550cc96cc">
+      <UserInfo>
+        <DisplayName/>
+        <AccountId xsi:nil="true"/>
+        <AccountType/>
+      </UserInfo>
+    </APEditor>
+    <SourceTitle xmlns="4873beb7-5857-4685-be1f-d57550cc96cc" xsi:nil="true"/>
+    <OpenTemplate xmlns="4873beb7-5857-4685-be1f-d57550cc96cc">true</OpenTemplate>
+    <LocOverallLocStatusLookup xmlns="4873beb7-5857-4685-be1f-d57550cc96cc" xsi:nil="true"/>
+    <UALocComments xmlns="4873beb7-5857-4685-be1f-d57550cc96cc" xsi:nil="true"/>
+    <ParentAssetId xmlns="4873beb7-5857-4685-be1f-d57550cc96cc" xsi:nil="true"/>
+    <IntlLangReviewDate xmlns="4873beb7-5857-4685-be1f-d57550cc96cc" xsi:nil="true"/>
+    <FeatureTagsTaxHTField0 xmlns="4873beb7-5857-4685-be1f-d57550cc96cc">
+      <Terms xmlns="http://schemas.microsoft.com/office/infopath/2007/PartnerControls"/>
+    </FeatureTagsTaxHTField0>
+    <PublishStatusLookup xmlns="4873beb7-5857-4685-be1f-d57550cc96cc">
+      <Value>1345039</Value>
+    </PublishStatusLookup>
+    <Providers xmlns="4873beb7-5857-4685-be1f-d57550cc96cc" xsi:nil="true"/>
+    <MachineTranslated xmlns="4873beb7-5857-4685-be1f-d57550cc96cc">false</MachineTranslated>
+    <OriginalSourceMarket xmlns="4873beb7-5857-4685-be1f-d57550cc96cc" xsi:nil="true"/>
+    <APDescription xmlns="4873beb7-5857-4685-be1f-d57550cc96cc">The bookstacks present on most slides  make this a good choice for students, teachers, reading enthusiasts, and others in education. This presentation template contains multiple slide layouts in widescreen format (16x9) and includes a sample table and chart that you can easily  modify.</APDescription>
+    <ClipArtFilename xmlns="4873beb7-5857-4685-be1f-d57550cc96cc" xsi:nil="true"/>
+    <ContentItem xmlns="4873beb7-5857-4685-be1f-d57550cc96cc" xsi:nil="true"/>
+    <TPInstallLocation xmlns="4873beb7-5857-4685-be1f-d57550cc96cc" xsi:nil="true"/>
+    <PublishTargets xmlns="4873beb7-5857-4685-be1f-d57550cc96cc">OfficeOnlineVNext</PublishTargets>
+    <TimesCloned xmlns="4873beb7-5857-4685-be1f-d57550cc96cc" xsi:nil="true"/>
+    <AssetStart xmlns="4873beb7-5857-4685-be1f-d57550cc96cc">2011-11-26T00:00:00+00:00</AssetStart>
+    <Provider xmlns="4873beb7-5857-4685-be1f-d57550cc96cc" xsi:nil="true"/>
+    <AcquiredFrom xmlns="4873beb7-5857-4685-be1f-d57550cc96cc">Internal MS</AcquiredFrom>
+    <FriendlyTitle xmlns="4873beb7-5857-4685-be1f-d57550cc96cc" xsi:nil="true"/>
+    <LastHandOff xmlns="4873beb7-5857-4685-be1f-d57550cc96cc" xsi:nil="true"/>
+    <TPClientViewer xmlns="4873beb7-5857-4685-be1f-d57550cc96cc" xsi:nil="true"/>
+    <TemplateStatus xmlns="4873beb7-5857-4685-be1f-d57550cc96cc">Complete</TemplateStatus>
+    <Downloads xmlns="4873beb7-5857-4685-be1f-d57550cc96cc">0</Downloads>
+    <OOCacheId xmlns="4873beb7-5857-4685-be1f-d57550cc96cc" xsi:nil="true"/>
+    <IsDeleted xmlns="4873beb7-5857-4685-be1f-d57550cc96cc">false</IsDeleted>
+    <LocPublishedDependentAssetsLookup xmlns="4873beb7-5857-4685-be1f-d57550cc96cc" xsi:nil="true"/>
+    <AssetExpire xmlns="4873beb7-5857-4685-be1f-d57550cc96cc">2029-05-12T07:00:00+00:00</AssetExpire>
+    <DSATActionTaken xmlns="4873beb7-5857-4685-be1f-d57550cc96cc" xsi:nil="true"/>
+    <CSXSubmissionMarket xmlns="4873beb7-5857-4685-be1f-d57550cc96cc" xsi:nil="true"/>
+    <TPExecutable xmlns="4873beb7-5857-4685-be1f-d57550cc96cc" xsi:nil="true"/>
+    <EditorialTags xmlns="4873beb7-5857-4685-be1f-d57550cc96cc" xsi:nil="true"/>
+    <SubmitterId xmlns="4873beb7-5857-4685-be1f-d57550cc96cc" xsi:nil="true"/>
+    <ApprovalLog xmlns="4873beb7-5857-4685-be1f-d57550cc96cc" xsi:nil="true"/>
+    <AssetType xmlns="4873beb7-5857-4685-be1f-d57550cc96cc">TP</AssetType>
+    <BugNumber xmlns="4873beb7-5857-4685-be1f-d57550cc96cc" xsi:nil="true"/>
+    <CSXSubmissionDate xmlns="4873beb7-5857-4685-be1f-d57550cc96cc" xsi:nil="true"/>
+    <CSXUpdate xmlns="4873beb7-5857-4685-be1f-d57550cc96cc">false</CSXUpdate>
+    <Milestone xmlns="4873beb7-5857-4685-be1f-d57550cc96cc" xsi:nil="true"/>
+    <RecommendationsModifier xmlns="4873beb7-5857-4685-be1f-d57550cc96cc" xsi:nil="true"/>
+    <OriginAsset xmlns="4873beb7-5857-4685-be1f-d57550cc96cc" xsi:nil="true"/>
+    <TPComponent xmlns="4873beb7-5857-4685-be1f-d57550cc96cc" xsi:nil="true"/>
+    <AssetId xmlns="4873beb7-5857-4685-be1f-d57550cc96cc">TP102787939</AssetId>
+    <IntlLocPriority xmlns="4873beb7-5857-4685-be1f-d57550cc96cc" xsi:nil="true"/>
+    <PolicheckWords xmlns="4873beb7-5857-4685-be1f-d57550cc96cc" xsi:nil="true"/>
+    <TPLaunchHelpLink xmlns="4873beb7-5857-4685-be1f-d57550cc96cc" xsi:nil="true"/>
+    <TPApplication xmlns="4873beb7-5857-4685-be1f-d57550cc96cc" xsi:nil="true"/>
+    <CrawlForDependencies xmlns="4873beb7-5857-4685-be1f-d57550cc96cc">false</CrawlForDependencies>
+    <HandoffToMSDN xmlns="4873beb7-5857-4685-be1f-d57550cc96cc" xsi:nil="true"/>
+    <PlannedPubDate xmlns="4873beb7-5857-4685-be1f-d57550cc96cc" xsi:nil="true"/>
+    <IntlLangReviewer xmlns="4873beb7-5857-4685-be1f-d57550cc96cc" xsi:nil="true"/>
+    <TrustLevel xmlns="4873beb7-5857-4685-be1f-d57550cc96cc">1 Microsoft Managed Content</TrustLevel>
+    <LocLastLocAttemptVersionLookup xmlns="4873beb7-5857-4685-be1f-d57550cc96cc">694216</LocLastLocAttemptVersionLookup>
+    <LocProcessedForHandoffsLookup xmlns="4873beb7-5857-4685-be1f-d57550cc96cc" xsi:nil="true"/>
+    <IsSearchable xmlns="4873beb7-5857-4685-be1f-d57550cc96cc">true</IsSearchable>
+    <TemplateTemplateType xmlns="4873beb7-5857-4685-be1f-d57550cc96cc">PowerPoint Presentation Template</TemplateTemplateType>
+    <CampaignTagsTaxHTField0 xmlns="4873beb7-5857-4685-be1f-d57550cc96cc">
+      <Terms xmlns="http://schemas.microsoft.com/office/infopath/2007/PartnerControls"/>
+    </CampaignTagsTaxHTField0>
+    <TPNamespace xmlns="4873beb7-5857-4685-be1f-d57550cc96cc" xsi:nil="true"/>
+    <LocOverallPreviewStatusLookup xmlns="4873beb7-5857-4685-be1f-d57550cc96cc" xsi:nil="true"/>
+    <TaxCatchAll xmlns="4873beb7-5857-4685-be1f-d57550cc96cc"/>
+    <Markets xmlns="4873beb7-5857-4685-be1f-d57550cc96cc"/>
+    <UAProjectedTotalWords xmlns="4873beb7-5857-4685-be1f-d57550cc96cc" xsi:nil="true"/>
+    <IntlLangReview xmlns="4873beb7-5857-4685-be1f-d57550cc96cc" xsi:nil="true"/>
+    <OutputCachingOn xmlns="4873beb7-5857-4685-be1f-d57550cc96cc">false</OutputCachingOn>
+    <AverageRating xmlns="4873beb7-5857-4685-be1f-d57550cc96cc" xsi:nil="true"/>
+    <APAuthor xmlns="4873beb7-5857-4685-be1f-d57550cc96cc">
+      <UserInfo>
+        <DisplayName>REDMOND\kristaa</DisplayName>
+        <AccountId>136</AccountId>
+        <AccountType/>
+      </UserInfo>
+    </APAuthor>
+    <LocManualTestRequired xmlns="4873beb7-5857-4685-be1f-d57550cc96cc">false</LocManualTestRequired>
+    <TPCommandLine xmlns="4873beb7-5857-4685-be1f-d57550cc96cc" xsi:nil="true"/>
+    <TPAppVersion xmlns="4873beb7-5857-4685-be1f-d57550cc96cc" xsi:nil="true"/>
+    <EditorialStatus xmlns="4873beb7-5857-4685-be1f-d57550cc96cc">Complete</EditorialStatus>
+    <LastModifiedDateTime xmlns="4873beb7-5857-4685-be1f-d57550cc96cc" xsi:nil="true"/>
+    <ScenarioTagsTaxHTField0 xmlns="4873beb7-5857-4685-be1f-d57550cc96cc">
+      <Terms xmlns="http://schemas.microsoft.com/office/infopath/2007/PartnerControls"/>
+    </ScenarioTagsTaxHTField0>
+    <LocProcessedForMarketsLookup xmlns="4873beb7-5857-4685-be1f-d57550cc96cc" xsi:nil="true"/>
+    <TPLaunchHelpLinkType xmlns="4873beb7-5857-4685-be1f-d57550cc96cc">Template</TPLaunchHelpLinkType>
+    <OriginalRelease xmlns="4873beb7-5857-4685-be1f-d57550cc96cc">15</OriginalRelease>
+    <LocalizationTagsTaxHTField0 xmlns="4873beb7-5857-4685-be1f-d57550cc96cc">
+      <Terms xmlns="http://schemas.microsoft.com/office/infopath/2007/PartnerControls"/>
+    </LocalizationTagsTaxHTField0>
+    <UACurrentWords xmlns="4873beb7-5857-4685-be1f-d57550cc96cc" xsi:nil="true"/>
+    <ArtSampleDocs xmlns="4873beb7-5857-4685-be1f-d57550cc96cc" xsi:nil="true"/>
+    <UALocRecommendation xmlns="4873beb7-5857-4685-be1f-d57550cc96cc">Localize</UALocRecommendation>
+    <Manager xmlns="4873beb7-5857-4685-be1f-d57550cc96cc" xsi:nil="true"/>
+    <LocOverallHandbackStatusLookup xmlns="4873beb7-5857-4685-be1f-d57550cc96cc" xsi:nil="true"/>
+    <ShowIn xmlns="4873beb7-5857-4685-be1f-d57550cc96cc">Show everywhere</ShowIn>
+    <UANotes xmlns="4873beb7-5857-4685-be1f-d57550cc96cc" xsi:nil="true"/>
+    <InternalTagsTaxHTField0 xmlns="4873beb7-5857-4685-be1f-d57550cc96cc">
+      <Terms xmlns="http://schemas.microsoft.com/office/infopath/2007/PartnerControls"/>
+    </InternalTagsTaxHTField0>
+    <CSXHash xmlns="4873beb7-5857-4685-be1f-d57550cc96cc" xsi:nil="true"/>
+    <VoteCount xmlns="4873beb7-5857-4685-be1f-d57550cc96cc" xsi:nil="true"/>
+    <LocMarketGroupTiers2 xmlns="4873beb7-5857-4685-be1f-d57550cc96cc" xsi:nil="true"/>
+  </documentManagement>
+</p:properties>
 </file>
 
 <file path=customXml/itemProps1.xml><?xml version="1.0" encoding="utf-8"?>
-<ds:datastoreItem xmlns:ds="http://schemas.openxmlformats.org/officeDocument/2006/customXml" ds:itemID="{F301D382-32B0-43EE-932C-28906AF37617}">
+<ds:datastoreItem xmlns:ds="http://schemas.openxmlformats.org/officeDocument/2006/customXml" ds:itemID="{E1B558C7-619B-49BE-9097-7FCBDADD4ECE}">
   <ds:schemaRefs>
-    <ds:schemaRef ds:uri="http://purl.org/dc/terms/"/>
-    <ds:schemaRef ds:uri="http://purl.org/dc/dcmitype/"/>
-    <ds:schemaRef ds:uri="4873beb7-5857-4685-be1f-d57550cc96cc"/>
-    <ds:schemaRef ds:uri="http://purl.org/dc/elements/1.1/"/>
-    <ds:schemaRef ds:uri="http://schemas.microsoft.com/office/2006/metadata/properties"/>
-    <ds:schemaRef ds:uri="http://schemas.microsoft.com/office/2006/documentManagement/types"/>
-    <ds:schemaRef ds:uri="http://schemas.microsoft.com/office/infopath/2007/PartnerControls"/>
-    <ds:schemaRef ds:uri="http://schemas.openxmlformats.org/package/2006/metadata/core-properties"/>
-    <ds:schemaRef ds:uri="http://www.w3.org/XML/1998/namespace"/>
+    <ds:schemaRef ds:uri="http://schemas.microsoft.com/sharepoint/v3/contenttype/forms"/>
   </ds:schemaRefs>
 </ds:datastoreItem>
 </file>
@@ -20000,9 +20516,17 @@
 </file>
 
 <file path=customXml/itemProps3.xml><?xml version="1.0" encoding="utf-8"?>
-<ds:datastoreItem xmlns:ds="http://schemas.openxmlformats.org/officeDocument/2006/customXml" ds:itemID="{E1B558C7-619B-49BE-9097-7FCBDADD4ECE}">
+<ds:datastoreItem xmlns:ds="http://schemas.openxmlformats.org/officeDocument/2006/customXml" ds:itemID="{F301D382-32B0-43EE-932C-28906AF37617}">
   <ds:schemaRefs>
-    <ds:schemaRef ds:uri="http://schemas.microsoft.com/sharepoint/v3/contenttype/forms"/>
+    <ds:schemaRef ds:uri="http://purl.org/dc/terms/"/>
+    <ds:schemaRef ds:uri="http://purl.org/dc/dcmitype/"/>
+    <ds:schemaRef ds:uri="4873beb7-5857-4685-be1f-d57550cc96cc"/>
+    <ds:schemaRef ds:uri="http://purl.org/dc/elements/1.1/"/>
+    <ds:schemaRef ds:uri="http://schemas.microsoft.com/office/2006/metadata/properties"/>
+    <ds:schemaRef ds:uri="http://schemas.microsoft.com/office/2006/documentManagement/types"/>
+    <ds:schemaRef ds:uri="http://schemas.microsoft.com/office/infopath/2007/PartnerControls"/>
+    <ds:schemaRef ds:uri="http://schemas.openxmlformats.org/package/2006/metadata/core-properties"/>
+    <ds:schemaRef ds:uri="http://www.w3.org/XML/1998/namespace"/>
   </ds:schemaRefs>
 </ds:datastoreItem>
 </file>
--- a/钉钉机器人.pptx
+++ b/钉钉机器人.pptx
@@ -5,10 +5,10 @@
     <p:sldMasterId id="2147483660" r:id="rId4"/>
   </p:sldMasterIdLst>
   <p:notesMasterIdLst>
-    <p:notesMasterId r:id="rId22"/>
+    <p:notesMasterId r:id="rId23"/>
   </p:notesMasterIdLst>
   <p:handoutMasterIdLst>
-    <p:handoutMasterId r:id="rId23"/>
+    <p:handoutMasterId r:id="rId24"/>
   </p:handoutMasterIdLst>
   <p:sldIdLst>
     <p:sldId id="264" r:id="rId5"/>
@@ -24,10 +24,11 @@
     <p:sldId id="290" r:id="rId15"/>
     <p:sldId id="291" r:id="rId16"/>
     <p:sldId id="292" r:id="rId17"/>
-    <p:sldId id="293" r:id="rId18"/>
-    <p:sldId id="294" r:id="rId19"/>
-    <p:sldId id="295" r:id="rId20"/>
-    <p:sldId id="266" r:id="rId21"/>
+    <p:sldId id="297" r:id="rId18"/>
+    <p:sldId id="298" r:id="rId19"/>
+    <p:sldId id="293" r:id="rId20"/>
+    <p:sldId id="296" r:id="rId21"/>
+    <p:sldId id="266" r:id="rId22"/>
   </p:sldIdLst>
   <p:sldSz cx="12188825" cy="6858000"/>
   <p:notesSz cx="6858000" cy="9144000"/>
@@ -5632,6 +5633,105 @@
           </a:p>
         </p:txBody>
       </p:sp>
+      <p:sp>
+        <p:nvSpPr>
+          <p:cNvPr id="10" name="矩形 9">
+            <a:hlinkClick r:id="rId2" action="ppaction://hlinkfile"/>
+            <a:extLst>
+              <a:ext uri="{FF2B5EF4-FFF2-40B4-BE49-F238E27FC236}">
+                <a16:creationId xmlns:a16="http://schemas.microsoft.com/office/drawing/2014/main" id="{055B0B37-4A8C-40D8-AB06-1BAE61EDD3FA}"/>
+              </a:ext>
+            </a:extLst>
+          </p:cNvPr>
+          <p:cNvSpPr/>
+          <p:nvPr/>
+        </p:nvSpPr>
+        <p:spPr>
+          <a:xfrm>
+            <a:off x="6670476" y="3789040"/>
+            <a:ext cx="4896544" cy="493508"/>
+          </a:xfrm>
+          <a:prstGeom prst="rect">
+            <a:avLst/>
+          </a:prstGeom>
+          <a:solidFill>
+            <a:schemeClr val="bg2">
+              <a:lumMod val="90000"/>
+            </a:schemeClr>
+          </a:solidFill>
+          <a:ln>
+            <a:noFill/>
+          </a:ln>
+          <a:effectLst>
+            <a:outerShdw blurRad="44450" dist="27940" dir="5400000" algn="ctr">
+              <a:srgbClr val="000000">
+                <a:alpha val="32000"/>
+              </a:srgbClr>
+            </a:outerShdw>
+          </a:effectLst>
+          <a:scene3d>
+            <a:camera prst="orthographicFront">
+              <a:rot lat="0" lon="0" rev="0"/>
+            </a:camera>
+            <a:lightRig rig="balanced" dir="t">
+              <a:rot lat="0" lon="0" rev="8700000"/>
+            </a:lightRig>
+          </a:scene3d>
+          <a:sp3d>
+            <a:bevelT w="190500" h="38100"/>
+          </a:sp3d>
+        </p:spPr>
+        <p:style>
+          <a:lnRef idx="2">
+            <a:schemeClr val="accent1">
+              <a:shade val="50000"/>
+            </a:schemeClr>
+          </a:lnRef>
+          <a:fillRef idx="1">
+            <a:schemeClr val="accent1"/>
+          </a:fillRef>
+          <a:effectRef idx="0">
+            <a:schemeClr val="accent1"/>
+          </a:effectRef>
+          <a:fontRef idx="minor">
+            <a:schemeClr val="lt1"/>
+          </a:fontRef>
+        </p:style>
+        <p:txBody>
+          <a:bodyPr rtlCol="0" anchor="ctr"/>
+          <a:lstStyle/>
+          <a:p>
+            <a:pPr algn="ctr"/>
+            <a:r>
+              <a:rPr lang="zh-CN" altLang="en-US" sz="1100" dirty="0">
+                <a:solidFill>
+                  <a:schemeClr val="tx2"/>
+                </a:solidFill>
+                <a:latin typeface="微软雅黑" panose="020B0503020204020204" pitchFamily="34" charset="-122"/>
+                <a:ea typeface="微软雅黑" panose="020B0503020204020204" pitchFamily="34" charset="-122"/>
+              </a:rPr>
+              <a:t>示例代码：</a:t>
+            </a:r>
+            <a:r>
+              <a:rPr lang="en-US" altLang="zh-CN" sz="1100" dirty="0">
+                <a:solidFill>
+                  <a:schemeClr val="tx2"/>
+                </a:solidFill>
+                <a:latin typeface="微软雅黑" panose="020B0503020204020204" pitchFamily="34" charset="-122"/>
+                <a:ea typeface="微软雅黑" panose="020B0503020204020204" pitchFamily="34" charset="-122"/>
+              </a:rPr>
+              <a:t>group_chat_robot/img_msg/matplotlib_demo.py</a:t>
+            </a:r>
+            <a:endParaRPr lang="zh-CN" altLang="en-US" sz="1100" dirty="0">
+              <a:solidFill>
+                <a:schemeClr val="tx2"/>
+              </a:solidFill>
+              <a:latin typeface="微软雅黑" panose="020B0503020204020204" pitchFamily="34" charset="-122"/>
+              <a:ea typeface="微软雅黑" panose="020B0503020204020204" pitchFamily="34" charset="-122"/>
+            </a:endParaRPr>
+          </a:p>
+        </p:txBody>
+      </p:sp>
     </p:spTree>
     <p:extLst>
       <p:ext uri="{BB962C8B-B14F-4D97-AF65-F5344CB8AC3E}">
@@ -7383,6 +7483,105 @@
               </a:rPr>
               <a:t>官方文档</a:t>
             </a:r>
+          </a:p>
+        </p:txBody>
+      </p:sp>
+      <p:sp>
+        <p:nvSpPr>
+          <p:cNvPr id="6" name="矩形 5">
+            <a:hlinkClick r:id="rId3" action="ppaction://hlinkfile"/>
+            <a:extLst>
+              <a:ext uri="{FF2B5EF4-FFF2-40B4-BE49-F238E27FC236}">
+                <a16:creationId xmlns:a16="http://schemas.microsoft.com/office/drawing/2014/main" id="{2BB5BBDF-09AB-4819-86FB-C42A1C6176C2}"/>
+              </a:ext>
+            </a:extLst>
+          </p:cNvPr>
+          <p:cNvSpPr/>
+          <p:nvPr/>
+        </p:nvSpPr>
+        <p:spPr>
+          <a:xfrm>
+            <a:off x="6670476" y="6165304"/>
+            <a:ext cx="4896544" cy="493508"/>
+          </a:xfrm>
+          <a:prstGeom prst="rect">
+            <a:avLst/>
+          </a:prstGeom>
+          <a:solidFill>
+            <a:schemeClr val="bg2">
+              <a:lumMod val="90000"/>
+            </a:schemeClr>
+          </a:solidFill>
+          <a:ln>
+            <a:noFill/>
+          </a:ln>
+          <a:effectLst>
+            <a:outerShdw blurRad="44450" dist="27940" dir="5400000" algn="ctr">
+              <a:srgbClr val="000000">
+                <a:alpha val="32000"/>
+              </a:srgbClr>
+            </a:outerShdw>
+          </a:effectLst>
+          <a:scene3d>
+            <a:camera prst="orthographicFront">
+              <a:rot lat="0" lon="0" rev="0"/>
+            </a:camera>
+            <a:lightRig rig="balanced" dir="t">
+              <a:rot lat="0" lon="0" rev="8700000"/>
+            </a:lightRig>
+          </a:scene3d>
+          <a:sp3d>
+            <a:bevelT w="190500" h="38100"/>
+          </a:sp3d>
+        </p:spPr>
+        <p:style>
+          <a:lnRef idx="2">
+            <a:schemeClr val="accent1">
+              <a:shade val="50000"/>
+            </a:schemeClr>
+          </a:lnRef>
+          <a:fillRef idx="1">
+            <a:schemeClr val="accent1"/>
+          </a:fillRef>
+          <a:effectRef idx="0">
+            <a:schemeClr val="accent1"/>
+          </a:effectRef>
+          <a:fontRef idx="minor">
+            <a:schemeClr val="lt1"/>
+          </a:fontRef>
+        </p:style>
+        <p:txBody>
+          <a:bodyPr rtlCol="0" anchor="ctr"/>
+          <a:lstStyle/>
+          <a:p>
+            <a:pPr algn="ctr"/>
+            <a:r>
+              <a:rPr lang="zh-CN" altLang="en-US" sz="1100" dirty="0">
+                <a:solidFill>
+                  <a:schemeClr val="tx2"/>
+                </a:solidFill>
+                <a:latin typeface="微软雅黑" panose="020B0503020204020204" pitchFamily="34" charset="-122"/>
+                <a:ea typeface="微软雅黑" panose="020B0503020204020204" pitchFamily="34" charset="-122"/>
+              </a:rPr>
+              <a:t>示例代码：</a:t>
+            </a:r>
+            <a:r>
+              <a:rPr lang="en-US" altLang="zh-CN" sz="1100" dirty="0">
+                <a:solidFill>
+                  <a:schemeClr val="tx2"/>
+                </a:solidFill>
+                <a:latin typeface="微软雅黑" panose="020B0503020204020204" pitchFamily="34" charset="-122"/>
+                <a:ea typeface="微软雅黑" panose="020B0503020204020204" pitchFamily="34" charset="-122"/>
+              </a:rPr>
+              <a:t>group_chat_robot/img_msg/send_pic_msg.py</a:t>
+            </a:r>
+            <a:endParaRPr lang="zh-CN" altLang="en-US" sz="1100" dirty="0">
+              <a:solidFill>
+                <a:schemeClr val="tx2"/>
+              </a:solidFill>
+              <a:latin typeface="微软雅黑" panose="020B0503020204020204" pitchFamily="34" charset="-122"/>
+              <a:ea typeface="微软雅黑" panose="020B0503020204020204" pitchFamily="34" charset="-122"/>
+            </a:endParaRPr>
           </a:p>
         </p:txBody>
       </p:sp>
@@ -7512,7 +7711,7 @@
             </a:r>
             <a:r>
               <a:rPr lang="zh-CN" altLang="en-US" sz="2000" dirty="0"/>
-              <a:t>、获取</a:t>
+              <a:t>、流程</a:t>
             </a:r>
             <a:endParaRPr lang="en-US" altLang="zh-CN" sz="2000" dirty="0"/>
           </a:p>
@@ -7594,8 +7793,25 @@
                 <a:latin typeface="微软雅黑" panose="020B0503020204020204" pitchFamily="34" charset="-122"/>
                 <a:ea typeface="微软雅黑" panose="020B0503020204020204" pitchFamily="34" charset="-122"/>
               </a:rPr>
-              <a:t>上传图片到钉钉服务器</a:t>
-            </a:r>
+              <a:t>创建微应用，获取</a:t>
+            </a:r>
+            <a:r>
+              <a:rPr lang="en-US" altLang="zh-CN" sz="1800" dirty="0" err="1">
+                <a:solidFill>
+                  <a:schemeClr val="tx2"/>
+                </a:solidFill>
+                <a:latin typeface="微软雅黑" panose="020B0503020204020204" pitchFamily="34" charset="-122"/>
+                <a:ea typeface="微软雅黑" panose="020B0503020204020204" pitchFamily="34" charset="-122"/>
+              </a:rPr>
+              <a:t>agent_id</a:t>
+            </a:r>
+            <a:endParaRPr lang="zh-CN" altLang="en-US" sz="1800" dirty="0">
+              <a:solidFill>
+                <a:schemeClr val="tx2"/>
+              </a:solidFill>
+              <a:latin typeface="微软雅黑" panose="020B0503020204020204" pitchFamily="34" charset="-122"/>
+              <a:ea typeface="微软雅黑" panose="020B0503020204020204" pitchFamily="34" charset="-122"/>
+            </a:endParaRPr>
           </a:p>
         </p:txBody>
       </p:sp>
@@ -7675,7 +7891,7 @@
                 <a:latin typeface="微软雅黑" panose="020B0503020204020204" pitchFamily="34" charset="-122"/>
                 <a:ea typeface="微软雅黑" panose="020B0503020204020204" pitchFamily="34" charset="-122"/>
               </a:rPr>
-              <a:t>获取图片</a:t>
+              <a:t>注册企业号</a:t>
             </a:r>
           </a:p>
         </p:txBody>
@@ -7854,27 +8070,7 @@
                 <a:latin typeface="微软雅黑" panose="020B0503020204020204" pitchFamily="34" charset="-122"/>
                 <a:ea typeface="微软雅黑" panose="020B0503020204020204" pitchFamily="34" charset="-122"/>
               </a:rPr>
-              <a:t>发送</a:t>
-            </a:r>
-            <a:r>
-              <a:rPr lang="en-US" altLang="zh-CN" sz="1800" dirty="0">
-                <a:solidFill>
-                  <a:schemeClr val="tx2"/>
-                </a:solidFill>
-                <a:latin typeface="微软雅黑" panose="020B0503020204020204" pitchFamily="34" charset="-122"/>
-                <a:ea typeface="微软雅黑" panose="020B0503020204020204" pitchFamily="34" charset="-122"/>
-              </a:rPr>
-              <a:t>markdown</a:t>
-            </a:r>
-            <a:r>
-              <a:rPr lang="zh-CN" altLang="en-US" sz="1800" dirty="0">
-                <a:solidFill>
-                  <a:schemeClr val="tx2"/>
-                </a:solidFill>
-                <a:latin typeface="微软雅黑" panose="020B0503020204020204" pitchFamily="34" charset="-122"/>
-                <a:ea typeface="微软雅黑" panose="020B0503020204020204" pitchFamily="34" charset="-122"/>
-              </a:rPr>
-              <a:t>格式内容</a:t>
+              <a:t>发送企业通知</a:t>
             </a:r>
           </a:p>
         </p:txBody>
@@ -8038,6 +8234,408 @@
           <a:p>
             <a:pPr algn="ctr"/>
             <a:endParaRPr lang="zh-CN" altLang="en-US"/>
+          </a:p>
+        </p:txBody>
+      </p:sp>
+      <p:sp>
+        <p:nvSpPr>
+          <p:cNvPr id="11" name="矩形 10">
+            <a:hlinkClick r:id="rId2"/>
+            <a:extLst>
+              <a:ext uri="{FF2B5EF4-FFF2-40B4-BE49-F238E27FC236}">
+                <a16:creationId xmlns:a16="http://schemas.microsoft.com/office/drawing/2014/main" id="{ABEC389E-53B3-4615-A311-3810EC5E8446}"/>
+              </a:ext>
+            </a:extLst>
+          </p:cNvPr>
+          <p:cNvSpPr/>
+          <p:nvPr/>
+        </p:nvSpPr>
+        <p:spPr>
+          <a:xfrm>
+            <a:off x="10610308" y="885942"/>
+            <a:ext cx="1301992" cy="400110"/>
+          </a:xfrm>
+          <a:prstGeom prst="rect">
+            <a:avLst/>
+          </a:prstGeom>
+          <a:solidFill>
+            <a:schemeClr val="bg1">
+              <a:lumMod val="75000"/>
+            </a:schemeClr>
+          </a:solidFill>
+          <a:ln w="28575">
+            <a:solidFill>
+              <a:schemeClr val="bg1">
+                <a:lumMod val="50000"/>
+              </a:schemeClr>
+            </a:solidFill>
+          </a:ln>
+          <a:effectLst>
+            <a:outerShdw blurRad="107950" dist="12700" dir="5400000" algn="ctr">
+              <a:srgbClr val="000000"/>
+            </a:outerShdw>
+          </a:effectLst>
+          <a:scene3d>
+            <a:camera prst="orthographicFront">
+              <a:rot lat="0" lon="0" rev="0"/>
+            </a:camera>
+            <a:lightRig rig="soft" dir="t">
+              <a:rot lat="0" lon="0" rev="0"/>
+            </a:lightRig>
+          </a:scene3d>
+          <a:sp3d contourW="44450" prstMaterial="matte">
+            <a:bevelT w="63500" h="63500" prst="artDeco"/>
+            <a:contourClr>
+              <a:srgbClr val="FFFFFF"/>
+            </a:contourClr>
+          </a:sp3d>
+        </p:spPr>
+        <p:txBody>
+          <a:bodyPr wrap="square" lIns="91440" tIns="45720" rIns="91440" bIns="45720">
+            <a:spAutoFit/>
+          </a:bodyPr>
+          <a:lstStyle/>
+          <a:p>
+            <a:pPr algn="ctr"/>
+            <a:r>
+              <a:rPr lang="zh-CN" altLang="en-US" sz="2000" b="0" cap="none" spc="0" dirty="0">
+                <a:ln w="0"/>
+                <a:solidFill>
+                  <a:schemeClr val="tx1"/>
+                </a:solidFill>
+                <a:effectLst>
+                  <a:outerShdw blurRad="38100" dist="19050" dir="2700000" algn="tl" rotWithShape="0">
+                    <a:schemeClr val="dk1">
+                      <a:alpha val="40000"/>
+                    </a:schemeClr>
+                  </a:outerShdw>
+                </a:effectLst>
+              </a:rPr>
+              <a:t>官方文档</a:t>
+            </a:r>
+          </a:p>
+        </p:txBody>
+      </p:sp>
+      <p:sp>
+        <p:nvSpPr>
+          <p:cNvPr id="14" name="标题 1">
+            <a:extLst>
+              <a:ext uri="{FF2B5EF4-FFF2-40B4-BE49-F238E27FC236}">
+                <a16:creationId xmlns:a16="http://schemas.microsoft.com/office/drawing/2014/main" id="{DF1CC4C1-14EF-414A-973F-F7F10F7F4C70}"/>
+              </a:ext>
+            </a:extLst>
+          </p:cNvPr>
+          <p:cNvSpPr txBox="1">
+            <a:spLocks/>
+          </p:cNvSpPr>
+          <p:nvPr/>
+        </p:nvSpPr>
+        <p:spPr>
+          <a:xfrm>
+            <a:off x="1053852" y="2708920"/>
+            <a:ext cx="10786723" cy="493642"/>
+          </a:xfrm>
+          <a:prstGeom prst="rect">
+            <a:avLst/>
+          </a:prstGeom>
+        </p:spPr>
+        <p:txBody>
+          <a:bodyPr vert="horz" lIns="121899" tIns="60949" rIns="121899" bIns="60949" rtlCol="0" anchor="b">
+            <a:normAutofit/>
+          </a:bodyPr>
+          <a:lstStyle>
+            <a:lvl1pPr algn="l" defTabSz="1218987" rtl="0" eaLnBrk="1" latinLnBrk="0" hangingPunct="1">
+              <a:lnSpc>
+                <a:spcPct val="85000"/>
+              </a:lnSpc>
+              <a:spcBef>
+                <a:spcPct val="0"/>
+              </a:spcBef>
+              <a:buNone/>
+              <a:tabLst/>
+              <a:defRPr sz="4400" kern="1200" cap="none" baseline="0">
+                <a:solidFill>
+                  <a:schemeClr val="tx1"/>
+                </a:solidFill>
+                <a:latin typeface="微软雅黑" panose="020B0503020204020204" pitchFamily="34" charset="-122"/>
+                <a:ea typeface="微软雅黑" panose="020B0503020204020204" pitchFamily="34" charset="-122"/>
+                <a:cs typeface="+mj-cs"/>
+              </a:defRPr>
+            </a:lvl1pPr>
+          </a:lstStyle>
+          <a:p>
+            <a:r>
+              <a:rPr lang="en-US" altLang="zh-CN" sz="2000" dirty="0"/>
+              <a:t>2</a:t>
+            </a:r>
+            <a:r>
+              <a:rPr lang="zh-CN" altLang="en-US" sz="2000" dirty="0"/>
+              <a:t>、代码示例</a:t>
+            </a:r>
+            <a:endParaRPr lang="en-US" altLang="zh-CN" sz="2000" dirty="0"/>
+          </a:p>
+        </p:txBody>
+      </p:sp>
+      <p:sp>
+        <p:nvSpPr>
+          <p:cNvPr id="15" name="矩形 14">
+            <a:hlinkClick r:id="rId3" action="ppaction://hlinkfile"/>
+            <a:extLst>
+              <a:ext uri="{FF2B5EF4-FFF2-40B4-BE49-F238E27FC236}">
+                <a16:creationId xmlns:a16="http://schemas.microsoft.com/office/drawing/2014/main" id="{3807E57E-E5E5-4725-A2C0-64C4264A18CC}"/>
+              </a:ext>
+            </a:extLst>
+          </p:cNvPr>
+          <p:cNvSpPr/>
+          <p:nvPr/>
+        </p:nvSpPr>
+        <p:spPr>
+          <a:xfrm>
+            <a:off x="1125860" y="3212976"/>
+            <a:ext cx="4896544" cy="493508"/>
+          </a:xfrm>
+          <a:prstGeom prst="rect">
+            <a:avLst/>
+          </a:prstGeom>
+          <a:solidFill>
+            <a:schemeClr val="bg2">
+              <a:lumMod val="90000"/>
+            </a:schemeClr>
+          </a:solidFill>
+          <a:ln>
+            <a:noFill/>
+          </a:ln>
+          <a:effectLst>
+            <a:outerShdw blurRad="44450" dist="27940" dir="5400000" algn="ctr">
+              <a:srgbClr val="000000">
+                <a:alpha val="32000"/>
+              </a:srgbClr>
+            </a:outerShdw>
+          </a:effectLst>
+          <a:scene3d>
+            <a:camera prst="orthographicFront">
+              <a:rot lat="0" lon="0" rev="0"/>
+            </a:camera>
+            <a:lightRig rig="balanced" dir="t">
+              <a:rot lat="0" lon="0" rev="8700000"/>
+            </a:lightRig>
+          </a:scene3d>
+          <a:sp3d>
+            <a:bevelT w="190500" h="38100"/>
+          </a:sp3d>
+        </p:spPr>
+        <p:style>
+          <a:lnRef idx="2">
+            <a:schemeClr val="accent1">
+              <a:shade val="50000"/>
+            </a:schemeClr>
+          </a:lnRef>
+          <a:fillRef idx="1">
+            <a:schemeClr val="accent1"/>
+          </a:fillRef>
+          <a:effectRef idx="0">
+            <a:schemeClr val="accent1"/>
+          </a:effectRef>
+          <a:fontRef idx="minor">
+            <a:schemeClr val="lt1"/>
+          </a:fontRef>
+        </p:style>
+        <p:txBody>
+          <a:bodyPr rtlCol="0" anchor="ctr"/>
+          <a:lstStyle/>
+          <a:p>
+            <a:pPr algn="ctr"/>
+            <a:r>
+              <a:rPr lang="en-US" altLang="zh-CN" sz="1100" dirty="0">
+                <a:solidFill>
+                  <a:schemeClr val="tx2"/>
+                </a:solidFill>
+                <a:latin typeface="微软雅黑" panose="020B0503020204020204" pitchFamily="34" charset="-122"/>
+                <a:ea typeface="微软雅黑" panose="020B0503020204020204" pitchFamily="34" charset="-122"/>
+              </a:rPr>
+              <a:t>group_message/single_notify.py</a:t>
+            </a:r>
+            <a:endParaRPr lang="zh-CN" altLang="en-US" sz="1100" dirty="0">
+              <a:solidFill>
+                <a:schemeClr val="tx2"/>
+              </a:solidFill>
+              <a:latin typeface="微软雅黑" panose="020B0503020204020204" pitchFamily="34" charset="-122"/>
+              <a:ea typeface="微软雅黑" panose="020B0503020204020204" pitchFamily="34" charset="-122"/>
+            </a:endParaRPr>
+          </a:p>
+        </p:txBody>
+      </p:sp>
+      <p:sp>
+        <p:nvSpPr>
+          <p:cNvPr id="16" name="标题 1">
+            <a:extLst>
+              <a:ext uri="{FF2B5EF4-FFF2-40B4-BE49-F238E27FC236}">
+                <a16:creationId xmlns:a16="http://schemas.microsoft.com/office/drawing/2014/main" id="{3DE1F3D8-2A42-4651-AB50-8C08CC7D13BD}"/>
+              </a:ext>
+            </a:extLst>
+          </p:cNvPr>
+          <p:cNvSpPr txBox="1">
+            <a:spLocks/>
+          </p:cNvSpPr>
+          <p:nvPr/>
+        </p:nvSpPr>
+        <p:spPr>
+          <a:xfrm>
+            <a:off x="1068329" y="4005064"/>
+            <a:ext cx="10786723" cy="493642"/>
+          </a:xfrm>
+          <a:prstGeom prst="rect">
+            <a:avLst/>
+          </a:prstGeom>
+        </p:spPr>
+        <p:txBody>
+          <a:bodyPr vert="horz" lIns="121899" tIns="60949" rIns="121899" bIns="60949" rtlCol="0" anchor="b">
+            <a:normAutofit/>
+          </a:bodyPr>
+          <a:lstStyle>
+            <a:lvl1pPr algn="l" defTabSz="1218987" rtl="0" eaLnBrk="1" latinLnBrk="0" hangingPunct="1">
+              <a:lnSpc>
+                <a:spcPct val="85000"/>
+              </a:lnSpc>
+              <a:spcBef>
+                <a:spcPct val="0"/>
+              </a:spcBef>
+              <a:buNone/>
+              <a:tabLst/>
+              <a:defRPr sz="4400" kern="1200" cap="none" baseline="0">
+                <a:solidFill>
+                  <a:schemeClr val="tx1"/>
+                </a:solidFill>
+                <a:latin typeface="微软雅黑" panose="020B0503020204020204" pitchFamily="34" charset="-122"/>
+                <a:ea typeface="微软雅黑" panose="020B0503020204020204" pitchFamily="34" charset="-122"/>
+                <a:cs typeface="+mj-cs"/>
+              </a:defRPr>
+            </a:lvl1pPr>
+          </a:lstStyle>
+          <a:p>
+            <a:r>
+              <a:rPr lang="en-US" altLang="zh-CN" sz="2000" dirty="0"/>
+              <a:t>3</a:t>
+            </a:r>
+            <a:r>
+              <a:rPr lang="zh-CN" altLang="en-US" sz="2000" dirty="0"/>
+              <a:t>、说明</a:t>
+            </a:r>
+            <a:endParaRPr lang="en-US" altLang="zh-CN" sz="2000" dirty="0"/>
+          </a:p>
+        </p:txBody>
+      </p:sp>
+      <p:sp>
+        <p:nvSpPr>
+          <p:cNvPr id="17" name="矩形 16">
+            <a:extLst>
+              <a:ext uri="{FF2B5EF4-FFF2-40B4-BE49-F238E27FC236}">
+                <a16:creationId xmlns:a16="http://schemas.microsoft.com/office/drawing/2014/main" id="{DD44672E-E57B-4C1E-85BF-EDAA20182777}"/>
+              </a:ext>
+            </a:extLst>
+          </p:cNvPr>
+          <p:cNvSpPr/>
+          <p:nvPr/>
+        </p:nvSpPr>
+        <p:spPr>
+          <a:xfrm>
+            <a:off x="1053852" y="4509120"/>
+            <a:ext cx="9960471" cy="584775"/>
+          </a:xfrm>
+          <a:prstGeom prst="rect">
+            <a:avLst/>
+          </a:prstGeom>
+        </p:spPr>
+        <p:txBody>
+          <a:bodyPr wrap="square">
+            <a:spAutoFit/>
+          </a:bodyPr>
+          <a:lstStyle/>
+          <a:p>
+            <a:pPr latinLnBrk="1"/>
+            <a:r>
+              <a:rPr lang="en-US" altLang="zh-CN" sz="1600" b="0" i="0" dirty="0">
+                <a:solidFill>
+                  <a:srgbClr val="5C5C5C"/>
+                </a:solidFill>
+                <a:effectLst/>
+                <a:latin typeface="微软雅黑" panose="020B0503020204020204" pitchFamily="34" charset="-122"/>
+                <a:ea typeface="微软雅黑" panose="020B0503020204020204" pitchFamily="34" charset="-122"/>
+              </a:rPr>
+              <a:t>1</a:t>
+            </a:r>
+            <a:r>
+              <a:rPr lang="zh-CN" altLang="en-US" sz="1600" b="0" i="0" dirty="0">
+                <a:solidFill>
+                  <a:srgbClr val="5C5C5C"/>
+                </a:solidFill>
+                <a:effectLst/>
+                <a:latin typeface="微软雅黑" panose="020B0503020204020204" pitchFamily="34" charset="-122"/>
+                <a:ea typeface="微软雅黑" panose="020B0503020204020204" pitchFamily="34" charset="-122"/>
+              </a:rPr>
+              <a:t>、应用场景是需要单独给用户发消息，而不希望别人看见</a:t>
+            </a:r>
+            <a:endParaRPr lang="en-US" altLang="zh-CN" sz="1600" b="0" i="0" dirty="0">
+              <a:solidFill>
+                <a:srgbClr val="5C5C5C"/>
+              </a:solidFill>
+              <a:effectLst/>
+              <a:latin typeface="微软雅黑" panose="020B0503020204020204" pitchFamily="34" charset="-122"/>
+              <a:ea typeface="微软雅黑" panose="020B0503020204020204" pitchFamily="34" charset="-122"/>
+            </a:endParaRPr>
+          </a:p>
+          <a:p>
+            <a:pPr latinLnBrk="1"/>
+            <a:r>
+              <a:rPr lang="en-US" altLang="zh-CN" sz="1600" b="0" i="0" dirty="0">
+                <a:solidFill>
+                  <a:srgbClr val="5C5C5C"/>
+                </a:solidFill>
+                <a:effectLst/>
+                <a:latin typeface="微软雅黑" panose="020B0503020204020204" pitchFamily="34" charset="-122"/>
+                <a:ea typeface="微软雅黑" panose="020B0503020204020204" pitchFamily="34" charset="-122"/>
+              </a:rPr>
+              <a:t>2</a:t>
+            </a:r>
+            <a:r>
+              <a:rPr lang="zh-CN" altLang="en-US" sz="1600" b="0" i="0" dirty="0">
+                <a:solidFill>
+                  <a:srgbClr val="5C5C5C"/>
+                </a:solidFill>
+                <a:effectLst/>
+                <a:latin typeface="微软雅黑" panose="020B0503020204020204" pitchFamily="34" charset="-122"/>
+                <a:ea typeface="微软雅黑" panose="020B0503020204020204" pitchFamily="34" charset="-122"/>
+              </a:rPr>
+              <a:t>、相同的</a:t>
+            </a:r>
+            <a:r>
+              <a:rPr lang="en-US" altLang="zh-CN" sz="1600" dirty="0" err="1">
+                <a:solidFill>
+                  <a:srgbClr val="5C5C5C"/>
+                </a:solidFill>
+                <a:latin typeface="微软雅黑" panose="020B0503020204020204" pitchFamily="34" charset="-122"/>
+                <a:ea typeface="微软雅黑" panose="020B0503020204020204" pitchFamily="34" charset="-122"/>
+              </a:rPr>
+              <a:t>agent_id</a:t>
+            </a:r>
+            <a:r>
+              <a:rPr lang="zh-CN" altLang="en-US" sz="1600" dirty="0">
+                <a:solidFill>
+                  <a:srgbClr val="5C5C5C"/>
+                </a:solidFill>
+                <a:latin typeface="微软雅黑" panose="020B0503020204020204" pitchFamily="34" charset="-122"/>
+                <a:ea typeface="微软雅黑" panose="020B0503020204020204" pitchFamily="34" charset="-122"/>
+              </a:rPr>
+              <a:t>，相同的消息内容，可能每天只能给同一个人发一次</a:t>
+            </a:r>
+            <a:endParaRPr lang="en-US" altLang="zh-CN" sz="1600" b="0" i="0" dirty="0">
+              <a:solidFill>
+                <a:srgbClr val="5C5C5C"/>
+              </a:solidFill>
+              <a:effectLst/>
+              <a:latin typeface="微软雅黑" panose="020B0503020204020204" pitchFamily="34" charset="-122"/>
+              <a:ea typeface="微软雅黑" panose="020B0503020204020204" pitchFamily="34" charset="-122"/>
+            </a:endParaRPr>
           </a:p>
         </p:txBody>
       </p:sp>
@@ -8115,10 +8713,89 @@
       </p:sp>
       <p:sp>
         <p:nvSpPr>
-          <p:cNvPr id="35" name="标题 1">
+          <p:cNvPr id="4" name="矩形 3">
+            <a:hlinkClick r:id="rId2"/>
             <a:extLst>
               <a:ext uri="{FF2B5EF4-FFF2-40B4-BE49-F238E27FC236}">
-                <a16:creationId xmlns:a16="http://schemas.microsoft.com/office/drawing/2014/main" id="{DBA25653-C419-4947-9450-ACD83BDD189F}"/>
+                <a16:creationId xmlns:a16="http://schemas.microsoft.com/office/drawing/2014/main" id="{12C0F5F6-F70A-48C6-9D0E-285904037F2F}"/>
+              </a:ext>
+            </a:extLst>
+          </p:cNvPr>
+          <p:cNvSpPr/>
+          <p:nvPr/>
+        </p:nvSpPr>
+        <p:spPr>
+          <a:xfrm>
+            <a:off x="10610308" y="885942"/>
+            <a:ext cx="1301992" cy="400110"/>
+          </a:xfrm>
+          <a:prstGeom prst="rect">
+            <a:avLst/>
+          </a:prstGeom>
+          <a:solidFill>
+            <a:schemeClr val="bg1">
+              <a:lumMod val="75000"/>
+            </a:schemeClr>
+          </a:solidFill>
+          <a:ln w="28575">
+            <a:solidFill>
+              <a:schemeClr val="bg1">
+                <a:lumMod val="50000"/>
+              </a:schemeClr>
+            </a:solidFill>
+          </a:ln>
+          <a:effectLst>
+            <a:outerShdw blurRad="107950" dist="12700" dir="5400000" algn="ctr">
+              <a:srgbClr val="000000"/>
+            </a:outerShdw>
+          </a:effectLst>
+          <a:scene3d>
+            <a:camera prst="orthographicFront">
+              <a:rot lat="0" lon="0" rev="0"/>
+            </a:camera>
+            <a:lightRig rig="soft" dir="t">
+              <a:rot lat="0" lon="0" rev="0"/>
+            </a:lightRig>
+          </a:scene3d>
+          <a:sp3d contourW="44450" prstMaterial="matte">
+            <a:bevelT w="63500" h="63500" prst="artDeco"/>
+            <a:contourClr>
+              <a:srgbClr val="FFFFFF"/>
+            </a:contourClr>
+          </a:sp3d>
+        </p:spPr>
+        <p:txBody>
+          <a:bodyPr wrap="square" lIns="91440" tIns="45720" rIns="91440" bIns="45720">
+            <a:spAutoFit/>
+          </a:bodyPr>
+          <a:lstStyle/>
+          <a:p>
+            <a:pPr algn="ctr"/>
+            <a:r>
+              <a:rPr lang="zh-CN" altLang="en-US" sz="2000" b="0" cap="none" spc="0" dirty="0">
+                <a:ln w="0"/>
+                <a:solidFill>
+                  <a:schemeClr val="tx1"/>
+                </a:solidFill>
+                <a:effectLst>
+                  <a:outerShdw blurRad="38100" dist="19050" dir="2700000" algn="tl" rotWithShape="0">
+                    <a:schemeClr val="dk1">
+                      <a:alpha val="40000"/>
+                    </a:schemeClr>
+                  </a:outerShdw>
+                </a:effectLst>
+              </a:rPr>
+              <a:t>官方文档</a:t>
+            </a:r>
+          </a:p>
+        </p:txBody>
+      </p:sp>
+      <p:sp>
+        <p:nvSpPr>
+          <p:cNvPr id="5" name="标题 1">
+            <a:extLst>
+              <a:ext uri="{FF2B5EF4-FFF2-40B4-BE49-F238E27FC236}">
+                <a16:creationId xmlns:a16="http://schemas.microsoft.com/office/drawing/2014/main" id="{93FB0C73-BED6-43E8-B053-46E34724C223}"/>
               </a:ext>
             </a:extLst>
           </p:cNvPr>
@@ -8167,9 +8844,952 @@
             </a:r>
             <a:r>
               <a:rPr lang="zh-CN" altLang="en-US" sz="2000" dirty="0"/>
-              <a:t>、获取</a:t>
+              <a:t>、流程</a:t>
             </a:r>
             <a:endParaRPr lang="en-US" altLang="zh-CN" sz="2000" dirty="0"/>
+          </a:p>
+        </p:txBody>
+      </p:sp>
+      <p:sp>
+        <p:nvSpPr>
+          <p:cNvPr id="6" name="矩形 5">
+            <a:extLst>
+              <a:ext uri="{FF2B5EF4-FFF2-40B4-BE49-F238E27FC236}">
+                <a16:creationId xmlns:a16="http://schemas.microsoft.com/office/drawing/2014/main" id="{CBFAC647-DA3C-44BE-BEB0-240099931334}"/>
+              </a:ext>
+            </a:extLst>
+          </p:cNvPr>
+          <p:cNvSpPr/>
+          <p:nvPr/>
+        </p:nvSpPr>
+        <p:spPr>
+          <a:xfrm>
+            <a:off x="3546133" y="1484784"/>
+            <a:ext cx="1944216" cy="864096"/>
+          </a:xfrm>
+          <a:prstGeom prst="rect">
+            <a:avLst/>
+          </a:prstGeom>
+          <a:solidFill>
+            <a:schemeClr val="bg2">
+              <a:lumMod val="90000"/>
+            </a:schemeClr>
+          </a:solidFill>
+          <a:ln>
+            <a:noFill/>
+          </a:ln>
+          <a:effectLst>
+            <a:outerShdw blurRad="44450" dist="27940" dir="5400000" algn="ctr">
+              <a:srgbClr val="000000">
+                <a:alpha val="32000"/>
+              </a:srgbClr>
+            </a:outerShdw>
+          </a:effectLst>
+          <a:scene3d>
+            <a:camera prst="orthographicFront">
+              <a:rot lat="0" lon="0" rev="0"/>
+            </a:camera>
+            <a:lightRig rig="balanced" dir="t">
+              <a:rot lat="0" lon="0" rev="8700000"/>
+            </a:lightRig>
+          </a:scene3d>
+          <a:sp3d>
+            <a:bevelT w="190500" h="38100"/>
+          </a:sp3d>
+        </p:spPr>
+        <p:style>
+          <a:lnRef idx="2">
+            <a:schemeClr val="accent1">
+              <a:shade val="50000"/>
+            </a:schemeClr>
+          </a:lnRef>
+          <a:fillRef idx="1">
+            <a:schemeClr val="accent1"/>
+          </a:fillRef>
+          <a:effectRef idx="0">
+            <a:schemeClr val="accent1"/>
+          </a:effectRef>
+          <a:fontRef idx="minor">
+            <a:schemeClr val="lt1"/>
+          </a:fontRef>
+        </p:style>
+        <p:txBody>
+          <a:bodyPr rtlCol="0" anchor="ctr"/>
+          <a:lstStyle/>
+          <a:p>
+            <a:pPr algn="ctr"/>
+            <a:r>
+              <a:rPr lang="zh-CN" altLang="en-US" sz="1800" dirty="0">
+                <a:solidFill>
+                  <a:schemeClr val="tx2"/>
+                </a:solidFill>
+                <a:latin typeface="微软雅黑" panose="020B0503020204020204" pitchFamily="34" charset="-122"/>
+                <a:ea typeface="微软雅黑" panose="020B0503020204020204" pitchFamily="34" charset="-122"/>
+              </a:rPr>
+              <a:t>创建群聊</a:t>
+            </a:r>
+          </a:p>
+        </p:txBody>
+      </p:sp>
+      <p:sp>
+        <p:nvSpPr>
+          <p:cNvPr id="7" name="矩形 6">
+            <a:extLst>
+              <a:ext uri="{FF2B5EF4-FFF2-40B4-BE49-F238E27FC236}">
+                <a16:creationId xmlns:a16="http://schemas.microsoft.com/office/drawing/2014/main" id="{6D4994EA-7467-4761-8051-035D3F5C8700}"/>
+              </a:ext>
+            </a:extLst>
+          </p:cNvPr>
+          <p:cNvSpPr/>
+          <p:nvPr/>
+        </p:nvSpPr>
+        <p:spPr>
+          <a:xfrm>
+            <a:off x="1125860" y="1484784"/>
+            <a:ext cx="1944216" cy="864096"/>
+          </a:xfrm>
+          <a:prstGeom prst="rect">
+            <a:avLst/>
+          </a:prstGeom>
+          <a:solidFill>
+            <a:schemeClr val="bg2">
+              <a:lumMod val="90000"/>
+            </a:schemeClr>
+          </a:solidFill>
+          <a:ln>
+            <a:noFill/>
+          </a:ln>
+          <a:effectLst>
+            <a:outerShdw blurRad="44450" dist="27940" dir="5400000" algn="ctr">
+              <a:srgbClr val="000000">
+                <a:alpha val="32000"/>
+              </a:srgbClr>
+            </a:outerShdw>
+          </a:effectLst>
+          <a:scene3d>
+            <a:camera prst="orthographicFront">
+              <a:rot lat="0" lon="0" rev="0"/>
+            </a:camera>
+            <a:lightRig rig="balanced" dir="t">
+              <a:rot lat="0" lon="0" rev="8700000"/>
+            </a:lightRig>
+          </a:scene3d>
+          <a:sp3d>
+            <a:bevelT w="190500" h="38100"/>
+          </a:sp3d>
+        </p:spPr>
+        <p:style>
+          <a:lnRef idx="2">
+            <a:schemeClr val="accent1">
+              <a:shade val="50000"/>
+            </a:schemeClr>
+          </a:lnRef>
+          <a:fillRef idx="1">
+            <a:schemeClr val="accent1"/>
+          </a:fillRef>
+          <a:effectRef idx="0">
+            <a:schemeClr val="accent1"/>
+          </a:effectRef>
+          <a:fontRef idx="minor">
+            <a:schemeClr val="lt1"/>
+          </a:fontRef>
+        </p:style>
+        <p:txBody>
+          <a:bodyPr rtlCol="0" anchor="ctr"/>
+          <a:lstStyle/>
+          <a:p>
+            <a:pPr algn="ctr"/>
+            <a:r>
+              <a:rPr lang="zh-CN" altLang="en-US" sz="1800" dirty="0">
+                <a:solidFill>
+                  <a:schemeClr val="tx2"/>
+                </a:solidFill>
+                <a:latin typeface="微软雅黑" panose="020B0503020204020204" pitchFamily="34" charset="-122"/>
+                <a:ea typeface="微软雅黑" panose="020B0503020204020204" pitchFamily="34" charset="-122"/>
+              </a:rPr>
+              <a:t>注册企业号</a:t>
+            </a:r>
+          </a:p>
+        </p:txBody>
+      </p:sp>
+      <p:sp>
+        <p:nvSpPr>
+          <p:cNvPr id="8" name="矩形 7">
+            <a:extLst>
+              <a:ext uri="{FF2B5EF4-FFF2-40B4-BE49-F238E27FC236}">
+                <a16:creationId xmlns:a16="http://schemas.microsoft.com/office/drawing/2014/main" id="{D4D8C4F2-9E65-4B6B-84C8-33EBE0D66712}"/>
+              </a:ext>
+            </a:extLst>
+          </p:cNvPr>
+          <p:cNvSpPr/>
+          <p:nvPr/>
+        </p:nvSpPr>
+        <p:spPr>
+          <a:xfrm>
+            <a:off x="5966406" y="1484784"/>
+            <a:ext cx="1944216" cy="864096"/>
+          </a:xfrm>
+          <a:prstGeom prst="rect">
+            <a:avLst/>
+          </a:prstGeom>
+          <a:solidFill>
+            <a:schemeClr val="bg2">
+              <a:lumMod val="90000"/>
+            </a:schemeClr>
+          </a:solidFill>
+          <a:ln>
+            <a:noFill/>
+          </a:ln>
+          <a:effectLst>
+            <a:outerShdw blurRad="44450" dist="27940" dir="5400000" algn="ctr">
+              <a:srgbClr val="000000">
+                <a:alpha val="32000"/>
+              </a:srgbClr>
+            </a:outerShdw>
+          </a:effectLst>
+          <a:scene3d>
+            <a:camera prst="orthographicFront">
+              <a:rot lat="0" lon="0" rev="0"/>
+            </a:camera>
+            <a:lightRig rig="balanced" dir="t">
+              <a:rot lat="0" lon="0" rev="8700000"/>
+            </a:lightRig>
+          </a:scene3d>
+          <a:sp3d>
+            <a:bevelT w="190500" h="38100"/>
+          </a:sp3d>
+        </p:spPr>
+        <p:style>
+          <a:lnRef idx="2">
+            <a:schemeClr val="accent1">
+              <a:shade val="50000"/>
+            </a:schemeClr>
+          </a:lnRef>
+          <a:fillRef idx="1">
+            <a:schemeClr val="accent1"/>
+          </a:fillRef>
+          <a:effectRef idx="0">
+            <a:schemeClr val="accent1"/>
+          </a:effectRef>
+          <a:fontRef idx="minor">
+            <a:schemeClr val="lt1"/>
+          </a:fontRef>
+        </p:style>
+        <p:txBody>
+          <a:bodyPr rtlCol="0" anchor="ctr"/>
+          <a:lstStyle/>
+          <a:p>
+            <a:pPr algn="ctr"/>
+            <a:r>
+              <a:rPr lang="zh-CN" altLang="en-US" sz="1800" dirty="0">
+                <a:solidFill>
+                  <a:schemeClr val="tx2"/>
+                </a:solidFill>
+                <a:latin typeface="微软雅黑" panose="020B0503020204020204" pitchFamily="34" charset="-122"/>
+                <a:ea typeface="微软雅黑" panose="020B0503020204020204" pitchFamily="34" charset="-122"/>
+              </a:rPr>
+              <a:t>得到会话</a:t>
+            </a:r>
+            <a:r>
+              <a:rPr lang="en-US" altLang="zh-CN" sz="1800" dirty="0">
+                <a:solidFill>
+                  <a:schemeClr val="tx2"/>
+                </a:solidFill>
+                <a:latin typeface="微软雅黑" panose="020B0503020204020204" pitchFamily="34" charset="-122"/>
+                <a:ea typeface="微软雅黑" panose="020B0503020204020204" pitchFamily="34" charset="-122"/>
+              </a:rPr>
+              <a:t>id</a:t>
+            </a:r>
+            <a:endParaRPr lang="zh-CN" altLang="en-US" sz="1800" dirty="0">
+              <a:solidFill>
+                <a:schemeClr val="tx2"/>
+              </a:solidFill>
+              <a:latin typeface="微软雅黑" panose="020B0503020204020204" pitchFamily="34" charset="-122"/>
+              <a:ea typeface="微软雅黑" panose="020B0503020204020204" pitchFamily="34" charset="-122"/>
+            </a:endParaRPr>
+          </a:p>
+        </p:txBody>
+      </p:sp>
+      <p:sp>
+        <p:nvSpPr>
+          <p:cNvPr id="9" name="矩形 8">
+            <a:extLst>
+              <a:ext uri="{FF2B5EF4-FFF2-40B4-BE49-F238E27FC236}">
+                <a16:creationId xmlns:a16="http://schemas.microsoft.com/office/drawing/2014/main" id="{CC785FC9-FE28-4E3B-9493-E32440E441AB}"/>
+              </a:ext>
+            </a:extLst>
+          </p:cNvPr>
+          <p:cNvSpPr/>
+          <p:nvPr/>
+        </p:nvSpPr>
+        <p:spPr>
+          <a:xfrm>
+            <a:off x="8386679" y="1487831"/>
+            <a:ext cx="1944216" cy="864096"/>
+          </a:xfrm>
+          <a:prstGeom prst="rect">
+            <a:avLst/>
+          </a:prstGeom>
+          <a:solidFill>
+            <a:schemeClr val="bg2">
+              <a:lumMod val="90000"/>
+            </a:schemeClr>
+          </a:solidFill>
+          <a:ln>
+            <a:noFill/>
+          </a:ln>
+          <a:effectLst>
+            <a:outerShdw blurRad="44450" dist="27940" dir="5400000" algn="ctr">
+              <a:srgbClr val="000000">
+                <a:alpha val="32000"/>
+              </a:srgbClr>
+            </a:outerShdw>
+          </a:effectLst>
+          <a:scene3d>
+            <a:camera prst="orthographicFront">
+              <a:rot lat="0" lon="0" rev="0"/>
+            </a:camera>
+            <a:lightRig rig="balanced" dir="t">
+              <a:rot lat="0" lon="0" rev="8700000"/>
+            </a:lightRig>
+          </a:scene3d>
+          <a:sp3d>
+            <a:bevelT w="190500" h="38100"/>
+          </a:sp3d>
+        </p:spPr>
+        <p:style>
+          <a:lnRef idx="2">
+            <a:schemeClr val="accent1">
+              <a:shade val="50000"/>
+            </a:schemeClr>
+          </a:lnRef>
+          <a:fillRef idx="1">
+            <a:schemeClr val="accent1"/>
+          </a:fillRef>
+          <a:effectRef idx="0">
+            <a:schemeClr val="accent1"/>
+          </a:effectRef>
+          <a:fontRef idx="minor">
+            <a:schemeClr val="lt1"/>
+          </a:fontRef>
+        </p:style>
+        <p:txBody>
+          <a:bodyPr rtlCol="0" anchor="ctr"/>
+          <a:lstStyle/>
+          <a:p>
+            <a:pPr algn="ctr"/>
+            <a:r>
+              <a:rPr lang="zh-CN" altLang="en-US" sz="1800" dirty="0">
+                <a:solidFill>
+                  <a:schemeClr val="tx2"/>
+                </a:solidFill>
+                <a:latin typeface="微软雅黑" panose="020B0503020204020204" pitchFamily="34" charset="-122"/>
+                <a:ea typeface="微软雅黑" panose="020B0503020204020204" pitchFamily="34" charset="-122"/>
+              </a:rPr>
+              <a:t>往会话中发消息</a:t>
+            </a:r>
+          </a:p>
+        </p:txBody>
+      </p:sp>
+      <p:sp>
+        <p:nvSpPr>
+          <p:cNvPr id="10" name="箭头: 右 9">
+            <a:extLst>
+              <a:ext uri="{FF2B5EF4-FFF2-40B4-BE49-F238E27FC236}">
+                <a16:creationId xmlns:a16="http://schemas.microsoft.com/office/drawing/2014/main" id="{1088ED38-F325-4ADD-8D62-9EB0D8E14985}"/>
+              </a:ext>
+            </a:extLst>
+          </p:cNvPr>
+          <p:cNvSpPr/>
+          <p:nvPr/>
+        </p:nvSpPr>
+        <p:spPr>
+          <a:xfrm>
+            <a:off x="3070075" y="1810479"/>
+            <a:ext cx="476057" cy="212705"/>
+          </a:xfrm>
+          <a:prstGeom prst="rightArrow">
+            <a:avLst/>
+          </a:prstGeom>
+          <a:solidFill>
+            <a:srgbClr val="FF0000"/>
+          </a:solidFill>
+          <a:ln>
+            <a:solidFill>
+              <a:srgbClr val="FF0000"/>
+            </a:solidFill>
+          </a:ln>
+        </p:spPr>
+        <p:style>
+          <a:lnRef idx="2">
+            <a:schemeClr val="accent1">
+              <a:shade val="50000"/>
+            </a:schemeClr>
+          </a:lnRef>
+          <a:fillRef idx="1">
+            <a:schemeClr val="accent1"/>
+          </a:fillRef>
+          <a:effectRef idx="0">
+            <a:schemeClr val="accent1"/>
+          </a:effectRef>
+          <a:fontRef idx="minor">
+            <a:schemeClr val="lt1"/>
+          </a:fontRef>
+        </p:style>
+        <p:txBody>
+          <a:bodyPr rtlCol="0" anchor="ctr"/>
+          <a:lstStyle/>
+          <a:p>
+            <a:pPr algn="ctr"/>
+            <a:endParaRPr lang="zh-CN" altLang="en-US"/>
+          </a:p>
+        </p:txBody>
+      </p:sp>
+      <p:sp>
+        <p:nvSpPr>
+          <p:cNvPr id="11" name="箭头: 右 10">
+            <a:extLst>
+              <a:ext uri="{FF2B5EF4-FFF2-40B4-BE49-F238E27FC236}">
+                <a16:creationId xmlns:a16="http://schemas.microsoft.com/office/drawing/2014/main" id="{D12E00E7-3766-4048-AA21-A888120645F1}"/>
+              </a:ext>
+            </a:extLst>
+          </p:cNvPr>
+          <p:cNvSpPr/>
+          <p:nvPr/>
+        </p:nvSpPr>
+        <p:spPr>
+          <a:xfrm>
+            <a:off x="5490349" y="1810479"/>
+            <a:ext cx="476057" cy="212705"/>
+          </a:xfrm>
+          <a:prstGeom prst="rightArrow">
+            <a:avLst/>
+          </a:prstGeom>
+          <a:solidFill>
+            <a:srgbClr val="FF0000"/>
+          </a:solidFill>
+          <a:ln>
+            <a:solidFill>
+              <a:srgbClr val="FF0000"/>
+            </a:solidFill>
+          </a:ln>
+        </p:spPr>
+        <p:style>
+          <a:lnRef idx="2">
+            <a:schemeClr val="accent1">
+              <a:shade val="50000"/>
+            </a:schemeClr>
+          </a:lnRef>
+          <a:fillRef idx="1">
+            <a:schemeClr val="accent1"/>
+          </a:fillRef>
+          <a:effectRef idx="0">
+            <a:schemeClr val="accent1"/>
+          </a:effectRef>
+          <a:fontRef idx="minor">
+            <a:schemeClr val="lt1"/>
+          </a:fontRef>
+        </p:style>
+        <p:txBody>
+          <a:bodyPr rtlCol="0" anchor="ctr"/>
+          <a:lstStyle/>
+          <a:p>
+            <a:pPr algn="ctr"/>
+            <a:endParaRPr lang="zh-CN" altLang="en-US"/>
+          </a:p>
+        </p:txBody>
+      </p:sp>
+      <p:sp>
+        <p:nvSpPr>
+          <p:cNvPr id="12" name="箭头: 右 11">
+            <a:extLst>
+              <a:ext uri="{FF2B5EF4-FFF2-40B4-BE49-F238E27FC236}">
+                <a16:creationId xmlns:a16="http://schemas.microsoft.com/office/drawing/2014/main" id="{7E8EEEF0-2E26-406A-B5D5-46B901B5B63F}"/>
+              </a:ext>
+            </a:extLst>
+          </p:cNvPr>
+          <p:cNvSpPr/>
+          <p:nvPr/>
+        </p:nvSpPr>
+        <p:spPr>
+          <a:xfrm>
+            <a:off x="7912112" y="1810479"/>
+            <a:ext cx="476057" cy="212705"/>
+          </a:xfrm>
+          <a:prstGeom prst="rightArrow">
+            <a:avLst/>
+          </a:prstGeom>
+          <a:solidFill>
+            <a:srgbClr val="FF0000"/>
+          </a:solidFill>
+          <a:ln>
+            <a:solidFill>
+              <a:srgbClr val="FF0000"/>
+            </a:solidFill>
+          </a:ln>
+        </p:spPr>
+        <p:style>
+          <a:lnRef idx="2">
+            <a:schemeClr val="accent1">
+              <a:shade val="50000"/>
+            </a:schemeClr>
+          </a:lnRef>
+          <a:fillRef idx="1">
+            <a:schemeClr val="accent1"/>
+          </a:fillRef>
+          <a:effectRef idx="0">
+            <a:schemeClr val="accent1"/>
+          </a:effectRef>
+          <a:fontRef idx="minor">
+            <a:schemeClr val="lt1"/>
+          </a:fontRef>
+        </p:style>
+        <p:txBody>
+          <a:bodyPr rtlCol="0" anchor="ctr"/>
+          <a:lstStyle/>
+          <a:p>
+            <a:pPr algn="ctr"/>
+            <a:endParaRPr lang="zh-CN" altLang="en-US"/>
+          </a:p>
+        </p:txBody>
+      </p:sp>
+      <p:sp>
+        <p:nvSpPr>
+          <p:cNvPr id="13" name="标题 1">
+            <a:extLst>
+              <a:ext uri="{FF2B5EF4-FFF2-40B4-BE49-F238E27FC236}">
+                <a16:creationId xmlns:a16="http://schemas.microsoft.com/office/drawing/2014/main" id="{E1AE0388-D77E-4624-9855-4D6CF606A1A0}"/>
+              </a:ext>
+            </a:extLst>
+          </p:cNvPr>
+          <p:cNvSpPr txBox="1">
+            <a:spLocks/>
+          </p:cNvSpPr>
+          <p:nvPr/>
+        </p:nvSpPr>
+        <p:spPr>
+          <a:xfrm>
+            <a:off x="1053852" y="2708920"/>
+            <a:ext cx="10786723" cy="493642"/>
+          </a:xfrm>
+          <a:prstGeom prst="rect">
+            <a:avLst/>
+          </a:prstGeom>
+        </p:spPr>
+        <p:txBody>
+          <a:bodyPr vert="horz" lIns="121899" tIns="60949" rIns="121899" bIns="60949" rtlCol="0" anchor="b">
+            <a:normAutofit/>
+          </a:bodyPr>
+          <a:lstStyle>
+            <a:lvl1pPr algn="l" defTabSz="1218987" rtl="0" eaLnBrk="1" latinLnBrk="0" hangingPunct="1">
+              <a:lnSpc>
+                <a:spcPct val="85000"/>
+              </a:lnSpc>
+              <a:spcBef>
+                <a:spcPct val="0"/>
+              </a:spcBef>
+              <a:buNone/>
+              <a:tabLst/>
+              <a:defRPr sz="4400" kern="1200" cap="none" baseline="0">
+                <a:solidFill>
+                  <a:schemeClr val="tx1"/>
+                </a:solidFill>
+                <a:latin typeface="微软雅黑" panose="020B0503020204020204" pitchFamily="34" charset="-122"/>
+                <a:ea typeface="微软雅黑" panose="020B0503020204020204" pitchFamily="34" charset="-122"/>
+                <a:cs typeface="+mj-cs"/>
+              </a:defRPr>
+            </a:lvl1pPr>
+          </a:lstStyle>
+          <a:p>
+            <a:r>
+              <a:rPr lang="en-US" altLang="zh-CN" sz="2000" dirty="0"/>
+              <a:t>2</a:t>
+            </a:r>
+            <a:r>
+              <a:rPr lang="zh-CN" altLang="en-US" sz="2000" dirty="0"/>
+              <a:t>、代码示例</a:t>
+            </a:r>
+            <a:endParaRPr lang="en-US" altLang="zh-CN" sz="2000" dirty="0"/>
+          </a:p>
+        </p:txBody>
+      </p:sp>
+      <p:sp>
+        <p:nvSpPr>
+          <p:cNvPr id="14" name="矩形 13">
+            <a:hlinkClick r:id="rId3" action="ppaction://hlinkfile"/>
+            <a:extLst>
+              <a:ext uri="{FF2B5EF4-FFF2-40B4-BE49-F238E27FC236}">
+                <a16:creationId xmlns:a16="http://schemas.microsoft.com/office/drawing/2014/main" id="{BF34F474-2DF8-4EF5-AB5A-FB54EEEB9D72}"/>
+              </a:ext>
+            </a:extLst>
+          </p:cNvPr>
+          <p:cNvSpPr/>
+          <p:nvPr/>
+        </p:nvSpPr>
+        <p:spPr>
+          <a:xfrm>
+            <a:off x="1125860" y="3212976"/>
+            <a:ext cx="4896544" cy="493508"/>
+          </a:xfrm>
+          <a:prstGeom prst="rect">
+            <a:avLst/>
+          </a:prstGeom>
+          <a:solidFill>
+            <a:schemeClr val="bg2">
+              <a:lumMod val="90000"/>
+            </a:schemeClr>
+          </a:solidFill>
+          <a:ln>
+            <a:noFill/>
+          </a:ln>
+          <a:effectLst>
+            <a:outerShdw blurRad="44450" dist="27940" dir="5400000" algn="ctr">
+              <a:srgbClr val="000000">
+                <a:alpha val="32000"/>
+              </a:srgbClr>
+            </a:outerShdw>
+          </a:effectLst>
+          <a:scene3d>
+            <a:camera prst="orthographicFront">
+              <a:rot lat="0" lon="0" rev="0"/>
+            </a:camera>
+            <a:lightRig rig="balanced" dir="t">
+              <a:rot lat="0" lon="0" rev="8700000"/>
+            </a:lightRig>
+          </a:scene3d>
+          <a:sp3d>
+            <a:bevelT w="190500" h="38100"/>
+          </a:sp3d>
+        </p:spPr>
+        <p:style>
+          <a:lnRef idx="2">
+            <a:schemeClr val="accent1">
+              <a:shade val="50000"/>
+            </a:schemeClr>
+          </a:lnRef>
+          <a:fillRef idx="1">
+            <a:schemeClr val="accent1"/>
+          </a:fillRef>
+          <a:effectRef idx="0">
+            <a:schemeClr val="accent1"/>
+          </a:effectRef>
+          <a:fontRef idx="minor">
+            <a:schemeClr val="lt1"/>
+          </a:fontRef>
+        </p:style>
+        <p:txBody>
+          <a:bodyPr rtlCol="0" anchor="ctr"/>
+          <a:lstStyle/>
+          <a:p>
+            <a:pPr algn="ctr"/>
+            <a:r>
+              <a:rPr lang="en-US" altLang="zh-CN" sz="1100" dirty="0">
+                <a:solidFill>
+                  <a:schemeClr val="tx2"/>
+                </a:solidFill>
+                <a:latin typeface="微软雅黑" panose="020B0503020204020204" pitchFamily="34" charset="-122"/>
+                <a:ea typeface="微软雅黑" panose="020B0503020204020204" pitchFamily="34" charset="-122"/>
+              </a:rPr>
+              <a:t>group_message/group_chat.py</a:t>
+            </a:r>
+            <a:endParaRPr lang="zh-CN" altLang="en-US" sz="1100" dirty="0">
+              <a:solidFill>
+                <a:schemeClr val="tx2"/>
+              </a:solidFill>
+              <a:latin typeface="微软雅黑" panose="020B0503020204020204" pitchFamily="34" charset="-122"/>
+              <a:ea typeface="微软雅黑" panose="020B0503020204020204" pitchFamily="34" charset="-122"/>
+            </a:endParaRPr>
+          </a:p>
+        </p:txBody>
+      </p:sp>
+      <p:sp>
+        <p:nvSpPr>
+          <p:cNvPr id="15" name="标题 1">
+            <a:extLst>
+              <a:ext uri="{FF2B5EF4-FFF2-40B4-BE49-F238E27FC236}">
+                <a16:creationId xmlns:a16="http://schemas.microsoft.com/office/drawing/2014/main" id="{0212CA19-0A69-4322-B310-156F97972316}"/>
+              </a:ext>
+            </a:extLst>
+          </p:cNvPr>
+          <p:cNvSpPr txBox="1">
+            <a:spLocks/>
+          </p:cNvSpPr>
+          <p:nvPr/>
+        </p:nvSpPr>
+        <p:spPr>
+          <a:xfrm>
+            <a:off x="1068329" y="4005064"/>
+            <a:ext cx="10786723" cy="493642"/>
+          </a:xfrm>
+          <a:prstGeom prst="rect">
+            <a:avLst/>
+          </a:prstGeom>
+        </p:spPr>
+        <p:txBody>
+          <a:bodyPr vert="horz" lIns="121899" tIns="60949" rIns="121899" bIns="60949" rtlCol="0" anchor="b">
+            <a:normAutofit/>
+          </a:bodyPr>
+          <a:lstStyle>
+            <a:lvl1pPr algn="l" defTabSz="1218987" rtl="0" eaLnBrk="1" latinLnBrk="0" hangingPunct="1">
+              <a:lnSpc>
+                <a:spcPct val="85000"/>
+              </a:lnSpc>
+              <a:spcBef>
+                <a:spcPct val="0"/>
+              </a:spcBef>
+              <a:buNone/>
+              <a:tabLst/>
+              <a:defRPr sz="4400" kern="1200" cap="none" baseline="0">
+                <a:solidFill>
+                  <a:schemeClr val="tx1"/>
+                </a:solidFill>
+                <a:latin typeface="微软雅黑" panose="020B0503020204020204" pitchFamily="34" charset="-122"/>
+                <a:ea typeface="微软雅黑" panose="020B0503020204020204" pitchFamily="34" charset="-122"/>
+                <a:cs typeface="+mj-cs"/>
+              </a:defRPr>
+            </a:lvl1pPr>
+          </a:lstStyle>
+          <a:p>
+            <a:r>
+              <a:rPr lang="en-US" altLang="zh-CN" sz="2000" dirty="0"/>
+              <a:t>3</a:t>
+            </a:r>
+            <a:r>
+              <a:rPr lang="zh-CN" altLang="en-US" sz="2000" dirty="0"/>
+              <a:t>、说明</a:t>
+            </a:r>
+            <a:endParaRPr lang="en-US" altLang="zh-CN" sz="2000" dirty="0"/>
+          </a:p>
+        </p:txBody>
+      </p:sp>
+      <p:sp>
+        <p:nvSpPr>
+          <p:cNvPr id="16" name="矩形 15">
+            <a:extLst>
+              <a:ext uri="{FF2B5EF4-FFF2-40B4-BE49-F238E27FC236}">
+                <a16:creationId xmlns:a16="http://schemas.microsoft.com/office/drawing/2014/main" id="{5F08258C-BD4B-41DA-9C65-578B5AA4239A}"/>
+              </a:ext>
+            </a:extLst>
+          </p:cNvPr>
+          <p:cNvSpPr/>
+          <p:nvPr/>
+        </p:nvSpPr>
+        <p:spPr>
+          <a:xfrm>
+            <a:off x="1053852" y="4509120"/>
+            <a:ext cx="9960471" cy="1323439"/>
+          </a:xfrm>
+          <a:prstGeom prst="rect">
+            <a:avLst/>
+          </a:prstGeom>
+        </p:spPr>
+        <p:txBody>
+          <a:bodyPr wrap="square">
+            <a:spAutoFit/>
+          </a:bodyPr>
+          <a:lstStyle/>
+          <a:p>
+            <a:pPr latinLnBrk="1"/>
+            <a:r>
+              <a:rPr lang="en-US" altLang="zh-CN" sz="1600" b="0" i="0" dirty="0">
+                <a:solidFill>
+                  <a:srgbClr val="5C5C5C"/>
+                </a:solidFill>
+                <a:effectLst/>
+                <a:latin typeface="微软雅黑" panose="020B0503020204020204" pitchFamily="34" charset="-122"/>
+                <a:ea typeface="微软雅黑" panose="020B0503020204020204" pitchFamily="34" charset="-122"/>
+              </a:rPr>
+              <a:t>1</a:t>
+            </a:r>
+            <a:r>
+              <a:rPr lang="zh-CN" altLang="en-US" sz="1600" b="0" i="0" dirty="0">
+                <a:solidFill>
+                  <a:srgbClr val="5C5C5C"/>
+                </a:solidFill>
+                <a:effectLst/>
+                <a:latin typeface="微软雅黑" panose="020B0503020204020204" pitchFamily="34" charset="-122"/>
+                <a:ea typeface="微软雅黑" panose="020B0503020204020204" pitchFamily="34" charset="-122"/>
+              </a:rPr>
+              <a:t>、创建单人群应用场景是需要单独给用户发消息，而不希望别人看见</a:t>
+            </a:r>
+            <a:endParaRPr lang="en-US" altLang="zh-CN" sz="1600" b="0" i="0" dirty="0">
+              <a:solidFill>
+                <a:srgbClr val="5C5C5C"/>
+              </a:solidFill>
+              <a:effectLst/>
+              <a:latin typeface="微软雅黑" panose="020B0503020204020204" pitchFamily="34" charset="-122"/>
+              <a:ea typeface="微软雅黑" panose="020B0503020204020204" pitchFamily="34" charset="-122"/>
+            </a:endParaRPr>
+          </a:p>
+          <a:p>
+            <a:pPr latinLnBrk="1"/>
+            <a:r>
+              <a:rPr lang="en-US" altLang="zh-CN" sz="1600" dirty="0">
+                <a:solidFill>
+                  <a:srgbClr val="5C5C5C"/>
+                </a:solidFill>
+                <a:latin typeface="微软雅黑" panose="020B0503020204020204" pitchFamily="34" charset="-122"/>
+                <a:ea typeface="微软雅黑" panose="020B0503020204020204" pitchFamily="34" charset="-122"/>
+              </a:rPr>
+              <a:t>2</a:t>
+            </a:r>
+            <a:r>
+              <a:rPr lang="zh-CN" altLang="en-US" sz="1600" dirty="0">
+                <a:solidFill>
+                  <a:srgbClr val="5C5C5C"/>
+                </a:solidFill>
+                <a:latin typeface="微软雅黑" panose="020B0503020204020204" pitchFamily="34" charset="-122"/>
+                <a:ea typeface="微软雅黑" panose="020B0503020204020204" pitchFamily="34" charset="-122"/>
+              </a:rPr>
+              <a:t>、可以动态创建多人群，动态修改群信息，与手动操作无差别</a:t>
+            </a:r>
+            <a:endParaRPr lang="en-US" altLang="zh-CN" sz="1600" b="0" i="0" dirty="0">
+              <a:solidFill>
+                <a:srgbClr val="5C5C5C"/>
+              </a:solidFill>
+              <a:effectLst/>
+              <a:latin typeface="微软雅黑" panose="020B0503020204020204" pitchFamily="34" charset="-122"/>
+              <a:ea typeface="微软雅黑" panose="020B0503020204020204" pitchFamily="34" charset="-122"/>
+            </a:endParaRPr>
+          </a:p>
+          <a:p>
+            <a:pPr latinLnBrk="1"/>
+            <a:r>
+              <a:rPr lang="en-US" altLang="zh-CN" sz="1600" dirty="0">
+                <a:solidFill>
+                  <a:srgbClr val="5C5C5C"/>
+                </a:solidFill>
+                <a:latin typeface="微软雅黑" panose="020B0503020204020204" pitchFamily="34" charset="-122"/>
+                <a:ea typeface="微软雅黑" panose="020B0503020204020204" pitchFamily="34" charset="-122"/>
+              </a:rPr>
+              <a:t>3</a:t>
+            </a:r>
+            <a:r>
+              <a:rPr lang="zh-CN" altLang="en-US" sz="1600" b="0" i="0" dirty="0">
+                <a:solidFill>
+                  <a:srgbClr val="5C5C5C"/>
+                </a:solidFill>
+                <a:effectLst/>
+                <a:latin typeface="微软雅黑" panose="020B0503020204020204" pitchFamily="34" charset="-122"/>
+                <a:ea typeface="微软雅黑" panose="020B0503020204020204" pitchFamily="34" charset="-122"/>
+              </a:rPr>
+              <a:t>、创建单人群，群里面只有群主一个人，其他功能（如添加机器人等）与普通群一样，可以方便个人测试</a:t>
+            </a:r>
+            <a:endParaRPr lang="en-US" altLang="zh-CN" sz="1600" b="0" i="0" dirty="0">
+              <a:solidFill>
+                <a:srgbClr val="5C5C5C"/>
+              </a:solidFill>
+              <a:effectLst/>
+              <a:latin typeface="微软雅黑" panose="020B0503020204020204" pitchFamily="34" charset="-122"/>
+              <a:ea typeface="微软雅黑" panose="020B0503020204020204" pitchFamily="34" charset="-122"/>
+            </a:endParaRPr>
+          </a:p>
+          <a:p>
+            <a:pPr latinLnBrk="1"/>
+            <a:r>
+              <a:rPr lang="en-US" altLang="zh-CN" sz="1600" b="0" i="0" dirty="0">
+                <a:solidFill>
+                  <a:srgbClr val="5C5C5C"/>
+                </a:solidFill>
+                <a:effectLst/>
+                <a:latin typeface="微软雅黑" panose="020B0503020204020204" pitchFamily="34" charset="-122"/>
+                <a:ea typeface="微软雅黑" panose="020B0503020204020204" pitchFamily="34" charset="-122"/>
+              </a:rPr>
+              <a:t>4</a:t>
+            </a:r>
+            <a:r>
+              <a:rPr lang="zh-CN" altLang="en-US" sz="1600" b="0" i="0" dirty="0">
+                <a:solidFill>
+                  <a:srgbClr val="5C5C5C"/>
+                </a:solidFill>
+                <a:effectLst/>
+                <a:latin typeface="微软雅黑" panose="020B0503020204020204" pitchFamily="34" charset="-122"/>
+                <a:ea typeface="微软雅黑" panose="020B0503020204020204" pitchFamily="34" charset="-122"/>
+              </a:rPr>
+              <a:t>、创建的会话</a:t>
+            </a:r>
+            <a:r>
+              <a:rPr lang="en-US" altLang="zh-CN" sz="1600" b="0" i="0" dirty="0">
+                <a:solidFill>
+                  <a:srgbClr val="5C5C5C"/>
+                </a:solidFill>
+                <a:effectLst/>
+                <a:latin typeface="微软雅黑" panose="020B0503020204020204" pitchFamily="34" charset="-122"/>
+                <a:ea typeface="微软雅黑" panose="020B0503020204020204" pitchFamily="34" charset="-122"/>
+              </a:rPr>
+              <a:t>id</a:t>
+            </a:r>
+            <a:r>
+              <a:rPr lang="zh-CN" altLang="en-US" sz="1600" b="0" i="0" dirty="0">
+                <a:solidFill>
+                  <a:srgbClr val="5C5C5C"/>
+                </a:solidFill>
+                <a:effectLst/>
+                <a:latin typeface="微软雅黑" panose="020B0503020204020204" pitchFamily="34" charset="-122"/>
+                <a:ea typeface="微软雅黑" panose="020B0503020204020204" pitchFamily="34" charset="-122"/>
+              </a:rPr>
+              <a:t>要保存起来</a:t>
+            </a:r>
+            <a:r>
+              <a:rPr lang="zh-CN" altLang="en-US" sz="1600" dirty="0">
+                <a:solidFill>
+                  <a:srgbClr val="5C5C5C"/>
+                </a:solidFill>
+                <a:latin typeface="微软雅黑" panose="020B0503020204020204" pitchFamily="34" charset="-122"/>
+                <a:ea typeface="微软雅黑" panose="020B0503020204020204" pitchFamily="34" charset="-122"/>
+              </a:rPr>
+              <a:t>（写入磁盘或数据库）</a:t>
+            </a:r>
+            <a:r>
+              <a:rPr lang="zh-CN" altLang="en-US" sz="1600" b="0" i="0" dirty="0">
+                <a:solidFill>
+                  <a:srgbClr val="5C5C5C"/>
+                </a:solidFill>
+                <a:effectLst/>
+                <a:latin typeface="微软雅黑" panose="020B0503020204020204" pitchFamily="34" charset="-122"/>
+                <a:ea typeface="微软雅黑" panose="020B0503020204020204" pitchFamily="34" charset="-122"/>
+              </a:rPr>
+              <a:t>，不然每次创建都会产生新的会话</a:t>
+            </a:r>
+            <a:endParaRPr lang="en-US" altLang="zh-CN" sz="1600" b="0" i="0" dirty="0">
+              <a:solidFill>
+                <a:srgbClr val="5C5C5C"/>
+              </a:solidFill>
+              <a:effectLst/>
+              <a:latin typeface="微软雅黑" panose="020B0503020204020204" pitchFamily="34" charset="-122"/>
+              <a:ea typeface="微软雅黑" panose="020B0503020204020204" pitchFamily="34" charset="-122"/>
+            </a:endParaRPr>
+          </a:p>
+          <a:p>
+            <a:pPr latinLnBrk="1"/>
+            <a:r>
+              <a:rPr lang="en-US" altLang="zh-CN" sz="1600" dirty="0">
+                <a:solidFill>
+                  <a:srgbClr val="5C5C5C"/>
+                </a:solidFill>
+                <a:latin typeface="微软雅黑" panose="020B0503020204020204" pitchFamily="34" charset="-122"/>
+                <a:ea typeface="微软雅黑" panose="020B0503020204020204" pitchFamily="34" charset="-122"/>
+              </a:rPr>
+              <a:t>5</a:t>
+            </a:r>
+            <a:r>
+              <a:rPr lang="zh-CN" altLang="en-US" sz="1600" dirty="0">
+                <a:solidFill>
+                  <a:srgbClr val="5C5C5C"/>
+                </a:solidFill>
+                <a:latin typeface="微软雅黑" panose="020B0503020204020204" pitchFamily="34" charset="-122"/>
+                <a:ea typeface="微软雅黑" panose="020B0503020204020204" pitchFamily="34" charset="-122"/>
+              </a:rPr>
+              <a:t>、群里面没有加自己，不能监控别人是否退群，可以通过每次发送前更新群信息接口把人重新加一遍</a:t>
+            </a:r>
+            <a:endParaRPr lang="en-US" altLang="zh-CN" sz="1600" b="0" i="0" dirty="0">
+              <a:solidFill>
+                <a:srgbClr val="5C5C5C"/>
+              </a:solidFill>
+              <a:effectLst/>
+              <a:latin typeface="微软雅黑" panose="020B0503020204020204" pitchFamily="34" charset="-122"/>
+              <a:ea typeface="微软雅黑" panose="020B0503020204020204" pitchFamily="34" charset="-122"/>
+            </a:endParaRPr>
           </a:p>
         </p:txBody>
       </p:sp>
@@ -8239,15 +9859,7 @@
           <a:p>
             <a:r>
               <a:rPr lang="zh-CN" altLang="en-US" sz="2800" dirty="0"/>
-              <a:t>五、远程执行</a:t>
-            </a:r>
-            <a:r>
-              <a:rPr lang="en-US" altLang="zh-CN" sz="2800" dirty="0" err="1"/>
-              <a:t>jupyter</a:t>
-            </a:r>
-            <a:r>
-              <a:rPr lang="zh-CN" altLang="en-US" sz="2800" dirty="0"/>
-              <a:t>代码</a:t>
+              <a:t>五、开发文档地址</a:t>
             </a:r>
             <a:endParaRPr lang="en-US" altLang="zh-CN" sz="2800" dirty="0"/>
           </a:p>
@@ -8255,68 +9867,350 @@
       </p:sp>
       <p:sp>
         <p:nvSpPr>
-          <p:cNvPr id="35" name="标题 1">
+          <p:cNvPr id="3" name="矩形 2">
             <a:extLst>
               <a:ext uri="{FF2B5EF4-FFF2-40B4-BE49-F238E27FC236}">
-                <a16:creationId xmlns:a16="http://schemas.microsoft.com/office/drawing/2014/main" id="{DBA25653-C419-4947-9450-ACD83BDD189F}"/>
+                <a16:creationId xmlns:a16="http://schemas.microsoft.com/office/drawing/2014/main" id="{E8361AB5-0F37-4968-A620-8C03F207BA4D}"/>
               </a:ext>
             </a:extLst>
           </p:cNvPr>
-          <p:cNvSpPr txBox="1">
-            <a:spLocks/>
-          </p:cNvSpPr>
+          <p:cNvSpPr/>
           <p:nvPr/>
         </p:nvSpPr>
         <p:spPr>
           <a:xfrm>
-            <a:off x="1053852" y="775118"/>
-            <a:ext cx="10786723" cy="493642"/>
+            <a:off x="549796" y="1052737"/>
+            <a:ext cx="11377264" cy="4062651"/>
           </a:xfrm>
           <a:prstGeom prst="rect">
             <a:avLst/>
           </a:prstGeom>
         </p:spPr>
         <p:txBody>
-          <a:bodyPr vert="horz" lIns="121899" tIns="60949" rIns="121899" bIns="60949" rtlCol="0" anchor="b">
-            <a:normAutofit/>
+          <a:bodyPr wrap="square">
+            <a:spAutoFit/>
           </a:bodyPr>
-          <a:lstStyle>
-            <a:lvl1pPr algn="l" defTabSz="1218987" rtl="0" eaLnBrk="1" latinLnBrk="0" hangingPunct="1">
-              <a:lnSpc>
-                <a:spcPct val="85000"/>
-              </a:lnSpc>
-              <a:spcBef>
-                <a:spcPct val="0"/>
-              </a:spcBef>
-              <a:buNone/>
-              <a:tabLst/>
-              <a:defRPr sz="4400" kern="1200" cap="none" baseline="0">
-                <a:solidFill>
-                  <a:schemeClr val="tx1"/>
-                </a:solidFill>
+          <a:lstStyle/>
+          <a:p>
+            <a:r>
+              <a:rPr lang="en-US" altLang="zh-CN" sz="2000" dirty="0">
                 <a:latin typeface="微软雅黑" panose="020B0503020204020204" pitchFamily="34" charset="-122"/>
                 <a:ea typeface="微软雅黑" panose="020B0503020204020204" pitchFamily="34" charset="-122"/>
-                <a:cs typeface="+mj-cs"/>
-              </a:defRPr>
-            </a:lvl1pPr>
-          </a:lstStyle>
-          <a:p>
-            <a:r>
-              <a:rPr lang="en-US" altLang="zh-CN" sz="2000" dirty="0"/>
+              </a:rPr>
               <a:t>1</a:t>
             </a:r>
             <a:r>
-              <a:rPr lang="zh-CN" altLang="en-US" sz="2000" dirty="0"/>
-              <a:t>、获取</a:t>
-            </a:r>
-            <a:endParaRPr lang="en-US" altLang="zh-CN" sz="2000" dirty="0"/>
+              <a:rPr lang="zh-CN" altLang="en-US" sz="2000" dirty="0">
+                <a:latin typeface="微软雅黑" panose="020B0503020204020204" pitchFamily="34" charset="-122"/>
+                <a:ea typeface="微软雅黑" panose="020B0503020204020204" pitchFamily="34" charset="-122"/>
+              </a:rPr>
+              <a:t>、主页：</a:t>
+            </a:r>
+            <a:endParaRPr lang="en-US" altLang="zh-CN" sz="2000" dirty="0">
+              <a:latin typeface="微软雅黑" panose="020B0503020204020204" pitchFamily="34" charset="-122"/>
+              <a:ea typeface="微软雅黑" panose="020B0503020204020204" pitchFamily="34" charset="-122"/>
+            </a:endParaRPr>
+          </a:p>
+          <a:p>
+            <a:r>
+              <a:rPr lang="en-US" altLang="zh-CN" sz="1400" dirty="0">
+                <a:latin typeface="微软雅黑" panose="020B0503020204020204" pitchFamily="34" charset="-122"/>
+                <a:ea typeface="微软雅黑" panose="020B0503020204020204" pitchFamily="34" charset="-122"/>
+                <a:hlinkClick r:id="rId2"/>
+              </a:rPr>
+              <a:t>https://oa.dingtalk.com/index.htm</a:t>
+            </a:r>
+            <a:endParaRPr lang="en-US" altLang="zh-CN" sz="1400" dirty="0">
+              <a:latin typeface="微软雅黑" panose="020B0503020204020204" pitchFamily="34" charset="-122"/>
+              <a:ea typeface="微软雅黑" panose="020B0503020204020204" pitchFamily="34" charset="-122"/>
+            </a:endParaRPr>
+          </a:p>
+          <a:p>
+            <a:r>
+              <a:rPr lang="en-US" altLang="zh-CN" sz="2000" dirty="0">
+                <a:latin typeface="微软雅黑" panose="020B0503020204020204" pitchFamily="34" charset="-122"/>
+                <a:ea typeface="微软雅黑" panose="020B0503020204020204" pitchFamily="34" charset="-122"/>
+              </a:rPr>
+              <a:t>2</a:t>
+            </a:r>
+            <a:r>
+              <a:rPr lang="zh-CN" altLang="en-US" sz="2000" dirty="0">
+                <a:latin typeface="微软雅黑" panose="020B0503020204020204" pitchFamily="34" charset="-122"/>
+                <a:ea typeface="微软雅黑" panose="020B0503020204020204" pitchFamily="34" charset="-122"/>
+              </a:rPr>
+              <a:t>、工作台：</a:t>
+            </a:r>
+            <a:endParaRPr lang="en-US" altLang="zh-CN" sz="2000" dirty="0">
+              <a:latin typeface="微软雅黑" panose="020B0503020204020204" pitchFamily="34" charset="-122"/>
+              <a:ea typeface="微软雅黑" panose="020B0503020204020204" pitchFamily="34" charset="-122"/>
+            </a:endParaRPr>
+          </a:p>
+          <a:p>
+            <a:r>
+              <a:rPr lang="en-US" altLang="zh-CN" sz="1400" dirty="0">
+                <a:latin typeface="微软雅黑" panose="020B0503020204020204" pitchFamily="34" charset="-122"/>
+                <a:ea typeface="微软雅黑" panose="020B0503020204020204" pitchFamily="34" charset="-122"/>
+                <a:hlinkClick r:id="rId3"/>
+              </a:rPr>
+              <a:t>https://oa.dingtalk.com/index.htm#/microApp/microAppList</a:t>
+            </a:r>
+            <a:endParaRPr lang="en-US" altLang="zh-CN" sz="1400" dirty="0">
+              <a:latin typeface="微软雅黑" panose="020B0503020204020204" pitchFamily="34" charset="-122"/>
+              <a:ea typeface="微软雅黑" panose="020B0503020204020204" pitchFamily="34" charset="-122"/>
+            </a:endParaRPr>
+          </a:p>
+          <a:p>
+            <a:r>
+              <a:rPr lang="en-US" altLang="zh-CN" sz="2000" dirty="0">
+                <a:latin typeface="微软雅黑" panose="020B0503020204020204" pitchFamily="34" charset="-122"/>
+                <a:ea typeface="微软雅黑" panose="020B0503020204020204" pitchFamily="34" charset="-122"/>
+              </a:rPr>
+              <a:t>3</a:t>
+            </a:r>
+            <a:r>
+              <a:rPr lang="zh-CN" altLang="en-US" sz="2000" dirty="0">
+                <a:latin typeface="微软雅黑" panose="020B0503020204020204" pitchFamily="34" charset="-122"/>
+                <a:ea typeface="微软雅黑" panose="020B0503020204020204" pitchFamily="34" charset="-122"/>
+              </a:rPr>
+              <a:t>、开发账号管理：工作台页面点击“应用开发”</a:t>
+            </a:r>
+            <a:endParaRPr lang="en-US" altLang="zh-CN" sz="2000" dirty="0">
+              <a:latin typeface="微软雅黑" panose="020B0503020204020204" pitchFamily="34" charset="-122"/>
+              <a:ea typeface="微软雅黑" panose="020B0503020204020204" pitchFamily="34" charset="-122"/>
+            </a:endParaRPr>
+          </a:p>
+          <a:p>
+            <a:r>
+              <a:rPr lang="en-US" altLang="zh-CN" sz="2000" dirty="0">
+                <a:latin typeface="微软雅黑" panose="020B0503020204020204" pitchFamily="34" charset="-122"/>
+                <a:ea typeface="微软雅黑" panose="020B0503020204020204" pitchFamily="34" charset="-122"/>
+              </a:rPr>
+              <a:t>4</a:t>
+            </a:r>
+            <a:r>
+              <a:rPr lang="zh-CN" altLang="en-US" sz="2000" dirty="0">
+                <a:latin typeface="微软雅黑" panose="020B0503020204020204" pitchFamily="34" charset="-122"/>
+                <a:ea typeface="微软雅黑" panose="020B0503020204020204" pitchFamily="34" charset="-122"/>
+              </a:rPr>
+              <a:t>、最齐全的文档页面：</a:t>
+            </a:r>
+            <a:endParaRPr lang="en-US" altLang="zh-CN" sz="2000" dirty="0">
+              <a:latin typeface="微软雅黑" panose="020B0503020204020204" pitchFamily="34" charset="-122"/>
+              <a:ea typeface="微软雅黑" panose="020B0503020204020204" pitchFamily="34" charset="-122"/>
+            </a:endParaRPr>
+          </a:p>
+          <a:p>
+            <a:r>
+              <a:rPr lang="en-US" altLang="zh-CN" sz="1400" dirty="0">
+                <a:latin typeface="微软雅黑" panose="020B0503020204020204" pitchFamily="34" charset="-122"/>
+                <a:ea typeface="微软雅黑" panose="020B0503020204020204" pitchFamily="34" charset="-122"/>
+                <a:hlinkClick r:id="rId4"/>
+              </a:rPr>
+              <a:t>https://open-doc.dingtalk.com/docs/doc.htm?spm=a219a.7629140.0.0.5pJ0qS&amp;treeId=385&amp;articleId=104980&amp;docType=1</a:t>
+            </a:r>
+            <a:endParaRPr lang="en-US" altLang="zh-CN" sz="1400" dirty="0">
+              <a:latin typeface="微软雅黑" panose="020B0503020204020204" pitchFamily="34" charset="-122"/>
+              <a:ea typeface="微软雅黑" panose="020B0503020204020204" pitchFamily="34" charset="-122"/>
+            </a:endParaRPr>
+          </a:p>
+          <a:p>
+            <a:r>
+              <a:rPr lang="en-US" altLang="zh-CN" sz="2000" dirty="0">
+                <a:latin typeface="微软雅黑" panose="020B0503020204020204" pitchFamily="34" charset="-122"/>
+                <a:ea typeface="微软雅黑" panose="020B0503020204020204" pitchFamily="34" charset="-122"/>
+              </a:rPr>
+              <a:t>5</a:t>
+            </a:r>
+            <a:r>
+              <a:rPr lang="zh-CN" altLang="en-US" sz="2000" dirty="0">
+                <a:latin typeface="微软雅黑" panose="020B0503020204020204" pitchFamily="34" charset="-122"/>
+                <a:ea typeface="微软雅黑" panose="020B0503020204020204" pitchFamily="34" charset="-122"/>
+              </a:rPr>
+              <a:t>、可能时另一个版本的文档：</a:t>
+            </a:r>
+            <a:endParaRPr lang="en-US" altLang="zh-CN" sz="2000" dirty="0">
+              <a:latin typeface="微软雅黑" panose="020B0503020204020204" pitchFamily="34" charset="-122"/>
+              <a:ea typeface="微软雅黑" panose="020B0503020204020204" pitchFamily="34" charset="-122"/>
+            </a:endParaRPr>
+          </a:p>
+          <a:p>
+            <a:r>
+              <a:rPr lang="en-US" altLang="zh-CN" sz="1400" dirty="0">
+                <a:latin typeface="微软雅黑" panose="020B0503020204020204" pitchFamily="34" charset="-122"/>
+                <a:ea typeface="微软雅黑" panose="020B0503020204020204" pitchFamily="34" charset="-122"/>
+                <a:hlinkClick r:id="rId5"/>
+              </a:rPr>
+              <a:t>https://open-doc.dingtalk.com/docs/api.htm?spm=a219a.7395905.0.0.dWrB75&amp;apiId=27851</a:t>
+            </a:r>
+            <a:endParaRPr lang="en-US" altLang="zh-CN" sz="1400" dirty="0">
+              <a:latin typeface="微软雅黑" panose="020B0503020204020204" pitchFamily="34" charset="-122"/>
+              <a:ea typeface="微软雅黑" panose="020B0503020204020204" pitchFamily="34" charset="-122"/>
+            </a:endParaRPr>
+          </a:p>
+          <a:p>
+            <a:r>
+              <a:rPr lang="en-US" altLang="zh-CN" sz="2000" dirty="0">
+                <a:latin typeface="微软雅黑" panose="020B0503020204020204" pitchFamily="34" charset="-122"/>
+                <a:ea typeface="微软雅黑" panose="020B0503020204020204" pitchFamily="34" charset="-122"/>
+              </a:rPr>
+              <a:t>6</a:t>
+            </a:r>
+            <a:r>
+              <a:rPr lang="zh-CN" altLang="en-US" sz="2000" dirty="0">
+                <a:latin typeface="微软雅黑" panose="020B0503020204020204" pitchFamily="34" charset="-122"/>
+                <a:ea typeface="微软雅黑" panose="020B0503020204020204" pitchFamily="34" charset="-122"/>
+              </a:rPr>
+              <a:t>、</a:t>
+            </a:r>
+            <a:r>
+              <a:rPr lang="en-US" altLang="zh-CN" sz="2000" dirty="0">
+                <a:latin typeface="微软雅黑" panose="020B0503020204020204" pitchFamily="34" charset="-122"/>
+                <a:ea typeface="微软雅黑" panose="020B0503020204020204" pitchFamily="34" charset="-122"/>
+              </a:rPr>
+              <a:t>java</a:t>
+            </a:r>
+            <a:r>
+              <a:rPr lang="zh-CN" altLang="en-US" sz="2000" dirty="0">
+                <a:latin typeface="微软雅黑" panose="020B0503020204020204" pitchFamily="34" charset="-122"/>
+                <a:ea typeface="微软雅黑" panose="020B0503020204020204" pitchFamily="34" charset="-122"/>
+              </a:rPr>
+              <a:t>、</a:t>
+            </a:r>
+            <a:r>
+              <a:rPr lang="en-US" altLang="zh-CN" sz="2000" dirty="0">
+                <a:latin typeface="微软雅黑" panose="020B0503020204020204" pitchFamily="34" charset="-122"/>
+                <a:ea typeface="微软雅黑" panose="020B0503020204020204" pitchFamily="34" charset="-122"/>
+              </a:rPr>
+              <a:t>php</a:t>
+            </a:r>
+            <a:r>
+              <a:rPr lang="zh-CN" altLang="en-US" sz="2000" dirty="0">
+                <a:latin typeface="微软雅黑" panose="020B0503020204020204" pitchFamily="34" charset="-122"/>
+                <a:ea typeface="微软雅黑" panose="020B0503020204020204" pitchFamily="34" charset="-122"/>
+              </a:rPr>
+              <a:t>开发工具包</a:t>
+            </a:r>
+            <a:endParaRPr lang="en-US" altLang="zh-CN" sz="2000" dirty="0">
+              <a:latin typeface="微软雅黑" panose="020B0503020204020204" pitchFamily="34" charset="-122"/>
+              <a:ea typeface="微软雅黑" panose="020B0503020204020204" pitchFamily="34" charset="-122"/>
+            </a:endParaRPr>
+          </a:p>
+          <a:p>
+            <a:r>
+              <a:rPr lang="en-US" altLang="zh-CN" sz="1400" dirty="0">
+                <a:latin typeface="微软雅黑" panose="020B0503020204020204" pitchFamily="34" charset="-122"/>
+                <a:ea typeface="微软雅黑" panose="020B0503020204020204" pitchFamily="34" charset="-122"/>
+                <a:hlinkClick r:id="rId6"/>
+              </a:rPr>
+              <a:t>https://open-doc.dingtalk.com/doc/sdk.htm?spm=a219a.7629140.0.0.mdJbVb&amp;treeId=177&amp;articleId=104963&amp;docType=1</a:t>
+            </a:r>
+            <a:endParaRPr lang="en-US" altLang="zh-CN" sz="1400" dirty="0">
+              <a:latin typeface="微软雅黑" panose="020B0503020204020204" pitchFamily="34" charset="-122"/>
+              <a:ea typeface="微软雅黑" panose="020B0503020204020204" pitchFamily="34" charset="-122"/>
+            </a:endParaRPr>
+          </a:p>
+          <a:p>
+            <a:r>
+              <a:rPr lang="en-US" altLang="zh-CN" sz="2000" dirty="0">
+                <a:latin typeface="微软雅黑" panose="020B0503020204020204" pitchFamily="34" charset="-122"/>
+                <a:ea typeface="微软雅黑" panose="020B0503020204020204" pitchFamily="34" charset="-122"/>
+              </a:rPr>
+              <a:t>7</a:t>
+            </a:r>
+            <a:r>
+              <a:rPr lang="zh-CN" altLang="en-US" sz="2000" dirty="0">
+                <a:latin typeface="微软雅黑" panose="020B0503020204020204" pitchFamily="34" charset="-122"/>
+                <a:ea typeface="微软雅黑" panose="020B0503020204020204" pitchFamily="34" charset="-122"/>
+              </a:rPr>
+              <a:t>、会话</a:t>
+            </a:r>
+            <a:r>
+              <a:rPr lang="en-US" altLang="zh-CN" sz="2000" dirty="0">
+                <a:latin typeface="微软雅黑" panose="020B0503020204020204" pitchFamily="34" charset="-122"/>
+                <a:ea typeface="微软雅黑" panose="020B0503020204020204" pitchFamily="34" charset="-122"/>
+              </a:rPr>
+              <a:t>FAQ</a:t>
+            </a:r>
+            <a:r>
+              <a:rPr lang="zh-CN" altLang="en-US" sz="2000" dirty="0">
+                <a:latin typeface="微软雅黑" panose="020B0503020204020204" pitchFamily="34" charset="-122"/>
+                <a:ea typeface="微软雅黑" panose="020B0503020204020204" pitchFamily="34" charset="-122"/>
+              </a:rPr>
+              <a:t>（可能找到钉钉发展方向）：</a:t>
+            </a:r>
+            <a:endParaRPr lang="en-US" altLang="zh-CN" sz="2000" dirty="0">
+              <a:latin typeface="微软雅黑" panose="020B0503020204020204" pitchFamily="34" charset="-122"/>
+              <a:ea typeface="微软雅黑" panose="020B0503020204020204" pitchFamily="34" charset="-122"/>
+            </a:endParaRPr>
+          </a:p>
+          <a:p>
+            <a:r>
+              <a:rPr lang="en-US" altLang="zh-CN" sz="1400" dirty="0">
+                <a:latin typeface="微软雅黑" panose="020B0503020204020204" pitchFamily="34" charset="-122"/>
+                <a:ea typeface="微软雅黑" panose="020B0503020204020204" pitchFamily="34" charset="-122"/>
+                <a:hlinkClick r:id="rId7"/>
+              </a:rPr>
+              <a:t>https://open-doc.dingtalk.com/docs/doc.htm?spm=a219a.7629140.0.0.gsclxa&amp;treeId=173&amp;articleId=107513&amp;docType=1</a:t>
+            </a:r>
+            <a:endParaRPr lang="en-US" altLang="zh-CN" sz="1400" dirty="0">
+              <a:latin typeface="微软雅黑" panose="020B0503020204020204" pitchFamily="34" charset="-122"/>
+              <a:ea typeface="微软雅黑" panose="020B0503020204020204" pitchFamily="34" charset="-122"/>
+            </a:endParaRPr>
+          </a:p>
+          <a:p>
+            <a:r>
+              <a:rPr lang="en-US" altLang="zh-CN" sz="2000" dirty="0">
+                <a:latin typeface="微软雅黑" panose="020B0503020204020204" pitchFamily="34" charset="-122"/>
+                <a:ea typeface="微软雅黑" panose="020B0503020204020204" pitchFamily="34" charset="-122"/>
+              </a:rPr>
+              <a:t>8</a:t>
+            </a:r>
+            <a:r>
+              <a:rPr lang="zh-CN" altLang="en-US" sz="2000" dirty="0">
+                <a:latin typeface="微软雅黑" panose="020B0503020204020204" pitchFamily="34" charset="-122"/>
+                <a:ea typeface="微软雅黑" panose="020B0503020204020204" pitchFamily="34" charset="-122"/>
+              </a:rPr>
+              <a:t>、</a:t>
+            </a:r>
+            <a:r>
+              <a:rPr lang="en-US" altLang="zh-CN" sz="2000" dirty="0" err="1">
+                <a:latin typeface="微软雅黑" panose="020B0503020204020204" pitchFamily="34" charset="-122"/>
+                <a:ea typeface="微软雅黑" panose="020B0503020204020204" pitchFamily="34" charset="-122"/>
+              </a:rPr>
+              <a:t>js-api</a:t>
+            </a:r>
+            <a:r>
+              <a:rPr lang="zh-CN" altLang="en-US" sz="2000" dirty="0">
+                <a:latin typeface="微软雅黑" panose="020B0503020204020204" pitchFamily="34" charset="-122"/>
+                <a:ea typeface="微软雅黑" panose="020B0503020204020204" pitchFamily="34" charset="-122"/>
+              </a:rPr>
+              <a:t>测试控制台</a:t>
+            </a:r>
+            <a:endParaRPr lang="en-US" altLang="zh-CN" sz="2000" dirty="0">
+              <a:latin typeface="微软雅黑" panose="020B0503020204020204" pitchFamily="34" charset="-122"/>
+              <a:ea typeface="微软雅黑" panose="020B0503020204020204" pitchFamily="34" charset="-122"/>
+            </a:endParaRPr>
+          </a:p>
+          <a:p>
+            <a:r>
+              <a:rPr lang="en-US" altLang="zh-CN" sz="1400" dirty="0">
+                <a:latin typeface="微软雅黑" panose="020B0503020204020204" pitchFamily="34" charset="-122"/>
+                <a:ea typeface="微软雅黑" panose="020B0503020204020204" pitchFamily="34" charset="-122"/>
+                <a:hlinkClick r:id="rId8"/>
+              </a:rPr>
+              <a:t>https://wsdebug.dingtalk.com/</a:t>
+            </a:r>
+            <a:endParaRPr lang="en-US" altLang="zh-CN" sz="1400" dirty="0">
+              <a:latin typeface="微软雅黑" panose="020B0503020204020204" pitchFamily="34" charset="-122"/>
+              <a:ea typeface="微软雅黑" panose="020B0503020204020204" pitchFamily="34" charset="-122"/>
+            </a:endParaRPr>
           </a:p>
         </p:txBody>
       </p:sp>
     </p:spTree>
     <p:extLst>
       <p:ext uri="{BB962C8B-B14F-4D97-AF65-F5344CB8AC3E}">
-        <p14:creationId xmlns:p14="http://schemas.microsoft.com/office/powerpoint/2010/main" val="1406870117"/>
+        <p14:creationId xmlns:p14="http://schemas.microsoft.com/office/powerpoint/2010/main" val="2975844049"/>
       </p:ext>
     </p:extLst>
   </p:cSld>
@@ -8447,16 +10341,1217 @@
             </a:r>
             <a:r>
               <a:rPr lang="zh-CN" altLang="en-US" sz="2000" dirty="0"/>
-              <a:t>、获取</a:t>
+              <a:t>、</a:t>
+            </a:r>
+            <a:r>
+              <a:rPr lang="en-US" altLang="zh-CN" sz="2000" dirty="0"/>
+              <a:t>pandas</a:t>
+            </a:r>
+            <a:r>
+              <a:rPr lang="zh-CN" altLang="en-US" sz="2000" dirty="0"/>
+              <a:t>的另一种打开方式，以</a:t>
+            </a:r>
+            <a:r>
+              <a:rPr lang="en-US" altLang="zh-CN" sz="2000" dirty="0" err="1"/>
+              <a:t>sql</a:t>
+            </a:r>
+            <a:r>
+              <a:rPr lang="zh-CN" altLang="en-US" sz="2000" dirty="0"/>
+              <a:t>操纵</a:t>
+            </a:r>
+            <a:r>
+              <a:rPr lang="en-US" altLang="zh-CN" sz="2000" dirty="0" err="1"/>
+              <a:t>DataFrame</a:t>
             </a:r>
             <a:endParaRPr lang="en-US" altLang="zh-CN" sz="2000" dirty="0"/>
+          </a:p>
+        </p:txBody>
+      </p:sp>
+      <p:sp>
+        <p:nvSpPr>
+          <p:cNvPr id="9" name="Rectangle 3">
+            <a:extLst>
+              <a:ext uri="{FF2B5EF4-FFF2-40B4-BE49-F238E27FC236}">
+                <a16:creationId xmlns:a16="http://schemas.microsoft.com/office/drawing/2014/main" id="{8EE8E200-802B-4D33-8C7E-F7F73D41216C}"/>
+              </a:ext>
+            </a:extLst>
+          </p:cNvPr>
+          <p:cNvSpPr>
+            <a:spLocks noChangeArrowheads="1"/>
+          </p:cNvSpPr>
+          <p:nvPr/>
+        </p:nvSpPr>
+        <p:spPr bwMode="auto">
+          <a:xfrm>
+            <a:off x="593039" y="1412776"/>
+            <a:ext cx="11002747" cy="3884346"/>
+          </a:xfrm>
+          <a:prstGeom prst="rect">
+            <a:avLst/>
+          </a:prstGeom>
+          <a:solidFill>
+            <a:schemeClr val="tx2">
+              <a:lumMod val="85000"/>
+              <a:lumOff val="15000"/>
+            </a:schemeClr>
+          </a:solidFill>
+          <a:ln>
+            <a:noFill/>
+          </a:ln>
+          <a:effectLst/>
+        </p:spPr>
+        <p:txBody>
+          <a:bodyPr vert="horz" wrap="square" lIns="91440" tIns="0" rIns="91440" bIns="158700" numCol="1" anchor="ctr" anchorCtr="0" compatLnSpc="1">
+            <a:prstTxWarp prst="textNoShape">
+              <a:avLst/>
+            </a:prstTxWarp>
+            <a:spAutoFit/>
+          </a:bodyPr>
+          <a:lstStyle/>
+          <a:p>
+            <a:pPr lvl="0" defTabSz="914400" eaLnBrk="0" fontAlgn="base" hangingPunct="0">
+              <a:spcBef>
+                <a:spcPct val="0"/>
+              </a:spcBef>
+              <a:spcAft>
+                <a:spcPct val="0"/>
+              </a:spcAft>
+            </a:pPr>
+            <a:r>
+              <a:rPr lang="zh-CN" altLang="zh-CN" sz="1100" dirty="0">
+                <a:solidFill>
+                  <a:srgbClr val="C678DD"/>
+                </a:solidFill>
+                <a:latin typeface="Arial Unicode MS" panose="020B0604020202020204" pitchFamily="34" charset="-122"/>
+              </a:rPr>
+              <a:t>import</a:t>
+            </a:r>
+            <a:r>
+              <a:rPr lang="zh-CN" altLang="zh-CN" sz="1100" dirty="0">
+                <a:solidFill>
+                  <a:srgbClr val="ABB2BF"/>
+                </a:solidFill>
+                <a:latin typeface="Arial Unicode MS" panose="020B0604020202020204" pitchFamily="34" charset="-122"/>
+              </a:rPr>
+              <a:t> pandas </a:t>
+            </a:r>
+            <a:r>
+              <a:rPr lang="zh-CN" altLang="zh-CN" sz="1100" dirty="0">
+                <a:solidFill>
+                  <a:srgbClr val="C678DD"/>
+                </a:solidFill>
+                <a:latin typeface="Arial Unicode MS" panose="020B0604020202020204" pitchFamily="34" charset="-122"/>
+              </a:rPr>
+              <a:t>as</a:t>
+            </a:r>
+            <a:r>
+              <a:rPr lang="zh-CN" altLang="zh-CN" sz="1100" dirty="0">
+                <a:solidFill>
+                  <a:srgbClr val="ABB2BF"/>
+                </a:solidFill>
+                <a:latin typeface="Arial Unicode MS" panose="020B0604020202020204" pitchFamily="34" charset="-122"/>
+              </a:rPr>
+              <a:t> pd</a:t>
+            </a:r>
+          </a:p>
+          <a:p>
+            <a:pPr lvl="0" defTabSz="914400" eaLnBrk="0" fontAlgn="base" hangingPunct="0">
+              <a:spcBef>
+                <a:spcPct val="0"/>
+              </a:spcBef>
+              <a:spcAft>
+                <a:spcPct val="0"/>
+              </a:spcAft>
+            </a:pPr>
+            <a:r>
+              <a:rPr lang="zh-CN" altLang="zh-CN" sz="1100" dirty="0">
+                <a:solidFill>
+                  <a:srgbClr val="C678DD"/>
+                </a:solidFill>
+                <a:latin typeface="Arial Unicode MS" panose="020B0604020202020204" pitchFamily="34" charset="-122"/>
+              </a:rPr>
+              <a:t>from</a:t>
+            </a:r>
+            <a:r>
+              <a:rPr lang="zh-CN" altLang="zh-CN" sz="1100" dirty="0">
+                <a:solidFill>
+                  <a:srgbClr val="ABB2BF"/>
+                </a:solidFill>
+                <a:latin typeface="Arial Unicode MS" panose="020B0604020202020204" pitchFamily="34" charset="-122"/>
+              </a:rPr>
+              <a:t> pandasql </a:t>
+            </a:r>
+            <a:r>
+              <a:rPr lang="zh-CN" altLang="zh-CN" sz="1100" dirty="0">
+                <a:solidFill>
+                  <a:srgbClr val="C678DD"/>
+                </a:solidFill>
+                <a:latin typeface="Arial Unicode MS" panose="020B0604020202020204" pitchFamily="34" charset="-122"/>
+              </a:rPr>
+              <a:t>import</a:t>
+            </a:r>
+            <a:r>
+              <a:rPr lang="zh-CN" altLang="zh-CN" sz="1100" dirty="0">
+                <a:solidFill>
+                  <a:srgbClr val="ABB2BF"/>
+                </a:solidFill>
+                <a:latin typeface="Arial Unicode MS" panose="020B0604020202020204" pitchFamily="34" charset="-122"/>
+              </a:rPr>
+              <a:t> sqldf</a:t>
+            </a:r>
+          </a:p>
+          <a:p>
+            <a:pPr lvl="0" defTabSz="914400" eaLnBrk="0" fontAlgn="base" hangingPunct="0">
+              <a:spcBef>
+                <a:spcPct val="0"/>
+              </a:spcBef>
+              <a:spcAft>
+                <a:spcPct val="0"/>
+              </a:spcAft>
+            </a:pPr>
+            <a:r>
+              <a:rPr lang="zh-CN" altLang="zh-CN" sz="1100" dirty="0">
+                <a:solidFill>
+                  <a:srgbClr val="ABB2BF"/>
+                </a:solidFill>
+                <a:latin typeface="Arial Unicode MS" panose="020B0604020202020204" pitchFamily="34" charset="-122"/>
+              </a:rPr>
+              <a:t> </a:t>
+            </a:r>
+          </a:p>
+          <a:p>
+            <a:pPr lvl="0" defTabSz="914400" eaLnBrk="0" fontAlgn="base" hangingPunct="0">
+              <a:spcBef>
+                <a:spcPct val="0"/>
+              </a:spcBef>
+              <a:spcAft>
+                <a:spcPct val="0"/>
+              </a:spcAft>
+            </a:pPr>
+            <a:r>
+              <a:rPr lang="zh-CN" altLang="zh-CN" sz="1100" i="1" dirty="0">
+                <a:solidFill>
+                  <a:srgbClr val="5C6370"/>
+                </a:solidFill>
+                <a:latin typeface="Arial Unicode MS" panose="020B0604020202020204" pitchFamily="34" charset="-122"/>
+              </a:rPr>
+              <a:t># 查找内存中的pandas数据框 </a:t>
+            </a:r>
+            <a:endParaRPr lang="zh-CN" altLang="zh-CN" sz="1100" dirty="0">
+              <a:solidFill>
+                <a:srgbClr val="ABB2BF"/>
+              </a:solidFill>
+              <a:latin typeface="Arial Unicode MS" panose="020B0604020202020204" pitchFamily="34" charset="-122"/>
+            </a:endParaRPr>
+          </a:p>
+          <a:p>
+            <a:pPr lvl="0" defTabSz="914400" eaLnBrk="0" fontAlgn="base" hangingPunct="0">
+              <a:spcBef>
+                <a:spcPct val="0"/>
+              </a:spcBef>
+              <a:spcAft>
+                <a:spcPct val="0"/>
+              </a:spcAft>
+            </a:pPr>
+            <a:r>
+              <a:rPr lang="zh-CN" altLang="zh-CN" sz="1100" dirty="0">
+                <a:solidFill>
+                  <a:srgbClr val="ABB2BF"/>
+                </a:solidFill>
+                <a:latin typeface="Arial Unicode MS" panose="020B0604020202020204" pitchFamily="34" charset="-122"/>
+              </a:rPr>
+              <a:t>pysqldf = </a:t>
+            </a:r>
+            <a:r>
+              <a:rPr lang="zh-CN" altLang="zh-CN" sz="1100" dirty="0">
+                <a:solidFill>
+                  <a:srgbClr val="C678DD"/>
+                </a:solidFill>
+                <a:latin typeface="Arial Unicode MS" panose="020B0604020202020204" pitchFamily="34" charset="-122"/>
+              </a:rPr>
+              <a:t>lambda</a:t>
+            </a:r>
+            <a:r>
+              <a:rPr lang="zh-CN" altLang="zh-CN" sz="1100" dirty="0">
+                <a:solidFill>
+                  <a:srgbClr val="ABB2BF"/>
+                </a:solidFill>
+                <a:latin typeface="Arial Unicode MS" panose="020B0604020202020204" pitchFamily="34" charset="-122"/>
+              </a:rPr>
+              <a:t> </a:t>
+            </a:r>
+            <a:r>
+              <a:rPr lang="zh-CN" altLang="zh-CN" sz="1100" dirty="0">
+                <a:solidFill>
+                  <a:srgbClr val="D19A66"/>
+                </a:solidFill>
+                <a:latin typeface="Arial Unicode MS" panose="020B0604020202020204" pitchFamily="34" charset="-122"/>
+              </a:rPr>
+              <a:t>q</a:t>
+            </a:r>
+            <a:r>
+              <a:rPr lang="zh-CN" altLang="zh-CN" sz="1100" dirty="0">
+                <a:solidFill>
+                  <a:srgbClr val="ABB2BF"/>
+                </a:solidFill>
+                <a:latin typeface="Arial Unicode MS" panose="020B0604020202020204" pitchFamily="34" charset="-122"/>
+              </a:rPr>
+              <a:t>: </a:t>
+            </a:r>
+            <a:r>
+              <a:rPr lang="zh-CN" altLang="zh-CN" sz="1100" dirty="0">
+                <a:solidFill>
+                  <a:srgbClr val="61AFEF"/>
+                </a:solidFill>
+                <a:latin typeface="Arial Unicode MS" panose="020B0604020202020204" pitchFamily="34" charset="-122"/>
+              </a:rPr>
+              <a:t>sqldf</a:t>
+            </a:r>
+            <a:r>
+              <a:rPr lang="zh-CN" altLang="zh-CN" sz="1100" dirty="0">
+                <a:solidFill>
+                  <a:srgbClr val="ABB2BF"/>
+                </a:solidFill>
+                <a:latin typeface="Arial Unicode MS" panose="020B0604020202020204" pitchFamily="34" charset="-122"/>
+              </a:rPr>
+              <a:t>(q, </a:t>
+            </a:r>
+            <a:r>
+              <a:rPr lang="zh-CN" altLang="zh-CN" sz="1100" dirty="0">
+                <a:solidFill>
+                  <a:srgbClr val="56B6C2"/>
+                </a:solidFill>
+                <a:latin typeface="Arial Unicode MS" panose="020B0604020202020204" pitchFamily="34" charset="-122"/>
+              </a:rPr>
+              <a:t>globals</a:t>
+            </a:r>
+            <a:r>
+              <a:rPr lang="zh-CN" altLang="zh-CN" sz="1100" dirty="0">
+                <a:solidFill>
+                  <a:srgbClr val="ABB2BF"/>
+                </a:solidFill>
+                <a:latin typeface="Arial Unicode MS" panose="020B0604020202020204" pitchFamily="34" charset="-122"/>
+              </a:rPr>
+              <a:t>())</a:t>
+            </a:r>
+          </a:p>
+          <a:p>
+            <a:pPr lvl="0" defTabSz="914400" eaLnBrk="0" fontAlgn="base" hangingPunct="0">
+              <a:spcBef>
+                <a:spcPct val="0"/>
+              </a:spcBef>
+              <a:spcAft>
+                <a:spcPct val="0"/>
+              </a:spcAft>
+            </a:pPr>
+            <a:r>
+              <a:rPr lang="zh-CN" altLang="zh-CN" sz="1100" dirty="0">
+                <a:solidFill>
+                  <a:srgbClr val="ABB2BF"/>
+                </a:solidFill>
+                <a:latin typeface="Arial Unicode MS" panose="020B0604020202020204" pitchFamily="34" charset="-122"/>
+              </a:rPr>
+              <a:t> </a:t>
+            </a:r>
+          </a:p>
+          <a:p>
+            <a:pPr lvl="0" defTabSz="914400" eaLnBrk="0" fontAlgn="base" hangingPunct="0">
+              <a:spcBef>
+                <a:spcPct val="0"/>
+              </a:spcBef>
+              <a:spcAft>
+                <a:spcPct val="0"/>
+              </a:spcAft>
+            </a:pPr>
+            <a:r>
+              <a:rPr lang="zh-CN" altLang="zh-CN" sz="1100" dirty="0">
+                <a:solidFill>
+                  <a:srgbClr val="ABB2BF"/>
+                </a:solidFill>
+                <a:latin typeface="Arial Unicode MS" panose="020B0604020202020204" pitchFamily="34" charset="-122"/>
+              </a:rPr>
+              <a:t>df = </a:t>
+            </a:r>
+            <a:r>
+              <a:rPr lang="zh-CN" altLang="zh-CN" sz="1100" dirty="0">
+                <a:solidFill>
+                  <a:srgbClr val="E06C75"/>
+                </a:solidFill>
+                <a:latin typeface="Arial Unicode MS" panose="020B0604020202020204" pitchFamily="34" charset="-122"/>
+              </a:rPr>
+              <a:t>pd</a:t>
+            </a:r>
+            <a:r>
+              <a:rPr lang="zh-CN" altLang="zh-CN" sz="1100" dirty="0">
+                <a:solidFill>
+                  <a:srgbClr val="ABB2BF"/>
+                </a:solidFill>
+                <a:latin typeface="Arial Unicode MS" panose="020B0604020202020204" pitchFamily="34" charset="-122"/>
+              </a:rPr>
+              <a:t>.</a:t>
+            </a:r>
+            <a:r>
+              <a:rPr lang="zh-CN" altLang="zh-CN" sz="1100" dirty="0">
+                <a:solidFill>
+                  <a:srgbClr val="61AFEF"/>
+                </a:solidFill>
+                <a:latin typeface="Arial Unicode MS" panose="020B0604020202020204" pitchFamily="34" charset="-122"/>
+              </a:rPr>
+              <a:t>DataFrame</a:t>
+            </a:r>
+            <a:r>
+              <a:rPr lang="zh-CN" altLang="zh-CN" sz="1100" dirty="0">
+                <a:solidFill>
+                  <a:srgbClr val="ABB2BF"/>
+                </a:solidFill>
+                <a:latin typeface="Arial Unicode MS" panose="020B0604020202020204" pitchFamily="34" charset="-122"/>
+              </a:rPr>
+              <a:t>()</a:t>
+            </a:r>
+          </a:p>
+          <a:p>
+            <a:pPr lvl="0" defTabSz="914400" eaLnBrk="0" fontAlgn="base" hangingPunct="0">
+              <a:spcBef>
+                <a:spcPct val="0"/>
+              </a:spcBef>
+              <a:spcAft>
+                <a:spcPct val="0"/>
+              </a:spcAft>
+            </a:pPr>
+            <a:r>
+              <a:rPr lang="zh-CN" altLang="zh-CN" sz="1100" dirty="0">
+                <a:solidFill>
+                  <a:srgbClr val="ABB2BF"/>
+                </a:solidFill>
+                <a:latin typeface="Arial Unicode MS" panose="020B0604020202020204" pitchFamily="34" charset="-122"/>
+              </a:rPr>
+              <a:t>df[</a:t>
+            </a:r>
+            <a:r>
+              <a:rPr lang="zh-CN" altLang="zh-CN" sz="1100" dirty="0">
+                <a:solidFill>
+                  <a:srgbClr val="98C379"/>
+                </a:solidFill>
+                <a:latin typeface="Arial Unicode MS" panose="020B0604020202020204" pitchFamily="34" charset="-122"/>
+              </a:rPr>
+              <a:t>'a'</a:t>
+            </a:r>
+            <a:r>
+              <a:rPr lang="zh-CN" altLang="zh-CN" sz="1100" dirty="0">
+                <a:solidFill>
+                  <a:srgbClr val="ABB2BF"/>
+                </a:solidFill>
+                <a:latin typeface="Arial Unicode MS" panose="020B0604020202020204" pitchFamily="34" charset="-122"/>
+              </a:rPr>
+              <a:t>] = [</a:t>
+            </a:r>
+            <a:r>
+              <a:rPr lang="zh-CN" altLang="zh-CN" sz="1100" dirty="0">
+                <a:solidFill>
+                  <a:srgbClr val="D19A66"/>
+                </a:solidFill>
+                <a:latin typeface="Arial Unicode MS" panose="020B0604020202020204" pitchFamily="34" charset="-122"/>
+              </a:rPr>
+              <a:t>1</a:t>
+            </a:r>
+            <a:r>
+              <a:rPr lang="zh-CN" altLang="zh-CN" sz="1100" dirty="0">
+                <a:solidFill>
+                  <a:srgbClr val="ABB2BF"/>
+                </a:solidFill>
+                <a:latin typeface="Arial Unicode MS" panose="020B0604020202020204" pitchFamily="34" charset="-122"/>
+              </a:rPr>
+              <a:t>,</a:t>
+            </a:r>
+            <a:r>
+              <a:rPr lang="zh-CN" altLang="zh-CN" sz="1100" dirty="0">
+                <a:solidFill>
+                  <a:srgbClr val="D19A66"/>
+                </a:solidFill>
+                <a:latin typeface="Arial Unicode MS" panose="020B0604020202020204" pitchFamily="34" charset="-122"/>
+              </a:rPr>
+              <a:t>2</a:t>
+            </a:r>
+            <a:r>
+              <a:rPr lang="zh-CN" altLang="zh-CN" sz="1100" dirty="0">
+                <a:solidFill>
+                  <a:srgbClr val="ABB2BF"/>
+                </a:solidFill>
+                <a:latin typeface="Arial Unicode MS" panose="020B0604020202020204" pitchFamily="34" charset="-122"/>
+              </a:rPr>
+              <a:t>,</a:t>
+            </a:r>
+            <a:r>
+              <a:rPr lang="zh-CN" altLang="zh-CN" sz="1100" dirty="0">
+                <a:solidFill>
+                  <a:srgbClr val="D19A66"/>
+                </a:solidFill>
+                <a:latin typeface="Arial Unicode MS" panose="020B0604020202020204" pitchFamily="34" charset="-122"/>
+              </a:rPr>
+              <a:t>3</a:t>
+            </a:r>
+            <a:r>
+              <a:rPr lang="zh-CN" altLang="zh-CN" sz="1100" dirty="0">
+                <a:solidFill>
+                  <a:srgbClr val="ABB2BF"/>
+                </a:solidFill>
+                <a:latin typeface="Arial Unicode MS" panose="020B0604020202020204" pitchFamily="34" charset="-122"/>
+              </a:rPr>
+              <a:t>]</a:t>
+            </a:r>
+          </a:p>
+          <a:p>
+            <a:pPr lvl="0" defTabSz="914400" eaLnBrk="0" fontAlgn="base" hangingPunct="0">
+              <a:spcBef>
+                <a:spcPct val="0"/>
+              </a:spcBef>
+              <a:spcAft>
+                <a:spcPct val="0"/>
+              </a:spcAft>
+            </a:pPr>
+            <a:r>
+              <a:rPr lang="zh-CN" altLang="zh-CN" sz="1100" dirty="0">
+                <a:solidFill>
+                  <a:srgbClr val="ABB2BF"/>
+                </a:solidFill>
+                <a:latin typeface="Arial Unicode MS" panose="020B0604020202020204" pitchFamily="34" charset="-122"/>
+              </a:rPr>
+              <a:t>df[</a:t>
+            </a:r>
+            <a:r>
+              <a:rPr lang="zh-CN" altLang="zh-CN" sz="1100" dirty="0">
+                <a:solidFill>
+                  <a:srgbClr val="98C379"/>
+                </a:solidFill>
+                <a:latin typeface="Arial Unicode MS" panose="020B0604020202020204" pitchFamily="34" charset="-122"/>
+              </a:rPr>
+              <a:t>'b'</a:t>
+            </a:r>
+            <a:r>
+              <a:rPr lang="zh-CN" altLang="zh-CN" sz="1100" dirty="0">
+                <a:solidFill>
+                  <a:srgbClr val="ABB2BF"/>
+                </a:solidFill>
+                <a:latin typeface="Arial Unicode MS" panose="020B0604020202020204" pitchFamily="34" charset="-122"/>
+              </a:rPr>
+              <a:t>] = [</a:t>
+            </a:r>
+            <a:r>
+              <a:rPr lang="zh-CN" altLang="zh-CN" sz="1100" dirty="0">
+                <a:solidFill>
+                  <a:srgbClr val="D19A66"/>
+                </a:solidFill>
+                <a:latin typeface="Arial Unicode MS" panose="020B0604020202020204" pitchFamily="34" charset="-122"/>
+              </a:rPr>
+              <a:t>4</a:t>
+            </a:r>
+            <a:r>
+              <a:rPr lang="zh-CN" altLang="zh-CN" sz="1100" dirty="0">
+                <a:solidFill>
+                  <a:srgbClr val="ABB2BF"/>
+                </a:solidFill>
+                <a:latin typeface="Arial Unicode MS" panose="020B0604020202020204" pitchFamily="34" charset="-122"/>
+              </a:rPr>
+              <a:t>,</a:t>
+            </a:r>
+            <a:r>
+              <a:rPr lang="zh-CN" altLang="zh-CN" sz="1100" dirty="0">
+                <a:solidFill>
+                  <a:srgbClr val="D19A66"/>
+                </a:solidFill>
+                <a:latin typeface="Arial Unicode MS" panose="020B0604020202020204" pitchFamily="34" charset="-122"/>
+              </a:rPr>
+              <a:t>5</a:t>
+            </a:r>
+            <a:r>
+              <a:rPr lang="zh-CN" altLang="zh-CN" sz="1100" dirty="0">
+                <a:solidFill>
+                  <a:srgbClr val="ABB2BF"/>
+                </a:solidFill>
+                <a:latin typeface="Arial Unicode MS" panose="020B0604020202020204" pitchFamily="34" charset="-122"/>
+              </a:rPr>
+              <a:t>,</a:t>
+            </a:r>
+            <a:r>
+              <a:rPr lang="zh-CN" altLang="zh-CN" sz="1100" dirty="0">
+                <a:solidFill>
+                  <a:srgbClr val="D19A66"/>
+                </a:solidFill>
+                <a:latin typeface="Arial Unicode MS" panose="020B0604020202020204" pitchFamily="34" charset="-122"/>
+              </a:rPr>
+              <a:t>6</a:t>
+            </a:r>
+            <a:r>
+              <a:rPr lang="zh-CN" altLang="zh-CN" sz="1100" dirty="0">
+                <a:solidFill>
+                  <a:srgbClr val="ABB2BF"/>
+                </a:solidFill>
+                <a:latin typeface="Arial Unicode MS" panose="020B0604020202020204" pitchFamily="34" charset="-122"/>
+              </a:rPr>
+              <a:t>]</a:t>
+            </a:r>
+          </a:p>
+          <a:p>
+            <a:pPr lvl="0" defTabSz="914400" eaLnBrk="0" fontAlgn="base" hangingPunct="0">
+              <a:spcBef>
+                <a:spcPct val="0"/>
+              </a:spcBef>
+              <a:spcAft>
+                <a:spcPct val="0"/>
+              </a:spcAft>
+            </a:pPr>
+            <a:r>
+              <a:rPr lang="zh-CN" altLang="zh-CN" sz="1100" dirty="0">
+                <a:solidFill>
+                  <a:srgbClr val="ABB2BF"/>
+                </a:solidFill>
+                <a:latin typeface="Arial Unicode MS" panose="020B0604020202020204" pitchFamily="34" charset="-122"/>
+              </a:rPr>
+              <a:t> </a:t>
+            </a:r>
+          </a:p>
+          <a:p>
+            <a:pPr lvl="0" defTabSz="914400" eaLnBrk="0" fontAlgn="base" hangingPunct="0">
+              <a:spcBef>
+                <a:spcPct val="0"/>
+              </a:spcBef>
+              <a:spcAft>
+                <a:spcPct val="0"/>
+              </a:spcAft>
+            </a:pPr>
+            <a:r>
+              <a:rPr lang="zh-CN" altLang="zh-CN" sz="1100" dirty="0">
+                <a:solidFill>
+                  <a:srgbClr val="ABB2BF"/>
+                </a:solidFill>
+                <a:latin typeface="Arial Unicode MS" panose="020B0604020202020204" pitchFamily="34" charset="-122"/>
+              </a:rPr>
+              <a:t>df2 = </a:t>
+            </a:r>
+            <a:r>
+              <a:rPr lang="zh-CN" altLang="zh-CN" sz="1100" dirty="0">
+                <a:solidFill>
+                  <a:srgbClr val="E06C75"/>
+                </a:solidFill>
+                <a:latin typeface="Arial Unicode MS" panose="020B0604020202020204" pitchFamily="34" charset="-122"/>
+              </a:rPr>
+              <a:t>pd</a:t>
+            </a:r>
+            <a:r>
+              <a:rPr lang="zh-CN" altLang="zh-CN" sz="1100" dirty="0">
+                <a:solidFill>
+                  <a:srgbClr val="ABB2BF"/>
+                </a:solidFill>
+                <a:latin typeface="Arial Unicode MS" panose="020B0604020202020204" pitchFamily="34" charset="-122"/>
+              </a:rPr>
+              <a:t>.</a:t>
+            </a:r>
+            <a:r>
+              <a:rPr lang="zh-CN" altLang="zh-CN" sz="1100" dirty="0">
+                <a:solidFill>
+                  <a:srgbClr val="61AFEF"/>
+                </a:solidFill>
+                <a:latin typeface="Arial Unicode MS" panose="020B0604020202020204" pitchFamily="34" charset="-122"/>
+              </a:rPr>
+              <a:t>DataFrame</a:t>
+            </a:r>
+            <a:r>
+              <a:rPr lang="zh-CN" altLang="zh-CN" sz="1100" dirty="0">
+                <a:solidFill>
+                  <a:srgbClr val="ABB2BF"/>
+                </a:solidFill>
+                <a:latin typeface="Arial Unicode MS" panose="020B0604020202020204" pitchFamily="34" charset="-122"/>
+              </a:rPr>
+              <a:t>()</a:t>
+            </a:r>
+          </a:p>
+          <a:p>
+            <a:pPr lvl="0" defTabSz="914400" eaLnBrk="0" fontAlgn="base" hangingPunct="0">
+              <a:spcBef>
+                <a:spcPct val="0"/>
+              </a:spcBef>
+              <a:spcAft>
+                <a:spcPct val="0"/>
+              </a:spcAft>
+            </a:pPr>
+            <a:r>
+              <a:rPr lang="zh-CN" altLang="zh-CN" sz="1100" dirty="0">
+                <a:solidFill>
+                  <a:srgbClr val="ABB2BF"/>
+                </a:solidFill>
+                <a:latin typeface="Arial Unicode MS" panose="020B0604020202020204" pitchFamily="34" charset="-122"/>
+              </a:rPr>
+              <a:t>df2[</a:t>
+            </a:r>
+            <a:r>
+              <a:rPr lang="zh-CN" altLang="zh-CN" sz="1100" dirty="0">
+                <a:solidFill>
+                  <a:srgbClr val="98C379"/>
+                </a:solidFill>
+                <a:latin typeface="Arial Unicode MS" panose="020B0604020202020204" pitchFamily="34" charset="-122"/>
+              </a:rPr>
+              <a:t>'a'</a:t>
+            </a:r>
+            <a:r>
+              <a:rPr lang="zh-CN" altLang="zh-CN" sz="1100" dirty="0">
+                <a:solidFill>
+                  <a:srgbClr val="ABB2BF"/>
+                </a:solidFill>
+                <a:latin typeface="Arial Unicode MS" panose="020B0604020202020204" pitchFamily="34" charset="-122"/>
+              </a:rPr>
+              <a:t>] = [</a:t>
+            </a:r>
+            <a:r>
+              <a:rPr lang="zh-CN" altLang="zh-CN" sz="1100" dirty="0">
+                <a:solidFill>
+                  <a:srgbClr val="D19A66"/>
+                </a:solidFill>
+                <a:latin typeface="Arial Unicode MS" panose="020B0604020202020204" pitchFamily="34" charset="-122"/>
+              </a:rPr>
+              <a:t>1</a:t>
+            </a:r>
+            <a:r>
+              <a:rPr lang="zh-CN" altLang="zh-CN" sz="1100" dirty="0">
+                <a:solidFill>
+                  <a:srgbClr val="ABB2BF"/>
+                </a:solidFill>
+                <a:latin typeface="Arial Unicode MS" panose="020B0604020202020204" pitchFamily="34" charset="-122"/>
+              </a:rPr>
+              <a:t>,</a:t>
+            </a:r>
+            <a:r>
+              <a:rPr lang="zh-CN" altLang="zh-CN" sz="1100" dirty="0">
+                <a:solidFill>
+                  <a:srgbClr val="D19A66"/>
+                </a:solidFill>
+                <a:latin typeface="Arial Unicode MS" panose="020B0604020202020204" pitchFamily="34" charset="-122"/>
+              </a:rPr>
+              <a:t>2</a:t>
+            </a:r>
+            <a:r>
+              <a:rPr lang="zh-CN" altLang="zh-CN" sz="1100" dirty="0">
+                <a:solidFill>
+                  <a:srgbClr val="ABB2BF"/>
+                </a:solidFill>
+                <a:latin typeface="Arial Unicode MS" panose="020B0604020202020204" pitchFamily="34" charset="-122"/>
+              </a:rPr>
+              <a:t>,</a:t>
+            </a:r>
+            <a:r>
+              <a:rPr lang="zh-CN" altLang="zh-CN" sz="1100" dirty="0">
+                <a:solidFill>
+                  <a:srgbClr val="D19A66"/>
+                </a:solidFill>
+                <a:latin typeface="Arial Unicode MS" panose="020B0604020202020204" pitchFamily="34" charset="-122"/>
+              </a:rPr>
+              <a:t>3</a:t>
+            </a:r>
+            <a:r>
+              <a:rPr lang="zh-CN" altLang="zh-CN" sz="1100" dirty="0">
+                <a:solidFill>
+                  <a:srgbClr val="ABB2BF"/>
+                </a:solidFill>
+                <a:latin typeface="Arial Unicode MS" panose="020B0604020202020204" pitchFamily="34" charset="-122"/>
+              </a:rPr>
+              <a:t>]</a:t>
+            </a:r>
+          </a:p>
+          <a:p>
+            <a:pPr lvl="0" defTabSz="914400" eaLnBrk="0" fontAlgn="base" hangingPunct="0">
+              <a:spcBef>
+                <a:spcPct val="0"/>
+              </a:spcBef>
+              <a:spcAft>
+                <a:spcPct val="0"/>
+              </a:spcAft>
+            </a:pPr>
+            <a:r>
+              <a:rPr lang="zh-CN" altLang="zh-CN" sz="1100" dirty="0">
+                <a:solidFill>
+                  <a:srgbClr val="ABB2BF"/>
+                </a:solidFill>
+                <a:latin typeface="Arial Unicode MS" panose="020B0604020202020204" pitchFamily="34" charset="-122"/>
+              </a:rPr>
+              <a:t>df2[</a:t>
+            </a:r>
+            <a:r>
+              <a:rPr lang="zh-CN" altLang="zh-CN" sz="1100" dirty="0">
+                <a:solidFill>
+                  <a:srgbClr val="98C379"/>
+                </a:solidFill>
+                <a:latin typeface="Arial Unicode MS" panose="020B0604020202020204" pitchFamily="34" charset="-122"/>
+              </a:rPr>
+              <a:t>'c'</a:t>
+            </a:r>
+            <a:r>
+              <a:rPr lang="zh-CN" altLang="zh-CN" sz="1100" dirty="0">
+                <a:solidFill>
+                  <a:srgbClr val="ABB2BF"/>
+                </a:solidFill>
+                <a:latin typeface="Arial Unicode MS" panose="020B0604020202020204" pitchFamily="34" charset="-122"/>
+              </a:rPr>
+              <a:t>] = [</a:t>
+            </a:r>
+            <a:r>
+              <a:rPr lang="zh-CN" altLang="zh-CN" sz="1100" dirty="0">
+                <a:solidFill>
+                  <a:srgbClr val="D19A66"/>
+                </a:solidFill>
+                <a:latin typeface="Arial Unicode MS" panose="020B0604020202020204" pitchFamily="34" charset="-122"/>
+              </a:rPr>
+              <a:t>4</a:t>
+            </a:r>
+            <a:r>
+              <a:rPr lang="zh-CN" altLang="zh-CN" sz="1100" dirty="0">
+                <a:solidFill>
+                  <a:srgbClr val="ABB2BF"/>
+                </a:solidFill>
+                <a:latin typeface="Arial Unicode MS" panose="020B0604020202020204" pitchFamily="34" charset="-122"/>
+              </a:rPr>
+              <a:t>,</a:t>
+            </a:r>
+            <a:r>
+              <a:rPr lang="zh-CN" altLang="zh-CN" sz="1100" dirty="0">
+                <a:solidFill>
+                  <a:srgbClr val="D19A66"/>
+                </a:solidFill>
+                <a:latin typeface="Arial Unicode MS" panose="020B0604020202020204" pitchFamily="34" charset="-122"/>
+              </a:rPr>
+              <a:t>5</a:t>
+            </a:r>
+            <a:r>
+              <a:rPr lang="zh-CN" altLang="zh-CN" sz="1100" dirty="0">
+                <a:solidFill>
+                  <a:srgbClr val="ABB2BF"/>
+                </a:solidFill>
+                <a:latin typeface="Arial Unicode MS" panose="020B0604020202020204" pitchFamily="34" charset="-122"/>
+              </a:rPr>
+              <a:t>,</a:t>
+            </a:r>
+            <a:r>
+              <a:rPr lang="zh-CN" altLang="zh-CN" sz="1100" dirty="0">
+                <a:solidFill>
+                  <a:srgbClr val="D19A66"/>
+                </a:solidFill>
+                <a:latin typeface="Arial Unicode MS" panose="020B0604020202020204" pitchFamily="34" charset="-122"/>
+              </a:rPr>
+              <a:t>6</a:t>
+            </a:r>
+            <a:r>
+              <a:rPr lang="zh-CN" altLang="zh-CN" sz="1100" dirty="0">
+                <a:solidFill>
+                  <a:srgbClr val="ABB2BF"/>
+                </a:solidFill>
+                <a:latin typeface="Arial Unicode MS" panose="020B0604020202020204" pitchFamily="34" charset="-122"/>
+              </a:rPr>
+              <a:t>]</a:t>
+            </a:r>
+          </a:p>
+          <a:p>
+            <a:pPr lvl="0" defTabSz="914400" eaLnBrk="0" fontAlgn="base" hangingPunct="0">
+              <a:spcBef>
+                <a:spcPct val="0"/>
+              </a:spcBef>
+              <a:spcAft>
+                <a:spcPct val="0"/>
+              </a:spcAft>
+            </a:pPr>
+            <a:r>
+              <a:rPr lang="zh-CN" altLang="zh-CN" sz="1100" dirty="0">
+                <a:solidFill>
+                  <a:srgbClr val="ABB2BF"/>
+                </a:solidFill>
+                <a:latin typeface="Arial Unicode MS" panose="020B0604020202020204" pitchFamily="34" charset="-122"/>
+              </a:rPr>
+              <a:t> </a:t>
+            </a:r>
+          </a:p>
+          <a:p>
+            <a:pPr lvl="0" defTabSz="914400" eaLnBrk="0" fontAlgn="base" hangingPunct="0">
+              <a:spcBef>
+                <a:spcPct val="0"/>
+              </a:spcBef>
+              <a:spcAft>
+                <a:spcPct val="0"/>
+              </a:spcAft>
+            </a:pPr>
+            <a:r>
+              <a:rPr lang="zh-CN" altLang="zh-CN" sz="1100" dirty="0">
+                <a:solidFill>
+                  <a:srgbClr val="ABB2BF"/>
+                </a:solidFill>
+                <a:latin typeface="Arial Unicode MS" panose="020B0604020202020204" pitchFamily="34" charset="-122"/>
+              </a:rPr>
+              <a:t> </a:t>
+            </a:r>
+          </a:p>
+          <a:p>
+            <a:pPr lvl="0" defTabSz="914400" eaLnBrk="0" fontAlgn="base" hangingPunct="0">
+              <a:spcBef>
+                <a:spcPct val="0"/>
+              </a:spcBef>
+              <a:spcAft>
+                <a:spcPct val="0"/>
+              </a:spcAft>
+            </a:pPr>
+            <a:r>
+              <a:rPr lang="zh-CN" altLang="zh-CN" sz="1100" dirty="0">
+                <a:solidFill>
+                  <a:srgbClr val="ABB2BF"/>
+                </a:solidFill>
+                <a:latin typeface="Arial Unicode MS" panose="020B0604020202020204" pitchFamily="34" charset="-122"/>
+              </a:rPr>
+              <a:t>df3 = </a:t>
+            </a:r>
+            <a:r>
+              <a:rPr lang="zh-CN" altLang="zh-CN" sz="1100" dirty="0">
+                <a:solidFill>
+                  <a:srgbClr val="61AFEF"/>
+                </a:solidFill>
+                <a:latin typeface="Arial Unicode MS" panose="020B0604020202020204" pitchFamily="34" charset="-122"/>
+              </a:rPr>
+              <a:t>pysqldf</a:t>
+            </a:r>
+            <a:r>
+              <a:rPr lang="zh-CN" altLang="zh-CN" sz="1100" dirty="0">
+                <a:solidFill>
+                  <a:srgbClr val="ABB2BF"/>
+                </a:solidFill>
+                <a:latin typeface="Arial Unicode MS" panose="020B0604020202020204" pitchFamily="34" charset="-122"/>
+              </a:rPr>
+              <a:t>(</a:t>
+            </a:r>
+            <a:r>
+              <a:rPr lang="zh-CN" altLang="zh-CN" sz="1100" dirty="0">
+                <a:solidFill>
+                  <a:srgbClr val="98C379"/>
+                </a:solidFill>
+                <a:latin typeface="Arial Unicode MS" panose="020B0604020202020204" pitchFamily="34" charset="-122"/>
+              </a:rPr>
+              <a:t>"""</a:t>
+            </a:r>
+            <a:endParaRPr lang="zh-CN" altLang="zh-CN" sz="1100" dirty="0">
+              <a:solidFill>
+                <a:srgbClr val="ABB2BF"/>
+              </a:solidFill>
+              <a:latin typeface="Arial Unicode MS" panose="020B0604020202020204" pitchFamily="34" charset="-122"/>
+            </a:endParaRPr>
+          </a:p>
+          <a:p>
+            <a:pPr lvl="0" defTabSz="914400" eaLnBrk="0" fontAlgn="base" hangingPunct="0">
+              <a:spcBef>
+                <a:spcPct val="0"/>
+              </a:spcBef>
+              <a:spcAft>
+                <a:spcPct val="0"/>
+              </a:spcAft>
+            </a:pPr>
+            <a:r>
+              <a:rPr lang="zh-CN" altLang="zh-CN" sz="1100" dirty="0">
+                <a:solidFill>
+                  <a:srgbClr val="C678DD"/>
+                </a:solidFill>
+                <a:latin typeface="Arial Unicode MS" panose="020B0604020202020204" pitchFamily="34" charset="-122"/>
+              </a:rPr>
+              <a:t>SELECT</a:t>
+            </a:r>
+            <a:r>
+              <a:rPr lang="zh-CN" altLang="zh-CN" sz="1100" dirty="0">
+                <a:solidFill>
+                  <a:srgbClr val="98C379"/>
+                </a:solidFill>
+                <a:latin typeface="Arial Unicode MS" panose="020B0604020202020204" pitchFamily="34" charset="-122"/>
+              </a:rPr>
+              <a:t> </a:t>
+            </a:r>
+            <a:r>
+              <a:rPr lang="zh-CN" altLang="zh-CN" sz="1100" dirty="0">
+                <a:solidFill>
+                  <a:srgbClr val="ABB2BF"/>
+                </a:solidFill>
+                <a:latin typeface="Arial Unicode MS" panose="020B0604020202020204" pitchFamily="34" charset="-122"/>
+              </a:rPr>
+              <a:t>*</a:t>
+            </a:r>
+          </a:p>
+          <a:p>
+            <a:pPr lvl="0" defTabSz="914400" eaLnBrk="0" fontAlgn="base" hangingPunct="0">
+              <a:spcBef>
+                <a:spcPct val="0"/>
+              </a:spcBef>
+              <a:spcAft>
+                <a:spcPct val="0"/>
+              </a:spcAft>
+            </a:pPr>
+            <a:r>
+              <a:rPr lang="zh-CN" altLang="zh-CN" sz="1100" dirty="0">
+                <a:solidFill>
+                  <a:srgbClr val="C678DD"/>
+                </a:solidFill>
+                <a:latin typeface="Arial Unicode MS" panose="020B0604020202020204" pitchFamily="34" charset="-122"/>
+              </a:rPr>
+              <a:t>FROM</a:t>
+            </a:r>
+            <a:r>
+              <a:rPr lang="zh-CN" altLang="zh-CN" sz="1100" dirty="0">
+                <a:solidFill>
+                  <a:srgbClr val="98C379"/>
+                </a:solidFill>
+                <a:latin typeface="Arial Unicode MS" panose="020B0604020202020204" pitchFamily="34" charset="-122"/>
+              </a:rPr>
+              <a:t> df t1</a:t>
+            </a:r>
+            <a:endParaRPr lang="zh-CN" altLang="zh-CN" sz="1100" dirty="0">
+              <a:solidFill>
+                <a:srgbClr val="ABB2BF"/>
+              </a:solidFill>
+              <a:latin typeface="Arial Unicode MS" panose="020B0604020202020204" pitchFamily="34" charset="-122"/>
+            </a:endParaRPr>
+          </a:p>
+          <a:p>
+            <a:pPr lvl="0" defTabSz="914400" eaLnBrk="0" fontAlgn="base" hangingPunct="0">
+              <a:spcBef>
+                <a:spcPct val="0"/>
+              </a:spcBef>
+              <a:spcAft>
+                <a:spcPct val="0"/>
+              </a:spcAft>
+            </a:pPr>
+            <a:r>
+              <a:rPr lang="zh-CN" altLang="zh-CN" sz="1100" dirty="0">
+                <a:solidFill>
+                  <a:srgbClr val="C678DD"/>
+                </a:solidFill>
+                <a:latin typeface="Arial Unicode MS" panose="020B0604020202020204" pitchFamily="34" charset="-122"/>
+              </a:rPr>
+              <a:t>left join</a:t>
+            </a:r>
+            <a:r>
+              <a:rPr lang="zh-CN" altLang="zh-CN" sz="1100" dirty="0">
+                <a:solidFill>
+                  <a:srgbClr val="98C379"/>
+                </a:solidFill>
+                <a:latin typeface="Arial Unicode MS" panose="020B0604020202020204" pitchFamily="34" charset="-122"/>
+              </a:rPr>
+              <a:t> df2 t2 </a:t>
+            </a:r>
+            <a:r>
+              <a:rPr lang="zh-CN" altLang="zh-CN" sz="1100" dirty="0">
+                <a:solidFill>
+                  <a:srgbClr val="C678DD"/>
+                </a:solidFill>
+                <a:latin typeface="Arial Unicode MS" panose="020B0604020202020204" pitchFamily="34" charset="-122"/>
+              </a:rPr>
+              <a:t>on</a:t>
+            </a:r>
+            <a:r>
+              <a:rPr lang="zh-CN" altLang="zh-CN" sz="1100" dirty="0">
+                <a:solidFill>
+                  <a:srgbClr val="98C379"/>
+                </a:solidFill>
+                <a:latin typeface="Arial Unicode MS" panose="020B0604020202020204" pitchFamily="34" charset="-122"/>
+              </a:rPr>
+              <a:t> </a:t>
+            </a:r>
+            <a:r>
+              <a:rPr lang="zh-CN" altLang="zh-CN" sz="1100" dirty="0">
+                <a:solidFill>
+                  <a:srgbClr val="D19A66"/>
+                </a:solidFill>
+                <a:latin typeface="Arial Unicode MS" panose="020B0604020202020204" pitchFamily="34" charset="-122"/>
+              </a:rPr>
+              <a:t>t1</a:t>
+            </a:r>
+            <a:r>
+              <a:rPr lang="zh-CN" altLang="zh-CN" sz="1100" dirty="0">
+                <a:solidFill>
+                  <a:srgbClr val="98C379"/>
+                </a:solidFill>
+                <a:latin typeface="Arial Unicode MS" panose="020B0604020202020204" pitchFamily="34" charset="-122"/>
+              </a:rPr>
+              <a:t>.</a:t>
+            </a:r>
+            <a:r>
+              <a:rPr lang="zh-CN" altLang="zh-CN" sz="1100" dirty="0">
+                <a:solidFill>
+                  <a:srgbClr val="D19A66"/>
+                </a:solidFill>
+                <a:latin typeface="Arial Unicode MS" panose="020B0604020202020204" pitchFamily="34" charset="-122"/>
+              </a:rPr>
+              <a:t>a</a:t>
+            </a:r>
+            <a:r>
+              <a:rPr lang="zh-CN" altLang="zh-CN" sz="1100" dirty="0">
+                <a:solidFill>
+                  <a:srgbClr val="98C379"/>
+                </a:solidFill>
+                <a:latin typeface="Arial Unicode MS" panose="020B0604020202020204" pitchFamily="34" charset="-122"/>
+              </a:rPr>
+              <a:t> </a:t>
+            </a:r>
+            <a:r>
+              <a:rPr lang="zh-CN" altLang="zh-CN" sz="1100" dirty="0">
+                <a:solidFill>
+                  <a:srgbClr val="ABB2BF"/>
+                </a:solidFill>
+                <a:latin typeface="Arial Unicode MS" panose="020B0604020202020204" pitchFamily="34" charset="-122"/>
+              </a:rPr>
+              <a:t>=</a:t>
+            </a:r>
+            <a:r>
+              <a:rPr lang="zh-CN" altLang="zh-CN" sz="1100" dirty="0">
+                <a:solidFill>
+                  <a:srgbClr val="98C379"/>
+                </a:solidFill>
+                <a:latin typeface="Arial Unicode MS" panose="020B0604020202020204" pitchFamily="34" charset="-122"/>
+              </a:rPr>
+              <a:t> </a:t>
+            </a:r>
+            <a:r>
+              <a:rPr lang="zh-CN" altLang="zh-CN" sz="1100" dirty="0">
+                <a:solidFill>
+                  <a:srgbClr val="D19A66"/>
+                </a:solidFill>
+                <a:latin typeface="Arial Unicode MS" panose="020B0604020202020204" pitchFamily="34" charset="-122"/>
+              </a:rPr>
+              <a:t>t2</a:t>
+            </a:r>
+            <a:r>
+              <a:rPr lang="zh-CN" altLang="zh-CN" sz="1100" dirty="0">
+                <a:solidFill>
+                  <a:srgbClr val="98C379"/>
+                </a:solidFill>
+                <a:latin typeface="Arial Unicode MS" panose="020B0604020202020204" pitchFamily="34" charset="-122"/>
+              </a:rPr>
+              <a:t>.</a:t>
+            </a:r>
+            <a:r>
+              <a:rPr lang="zh-CN" altLang="zh-CN" sz="1100" dirty="0">
+                <a:solidFill>
+                  <a:srgbClr val="D19A66"/>
+                </a:solidFill>
+                <a:latin typeface="Arial Unicode MS" panose="020B0604020202020204" pitchFamily="34" charset="-122"/>
+              </a:rPr>
+              <a:t>a</a:t>
+            </a:r>
+            <a:endParaRPr lang="zh-CN" altLang="zh-CN" sz="1100" dirty="0">
+              <a:solidFill>
+                <a:srgbClr val="ABB2BF"/>
+              </a:solidFill>
+              <a:latin typeface="Arial Unicode MS" panose="020B0604020202020204" pitchFamily="34" charset="-122"/>
+            </a:endParaRPr>
+          </a:p>
+          <a:p>
+            <a:pPr lvl="0" defTabSz="914400" eaLnBrk="0" fontAlgn="base" hangingPunct="0">
+              <a:spcBef>
+                <a:spcPct val="0"/>
+              </a:spcBef>
+              <a:spcAft>
+                <a:spcPct val="0"/>
+              </a:spcAft>
+            </a:pPr>
+            <a:r>
+              <a:rPr lang="zh-CN" altLang="zh-CN" sz="1100" dirty="0">
+                <a:solidFill>
+                  <a:srgbClr val="98C379"/>
+                </a:solidFill>
+                <a:latin typeface="Arial Unicode MS" panose="020B0604020202020204" pitchFamily="34" charset="-122"/>
+              </a:rPr>
+              <a:t>"""</a:t>
+            </a:r>
+            <a:r>
+              <a:rPr lang="zh-CN" altLang="zh-CN" sz="1100" dirty="0">
+                <a:solidFill>
+                  <a:srgbClr val="ABB2BF"/>
+                </a:solidFill>
+                <a:latin typeface="Arial Unicode MS" panose="020B0604020202020204" pitchFamily="34" charset="-122"/>
+              </a:rPr>
+              <a:t>)</a:t>
+            </a:r>
+          </a:p>
+          <a:p>
+            <a:pPr lvl="0" defTabSz="914400" eaLnBrk="0" fontAlgn="base" hangingPunct="0">
+              <a:spcBef>
+                <a:spcPct val="0"/>
+              </a:spcBef>
+              <a:spcAft>
+                <a:spcPct val="0"/>
+              </a:spcAft>
+            </a:pPr>
+            <a:r>
+              <a:rPr lang="zh-CN" altLang="zh-CN" sz="1100" dirty="0">
+                <a:solidFill>
+                  <a:srgbClr val="C678DD"/>
+                </a:solidFill>
+                <a:latin typeface="Arial Unicode MS" panose="020B0604020202020204" pitchFamily="34" charset="-122"/>
+              </a:rPr>
+              <a:t>print</a:t>
+            </a:r>
+            <a:r>
+              <a:rPr lang="zh-CN" altLang="zh-CN" sz="1100" dirty="0">
+                <a:solidFill>
+                  <a:srgbClr val="ABB2BF"/>
+                </a:solidFill>
+                <a:latin typeface="Arial Unicode MS" panose="020B0604020202020204" pitchFamily="34" charset="-122"/>
+              </a:rPr>
+              <a:t>(</a:t>
+            </a:r>
+            <a:r>
+              <a:rPr lang="zh-CN" altLang="zh-CN" sz="1100" dirty="0">
+                <a:solidFill>
+                  <a:srgbClr val="56B6C2"/>
+                </a:solidFill>
+                <a:latin typeface="Arial Unicode MS" panose="020B0604020202020204" pitchFamily="34" charset="-122"/>
+              </a:rPr>
+              <a:t>type</a:t>
+            </a:r>
+            <a:r>
+              <a:rPr lang="zh-CN" altLang="zh-CN" sz="1100" dirty="0">
+                <a:solidFill>
+                  <a:srgbClr val="ABB2BF"/>
+                </a:solidFill>
+                <a:latin typeface="Arial Unicode MS" panose="020B0604020202020204" pitchFamily="34" charset="-122"/>
+              </a:rPr>
+              <a:t>(df3))</a:t>
+            </a:r>
+          </a:p>
+          <a:p>
+            <a:pPr lvl="0" defTabSz="914400" eaLnBrk="0" fontAlgn="base" hangingPunct="0">
+              <a:spcBef>
+                <a:spcPct val="0"/>
+              </a:spcBef>
+              <a:spcAft>
+                <a:spcPct val="0"/>
+              </a:spcAft>
+            </a:pPr>
+            <a:r>
+              <a:rPr lang="zh-CN" altLang="zh-CN" sz="1100" dirty="0">
+                <a:solidFill>
+                  <a:srgbClr val="C678DD"/>
+                </a:solidFill>
+                <a:latin typeface="Arial Unicode MS" panose="020B0604020202020204" pitchFamily="34" charset="-122"/>
+              </a:rPr>
+              <a:t>print</a:t>
+            </a:r>
+            <a:r>
+              <a:rPr lang="zh-CN" altLang="zh-CN" sz="1100" dirty="0">
+                <a:solidFill>
+                  <a:srgbClr val="ABB2BF"/>
+                </a:solidFill>
+                <a:latin typeface="Arial Unicode MS" panose="020B0604020202020204" pitchFamily="34" charset="-122"/>
+              </a:rPr>
+              <a:t>(df3)</a:t>
+            </a:r>
+            <a:endParaRPr lang="zh-CN" altLang="zh-CN" sz="1100" dirty="0">
+              <a:latin typeface="Arial" panose="020B0604020202020204" pitchFamily="34" charset="0"/>
+            </a:endParaRPr>
           </a:p>
         </p:txBody>
       </p:sp>
     </p:spTree>
     <p:extLst>
       <p:ext uri="{BB962C8B-B14F-4D97-AF65-F5344CB8AC3E}">
-        <p14:creationId xmlns:p14="http://schemas.microsoft.com/office/powerpoint/2010/main" val="4199691818"/>
+        <p14:creationId xmlns:p14="http://schemas.microsoft.com/office/powerpoint/2010/main" val="3798805308"/>
       </p:ext>
     </p:extLst>
   </p:cSld>
@@ -8519,7 +11614,15 @@
           <a:p>
             <a:r>
               <a:rPr lang="zh-CN" altLang="en-US" sz="2800" dirty="0"/>
-              <a:t>七、聊聊微信</a:t>
+              <a:t>七、远程执行</a:t>
+            </a:r>
+            <a:r>
+              <a:rPr lang="en-US" altLang="zh-CN" sz="2800" dirty="0" err="1"/>
+              <a:t>jupyter</a:t>
+            </a:r>
+            <a:r>
+              <a:rPr lang="zh-CN" altLang="en-US" sz="2800" dirty="0"/>
+              <a:t>代码</a:t>
             </a:r>
             <a:endParaRPr lang="en-US" altLang="zh-CN" sz="2800" dirty="0"/>
           </a:p>
@@ -8579,16 +11682,370 @@
             </a:r>
             <a:r>
               <a:rPr lang="zh-CN" altLang="en-US" sz="2000" dirty="0"/>
-              <a:t>、获取</a:t>
+              <a:t>、命令行执行</a:t>
+            </a:r>
+            <a:r>
+              <a:rPr lang="en-US" altLang="zh-CN" sz="2000" dirty="0" err="1"/>
+              <a:t>jupyter</a:t>
+            </a:r>
+            <a:r>
+              <a:rPr lang="zh-CN" altLang="en-US" sz="2000" dirty="0"/>
+              <a:t>代码</a:t>
             </a:r>
             <a:endParaRPr lang="en-US" altLang="zh-CN" sz="2000" dirty="0"/>
+          </a:p>
+        </p:txBody>
+      </p:sp>
+      <p:sp>
+        <p:nvSpPr>
+          <p:cNvPr id="4" name="标题 1">
+            <a:extLst>
+              <a:ext uri="{FF2B5EF4-FFF2-40B4-BE49-F238E27FC236}">
+                <a16:creationId xmlns:a16="http://schemas.microsoft.com/office/drawing/2014/main" id="{80B313B4-3A32-45C1-9025-DA010364CFC5}"/>
+              </a:ext>
+            </a:extLst>
+          </p:cNvPr>
+          <p:cNvSpPr txBox="1">
+            <a:spLocks/>
+          </p:cNvSpPr>
+          <p:nvPr/>
+        </p:nvSpPr>
+        <p:spPr>
+          <a:xfrm>
+            <a:off x="1053852" y="2276872"/>
+            <a:ext cx="10786723" cy="493642"/>
+          </a:xfrm>
+          <a:prstGeom prst="rect">
+            <a:avLst/>
+          </a:prstGeom>
+        </p:spPr>
+        <p:txBody>
+          <a:bodyPr vert="horz" lIns="121899" tIns="60949" rIns="121899" bIns="60949" rtlCol="0" anchor="b">
+            <a:normAutofit/>
+          </a:bodyPr>
+          <a:lstStyle>
+            <a:lvl1pPr algn="l" defTabSz="1218987" rtl="0" eaLnBrk="1" latinLnBrk="0" hangingPunct="1">
+              <a:lnSpc>
+                <a:spcPct val="85000"/>
+              </a:lnSpc>
+              <a:spcBef>
+                <a:spcPct val="0"/>
+              </a:spcBef>
+              <a:buNone/>
+              <a:tabLst/>
+              <a:defRPr sz="4400" kern="1200" cap="none" baseline="0">
+                <a:solidFill>
+                  <a:schemeClr val="tx1"/>
+                </a:solidFill>
+                <a:latin typeface="微软雅黑" panose="020B0503020204020204" pitchFamily="34" charset="-122"/>
+                <a:ea typeface="微软雅黑" panose="020B0503020204020204" pitchFamily="34" charset="-122"/>
+                <a:cs typeface="+mj-cs"/>
+              </a:defRPr>
+            </a:lvl1pPr>
+          </a:lstStyle>
+          <a:p>
+            <a:r>
+              <a:rPr lang="en-US" altLang="zh-CN" sz="2000" dirty="0"/>
+              <a:t>2</a:t>
+            </a:r>
+            <a:r>
+              <a:rPr lang="zh-CN" altLang="en-US" sz="2000" dirty="0"/>
+              <a:t>、远程调用</a:t>
+            </a:r>
+            <a:endParaRPr lang="en-US" altLang="zh-CN" sz="2000" dirty="0"/>
+          </a:p>
+        </p:txBody>
+      </p:sp>
+      <p:sp>
+        <p:nvSpPr>
+          <p:cNvPr id="5" name="矩形 4">
+            <a:hlinkClick r:id="rId2"/>
+            <a:extLst>
+              <a:ext uri="{FF2B5EF4-FFF2-40B4-BE49-F238E27FC236}">
+                <a16:creationId xmlns:a16="http://schemas.microsoft.com/office/drawing/2014/main" id="{572ED607-B64E-4A73-9810-B29DC608BC20}"/>
+              </a:ext>
+            </a:extLst>
+          </p:cNvPr>
+          <p:cNvSpPr/>
+          <p:nvPr/>
+        </p:nvSpPr>
+        <p:spPr>
+          <a:xfrm>
+            <a:off x="10610308" y="885942"/>
+            <a:ext cx="1301992" cy="400110"/>
+          </a:xfrm>
+          <a:prstGeom prst="rect">
+            <a:avLst/>
+          </a:prstGeom>
+          <a:solidFill>
+            <a:schemeClr val="bg1">
+              <a:lumMod val="75000"/>
+            </a:schemeClr>
+          </a:solidFill>
+          <a:ln w="28575">
+            <a:solidFill>
+              <a:schemeClr val="bg1">
+                <a:lumMod val="50000"/>
+              </a:schemeClr>
+            </a:solidFill>
+          </a:ln>
+          <a:effectLst>
+            <a:outerShdw blurRad="107950" dist="12700" dir="5400000" algn="ctr">
+              <a:srgbClr val="000000"/>
+            </a:outerShdw>
+          </a:effectLst>
+          <a:scene3d>
+            <a:camera prst="orthographicFront">
+              <a:rot lat="0" lon="0" rev="0"/>
+            </a:camera>
+            <a:lightRig rig="soft" dir="t">
+              <a:rot lat="0" lon="0" rev="0"/>
+            </a:lightRig>
+          </a:scene3d>
+          <a:sp3d contourW="44450" prstMaterial="matte">
+            <a:bevelT w="63500" h="63500" prst="artDeco"/>
+            <a:contourClr>
+              <a:srgbClr val="FFFFFF"/>
+            </a:contourClr>
+          </a:sp3d>
+        </p:spPr>
+        <p:txBody>
+          <a:bodyPr wrap="square" lIns="91440" tIns="45720" rIns="91440" bIns="45720">
+            <a:spAutoFit/>
+          </a:bodyPr>
+          <a:lstStyle/>
+          <a:p>
+            <a:pPr algn="ctr"/>
+            <a:r>
+              <a:rPr lang="zh-CN" altLang="en-US" sz="2000" b="0" cap="none" spc="0" dirty="0">
+                <a:ln w="0"/>
+                <a:solidFill>
+                  <a:schemeClr val="tx1"/>
+                </a:solidFill>
+                <a:effectLst>
+                  <a:outerShdw blurRad="38100" dist="19050" dir="2700000" algn="tl" rotWithShape="0">
+                    <a:schemeClr val="dk1">
+                      <a:alpha val="40000"/>
+                    </a:schemeClr>
+                  </a:outerShdw>
+                </a:effectLst>
+              </a:rPr>
+              <a:t>官方文档</a:t>
+            </a:r>
+          </a:p>
+        </p:txBody>
+      </p:sp>
+      <p:sp>
+        <p:nvSpPr>
+          <p:cNvPr id="6" name="矩形 5">
+            <a:extLst>
+              <a:ext uri="{FF2B5EF4-FFF2-40B4-BE49-F238E27FC236}">
+                <a16:creationId xmlns:a16="http://schemas.microsoft.com/office/drawing/2014/main" id="{7931EBDA-1F46-4E61-BD0B-29FAC442AB72}"/>
+              </a:ext>
+            </a:extLst>
+          </p:cNvPr>
+          <p:cNvSpPr/>
+          <p:nvPr/>
+        </p:nvSpPr>
+        <p:spPr>
+          <a:xfrm>
+            <a:off x="621804" y="1412776"/>
+            <a:ext cx="11017224" cy="261610"/>
+          </a:xfrm>
+          <a:prstGeom prst="rect">
+            <a:avLst/>
+          </a:prstGeom>
+          <a:solidFill>
+            <a:schemeClr val="tx2">
+              <a:lumMod val="85000"/>
+              <a:lumOff val="15000"/>
+            </a:schemeClr>
+          </a:solidFill>
+        </p:spPr>
+        <p:txBody>
+          <a:bodyPr wrap="square">
+            <a:spAutoFit/>
+          </a:bodyPr>
+          <a:lstStyle/>
+          <a:p>
+            <a:r>
+              <a:rPr lang="en-US" altLang="zh-CN" sz="1100" dirty="0" err="1">
+                <a:solidFill>
+                  <a:srgbClr val="ABB2BF"/>
+                </a:solidFill>
+                <a:latin typeface="Courier New" panose="02070309020205020404" pitchFamily="49" charset="0"/>
+              </a:rPr>
+              <a:t>jupyter</a:t>
+            </a:r>
+            <a:r>
+              <a:rPr lang="en-US" altLang="zh-CN" sz="1100" dirty="0">
+                <a:solidFill>
+                  <a:srgbClr val="ABB2BF"/>
+                </a:solidFill>
+                <a:latin typeface="Courier New" panose="02070309020205020404" pitchFamily="49" charset="0"/>
+              </a:rPr>
+              <a:t> </a:t>
+            </a:r>
+            <a:r>
+              <a:rPr lang="en-US" altLang="zh-CN" sz="1100" dirty="0" err="1">
+                <a:solidFill>
+                  <a:srgbClr val="ABB2BF"/>
+                </a:solidFill>
+                <a:latin typeface="Courier New" panose="02070309020205020404" pitchFamily="49" charset="0"/>
+              </a:rPr>
+              <a:t>nbconvert</a:t>
+            </a:r>
+            <a:r>
+              <a:rPr lang="en-US" altLang="zh-CN" sz="1100" dirty="0">
+                <a:solidFill>
+                  <a:srgbClr val="ABB2BF"/>
+                </a:solidFill>
+                <a:latin typeface="Courier New" panose="02070309020205020404" pitchFamily="49" charset="0"/>
+              </a:rPr>
+              <a:t> --</a:t>
+            </a:r>
+            <a:r>
+              <a:rPr lang="en-US" altLang="zh-CN" sz="1100" dirty="0" err="1">
+                <a:solidFill>
+                  <a:srgbClr val="ABB2BF"/>
+                </a:solidFill>
+                <a:latin typeface="Courier New" panose="02070309020205020404" pitchFamily="49" charset="0"/>
+              </a:rPr>
+              <a:t>ExecutePreprocessor.timeout</a:t>
+            </a:r>
+            <a:r>
+              <a:rPr lang="en-US" altLang="zh-CN" sz="1100" dirty="0">
+                <a:solidFill>
+                  <a:srgbClr val="ABB2BF"/>
+                </a:solidFill>
+                <a:latin typeface="Courier New" panose="02070309020205020404" pitchFamily="49" charset="0"/>
+              </a:rPr>
+              <a:t>=600  --execute </a:t>
+            </a:r>
+            <a:r>
+              <a:rPr lang="zh-CN" altLang="en-US" sz="1100" dirty="0">
+                <a:solidFill>
+                  <a:srgbClr val="ABB2BF"/>
+                </a:solidFill>
+                <a:latin typeface="Courier New" panose="02070309020205020404" pitchFamily="49" charset="0"/>
+              </a:rPr>
+              <a:t>钉钉机器人</a:t>
+            </a:r>
+            <a:r>
+              <a:rPr lang="en-US" altLang="zh-CN" sz="1100" dirty="0">
+                <a:solidFill>
+                  <a:srgbClr val="ABB2BF"/>
+                </a:solidFill>
+                <a:latin typeface="Courier New" panose="02070309020205020404" pitchFamily="49" charset="0"/>
+              </a:rPr>
+              <a:t>2.ipynb --to notebook --</a:t>
+            </a:r>
+            <a:r>
+              <a:rPr lang="en-US" altLang="zh-CN" sz="1100" dirty="0" err="1">
+                <a:solidFill>
+                  <a:srgbClr val="ABB2BF"/>
+                </a:solidFill>
+                <a:latin typeface="Courier New" panose="02070309020205020404" pitchFamily="49" charset="0"/>
+              </a:rPr>
+              <a:t>inplace</a:t>
+            </a:r>
+            <a:endParaRPr lang="zh-CN" altLang="en-US" sz="1100" dirty="0"/>
+          </a:p>
+        </p:txBody>
+      </p:sp>
+      <p:sp>
+        <p:nvSpPr>
+          <p:cNvPr id="10" name="矩形 9">
+            <a:hlinkClick r:id="rId3" action="ppaction://hlinkfile"/>
+            <a:extLst>
+              <a:ext uri="{FF2B5EF4-FFF2-40B4-BE49-F238E27FC236}">
+                <a16:creationId xmlns:a16="http://schemas.microsoft.com/office/drawing/2014/main" id="{3C30A7D8-6D3B-476C-8C2E-CCE6505CF6FB}"/>
+              </a:ext>
+            </a:extLst>
+          </p:cNvPr>
+          <p:cNvSpPr/>
+          <p:nvPr/>
+        </p:nvSpPr>
+        <p:spPr>
+          <a:xfrm>
+            <a:off x="621804" y="2924944"/>
+            <a:ext cx="3024336" cy="432048"/>
+          </a:xfrm>
+          <a:prstGeom prst="rect">
+            <a:avLst/>
+          </a:prstGeom>
+          <a:solidFill>
+            <a:schemeClr val="bg2">
+              <a:lumMod val="90000"/>
+            </a:schemeClr>
+          </a:solidFill>
+          <a:ln>
+            <a:noFill/>
+          </a:ln>
+          <a:effectLst>
+            <a:outerShdw blurRad="44450" dist="27940" dir="5400000" algn="ctr">
+              <a:srgbClr val="000000">
+                <a:alpha val="32000"/>
+              </a:srgbClr>
+            </a:outerShdw>
+          </a:effectLst>
+          <a:scene3d>
+            <a:camera prst="orthographicFront">
+              <a:rot lat="0" lon="0" rev="0"/>
+            </a:camera>
+            <a:lightRig rig="balanced" dir="t">
+              <a:rot lat="0" lon="0" rev="8700000"/>
+            </a:lightRig>
+          </a:scene3d>
+          <a:sp3d>
+            <a:bevelT w="190500" h="38100"/>
+          </a:sp3d>
+        </p:spPr>
+        <p:style>
+          <a:lnRef idx="2">
+            <a:schemeClr val="accent1">
+              <a:shade val="50000"/>
+            </a:schemeClr>
+          </a:lnRef>
+          <a:fillRef idx="1">
+            <a:schemeClr val="accent1"/>
+          </a:fillRef>
+          <a:effectRef idx="0">
+            <a:schemeClr val="accent1"/>
+          </a:effectRef>
+          <a:fontRef idx="minor">
+            <a:schemeClr val="lt1"/>
+          </a:fontRef>
+        </p:style>
+        <p:txBody>
+          <a:bodyPr rtlCol="0" anchor="ctr"/>
+          <a:lstStyle/>
+          <a:p>
+            <a:pPr algn="ctr"/>
+            <a:r>
+              <a:rPr lang="en-US" altLang="zh-CN" sz="1100" dirty="0">
+                <a:solidFill>
+                  <a:schemeClr val="tx2"/>
+                </a:solidFill>
+                <a:latin typeface="微软雅黑" panose="020B0503020204020204" pitchFamily="34" charset="-122"/>
+                <a:ea typeface="微软雅黑" panose="020B0503020204020204" pitchFamily="34" charset="-122"/>
+              </a:rPr>
+              <a:t>remote_execute_jupyter/dd_websocket.py</a:t>
+            </a:r>
+            <a:endParaRPr lang="zh-CN" altLang="en-US" sz="1100" dirty="0">
+              <a:solidFill>
+                <a:schemeClr val="tx2"/>
+              </a:solidFill>
+              <a:latin typeface="微软雅黑" panose="020B0503020204020204" pitchFamily="34" charset="-122"/>
+              <a:ea typeface="微软雅黑" panose="020B0503020204020204" pitchFamily="34" charset="-122"/>
+            </a:endParaRPr>
           </a:p>
         </p:txBody>
       </p:sp>
     </p:spTree>
     <p:extLst>
       <p:ext uri="{BB962C8B-B14F-4D97-AF65-F5344CB8AC3E}">
-        <p14:creationId xmlns:p14="http://schemas.microsoft.com/office/powerpoint/2010/main" val="2341438187"/>
+        <p14:creationId xmlns:p14="http://schemas.microsoft.com/office/powerpoint/2010/main" val="1406870117"/>
       </p:ext>
     </p:extLst>
   </p:cSld>
@@ -8611,6 +12068,741 @@
 </file>
 
 <file path=ppt/slides/slide17.xml><?xml version="1.0" encoding="utf-8"?>
+<p:sld xmlns:a="http://schemas.openxmlformats.org/drawingml/2006/main" xmlns:r="http://schemas.openxmlformats.org/officeDocument/2006/relationships" xmlns:p="http://schemas.openxmlformats.org/presentationml/2006/main">
+  <p:cSld>
+    <p:spTree>
+      <p:nvGrpSpPr>
+        <p:cNvPr id="1" name=""/>
+        <p:cNvGrpSpPr/>
+        <p:nvPr/>
+      </p:nvGrpSpPr>
+      <p:grpSpPr>
+        <a:xfrm>
+          <a:off x="0" y="0"/>
+          <a:ext cx="0" cy="0"/>
+          <a:chOff x="0" y="0"/>
+          <a:chExt cx="0" cy="0"/>
+        </a:xfrm>
+      </p:grpSpPr>
+      <p:sp>
+        <p:nvSpPr>
+          <p:cNvPr id="2" name="标题 1"/>
+          <p:cNvSpPr>
+            <a:spLocks noGrp="1"/>
+          </p:cNvSpPr>
+          <p:nvPr>
+            <p:ph type="title"/>
+          </p:nvPr>
+        </p:nvSpPr>
+        <p:spPr>
+          <a:xfrm>
+            <a:off x="353943" y="76200"/>
+            <a:ext cx="11486632" cy="736428"/>
+          </a:xfrm>
+        </p:spPr>
+        <p:txBody>
+          <a:bodyPr rtlCol="0">
+            <a:normAutofit/>
+          </a:bodyPr>
+          <a:lstStyle/>
+          <a:p>
+            <a:r>
+              <a:rPr lang="zh-CN" altLang="en-US" sz="2800" dirty="0"/>
+              <a:t>八、聊聊微信</a:t>
+            </a:r>
+            <a:endParaRPr lang="en-US" altLang="zh-CN" sz="2800" dirty="0"/>
+          </a:p>
+        </p:txBody>
+      </p:sp>
+      <p:sp>
+        <p:nvSpPr>
+          <p:cNvPr id="35" name="标题 1">
+            <a:extLst>
+              <a:ext uri="{FF2B5EF4-FFF2-40B4-BE49-F238E27FC236}">
+                <a16:creationId xmlns:a16="http://schemas.microsoft.com/office/drawing/2014/main" id="{DBA25653-C419-4947-9450-ACD83BDD189F}"/>
+              </a:ext>
+            </a:extLst>
+          </p:cNvPr>
+          <p:cNvSpPr txBox="1">
+            <a:spLocks/>
+          </p:cNvSpPr>
+          <p:nvPr/>
+        </p:nvSpPr>
+        <p:spPr>
+          <a:xfrm>
+            <a:off x="1053852" y="775118"/>
+            <a:ext cx="10786723" cy="493642"/>
+          </a:xfrm>
+          <a:prstGeom prst="rect">
+            <a:avLst/>
+          </a:prstGeom>
+        </p:spPr>
+        <p:txBody>
+          <a:bodyPr vert="horz" lIns="121899" tIns="60949" rIns="121899" bIns="60949" rtlCol="0" anchor="b">
+            <a:normAutofit/>
+          </a:bodyPr>
+          <a:lstStyle>
+            <a:lvl1pPr algn="l" defTabSz="1218987" rtl="0" eaLnBrk="1" latinLnBrk="0" hangingPunct="1">
+              <a:lnSpc>
+                <a:spcPct val="85000"/>
+              </a:lnSpc>
+              <a:spcBef>
+                <a:spcPct val="0"/>
+              </a:spcBef>
+              <a:buNone/>
+              <a:tabLst/>
+              <a:defRPr sz="4400" kern="1200" cap="none" baseline="0">
+                <a:solidFill>
+                  <a:schemeClr val="tx1"/>
+                </a:solidFill>
+                <a:latin typeface="微软雅黑" panose="020B0503020204020204" pitchFamily="34" charset="-122"/>
+                <a:ea typeface="微软雅黑" panose="020B0503020204020204" pitchFamily="34" charset="-122"/>
+                <a:cs typeface="+mj-cs"/>
+              </a:defRPr>
+            </a:lvl1pPr>
+          </a:lstStyle>
+          <a:p>
+            <a:r>
+              <a:rPr lang="en-US" altLang="zh-CN" sz="2000" dirty="0"/>
+              <a:t>1</a:t>
+            </a:r>
+            <a:r>
+              <a:rPr lang="zh-CN" altLang="en-US" sz="2000" dirty="0"/>
+              <a:t>、微信应答模式</a:t>
+            </a:r>
+            <a:endParaRPr lang="en-US" altLang="zh-CN" sz="2000" dirty="0"/>
+          </a:p>
+        </p:txBody>
+      </p:sp>
+      <p:sp>
+        <p:nvSpPr>
+          <p:cNvPr id="3" name="矩形 2">
+            <a:extLst>
+              <a:ext uri="{FF2B5EF4-FFF2-40B4-BE49-F238E27FC236}">
+                <a16:creationId xmlns:a16="http://schemas.microsoft.com/office/drawing/2014/main" id="{B83C0C4C-9737-402D-92DA-426F091144FA}"/>
+              </a:ext>
+            </a:extLst>
+          </p:cNvPr>
+          <p:cNvSpPr/>
+          <p:nvPr/>
+        </p:nvSpPr>
+        <p:spPr>
+          <a:xfrm>
+            <a:off x="1053852" y="6381328"/>
+            <a:ext cx="9073008" cy="307777"/>
+          </a:xfrm>
+          <a:prstGeom prst="rect">
+            <a:avLst/>
+          </a:prstGeom>
+        </p:spPr>
+        <p:txBody>
+          <a:bodyPr wrap="square">
+            <a:spAutoFit/>
+          </a:bodyPr>
+          <a:lstStyle/>
+          <a:p>
+            <a:r>
+              <a:rPr lang="zh-CN" altLang="en-US" sz="1400" dirty="0">
+                <a:latin typeface="微软雅黑" panose="020B0503020204020204" pitchFamily="34" charset="-122"/>
+                <a:ea typeface="微软雅黑" panose="020B0503020204020204" pitchFamily="34" charset="-122"/>
+                <a:hlinkClick r:id="rId2"/>
+              </a:rPr>
+              <a:t>基于</a:t>
+            </a:r>
+            <a:r>
+              <a:rPr lang="en-US" altLang="zh-CN" sz="1400" dirty="0">
+                <a:latin typeface="微软雅黑" panose="020B0503020204020204" pitchFamily="34" charset="-122"/>
+                <a:ea typeface="微软雅黑" panose="020B0503020204020204" pitchFamily="34" charset="-122"/>
+                <a:hlinkClick r:id="rId2"/>
+              </a:rPr>
+              <a:t>flask</a:t>
+            </a:r>
+            <a:r>
+              <a:rPr lang="zh-CN" altLang="en-US" sz="1400" dirty="0">
+                <a:latin typeface="微软雅黑" panose="020B0503020204020204" pitchFamily="34" charset="-122"/>
+                <a:ea typeface="微软雅黑" panose="020B0503020204020204" pitchFamily="34" charset="-122"/>
+                <a:hlinkClick r:id="rId2"/>
+              </a:rPr>
+              <a:t>的微信订阅号聊天机器人项目：https://github.com/e271828182/weixin_robot</a:t>
+            </a:r>
+            <a:endParaRPr lang="zh-CN" altLang="en-US" sz="1400" dirty="0">
+              <a:latin typeface="微软雅黑" panose="020B0503020204020204" pitchFamily="34" charset="-122"/>
+              <a:ea typeface="微软雅黑" panose="020B0503020204020204" pitchFamily="34" charset="-122"/>
+            </a:endParaRPr>
+          </a:p>
+        </p:txBody>
+      </p:sp>
+      <p:pic>
+        <p:nvPicPr>
+          <p:cNvPr id="1026" name="Picture 2" descr="https://ss2.baidu.com/6ONYsjip0QIZ8tyhnq/it/u=3088020551,4198140884&amp;fm=96">
+            <a:extLst>
+              <a:ext uri="{FF2B5EF4-FFF2-40B4-BE49-F238E27FC236}">
+                <a16:creationId xmlns:a16="http://schemas.microsoft.com/office/drawing/2014/main" id="{57CF5F0B-695A-40C3-8434-A50CF7C1C5E5}"/>
+              </a:ext>
+            </a:extLst>
+          </p:cNvPr>
+          <p:cNvPicPr>
+            <a:picLocks noChangeAspect="1" noChangeArrowheads="1"/>
+          </p:cNvPicPr>
+          <p:nvPr/>
+        </p:nvPicPr>
+        <p:blipFill>
+          <a:blip r:embed="rId3">
+            <a:extLst>
+              <a:ext uri="{28A0092B-C50C-407E-A947-70E740481C1C}">
+                <a14:useLocalDpi xmlns:a14="http://schemas.microsoft.com/office/drawing/2010/main" val="0"/>
+              </a:ext>
+            </a:extLst>
+          </a:blip>
+          <a:srcRect/>
+          <a:stretch>
+            <a:fillRect/>
+          </a:stretch>
+        </p:blipFill>
+        <p:spPr bwMode="auto">
+          <a:xfrm>
+            <a:off x="1125860" y="1556792"/>
+            <a:ext cx="1152525" cy="714375"/>
+          </a:xfrm>
+          <a:prstGeom prst="rect">
+            <a:avLst/>
+          </a:prstGeom>
+          <a:noFill/>
+          <a:extLst>
+            <a:ext uri="{909E8E84-426E-40DD-AFC4-6F175D3DCCD1}">
+              <a14:hiddenFill xmlns:a14="http://schemas.microsoft.com/office/drawing/2010/main">
+                <a:solidFill>
+                  <a:srgbClr val="FFFFFF"/>
+                </a:solidFill>
+              </a14:hiddenFill>
+            </a:ext>
+          </a:extLst>
+        </p:spPr>
+      </p:pic>
+      <p:pic>
+        <p:nvPicPr>
+          <p:cNvPr id="4" name="图片 3">
+            <a:extLst>
+              <a:ext uri="{FF2B5EF4-FFF2-40B4-BE49-F238E27FC236}">
+                <a16:creationId xmlns:a16="http://schemas.microsoft.com/office/drawing/2014/main" id="{0B9EC2FF-B94B-49DC-B29E-EDAF4FBCF5F2}"/>
+              </a:ext>
+            </a:extLst>
+          </p:cNvPr>
+          <p:cNvPicPr>
+            <a:picLocks noChangeAspect="1"/>
+          </p:cNvPicPr>
+          <p:nvPr/>
+        </p:nvPicPr>
+        <p:blipFill>
+          <a:blip r:embed="rId4"/>
+          <a:stretch>
+            <a:fillRect/>
+          </a:stretch>
+        </p:blipFill>
+        <p:spPr>
+          <a:xfrm>
+            <a:off x="4798268" y="1196752"/>
+            <a:ext cx="1581150" cy="1381125"/>
+          </a:xfrm>
+          <a:prstGeom prst="rect">
+            <a:avLst/>
+          </a:prstGeom>
+        </p:spPr>
+      </p:pic>
+      <p:pic>
+        <p:nvPicPr>
+          <p:cNvPr id="5" name="图片 4">
+            <a:extLst>
+              <a:ext uri="{FF2B5EF4-FFF2-40B4-BE49-F238E27FC236}">
+                <a16:creationId xmlns:a16="http://schemas.microsoft.com/office/drawing/2014/main" id="{B79B31B4-1BE5-4AC9-BD01-D0AA736981F0}"/>
+              </a:ext>
+            </a:extLst>
+          </p:cNvPr>
+          <p:cNvPicPr>
+            <a:picLocks noChangeAspect="1"/>
+          </p:cNvPicPr>
+          <p:nvPr/>
+        </p:nvPicPr>
+        <p:blipFill>
+          <a:blip r:embed="rId5"/>
+          <a:stretch>
+            <a:fillRect/>
+          </a:stretch>
+        </p:blipFill>
+        <p:spPr>
+          <a:xfrm>
+            <a:off x="8614692" y="1340768"/>
+            <a:ext cx="1390650" cy="1123950"/>
+          </a:xfrm>
+          <a:prstGeom prst="rect">
+            <a:avLst/>
+          </a:prstGeom>
+        </p:spPr>
+      </p:pic>
+      <p:cxnSp>
+        <p:nvCxnSpPr>
+          <p:cNvPr id="7" name="直接箭头连接符 6">
+            <a:extLst>
+              <a:ext uri="{FF2B5EF4-FFF2-40B4-BE49-F238E27FC236}">
+                <a16:creationId xmlns:a16="http://schemas.microsoft.com/office/drawing/2014/main" id="{C9DCAB50-7262-48F5-B1B9-E8845F4BC686}"/>
+              </a:ext>
+            </a:extLst>
+          </p:cNvPr>
+          <p:cNvCxnSpPr/>
+          <p:nvPr/>
+        </p:nvCxnSpPr>
+        <p:spPr>
+          <a:xfrm>
+            <a:off x="2205980" y="1700808"/>
+            <a:ext cx="2592288" cy="0"/>
+          </a:xfrm>
+          <a:prstGeom prst="straightConnector1">
+            <a:avLst/>
+          </a:prstGeom>
+          <a:ln w="76200">
+            <a:tailEnd type="triangle"/>
+          </a:ln>
+        </p:spPr>
+        <p:style>
+          <a:lnRef idx="1">
+            <a:schemeClr val="accent1"/>
+          </a:lnRef>
+          <a:fillRef idx="0">
+            <a:schemeClr val="accent1"/>
+          </a:fillRef>
+          <a:effectRef idx="0">
+            <a:schemeClr val="accent1"/>
+          </a:effectRef>
+          <a:fontRef idx="minor">
+            <a:schemeClr val="tx1"/>
+          </a:fontRef>
+        </p:style>
+      </p:cxnSp>
+      <p:cxnSp>
+        <p:nvCxnSpPr>
+          <p:cNvPr id="10" name="直接箭头连接符 9">
+            <a:extLst>
+              <a:ext uri="{FF2B5EF4-FFF2-40B4-BE49-F238E27FC236}">
+                <a16:creationId xmlns:a16="http://schemas.microsoft.com/office/drawing/2014/main" id="{B78D0B99-7D40-4B2B-B4AB-43C8AFBF2324}"/>
+              </a:ext>
+            </a:extLst>
+          </p:cNvPr>
+          <p:cNvCxnSpPr/>
+          <p:nvPr/>
+        </p:nvCxnSpPr>
+        <p:spPr>
+          <a:xfrm>
+            <a:off x="6238428" y="1700808"/>
+            <a:ext cx="2592288" cy="0"/>
+          </a:xfrm>
+          <a:prstGeom prst="straightConnector1">
+            <a:avLst/>
+          </a:prstGeom>
+          <a:ln w="76200">
+            <a:tailEnd type="triangle"/>
+          </a:ln>
+        </p:spPr>
+        <p:style>
+          <a:lnRef idx="1">
+            <a:schemeClr val="accent1"/>
+          </a:lnRef>
+          <a:fillRef idx="0">
+            <a:schemeClr val="accent1"/>
+          </a:fillRef>
+          <a:effectRef idx="0">
+            <a:schemeClr val="accent1"/>
+          </a:effectRef>
+          <a:fontRef idx="minor">
+            <a:schemeClr val="tx1"/>
+          </a:fontRef>
+        </p:style>
+      </p:cxnSp>
+      <p:cxnSp>
+        <p:nvCxnSpPr>
+          <p:cNvPr id="11" name="直接箭头连接符 10">
+            <a:extLst>
+              <a:ext uri="{FF2B5EF4-FFF2-40B4-BE49-F238E27FC236}">
+                <a16:creationId xmlns:a16="http://schemas.microsoft.com/office/drawing/2014/main" id="{2BDC97E3-6BD0-47CF-83BB-1A88EFB854A7}"/>
+              </a:ext>
+            </a:extLst>
+          </p:cNvPr>
+          <p:cNvCxnSpPr>
+            <a:cxnSpLocks/>
+          </p:cNvCxnSpPr>
+          <p:nvPr/>
+        </p:nvCxnSpPr>
+        <p:spPr>
+          <a:xfrm flipH="1">
+            <a:off x="2205980" y="2060848"/>
+            <a:ext cx="2448272" cy="0"/>
+          </a:xfrm>
+          <a:prstGeom prst="straightConnector1">
+            <a:avLst/>
+          </a:prstGeom>
+          <a:ln w="76200">
+            <a:tailEnd type="triangle"/>
+          </a:ln>
+        </p:spPr>
+        <p:style>
+          <a:lnRef idx="1">
+            <a:schemeClr val="accent1"/>
+          </a:lnRef>
+          <a:fillRef idx="0">
+            <a:schemeClr val="accent1"/>
+          </a:fillRef>
+          <a:effectRef idx="0">
+            <a:schemeClr val="accent1"/>
+          </a:effectRef>
+          <a:fontRef idx="minor">
+            <a:schemeClr val="tx1"/>
+          </a:fontRef>
+        </p:style>
+      </p:cxnSp>
+      <p:cxnSp>
+        <p:nvCxnSpPr>
+          <p:cNvPr id="13" name="直接箭头连接符 12">
+            <a:extLst>
+              <a:ext uri="{FF2B5EF4-FFF2-40B4-BE49-F238E27FC236}">
+                <a16:creationId xmlns:a16="http://schemas.microsoft.com/office/drawing/2014/main" id="{BA2F5963-0D31-4A42-8426-8827BC4FAACA}"/>
+              </a:ext>
+            </a:extLst>
+          </p:cNvPr>
+          <p:cNvCxnSpPr>
+            <a:cxnSpLocks/>
+          </p:cNvCxnSpPr>
+          <p:nvPr/>
+        </p:nvCxnSpPr>
+        <p:spPr>
+          <a:xfrm flipH="1">
+            <a:off x="6238428" y="2060848"/>
+            <a:ext cx="2448272" cy="0"/>
+          </a:xfrm>
+          <a:prstGeom prst="straightConnector1">
+            <a:avLst/>
+          </a:prstGeom>
+          <a:ln w="76200">
+            <a:tailEnd type="triangle"/>
+          </a:ln>
+        </p:spPr>
+        <p:style>
+          <a:lnRef idx="1">
+            <a:schemeClr val="accent1"/>
+          </a:lnRef>
+          <a:fillRef idx="0">
+            <a:schemeClr val="accent1"/>
+          </a:fillRef>
+          <a:effectRef idx="0">
+            <a:schemeClr val="accent1"/>
+          </a:effectRef>
+          <a:fontRef idx="minor">
+            <a:schemeClr val="tx1"/>
+          </a:fontRef>
+        </p:style>
+      </p:cxnSp>
+      <p:sp>
+        <p:nvSpPr>
+          <p:cNvPr id="16" name="标题 1">
+            <a:extLst>
+              <a:ext uri="{FF2B5EF4-FFF2-40B4-BE49-F238E27FC236}">
+                <a16:creationId xmlns:a16="http://schemas.microsoft.com/office/drawing/2014/main" id="{B43ED899-41D9-4C6F-B40B-109562537377}"/>
+              </a:ext>
+            </a:extLst>
+          </p:cNvPr>
+          <p:cNvSpPr txBox="1">
+            <a:spLocks/>
+          </p:cNvSpPr>
+          <p:nvPr/>
+        </p:nvSpPr>
+        <p:spPr>
+          <a:xfrm>
+            <a:off x="1125860" y="2575318"/>
+            <a:ext cx="1440160" cy="493642"/>
+          </a:xfrm>
+          <a:prstGeom prst="rect">
+            <a:avLst/>
+          </a:prstGeom>
+        </p:spPr>
+        <p:txBody>
+          <a:bodyPr vert="horz" lIns="121899" tIns="60949" rIns="121899" bIns="60949" rtlCol="0" anchor="b">
+            <a:normAutofit/>
+          </a:bodyPr>
+          <a:lstStyle>
+            <a:lvl1pPr algn="l" defTabSz="1218987" rtl="0" eaLnBrk="1" latinLnBrk="0" hangingPunct="1">
+              <a:lnSpc>
+                <a:spcPct val="85000"/>
+              </a:lnSpc>
+              <a:spcBef>
+                <a:spcPct val="0"/>
+              </a:spcBef>
+              <a:buNone/>
+              <a:tabLst/>
+              <a:defRPr sz="4400" kern="1200" cap="none" baseline="0">
+                <a:solidFill>
+                  <a:schemeClr val="tx1"/>
+                </a:solidFill>
+                <a:latin typeface="微软雅黑" panose="020B0503020204020204" pitchFamily="34" charset="-122"/>
+                <a:ea typeface="微软雅黑" panose="020B0503020204020204" pitchFamily="34" charset="-122"/>
+                <a:cs typeface="+mj-cs"/>
+              </a:defRPr>
+            </a:lvl1pPr>
+          </a:lstStyle>
+          <a:p>
+            <a:r>
+              <a:rPr lang="zh-CN" altLang="en-US" sz="1600" dirty="0"/>
+              <a:t>微信客户端</a:t>
+            </a:r>
+            <a:endParaRPr lang="en-US" altLang="zh-CN" sz="1600" dirty="0"/>
+          </a:p>
+        </p:txBody>
+      </p:sp>
+      <p:sp>
+        <p:nvSpPr>
+          <p:cNvPr id="17" name="标题 1">
+            <a:extLst>
+              <a:ext uri="{FF2B5EF4-FFF2-40B4-BE49-F238E27FC236}">
+                <a16:creationId xmlns:a16="http://schemas.microsoft.com/office/drawing/2014/main" id="{809ADF29-AA4A-41E0-BFCD-58F769642CCE}"/>
+              </a:ext>
+            </a:extLst>
+          </p:cNvPr>
+          <p:cNvSpPr txBox="1">
+            <a:spLocks/>
+          </p:cNvSpPr>
+          <p:nvPr/>
+        </p:nvSpPr>
+        <p:spPr>
+          <a:xfrm>
+            <a:off x="4726260" y="2575318"/>
+            <a:ext cx="1800200" cy="493642"/>
+          </a:xfrm>
+          <a:prstGeom prst="rect">
+            <a:avLst/>
+          </a:prstGeom>
+        </p:spPr>
+        <p:txBody>
+          <a:bodyPr vert="horz" lIns="121899" tIns="60949" rIns="121899" bIns="60949" rtlCol="0" anchor="b">
+            <a:normAutofit/>
+          </a:bodyPr>
+          <a:lstStyle>
+            <a:lvl1pPr algn="l" defTabSz="1218987" rtl="0" eaLnBrk="1" latinLnBrk="0" hangingPunct="1">
+              <a:lnSpc>
+                <a:spcPct val="85000"/>
+              </a:lnSpc>
+              <a:spcBef>
+                <a:spcPct val="0"/>
+              </a:spcBef>
+              <a:buNone/>
+              <a:tabLst/>
+              <a:defRPr sz="4400" kern="1200" cap="none" baseline="0">
+                <a:solidFill>
+                  <a:schemeClr val="tx1"/>
+                </a:solidFill>
+                <a:latin typeface="微软雅黑" panose="020B0503020204020204" pitchFamily="34" charset="-122"/>
+                <a:ea typeface="微软雅黑" panose="020B0503020204020204" pitchFamily="34" charset="-122"/>
+                <a:cs typeface="+mj-cs"/>
+              </a:defRPr>
+            </a:lvl1pPr>
+          </a:lstStyle>
+          <a:p>
+            <a:r>
+              <a:rPr lang="zh-CN" altLang="en-US" sz="1600" dirty="0"/>
+              <a:t>腾讯家的服务器</a:t>
+            </a:r>
+            <a:endParaRPr lang="en-US" altLang="zh-CN" sz="1600" dirty="0"/>
+          </a:p>
+        </p:txBody>
+      </p:sp>
+      <p:sp>
+        <p:nvSpPr>
+          <p:cNvPr id="18" name="标题 1">
+            <a:extLst>
+              <a:ext uri="{FF2B5EF4-FFF2-40B4-BE49-F238E27FC236}">
+                <a16:creationId xmlns:a16="http://schemas.microsoft.com/office/drawing/2014/main" id="{363E9CC7-0F48-4557-B2DD-2F67C903024C}"/>
+              </a:ext>
+            </a:extLst>
+          </p:cNvPr>
+          <p:cNvSpPr txBox="1">
+            <a:spLocks/>
+          </p:cNvSpPr>
+          <p:nvPr/>
+        </p:nvSpPr>
+        <p:spPr>
+          <a:xfrm>
+            <a:off x="8614692" y="2564904"/>
+            <a:ext cx="1800200" cy="493642"/>
+          </a:xfrm>
+          <a:prstGeom prst="rect">
+            <a:avLst/>
+          </a:prstGeom>
+        </p:spPr>
+        <p:txBody>
+          <a:bodyPr vert="horz" lIns="121899" tIns="60949" rIns="121899" bIns="60949" rtlCol="0" anchor="b">
+            <a:normAutofit/>
+          </a:bodyPr>
+          <a:lstStyle>
+            <a:lvl1pPr algn="l" defTabSz="1218987" rtl="0" eaLnBrk="1" latinLnBrk="0" hangingPunct="1">
+              <a:lnSpc>
+                <a:spcPct val="85000"/>
+              </a:lnSpc>
+              <a:spcBef>
+                <a:spcPct val="0"/>
+              </a:spcBef>
+              <a:buNone/>
+              <a:tabLst/>
+              <a:defRPr sz="4400" kern="1200" cap="none" baseline="0">
+                <a:solidFill>
+                  <a:schemeClr val="tx1"/>
+                </a:solidFill>
+                <a:latin typeface="微软雅黑" panose="020B0503020204020204" pitchFamily="34" charset="-122"/>
+                <a:ea typeface="微软雅黑" panose="020B0503020204020204" pitchFamily="34" charset="-122"/>
+                <a:cs typeface="+mj-cs"/>
+              </a:defRPr>
+            </a:lvl1pPr>
+          </a:lstStyle>
+          <a:p>
+            <a:r>
+              <a:rPr lang="zh-CN" altLang="en-US" sz="1600" dirty="0"/>
+              <a:t>自己的服务器</a:t>
+            </a:r>
+            <a:endParaRPr lang="en-US" altLang="zh-CN" sz="1600" dirty="0"/>
+          </a:p>
+        </p:txBody>
+      </p:sp>
+      <p:sp>
+        <p:nvSpPr>
+          <p:cNvPr id="19" name="标题 1">
+            <a:extLst>
+              <a:ext uri="{FF2B5EF4-FFF2-40B4-BE49-F238E27FC236}">
+                <a16:creationId xmlns:a16="http://schemas.microsoft.com/office/drawing/2014/main" id="{4997A237-7AF5-47D5-86D9-07C61620EFBF}"/>
+              </a:ext>
+            </a:extLst>
+          </p:cNvPr>
+          <p:cNvSpPr txBox="1">
+            <a:spLocks/>
+          </p:cNvSpPr>
+          <p:nvPr/>
+        </p:nvSpPr>
+        <p:spPr>
+          <a:xfrm>
+            <a:off x="7174532" y="1196752"/>
+            <a:ext cx="1440160" cy="493642"/>
+          </a:xfrm>
+          <a:prstGeom prst="rect">
+            <a:avLst/>
+          </a:prstGeom>
+        </p:spPr>
+        <p:txBody>
+          <a:bodyPr vert="horz" lIns="121899" tIns="60949" rIns="121899" bIns="60949" rtlCol="0" anchor="b">
+            <a:normAutofit/>
+          </a:bodyPr>
+          <a:lstStyle>
+            <a:lvl1pPr algn="l" defTabSz="1218987" rtl="0" eaLnBrk="1" latinLnBrk="0" hangingPunct="1">
+              <a:lnSpc>
+                <a:spcPct val="85000"/>
+              </a:lnSpc>
+              <a:spcBef>
+                <a:spcPct val="0"/>
+              </a:spcBef>
+              <a:buNone/>
+              <a:tabLst/>
+              <a:defRPr sz="4400" kern="1200" cap="none" baseline="0">
+                <a:solidFill>
+                  <a:schemeClr val="tx1"/>
+                </a:solidFill>
+                <a:latin typeface="微软雅黑" panose="020B0503020204020204" pitchFamily="34" charset="-122"/>
+                <a:ea typeface="微软雅黑" panose="020B0503020204020204" pitchFamily="34" charset="-122"/>
+                <a:cs typeface="+mj-cs"/>
+              </a:defRPr>
+            </a:lvl1pPr>
+          </a:lstStyle>
+          <a:p>
+            <a:r>
+              <a:rPr lang="en-US" altLang="zh-CN" sz="1600" dirty="0"/>
+              <a:t>post</a:t>
+            </a:r>
+          </a:p>
+        </p:txBody>
+      </p:sp>
+      <p:sp>
+        <p:nvSpPr>
+          <p:cNvPr id="20" name="标题 1">
+            <a:extLst>
+              <a:ext uri="{FF2B5EF4-FFF2-40B4-BE49-F238E27FC236}">
+                <a16:creationId xmlns:a16="http://schemas.microsoft.com/office/drawing/2014/main" id="{D14F0D7B-46AF-46F3-8A6E-B599CD672204}"/>
+              </a:ext>
+            </a:extLst>
+          </p:cNvPr>
+          <p:cNvSpPr txBox="1">
+            <a:spLocks/>
+          </p:cNvSpPr>
+          <p:nvPr/>
+        </p:nvSpPr>
+        <p:spPr>
+          <a:xfrm>
+            <a:off x="7030516" y="1988840"/>
+            <a:ext cx="1440160" cy="493642"/>
+          </a:xfrm>
+          <a:prstGeom prst="rect">
+            <a:avLst/>
+          </a:prstGeom>
+        </p:spPr>
+        <p:txBody>
+          <a:bodyPr vert="horz" lIns="121899" tIns="60949" rIns="121899" bIns="60949" rtlCol="0" anchor="b">
+            <a:normAutofit/>
+          </a:bodyPr>
+          <a:lstStyle>
+            <a:lvl1pPr algn="l" defTabSz="1218987" rtl="0" eaLnBrk="1" latinLnBrk="0" hangingPunct="1">
+              <a:lnSpc>
+                <a:spcPct val="85000"/>
+              </a:lnSpc>
+              <a:spcBef>
+                <a:spcPct val="0"/>
+              </a:spcBef>
+              <a:buNone/>
+              <a:tabLst/>
+              <a:defRPr sz="4400" kern="1200" cap="none" baseline="0">
+                <a:solidFill>
+                  <a:schemeClr val="tx1"/>
+                </a:solidFill>
+                <a:latin typeface="微软雅黑" panose="020B0503020204020204" pitchFamily="34" charset="-122"/>
+                <a:ea typeface="微软雅黑" panose="020B0503020204020204" pitchFamily="34" charset="-122"/>
+                <a:cs typeface="+mj-cs"/>
+              </a:defRPr>
+            </a:lvl1pPr>
+          </a:lstStyle>
+          <a:p>
+            <a:r>
+              <a:rPr lang="en-US" altLang="zh-CN" sz="1600" dirty="0"/>
+              <a:t>response</a:t>
+            </a:r>
+          </a:p>
+        </p:txBody>
+      </p:sp>
+    </p:spTree>
+    <p:extLst>
+      <p:ext uri="{BB962C8B-B14F-4D97-AF65-F5344CB8AC3E}">
+        <p14:creationId xmlns:p14="http://schemas.microsoft.com/office/powerpoint/2010/main" val="1155836375"/>
+      </p:ext>
+    </p:extLst>
+  </p:cSld>
+  <p:clrMapOvr>
+    <a:masterClrMapping/>
+  </p:clrMapOvr>
+  <mc:AlternateContent xmlns:mc="http://schemas.openxmlformats.org/markup-compatibility/2006" xmlns:p14="http://schemas.microsoft.com/office/powerpoint/2010/main">
+    <mc:Choice Requires="p14">
+      <p:transition spd="med" p14:dur="700">
+        <p:fade/>
+      </p:transition>
+    </mc:Choice>
+    <mc:Fallback xmlns="">
+      <p:transition spd="med">
+        <p:fade/>
+      </p:transition>
+    </mc:Fallback>
+  </mc:AlternateContent>
+</p:sld>
+</file>
+
+<file path=ppt/slides/slide18.xml><?xml version="1.0" encoding="utf-8"?>
 <p:sld xmlns:a="http://schemas.openxmlformats.org/drawingml/2006/main" xmlns:r="http://schemas.openxmlformats.org/officeDocument/2006/relationships" xmlns:p="http://schemas.openxmlformats.org/presentationml/2006/main">
   <p:cSld>
     <p:spTree>
@@ -8766,7 +12958,9 @@
         </p:nvSpPr>
         <p:spPr/>
         <p:txBody>
-          <a:bodyPr rtlCol="0"/>
+          <a:bodyPr rtlCol="0">
+            <a:normAutofit lnSpcReduction="10000"/>
+          </a:bodyPr>
           <a:lstStyle/>
           <a:p>
             <a:pPr rtl="0"/>
@@ -8826,6 +13020,28 @@
               <a:rPr lang="zh-CN" altLang="en-US" dirty="0"/>
               <a:t>四、消息群发</a:t>
             </a:r>
+            <a:endParaRPr lang="en-US" altLang="zh-CN" dirty="0"/>
+          </a:p>
+          <a:p>
+            <a:r>
+              <a:rPr lang="zh-CN" altLang="en-US" dirty="0"/>
+              <a:t>五、文档地址</a:t>
+            </a:r>
+            <a:endParaRPr lang="en-US" altLang="zh-CN" dirty="0"/>
+          </a:p>
+          <a:p>
+            <a:r>
+              <a:rPr lang="zh-CN" altLang="en-US" dirty="0"/>
+              <a:t>六、组织</a:t>
+            </a:r>
+            <a:r>
+              <a:rPr lang="en-US" altLang="zh-CN" dirty="0"/>
+              <a:t>python</a:t>
+            </a:r>
+            <a:r>
+              <a:rPr lang="zh-CN" altLang="en-US" dirty="0"/>
+              <a:t>代码</a:t>
+            </a:r>
             <a:endParaRPr lang="zh-cn" dirty="0">
               <a:latin typeface="微软雅黑" panose="020B0503020204020204" pitchFamily="34" charset="-122"/>
               <a:ea typeface="微软雅黑" panose="020B0503020204020204" pitchFamily="34" charset="-122"/>
@@ -8838,7 +13054,7 @@
                 <a:latin typeface="微软雅黑" panose="020B0503020204020204" pitchFamily="34" charset="-122"/>
                 <a:ea typeface="微软雅黑" panose="020B0503020204020204" pitchFamily="34" charset="-122"/>
               </a:rPr>
-              <a:t>五、远程执行</a:t>
+              <a:t>七、远程执行</a:t>
             </a:r>
             <a:r>
               <a:rPr lang="en-US" altLang="zh-CN" dirty="0" err="1">
@@ -8863,26 +13079,7 @@
             <a:pPr rtl="0"/>
             <a:r>
               <a:rPr lang="zh-CN" altLang="en-US" dirty="0"/>
-              <a:t>六、组织</a:t>
-            </a:r>
-            <a:r>
-              <a:rPr lang="en-US" altLang="zh-CN" dirty="0"/>
-              <a:t>python</a:t>
-            </a:r>
-            <a:r>
-              <a:rPr lang="zh-CN" altLang="en-US" dirty="0"/>
-              <a:t>代码</a:t>
-            </a:r>
-            <a:endParaRPr lang="en-US" altLang="zh-CN" dirty="0">
-              <a:latin typeface="微软雅黑" panose="020B0503020204020204" pitchFamily="34" charset="-122"/>
-              <a:ea typeface="微软雅黑" panose="020B0503020204020204" pitchFamily="34" charset="-122"/>
-            </a:endParaRPr>
-          </a:p>
-          <a:p>
-            <a:pPr rtl="0"/>
-            <a:r>
-              <a:rPr lang="zh-CN" altLang="en-US" dirty="0"/>
-              <a:t>七、聊聊微信</a:t>
+              <a:t>八、聊聊微信</a:t>
             </a:r>
             <a:endParaRPr lang="en-US" dirty="0">
               <a:latin typeface="微软雅黑" panose="020B0503020204020204" pitchFamily="34" charset="-122"/>
@@ -15213,6 +19410,105 @@
           </a:p>
         </p:txBody>
       </p:sp>
+      <p:sp>
+        <p:nvSpPr>
+          <p:cNvPr id="6" name="矩形 5">
+            <a:hlinkClick r:id="rId3" action="ppaction://hlinkfile"/>
+            <a:extLst>
+              <a:ext uri="{FF2B5EF4-FFF2-40B4-BE49-F238E27FC236}">
+                <a16:creationId xmlns:a16="http://schemas.microsoft.com/office/drawing/2014/main" id="{B0B96FEE-DAE1-4F31-A084-236A875C31AF}"/>
+              </a:ext>
+            </a:extLst>
+          </p:cNvPr>
+          <p:cNvSpPr/>
+          <p:nvPr/>
+        </p:nvSpPr>
+        <p:spPr>
+          <a:xfrm>
+            <a:off x="7462564" y="5373216"/>
+            <a:ext cx="4104456" cy="493508"/>
+          </a:xfrm>
+          <a:prstGeom prst="rect">
+            <a:avLst/>
+          </a:prstGeom>
+          <a:solidFill>
+            <a:schemeClr val="bg2">
+              <a:lumMod val="90000"/>
+            </a:schemeClr>
+          </a:solidFill>
+          <a:ln>
+            <a:noFill/>
+          </a:ln>
+          <a:effectLst>
+            <a:outerShdw blurRad="44450" dist="27940" dir="5400000" algn="ctr">
+              <a:srgbClr val="000000">
+                <a:alpha val="32000"/>
+              </a:srgbClr>
+            </a:outerShdw>
+          </a:effectLst>
+          <a:scene3d>
+            <a:camera prst="orthographicFront">
+              <a:rot lat="0" lon="0" rev="0"/>
+            </a:camera>
+            <a:lightRig rig="balanced" dir="t">
+              <a:rot lat="0" lon="0" rev="8700000"/>
+            </a:lightRig>
+          </a:scene3d>
+          <a:sp3d>
+            <a:bevelT w="190500" h="38100"/>
+          </a:sp3d>
+        </p:spPr>
+        <p:style>
+          <a:lnRef idx="2">
+            <a:schemeClr val="accent1">
+              <a:shade val="50000"/>
+            </a:schemeClr>
+          </a:lnRef>
+          <a:fillRef idx="1">
+            <a:schemeClr val="accent1"/>
+          </a:fillRef>
+          <a:effectRef idx="0">
+            <a:schemeClr val="accent1"/>
+          </a:effectRef>
+          <a:fontRef idx="minor">
+            <a:schemeClr val="lt1"/>
+          </a:fontRef>
+        </p:style>
+        <p:txBody>
+          <a:bodyPr rtlCol="0" anchor="ctr"/>
+          <a:lstStyle/>
+          <a:p>
+            <a:pPr algn="ctr"/>
+            <a:r>
+              <a:rPr lang="zh-CN" altLang="en-US" sz="1100" dirty="0">
+                <a:solidFill>
+                  <a:schemeClr val="tx2"/>
+                </a:solidFill>
+                <a:latin typeface="微软雅黑" panose="020B0503020204020204" pitchFamily="34" charset="-122"/>
+                <a:ea typeface="微软雅黑" panose="020B0503020204020204" pitchFamily="34" charset="-122"/>
+              </a:rPr>
+              <a:t>示例代码：</a:t>
+            </a:r>
+            <a:r>
+              <a:rPr lang="en-US" altLang="zh-CN" sz="1100" dirty="0">
+                <a:solidFill>
+                  <a:schemeClr val="tx2"/>
+                </a:solidFill>
+                <a:latin typeface="微软雅黑" panose="020B0503020204020204" pitchFamily="34" charset="-122"/>
+                <a:ea typeface="微软雅黑" panose="020B0503020204020204" pitchFamily="34" charset="-122"/>
+              </a:rPr>
+              <a:t>group_chat_robot/send_text_msg.py</a:t>
+            </a:r>
+            <a:endParaRPr lang="zh-CN" altLang="en-US" sz="1100" dirty="0">
+              <a:solidFill>
+                <a:schemeClr val="tx2"/>
+              </a:solidFill>
+              <a:latin typeface="微软雅黑" panose="020B0503020204020204" pitchFamily="34" charset="-122"/>
+              <a:ea typeface="微软雅黑" panose="020B0503020204020204" pitchFamily="34" charset="-122"/>
+            </a:endParaRPr>
+          </a:p>
+        </p:txBody>
+      </p:sp>
     </p:spTree>
     <p:extLst>
       <p:ext uri="{BB962C8B-B14F-4D97-AF65-F5344CB8AC3E}">
@@ -16838,6 +21134,105 @@
               </a:rPr>
               <a:t>官方文档</a:t>
             </a:r>
+          </a:p>
+        </p:txBody>
+      </p:sp>
+      <p:sp>
+        <p:nvSpPr>
+          <p:cNvPr id="6" name="矩形 5">
+            <a:hlinkClick r:id="rId3" action="ppaction://hlinkfile"/>
+            <a:extLst>
+              <a:ext uri="{FF2B5EF4-FFF2-40B4-BE49-F238E27FC236}">
+                <a16:creationId xmlns:a16="http://schemas.microsoft.com/office/drawing/2014/main" id="{B49FB43E-1BC0-4436-8D49-C067347744E3}"/>
+              </a:ext>
+            </a:extLst>
+          </p:cNvPr>
+          <p:cNvSpPr/>
+          <p:nvPr/>
+        </p:nvSpPr>
+        <p:spPr>
+          <a:xfrm>
+            <a:off x="7462564" y="5877272"/>
+            <a:ext cx="4104456" cy="493508"/>
+          </a:xfrm>
+          <a:prstGeom prst="rect">
+            <a:avLst/>
+          </a:prstGeom>
+          <a:solidFill>
+            <a:schemeClr val="bg2">
+              <a:lumMod val="90000"/>
+            </a:schemeClr>
+          </a:solidFill>
+          <a:ln>
+            <a:noFill/>
+          </a:ln>
+          <a:effectLst>
+            <a:outerShdw blurRad="44450" dist="27940" dir="5400000" algn="ctr">
+              <a:srgbClr val="000000">
+                <a:alpha val="32000"/>
+              </a:srgbClr>
+            </a:outerShdw>
+          </a:effectLst>
+          <a:scene3d>
+            <a:camera prst="orthographicFront">
+              <a:rot lat="0" lon="0" rev="0"/>
+            </a:camera>
+            <a:lightRig rig="balanced" dir="t">
+              <a:rot lat="0" lon="0" rev="8700000"/>
+            </a:lightRig>
+          </a:scene3d>
+          <a:sp3d>
+            <a:bevelT w="190500" h="38100"/>
+          </a:sp3d>
+        </p:spPr>
+        <p:style>
+          <a:lnRef idx="2">
+            <a:schemeClr val="accent1">
+              <a:shade val="50000"/>
+            </a:schemeClr>
+          </a:lnRef>
+          <a:fillRef idx="1">
+            <a:schemeClr val="accent1"/>
+          </a:fillRef>
+          <a:effectRef idx="0">
+            <a:schemeClr val="accent1"/>
+          </a:effectRef>
+          <a:fontRef idx="minor">
+            <a:schemeClr val="lt1"/>
+          </a:fontRef>
+        </p:style>
+        <p:txBody>
+          <a:bodyPr rtlCol="0" anchor="ctr"/>
+          <a:lstStyle/>
+          <a:p>
+            <a:pPr algn="ctr"/>
+            <a:r>
+              <a:rPr lang="zh-CN" altLang="en-US" sz="1100" dirty="0">
+                <a:solidFill>
+                  <a:schemeClr val="tx2"/>
+                </a:solidFill>
+                <a:latin typeface="微软雅黑" panose="020B0503020204020204" pitchFamily="34" charset="-122"/>
+                <a:ea typeface="微软雅黑" panose="020B0503020204020204" pitchFamily="34" charset="-122"/>
+              </a:rPr>
+              <a:t>示例代码：</a:t>
+            </a:r>
+            <a:r>
+              <a:rPr lang="en-US" altLang="zh-CN" sz="1100" dirty="0">
+                <a:solidFill>
+                  <a:schemeClr val="tx2"/>
+                </a:solidFill>
+                <a:latin typeface="微软雅黑" panose="020B0503020204020204" pitchFamily="34" charset="-122"/>
+                <a:ea typeface="微软雅黑" panose="020B0503020204020204" pitchFamily="34" charset="-122"/>
+              </a:rPr>
+              <a:t>group_chat_robot/send_markdown_msg.py</a:t>
+            </a:r>
+            <a:endParaRPr lang="zh-CN" altLang="en-US" sz="1100" dirty="0">
+              <a:solidFill>
+                <a:schemeClr val="tx2"/>
+              </a:solidFill>
+              <a:latin typeface="微软雅黑" panose="020B0503020204020204" pitchFamily="34" charset="-122"/>
+              <a:ea typeface="微软雅黑" panose="020B0503020204020204" pitchFamily="34" charset="-122"/>
+            </a:endParaRPr>
           </a:p>
         </p:txBody>
       </p:sp>
@@ -19305,12 +23700,139 @@
 </file>
 
 <file path=customXml/item1.xml><?xml version="1.0" encoding="utf-8"?>
-<?mso-contentType ?>
-<FormTemplates xmlns="http://schemas.microsoft.com/sharepoint/v3/contenttype/forms">
-  <Display>DocumentLibraryForm</Display>
-  <Edit>AssetEditForm</Edit>
-  <New>DocumentLibraryForm</New>
-</FormTemplates>
+<p:properties xmlns:p="http://schemas.microsoft.com/office/2006/metadata/properties" xmlns:xsi="http://www.w3.org/2001/XMLSchema-instance" xmlns:pc="http://schemas.microsoft.com/office/infopath/2007/PartnerControls">
+  <documentManagement>
+    <LocPublishedLinkedAssetsLookup xmlns="4873beb7-5857-4685-be1f-d57550cc96cc" xsi:nil="true"/>
+    <ApprovalStatus xmlns="4873beb7-5857-4685-be1f-d57550cc96cc">InProgress</ApprovalStatus>
+    <MarketSpecific xmlns="4873beb7-5857-4685-be1f-d57550cc96cc">false</MarketSpecific>
+    <LocComments xmlns="4873beb7-5857-4685-be1f-d57550cc96cc" xsi:nil="true"/>
+    <LocLastLocAttemptVersionTypeLookup xmlns="4873beb7-5857-4685-be1f-d57550cc96cc" xsi:nil="true"/>
+    <DirectSourceMarket xmlns="4873beb7-5857-4685-be1f-d57550cc96cc" xsi:nil="true"/>
+    <ThumbnailAssetId xmlns="4873beb7-5857-4685-be1f-d57550cc96cc" xsi:nil="true"/>
+    <PrimaryImageGen xmlns="4873beb7-5857-4685-be1f-d57550cc96cc">false</PrimaryImageGen>
+    <LocNewPublishedVersionLookup xmlns="4873beb7-5857-4685-be1f-d57550cc96cc" xsi:nil="true"/>
+    <LegacyData xmlns="4873beb7-5857-4685-be1f-d57550cc96cc" xsi:nil="true"/>
+    <LocRecommendedHandoff xmlns="4873beb7-5857-4685-be1f-d57550cc96cc" xsi:nil="true"/>
+    <BusinessGroup xmlns="4873beb7-5857-4685-be1f-d57550cc96cc" xsi:nil="true"/>
+    <BlockPublish xmlns="4873beb7-5857-4685-be1f-d57550cc96cc">false</BlockPublish>
+    <TPFriendlyName xmlns="4873beb7-5857-4685-be1f-d57550cc96cc" xsi:nil="true"/>
+    <LocOverallPublishStatusLookup xmlns="4873beb7-5857-4685-be1f-d57550cc96cc" xsi:nil="true"/>
+    <NumericId xmlns="4873beb7-5857-4685-be1f-d57550cc96cc" xsi:nil="true"/>
+    <APEditor xmlns="4873beb7-5857-4685-be1f-d57550cc96cc">
+      <UserInfo>
+        <DisplayName/>
+        <AccountId xsi:nil="true"/>
+        <AccountType/>
+      </UserInfo>
+    </APEditor>
+    <SourceTitle xmlns="4873beb7-5857-4685-be1f-d57550cc96cc" xsi:nil="true"/>
+    <OpenTemplate xmlns="4873beb7-5857-4685-be1f-d57550cc96cc">true</OpenTemplate>
+    <LocOverallLocStatusLookup xmlns="4873beb7-5857-4685-be1f-d57550cc96cc" xsi:nil="true"/>
+    <UALocComments xmlns="4873beb7-5857-4685-be1f-d57550cc96cc" xsi:nil="true"/>
+    <ParentAssetId xmlns="4873beb7-5857-4685-be1f-d57550cc96cc" xsi:nil="true"/>
+    <IntlLangReviewDate xmlns="4873beb7-5857-4685-be1f-d57550cc96cc" xsi:nil="true"/>
+    <FeatureTagsTaxHTField0 xmlns="4873beb7-5857-4685-be1f-d57550cc96cc">
+      <Terms xmlns="http://schemas.microsoft.com/office/infopath/2007/PartnerControls"/>
+    </FeatureTagsTaxHTField0>
+    <PublishStatusLookup xmlns="4873beb7-5857-4685-be1f-d57550cc96cc">
+      <Value>1345039</Value>
+    </PublishStatusLookup>
+    <Providers xmlns="4873beb7-5857-4685-be1f-d57550cc96cc" xsi:nil="true"/>
+    <MachineTranslated xmlns="4873beb7-5857-4685-be1f-d57550cc96cc">false</MachineTranslated>
+    <OriginalSourceMarket xmlns="4873beb7-5857-4685-be1f-d57550cc96cc" xsi:nil="true"/>
+    <APDescription xmlns="4873beb7-5857-4685-be1f-d57550cc96cc">The bookstacks present on most slides  make this a good choice for students, teachers, reading enthusiasts, and others in education. This presentation template contains multiple slide layouts in widescreen format (16x9) and includes a sample table and chart that you can easily  modify.</APDescription>
+    <ClipArtFilename xmlns="4873beb7-5857-4685-be1f-d57550cc96cc" xsi:nil="true"/>
+    <ContentItem xmlns="4873beb7-5857-4685-be1f-d57550cc96cc" xsi:nil="true"/>
+    <TPInstallLocation xmlns="4873beb7-5857-4685-be1f-d57550cc96cc" xsi:nil="true"/>
+    <PublishTargets xmlns="4873beb7-5857-4685-be1f-d57550cc96cc">OfficeOnlineVNext</PublishTargets>
+    <TimesCloned xmlns="4873beb7-5857-4685-be1f-d57550cc96cc" xsi:nil="true"/>
+    <AssetStart xmlns="4873beb7-5857-4685-be1f-d57550cc96cc">2011-11-26T00:00:00+00:00</AssetStart>
+    <Provider xmlns="4873beb7-5857-4685-be1f-d57550cc96cc" xsi:nil="true"/>
+    <AcquiredFrom xmlns="4873beb7-5857-4685-be1f-d57550cc96cc">Internal MS</AcquiredFrom>
+    <FriendlyTitle xmlns="4873beb7-5857-4685-be1f-d57550cc96cc" xsi:nil="true"/>
+    <LastHandOff xmlns="4873beb7-5857-4685-be1f-d57550cc96cc" xsi:nil="true"/>
+    <TPClientViewer xmlns="4873beb7-5857-4685-be1f-d57550cc96cc" xsi:nil="true"/>
+    <TemplateStatus xmlns="4873beb7-5857-4685-be1f-d57550cc96cc">Complete</TemplateStatus>
+    <Downloads xmlns="4873beb7-5857-4685-be1f-d57550cc96cc">0</Downloads>
+    <OOCacheId xmlns="4873beb7-5857-4685-be1f-d57550cc96cc" xsi:nil="true"/>
+    <IsDeleted xmlns="4873beb7-5857-4685-be1f-d57550cc96cc">false</IsDeleted>
+    <LocPublishedDependentAssetsLookup xmlns="4873beb7-5857-4685-be1f-d57550cc96cc" xsi:nil="true"/>
+    <AssetExpire xmlns="4873beb7-5857-4685-be1f-d57550cc96cc">2029-05-12T07:00:00+00:00</AssetExpire>
+    <DSATActionTaken xmlns="4873beb7-5857-4685-be1f-d57550cc96cc" xsi:nil="true"/>
+    <CSXSubmissionMarket xmlns="4873beb7-5857-4685-be1f-d57550cc96cc" xsi:nil="true"/>
+    <TPExecutable xmlns="4873beb7-5857-4685-be1f-d57550cc96cc" xsi:nil="true"/>
+    <EditorialTags xmlns="4873beb7-5857-4685-be1f-d57550cc96cc" xsi:nil="true"/>
+    <SubmitterId xmlns="4873beb7-5857-4685-be1f-d57550cc96cc" xsi:nil="true"/>
+    <ApprovalLog xmlns="4873beb7-5857-4685-be1f-d57550cc96cc" xsi:nil="true"/>
+    <AssetType xmlns="4873beb7-5857-4685-be1f-d57550cc96cc">TP</AssetType>
+    <BugNumber xmlns="4873beb7-5857-4685-be1f-d57550cc96cc" xsi:nil="true"/>
+    <CSXSubmissionDate xmlns="4873beb7-5857-4685-be1f-d57550cc96cc" xsi:nil="true"/>
+    <CSXUpdate xmlns="4873beb7-5857-4685-be1f-d57550cc96cc">false</CSXUpdate>
+    <Milestone xmlns="4873beb7-5857-4685-be1f-d57550cc96cc" xsi:nil="true"/>
+    <RecommendationsModifier xmlns="4873beb7-5857-4685-be1f-d57550cc96cc" xsi:nil="true"/>
+    <OriginAsset xmlns="4873beb7-5857-4685-be1f-d57550cc96cc" xsi:nil="true"/>
+    <TPComponent xmlns="4873beb7-5857-4685-be1f-d57550cc96cc" xsi:nil="true"/>
+    <AssetId xmlns="4873beb7-5857-4685-be1f-d57550cc96cc">TP102787939</AssetId>
+    <IntlLocPriority xmlns="4873beb7-5857-4685-be1f-d57550cc96cc" xsi:nil="true"/>
+    <PolicheckWords xmlns="4873beb7-5857-4685-be1f-d57550cc96cc" xsi:nil="true"/>
+    <TPLaunchHelpLink xmlns="4873beb7-5857-4685-be1f-d57550cc96cc" xsi:nil="true"/>
+    <TPApplication xmlns="4873beb7-5857-4685-be1f-d57550cc96cc" xsi:nil="true"/>
+    <CrawlForDependencies xmlns="4873beb7-5857-4685-be1f-d57550cc96cc">false</CrawlForDependencies>
+    <HandoffToMSDN xmlns="4873beb7-5857-4685-be1f-d57550cc96cc" xsi:nil="true"/>
+    <PlannedPubDate xmlns="4873beb7-5857-4685-be1f-d57550cc96cc" xsi:nil="true"/>
+    <IntlLangReviewer xmlns="4873beb7-5857-4685-be1f-d57550cc96cc" xsi:nil="true"/>
+    <TrustLevel xmlns="4873beb7-5857-4685-be1f-d57550cc96cc">1 Microsoft Managed Content</TrustLevel>
+    <LocLastLocAttemptVersionLookup xmlns="4873beb7-5857-4685-be1f-d57550cc96cc">694216</LocLastLocAttemptVersionLookup>
+    <LocProcessedForHandoffsLookup xmlns="4873beb7-5857-4685-be1f-d57550cc96cc" xsi:nil="true"/>
+    <IsSearchable xmlns="4873beb7-5857-4685-be1f-d57550cc96cc">true</IsSearchable>
+    <TemplateTemplateType xmlns="4873beb7-5857-4685-be1f-d57550cc96cc">PowerPoint Presentation Template</TemplateTemplateType>
+    <CampaignTagsTaxHTField0 xmlns="4873beb7-5857-4685-be1f-d57550cc96cc">
+      <Terms xmlns="http://schemas.microsoft.com/office/infopath/2007/PartnerControls"/>
+    </CampaignTagsTaxHTField0>
+    <TPNamespace xmlns="4873beb7-5857-4685-be1f-d57550cc96cc" xsi:nil="true"/>
+    <LocOverallPreviewStatusLookup xmlns="4873beb7-5857-4685-be1f-d57550cc96cc" xsi:nil="true"/>
+    <TaxCatchAll xmlns="4873beb7-5857-4685-be1f-d57550cc96cc"/>
+    <Markets xmlns="4873beb7-5857-4685-be1f-d57550cc96cc"/>
+    <UAProjectedTotalWords xmlns="4873beb7-5857-4685-be1f-d57550cc96cc" xsi:nil="true"/>
+    <IntlLangReview xmlns="4873beb7-5857-4685-be1f-d57550cc96cc" xsi:nil="true"/>
+    <OutputCachingOn xmlns="4873beb7-5857-4685-be1f-d57550cc96cc">false</OutputCachingOn>
+    <AverageRating xmlns="4873beb7-5857-4685-be1f-d57550cc96cc" xsi:nil="true"/>
+    <APAuthor xmlns="4873beb7-5857-4685-be1f-d57550cc96cc">
+      <UserInfo>
+        <DisplayName>REDMOND\kristaa</DisplayName>
+        <AccountId>136</AccountId>
+        <AccountType/>
+      </UserInfo>
+    </APAuthor>
+    <LocManualTestRequired xmlns="4873beb7-5857-4685-be1f-d57550cc96cc">false</LocManualTestRequired>
+    <TPCommandLine xmlns="4873beb7-5857-4685-be1f-d57550cc96cc" xsi:nil="true"/>
+    <TPAppVersion xmlns="4873beb7-5857-4685-be1f-d57550cc96cc" xsi:nil="true"/>
+    <EditorialStatus xmlns="4873beb7-5857-4685-be1f-d57550cc96cc">Complete</EditorialStatus>
+    <LastModifiedDateTime xmlns="4873beb7-5857-4685-be1f-d57550cc96cc" xsi:nil="true"/>
+    <ScenarioTagsTaxHTField0 xmlns="4873beb7-5857-4685-be1f-d57550cc96cc">
+      <Terms xmlns="http://schemas.microsoft.com/office/infopath/2007/PartnerControls"/>
+    </ScenarioTagsTaxHTField0>
+    <LocProcessedForMarketsLookup xmlns="4873beb7-5857-4685-be1f-d57550cc96cc" xsi:nil="true"/>
+    <TPLaunchHelpLinkType xmlns="4873beb7-5857-4685-be1f-d57550cc96cc">Template</TPLaunchHelpLinkType>
+    <OriginalRelease xmlns="4873beb7-5857-4685-be1f-d57550cc96cc">15</OriginalRelease>
+    <LocalizationTagsTaxHTField0 xmlns="4873beb7-5857-4685-be1f-d57550cc96cc">
+      <Terms xmlns="http://schemas.microsoft.com/office/infopath/2007/PartnerControls"/>
+    </LocalizationTagsTaxHTField0>
+    <UACurrentWords xmlns="4873beb7-5857-4685-be1f-d57550cc96cc" xsi:nil="true"/>
+    <ArtSampleDocs xmlns="4873beb7-5857-4685-be1f-d57550cc96cc" xsi:nil="true"/>
+    <UALocRecommendation xmlns="4873beb7-5857-4685-be1f-d57550cc96cc">Localize</UALocRecommendation>
+    <Manager xmlns="4873beb7-5857-4685-be1f-d57550cc96cc" xsi:nil="true"/>
+    <LocOverallHandbackStatusLookup xmlns="4873beb7-5857-4685-be1f-d57550cc96cc" xsi:nil="true"/>
+    <ShowIn xmlns="4873beb7-5857-4685-be1f-d57550cc96cc">Show everywhere</ShowIn>
+    <UANotes xmlns="4873beb7-5857-4685-be1f-d57550cc96cc" xsi:nil="true"/>
+    <InternalTagsTaxHTField0 xmlns="4873beb7-5857-4685-be1f-d57550cc96cc">
+      <Terms xmlns="http://schemas.microsoft.com/office/infopath/2007/PartnerControls"/>
+    </InternalTagsTaxHTField0>
+    <CSXHash xmlns="4873beb7-5857-4685-be1f-d57550cc96cc" xsi:nil="true"/>
+    <VoteCount xmlns="4873beb7-5857-4685-be1f-d57550cc96cc" xsi:nil="true"/>
+    <LocMarketGroupTiers2 xmlns="4873beb7-5857-4685-be1f-d57550cc96cc" xsi:nil="true"/>
+  </documentManagement>
+</p:properties>
 </file>
 
 <file path=customXml/item2.xml><?xml version="1.0" encoding="utf-8"?>
@@ -20354,145 +24876,26 @@
 </file>
 
 <file path=customXml/item3.xml><?xml version="1.0" encoding="utf-8"?>
-<p:properties xmlns:p="http://schemas.microsoft.com/office/2006/metadata/properties" xmlns:xsi="http://www.w3.org/2001/XMLSchema-instance" xmlns:pc="http://schemas.microsoft.com/office/infopath/2007/PartnerControls">
-  <documentManagement>
-    <LocPublishedLinkedAssetsLookup xmlns="4873beb7-5857-4685-be1f-d57550cc96cc" xsi:nil="true"/>
-    <ApprovalStatus xmlns="4873beb7-5857-4685-be1f-d57550cc96cc">InProgress</ApprovalStatus>
-    <MarketSpecific xmlns="4873beb7-5857-4685-be1f-d57550cc96cc">false</MarketSpecific>
-    <LocComments xmlns="4873beb7-5857-4685-be1f-d57550cc96cc" xsi:nil="true"/>
-    <LocLastLocAttemptVersionTypeLookup xmlns="4873beb7-5857-4685-be1f-d57550cc96cc" xsi:nil="true"/>
-    <DirectSourceMarket xmlns="4873beb7-5857-4685-be1f-d57550cc96cc" xsi:nil="true"/>
-    <ThumbnailAssetId xmlns="4873beb7-5857-4685-be1f-d57550cc96cc" xsi:nil="true"/>
-    <PrimaryImageGen xmlns="4873beb7-5857-4685-be1f-d57550cc96cc">false</PrimaryImageGen>
-    <LocNewPublishedVersionLookup xmlns="4873beb7-5857-4685-be1f-d57550cc96cc" xsi:nil="true"/>
-    <LegacyData xmlns="4873beb7-5857-4685-be1f-d57550cc96cc" xsi:nil="true"/>
-    <LocRecommendedHandoff xmlns="4873beb7-5857-4685-be1f-d57550cc96cc" xsi:nil="true"/>
-    <BusinessGroup xmlns="4873beb7-5857-4685-be1f-d57550cc96cc" xsi:nil="true"/>
-    <BlockPublish xmlns="4873beb7-5857-4685-be1f-d57550cc96cc">false</BlockPublish>
-    <TPFriendlyName xmlns="4873beb7-5857-4685-be1f-d57550cc96cc" xsi:nil="true"/>
-    <LocOverallPublishStatusLookup xmlns="4873beb7-5857-4685-be1f-d57550cc96cc" xsi:nil="true"/>
-    <NumericId xmlns="4873beb7-5857-4685-be1f-d57550cc96cc" xsi:nil="true"/>
-    <APEditor xmlns="4873beb7-5857-4685-be1f-d57550cc96cc">
-      <UserInfo>
-        <DisplayName/>
-        <AccountId xsi:nil="true"/>
-        <AccountType/>
-      </UserInfo>
-    </APEditor>
-    <SourceTitle xmlns="4873beb7-5857-4685-be1f-d57550cc96cc" xsi:nil="true"/>
-    <OpenTemplate xmlns="4873beb7-5857-4685-be1f-d57550cc96cc">true</OpenTemplate>
-    <LocOverallLocStatusLookup xmlns="4873beb7-5857-4685-be1f-d57550cc96cc" xsi:nil="true"/>
-    <UALocComments xmlns="4873beb7-5857-4685-be1f-d57550cc96cc" xsi:nil="true"/>
-    <ParentAssetId xmlns="4873beb7-5857-4685-be1f-d57550cc96cc" xsi:nil="true"/>
-    <IntlLangReviewDate xmlns="4873beb7-5857-4685-be1f-d57550cc96cc" xsi:nil="true"/>
-    <FeatureTagsTaxHTField0 xmlns="4873beb7-5857-4685-be1f-d57550cc96cc">
-      <Terms xmlns="http://schemas.microsoft.com/office/infopath/2007/PartnerControls"/>
-    </FeatureTagsTaxHTField0>
-    <PublishStatusLookup xmlns="4873beb7-5857-4685-be1f-d57550cc96cc">
-      <Value>1345039</Value>
-    </PublishStatusLookup>
-    <Providers xmlns="4873beb7-5857-4685-be1f-d57550cc96cc" xsi:nil="true"/>
-    <MachineTranslated xmlns="4873beb7-5857-4685-be1f-d57550cc96cc">false</MachineTranslated>
-    <OriginalSourceMarket xmlns="4873beb7-5857-4685-be1f-d57550cc96cc" xsi:nil="true"/>
-    <APDescription xmlns="4873beb7-5857-4685-be1f-d57550cc96cc">The bookstacks present on most slides  make this a good choice for students, teachers, reading enthusiasts, and others in education. This presentation template contains multiple slide layouts in widescreen format (16x9) and includes a sample table and chart that you can easily  modify.</APDescription>
-    <ClipArtFilename xmlns="4873beb7-5857-4685-be1f-d57550cc96cc" xsi:nil="true"/>
-    <ContentItem xmlns="4873beb7-5857-4685-be1f-d57550cc96cc" xsi:nil="true"/>
-    <TPInstallLocation xmlns="4873beb7-5857-4685-be1f-d57550cc96cc" xsi:nil="true"/>
-    <PublishTargets xmlns="4873beb7-5857-4685-be1f-d57550cc96cc">OfficeOnlineVNext</PublishTargets>
-    <TimesCloned xmlns="4873beb7-5857-4685-be1f-d57550cc96cc" xsi:nil="true"/>
-    <AssetStart xmlns="4873beb7-5857-4685-be1f-d57550cc96cc">2011-11-26T00:00:00+00:00</AssetStart>
-    <Provider xmlns="4873beb7-5857-4685-be1f-d57550cc96cc" xsi:nil="true"/>
-    <AcquiredFrom xmlns="4873beb7-5857-4685-be1f-d57550cc96cc">Internal MS</AcquiredFrom>
-    <FriendlyTitle xmlns="4873beb7-5857-4685-be1f-d57550cc96cc" xsi:nil="true"/>
-    <LastHandOff xmlns="4873beb7-5857-4685-be1f-d57550cc96cc" xsi:nil="true"/>
-    <TPClientViewer xmlns="4873beb7-5857-4685-be1f-d57550cc96cc" xsi:nil="true"/>
-    <TemplateStatus xmlns="4873beb7-5857-4685-be1f-d57550cc96cc">Complete</TemplateStatus>
-    <Downloads xmlns="4873beb7-5857-4685-be1f-d57550cc96cc">0</Downloads>
-    <OOCacheId xmlns="4873beb7-5857-4685-be1f-d57550cc96cc" xsi:nil="true"/>
-    <IsDeleted xmlns="4873beb7-5857-4685-be1f-d57550cc96cc">false</IsDeleted>
-    <LocPublishedDependentAssetsLookup xmlns="4873beb7-5857-4685-be1f-d57550cc96cc" xsi:nil="true"/>
-    <AssetExpire xmlns="4873beb7-5857-4685-be1f-d57550cc96cc">2029-05-12T07:00:00+00:00</AssetExpire>
-    <DSATActionTaken xmlns="4873beb7-5857-4685-be1f-d57550cc96cc" xsi:nil="true"/>
-    <CSXSubmissionMarket xmlns="4873beb7-5857-4685-be1f-d57550cc96cc" xsi:nil="true"/>
-    <TPExecutable xmlns="4873beb7-5857-4685-be1f-d57550cc96cc" xsi:nil="true"/>
-    <EditorialTags xmlns="4873beb7-5857-4685-be1f-d57550cc96cc" xsi:nil="true"/>
-    <SubmitterId xmlns="4873beb7-5857-4685-be1f-d57550cc96cc" xsi:nil="true"/>
-    <ApprovalLog xmlns="4873beb7-5857-4685-be1f-d57550cc96cc" xsi:nil="true"/>
-    <AssetType xmlns="4873beb7-5857-4685-be1f-d57550cc96cc">TP</AssetType>
-    <BugNumber xmlns="4873beb7-5857-4685-be1f-d57550cc96cc" xsi:nil="true"/>
-    <CSXSubmissionDate xmlns="4873beb7-5857-4685-be1f-d57550cc96cc" xsi:nil="true"/>
-    <CSXUpdate xmlns="4873beb7-5857-4685-be1f-d57550cc96cc">false</CSXUpdate>
-    <Milestone xmlns="4873beb7-5857-4685-be1f-d57550cc96cc" xsi:nil="true"/>
-    <RecommendationsModifier xmlns="4873beb7-5857-4685-be1f-d57550cc96cc" xsi:nil="true"/>
-    <OriginAsset xmlns="4873beb7-5857-4685-be1f-d57550cc96cc" xsi:nil="true"/>
-    <TPComponent xmlns="4873beb7-5857-4685-be1f-d57550cc96cc" xsi:nil="true"/>
-    <AssetId xmlns="4873beb7-5857-4685-be1f-d57550cc96cc">TP102787939</AssetId>
-    <IntlLocPriority xmlns="4873beb7-5857-4685-be1f-d57550cc96cc" xsi:nil="true"/>
-    <PolicheckWords xmlns="4873beb7-5857-4685-be1f-d57550cc96cc" xsi:nil="true"/>
-    <TPLaunchHelpLink xmlns="4873beb7-5857-4685-be1f-d57550cc96cc" xsi:nil="true"/>
-    <TPApplication xmlns="4873beb7-5857-4685-be1f-d57550cc96cc" xsi:nil="true"/>
-    <CrawlForDependencies xmlns="4873beb7-5857-4685-be1f-d57550cc96cc">false</CrawlForDependencies>
-    <HandoffToMSDN xmlns="4873beb7-5857-4685-be1f-d57550cc96cc" xsi:nil="true"/>
-    <PlannedPubDate xmlns="4873beb7-5857-4685-be1f-d57550cc96cc" xsi:nil="true"/>
-    <IntlLangReviewer xmlns="4873beb7-5857-4685-be1f-d57550cc96cc" xsi:nil="true"/>
-    <TrustLevel xmlns="4873beb7-5857-4685-be1f-d57550cc96cc">1 Microsoft Managed Content</TrustLevel>
-    <LocLastLocAttemptVersionLookup xmlns="4873beb7-5857-4685-be1f-d57550cc96cc">694216</LocLastLocAttemptVersionLookup>
-    <LocProcessedForHandoffsLookup xmlns="4873beb7-5857-4685-be1f-d57550cc96cc" xsi:nil="true"/>
-    <IsSearchable xmlns="4873beb7-5857-4685-be1f-d57550cc96cc">true</IsSearchable>
-    <TemplateTemplateType xmlns="4873beb7-5857-4685-be1f-d57550cc96cc">PowerPoint Presentation Template</TemplateTemplateType>
-    <CampaignTagsTaxHTField0 xmlns="4873beb7-5857-4685-be1f-d57550cc96cc">
-      <Terms xmlns="http://schemas.microsoft.com/office/infopath/2007/PartnerControls"/>
-    </CampaignTagsTaxHTField0>
-    <TPNamespace xmlns="4873beb7-5857-4685-be1f-d57550cc96cc" xsi:nil="true"/>
-    <LocOverallPreviewStatusLookup xmlns="4873beb7-5857-4685-be1f-d57550cc96cc" xsi:nil="true"/>
-    <TaxCatchAll xmlns="4873beb7-5857-4685-be1f-d57550cc96cc"/>
-    <Markets xmlns="4873beb7-5857-4685-be1f-d57550cc96cc"/>
-    <UAProjectedTotalWords xmlns="4873beb7-5857-4685-be1f-d57550cc96cc" xsi:nil="true"/>
-    <IntlLangReview xmlns="4873beb7-5857-4685-be1f-d57550cc96cc" xsi:nil="true"/>
-    <OutputCachingOn xmlns="4873beb7-5857-4685-be1f-d57550cc96cc">false</OutputCachingOn>
-    <AverageRating xmlns="4873beb7-5857-4685-be1f-d57550cc96cc" xsi:nil="true"/>
-    <APAuthor xmlns="4873beb7-5857-4685-be1f-d57550cc96cc">
-      <UserInfo>
-        <DisplayName>REDMOND\kristaa</DisplayName>
-        <AccountId>136</AccountId>
-        <AccountType/>
-      </UserInfo>
-    </APAuthor>
-    <LocManualTestRequired xmlns="4873beb7-5857-4685-be1f-d57550cc96cc">false</LocManualTestRequired>
-    <TPCommandLine xmlns="4873beb7-5857-4685-be1f-d57550cc96cc" xsi:nil="true"/>
-    <TPAppVersion xmlns="4873beb7-5857-4685-be1f-d57550cc96cc" xsi:nil="true"/>
-    <EditorialStatus xmlns="4873beb7-5857-4685-be1f-d57550cc96cc">Complete</EditorialStatus>
-    <LastModifiedDateTime xmlns="4873beb7-5857-4685-be1f-d57550cc96cc" xsi:nil="true"/>
-    <ScenarioTagsTaxHTField0 xmlns="4873beb7-5857-4685-be1f-d57550cc96cc">
-      <Terms xmlns="http://schemas.microsoft.com/office/infopath/2007/PartnerControls"/>
-    </ScenarioTagsTaxHTField0>
-    <LocProcessedForMarketsLookup xmlns="4873beb7-5857-4685-be1f-d57550cc96cc" xsi:nil="true"/>
-    <TPLaunchHelpLinkType xmlns="4873beb7-5857-4685-be1f-d57550cc96cc">Template</TPLaunchHelpLinkType>
-    <OriginalRelease xmlns="4873beb7-5857-4685-be1f-d57550cc96cc">15</OriginalRelease>
-    <LocalizationTagsTaxHTField0 xmlns="4873beb7-5857-4685-be1f-d57550cc96cc">
-      <Terms xmlns="http://schemas.microsoft.com/office/infopath/2007/PartnerControls"/>
-    </LocalizationTagsTaxHTField0>
-    <UACurrentWords xmlns="4873beb7-5857-4685-be1f-d57550cc96cc" xsi:nil="true"/>
-    <ArtSampleDocs xmlns="4873beb7-5857-4685-be1f-d57550cc96cc" xsi:nil="true"/>
-    <UALocRecommendation xmlns="4873beb7-5857-4685-be1f-d57550cc96cc">Localize</UALocRecommendation>
-    <Manager xmlns="4873beb7-5857-4685-be1f-d57550cc96cc" xsi:nil="true"/>
-    <LocOverallHandbackStatusLookup xmlns="4873beb7-5857-4685-be1f-d57550cc96cc" xsi:nil="true"/>
-    <ShowIn xmlns="4873beb7-5857-4685-be1f-d57550cc96cc">Show everywhere</ShowIn>
-    <UANotes xmlns="4873beb7-5857-4685-be1f-d57550cc96cc" xsi:nil="true"/>
-    <InternalTagsTaxHTField0 xmlns="4873beb7-5857-4685-be1f-d57550cc96cc">
-      <Terms xmlns="http://schemas.microsoft.com/office/infopath/2007/PartnerControls"/>
-    </InternalTagsTaxHTField0>
-    <CSXHash xmlns="4873beb7-5857-4685-be1f-d57550cc96cc" xsi:nil="true"/>
-    <VoteCount xmlns="4873beb7-5857-4685-be1f-d57550cc96cc" xsi:nil="true"/>
-    <LocMarketGroupTiers2 xmlns="4873beb7-5857-4685-be1f-d57550cc96cc" xsi:nil="true"/>
-  </documentManagement>
-</p:properties>
+<?mso-contentType ?>
+<FormTemplates xmlns="http://schemas.microsoft.com/sharepoint/v3/contenttype/forms">
+  <Display>DocumentLibraryForm</Display>
+  <Edit>AssetEditForm</Edit>
+  <New>DocumentLibraryForm</New>
+</FormTemplates>
 </file>
 
 <file path=customXml/itemProps1.xml><?xml version="1.0" encoding="utf-8"?>
-<ds:datastoreItem xmlns:ds="http://schemas.openxmlformats.org/officeDocument/2006/customXml" ds:itemID="{E1B558C7-619B-49BE-9097-7FCBDADD4ECE}">
+<ds:datastoreItem xmlns:ds="http://schemas.openxmlformats.org/officeDocument/2006/customXml" ds:itemID="{F301D382-32B0-43EE-932C-28906AF37617}">
   <ds:schemaRefs>
-    <ds:schemaRef ds:uri="http://schemas.microsoft.com/sharepoint/v3/contenttype/forms"/>
+    <ds:schemaRef ds:uri="http://purl.org/dc/dcmitype/"/>
+    <ds:schemaRef ds:uri="http://schemas.openxmlformats.org/package/2006/metadata/core-properties"/>
+    <ds:schemaRef ds:uri="http://purl.org/dc/elements/1.1/"/>
+    <ds:schemaRef ds:uri="http://schemas.microsoft.com/office/2006/metadata/properties"/>
+    <ds:schemaRef ds:uri="http://schemas.microsoft.com/office/2006/documentManagement/types"/>
+    <ds:schemaRef ds:uri="http://purl.org/dc/terms/"/>
+    <ds:schemaRef ds:uri="http://schemas.microsoft.com/office/infopath/2007/PartnerControls"/>
+    <ds:schemaRef ds:uri="4873beb7-5857-4685-be1f-d57550cc96cc"/>
+    <ds:schemaRef ds:uri="http://www.w3.org/XML/1998/namespace"/>
   </ds:schemaRefs>
 </ds:datastoreItem>
 </file>
@@ -20516,17 +24919,9 @@
 </file>
 
 <file path=customXml/itemProps3.xml><?xml version="1.0" encoding="utf-8"?>
-<ds:datastoreItem xmlns:ds="http://schemas.openxmlformats.org/officeDocument/2006/customXml" ds:itemID="{F301D382-32B0-43EE-932C-28906AF37617}">
+<ds:datastoreItem xmlns:ds="http://schemas.openxmlformats.org/officeDocument/2006/customXml" ds:itemID="{E1B558C7-619B-49BE-9097-7FCBDADD4ECE}">
   <ds:schemaRefs>
-    <ds:schemaRef ds:uri="http://purl.org/dc/terms/"/>
-    <ds:schemaRef ds:uri="http://purl.org/dc/dcmitype/"/>
-    <ds:schemaRef ds:uri="4873beb7-5857-4685-be1f-d57550cc96cc"/>
-    <ds:schemaRef ds:uri="http://purl.org/dc/elements/1.1/"/>
-    <ds:schemaRef ds:uri="http://schemas.microsoft.com/office/2006/metadata/properties"/>
-    <ds:schemaRef ds:uri="http://schemas.microsoft.com/office/2006/documentManagement/types"/>
-    <ds:schemaRef ds:uri="http://schemas.microsoft.com/office/infopath/2007/PartnerControls"/>
-    <ds:schemaRef ds:uri="http://schemas.openxmlformats.org/package/2006/metadata/core-properties"/>
-    <ds:schemaRef ds:uri="http://www.w3.org/XML/1998/namespace"/>
+    <ds:schemaRef ds:uri="http://schemas.microsoft.com/sharepoint/v3/contenttype/forms"/>
   </ds:schemaRefs>
 </ds:datastoreItem>
 </file>
--- a/钉钉机器人.pptx
+++ b/钉钉机器人.pptx
@@ -5,10 +5,10 @@
     <p:sldMasterId id="2147483660" r:id="rId4"/>
   </p:sldMasterIdLst>
   <p:notesMasterIdLst>
-    <p:notesMasterId r:id="rId23"/>
+    <p:notesMasterId r:id="rId25"/>
   </p:notesMasterIdLst>
   <p:handoutMasterIdLst>
-    <p:handoutMasterId r:id="rId24"/>
+    <p:handoutMasterId r:id="rId26"/>
   </p:handoutMasterIdLst>
   <p:sldIdLst>
     <p:sldId id="264" r:id="rId5"/>
@@ -26,9 +26,11 @@
     <p:sldId id="292" r:id="rId17"/>
     <p:sldId id="297" r:id="rId18"/>
     <p:sldId id="298" r:id="rId19"/>
-    <p:sldId id="293" r:id="rId20"/>
-    <p:sldId id="296" r:id="rId21"/>
-    <p:sldId id="266" r:id="rId22"/>
+    <p:sldId id="300" r:id="rId20"/>
+    <p:sldId id="299" r:id="rId21"/>
+    <p:sldId id="293" r:id="rId22"/>
+    <p:sldId id="296" r:id="rId23"/>
+    <p:sldId id="266" r:id="rId24"/>
   </p:sldIdLst>
   <p:sldSz cx="12188825" cy="6858000"/>
   <p:notesSz cx="6858000" cy="9144000"/>
@@ -257,7 +259,7 @@
                 <a:ea typeface="微软雅黑" panose="020B0503020204020204" pitchFamily="34" charset="-122"/>
               </a:rPr>
               <a:pPr algn="r" rtl="0"/>
-              <a:t>2018/5/5</a:t>
+              <a:t>2018/5/6</a:t>
             </a:fld>
             <a:endParaRPr lang="zh-CN" altLang="en-US" dirty="0">
               <a:solidFill>
@@ -462,7 +464,7 @@
             <a:fld id="{06B449BB-9F99-43EE-A1AA-ED1E313F74C2}" type="datetime1">
               <a:rPr lang="zh-CN" altLang="en-US" smtClean="0"/>
               <a:pPr/>
-              <a:t>2018/5/5</a:t>
+              <a:t>2018/5/6</a:t>
             </a:fld>
             <a:endParaRPr lang="zh-CN" altLang="en-US" dirty="0"/>
           </a:p>
@@ -1075,7 +1077,7 @@
             <a:fld id="{55677D0B-F53C-4787-A85A-18D33BC3BEA1}" type="datetime1">
               <a:rPr lang="zh-CN" altLang="en-US" smtClean="0"/>
               <a:pPr/>
-              <a:t>2018/5/5</a:t>
+              <a:t>2018/5/6</a:t>
             </a:fld>
             <a:endParaRPr lang="zh-CN" altLang="en-US" dirty="0"/>
           </a:p>
@@ -1275,7 +1277,7 @@
             <a:fld id="{54B89B6B-C640-4814-94E3-C138F9C73EE7}" type="datetime1">
               <a:rPr lang="zh-CN" altLang="en-US" smtClean="0"/>
               <a:pPr/>
-              <a:t>2018/5/5</a:t>
+              <a:t>2018/5/6</a:t>
             </a:fld>
             <a:endParaRPr lang="zh-CN" altLang="en-US" dirty="0"/>
           </a:p>
@@ -1481,7 +1483,7 @@
             <a:fld id="{3D2BB3D5-B3F4-4256-B6ED-4B874E5DE258}" type="datetime1">
               <a:rPr lang="zh-CN" altLang="en-US" smtClean="0"/>
               <a:pPr/>
-              <a:t>2018/5/5</a:t>
+              <a:t>2018/5/6</a:t>
             </a:fld>
             <a:endParaRPr lang="zh-CN" altLang="en-US" dirty="0"/>
           </a:p>
@@ -2006,7 +2008,7 @@
             <a:fld id="{109DE028-75A5-419A-B395-C2EDFBD58642}" type="datetime1">
               <a:rPr lang="zh-CN" altLang="en-US" smtClean="0"/>
               <a:pPr/>
-              <a:t>2018/5/5</a:t>
+              <a:t>2018/5/6</a:t>
             </a:fld>
             <a:endParaRPr lang="zh-CN" altLang="en-US" dirty="0"/>
           </a:p>
@@ -2462,7 +2464,7 @@
             <a:fld id="{6DB54F77-3742-4919-9EAD-96757A014E94}" type="datetime1">
               <a:rPr lang="zh-CN" altLang="en-US" smtClean="0"/>
               <a:pPr/>
-              <a:t>2018/5/5</a:t>
+              <a:t>2018/5/6</a:t>
             </a:fld>
             <a:endParaRPr lang="zh-CN" altLang="en-US" dirty="0"/>
           </a:p>
@@ -2600,7 +2602,7 @@
             <a:fld id="{9C6EB163-526A-4855-8844-4C6501B96975}" type="datetime1">
               <a:rPr lang="zh-CN" altLang="en-US" smtClean="0"/>
               <a:pPr/>
-              <a:t>2018/5/5</a:t>
+              <a:t>2018/5/6</a:t>
             </a:fld>
             <a:endParaRPr lang="zh-CN" altLang="en-US" dirty="0"/>
           </a:p>
@@ -2714,7 +2716,7 @@
             <a:fld id="{4E9B638C-251D-44EC-B8B2-08EC45208A21}" type="datetime1">
               <a:rPr lang="zh-CN" altLang="en-US" smtClean="0"/>
               <a:pPr/>
-              <a:t>2018/5/5</a:t>
+              <a:t>2018/5/6</a:t>
             </a:fld>
             <a:endParaRPr lang="zh-CN" altLang="en-US" dirty="0"/>
           </a:p>
@@ -3106,7 +3108,7 @@
             <a:fld id="{0D005F57-EA56-4A95-B718-20B6AA09091F}" type="datetime1">
               <a:rPr lang="zh-CN" altLang="en-US" smtClean="0"/>
               <a:pPr/>
-              <a:t>2018/5/5</a:t>
+              <a:t>2018/5/6</a:t>
             </a:fld>
             <a:endParaRPr lang="zh-CN" altLang="en-US" dirty="0"/>
           </a:p>
@@ -3480,7 +3482,7 @@
             <a:fld id="{06F99FFF-1AD8-41BA-A4C2-05782CB95A16}" type="datetime1">
               <a:rPr lang="zh-CN" altLang="en-US" smtClean="0"/>
               <a:pPr/>
-              <a:t>2018/5/5</a:t>
+              <a:t>2018/5/6</a:t>
             </a:fld>
             <a:endParaRPr lang="zh-CN" altLang="en-US" dirty="0"/>
           </a:p>
@@ -3794,7 +3796,7 @@
             <a:fld id="{474EC2AD-E193-40F2-8E09-6DD726A8C215}" type="datetime1">
               <a:rPr lang="zh-CN" altLang="en-US" smtClean="0"/>
               <a:pPr/>
-              <a:t>2018/5/5</a:t>
+              <a:t>2018/5/6</a:t>
             </a:fld>
             <a:endParaRPr lang="zh-CN" altLang="en-US" dirty="0"/>
           </a:p>
@@ -4287,17 +4289,16 @@
           <a:p>
             <a:pPr rtl="0"/>
             <a:r>
-              <a:rPr lang="zh-CN" altLang="en-US" dirty="0"/>
-              <a:t>开发</a:t>
-            </a:r>
-            <a:r>
               <a:rPr lang="zh-CN" altLang="en-US" dirty="0">
                 <a:latin typeface="微软雅黑" panose="020B0503020204020204" pitchFamily="34" charset="-122"/>
                 <a:ea typeface="微软雅黑" panose="020B0503020204020204" pitchFamily="34" charset="-122"/>
               </a:rPr>
-              <a:t>钉钉消息通知</a:t>
-            </a:r>
-            <a:endParaRPr lang="en-US" altLang="zh-CN" dirty="0"/>
+              <a:t>如何利用钉钉发送消息</a:t>
+            </a:r>
+            <a:endParaRPr lang="en-US" altLang="zh-CN" dirty="0">
+              <a:latin typeface="微软雅黑" panose="020B0503020204020204" pitchFamily="34" charset="-122"/>
+              <a:ea typeface="微软雅黑" panose="020B0503020204020204" pitchFamily="34" charset="-122"/>
+            </a:endParaRPr>
           </a:p>
           <a:p>
             <a:pPr rtl="0"/>
@@ -4306,7 +4307,7 @@
                 <a:latin typeface="微软雅黑" panose="020B0503020204020204" pitchFamily="34" charset="-122"/>
                 <a:ea typeface="微软雅黑" panose="020B0503020204020204" pitchFamily="34" charset="-122"/>
               </a:rPr>
-              <a:t>                        王书敏</a:t>
+              <a:t>                       王书敏</a:t>
             </a:r>
           </a:p>
         </p:txBody>
@@ -8446,14 +8447,24 @@
           <a:p>
             <a:pPr algn="ctr"/>
             <a:r>
-              <a:rPr lang="en-US" altLang="zh-CN" sz="1100" dirty="0">
+              <a:rPr lang="zh-CN" altLang="en-US" sz="1100" dirty="0">
                 <a:solidFill>
                   <a:schemeClr val="tx2"/>
                 </a:solidFill>
                 <a:latin typeface="微软雅黑" panose="020B0503020204020204" pitchFamily="34" charset="-122"/>
                 <a:ea typeface="微软雅黑" panose="020B0503020204020204" pitchFamily="34" charset="-122"/>
               </a:rPr>
-              <a:t>group_message/single_notify.py</a:t>
+              <a:t>创建微应用：</a:t>
+            </a:r>
+            <a:r>
+              <a:rPr lang="en-US" altLang="zh-CN" sz="1100" dirty="0">
+                <a:solidFill>
+                  <a:schemeClr val="tx2"/>
+                </a:solidFill>
+                <a:latin typeface="微软雅黑" panose="020B0503020204020204" pitchFamily="34" charset="-122"/>
+                <a:ea typeface="微软雅黑" panose="020B0503020204020204" pitchFamily="34" charset="-122"/>
+              </a:rPr>
+              <a:t>group_message/microapp.py</a:t>
             </a:r>
             <a:endParaRPr lang="zh-CN" altLang="en-US" sz="1100" dirty="0">
               <a:solidFill>
@@ -8626,13 +8637,132 @@
                 <a:latin typeface="微软雅黑" panose="020B0503020204020204" pitchFamily="34" charset="-122"/>
                 <a:ea typeface="微软雅黑" panose="020B0503020204020204" pitchFamily="34" charset="-122"/>
               </a:rPr>
-              <a:t>，相同的消息内容，可能每天只能给同一个人发一次</a:t>
+              <a:t>，相同的消息</a:t>
+            </a:r>
+            <a:r>
+              <a:rPr lang="zh-CN" altLang="en-US" sz="1600">
+                <a:solidFill>
+                  <a:srgbClr val="5C5C5C"/>
+                </a:solidFill>
+                <a:latin typeface="微软雅黑" panose="020B0503020204020204" pitchFamily="34" charset="-122"/>
+                <a:ea typeface="微软雅黑" panose="020B0503020204020204" pitchFamily="34" charset="-122"/>
+              </a:rPr>
+              <a:t>内容，每天</a:t>
+            </a:r>
+            <a:r>
+              <a:rPr lang="zh-CN" altLang="en-US" sz="1600" dirty="0">
+                <a:solidFill>
+                  <a:srgbClr val="5C5C5C"/>
+                </a:solidFill>
+                <a:latin typeface="微软雅黑" panose="020B0503020204020204" pitchFamily="34" charset="-122"/>
+                <a:ea typeface="微软雅黑" panose="020B0503020204020204" pitchFamily="34" charset="-122"/>
+              </a:rPr>
+              <a:t>只能给同一个人发一次</a:t>
             </a:r>
             <a:endParaRPr lang="en-US" altLang="zh-CN" sz="1600" b="0" i="0" dirty="0">
               <a:solidFill>
                 <a:srgbClr val="5C5C5C"/>
               </a:solidFill>
               <a:effectLst/>
+              <a:latin typeface="微软雅黑" panose="020B0503020204020204" pitchFamily="34" charset="-122"/>
+              <a:ea typeface="微软雅黑" panose="020B0503020204020204" pitchFamily="34" charset="-122"/>
+            </a:endParaRPr>
+          </a:p>
+        </p:txBody>
+      </p:sp>
+      <p:sp>
+        <p:nvSpPr>
+          <p:cNvPr id="18" name="矩形 17">
+            <a:hlinkClick r:id="rId4" action="ppaction://hlinkfile"/>
+            <a:extLst>
+              <a:ext uri="{FF2B5EF4-FFF2-40B4-BE49-F238E27FC236}">
+                <a16:creationId xmlns:a16="http://schemas.microsoft.com/office/drawing/2014/main" id="{41E91454-D492-4AD1-8B60-46763B475444}"/>
+              </a:ext>
+            </a:extLst>
+          </p:cNvPr>
+          <p:cNvSpPr/>
+          <p:nvPr/>
+        </p:nvSpPr>
+        <p:spPr>
+          <a:xfrm>
+            <a:off x="6166420" y="3212976"/>
+            <a:ext cx="4896544" cy="493508"/>
+          </a:xfrm>
+          <a:prstGeom prst="rect">
+            <a:avLst/>
+          </a:prstGeom>
+          <a:solidFill>
+            <a:schemeClr val="bg2">
+              <a:lumMod val="90000"/>
+            </a:schemeClr>
+          </a:solidFill>
+          <a:ln>
+            <a:noFill/>
+          </a:ln>
+          <a:effectLst>
+            <a:outerShdw blurRad="44450" dist="27940" dir="5400000" algn="ctr">
+              <a:srgbClr val="000000">
+                <a:alpha val="32000"/>
+              </a:srgbClr>
+            </a:outerShdw>
+          </a:effectLst>
+          <a:scene3d>
+            <a:camera prst="orthographicFront">
+              <a:rot lat="0" lon="0" rev="0"/>
+            </a:camera>
+            <a:lightRig rig="balanced" dir="t">
+              <a:rot lat="0" lon="0" rev="8700000"/>
+            </a:lightRig>
+          </a:scene3d>
+          <a:sp3d>
+            <a:bevelT w="190500" h="38100"/>
+          </a:sp3d>
+        </p:spPr>
+        <p:style>
+          <a:lnRef idx="2">
+            <a:schemeClr val="accent1">
+              <a:shade val="50000"/>
+            </a:schemeClr>
+          </a:lnRef>
+          <a:fillRef idx="1">
+            <a:schemeClr val="accent1"/>
+          </a:fillRef>
+          <a:effectRef idx="0">
+            <a:schemeClr val="accent1"/>
+          </a:effectRef>
+          <a:fontRef idx="minor">
+            <a:schemeClr val="lt1"/>
+          </a:fontRef>
+        </p:style>
+        <p:txBody>
+          <a:bodyPr rtlCol="0" anchor="ctr"/>
+          <a:lstStyle/>
+          <a:p>
+            <a:pPr algn="ctr"/>
+            <a:r>
+              <a:rPr lang="zh-CN" altLang="en-US" sz="1100" dirty="0">
+                <a:solidFill>
+                  <a:schemeClr val="tx2"/>
+                </a:solidFill>
+                <a:latin typeface="微软雅黑" panose="020B0503020204020204" pitchFamily="34" charset="-122"/>
+                <a:ea typeface="微软雅黑" panose="020B0503020204020204" pitchFamily="34" charset="-122"/>
+              </a:rPr>
+              <a:t>发送企业消息到个人：</a:t>
+            </a:r>
+            <a:r>
+              <a:rPr lang="en-US" altLang="zh-CN" sz="1100" dirty="0">
+                <a:solidFill>
+                  <a:schemeClr val="tx2"/>
+                </a:solidFill>
+                <a:latin typeface="微软雅黑" panose="020B0503020204020204" pitchFamily="34" charset="-122"/>
+                <a:ea typeface="微软雅黑" panose="020B0503020204020204" pitchFamily="34" charset="-122"/>
+              </a:rPr>
+              <a:t>group_message/single_notify.py</a:t>
+            </a:r>
+            <a:endParaRPr lang="zh-CN" altLang="en-US" sz="1100" dirty="0">
+              <a:solidFill>
+                <a:schemeClr val="tx2"/>
+              </a:solidFill>
               <a:latin typeface="微软雅黑" panose="020B0503020204020204" pitchFamily="34" charset="-122"/>
               <a:ea typeface="微软雅黑" panose="020B0503020204020204" pitchFamily="34" charset="-122"/>
             </a:endParaRPr>
@@ -11614,6 +11744,4246 @@
           <a:p>
             <a:r>
               <a:rPr lang="zh-CN" altLang="en-US" sz="2800" dirty="0"/>
+              <a:t>六、组织</a:t>
+            </a:r>
+            <a:r>
+              <a:rPr lang="en-US" altLang="zh-CN" sz="2800" dirty="0"/>
+              <a:t>python</a:t>
+            </a:r>
+            <a:r>
+              <a:rPr lang="zh-CN" altLang="en-US" sz="2800" dirty="0"/>
+              <a:t>代码</a:t>
+            </a:r>
+            <a:endParaRPr lang="en-US" altLang="zh-CN" sz="2800" dirty="0"/>
+          </a:p>
+        </p:txBody>
+      </p:sp>
+      <p:sp>
+        <p:nvSpPr>
+          <p:cNvPr id="35" name="标题 1">
+            <a:extLst>
+              <a:ext uri="{FF2B5EF4-FFF2-40B4-BE49-F238E27FC236}">
+                <a16:creationId xmlns:a16="http://schemas.microsoft.com/office/drawing/2014/main" id="{DBA25653-C419-4947-9450-ACD83BDD189F}"/>
+              </a:ext>
+            </a:extLst>
+          </p:cNvPr>
+          <p:cNvSpPr txBox="1">
+            <a:spLocks/>
+          </p:cNvSpPr>
+          <p:nvPr/>
+        </p:nvSpPr>
+        <p:spPr>
+          <a:xfrm>
+            <a:off x="1053852" y="775118"/>
+            <a:ext cx="10786723" cy="493642"/>
+          </a:xfrm>
+          <a:prstGeom prst="rect">
+            <a:avLst/>
+          </a:prstGeom>
+        </p:spPr>
+        <p:txBody>
+          <a:bodyPr vert="horz" lIns="121899" tIns="60949" rIns="121899" bIns="60949" rtlCol="0" anchor="b">
+            <a:normAutofit/>
+          </a:bodyPr>
+          <a:lstStyle>
+            <a:lvl1pPr algn="l" defTabSz="1218987" rtl="0" eaLnBrk="1" latinLnBrk="0" hangingPunct="1">
+              <a:lnSpc>
+                <a:spcPct val="85000"/>
+              </a:lnSpc>
+              <a:spcBef>
+                <a:spcPct val="0"/>
+              </a:spcBef>
+              <a:buNone/>
+              <a:tabLst/>
+              <a:defRPr sz="4400" kern="1200" cap="none" baseline="0">
+                <a:solidFill>
+                  <a:schemeClr val="tx1"/>
+                </a:solidFill>
+                <a:latin typeface="微软雅黑" panose="020B0503020204020204" pitchFamily="34" charset="-122"/>
+                <a:ea typeface="微软雅黑" panose="020B0503020204020204" pitchFamily="34" charset="-122"/>
+                <a:cs typeface="+mj-cs"/>
+              </a:defRPr>
+            </a:lvl1pPr>
+          </a:lstStyle>
+          <a:p>
+            <a:r>
+              <a:rPr lang="en-US" altLang="zh-CN" sz="2000" dirty="0"/>
+              <a:t>2</a:t>
+            </a:r>
+            <a:r>
+              <a:rPr lang="zh-CN" altLang="en-US" sz="2000" dirty="0"/>
+              <a:t>、数据与人员信息对应</a:t>
+            </a:r>
+            <a:endParaRPr lang="en-US" altLang="zh-CN" sz="2000" dirty="0"/>
+          </a:p>
+        </p:txBody>
+      </p:sp>
+      <p:sp>
+        <p:nvSpPr>
+          <p:cNvPr id="6" name="Rectangle 3">
+            <a:extLst>
+              <a:ext uri="{FF2B5EF4-FFF2-40B4-BE49-F238E27FC236}">
+                <a16:creationId xmlns:a16="http://schemas.microsoft.com/office/drawing/2014/main" id="{7731F65D-C0B8-48DF-9187-60759963E6A2}"/>
+              </a:ext>
+            </a:extLst>
+          </p:cNvPr>
+          <p:cNvSpPr>
+            <a:spLocks noChangeArrowheads="1"/>
+          </p:cNvSpPr>
+          <p:nvPr/>
+        </p:nvSpPr>
+        <p:spPr bwMode="auto">
+          <a:xfrm>
+            <a:off x="593039" y="1412776"/>
+            <a:ext cx="11002747" cy="5577117"/>
+          </a:xfrm>
+          <a:prstGeom prst="rect">
+            <a:avLst/>
+          </a:prstGeom>
+          <a:solidFill>
+            <a:schemeClr val="tx2">
+              <a:lumMod val="85000"/>
+              <a:lumOff val="15000"/>
+            </a:schemeClr>
+          </a:solidFill>
+          <a:ln>
+            <a:noFill/>
+          </a:ln>
+          <a:effectLst/>
+        </p:spPr>
+        <p:txBody>
+          <a:bodyPr vert="horz" wrap="square" lIns="91440" tIns="0" rIns="91440" bIns="158700" numCol="1" anchor="ctr" anchorCtr="0" compatLnSpc="1">
+            <a:prstTxWarp prst="textNoShape">
+              <a:avLst/>
+            </a:prstTxWarp>
+            <a:spAutoFit/>
+          </a:bodyPr>
+          <a:lstStyle/>
+          <a:p>
+            <a:pPr lvl="0" defTabSz="914400" eaLnBrk="0" fontAlgn="base" hangingPunct="0">
+              <a:spcBef>
+                <a:spcPct val="0"/>
+              </a:spcBef>
+              <a:spcAft>
+                <a:spcPct val="0"/>
+              </a:spcAft>
+            </a:pPr>
+            <a:r>
+              <a:rPr lang="zh-CN" altLang="zh-CN" sz="1100" dirty="0">
+                <a:solidFill>
+                  <a:srgbClr val="C678DD"/>
+                </a:solidFill>
+                <a:latin typeface="Arial Unicode MS" panose="020B0604020202020204" pitchFamily="34" charset="-122"/>
+              </a:rPr>
+              <a:t>import</a:t>
+            </a:r>
+            <a:r>
+              <a:rPr lang="zh-CN" altLang="zh-CN" sz="1100" dirty="0">
+                <a:solidFill>
+                  <a:srgbClr val="ABB2BF"/>
+                </a:solidFill>
+                <a:latin typeface="Arial Unicode MS" panose="020B0604020202020204" pitchFamily="34" charset="-122"/>
+              </a:rPr>
+              <a:t> pandas </a:t>
+            </a:r>
+            <a:r>
+              <a:rPr lang="zh-CN" altLang="zh-CN" sz="1100" dirty="0">
+                <a:solidFill>
+                  <a:srgbClr val="C678DD"/>
+                </a:solidFill>
+                <a:latin typeface="Arial Unicode MS" panose="020B0604020202020204" pitchFamily="34" charset="-122"/>
+              </a:rPr>
+              <a:t>as</a:t>
+            </a:r>
+            <a:r>
+              <a:rPr lang="zh-CN" altLang="zh-CN" sz="1100" dirty="0">
+                <a:solidFill>
+                  <a:srgbClr val="ABB2BF"/>
+                </a:solidFill>
+                <a:latin typeface="Arial Unicode MS" panose="020B0604020202020204" pitchFamily="34" charset="-122"/>
+              </a:rPr>
+              <a:t> pd</a:t>
+            </a:r>
+          </a:p>
+          <a:p>
+            <a:pPr lvl="0" defTabSz="914400" eaLnBrk="0" fontAlgn="base" hangingPunct="0">
+              <a:spcBef>
+                <a:spcPct val="0"/>
+              </a:spcBef>
+              <a:spcAft>
+                <a:spcPct val="0"/>
+              </a:spcAft>
+            </a:pPr>
+            <a:r>
+              <a:rPr lang="zh-CN" altLang="zh-CN" sz="1100" dirty="0">
+                <a:solidFill>
+                  <a:srgbClr val="ABB2BF"/>
+                </a:solidFill>
+                <a:latin typeface="Arial Unicode MS" panose="020B0604020202020204" pitchFamily="34" charset="-122"/>
+              </a:rPr>
+              <a:t> columns_p=[</a:t>
+            </a:r>
+            <a:r>
+              <a:rPr lang="zh-CN" altLang="zh-CN" sz="1100" dirty="0">
+                <a:solidFill>
+                  <a:srgbClr val="98C379"/>
+                </a:solidFill>
+                <a:latin typeface="Arial Unicode MS" panose="020B0604020202020204" pitchFamily="34" charset="-122"/>
+              </a:rPr>
+              <a:t>u'城市'</a:t>
+            </a:r>
+            <a:r>
+              <a:rPr lang="zh-CN" altLang="zh-CN" sz="1100" dirty="0">
+                <a:solidFill>
+                  <a:srgbClr val="ABB2BF"/>
+                </a:solidFill>
+                <a:latin typeface="Arial Unicode MS" panose="020B0604020202020204" pitchFamily="34" charset="-122"/>
+              </a:rPr>
+              <a:t>, </a:t>
+            </a:r>
+            <a:r>
+              <a:rPr lang="zh-CN" altLang="zh-CN" sz="1100" dirty="0">
+                <a:solidFill>
+                  <a:srgbClr val="98C379"/>
+                </a:solidFill>
+                <a:latin typeface="Arial Unicode MS" panose="020B0604020202020204" pitchFamily="34" charset="-122"/>
+              </a:rPr>
+              <a:t>'AM'</a:t>
+            </a:r>
+            <a:r>
+              <a:rPr lang="zh-CN" altLang="zh-CN" sz="1100" dirty="0">
+                <a:solidFill>
+                  <a:srgbClr val="ABB2BF"/>
+                </a:solidFill>
+                <a:latin typeface="Arial Unicode MS" panose="020B0604020202020204" pitchFamily="34" charset="-122"/>
+              </a:rPr>
+              <a:t>, </a:t>
+            </a:r>
+            <a:r>
+              <a:rPr lang="zh-CN" altLang="zh-CN" sz="1100" dirty="0">
+                <a:solidFill>
+                  <a:srgbClr val="98C379"/>
+                </a:solidFill>
+                <a:latin typeface="Arial Unicode MS" panose="020B0604020202020204" pitchFamily="34" charset="-122"/>
+              </a:rPr>
+              <a:t>u'电话'</a:t>
+            </a:r>
+            <a:r>
+              <a:rPr lang="zh-CN" altLang="zh-CN" sz="1100" dirty="0">
+                <a:solidFill>
+                  <a:srgbClr val="ABB2BF"/>
+                </a:solidFill>
+                <a:latin typeface="Arial Unicode MS" panose="020B0604020202020204" pitchFamily="34" charset="-122"/>
+              </a:rPr>
+              <a:t>]</a:t>
+            </a:r>
+          </a:p>
+          <a:p>
+            <a:pPr lvl="0" defTabSz="914400" eaLnBrk="0" fontAlgn="base" hangingPunct="0">
+              <a:spcBef>
+                <a:spcPct val="0"/>
+              </a:spcBef>
+              <a:spcAft>
+                <a:spcPct val="0"/>
+              </a:spcAft>
+            </a:pPr>
+            <a:r>
+              <a:rPr lang="zh-CN" altLang="zh-CN" sz="1100" dirty="0">
+                <a:solidFill>
+                  <a:srgbClr val="ABB2BF"/>
+                </a:solidFill>
+                <a:latin typeface="Arial Unicode MS" panose="020B0604020202020204" pitchFamily="34" charset="-122"/>
+              </a:rPr>
+              <a:t>data_p = [ </a:t>
+            </a:r>
+          </a:p>
+          <a:p>
+            <a:pPr lvl="0" defTabSz="914400" eaLnBrk="0" fontAlgn="base" hangingPunct="0">
+              <a:spcBef>
+                <a:spcPct val="0"/>
+              </a:spcBef>
+              <a:spcAft>
+                <a:spcPct val="0"/>
+              </a:spcAft>
+            </a:pPr>
+            <a:r>
+              <a:rPr lang="zh-CN" altLang="zh-CN" sz="1100" dirty="0">
+                <a:solidFill>
+                  <a:srgbClr val="ABB2BF"/>
+                </a:solidFill>
+                <a:latin typeface="Arial Unicode MS" panose="020B0604020202020204" pitchFamily="34" charset="-122"/>
+              </a:rPr>
+              <a:t>    [</a:t>
+            </a:r>
+            <a:r>
+              <a:rPr lang="zh-CN" altLang="zh-CN" sz="1100" dirty="0">
+                <a:solidFill>
+                  <a:srgbClr val="98C379"/>
+                </a:solidFill>
+                <a:latin typeface="Arial Unicode MS" panose="020B0604020202020204" pitchFamily="34" charset="-122"/>
+              </a:rPr>
+              <a:t>u'杭州市'</a:t>
+            </a:r>
+            <a:r>
+              <a:rPr lang="zh-CN" altLang="zh-CN" sz="1100" dirty="0">
+                <a:solidFill>
+                  <a:srgbClr val="ABB2BF"/>
+                </a:solidFill>
+                <a:latin typeface="Arial Unicode MS" panose="020B0604020202020204" pitchFamily="34" charset="-122"/>
+              </a:rPr>
+              <a:t>, </a:t>
+            </a:r>
+            <a:r>
+              <a:rPr lang="zh-CN" altLang="zh-CN" sz="1100" dirty="0">
+                <a:solidFill>
+                  <a:srgbClr val="98C379"/>
+                </a:solidFill>
+                <a:latin typeface="Arial Unicode MS" panose="020B0604020202020204" pitchFamily="34" charset="-122"/>
+              </a:rPr>
+              <a:t>u'员工a'</a:t>
+            </a:r>
+            <a:r>
+              <a:rPr lang="zh-CN" altLang="zh-CN" sz="1100" dirty="0">
+                <a:solidFill>
+                  <a:srgbClr val="ABB2BF"/>
+                </a:solidFill>
+                <a:latin typeface="Arial Unicode MS" panose="020B0604020202020204" pitchFamily="34" charset="-122"/>
+              </a:rPr>
+              <a:t>, </a:t>
+            </a:r>
+            <a:r>
+              <a:rPr lang="zh-CN" altLang="zh-CN" sz="1100" dirty="0">
+                <a:solidFill>
+                  <a:srgbClr val="98C379"/>
+                </a:solidFill>
+                <a:latin typeface="Arial Unicode MS" panose="020B0604020202020204" pitchFamily="34" charset="-122"/>
+              </a:rPr>
+              <a:t>'123'</a:t>
+            </a:r>
+            <a:r>
+              <a:rPr lang="zh-CN" altLang="zh-CN" sz="1100" dirty="0">
+                <a:solidFill>
+                  <a:srgbClr val="ABB2BF"/>
+                </a:solidFill>
+                <a:latin typeface="Arial Unicode MS" panose="020B0604020202020204" pitchFamily="34" charset="-122"/>
+              </a:rPr>
+              <a:t>], </a:t>
+            </a:r>
+          </a:p>
+          <a:p>
+            <a:pPr lvl="0" defTabSz="914400" eaLnBrk="0" fontAlgn="base" hangingPunct="0">
+              <a:spcBef>
+                <a:spcPct val="0"/>
+              </a:spcBef>
+              <a:spcAft>
+                <a:spcPct val="0"/>
+              </a:spcAft>
+            </a:pPr>
+            <a:r>
+              <a:rPr lang="zh-CN" altLang="zh-CN" sz="1100" dirty="0">
+                <a:solidFill>
+                  <a:srgbClr val="ABB2BF"/>
+                </a:solidFill>
+                <a:latin typeface="Arial Unicode MS" panose="020B0604020202020204" pitchFamily="34" charset="-122"/>
+              </a:rPr>
+              <a:t>    [</a:t>
+            </a:r>
+            <a:r>
+              <a:rPr lang="zh-CN" altLang="zh-CN" sz="1100" dirty="0">
+                <a:solidFill>
+                  <a:srgbClr val="98C379"/>
+                </a:solidFill>
+                <a:latin typeface="Arial Unicode MS" panose="020B0604020202020204" pitchFamily="34" charset="-122"/>
+              </a:rPr>
+              <a:t>u'苏州市'</a:t>
+            </a:r>
+            <a:r>
+              <a:rPr lang="zh-CN" altLang="zh-CN" sz="1100" dirty="0">
+                <a:solidFill>
+                  <a:srgbClr val="ABB2BF"/>
+                </a:solidFill>
+                <a:latin typeface="Arial Unicode MS" panose="020B0604020202020204" pitchFamily="34" charset="-122"/>
+              </a:rPr>
+              <a:t>, </a:t>
+            </a:r>
+            <a:r>
+              <a:rPr lang="zh-CN" altLang="zh-CN" sz="1100" dirty="0">
+                <a:solidFill>
+                  <a:srgbClr val="98C379"/>
+                </a:solidFill>
+                <a:latin typeface="Arial Unicode MS" panose="020B0604020202020204" pitchFamily="34" charset="-122"/>
+              </a:rPr>
+              <a:t>u'员工b'</a:t>
+            </a:r>
+            <a:r>
+              <a:rPr lang="zh-CN" altLang="zh-CN" sz="1100" dirty="0">
+                <a:solidFill>
+                  <a:srgbClr val="ABB2BF"/>
+                </a:solidFill>
+                <a:latin typeface="Arial Unicode MS" panose="020B0604020202020204" pitchFamily="34" charset="-122"/>
+              </a:rPr>
+              <a:t>, </a:t>
+            </a:r>
+            <a:r>
+              <a:rPr lang="zh-CN" altLang="zh-CN" sz="1100" dirty="0">
+                <a:solidFill>
+                  <a:srgbClr val="98C379"/>
+                </a:solidFill>
+                <a:latin typeface="Arial Unicode MS" panose="020B0604020202020204" pitchFamily="34" charset="-122"/>
+              </a:rPr>
+              <a:t>'456'</a:t>
+            </a:r>
+            <a:r>
+              <a:rPr lang="zh-CN" altLang="zh-CN" sz="1100" dirty="0">
+                <a:solidFill>
+                  <a:srgbClr val="ABB2BF"/>
+                </a:solidFill>
+                <a:latin typeface="Arial Unicode MS" panose="020B0604020202020204" pitchFamily="34" charset="-122"/>
+              </a:rPr>
+              <a:t>], </a:t>
+            </a:r>
+          </a:p>
+          <a:p>
+            <a:pPr lvl="0" defTabSz="914400" eaLnBrk="0" fontAlgn="base" hangingPunct="0">
+              <a:spcBef>
+                <a:spcPct val="0"/>
+              </a:spcBef>
+              <a:spcAft>
+                <a:spcPct val="0"/>
+              </a:spcAft>
+            </a:pPr>
+            <a:r>
+              <a:rPr lang="zh-CN" altLang="zh-CN" sz="1100" dirty="0">
+                <a:solidFill>
+                  <a:srgbClr val="ABB2BF"/>
+                </a:solidFill>
+                <a:latin typeface="Arial Unicode MS" panose="020B0604020202020204" pitchFamily="34" charset="-122"/>
+              </a:rPr>
+              <a:t>    [</a:t>
+            </a:r>
+            <a:r>
+              <a:rPr lang="zh-CN" altLang="zh-CN" sz="1100" dirty="0">
+                <a:solidFill>
+                  <a:srgbClr val="98C379"/>
+                </a:solidFill>
+                <a:latin typeface="Arial Unicode MS" panose="020B0604020202020204" pitchFamily="34" charset="-122"/>
+              </a:rPr>
+              <a:t>u'武汉市'</a:t>
+            </a:r>
+            <a:r>
+              <a:rPr lang="zh-CN" altLang="zh-CN" sz="1100" dirty="0">
+                <a:solidFill>
+                  <a:srgbClr val="ABB2BF"/>
+                </a:solidFill>
+                <a:latin typeface="Arial Unicode MS" panose="020B0604020202020204" pitchFamily="34" charset="-122"/>
+              </a:rPr>
+              <a:t>, </a:t>
+            </a:r>
+            <a:r>
+              <a:rPr lang="zh-CN" altLang="zh-CN" sz="1100" dirty="0">
+                <a:solidFill>
+                  <a:srgbClr val="98C379"/>
+                </a:solidFill>
+                <a:latin typeface="Arial Unicode MS" panose="020B0604020202020204" pitchFamily="34" charset="-122"/>
+              </a:rPr>
+              <a:t>u'员工c'</a:t>
+            </a:r>
+            <a:r>
+              <a:rPr lang="zh-CN" altLang="zh-CN" sz="1100" dirty="0">
+                <a:solidFill>
+                  <a:srgbClr val="ABB2BF"/>
+                </a:solidFill>
+                <a:latin typeface="Arial Unicode MS" panose="020B0604020202020204" pitchFamily="34" charset="-122"/>
+              </a:rPr>
+              <a:t>, </a:t>
+            </a:r>
+            <a:r>
+              <a:rPr lang="zh-CN" altLang="zh-CN" sz="1100" dirty="0">
+                <a:solidFill>
+                  <a:srgbClr val="98C379"/>
+                </a:solidFill>
+                <a:latin typeface="Arial Unicode MS" panose="020B0604020202020204" pitchFamily="34" charset="-122"/>
+              </a:rPr>
+              <a:t>'789'</a:t>
+            </a:r>
+            <a:r>
+              <a:rPr lang="zh-CN" altLang="zh-CN" sz="1100" dirty="0">
+                <a:solidFill>
+                  <a:srgbClr val="ABB2BF"/>
+                </a:solidFill>
+                <a:latin typeface="Arial Unicode MS" panose="020B0604020202020204" pitchFamily="34" charset="-122"/>
+              </a:rPr>
+              <a:t>], </a:t>
+            </a:r>
+          </a:p>
+          <a:p>
+            <a:pPr lvl="0" defTabSz="914400" eaLnBrk="0" fontAlgn="base" hangingPunct="0">
+              <a:spcBef>
+                <a:spcPct val="0"/>
+              </a:spcBef>
+              <a:spcAft>
+                <a:spcPct val="0"/>
+              </a:spcAft>
+            </a:pPr>
+            <a:r>
+              <a:rPr lang="zh-CN" altLang="zh-CN" sz="1100" dirty="0">
+                <a:solidFill>
+                  <a:srgbClr val="ABB2BF"/>
+                </a:solidFill>
+                <a:latin typeface="Arial Unicode MS" panose="020B0604020202020204" pitchFamily="34" charset="-122"/>
+              </a:rPr>
+              <a:t>    [</a:t>
+            </a:r>
+            <a:r>
+              <a:rPr lang="zh-CN" altLang="zh-CN" sz="1100" dirty="0">
+                <a:solidFill>
+                  <a:srgbClr val="98C379"/>
+                </a:solidFill>
+                <a:latin typeface="Arial Unicode MS" panose="020B0604020202020204" pitchFamily="34" charset="-122"/>
+              </a:rPr>
+              <a:t>u'杭州市'</a:t>
+            </a:r>
+            <a:r>
+              <a:rPr lang="zh-CN" altLang="zh-CN" sz="1100" dirty="0">
+                <a:solidFill>
+                  <a:srgbClr val="ABB2BF"/>
+                </a:solidFill>
+                <a:latin typeface="Arial Unicode MS" panose="020B0604020202020204" pitchFamily="34" charset="-122"/>
+              </a:rPr>
+              <a:t>, </a:t>
+            </a:r>
+            <a:r>
+              <a:rPr lang="zh-CN" altLang="zh-CN" sz="1100" dirty="0">
+                <a:solidFill>
+                  <a:srgbClr val="98C379"/>
+                </a:solidFill>
+                <a:latin typeface="Arial Unicode MS" panose="020B0604020202020204" pitchFamily="34" charset="-122"/>
+              </a:rPr>
+              <a:t>u'员工d'</a:t>
+            </a:r>
+            <a:r>
+              <a:rPr lang="zh-CN" altLang="zh-CN" sz="1100" dirty="0">
+                <a:solidFill>
+                  <a:srgbClr val="ABB2BF"/>
+                </a:solidFill>
+                <a:latin typeface="Arial Unicode MS" panose="020B0604020202020204" pitchFamily="34" charset="-122"/>
+              </a:rPr>
+              <a:t>, </a:t>
+            </a:r>
+            <a:r>
+              <a:rPr lang="zh-CN" altLang="zh-CN" sz="1100" dirty="0">
+                <a:solidFill>
+                  <a:srgbClr val="98C379"/>
+                </a:solidFill>
+                <a:latin typeface="Arial Unicode MS" panose="020B0604020202020204" pitchFamily="34" charset="-122"/>
+              </a:rPr>
+              <a:t>'321'</a:t>
+            </a:r>
+            <a:r>
+              <a:rPr lang="zh-CN" altLang="zh-CN" sz="1100" dirty="0">
+                <a:solidFill>
+                  <a:srgbClr val="ABB2BF"/>
+                </a:solidFill>
+                <a:latin typeface="Arial Unicode MS" panose="020B0604020202020204" pitchFamily="34" charset="-122"/>
+              </a:rPr>
+              <a:t>], </a:t>
+            </a:r>
+          </a:p>
+          <a:p>
+            <a:pPr lvl="0" defTabSz="914400" eaLnBrk="0" fontAlgn="base" hangingPunct="0">
+              <a:spcBef>
+                <a:spcPct val="0"/>
+              </a:spcBef>
+              <a:spcAft>
+                <a:spcPct val="0"/>
+              </a:spcAft>
+            </a:pPr>
+            <a:r>
+              <a:rPr lang="zh-CN" altLang="zh-CN" sz="1100" dirty="0">
+                <a:solidFill>
+                  <a:srgbClr val="ABB2BF"/>
+                </a:solidFill>
+                <a:latin typeface="Arial Unicode MS" panose="020B0604020202020204" pitchFamily="34" charset="-122"/>
+              </a:rPr>
+              <a:t>]</a:t>
+            </a:r>
+          </a:p>
+          <a:p>
+            <a:pPr defTabSz="914400" eaLnBrk="0" fontAlgn="base" hangingPunct="0">
+              <a:spcBef>
+                <a:spcPct val="0"/>
+              </a:spcBef>
+              <a:spcAft>
+                <a:spcPct val="0"/>
+              </a:spcAft>
+            </a:pPr>
+            <a:r>
+              <a:rPr lang="zh-CN" altLang="zh-CN" sz="1100" dirty="0">
+                <a:solidFill>
+                  <a:srgbClr val="ABB2BF"/>
+                </a:solidFill>
+                <a:latin typeface="Arial Unicode MS" panose="020B0604020202020204" pitchFamily="34" charset="-122"/>
+              </a:rPr>
+              <a:t>input_data_person = </a:t>
+            </a:r>
+            <a:r>
+              <a:rPr lang="zh-CN" altLang="zh-CN" sz="1100" dirty="0">
+                <a:solidFill>
+                  <a:srgbClr val="E06C75"/>
+                </a:solidFill>
+                <a:latin typeface="Arial Unicode MS" panose="020B0604020202020204" pitchFamily="34" charset="-122"/>
+              </a:rPr>
+              <a:t>pd</a:t>
+            </a:r>
+            <a:r>
+              <a:rPr lang="zh-CN" altLang="zh-CN" sz="1100" dirty="0">
+                <a:solidFill>
+                  <a:srgbClr val="ABB2BF"/>
+                </a:solidFill>
+                <a:latin typeface="Arial Unicode MS" panose="020B0604020202020204" pitchFamily="34" charset="-122"/>
+              </a:rPr>
+              <a:t>.</a:t>
+            </a:r>
+            <a:r>
+              <a:rPr lang="zh-CN" altLang="zh-CN" sz="1100" dirty="0">
+                <a:solidFill>
+                  <a:srgbClr val="61AFEF"/>
+                </a:solidFill>
+                <a:latin typeface="Arial Unicode MS" panose="020B0604020202020204" pitchFamily="34" charset="-122"/>
+              </a:rPr>
+              <a:t>DataFrame</a:t>
+            </a:r>
+            <a:r>
+              <a:rPr lang="zh-CN" altLang="zh-CN" sz="1100" dirty="0">
+                <a:solidFill>
+                  <a:srgbClr val="ABB2BF"/>
+                </a:solidFill>
+                <a:latin typeface="Arial Unicode MS" panose="020B0604020202020204" pitchFamily="34" charset="-122"/>
+              </a:rPr>
+              <a:t>(</a:t>
+            </a:r>
+            <a:r>
+              <a:rPr lang="zh-CN" altLang="zh-CN" sz="1100" dirty="0">
+                <a:solidFill>
+                  <a:srgbClr val="D19A66"/>
+                </a:solidFill>
+                <a:latin typeface="Arial Unicode MS" panose="020B0604020202020204" pitchFamily="34" charset="-122"/>
+              </a:rPr>
+              <a:t>columns</a:t>
+            </a:r>
+            <a:r>
+              <a:rPr lang="zh-CN" altLang="zh-CN" sz="1100" dirty="0">
+                <a:solidFill>
+                  <a:srgbClr val="ABB2BF"/>
+                </a:solidFill>
+                <a:latin typeface="Arial Unicode MS" panose="020B0604020202020204" pitchFamily="34" charset="-122"/>
+              </a:rPr>
+              <a:t>=columns_p,</a:t>
+            </a:r>
+            <a:r>
+              <a:rPr lang="zh-CN" altLang="zh-CN" sz="1100" dirty="0">
+                <a:solidFill>
+                  <a:srgbClr val="D19A66"/>
+                </a:solidFill>
+                <a:latin typeface="Arial Unicode MS" panose="020B0604020202020204" pitchFamily="34" charset="-122"/>
+              </a:rPr>
+              <a:t>data</a:t>
+            </a:r>
+            <a:r>
+              <a:rPr lang="zh-CN" altLang="zh-CN" sz="1100" dirty="0">
+                <a:solidFill>
+                  <a:srgbClr val="ABB2BF"/>
+                </a:solidFill>
+                <a:latin typeface="Arial Unicode MS" panose="020B0604020202020204" pitchFamily="34" charset="-122"/>
+              </a:rPr>
+              <a:t> = data_p)</a:t>
+            </a:r>
+            <a:r>
+              <a:rPr lang="en-US" altLang="zh-CN" sz="1100" dirty="0">
+                <a:solidFill>
+                  <a:srgbClr val="ABB2BF"/>
+                </a:solidFill>
+                <a:latin typeface="Arial Unicode MS" panose="020B0604020202020204" pitchFamily="34" charset="-122"/>
+              </a:rPr>
+              <a:t> </a:t>
+            </a:r>
+            <a:r>
+              <a:rPr lang="zh-CN" altLang="zh-CN" sz="1100" i="1" dirty="0">
+                <a:solidFill>
+                  <a:srgbClr val="5C6370"/>
+                </a:solidFill>
+                <a:latin typeface="Arial Unicode MS" panose="020B0604020202020204" pitchFamily="34" charset="-122"/>
+              </a:rPr>
+              <a:t># 需要通知的人员 </a:t>
+            </a:r>
+            <a:endParaRPr lang="zh-CN" altLang="zh-CN" sz="1100" dirty="0">
+              <a:solidFill>
+                <a:srgbClr val="ABB2BF"/>
+              </a:solidFill>
+              <a:latin typeface="Arial Unicode MS" panose="020B0604020202020204" pitchFamily="34" charset="-122"/>
+            </a:endParaRPr>
+          </a:p>
+          <a:p>
+            <a:pPr lvl="0" defTabSz="914400" eaLnBrk="0" fontAlgn="base" hangingPunct="0">
+              <a:spcBef>
+                <a:spcPct val="0"/>
+              </a:spcBef>
+              <a:spcAft>
+                <a:spcPct val="0"/>
+              </a:spcAft>
+            </a:pPr>
+            <a:r>
+              <a:rPr lang="zh-CN" altLang="zh-CN" sz="1100" dirty="0">
+                <a:solidFill>
+                  <a:srgbClr val="ABB2BF"/>
+                </a:solidFill>
+                <a:latin typeface="Arial Unicode MS" panose="020B0604020202020204" pitchFamily="34" charset="-122"/>
+              </a:rPr>
+              <a:t>columns_m=[</a:t>
+            </a:r>
+            <a:r>
+              <a:rPr lang="zh-CN" altLang="zh-CN" sz="1100" dirty="0">
+                <a:solidFill>
+                  <a:srgbClr val="98C379"/>
+                </a:solidFill>
+                <a:latin typeface="Arial Unicode MS" panose="020B0604020202020204" pitchFamily="34" charset="-122"/>
+              </a:rPr>
+              <a:t>u'城市'</a:t>
+            </a:r>
+            <a:r>
+              <a:rPr lang="zh-CN" altLang="zh-CN" sz="1100" dirty="0">
+                <a:solidFill>
+                  <a:srgbClr val="ABB2BF"/>
+                </a:solidFill>
+                <a:latin typeface="Arial Unicode MS" panose="020B0604020202020204" pitchFamily="34" charset="-122"/>
+              </a:rPr>
+              <a:t>, </a:t>
+            </a:r>
+            <a:r>
+              <a:rPr lang="zh-CN" altLang="zh-CN" sz="1100" dirty="0">
+                <a:solidFill>
+                  <a:srgbClr val="98C379"/>
+                </a:solidFill>
+                <a:latin typeface="Arial Unicode MS" panose="020B0604020202020204" pitchFamily="34" charset="-122"/>
+              </a:rPr>
+              <a:t>u'指标1'</a:t>
+            </a:r>
+            <a:r>
+              <a:rPr lang="zh-CN" altLang="zh-CN" sz="1100" dirty="0">
+                <a:solidFill>
+                  <a:srgbClr val="ABB2BF"/>
+                </a:solidFill>
+                <a:latin typeface="Arial Unicode MS" panose="020B0604020202020204" pitchFamily="34" charset="-122"/>
+              </a:rPr>
+              <a:t>, </a:t>
+            </a:r>
+            <a:r>
+              <a:rPr lang="zh-CN" altLang="zh-CN" sz="1100" dirty="0">
+                <a:solidFill>
+                  <a:srgbClr val="98C379"/>
+                </a:solidFill>
+                <a:latin typeface="Arial Unicode MS" panose="020B0604020202020204" pitchFamily="34" charset="-122"/>
+              </a:rPr>
+              <a:t>u'指标2'</a:t>
+            </a:r>
+            <a:r>
+              <a:rPr lang="zh-CN" altLang="zh-CN" sz="1100" dirty="0">
+                <a:solidFill>
+                  <a:srgbClr val="ABB2BF"/>
+                </a:solidFill>
+                <a:latin typeface="Arial Unicode MS" panose="020B0604020202020204" pitchFamily="34" charset="-122"/>
+              </a:rPr>
+              <a:t>]</a:t>
+            </a:r>
+          </a:p>
+          <a:p>
+            <a:pPr lvl="0" defTabSz="914400" eaLnBrk="0" fontAlgn="base" hangingPunct="0">
+              <a:spcBef>
+                <a:spcPct val="0"/>
+              </a:spcBef>
+              <a:spcAft>
+                <a:spcPct val="0"/>
+              </a:spcAft>
+            </a:pPr>
+            <a:r>
+              <a:rPr lang="zh-CN" altLang="zh-CN" sz="1100" dirty="0">
+                <a:solidFill>
+                  <a:srgbClr val="ABB2BF"/>
+                </a:solidFill>
+                <a:latin typeface="Arial Unicode MS" panose="020B0604020202020204" pitchFamily="34" charset="-122"/>
+              </a:rPr>
+              <a:t>data_m = [ </a:t>
+            </a:r>
+          </a:p>
+          <a:p>
+            <a:pPr lvl="0" defTabSz="914400" eaLnBrk="0" fontAlgn="base" hangingPunct="0">
+              <a:spcBef>
+                <a:spcPct val="0"/>
+              </a:spcBef>
+              <a:spcAft>
+                <a:spcPct val="0"/>
+              </a:spcAft>
+            </a:pPr>
+            <a:r>
+              <a:rPr lang="zh-CN" altLang="zh-CN" sz="1100" dirty="0">
+                <a:solidFill>
+                  <a:srgbClr val="ABB2BF"/>
+                </a:solidFill>
+                <a:latin typeface="Arial Unicode MS" panose="020B0604020202020204" pitchFamily="34" charset="-122"/>
+              </a:rPr>
+              <a:t>    [</a:t>
+            </a:r>
+            <a:r>
+              <a:rPr lang="zh-CN" altLang="zh-CN" sz="1100" dirty="0">
+                <a:solidFill>
+                  <a:srgbClr val="98C379"/>
+                </a:solidFill>
+                <a:latin typeface="Arial Unicode MS" panose="020B0604020202020204" pitchFamily="34" charset="-122"/>
+              </a:rPr>
+              <a:t>u'杭州市'</a:t>
+            </a:r>
+            <a:r>
+              <a:rPr lang="zh-CN" altLang="zh-CN" sz="1100" dirty="0">
+                <a:solidFill>
+                  <a:srgbClr val="ABB2BF"/>
+                </a:solidFill>
+                <a:latin typeface="Arial Unicode MS" panose="020B0604020202020204" pitchFamily="34" charset="-122"/>
+              </a:rPr>
+              <a:t>, </a:t>
+            </a:r>
+            <a:r>
+              <a:rPr lang="zh-CN" altLang="zh-CN" sz="1100" dirty="0">
+                <a:solidFill>
+                  <a:srgbClr val="98C379"/>
+                </a:solidFill>
+                <a:latin typeface="Arial Unicode MS" panose="020B0604020202020204" pitchFamily="34" charset="-122"/>
+              </a:rPr>
+              <a:t>u'指标1a'</a:t>
+            </a:r>
+            <a:r>
+              <a:rPr lang="zh-CN" altLang="zh-CN" sz="1100" dirty="0">
+                <a:solidFill>
+                  <a:srgbClr val="ABB2BF"/>
+                </a:solidFill>
+                <a:latin typeface="Arial Unicode MS" panose="020B0604020202020204" pitchFamily="34" charset="-122"/>
+              </a:rPr>
+              <a:t>, </a:t>
+            </a:r>
+            <a:r>
+              <a:rPr lang="zh-CN" altLang="zh-CN" sz="1100" dirty="0">
+                <a:solidFill>
+                  <a:srgbClr val="98C379"/>
+                </a:solidFill>
+                <a:latin typeface="Arial Unicode MS" panose="020B0604020202020204" pitchFamily="34" charset="-122"/>
+              </a:rPr>
+              <a:t>'指标2e'</a:t>
+            </a:r>
+            <a:r>
+              <a:rPr lang="zh-CN" altLang="zh-CN" sz="1100" dirty="0">
+                <a:solidFill>
+                  <a:srgbClr val="ABB2BF"/>
+                </a:solidFill>
+                <a:latin typeface="Arial Unicode MS" panose="020B0604020202020204" pitchFamily="34" charset="-122"/>
+              </a:rPr>
+              <a:t>], </a:t>
+            </a:r>
+          </a:p>
+          <a:p>
+            <a:pPr lvl="0" defTabSz="914400" eaLnBrk="0" fontAlgn="base" hangingPunct="0">
+              <a:spcBef>
+                <a:spcPct val="0"/>
+              </a:spcBef>
+              <a:spcAft>
+                <a:spcPct val="0"/>
+              </a:spcAft>
+            </a:pPr>
+            <a:r>
+              <a:rPr lang="zh-CN" altLang="zh-CN" sz="1100" dirty="0">
+                <a:solidFill>
+                  <a:srgbClr val="ABB2BF"/>
+                </a:solidFill>
+                <a:latin typeface="Arial Unicode MS" panose="020B0604020202020204" pitchFamily="34" charset="-122"/>
+              </a:rPr>
+              <a:t>    [</a:t>
+            </a:r>
+            <a:r>
+              <a:rPr lang="zh-CN" altLang="zh-CN" sz="1100" dirty="0">
+                <a:solidFill>
+                  <a:srgbClr val="98C379"/>
+                </a:solidFill>
+                <a:latin typeface="Arial Unicode MS" panose="020B0604020202020204" pitchFamily="34" charset="-122"/>
+              </a:rPr>
+              <a:t>u'苏州市'</a:t>
+            </a:r>
+            <a:r>
+              <a:rPr lang="zh-CN" altLang="zh-CN" sz="1100" dirty="0">
+                <a:solidFill>
+                  <a:srgbClr val="ABB2BF"/>
+                </a:solidFill>
+                <a:latin typeface="Arial Unicode MS" panose="020B0604020202020204" pitchFamily="34" charset="-122"/>
+              </a:rPr>
+              <a:t>, </a:t>
+            </a:r>
+            <a:r>
+              <a:rPr lang="zh-CN" altLang="zh-CN" sz="1100" dirty="0">
+                <a:solidFill>
+                  <a:srgbClr val="98C379"/>
+                </a:solidFill>
+                <a:latin typeface="Arial Unicode MS" panose="020B0604020202020204" pitchFamily="34" charset="-122"/>
+              </a:rPr>
+              <a:t>u'指标1b'</a:t>
+            </a:r>
+            <a:r>
+              <a:rPr lang="zh-CN" altLang="zh-CN" sz="1100" dirty="0">
+                <a:solidFill>
+                  <a:srgbClr val="ABB2BF"/>
+                </a:solidFill>
+                <a:latin typeface="Arial Unicode MS" panose="020B0604020202020204" pitchFamily="34" charset="-122"/>
+              </a:rPr>
+              <a:t>, </a:t>
+            </a:r>
+            <a:r>
+              <a:rPr lang="zh-CN" altLang="zh-CN" sz="1100" dirty="0">
+                <a:solidFill>
+                  <a:srgbClr val="98C379"/>
+                </a:solidFill>
+                <a:latin typeface="Arial Unicode MS" panose="020B0604020202020204" pitchFamily="34" charset="-122"/>
+              </a:rPr>
+              <a:t>'指标2f'</a:t>
+            </a:r>
+            <a:r>
+              <a:rPr lang="zh-CN" altLang="zh-CN" sz="1100" dirty="0">
+                <a:solidFill>
+                  <a:srgbClr val="ABB2BF"/>
+                </a:solidFill>
+                <a:latin typeface="Arial Unicode MS" panose="020B0604020202020204" pitchFamily="34" charset="-122"/>
+              </a:rPr>
+              <a:t>], </a:t>
+            </a:r>
+          </a:p>
+          <a:p>
+            <a:pPr lvl="0" defTabSz="914400" eaLnBrk="0" fontAlgn="base" hangingPunct="0">
+              <a:spcBef>
+                <a:spcPct val="0"/>
+              </a:spcBef>
+              <a:spcAft>
+                <a:spcPct val="0"/>
+              </a:spcAft>
+            </a:pPr>
+            <a:r>
+              <a:rPr lang="zh-CN" altLang="zh-CN" sz="1100" dirty="0">
+                <a:solidFill>
+                  <a:srgbClr val="ABB2BF"/>
+                </a:solidFill>
+                <a:latin typeface="Arial Unicode MS" panose="020B0604020202020204" pitchFamily="34" charset="-122"/>
+              </a:rPr>
+              <a:t>    [</a:t>
+            </a:r>
+            <a:r>
+              <a:rPr lang="zh-CN" altLang="zh-CN" sz="1100" dirty="0">
+                <a:solidFill>
+                  <a:srgbClr val="98C379"/>
+                </a:solidFill>
+                <a:latin typeface="Arial Unicode MS" panose="020B0604020202020204" pitchFamily="34" charset="-122"/>
+              </a:rPr>
+              <a:t>u'武汉市'</a:t>
+            </a:r>
+            <a:r>
+              <a:rPr lang="zh-CN" altLang="zh-CN" sz="1100" dirty="0">
+                <a:solidFill>
+                  <a:srgbClr val="ABB2BF"/>
+                </a:solidFill>
+                <a:latin typeface="Arial Unicode MS" panose="020B0604020202020204" pitchFamily="34" charset="-122"/>
+              </a:rPr>
+              <a:t>, </a:t>
+            </a:r>
+            <a:r>
+              <a:rPr lang="zh-CN" altLang="zh-CN" sz="1100" dirty="0">
+                <a:solidFill>
+                  <a:srgbClr val="98C379"/>
+                </a:solidFill>
+                <a:latin typeface="Arial Unicode MS" panose="020B0604020202020204" pitchFamily="34" charset="-122"/>
+              </a:rPr>
+              <a:t>u'指标1c'</a:t>
+            </a:r>
+            <a:r>
+              <a:rPr lang="zh-CN" altLang="zh-CN" sz="1100" dirty="0">
+                <a:solidFill>
+                  <a:srgbClr val="ABB2BF"/>
+                </a:solidFill>
+                <a:latin typeface="Arial Unicode MS" panose="020B0604020202020204" pitchFamily="34" charset="-122"/>
+              </a:rPr>
+              <a:t>, </a:t>
+            </a:r>
+            <a:r>
+              <a:rPr lang="zh-CN" altLang="zh-CN" sz="1100" dirty="0">
+                <a:solidFill>
+                  <a:srgbClr val="98C379"/>
+                </a:solidFill>
+                <a:latin typeface="Arial Unicode MS" panose="020B0604020202020204" pitchFamily="34" charset="-122"/>
+              </a:rPr>
+              <a:t>'指标2g'</a:t>
+            </a:r>
+            <a:r>
+              <a:rPr lang="zh-CN" altLang="zh-CN" sz="1100" dirty="0">
+                <a:solidFill>
+                  <a:srgbClr val="ABB2BF"/>
+                </a:solidFill>
+                <a:latin typeface="Arial Unicode MS" panose="020B0604020202020204" pitchFamily="34" charset="-122"/>
+              </a:rPr>
+              <a:t>]</a:t>
+            </a:r>
+          </a:p>
+          <a:p>
+            <a:pPr lvl="0" defTabSz="914400" eaLnBrk="0" fontAlgn="base" hangingPunct="0">
+              <a:spcBef>
+                <a:spcPct val="0"/>
+              </a:spcBef>
+              <a:spcAft>
+                <a:spcPct val="0"/>
+              </a:spcAft>
+            </a:pPr>
+            <a:r>
+              <a:rPr lang="zh-CN" altLang="zh-CN" sz="1100" dirty="0">
+                <a:solidFill>
+                  <a:srgbClr val="ABB2BF"/>
+                </a:solidFill>
+                <a:latin typeface="Arial Unicode MS" panose="020B0604020202020204" pitchFamily="34" charset="-122"/>
+              </a:rPr>
+              <a:t>]</a:t>
+            </a:r>
+          </a:p>
+          <a:p>
+            <a:pPr defTabSz="914400" eaLnBrk="0" fontAlgn="base" hangingPunct="0">
+              <a:spcBef>
+                <a:spcPct val="0"/>
+              </a:spcBef>
+              <a:spcAft>
+                <a:spcPct val="0"/>
+              </a:spcAft>
+            </a:pPr>
+            <a:r>
+              <a:rPr lang="zh-CN" altLang="zh-CN" sz="1100" dirty="0">
+                <a:solidFill>
+                  <a:srgbClr val="ABB2BF"/>
+                </a:solidFill>
+                <a:latin typeface="Arial Unicode MS" panose="020B0604020202020204" pitchFamily="34" charset="-122"/>
+              </a:rPr>
+              <a:t>input_data_msg = </a:t>
+            </a:r>
+            <a:r>
+              <a:rPr lang="zh-CN" altLang="zh-CN" sz="1100" dirty="0">
+                <a:solidFill>
+                  <a:srgbClr val="E06C75"/>
+                </a:solidFill>
+                <a:latin typeface="Arial Unicode MS" panose="020B0604020202020204" pitchFamily="34" charset="-122"/>
+              </a:rPr>
+              <a:t>pd</a:t>
+            </a:r>
+            <a:r>
+              <a:rPr lang="zh-CN" altLang="zh-CN" sz="1100" dirty="0">
+                <a:solidFill>
+                  <a:srgbClr val="ABB2BF"/>
+                </a:solidFill>
+                <a:latin typeface="Arial Unicode MS" panose="020B0604020202020204" pitchFamily="34" charset="-122"/>
+              </a:rPr>
+              <a:t>.</a:t>
+            </a:r>
+            <a:r>
+              <a:rPr lang="zh-CN" altLang="zh-CN" sz="1100" dirty="0">
+                <a:solidFill>
+                  <a:srgbClr val="61AFEF"/>
+                </a:solidFill>
+                <a:latin typeface="Arial Unicode MS" panose="020B0604020202020204" pitchFamily="34" charset="-122"/>
+              </a:rPr>
+              <a:t>DataFrame</a:t>
+            </a:r>
+            <a:r>
+              <a:rPr lang="zh-CN" altLang="zh-CN" sz="1100" dirty="0">
+                <a:solidFill>
+                  <a:srgbClr val="ABB2BF"/>
+                </a:solidFill>
+                <a:latin typeface="Arial Unicode MS" panose="020B0604020202020204" pitchFamily="34" charset="-122"/>
+              </a:rPr>
+              <a:t>(</a:t>
+            </a:r>
+            <a:r>
+              <a:rPr lang="zh-CN" altLang="zh-CN" sz="1100" dirty="0">
+                <a:solidFill>
+                  <a:srgbClr val="D19A66"/>
+                </a:solidFill>
+                <a:latin typeface="Arial Unicode MS" panose="020B0604020202020204" pitchFamily="34" charset="-122"/>
+              </a:rPr>
+              <a:t>columns</a:t>
+            </a:r>
+            <a:r>
+              <a:rPr lang="zh-CN" altLang="zh-CN" sz="1100" dirty="0">
+                <a:solidFill>
+                  <a:srgbClr val="ABB2BF"/>
+                </a:solidFill>
+                <a:latin typeface="Arial Unicode MS" panose="020B0604020202020204" pitchFamily="34" charset="-122"/>
+              </a:rPr>
+              <a:t>=columns_m,</a:t>
+            </a:r>
+            <a:r>
+              <a:rPr lang="zh-CN" altLang="zh-CN" sz="1100" dirty="0">
+                <a:solidFill>
+                  <a:srgbClr val="D19A66"/>
+                </a:solidFill>
+                <a:latin typeface="Arial Unicode MS" panose="020B0604020202020204" pitchFamily="34" charset="-122"/>
+              </a:rPr>
+              <a:t>data</a:t>
+            </a:r>
+            <a:r>
+              <a:rPr lang="zh-CN" altLang="zh-CN" sz="1100" dirty="0">
+                <a:solidFill>
+                  <a:srgbClr val="ABB2BF"/>
+                </a:solidFill>
+                <a:latin typeface="Arial Unicode MS" panose="020B0604020202020204" pitchFamily="34" charset="-122"/>
+              </a:rPr>
+              <a:t> = data_m)</a:t>
+            </a:r>
+            <a:r>
+              <a:rPr lang="en-US" altLang="zh-CN" sz="1100" dirty="0">
+                <a:solidFill>
+                  <a:srgbClr val="ABB2BF"/>
+                </a:solidFill>
+                <a:latin typeface="Arial Unicode MS" panose="020B0604020202020204" pitchFamily="34" charset="-122"/>
+              </a:rPr>
+              <a:t> </a:t>
+            </a:r>
+            <a:r>
+              <a:rPr lang="zh-CN" altLang="zh-CN" sz="1100" i="1" dirty="0">
+                <a:solidFill>
+                  <a:srgbClr val="5C6370"/>
+                </a:solidFill>
+                <a:latin typeface="Arial Unicode MS" panose="020B0604020202020204" pitchFamily="34" charset="-122"/>
+              </a:rPr>
+              <a:t># 需要通知的信息 </a:t>
+            </a:r>
+            <a:endParaRPr lang="zh-CN" altLang="zh-CN" sz="1100" dirty="0">
+              <a:solidFill>
+                <a:srgbClr val="ABB2BF"/>
+              </a:solidFill>
+              <a:latin typeface="Arial Unicode MS" panose="020B0604020202020204" pitchFamily="34" charset="-122"/>
+            </a:endParaRPr>
+          </a:p>
+          <a:p>
+            <a:pPr lvl="0" defTabSz="914400" eaLnBrk="0" fontAlgn="base" hangingPunct="0">
+              <a:spcBef>
+                <a:spcPct val="0"/>
+              </a:spcBef>
+              <a:spcAft>
+                <a:spcPct val="0"/>
+              </a:spcAft>
+            </a:pPr>
+            <a:r>
+              <a:rPr lang="zh-CN" altLang="zh-CN" sz="1100" dirty="0">
+                <a:solidFill>
+                  <a:srgbClr val="ABB2BF"/>
+                </a:solidFill>
+                <a:latin typeface="Arial Unicode MS" panose="020B0604020202020204" pitchFamily="34" charset="-122"/>
+              </a:rPr>
+              <a:t>columns_u=[</a:t>
+            </a:r>
+            <a:r>
+              <a:rPr lang="zh-CN" altLang="zh-CN" sz="1100" dirty="0">
+                <a:solidFill>
+                  <a:srgbClr val="98C379"/>
+                </a:solidFill>
+                <a:latin typeface="Arial Unicode MS" panose="020B0604020202020204" pitchFamily="34" charset="-122"/>
+              </a:rPr>
+              <a:t>u'城市'</a:t>
+            </a:r>
+            <a:r>
+              <a:rPr lang="zh-CN" altLang="zh-CN" sz="1100" dirty="0">
+                <a:solidFill>
+                  <a:srgbClr val="ABB2BF"/>
+                </a:solidFill>
+                <a:latin typeface="Arial Unicode MS" panose="020B0604020202020204" pitchFamily="34" charset="-122"/>
+              </a:rPr>
+              <a:t>, </a:t>
+            </a:r>
+            <a:r>
+              <a:rPr lang="zh-CN" altLang="zh-CN" sz="1100" dirty="0">
+                <a:solidFill>
+                  <a:srgbClr val="98C379"/>
+                </a:solidFill>
+                <a:latin typeface="Arial Unicode MS" panose="020B0604020202020204" pitchFamily="34" charset="-122"/>
+              </a:rPr>
+              <a:t>u'群url'</a:t>
+            </a:r>
+            <a:r>
+              <a:rPr lang="zh-CN" altLang="zh-CN" sz="1100" dirty="0">
+                <a:solidFill>
+                  <a:srgbClr val="ABB2BF"/>
+                </a:solidFill>
+                <a:latin typeface="Arial Unicode MS" panose="020B0604020202020204" pitchFamily="34" charset="-122"/>
+              </a:rPr>
+              <a:t>]</a:t>
+            </a:r>
+          </a:p>
+          <a:p>
+            <a:pPr lvl="0" defTabSz="914400" eaLnBrk="0" fontAlgn="base" hangingPunct="0">
+              <a:spcBef>
+                <a:spcPct val="0"/>
+              </a:spcBef>
+              <a:spcAft>
+                <a:spcPct val="0"/>
+              </a:spcAft>
+            </a:pPr>
+            <a:r>
+              <a:rPr lang="zh-CN" altLang="zh-CN" sz="1100" dirty="0">
+                <a:solidFill>
+                  <a:srgbClr val="ABB2BF"/>
+                </a:solidFill>
+                <a:latin typeface="Arial Unicode MS" panose="020B0604020202020204" pitchFamily="34" charset="-122"/>
+              </a:rPr>
+              <a:t>data_u = [ </a:t>
+            </a:r>
+          </a:p>
+          <a:p>
+            <a:pPr lvl="0" defTabSz="914400" eaLnBrk="0" fontAlgn="base" hangingPunct="0">
+              <a:spcBef>
+                <a:spcPct val="0"/>
+              </a:spcBef>
+              <a:spcAft>
+                <a:spcPct val="0"/>
+              </a:spcAft>
+            </a:pPr>
+            <a:r>
+              <a:rPr lang="zh-CN" altLang="zh-CN" sz="1100" dirty="0">
+                <a:solidFill>
+                  <a:srgbClr val="ABB2BF"/>
+                </a:solidFill>
+                <a:latin typeface="Arial Unicode MS" panose="020B0604020202020204" pitchFamily="34" charset="-122"/>
+              </a:rPr>
+              <a:t>    [</a:t>
+            </a:r>
+            <a:r>
+              <a:rPr lang="zh-CN" altLang="zh-CN" sz="1100" dirty="0">
+                <a:solidFill>
+                  <a:srgbClr val="98C379"/>
+                </a:solidFill>
+                <a:latin typeface="Arial Unicode MS" panose="020B0604020202020204" pitchFamily="34" charset="-122"/>
+              </a:rPr>
+              <a:t>u'杭州市'</a:t>
+            </a:r>
+            <a:r>
+              <a:rPr lang="zh-CN" altLang="zh-CN" sz="1100" dirty="0">
+                <a:solidFill>
+                  <a:srgbClr val="ABB2BF"/>
+                </a:solidFill>
+                <a:latin typeface="Arial Unicode MS" panose="020B0604020202020204" pitchFamily="34" charset="-122"/>
+              </a:rPr>
+              <a:t>, </a:t>
+            </a:r>
+            <a:r>
+              <a:rPr lang="zh-CN" altLang="zh-CN" sz="1100" dirty="0">
+                <a:solidFill>
+                  <a:srgbClr val="98C379"/>
+                </a:solidFill>
+                <a:latin typeface="Arial Unicode MS" panose="020B0604020202020204" pitchFamily="34" charset="-122"/>
+              </a:rPr>
+              <a:t>u'aaaa'</a:t>
+            </a:r>
+            <a:r>
+              <a:rPr lang="zh-CN" altLang="zh-CN" sz="1100" dirty="0">
+                <a:solidFill>
+                  <a:srgbClr val="ABB2BF"/>
+                </a:solidFill>
+                <a:latin typeface="Arial Unicode MS" panose="020B0604020202020204" pitchFamily="34" charset="-122"/>
+              </a:rPr>
+              <a:t>], </a:t>
+            </a:r>
+          </a:p>
+          <a:p>
+            <a:pPr lvl="0" defTabSz="914400" eaLnBrk="0" fontAlgn="base" hangingPunct="0">
+              <a:spcBef>
+                <a:spcPct val="0"/>
+              </a:spcBef>
+              <a:spcAft>
+                <a:spcPct val="0"/>
+              </a:spcAft>
+            </a:pPr>
+            <a:r>
+              <a:rPr lang="zh-CN" altLang="zh-CN" sz="1100" dirty="0">
+                <a:solidFill>
+                  <a:srgbClr val="ABB2BF"/>
+                </a:solidFill>
+                <a:latin typeface="Arial Unicode MS" panose="020B0604020202020204" pitchFamily="34" charset="-122"/>
+              </a:rPr>
+              <a:t>    [</a:t>
+            </a:r>
+            <a:r>
+              <a:rPr lang="zh-CN" altLang="zh-CN" sz="1100" dirty="0">
+                <a:solidFill>
+                  <a:srgbClr val="98C379"/>
+                </a:solidFill>
+                <a:latin typeface="Arial Unicode MS" panose="020B0604020202020204" pitchFamily="34" charset="-122"/>
+              </a:rPr>
+              <a:t>u'苏州市'</a:t>
+            </a:r>
+            <a:r>
+              <a:rPr lang="zh-CN" altLang="zh-CN" sz="1100" dirty="0">
+                <a:solidFill>
+                  <a:srgbClr val="ABB2BF"/>
+                </a:solidFill>
+                <a:latin typeface="Arial Unicode MS" panose="020B0604020202020204" pitchFamily="34" charset="-122"/>
+              </a:rPr>
+              <a:t>, </a:t>
+            </a:r>
+            <a:r>
+              <a:rPr lang="zh-CN" altLang="zh-CN" sz="1100" dirty="0">
+                <a:solidFill>
+                  <a:srgbClr val="98C379"/>
+                </a:solidFill>
+                <a:latin typeface="Arial Unicode MS" panose="020B0604020202020204" pitchFamily="34" charset="-122"/>
+              </a:rPr>
+              <a:t>u'bbbb'</a:t>
+            </a:r>
+            <a:r>
+              <a:rPr lang="zh-CN" altLang="zh-CN" sz="1100" dirty="0">
+                <a:solidFill>
+                  <a:srgbClr val="ABB2BF"/>
+                </a:solidFill>
+                <a:latin typeface="Arial Unicode MS" panose="020B0604020202020204" pitchFamily="34" charset="-122"/>
+              </a:rPr>
+              <a:t>], </a:t>
+            </a:r>
+          </a:p>
+          <a:p>
+            <a:pPr lvl="0" defTabSz="914400" eaLnBrk="0" fontAlgn="base" hangingPunct="0">
+              <a:spcBef>
+                <a:spcPct val="0"/>
+              </a:spcBef>
+              <a:spcAft>
+                <a:spcPct val="0"/>
+              </a:spcAft>
+            </a:pPr>
+            <a:r>
+              <a:rPr lang="zh-CN" altLang="zh-CN" sz="1100" dirty="0">
+                <a:solidFill>
+                  <a:srgbClr val="ABB2BF"/>
+                </a:solidFill>
+                <a:latin typeface="Arial Unicode MS" panose="020B0604020202020204" pitchFamily="34" charset="-122"/>
+              </a:rPr>
+              <a:t>    [</a:t>
+            </a:r>
+            <a:r>
+              <a:rPr lang="zh-CN" altLang="zh-CN" sz="1100" dirty="0">
+                <a:solidFill>
+                  <a:srgbClr val="98C379"/>
+                </a:solidFill>
+                <a:latin typeface="Arial Unicode MS" panose="020B0604020202020204" pitchFamily="34" charset="-122"/>
+              </a:rPr>
+              <a:t>u'武汉市'</a:t>
+            </a:r>
+            <a:r>
+              <a:rPr lang="zh-CN" altLang="zh-CN" sz="1100" dirty="0">
+                <a:solidFill>
+                  <a:srgbClr val="ABB2BF"/>
+                </a:solidFill>
+                <a:latin typeface="Arial Unicode MS" panose="020B0604020202020204" pitchFamily="34" charset="-122"/>
+              </a:rPr>
+              <a:t>, </a:t>
+            </a:r>
+            <a:r>
+              <a:rPr lang="zh-CN" altLang="zh-CN" sz="1100" dirty="0">
+                <a:solidFill>
+                  <a:srgbClr val="98C379"/>
+                </a:solidFill>
+                <a:latin typeface="Arial Unicode MS" panose="020B0604020202020204" pitchFamily="34" charset="-122"/>
+              </a:rPr>
+              <a:t>u'cccc'</a:t>
+            </a:r>
+            <a:r>
+              <a:rPr lang="zh-CN" altLang="zh-CN" sz="1100" dirty="0">
+                <a:solidFill>
+                  <a:srgbClr val="ABB2BF"/>
+                </a:solidFill>
+                <a:latin typeface="Arial Unicode MS" panose="020B0604020202020204" pitchFamily="34" charset="-122"/>
+              </a:rPr>
+              <a:t>], </a:t>
+            </a:r>
+          </a:p>
+          <a:p>
+            <a:pPr lvl="0" defTabSz="914400" eaLnBrk="0" fontAlgn="base" hangingPunct="0">
+              <a:spcBef>
+                <a:spcPct val="0"/>
+              </a:spcBef>
+              <a:spcAft>
+                <a:spcPct val="0"/>
+              </a:spcAft>
+            </a:pPr>
+            <a:r>
+              <a:rPr lang="zh-CN" altLang="zh-CN" sz="1100" dirty="0">
+                <a:solidFill>
+                  <a:srgbClr val="ABB2BF"/>
+                </a:solidFill>
+                <a:latin typeface="Arial Unicode MS" panose="020B0604020202020204" pitchFamily="34" charset="-122"/>
+              </a:rPr>
+              <a:t>    [</a:t>
+            </a:r>
+            <a:r>
+              <a:rPr lang="zh-CN" altLang="zh-CN" sz="1100" dirty="0">
+                <a:solidFill>
+                  <a:srgbClr val="98C379"/>
+                </a:solidFill>
+                <a:latin typeface="Arial Unicode MS" panose="020B0604020202020204" pitchFamily="34" charset="-122"/>
+              </a:rPr>
+              <a:t>u'上海市'</a:t>
+            </a:r>
+            <a:r>
+              <a:rPr lang="zh-CN" altLang="zh-CN" sz="1100" dirty="0">
+                <a:solidFill>
+                  <a:srgbClr val="ABB2BF"/>
+                </a:solidFill>
+                <a:latin typeface="Arial Unicode MS" panose="020B0604020202020204" pitchFamily="34" charset="-122"/>
+              </a:rPr>
+              <a:t>, </a:t>
+            </a:r>
+            <a:r>
+              <a:rPr lang="zh-CN" altLang="zh-CN" sz="1100" dirty="0">
+                <a:solidFill>
+                  <a:srgbClr val="98C379"/>
+                </a:solidFill>
+                <a:latin typeface="Arial Unicode MS" panose="020B0604020202020204" pitchFamily="34" charset="-122"/>
+              </a:rPr>
+              <a:t>u'dddd'</a:t>
+            </a:r>
+            <a:r>
+              <a:rPr lang="zh-CN" altLang="zh-CN" sz="1100" dirty="0">
+                <a:solidFill>
+                  <a:srgbClr val="ABB2BF"/>
+                </a:solidFill>
+                <a:latin typeface="Arial Unicode MS" panose="020B0604020202020204" pitchFamily="34" charset="-122"/>
+              </a:rPr>
+              <a:t>], </a:t>
+            </a:r>
+          </a:p>
+          <a:p>
+            <a:pPr lvl="0" defTabSz="914400" eaLnBrk="0" fontAlgn="base" hangingPunct="0">
+              <a:spcBef>
+                <a:spcPct val="0"/>
+              </a:spcBef>
+              <a:spcAft>
+                <a:spcPct val="0"/>
+              </a:spcAft>
+            </a:pPr>
+            <a:r>
+              <a:rPr lang="zh-CN" altLang="zh-CN" sz="1100" dirty="0">
+                <a:solidFill>
+                  <a:srgbClr val="ABB2BF"/>
+                </a:solidFill>
+                <a:latin typeface="Arial Unicode MS" panose="020B0604020202020204" pitchFamily="34" charset="-122"/>
+              </a:rPr>
+              <a:t>]</a:t>
+            </a:r>
+          </a:p>
+          <a:p>
+            <a:pPr defTabSz="914400" eaLnBrk="0" fontAlgn="base" hangingPunct="0">
+              <a:spcBef>
+                <a:spcPct val="0"/>
+              </a:spcBef>
+              <a:spcAft>
+                <a:spcPct val="0"/>
+              </a:spcAft>
+            </a:pPr>
+            <a:r>
+              <a:rPr lang="zh-CN" altLang="zh-CN" sz="1100" dirty="0">
+                <a:solidFill>
+                  <a:srgbClr val="ABB2BF"/>
+                </a:solidFill>
+                <a:latin typeface="Arial Unicode MS" panose="020B0604020202020204" pitchFamily="34" charset="-122"/>
+              </a:rPr>
+              <a:t>input_data_url = </a:t>
+            </a:r>
+            <a:r>
+              <a:rPr lang="zh-CN" altLang="zh-CN" sz="1100" dirty="0">
+                <a:solidFill>
+                  <a:srgbClr val="E06C75"/>
+                </a:solidFill>
+                <a:latin typeface="Arial Unicode MS" panose="020B0604020202020204" pitchFamily="34" charset="-122"/>
+              </a:rPr>
+              <a:t>pd</a:t>
+            </a:r>
+            <a:r>
+              <a:rPr lang="zh-CN" altLang="zh-CN" sz="1100" dirty="0">
+                <a:solidFill>
+                  <a:srgbClr val="ABB2BF"/>
+                </a:solidFill>
+                <a:latin typeface="Arial Unicode MS" panose="020B0604020202020204" pitchFamily="34" charset="-122"/>
+              </a:rPr>
+              <a:t>.</a:t>
+            </a:r>
+            <a:r>
+              <a:rPr lang="zh-CN" altLang="zh-CN" sz="1100" dirty="0">
+                <a:solidFill>
+                  <a:srgbClr val="61AFEF"/>
+                </a:solidFill>
+                <a:latin typeface="Arial Unicode MS" panose="020B0604020202020204" pitchFamily="34" charset="-122"/>
+              </a:rPr>
+              <a:t>DataFrame</a:t>
+            </a:r>
+            <a:r>
+              <a:rPr lang="zh-CN" altLang="zh-CN" sz="1100" dirty="0">
+                <a:solidFill>
+                  <a:srgbClr val="ABB2BF"/>
+                </a:solidFill>
+                <a:latin typeface="Arial Unicode MS" panose="020B0604020202020204" pitchFamily="34" charset="-122"/>
+              </a:rPr>
+              <a:t>(</a:t>
+            </a:r>
+            <a:r>
+              <a:rPr lang="zh-CN" altLang="zh-CN" sz="1100" dirty="0">
+                <a:solidFill>
+                  <a:srgbClr val="D19A66"/>
+                </a:solidFill>
+                <a:latin typeface="Arial Unicode MS" panose="020B0604020202020204" pitchFamily="34" charset="-122"/>
+              </a:rPr>
+              <a:t>columns</a:t>
+            </a:r>
+            <a:r>
+              <a:rPr lang="zh-CN" altLang="zh-CN" sz="1100" dirty="0">
+                <a:solidFill>
+                  <a:srgbClr val="ABB2BF"/>
+                </a:solidFill>
+                <a:latin typeface="Arial Unicode MS" panose="020B0604020202020204" pitchFamily="34" charset="-122"/>
+              </a:rPr>
+              <a:t>=columns_u,</a:t>
+            </a:r>
+            <a:r>
+              <a:rPr lang="zh-CN" altLang="zh-CN" sz="1100" dirty="0">
+                <a:solidFill>
+                  <a:srgbClr val="D19A66"/>
+                </a:solidFill>
+                <a:latin typeface="Arial Unicode MS" panose="020B0604020202020204" pitchFamily="34" charset="-122"/>
+              </a:rPr>
+              <a:t>data</a:t>
+            </a:r>
+            <a:r>
+              <a:rPr lang="zh-CN" altLang="zh-CN" sz="1100" dirty="0">
+                <a:solidFill>
+                  <a:srgbClr val="ABB2BF"/>
+                </a:solidFill>
+                <a:latin typeface="Arial Unicode MS" panose="020B0604020202020204" pitchFamily="34" charset="-122"/>
+              </a:rPr>
+              <a:t> = data_u)</a:t>
+            </a:r>
+            <a:r>
+              <a:rPr lang="en-US" altLang="zh-CN" sz="1100" dirty="0">
+                <a:solidFill>
+                  <a:srgbClr val="ABB2BF"/>
+                </a:solidFill>
+                <a:latin typeface="Arial Unicode MS" panose="020B0604020202020204" pitchFamily="34" charset="-122"/>
+              </a:rPr>
+              <a:t> </a:t>
+            </a:r>
+            <a:r>
+              <a:rPr lang="zh-CN" altLang="zh-CN" sz="1100" i="1" dirty="0">
+                <a:solidFill>
+                  <a:srgbClr val="5C6370"/>
+                </a:solidFill>
+                <a:latin typeface="Arial Unicode MS" panose="020B0604020202020204" pitchFamily="34" charset="-122"/>
+              </a:rPr>
+              <a:t># 钉钉机器人url </a:t>
+            </a:r>
+            <a:endParaRPr lang="zh-CN" altLang="zh-CN" sz="1100" dirty="0">
+              <a:solidFill>
+                <a:srgbClr val="ABB2BF"/>
+              </a:solidFill>
+              <a:latin typeface="Arial Unicode MS" panose="020B0604020202020204" pitchFamily="34" charset="-122"/>
+            </a:endParaRPr>
+          </a:p>
+          <a:p>
+            <a:pPr lvl="0" defTabSz="914400" eaLnBrk="0" fontAlgn="base" hangingPunct="0">
+              <a:spcBef>
+                <a:spcPct val="0"/>
+              </a:spcBef>
+              <a:spcAft>
+                <a:spcPct val="0"/>
+              </a:spcAft>
+            </a:pPr>
+            <a:r>
+              <a:rPr lang="zh-CN" altLang="zh-CN" sz="1100" i="1" dirty="0">
+                <a:solidFill>
+                  <a:srgbClr val="5C6370"/>
+                </a:solidFill>
+                <a:latin typeface="Arial Unicode MS" panose="020B0604020202020204" pitchFamily="34" charset="-122"/>
+              </a:rPr>
+              <a:t># 组合 </a:t>
+            </a:r>
+            <a:endParaRPr lang="zh-CN" altLang="zh-CN" sz="1100" dirty="0">
+              <a:solidFill>
+                <a:srgbClr val="ABB2BF"/>
+              </a:solidFill>
+              <a:latin typeface="Arial Unicode MS" panose="020B0604020202020204" pitchFamily="34" charset="-122"/>
+            </a:endParaRPr>
+          </a:p>
+          <a:p>
+            <a:pPr lvl="0" defTabSz="914400" eaLnBrk="0" fontAlgn="base" hangingPunct="0">
+              <a:spcBef>
+                <a:spcPct val="0"/>
+              </a:spcBef>
+              <a:spcAft>
+                <a:spcPct val="0"/>
+              </a:spcAft>
+            </a:pPr>
+            <a:r>
+              <a:rPr lang="zh-CN" altLang="zh-CN" sz="1100" dirty="0">
+                <a:solidFill>
+                  <a:srgbClr val="ABB2BF"/>
+                </a:solidFill>
+                <a:latin typeface="Arial Unicode MS" panose="020B0604020202020204" pitchFamily="34" charset="-122"/>
+              </a:rPr>
+              <a:t>input_data_person = </a:t>
+            </a:r>
+            <a:r>
+              <a:rPr lang="zh-CN" altLang="zh-CN" sz="1100" dirty="0">
+                <a:solidFill>
+                  <a:srgbClr val="E06C75"/>
+                </a:solidFill>
+                <a:latin typeface="Arial Unicode MS" panose="020B0604020202020204" pitchFamily="34" charset="-122"/>
+              </a:rPr>
+              <a:t>input_data_person</a:t>
+            </a:r>
+            <a:r>
+              <a:rPr lang="zh-CN" altLang="zh-CN" sz="1100" dirty="0">
+                <a:solidFill>
+                  <a:srgbClr val="ABB2BF"/>
+                </a:solidFill>
+                <a:latin typeface="Arial Unicode MS" panose="020B0604020202020204" pitchFamily="34" charset="-122"/>
+              </a:rPr>
+              <a:t>.</a:t>
+            </a:r>
+            <a:r>
+              <a:rPr lang="zh-CN" altLang="zh-CN" sz="1100" dirty="0">
+                <a:solidFill>
+                  <a:srgbClr val="61AFEF"/>
+                </a:solidFill>
+                <a:latin typeface="Arial Unicode MS" panose="020B0604020202020204" pitchFamily="34" charset="-122"/>
+              </a:rPr>
+              <a:t>groupby</a:t>
+            </a:r>
+            <a:r>
+              <a:rPr lang="zh-CN" altLang="zh-CN" sz="1100" dirty="0">
+                <a:solidFill>
+                  <a:srgbClr val="ABB2BF"/>
+                </a:solidFill>
+                <a:latin typeface="Arial Unicode MS" panose="020B0604020202020204" pitchFamily="34" charset="-122"/>
+              </a:rPr>
+              <a:t>(</a:t>
+            </a:r>
+            <a:r>
+              <a:rPr lang="zh-CN" altLang="zh-CN" sz="1100" dirty="0">
+                <a:solidFill>
+                  <a:srgbClr val="D19A66"/>
+                </a:solidFill>
+                <a:latin typeface="Arial Unicode MS" panose="020B0604020202020204" pitchFamily="34" charset="-122"/>
+              </a:rPr>
+              <a:t>by</a:t>
+            </a:r>
+            <a:r>
+              <a:rPr lang="zh-CN" altLang="zh-CN" sz="1100" dirty="0">
+                <a:solidFill>
+                  <a:srgbClr val="ABB2BF"/>
+                </a:solidFill>
+                <a:latin typeface="Arial Unicode MS" panose="020B0604020202020204" pitchFamily="34" charset="-122"/>
+              </a:rPr>
+              <a:t>=</a:t>
+            </a:r>
+            <a:r>
+              <a:rPr lang="zh-CN" altLang="zh-CN" sz="1100" dirty="0">
+                <a:solidFill>
+                  <a:srgbClr val="98C379"/>
+                </a:solidFill>
+                <a:latin typeface="Arial Unicode MS" panose="020B0604020202020204" pitchFamily="34" charset="-122"/>
+              </a:rPr>
+              <a:t>u'城市'</a:t>
+            </a:r>
+            <a:r>
+              <a:rPr lang="zh-CN" altLang="zh-CN" sz="1100" dirty="0">
+                <a:solidFill>
+                  <a:srgbClr val="ABB2BF"/>
+                </a:solidFill>
+                <a:latin typeface="Arial Unicode MS" panose="020B0604020202020204" pitchFamily="34" charset="-122"/>
+              </a:rPr>
+              <a:t>, </a:t>
+            </a:r>
+            <a:r>
+              <a:rPr lang="zh-CN" altLang="zh-CN" sz="1100" dirty="0">
+                <a:solidFill>
+                  <a:srgbClr val="D19A66"/>
+                </a:solidFill>
+                <a:latin typeface="Arial Unicode MS" panose="020B0604020202020204" pitchFamily="34" charset="-122"/>
+              </a:rPr>
+              <a:t>as_index</a:t>
+            </a:r>
+            <a:r>
+              <a:rPr lang="zh-CN" altLang="zh-CN" sz="1100" dirty="0">
+                <a:solidFill>
+                  <a:srgbClr val="ABB2BF"/>
+                </a:solidFill>
+                <a:latin typeface="Arial Unicode MS" panose="020B0604020202020204" pitchFamily="34" charset="-122"/>
+              </a:rPr>
+              <a:t>=</a:t>
+            </a:r>
+            <a:r>
+              <a:rPr lang="zh-CN" altLang="zh-CN" sz="1100" dirty="0">
+                <a:solidFill>
+                  <a:srgbClr val="D19A66"/>
+                </a:solidFill>
+                <a:latin typeface="Arial Unicode MS" panose="020B0604020202020204" pitchFamily="34" charset="-122"/>
+              </a:rPr>
+              <a:t>False</a:t>
+            </a:r>
+            <a:r>
+              <a:rPr lang="zh-CN" altLang="zh-CN" sz="1100" dirty="0">
+                <a:solidFill>
+                  <a:srgbClr val="ABB2BF"/>
+                </a:solidFill>
+                <a:latin typeface="Arial Unicode MS" panose="020B0604020202020204" pitchFamily="34" charset="-122"/>
+              </a:rPr>
+              <a:t>).</a:t>
+            </a:r>
+            <a:r>
+              <a:rPr lang="zh-CN" altLang="zh-CN" sz="1100" dirty="0">
+                <a:solidFill>
+                  <a:srgbClr val="61AFEF"/>
+                </a:solidFill>
+                <a:latin typeface="Arial Unicode MS" panose="020B0604020202020204" pitchFamily="34" charset="-122"/>
+              </a:rPr>
+              <a:t>agg</a:t>
+            </a:r>
+            <a:r>
+              <a:rPr lang="zh-CN" altLang="zh-CN" sz="1100" dirty="0">
+                <a:solidFill>
+                  <a:srgbClr val="ABB2BF"/>
+                </a:solidFill>
+                <a:latin typeface="Arial Unicode MS" panose="020B0604020202020204" pitchFamily="34" charset="-122"/>
+              </a:rPr>
+              <a:t>(</a:t>
+            </a:r>
+            <a:r>
+              <a:rPr lang="zh-CN" altLang="zh-CN" sz="1100" dirty="0">
+                <a:solidFill>
+                  <a:srgbClr val="C678DD"/>
+                </a:solidFill>
+                <a:latin typeface="Arial Unicode MS" panose="020B0604020202020204" pitchFamily="34" charset="-122"/>
+              </a:rPr>
+              <a:t>lambda</a:t>
+            </a:r>
+            <a:r>
+              <a:rPr lang="zh-CN" altLang="zh-CN" sz="1100" dirty="0">
+                <a:solidFill>
+                  <a:srgbClr val="ABB2BF"/>
+                </a:solidFill>
+                <a:latin typeface="Arial Unicode MS" panose="020B0604020202020204" pitchFamily="34" charset="-122"/>
+              </a:rPr>
+              <a:t> </a:t>
+            </a:r>
+            <a:r>
+              <a:rPr lang="zh-CN" altLang="zh-CN" sz="1100" dirty="0">
+                <a:solidFill>
+                  <a:srgbClr val="D19A66"/>
+                </a:solidFill>
+                <a:latin typeface="Arial Unicode MS" panose="020B0604020202020204" pitchFamily="34" charset="-122"/>
+              </a:rPr>
+              <a:t>arr</a:t>
+            </a:r>
+            <a:r>
+              <a:rPr lang="zh-CN" altLang="zh-CN" sz="1100" dirty="0">
+                <a:solidFill>
+                  <a:srgbClr val="ABB2BF"/>
+                </a:solidFill>
+                <a:latin typeface="Arial Unicode MS" panose="020B0604020202020204" pitchFamily="34" charset="-122"/>
+              </a:rPr>
+              <a:t>: </a:t>
+            </a:r>
+            <a:r>
+              <a:rPr lang="zh-CN" altLang="zh-CN" sz="1100" dirty="0">
+                <a:solidFill>
+                  <a:srgbClr val="56B6C2"/>
+                </a:solidFill>
+                <a:latin typeface="Arial Unicode MS" panose="020B0604020202020204" pitchFamily="34" charset="-122"/>
+              </a:rPr>
+              <a:t>list</a:t>
+            </a:r>
+            <a:r>
+              <a:rPr lang="zh-CN" altLang="zh-CN" sz="1100" dirty="0">
+                <a:solidFill>
+                  <a:srgbClr val="ABB2BF"/>
+                </a:solidFill>
+                <a:latin typeface="Arial Unicode MS" panose="020B0604020202020204" pitchFamily="34" charset="-122"/>
+              </a:rPr>
+              <a:t>(arr))</a:t>
+            </a:r>
+          </a:p>
+          <a:p>
+            <a:pPr lvl="0" defTabSz="914400" eaLnBrk="0" fontAlgn="base" hangingPunct="0">
+              <a:spcBef>
+                <a:spcPct val="0"/>
+              </a:spcBef>
+              <a:spcAft>
+                <a:spcPct val="0"/>
+              </a:spcAft>
+            </a:pPr>
+            <a:r>
+              <a:rPr lang="zh-CN" altLang="zh-CN" sz="1100" dirty="0">
+                <a:solidFill>
+                  <a:srgbClr val="ABB2BF"/>
+                </a:solidFill>
+                <a:latin typeface="Arial Unicode MS" panose="020B0604020202020204" pitchFamily="34" charset="-122"/>
+              </a:rPr>
+              <a:t>df1 = </a:t>
+            </a:r>
+            <a:r>
+              <a:rPr lang="zh-CN" altLang="zh-CN" sz="1100" dirty="0">
+                <a:solidFill>
+                  <a:srgbClr val="E06C75"/>
+                </a:solidFill>
+                <a:latin typeface="Arial Unicode MS" panose="020B0604020202020204" pitchFamily="34" charset="-122"/>
+              </a:rPr>
+              <a:t>pd</a:t>
+            </a:r>
+            <a:r>
+              <a:rPr lang="zh-CN" altLang="zh-CN" sz="1100" dirty="0">
+                <a:solidFill>
+                  <a:srgbClr val="ABB2BF"/>
+                </a:solidFill>
+                <a:latin typeface="Arial Unicode MS" panose="020B0604020202020204" pitchFamily="34" charset="-122"/>
+              </a:rPr>
+              <a:t>.</a:t>
+            </a:r>
+            <a:r>
+              <a:rPr lang="zh-CN" altLang="zh-CN" sz="1100" dirty="0">
+                <a:solidFill>
+                  <a:srgbClr val="61AFEF"/>
+                </a:solidFill>
+                <a:latin typeface="Arial Unicode MS" panose="020B0604020202020204" pitchFamily="34" charset="-122"/>
+              </a:rPr>
+              <a:t>merge</a:t>
+            </a:r>
+            <a:r>
+              <a:rPr lang="zh-CN" altLang="zh-CN" sz="1100" dirty="0">
+                <a:solidFill>
+                  <a:srgbClr val="ABB2BF"/>
+                </a:solidFill>
+                <a:latin typeface="Arial Unicode MS" panose="020B0604020202020204" pitchFamily="34" charset="-122"/>
+              </a:rPr>
+              <a:t>(input_data_msg, input_data_person, </a:t>
+            </a:r>
+            <a:r>
+              <a:rPr lang="zh-CN" altLang="zh-CN" sz="1100" dirty="0">
+                <a:solidFill>
+                  <a:srgbClr val="D19A66"/>
+                </a:solidFill>
+                <a:latin typeface="Arial Unicode MS" panose="020B0604020202020204" pitchFamily="34" charset="-122"/>
+              </a:rPr>
+              <a:t>on</a:t>
+            </a:r>
+            <a:r>
+              <a:rPr lang="zh-CN" altLang="zh-CN" sz="1100" dirty="0">
+                <a:solidFill>
+                  <a:srgbClr val="ABB2BF"/>
+                </a:solidFill>
+                <a:latin typeface="Arial Unicode MS" panose="020B0604020202020204" pitchFamily="34" charset="-122"/>
+              </a:rPr>
+              <a:t>=</a:t>
+            </a:r>
+            <a:r>
+              <a:rPr lang="zh-CN" altLang="zh-CN" sz="1100" dirty="0">
+                <a:solidFill>
+                  <a:srgbClr val="98C379"/>
+                </a:solidFill>
+                <a:latin typeface="Arial Unicode MS" panose="020B0604020202020204" pitchFamily="34" charset="-122"/>
+              </a:rPr>
+              <a:t>u'城市'</a:t>
+            </a:r>
+            <a:r>
+              <a:rPr lang="zh-CN" altLang="zh-CN" sz="1100" dirty="0">
+                <a:solidFill>
+                  <a:srgbClr val="ABB2BF"/>
+                </a:solidFill>
+                <a:latin typeface="Arial Unicode MS" panose="020B0604020202020204" pitchFamily="34" charset="-122"/>
+              </a:rPr>
+              <a:t>)</a:t>
+            </a:r>
+          </a:p>
+          <a:p>
+            <a:pPr lvl="0" defTabSz="914400" eaLnBrk="0" fontAlgn="base" hangingPunct="0">
+              <a:spcBef>
+                <a:spcPct val="0"/>
+              </a:spcBef>
+              <a:spcAft>
+                <a:spcPct val="0"/>
+              </a:spcAft>
+            </a:pPr>
+            <a:r>
+              <a:rPr lang="zh-CN" altLang="zh-CN" sz="1100" dirty="0">
+                <a:solidFill>
+                  <a:srgbClr val="ABB2BF"/>
+                </a:solidFill>
+                <a:latin typeface="Arial Unicode MS" panose="020B0604020202020204" pitchFamily="34" charset="-122"/>
+              </a:rPr>
+              <a:t>df2 = </a:t>
+            </a:r>
+            <a:r>
+              <a:rPr lang="zh-CN" altLang="zh-CN" sz="1100" dirty="0">
+                <a:solidFill>
+                  <a:srgbClr val="E06C75"/>
+                </a:solidFill>
+                <a:latin typeface="Arial Unicode MS" panose="020B0604020202020204" pitchFamily="34" charset="-122"/>
+              </a:rPr>
+              <a:t>pd</a:t>
+            </a:r>
+            <a:r>
+              <a:rPr lang="zh-CN" altLang="zh-CN" sz="1100" dirty="0">
+                <a:solidFill>
+                  <a:srgbClr val="ABB2BF"/>
+                </a:solidFill>
+                <a:latin typeface="Arial Unicode MS" panose="020B0604020202020204" pitchFamily="34" charset="-122"/>
+              </a:rPr>
+              <a:t>.</a:t>
+            </a:r>
+            <a:r>
+              <a:rPr lang="zh-CN" altLang="zh-CN" sz="1100" dirty="0">
+                <a:solidFill>
+                  <a:srgbClr val="61AFEF"/>
+                </a:solidFill>
+                <a:latin typeface="Arial Unicode MS" panose="020B0604020202020204" pitchFamily="34" charset="-122"/>
+              </a:rPr>
+              <a:t>merge</a:t>
+            </a:r>
+            <a:r>
+              <a:rPr lang="zh-CN" altLang="zh-CN" sz="1100" dirty="0">
+                <a:solidFill>
+                  <a:srgbClr val="ABB2BF"/>
+                </a:solidFill>
+                <a:latin typeface="Arial Unicode MS" panose="020B0604020202020204" pitchFamily="34" charset="-122"/>
+              </a:rPr>
+              <a:t>(df1,input_data_url,</a:t>
+            </a:r>
+            <a:r>
+              <a:rPr lang="zh-CN" altLang="zh-CN" sz="1100" dirty="0">
+                <a:solidFill>
+                  <a:srgbClr val="D19A66"/>
+                </a:solidFill>
+                <a:latin typeface="Arial Unicode MS" panose="020B0604020202020204" pitchFamily="34" charset="-122"/>
+              </a:rPr>
+              <a:t>on</a:t>
+            </a:r>
+            <a:r>
+              <a:rPr lang="zh-CN" altLang="zh-CN" sz="1100" dirty="0">
+                <a:solidFill>
+                  <a:srgbClr val="ABB2BF"/>
+                </a:solidFill>
+                <a:latin typeface="Arial Unicode MS" panose="020B0604020202020204" pitchFamily="34" charset="-122"/>
+              </a:rPr>
+              <a:t>=</a:t>
+            </a:r>
+            <a:r>
+              <a:rPr lang="zh-CN" altLang="zh-CN" sz="1100" dirty="0">
+                <a:solidFill>
+                  <a:srgbClr val="98C379"/>
+                </a:solidFill>
+                <a:latin typeface="Arial Unicode MS" panose="020B0604020202020204" pitchFamily="34" charset="-122"/>
+              </a:rPr>
+              <a:t>u'城市'</a:t>
+            </a:r>
+            <a:r>
+              <a:rPr lang="zh-CN" altLang="zh-CN" sz="1100" dirty="0">
+                <a:solidFill>
+                  <a:srgbClr val="ABB2BF"/>
+                </a:solidFill>
+                <a:latin typeface="Arial Unicode MS" panose="020B0604020202020204" pitchFamily="34" charset="-122"/>
+              </a:rPr>
+              <a:t>)</a:t>
+            </a:r>
+          </a:p>
+          <a:p>
+            <a:pPr lvl="0" defTabSz="914400" eaLnBrk="0" fontAlgn="base" hangingPunct="0">
+              <a:spcBef>
+                <a:spcPct val="0"/>
+              </a:spcBef>
+              <a:spcAft>
+                <a:spcPct val="0"/>
+              </a:spcAft>
+            </a:pPr>
+            <a:r>
+              <a:rPr lang="zh-CN" altLang="zh-CN" sz="1100" i="1" dirty="0">
+                <a:solidFill>
+                  <a:srgbClr val="5C6370"/>
+                </a:solidFill>
+                <a:latin typeface="Arial Unicode MS" panose="020B0604020202020204" pitchFamily="34" charset="-122"/>
+              </a:rPr>
+              <a:t># 遍历 </a:t>
+            </a:r>
+            <a:endParaRPr lang="zh-CN" altLang="zh-CN" sz="1100" dirty="0">
+              <a:solidFill>
+                <a:srgbClr val="ABB2BF"/>
+              </a:solidFill>
+              <a:latin typeface="Arial Unicode MS" panose="020B0604020202020204" pitchFamily="34" charset="-122"/>
+            </a:endParaRPr>
+          </a:p>
+          <a:p>
+            <a:pPr lvl="0" defTabSz="914400" eaLnBrk="0" fontAlgn="base" hangingPunct="0">
+              <a:spcBef>
+                <a:spcPct val="0"/>
+              </a:spcBef>
+              <a:spcAft>
+                <a:spcPct val="0"/>
+              </a:spcAft>
+            </a:pPr>
+            <a:r>
+              <a:rPr lang="zh-CN" altLang="zh-CN" sz="1100" dirty="0">
+                <a:solidFill>
+                  <a:srgbClr val="ABB2BF"/>
+                </a:solidFill>
+                <a:latin typeface="Arial Unicode MS" panose="020B0604020202020204" pitchFamily="34" charset="-122"/>
+              </a:rPr>
+              <a:t>index = </a:t>
+            </a:r>
+            <a:r>
+              <a:rPr lang="zh-CN" altLang="zh-CN" sz="1100" dirty="0">
+                <a:solidFill>
+                  <a:srgbClr val="E06C75"/>
+                </a:solidFill>
+                <a:latin typeface="Arial Unicode MS" panose="020B0604020202020204" pitchFamily="34" charset="-122"/>
+              </a:rPr>
+              <a:t>df2</a:t>
+            </a:r>
+            <a:r>
+              <a:rPr lang="zh-CN" altLang="zh-CN" sz="1100" dirty="0">
+                <a:solidFill>
+                  <a:srgbClr val="ABB2BF"/>
+                </a:solidFill>
+                <a:latin typeface="Arial Unicode MS" panose="020B0604020202020204" pitchFamily="34" charset="-122"/>
+              </a:rPr>
+              <a:t>.</a:t>
+            </a:r>
+            <a:r>
+              <a:rPr lang="zh-CN" altLang="zh-CN" sz="1100" dirty="0">
+                <a:solidFill>
+                  <a:srgbClr val="E06C75"/>
+                </a:solidFill>
+                <a:latin typeface="Arial Unicode MS" panose="020B0604020202020204" pitchFamily="34" charset="-122"/>
+              </a:rPr>
+              <a:t>index</a:t>
+            </a:r>
+            <a:endParaRPr lang="zh-CN" altLang="zh-CN" sz="1100" dirty="0">
+              <a:solidFill>
+                <a:srgbClr val="ABB2BF"/>
+              </a:solidFill>
+              <a:latin typeface="Arial Unicode MS" panose="020B0604020202020204" pitchFamily="34" charset="-122"/>
+            </a:endParaRPr>
+          </a:p>
+          <a:p>
+            <a:pPr lvl="0" defTabSz="914400" eaLnBrk="0" fontAlgn="base" hangingPunct="0">
+              <a:spcBef>
+                <a:spcPct val="0"/>
+              </a:spcBef>
+              <a:spcAft>
+                <a:spcPct val="0"/>
+              </a:spcAft>
+            </a:pPr>
+            <a:r>
+              <a:rPr lang="zh-CN" altLang="zh-CN" sz="1100" dirty="0">
+                <a:solidFill>
+                  <a:srgbClr val="C678DD"/>
+                </a:solidFill>
+                <a:latin typeface="Arial Unicode MS" panose="020B0604020202020204" pitchFamily="34" charset="-122"/>
+              </a:rPr>
+              <a:t>for</a:t>
+            </a:r>
+            <a:r>
+              <a:rPr lang="zh-CN" altLang="zh-CN" sz="1100" dirty="0">
+                <a:solidFill>
+                  <a:srgbClr val="ABB2BF"/>
+                </a:solidFill>
+                <a:latin typeface="Arial Unicode MS" panose="020B0604020202020204" pitchFamily="34" charset="-122"/>
+              </a:rPr>
+              <a:t> i </a:t>
+            </a:r>
+            <a:r>
+              <a:rPr lang="zh-CN" altLang="zh-CN" sz="1100" dirty="0">
+                <a:solidFill>
+                  <a:srgbClr val="C678DD"/>
+                </a:solidFill>
+                <a:latin typeface="Arial Unicode MS" panose="020B0604020202020204" pitchFamily="34" charset="-122"/>
+              </a:rPr>
+              <a:t>in</a:t>
+            </a:r>
+            <a:r>
+              <a:rPr lang="zh-CN" altLang="zh-CN" sz="1100" dirty="0">
+                <a:solidFill>
+                  <a:srgbClr val="ABB2BF"/>
+                </a:solidFill>
+                <a:latin typeface="Arial Unicode MS" panose="020B0604020202020204" pitchFamily="34" charset="-122"/>
+              </a:rPr>
+              <a:t> index:</a:t>
+            </a:r>
+          </a:p>
+          <a:p>
+            <a:pPr lvl="0" defTabSz="914400" eaLnBrk="0" fontAlgn="base" hangingPunct="0">
+              <a:spcBef>
+                <a:spcPct val="0"/>
+              </a:spcBef>
+              <a:spcAft>
+                <a:spcPct val="0"/>
+              </a:spcAft>
+            </a:pPr>
+            <a:r>
+              <a:rPr lang="zh-CN" altLang="zh-CN" sz="1100" dirty="0">
+                <a:solidFill>
+                  <a:srgbClr val="ABB2BF"/>
+                </a:solidFill>
+                <a:latin typeface="Arial Unicode MS" panose="020B0604020202020204" pitchFamily="34" charset="-122"/>
+              </a:rPr>
+              <a:t>    record = </a:t>
+            </a:r>
+            <a:r>
+              <a:rPr lang="zh-CN" altLang="zh-CN" sz="1100" dirty="0">
+                <a:solidFill>
+                  <a:srgbClr val="E06C75"/>
+                </a:solidFill>
+                <a:latin typeface="Arial Unicode MS" panose="020B0604020202020204" pitchFamily="34" charset="-122"/>
+              </a:rPr>
+              <a:t>df2</a:t>
+            </a:r>
+            <a:r>
+              <a:rPr lang="zh-CN" altLang="zh-CN" sz="1100" dirty="0">
+                <a:solidFill>
+                  <a:srgbClr val="ABB2BF"/>
+                </a:solidFill>
+                <a:latin typeface="Arial Unicode MS" panose="020B0604020202020204" pitchFamily="34" charset="-122"/>
+              </a:rPr>
+              <a:t>.</a:t>
+            </a:r>
+            <a:r>
+              <a:rPr lang="zh-CN" altLang="zh-CN" sz="1100" dirty="0">
+                <a:solidFill>
+                  <a:srgbClr val="E06C75"/>
+                </a:solidFill>
+                <a:latin typeface="Arial Unicode MS" panose="020B0604020202020204" pitchFamily="34" charset="-122"/>
+              </a:rPr>
+              <a:t>loc</a:t>
+            </a:r>
+            <a:r>
+              <a:rPr lang="zh-CN" altLang="zh-CN" sz="1100" dirty="0">
+                <a:solidFill>
+                  <a:srgbClr val="ABB2BF"/>
+                </a:solidFill>
+                <a:latin typeface="Arial Unicode MS" panose="020B0604020202020204" pitchFamily="34" charset="-122"/>
+              </a:rPr>
+              <a:t>[i]</a:t>
+            </a:r>
+            <a:endParaRPr lang="zh-CN" altLang="zh-CN" sz="1100" dirty="0">
+              <a:latin typeface="Arial" panose="020B0604020202020204" pitchFamily="34" charset="0"/>
+            </a:endParaRPr>
+          </a:p>
+        </p:txBody>
+      </p:sp>
+    </p:spTree>
+    <p:extLst>
+      <p:ext uri="{BB962C8B-B14F-4D97-AF65-F5344CB8AC3E}">
+        <p14:creationId xmlns:p14="http://schemas.microsoft.com/office/powerpoint/2010/main" val="2135959468"/>
+      </p:ext>
+    </p:extLst>
+  </p:cSld>
+  <p:clrMapOvr>
+    <a:masterClrMapping/>
+  </p:clrMapOvr>
+  <mc:AlternateContent xmlns:mc="http://schemas.openxmlformats.org/markup-compatibility/2006" xmlns:p14="http://schemas.microsoft.com/office/powerpoint/2010/main">
+    <mc:Choice Requires="p14">
+      <p:transition spd="med" p14:dur="700">
+        <p:fade/>
+      </p:transition>
+    </mc:Choice>
+    <mc:Fallback xmlns="">
+      <p:transition spd="med">
+        <p:fade/>
+      </p:transition>
+    </mc:Fallback>
+  </mc:AlternateContent>
+</p:sld>
+</file>
+
+<file path=ppt/slides/slide17.xml><?xml version="1.0" encoding="utf-8"?>
+<p:sld xmlns:a="http://schemas.openxmlformats.org/drawingml/2006/main" xmlns:r="http://schemas.openxmlformats.org/officeDocument/2006/relationships" xmlns:p="http://schemas.openxmlformats.org/presentationml/2006/main">
+  <p:cSld>
+    <p:spTree>
+      <p:nvGrpSpPr>
+        <p:cNvPr id="1" name=""/>
+        <p:cNvGrpSpPr/>
+        <p:nvPr/>
+      </p:nvGrpSpPr>
+      <p:grpSpPr>
+        <a:xfrm>
+          <a:off x="0" y="0"/>
+          <a:ext cx="0" cy="0"/>
+          <a:chOff x="0" y="0"/>
+          <a:chExt cx="0" cy="0"/>
+        </a:xfrm>
+      </p:grpSpPr>
+      <p:sp>
+        <p:nvSpPr>
+          <p:cNvPr id="2" name="标题 1"/>
+          <p:cNvSpPr>
+            <a:spLocks noGrp="1"/>
+          </p:cNvSpPr>
+          <p:nvPr>
+            <p:ph type="title"/>
+          </p:nvPr>
+        </p:nvSpPr>
+        <p:spPr>
+          <a:xfrm>
+            <a:off x="353943" y="76200"/>
+            <a:ext cx="11486632" cy="736428"/>
+          </a:xfrm>
+        </p:spPr>
+        <p:txBody>
+          <a:bodyPr rtlCol="0">
+            <a:normAutofit/>
+          </a:bodyPr>
+          <a:lstStyle/>
+          <a:p>
+            <a:r>
+              <a:rPr lang="zh-CN" altLang="en-US" sz="2800" dirty="0"/>
+              <a:t>六、组织</a:t>
+            </a:r>
+            <a:r>
+              <a:rPr lang="en-US" altLang="zh-CN" sz="2800" dirty="0"/>
+              <a:t>python</a:t>
+            </a:r>
+            <a:r>
+              <a:rPr lang="zh-CN" altLang="en-US" sz="2800" dirty="0"/>
+              <a:t>代码</a:t>
+            </a:r>
+            <a:endParaRPr lang="en-US" altLang="zh-CN" sz="2800" dirty="0"/>
+          </a:p>
+        </p:txBody>
+      </p:sp>
+      <p:sp>
+        <p:nvSpPr>
+          <p:cNvPr id="35" name="标题 1">
+            <a:extLst>
+              <a:ext uri="{FF2B5EF4-FFF2-40B4-BE49-F238E27FC236}">
+                <a16:creationId xmlns:a16="http://schemas.microsoft.com/office/drawing/2014/main" id="{DBA25653-C419-4947-9450-ACD83BDD189F}"/>
+              </a:ext>
+            </a:extLst>
+          </p:cNvPr>
+          <p:cNvSpPr txBox="1">
+            <a:spLocks/>
+          </p:cNvSpPr>
+          <p:nvPr/>
+        </p:nvSpPr>
+        <p:spPr>
+          <a:xfrm>
+            <a:off x="1053852" y="775118"/>
+            <a:ext cx="10786723" cy="493642"/>
+          </a:xfrm>
+          <a:prstGeom prst="rect">
+            <a:avLst/>
+          </a:prstGeom>
+        </p:spPr>
+        <p:txBody>
+          <a:bodyPr vert="horz" lIns="121899" tIns="60949" rIns="121899" bIns="60949" rtlCol="0" anchor="b">
+            <a:normAutofit/>
+          </a:bodyPr>
+          <a:lstStyle>
+            <a:lvl1pPr algn="l" defTabSz="1218987" rtl="0" eaLnBrk="1" latinLnBrk="0" hangingPunct="1">
+              <a:lnSpc>
+                <a:spcPct val="85000"/>
+              </a:lnSpc>
+              <a:spcBef>
+                <a:spcPct val="0"/>
+              </a:spcBef>
+              <a:buNone/>
+              <a:tabLst/>
+              <a:defRPr sz="4400" kern="1200" cap="none" baseline="0">
+                <a:solidFill>
+                  <a:schemeClr val="tx1"/>
+                </a:solidFill>
+                <a:latin typeface="微软雅黑" panose="020B0503020204020204" pitchFamily="34" charset="-122"/>
+                <a:ea typeface="微软雅黑" panose="020B0503020204020204" pitchFamily="34" charset="-122"/>
+                <a:cs typeface="+mj-cs"/>
+              </a:defRPr>
+            </a:lvl1pPr>
+          </a:lstStyle>
+          <a:p>
+            <a:r>
+              <a:rPr lang="en-US" altLang="zh-CN" sz="2000" dirty="0"/>
+              <a:t>3</a:t>
+            </a:r>
+            <a:r>
+              <a:rPr lang="zh-CN" altLang="en-US" sz="2000" dirty="0"/>
+              <a:t>、申请的企业号维护会话信息</a:t>
+            </a:r>
+            <a:endParaRPr lang="en-US" altLang="zh-CN" sz="2000" dirty="0"/>
+          </a:p>
+        </p:txBody>
+      </p:sp>
+      <p:sp>
+        <p:nvSpPr>
+          <p:cNvPr id="5" name="矩形 4">
+            <a:hlinkClick r:id="rId2"/>
+            <a:extLst>
+              <a:ext uri="{FF2B5EF4-FFF2-40B4-BE49-F238E27FC236}">
+                <a16:creationId xmlns:a16="http://schemas.microsoft.com/office/drawing/2014/main" id="{D22A147E-97C9-4943-9284-41A8560702C2}"/>
+              </a:ext>
+            </a:extLst>
+          </p:cNvPr>
+          <p:cNvSpPr/>
+          <p:nvPr/>
+        </p:nvSpPr>
+        <p:spPr>
+          <a:xfrm>
+            <a:off x="1269876" y="2781088"/>
+            <a:ext cx="2448272" cy="360040"/>
+          </a:xfrm>
+          <a:prstGeom prst="rect">
+            <a:avLst/>
+          </a:prstGeom>
+          <a:solidFill>
+            <a:schemeClr val="bg2">
+              <a:lumMod val="90000"/>
+            </a:schemeClr>
+          </a:solidFill>
+          <a:ln>
+            <a:noFill/>
+          </a:ln>
+          <a:effectLst>
+            <a:outerShdw blurRad="44450" dist="27940" dir="5400000" algn="ctr">
+              <a:srgbClr val="000000">
+                <a:alpha val="32000"/>
+              </a:srgbClr>
+            </a:outerShdw>
+          </a:effectLst>
+          <a:scene3d>
+            <a:camera prst="orthographicFront">
+              <a:rot lat="0" lon="0" rev="0"/>
+            </a:camera>
+            <a:lightRig rig="balanced" dir="t">
+              <a:rot lat="0" lon="0" rev="8700000"/>
+            </a:lightRig>
+          </a:scene3d>
+          <a:sp3d>
+            <a:bevelT w="190500" h="38100"/>
+          </a:sp3d>
+        </p:spPr>
+        <p:style>
+          <a:lnRef idx="2">
+            <a:schemeClr val="accent1">
+              <a:shade val="50000"/>
+            </a:schemeClr>
+          </a:lnRef>
+          <a:fillRef idx="1">
+            <a:schemeClr val="accent1"/>
+          </a:fillRef>
+          <a:effectRef idx="0">
+            <a:schemeClr val="accent1"/>
+          </a:effectRef>
+          <a:fontRef idx="minor">
+            <a:schemeClr val="lt1"/>
+          </a:fontRef>
+        </p:style>
+        <p:txBody>
+          <a:bodyPr rtlCol="0" anchor="ctr"/>
+          <a:lstStyle/>
+          <a:p>
+            <a:pPr algn="ctr"/>
+            <a:r>
+              <a:rPr lang="zh-CN" altLang="en-US" sz="1400" dirty="0">
+                <a:solidFill>
+                  <a:schemeClr val="tx2"/>
+                </a:solidFill>
+                <a:latin typeface="微软雅黑" panose="020B0503020204020204" pitchFamily="34" charset="-122"/>
+                <a:ea typeface="微软雅黑" panose="020B0503020204020204" pitchFamily="34" charset="-122"/>
+              </a:rPr>
+              <a:t>创建成员</a:t>
+            </a:r>
+            <a:r>
+              <a:rPr lang="en-US" altLang="zh-CN" sz="1400" dirty="0">
+                <a:solidFill>
+                  <a:schemeClr val="tx2"/>
+                </a:solidFill>
+                <a:latin typeface="微软雅黑" panose="020B0503020204020204" pitchFamily="34" charset="-122"/>
+                <a:ea typeface="微软雅黑" panose="020B0503020204020204" pitchFamily="34" charset="-122"/>
+              </a:rPr>
+              <a:t>(</a:t>
+            </a:r>
+            <a:r>
+              <a:rPr lang="zh-CN" altLang="en-US" sz="1400" dirty="0">
+                <a:solidFill>
+                  <a:schemeClr val="tx2"/>
+                </a:solidFill>
+                <a:latin typeface="微软雅黑" panose="020B0503020204020204" pitchFamily="34" charset="-122"/>
+                <a:ea typeface="微软雅黑" panose="020B0503020204020204" pitchFamily="34" charset="-122"/>
+              </a:rPr>
+              <a:t>指定角色</a:t>
+            </a:r>
+            <a:r>
+              <a:rPr lang="en-US" altLang="zh-CN" sz="1400" dirty="0">
+                <a:solidFill>
+                  <a:schemeClr val="tx2"/>
+                </a:solidFill>
+                <a:latin typeface="微软雅黑" panose="020B0503020204020204" pitchFamily="34" charset="-122"/>
+                <a:ea typeface="微软雅黑" panose="020B0503020204020204" pitchFamily="34" charset="-122"/>
+              </a:rPr>
+              <a:t>)</a:t>
+            </a:r>
+            <a:endParaRPr lang="zh-CN" altLang="en-US" sz="1400" dirty="0">
+              <a:solidFill>
+                <a:schemeClr val="tx2"/>
+              </a:solidFill>
+              <a:latin typeface="微软雅黑" panose="020B0503020204020204" pitchFamily="34" charset="-122"/>
+              <a:ea typeface="微软雅黑" panose="020B0503020204020204" pitchFamily="34" charset="-122"/>
+            </a:endParaRPr>
+          </a:p>
+        </p:txBody>
+      </p:sp>
+      <p:sp>
+        <p:nvSpPr>
+          <p:cNvPr id="10" name="矩形 9">
+            <a:hlinkClick r:id="rId3"/>
+            <a:extLst>
+              <a:ext uri="{FF2B5EF4-FFF2-40B4-BE49-F238E27FC236}">
+                <a16:creationId xmlns:a16="http://schemas.microsoft.com/office/drawing/2014/main" id="{28CF2B5C-CF7C-4608-A072-712BFD233E5F}"/>
+              </a:ext>
+            </a:extLst>
+          </p:cNvPr>
+          <p:cNvSpPr/>
+          <p:nvPr/>
+        </p:nvSpPr>
+        <p:spPr>
+          <a:xfrm>
+            <a:off x="1269876" y="3429160"/>
+            <a:ext cx="2448272" cy="360040"/>
+          </a:xfrm>
+          <a:prstGeom prst="rect">
+            <a:avLst/>
+          </a:prstGeom>
+          <a:solidFill>
+            <a:schemeClr val="bg2">
+              <a:lumMod val="90000"/>
+            </a:schemeClr>
+          </a:solidFill>
+          <a:ln>
+            <a:noFill/>
+          </a:ln>
+          <a:effectLst>
+            <a:outerShdw blurRad="44450" dist="27940" dir="5400000" algn="ctr">
+              <a:srgbClr val="000000">
+                <a:alpha val="32000"/>
+              </a:srgbClr>
+            </a:outerShdw>
+          </a:effectLst>
+          <a:scene3d>
+            <a:camera prst="orthographicFront">
+              <a:rot lat="0" lon="0" rev="0"/>
+            </a:camera>
+            <a:lightRig rig="balanced" dir="t">
+              <a:rot lat="0" lon="0" rev="8700000"/>
+            </a:lightRig>
+          </a:scene3d>
+          <a:sp3d>
+            <a:bevelT w="190500" h="38100"/>
+          </a:sp3d>
+        </p:spPr>
+        <p:style>
+          <a:lnRef idx="2">
+            <a:schemeClr val="accent1">
+              <a:shade val="50000"/>
+            </a:schemeClr>
+          </a:lnRef>
+          <a:fillRef idx="1">
+            <a:schemeClr val="accent1"/>
+          </a:fillRef>
+          <a:effectRef idx="0">
+            <a:schemeClr val="accent1"/>
+          </a:effectRef>
+          <a:fontRef idx="minor">
+            <a:schemeClr val="lt1"/>
+          </a:fontRef>
+        </p:style>
+        <p:txBody>
+          <a:bodyPr rtlCol="0" anchor="ctr"/>
+          <a:lstStyle/>
+          <a:p>
+            <a:pPr algn="ctr"/>
+            <a:r>
+              <a:rPr lang="zh-CN" altLang="en-US" sz="1400" dirty="0">
+                <a:solidFill>
+                  <a:schemeClr val="tx2"/>
+                </a:solidFill>
+                <a:latin typeface="微软雅黑" panose="020B0503020204020204" pitchFamily="34" charset="-122"/>
+                <a:ea typeface="微软雅黑" panose="020B0503020204020204" pitchFamily="34" charset="-122"/>
+              </a:rPr>
+              <a:t>获取角色的员工列表</a:t>
+            </a:r>
+          </a:p>
+        </p:txBody>
+      </p:sp>
+      <p:sp>
+        <p:nvSpPr>
+          <p:cNvPr id="11" name="椭圆 10">
+            <a:extLst>
+              <a:ext uri="{FF2B5EF4-FFF2-40B4-BE49-F238E27FC236}">
+                <a16:creationId xmlns:a16="http://schemas.microsoft.com/office/drawing/2014/main" id="{B982CEDE-1097-464A-9542-12030251C3A6}"/>
+              </a:ext>
+            </a:extLst>
+          </p:cNvPr>
+          <p:cNvSpPr/>
+          <p:nvPr/>
+        </p:nvSpPr>
+        <p:spPr>
+          <a:xfrm>
+            <a:off x="1557908" y="4005064"/>
+            <a:ext cx="1872208" cy="647912"/>
+          </a:xfrm>
+          <a:prstGeom prst="ellipse">
+            <a:avLst/>
+          </a:prstGeom>
+          <a:solidFill>
+            <a:schemeClr val="bg2">
+              <a:lumMod val="90000"/>
+            </a:schemeClr>
+          </a:solidFill>
+          <a:ln>
+            <a:solidFill>
+              <a:schemeClr val="bg2"/>
+            </a:solidFill>
+          </a:ln>
+          <a:effectLst>
+            <a:outerShdw blurRad="44450" dist="27940" dir="5400000" algn="ctr">
+              <a:srgbClr val="000000">
+                <a:alpha val="32000"/>
+              </a:srgbClr>
+            </a:outerShdw>
+          </a:effectLst>
+          <a:scene3d>
+            <a:camera prst="orthographicFront">
+              <a:rot lat="0" lon="0" rev="0"/>
+            </a:camera>
+            <a:lightRig rig="balanced" dir="t">
+              <a:rot lat="0" lon="0" rev="8700000"/>
+            </a:lightRig>
+          </a:scene3d>
+          <a:sp3d>
+            <a:bevelT w="190500" h="38100"/>
+          </a:sp3d>
+        </p:spPr>
+        <p:style>
+          <a:lnRef idx="2">
+            <a:schemeClr val="accent1">
+              <a:shade val="50000"/>
+            </a:schemeClr>
+          </a:lnRef>
+          <a:fillRef idx="1">
+            <a:schemeClr val="accent1"/>
+          </a:fillRef>
+          <a:effectRef idx="0">
+            <a:schemeClr val="accent1"/>
+          </a:effectRef>
+          <a:fontRef idx="minor">
+            <a:schemeClr val="lt1"/>
+          </a:fontRef>
+        </p:style>
+        <p:txBody>
+          <a:bodyPr rtlCol="0" anchor="ctr"/>
+          <a:lstStyle/>
+          <a:p>
+            <a:pPr algn="ctr"/>
+            <a:r>
+              <a:rPr lang="zh-CN" altLang="en-US" sz="1400" dirty="0">
+                <a:solidFill>
+                  <a:schemeClr val="tx2"/>
+                </a:solidFill>
+                <a:latin typeface="微软雅黑" panose="020B0503020204020204" pitchFamily="34" charset="-122"/>
+                <a:ea typeface="微软雅黑" panose="020B0503020204020204" pitchFamily="34" charset="-122"/>
+              </a:rPr>
+              <a:t>遍历人员清单</a:t>
+            </a:r>
+          </a:p>
+        </p:txBody>
+      </p:sp>
+      <p:cxnSp>
+        <p:nvCxnSpPr>
+          <p:cNvPr id="8" name="连接符: 肘形 7">
+            <a:extLst>
+              <a:ext uri="{FF2B5EF4-FFF2-40B4-BE49-F238E27FC236}">
+                <a16:creationId xmlns:a16="http://schemas.microsoft.com/office/drawing/2014/main" id="{645ECFE3-6584-4C9B-A4C9-56A18A4B6C90}"/>
+              </a:ext>
+            </a:extLst>
+          </p:cNvPr>
+          <p:cNvCxnSpPr>
+            <a:cxnSpLocks/>
+            <a:stCxn id="11" idx="4"/>
+            <a:endCxn id="11" idx="6"/>
+          </p:cNvCxnSpPr>
+          <p:nvPr/>
+        </p:nvCxnSpPr>
+        <p:spPr>
+          <a:xfrm rot="5400000" flipH="1" flipV="1">
+            <a:off x="2800086" y="4022946"/>
+            <a:ext cx="323956" cy="936104"/>
+          </a:xfrm>
+          <a:prstGeom prst="bentConnector4">
+            <a:avLst>
+              <a:gd name="adj1" fmla="val -70565"/>
+              <a:gd name="adj2" fmla="val 124420"/>
+            </a:avLst>
+          </a:prstGeom>
+          <a:ln>
+            <a:tailEnd type="triangle"/>
+          </a:ln>
+        </p:spPr>
+        <p:style>
+          <a:lnRef idx="1">
+            <a:schemeClr val="accent1"/>
+          </a:lnRef>
+          <a:fillRef idx="0">
+            <a:schemeClr val="accent1"/>
+          </a:fillRef>
+          <a:effectRef idx="0">
+            <a:schemeClr val="accent1"/>
+          </a:effectRef>
+          <a:fontRef idx="minor">
+            <a:schemeClr val="tx1"/>
+          </a:fontRef>
+        </p:style>
+      </p:cxnSp>
+      <p:cxnSp>
+        <p:nvCxnSpPr>
+          <p:cNvPr id="14" name="连接符: 肘形 13">
+            <a:extLst>
+              <a:ext uri="{FF2B5EF4-FFF2-40B4-BE49-F238E27FC236}">
+                <a16:creationId xmlns:a16="http://schemas.microsoft.com/office/drawing/2014/main" id="{7DCF2F1A-849C-4E6A-9A1D-86DBC7A80407}"/>
+              </a:ext>
+            </a:extLst>
+          </p:cNvPr>
+          <p:cNvCxnSpPr>
+            <a:stCxn id="11" idx="2"/>
+            <a:endCxn id="5" idx="1"/>
+          </p:cNvCxnSpPr>
+          <p:nvPr/>
+        </p:nvCxnSpPr>
+        <p:spPr>
+          <a:xfrm rot="10800000">
+            <a:off x="1269876" y="2961108"/>
+            <a:ext cx="288032" cy="1367912"/>
+          </a:xfrm>
+          <a:prstGeom prst="bentConnector3">
+            <a:avLst>
+              <a:gd name="adj1" fmla="val 179366"/>
+            </a:avLst>
+          </a:prstGeom>
+          <a:ln>
+            <a:tailEnd type="triangle"/>
+          </a:ln>
+        </p:spPr>
+        <p:style>
+          <a:lnRef idx="1">
+            <a:schemeClr val="accent1"/>
+          </a:lnRef>
+          <a:fillRef idx="0">
+            <a:schemeClr val="accent1"/>
+          </a:fillRef>
+          <a:effectRef idx="0">
+            <a:schemeClr val="accent1"/>
+          </a:effectRef>
+          <a:fontRef idx="minor">
+            <a:schemeClr val="tx1"/>
+          </a:fontRef>
+        </p:style>
+      </p:cxnSp>
+      <p:cxnSp>
+        <p:nvCxnSpPr>
+          <p:cNvPr id="16" name="直接箭头连接符 15">
+            <a:extLst>
+              <a:ext uri="{FF2B5EF4-FFF2-40B4-BE49-F238E27FC236}">
+                <a16:creationId xmlns:a16="http://schemas.microsoft.com/office/drawing/2014/main" id="{16FD26A4-97E6-4FFD-85DA-03AD06245673}"/>
+              </a:ext>
+            </a:extLst>
+          </p:cNvPr>
+          <p:cNvCxnSpPr>
+            <a:stCxn id="5" idx="2"/>
+            <a:endCxn id="10" idx="0"/>
+          </p:cNvCxnSpPr>
+          <p:nvPr/>
+        </p:nvCxnSpPr>
+        <p:spPr>
+          <a:xfrm>
+            <a:off x="2494012" y="3141128"/>
+            <a:ext cx="0" cy="288032"/>
+          </a:xfrm>
+          <a:prstGeom prst="straightConnector1">
+            <a:avLst/>
+          </a:prstGeom>
+          <a:ln>
+            <a:tailEnd type="triangle"/>
+          </a:ln>
+        </p:spPr>
+        <p:style>
+          <a:lnRef idx="1">
+            <a:schemeClr val="accent1"/>
+          </a:lnRef>
+          <a:fillRef idx="0">
+            <a:schemeClr val="accent1"/>
+          </a:fillRef>
+          <a:effectRef idx="0">
+            <a:schemeClr val="accent1"/>
+          </a:effectRef>
+          <a:fontRef idx="minor">
+            <a:schemeClr val="tx1"/>
+          </a:fontRef>
+        </p:style>
+      </p:cxnSp>
+      <p:cxnSp>
+        <p:nvCxnSpPr>
+          <p:cNvPr id="18" name="直接箭头连接符 17">
+            <a:extLst>
+              <a:ext uri="{FF2B5EF4-FFF2-40B4-BE49-F238E27FC236}">
+                <a16:creationId xmlns:a16="http://schemas.microsoft.com/office/drawing/2014/main" id="{0C4CEBEF-4B9F-4C37-938F-479599C05E8B}"/>
+              </a:ext>
+            </a:extLst>
+          </p:cNvPr>
+          <p:cNvCxnSpPr>
+            <a:stCxn id="10" idx="2"/>
+            <a:endCxn id="11" idx="0"/>
+          </p:cNvCxnSpPr>
+          <p:nvPr/>
+        </p:nvCxnSpPr>
+        <p:spPr>
+          <a:xfrm>
+            <a:off x="2494012" y="3789200"/>
+            <a:ext cx="0" cy="215864"/>
+          </a:xfrm>
+          <a:prstGeom prst="straightConnector1">
+            <a:avLst/>
+          </a:prstGeom>
+          <a:ln>
+            <a:tailEnd type="triangle"/>
+          </a:ln>
+        </p:spPr>
+        <p:style>
+          <a:lnRef idx="1">
+            <a:schemeClr val="accent1"/>
+          </a:lnRef>
+          <a:fillRef idx="0">
+            <a:schemeClr val="accent1"/>
+          </a:fillRef>
+          <a:effectRef idx="0">
+            <a:schemeClr val="accent1"/>
+          </a:effectRef>
+          <a:fontRef idx="minor">
+            <a:schemeClr val="tx1"/>
+          </a:fontRef>
+        </p:style>
+      </p:cxnSp>
+      <p:sp>
+        <p:nvSpPr>
+          <p:cNvPr id="20" name="矩形 19">
+            <a:extLst>
+              <a:ext uri="{FF2B5EF4-FFF2-40B4-BE49-F238E27FC236}">
+                <a16:creationId xmlns:a16="http://schemas.microsoft.com/office/drawing/2014/main" id="{CDAB08AB-C2CE-417B-BD8B-9F5D280218A4}"/>
+              </a:ext>
+            </a:extLst>
+          </p:cNvPr>
+          <p:cNvSpPr/>
+          <p:nvPr/>
+        </p:nvSpPr>
+        <p:spPr>
+          <a:xfrm>
+            <a:off x="2566020" y="4941168"/>
+            <a:ext cx="1247503" cy="307777"/>
+          </a:xfrm>
+          <a:prstGeom prst="rect">
+            <a:avLst/>
+          </a:prstGeom>
+        </p:spPr>
+        <p:txBody>
+          <a:bodyPr wrap="square">
+            <a:spAutoFit/>
+          </a:bodyPr>
+          <a:lstStyle/>
+          <a:p>
+            <a:pPr latinLnBrk="1"/>
+            <a:r>
+              <a:rPr lang="zh-CN" altLang="en-US" sz="1400" dirty="0">
+                <a:solidFill>
+                  <a:srgbClr val="5C5C5C"/>
+                </a:solidFill>
+                <a:latin typeface="微软雅黑" panose="020B0503020204020204" pitchFamily="34" charset="-122"/>
+                <a:ea typeface="微软雅黑" panose="020B0503020204020204" pitchFamily="34" charset="-122"/>
+              </a:rPr>
+              <a:t>在列表里面</a:t>
+            </a:r>
+            <a:endParaRPr lang="en-US" altLang="zh-CN" sz="1400" b="0" i="0" dirty="0">
+              <a:solidFill>
+                <a:srgbClr val="5C5C5C"/>
+              </a:solidFill>
+              <a:effectLst/>
+              <a:latin typeface="微软雅黑" panose="020B0503020204020204" pitchFamily="34" charset="-122"/>
+              <a:ea typeface="微软雅黑" panose="020B0503020204020204" pitchFamily="34" charset="-122"/>
+            </a:endParaRPr>
+          </a:p>
+        </p:txBody>
+      </p:sp>
+      <p:sp>
+        <p:nvSpPr>
+          <p:cNvPr id="21" name="矩形 20">
+            <a:extLst>
+              <a:ext uri="{FF2B5EF4-FFF2-40B4-BE49-F238E27FC236}">
+                <a16:creationId xmlns:a16="http://schemas.microsoft.com/office/drawing/2014/main" id="{86176940-5E81-4AD0-A419-8C4CE331FB4A}"/>
+              </a:ext>
+            </a:extLst>
+          </p:cNvPr>
+          <p:cNvSpPr/>
+          <p:nvPr/>
+        </p:nvSpPr>
+        <p:spPr>
+          <a:xfrm>
+            <a:off x="333772" y="4365104"/>
+            <a:ext cx="1391519" cy="307777"/>
+          </a:xfrm>
+          <a:prstGeom prst="rect">
+            <a:avLst/>
+          </a:prstGeom>
+        </p:spPr>
+        <p:txBody>
+          <a:bodyPr wrap="square">
+            <a:spAutoFit/>
+          </a:bodyPr>
+          <a:lstStyle/>
+          <a:p>
+            <a:pPr latinLnBrk="1"/>
+            <a:r>
+              <a:rPr lang="zh-CN" altLang="en-US" sz="1400" dirty="0">
+                <a:solidFill>
+                  <a:srgbClr val="5C5C5C"/>
+                </a:solidFill>
+                <a:latin typeface="微软雅黑" panose="020B0503020204020204" pitchFamily="34" charset="-122"/>
+                <a:ea typeface="微软雅黑" panose="020B0503020204020204" pitchFamily="34" charset="-122"/>
+              </a:rPr>
+              <a:t>不在列表里面</a:t>
+            </a:r>
+            <a:endParaRPr lang="en-US" altLang="zh-CN" sz="1400" b="0" i="0" dirty="0">
+              <a:solidFill>
+                <a:srgbClr val="5C5C5C"/>
+              </a:solidFill>
+              <a:effectLst/>
+              <a:latin typeface="微软雅黑" panose="020B0503020204020204" pitchFamily="34" charset="-122"/>
+              <a:ea typeface="微软雅黑" panose="020B0503020204020204" pitchFamily="34" charset="-122"/>
+            </a:endParaRPr>
+          </a:p>
+        </p:txBody>
+      </p:sp>
+      <p:sp>
+        <p:nvSpPr>
+          <p:cNvPr id="33" name="矩形 32">
+            <a:hlinkClick r:id="rId4"/>
+            <a:extLst>
+              <a:ext uri="{FF2B5EF4-FFF2-40B4-BE49-F238E27FC236}">
+                <a16:creationId xmlns:a16="http://schemas.microsoft.com/office/drawing/2014/main" id="{2344A6E4-CB25-4DBE-98FA-1677E679CF74}"/>
+              </a:ext>
+            </a:extLst>
+          </p:cNvPr>
+          <p:cNvSpPr/>
+          <p:nvPr/>
+        </p:nvSpPr>
+        <p:spPr>
+          <a:xfrm>
+            <a:off x="4942284" y="3573016"/>
+            <a:ext cx="2448272" cy="360040"/>
+          </a:xfrm>
+          <a:prstGeom prst="rect">
+            <a:avLst/>
+          </a:prstGeom>
+          <a:solidFill>
+            <a:schemeClr val="bg2">
+              <a:lumMod val="90000"/>
+            </a:schemeClr>
+          </a:solidFill>
+          <a:ln>
+            <a:noFill/>
+          </a:ln>
+          <a:effectLst>
+            <a:outerShdw blurRad="44450" dist="27940" dir="5400000" algn="ctr">
+              <a:srgbClr val="000000">
+                <a:alpha val="32000"/>
+              </a:srgbClr>
+            </a:outerShdw>
+          </a:effectLst>
+          <a:scene3d>
+            <a:camera prst="orthographicFront">
+              <a:rot lat="0" lon="0" rev="0"/>
+            </a:camera>
+            <a:lightRig rig="balanced" dir="t">
+              <a:rot lat="0" lon="0" rev="8700000"/>
+            </a:lightRig>
+          </a:scene3d>
+          <a:sp3d>
+            <a:bevelT w="190500" h="38100"/>
+          </a:sp3d>
+        </p:spPr>
+        <p:style>
+          <a:lnRef idx="2">
+            <a:schemeClr val="accent1">
+              <a:shade val="50000"/>
+            </a:schemeClr>
+          </a:lnRef>
+          <a:fillRef idx="1">
+            <a:schemeClr val="accent1"/>
+          </a:fillRef>
+          <a:effectRef idx="0">
+            <a:schemeClr val="accent1"/>
+          </a:effectRef>
+          <a:fontRef idx="minor">
+            <a:schemeClr val="lt1"/>
+          </a:fontRef>
+        </p:style>
+        <p:txBody>
+          <a:bodyPr rtlCol="0" anchor="ctr"/>
+          <a:lstStyle/>
+          <a:p>
+            <a:pPr algn="ctr" latinLnBrk="1"/>
+            <a:r>
+              <a:rPr lang="zh-CN" altLang="en-US" sz="1400" dirty="0">
+                <a:solidFill>
+                  <a:schemeClr val="tx2"/>
+                </a:solidFill>
+                <a:latin typeface="微软雅黑" panose="020B0503020204020204" pitchFamily="34" charset="-122"/>
+                <a:ea typeface="微软雅黑" panose="020B0503020204020204" pitchFamily="34" charset="-122"/>
+              </a:rPr>
+              <a:t>获取群聊信息</a:t>
+            </a:r>
+            <a:endParaRPr lang="en-US" altLang="zh-CN" sz="1400" dirty="0">
+              <a:solidFill>
+                <a:schemeClr val="tx2"/>
+              </a:solidFill>
+              <a:latin typeface="微软雅黑" panose="020B0503020204020204" pitchFamily="34" charset="-122"/>
+              <a:ea typeface="微软雅黑" panose="020B0503020204020204" pitchFamily="34" charset="-122"/>
+            </a:endParaRPr>
+          </a:p>
+        </p:txBody>
+      </p:sp>
+      <p:cxnSp>
+        <p:nvCxnSpPr>
+          <p:cNvPr id="36" name="直接箭头连接符 35">
+            <a:extLst>
+              <a:ext uri="{FF2B5EF4-FFF2-40B4-BE49-F238E27FC236}">
+                <a16:creationId xmlns:a16="http://schemas.microsoft.com/office/drawing/2014/main" id="{827524FA-56D5-4E10-BFBF-04E4A491367C}"/>
+              </a:ext>
+            </a:extLst>
+          </p:cNvPr>
+          <p:cNvCxnSpPr/>
+          <p:nvPr/>
+        </p:nvCxnSpPr>
+        <p:spPr>
+          <a:xfrm>
+            <a:off x="6094412" y="3933056"/>
+            <a:ext cx="0" cy="288032"/>
+          </a:xfrm>
+          <a:prstGeom prst="straightConnector1">
+            <a:avLst/>
+          </a:prstGeom>
+          <a:ln>
+            <a:tailEnd type="triangle"/>
+          </a:ln>
+        </p:spPr>
+        <p:style>
+          <a:lnRef idx="1">
+            <a:schemeClr val="accent1"/>
+          </a:lnRef>
+          <a:fillRef idx="0">
+            <a:schemeClr val="accent1"/>
+          </a:fillRef>
+          <a:effectRef idx="0">
+            <a:schemeClr val="accent1"/>
+          </a:effectRef>
+          <a:fontRef idx="minor">
+            <a:schemeClr val="tx1"/>
+          </a:fontRef>
+        </p:style>
+      </p:cxnSp>
+      <p:sp>
+        <p:nvSpPr>
+          <p:cNvPr id="37" name="矩形 36">
+            <a:extLst>
+              <a:ext uri="{FF2B5EF4-FFF2-40B4-BE49-F238E27FC236}">
+                <a16:creationId xmlns:a16="http://schemas.microsoft.com/office/drawing/2014/main" id="{76A8BC10-9EF0-478F-AB61-964ECFD79F8C}"/>
+              </a:ext>
+            </a:extLst>
+          </p:cNvPr>
+          <p:cNvSpPr/>
+          <p:nvPr/>
+        </p:nvSpPr>
+        <p:spPr>
+          <a:xfrm>
+            <a:off x="4942284" y="4221088"/>
+            <a:ext cx="2448272" cy="360040"/>
+          </a:xfrm>
+          <a:prstGeom prst="rect">
+            <a:avLst/>
+          </a:prstGeom>
+          <a:solidFill>
+            <a:schemeClr val="bg2">
+              <a:lumMod val="90000"/>
+            </a:schemeClr>
+          </a:solidFill>
+          <a:ln>
+            <a:noFill/>
+          </a:ln>
+          <a:effectLst>
+            <a:outerShdw blurRad="44450" dist="27940" dir="5400000" algn="ctr">
+              <a:srgbClr val="000000">
+                <a:alpha val="32000"/>
+              </a:srgbClr>
+            </a:outerShdw>
+          </a:effectLst>
+          <a:scene3d>
+            <a:camera prst="orthographicFront">
+              <a:rot lat="0" lon="0" rev="0"/>
+            </a:camera>
+            <a:lightRig rig="balanced" dir="t">
+              <a:rot lat="0" lon="0" rev="8700000"/>
+            </a:lightRig>
+          </a:scene3d>
+          <a:sp3d>
+            <a:bevelT w="190500" h="38100"/>
+          </a:sp3d>
+        </p:spPr>
+        <p:style>
+          <a:lnRef idx="2">
+            <a:schemeClr val="accent1">
+              <a:shade val="50000"/>
+            </a:schemeClr>
+          </a:lnRef>
+          <a:fillRef idx="1">
+            <a:schemeClr val="accent1"/>
+          </a:fillRef>
+          <a:effectRef idx="0">
+            <a:schemeClr val="accent1"/>
+          </a:effectRef>
+          <a:fontRef idx="minor">
+            <a:schemeClr val="lt1"/>
+          </a:fontRef>
+        </p:style>
+        <p:txBody>
+          <a:bodyPr rtlCol="0" anchor="ctr"/>
+          <a:lstStyle/>
+          <a:p>
+            <a:pPr algn="ctr"/>
+            <a:r>
+              <a:rPr lang="zh-CN" altLang="en-US" sz="1400" dirty="0">
+                <a:solidFill>
+                  <a:schemeClr val="tx2"/>
+                </a:solidFill>
+                <a:latin typeface="微软雅黑" panose="020B0503020204020204" pitchFamily="34" charset="-122"/>
+                <a:ea typeface="微软雅黑" panose="020B0503020204020204" pitchFamily="34" charset="-122"/>
+              </a:rPr>
+              <a:t>发送信息</a:t>
+            </a:r>
+          </a:p>
+        </p:txBody>
+      </p:sp>
+      <p:sp>
+        <p:nvSpPr>
+          <p:cNvPr id="38" name="矩形 37">
+            <a:extLst>
+              <a:ext uri="{FF2B5EF4-FFF2-40B4-BE49-F238E27FC236}">
+                <a16:creationId xmlns:a16="http://schemas.microsoft.com/office/drawing/2014/main" id="{5DD956D0-E70A-4486-ADC5-6AF9C917A5B8}"/>
+              </a:ext>
+            </a:extLst>
+          </p:cNvPr>
+          <p:cNvSpPr/>
+          <p:nvPr/>
+        </p:nvSpPr>
+        <p:spPr>
+          <a:xfrm>
+            <a:off x="5494981" y="3933057"/>
+            <a:ext cx="599431" cy="307777"/>
+          </a:xfrm>
+          <a:prstGeom prst="rect">
+            <a:avLst/>
+          </a:prstGeom>
+        </p:spPr>
+        <p:txBody>
+          <a:bodyPr wrap="square">
+            <a:spAutoFit/>
+          </a:bodyPr>
+          <a:lstStyle/>
+          <a:p>
+            <a:pPr latinLnBrk="1"/>
+            <a:r>
+              <a:rPr lang="zh-CN" altLang="en-US" sz="1400" b="0" i="0" dirty="0">
+                <a:solidFill>
+                  <a:srgbClr val="5C5C5C"/>
+                </a:solidFill>
+                <a:effectLst/>
+                <a:latin typeface="微软雅黑" panose="020B0503020204020204" pitchFamily="34" charset="-122"/>
+                <a:ea typeface="微软雅黑" panose="020B0503020204020204" pitchFamily="34" charset="-122"/>
+              </a:rPr>
+              <a:t>符合</a:t>
+            </a:r>
+            <a:endParaRPr lang="en-US" altLang="zh-CN" sz="1400" b="0" i="0" dirty="0">
+              <a:solidFill>
+                <a:srgbClr val="5C5C5C"/>
+              </a:solidFill>
+              <a:effectLst/>
+              <a:latin typeface="微软雅黑" panose="020B0503020204020204" pitchFamily="34" charset="-122"/>
+              <a:ea typeface="微软雅黑" panose="020B0503020204020204" pitchFamily="34" charset="-122"/>
+            </a:endParaRPr>
+          </a:p>
+        </p:txBody>
+      </p:sp>
+      <p:sp>
+        <p:nvSpPr>
+          <p:cNvPr id="39" name="矩形 38">
+            <a:hlinkClick r:id="rId5"/>
+            <a:extLst>
+              <a:ext uri="{FF2B5EF4-FFF2-40B4-BE49-F238E27FC236}">
+                <a16:creationId xmlns:a16="http://schemas.microsoft.com/office/drawing/2014/main" id="{62EBDBBE-28B9-4861-981C-E87DA5213C42}"/>
+              </a:ext>
+            </a:extLst>
+          </p:cNvPr>
+          <p:cNvSpPr/>
+          <p:nvPr/>
+        </p:nvSpPr>
+        <p:spPr>
+          <a:xfrm>
+            <a:off x="6310436" y="2780928"/>
+            <a:ext cx="1224136" cy="360040"/>
+          </a:xfrm>
+          <a:prstGeom prst="rect">
+            <a:avLst/>
+          </a:prstGeom>
+          <a:solidFill>
+            <a:schemeClr val="bg2">
+              <a:lumMod val="90000"/>
+            </a:schemeClr>
+          </a:solidFill>
+          <a:ln>
+            <a:noFill/>
+          </a:ln>
+          <a:effectLst>
+            <a:outerShdw blurRad="44450" dist="27940" dir="5400000" algn="ctr">
+              <a:srgbClr val="000000">
+                <a:alpha val="32000"/>
+              </a:srgbClr>
+            </a:outerShdw>
+          </a:effectLst>
+          <a:scene3d>
+            <a:camera prst="orthographicFront">
+              <a:rot lat="0" lon="0" rev="0"/>
+            </a:camera>
+            <a:lightRig rig="balanced" dir="t">
+              <a:rot lat="0" lon="0" rev="8700000"/>
+            </a:lightRig>
+          </a:scene3d>
+          <a:sp3d>
+            <a:bevelT w="190500" h="38100"/>
+          </a:sp3d>
+        </p:spPr>
+        <p:style>
+          <a:lnRef idx="2">
+            <a:schemeClr val="accent1">
+              <a:shade val="50000"/>
+            </a:schemeClr>
+          </a:lnRef>
+          <a:fillRef idx="1">
+            <a:schemeClr val="accent1"/>
+          </a:fillRef>
+          <a:effectRef idx="0">
+            <a:schemeClr val="accent1"/>
+          </a:effectRef>
+          <a:fontRef idx="minor">
+            <a:schemeClr val="lt1"/>
+          </a:fontRef>
+        </p:style>
+        <p:txBody>
+          <a:bodyPr rtlCol="0" anchor="ctr"/>
+          <a:lstStyle/>
+          <a:p>
+            <a:pPr algn="ctr" latinLnBrk="1"/>
+            <a:r>
+              <a:rPr lang="zh-CN" altLang="en-US" sz="1400" dirty="0">
+                <a:solidFill>
+                  <a:schemeClr val="tx2"/>
+                </a:solidFill>
+                <a:latin typeface="微软雅黑" panose="020B0503020204020204" pitchFamily="34" charset="-122"/>
+                <a:ea typeface="微软雅黑" panose="020B0503020204020204" pitchFamily="34" charset="-122"/>
+              </a:rPr>
+              <a:t>创建群聊</a:t>
+            </a:r>
+            <a:endParaRPr lang="en-US" altLang="zh-CN" sz="1400" dirty="0">
+              <a:solidFill>
+                <a:schemeClr val="tx2"/>
+              </a:solidFill>
+              <a:latin typeface="微软雅黑" panose="020B0503020204020204" pitchFamily="34" charset="-122"/>
+              <a:ea typeface="微软雅黑" panose="020B0503020204020204" pitchFamily="34" charset="-122"/>
+            </a:endParaRPr>
+          </a:p>
+        </p:txBody>
+      </p:sp>
+      <p:cxnSp>
+        <p:nvCxnSpPr>
+          <p:cNvPr id="40" name="连接符: 肘形 39">
+            <a:extLst>
+              <a:ext uri="{FF2B5EF4-FFF2-40B4-BE49-F238E27FC236}">
+                <a16:creationId xmlns:a16="http://schemas.microsoft.com/office/drawing/2014/main" id="{4E7C6FA2-B280-48D7-B46D-FE8C0EBD4109}"/>
+              </a:ext>
+            </a:extLst>
+          </p:cNvPr>
+          <p:cNvCxnSpPr>
+            <a:cxnSpLocks/>
+            <a:stCxn id="33" idx="3"/>
+            <a:endCxn id="39" idx="3"/>
+          </p:cNvCxnSpPr>
+          <p:nvPr/>
+        </p:nvCxnSpPr>
+        <p:spPr>
+          <a:xfrm flipV="1">
+            <a:off x="7390556" y="2960948"/>
+            <a:ext cx="144016" cy="792088"/>
+          </a:xfrm>
+          <a:prstGeom prst="bentConnector3">
+            <a:avLst>
+              <a:gd name="adj1" fmla="val 258732"/>
+            </a:avLst>
+          </a:prstGeom>
+          <a:ln>
+            <a:tailEnd type="triangle"/>
+          </a:ln>
+        </p:spPr>
+        <p:style>
+          <a:lnRef idx="1">
+            <a:schemeClr val="accent1"/>
+          </a:lnRef>
+          <a:fillRef idx="0">
+            <a:schemeClr val="accent1"/>
+          </a:fillRef>
+          <a:effectRef idx="0">
+            <a:schemeClr val="accent1"/>
+          </a:effectRef>
+          <a:fontRef idx="minor">
+            <a:schemeClr val="tx1"/>
+          </a:fontRef>
+        </p:style>
+      </p:cxnSp>
+      <p:sp>
+        <p:nvSpPr>
+          <p:cNvPr id="42" name="矩形 41">
+            <a:extLst>
+              <a:ext uri="{FF2B5EF4-FFF2-40B4-BE49-F238E27FC236}">
+                <a16:creationId xmlns:a16="http://schemas.microsoft.com/office/drawing/2014/main" id="{5653DEDE-B3E8-43EC-B986-7F2DAFF65292}"/>
+              </a:ext>
+            </a:extLst>
+          </p:cNvPr>
+          <p:cNvSpPr/>
+          <p:nvPr/>
+        </p:nvSpPr>
+        <p:spPr>
+          <a:xfrm>
+            <a:off x="7462564" y="3429000"/>
+            <a:ext cx="792088" cy="307777"/>
+          </a:xfrm>
+          <a:prstGeom prst="rect">
+            <a:avLst/>
+          </a:prstGeom>
+        </p:spPr>
+        <p:txBody>
+          <a:bodyPr wrap="square">
+            <a:spAutoFit/>
+          </a:bodyPr>
+          <a:lstStyle/>
+          <a:p>
+            <a:pPr latinLnBrk="1"/>
+            <a:r>
+              <a:rPr lang="zh-CN" altLang="en-US" sz="1400" dirty="0">
+                <a:solidFill>
+                  <a:srgbClr val="5C5C5C"/>
+                </a:solidFill>
+                <a:latin typeface="微软雅黑" panose="020B0503020204020204" pitchFamily="34" charset="-122"/>
+                <a:ea typeface="微软雅黑" panose="020B0503020204020204" pitchFamily="34" charset="-122"/>
+              </a:rPr>
+              <a:t>被解散</a:t>
+            </a:r>
+            <a:endParaRPr lang="en-US" altLang="zh-CN" sz="1400" b="0" i="0" dirty="0">
+              <a:solidFill>
+                <a:srgbClr val="5C5C5C"/>
+              </a:solidFill>
+              <a:effectLst/>
+              <a:latin typeface="微软雅黑" panose="020B0503020204020204" pitchFamily="34" charset="-122"/>
+              <a:ea typeface="微软雅黑" panose="020B0503020204020204" pitchFamily="34" charset="-122"/>
+            </a:endParaRPr>
+          </a:p>
+        </p:txBody>
+      </p:sp>
+      <p:sp>
+        <p:nvSpPr>
+          <p:cNvPr id="44" name="矩形 43">
+            <a:hlinkClick r:id="rId6"/>
+            <a:extLst>
+              <a:ext uri="{FF2B5EF4-FFF2-40B4-BE49-F238E27FC236}">
+                <a16:creationId xmlns:a16="http://schemas.microsoft.com/office/drawing/2014/main" id="{8E934DAE-BD5C-44A9-83A7-4B18D45A8CB6}"/>
+              </a:ext>
+            </a:extLst>
+          </p:cNvPr>
+          <p:cNvSpPr/>
+          <p:nvPr/>
+        </p:nvSpPr>
+        <p:spPr>
+          <a:xfrm>
+            <a:off x="4942284" y="2780928"/>
+            <a:ext cx="1080120" cy="360040"/>
+          </a:xfrm>
+          <a:prstGeom prst="rect">
+            <a:avLst/>
+          </a:prstGeom>
+          <a:solidFill>
+            <a:schemeClr val="bg2">
+              <a:lumMod val="90000"/>
+            </a:schemeClr>
+          </a:solidFill>
+          <a:ln>
+            <a:noFill/>
+          </a:ln>
+          <a:effectLst>
+            <a:outerShdw blurRad="44450" dist="27940" dir="5400000" algn="ctr">
+              <a:srgbClr val="000000">
+                <a:alpha val="32000"/>
+              </a:srgbClr>
+            </a:outerShdw>
+          </a:effectLst>
+          <a:scene3d>
+            <a:camera prst="orthographicFront">
+              <a:rot lat="0" lon="0" rev="0"/>
+            </a:camera>
+            <a:lightRig rig="balanced" dir="t">
+              <a:rot lat="0" lon="0" rev="8700000"/>
+            </a:lightRig>
+          </a:scene3d>
+          <a:sp3d>
+            <a:bevelT w="190500" h="38100"/>
+          </a:sp3d>
+        </p:spPr>
+        <p:style>
+          <a:lnRef idx="2">
+            <a:schemeClr val="accent1">
+              <a:shade val="50000"/>
+            </a:schemeClr>
+          </a:lnRef>
+          <a:fillRef idx="1">
+            <a:schemeClr val="accent1"/>
+          </a:fillRef>
+          <a:effectRef idx="0">
+            <a:schemeClr val="accent1"/>
+          </a:effectRef>
+          <a:fontRef idx="minor">
+            <a:schemeClr val="lt1"/>
+          </a:fontRef>
+        </p:style>
+        <p:txBody>
+          <a:bodyPr rtlCol="0" anchor="ctr"/>
+          <a:lstStyle/>
+          <a:p>
+            <a:pPr algn="ctr" latinLnBrk="1"/>
+            <a:r>
+              <a:rPr lang="zh-CN" altLang="en-US" sz="1400" dirty="0">
+                <a:solidFill>
+                  <a:schemeClr val="tx2"/>
+                </a:solidFill>
+                <a:latin typeface="微软雅黑" panose="020B0503020204020204" pitchFamily="34" charset="-122"/>
+                <a:ea typeface="微软雅黑" panose="020B0503020204020204" pitchFamily="34" charset="-122"/>
+              </a:rPr>
+              <a:t>更新群信息</a:t>
+            </a:r>
+            <a:endParaRPr lang="en-US" altLang="zh-CN" sz="1400" dirty="0">
+              <a:solidFill>
+                <a:schemeClr val="tx2"/>
+              </a:solidFill>
+              <a:latin typeface="微软雅黑" panose="020B0503020204020204" pitchFamily="34" charset="-122"/>
+              <a:ea typeface="微软雅黑" panose="020B0503020204020204" pitchFamily="34" charset="-122"/>
+            </a:endParaRPr>
+          </a:p>
+        </p:txBody>
+      </p:sp>
+      <p:cxnSp>
+        <p:nvCxnSpPr>
+          <p:cNvPr id="48" name="连接符: 肘形 47">
+            <a:extLst>
+              <a:ext uri="{FF2B5EF4-FFF2-40B4-BE49-F238E27FC236}">
+                <a16:creationId xmlns:a16="http://schemas.microsoft.com/office/drawing/2014/main" id="{40A95324-1A66-4B51-BF31-87866F770EB1}"/>
+              </a:ext>
+            </a:extLst>
+          </p:cNvPr>
+          <p:cNvCxnSpPr>
+            <a:stCxn id="33" idx="1"/>
+            <a:endCxn id="44" idx="1"/>
+          </p:cNvCxnSpPr>
+          <p:nvPr/>
+        </p:nvCxnSpPr>
+        <p:spPr>
+          <a:xfrm rot="10800000">
+            <a:off x="4942284" y="2960948"/>
+            <a:ext cx="12700" cy="792088"/>
+          </a:xfrm>
+          <a:prstGeom prst="bentConnector3">
+            <a:avLst>
+              <a:gd name="adj1" fmla="val 1800000"/>
+            </a:avLst>
+          </a:prstGeom>
+          <a:ln>
+            <a:tailEnd type="triangle"/>
+          </a:ln>
+        </p:spPr>
+        <p:style>
+          <a:lnRef idx="1">
+            <a:schemeClr val="accent1"/>
+          </a:lnRef>
+          <a:fillRef idx="0">
+            <a:schemeClr val="accent1"/>
+          </a:fillRef>
+          <a:effectRef idx="0">
+            <a:schemeClr val="accent1"/>
+          </a:effectRef>
+          <a:fontRef idx="minor">
+            <a:schemeClr val="tx1"/>
+          </a:fontRef>
+        </p:style>
+      </p:cxnSp>
+      <p:sp>
+        <p:nvSpPr>
+          <p:cNvPr id="49" name="矩形 48">
+            <a:extLst>
+              <a:ext uri="{FF2B5EF4-FFF2-40B4-BE49-F238E27FC236}">
+                <a16:creationId xmlns:a16="http://schemas.microsoft.com/office/drawing/2014/main" id="{DAC3CB60-59B2-4841-8355-6AEE4BE38888}"/>
+              </a:ext>
+            </a:extLst>
+          </p:cNvPr>
+          <p:cNvSpPr/>
+          <p:nvPr/>
+        </p:nvSpPr>
+        <p:spPr>
+          <a:xfrm>
+            <a:off x="4222204" y="3356992"/>
+            <a:ext cx="936104" cy="307777"/>
+          </a:xfrm>
+          <a:prstGeom prst="rect">
+            <a:avLst/>
+          </a:prstGeom>
+        </p:spPr>
+        <p:txBody>
+          <a:bodyPr wrap="square">
+            <a:spAutoFit/>
+          </a:bodyPr>
+          <a:lstStyle/>
+          <a:p>
+            <a:pPr latinLnBrk="1"/>
+            <a:r>
+              <a:rPr lang="zh-CN" altLang="en-US" sz="1400" b="0" i="0" dirty="0">
+                <a:solidFill>
+                  <a:srgbClr val="5C5C5C"/>
+                </a:solidFill>
+                <a:effectLst/>
+                <a:latin typeface="微软雅黑" panose="020B0503020204020204" pitchFamily="34" charset="-122"/>
+                <a:ea typeface="微软雅黑" panose="020B0503020204020204" pitchFamily="34" charset="-122"/>
+              </a:rPr>
+              <a:t>有人退群</a:t>
+            </a:r>
+            <a:endParaRPr lang="en-US" altLang="zh-CN" sz="1400" b="0" i="0" dirty="0">
+              <a:solidFill>
+                <a:srgbClr val="5C5C5C"/>
+              </a:solidFill>
+              <a:effectLst/>
+              <a:latin typeface="微软雅黑" panose="020B0503020204020204" pitchFamily="34" charset="-122"/>
+              <a:ea typeface="微软雅黑" panose="020B0503020204020204" pitchFamily="34" charset="-122"/>
+            </a:endParaRPr>
+          </a:p>
+        </p:txBody>
+      </p:sp>
+      <p:cxnSp>
+        <p:nvCxnSpPr>
+          <p:cNvPr id="51" name="直接箭头连接符 50">
+            <a:extLst>
+              <a:ext uri="{FF2B5EF4-FFF2-40B4-BE49-F238E27FC236}">
+                <a16:creationId xmlns:a16="http://schemas.microsoft.com/office/drawing/2014/main" id="{F4D5CBAD-0646-43D3-ADA2-21D22C815FAF}"/>
+              </a:ext>
+            </a:extLst>
+          </p:cNvPr>
+          <p:cNvCxnSpPr>
+            <a:cxnSpLocks/>
+            <a:stCxn id="44" idx="2"/>
+          </p:cNvCxnSpPr>
+          <p:nvPr/>
+        </p:nvCxnSpPr>
+        <p:spPr>
+          <a:xfrm>
+            <a:off x="5482344" y="3140968"/>
+            <a:ext cx="0" cy="432048"/>
+          </a:xfrm>
+          <a:prstGeom prst="straightConnector1">
+            <a:avLst/>
+          </a:prstGeom>
+          <a:ln>
+            <a:tailEnd type="triangle"/>
+          </a:ln>
+        </p:spPr>
+        <p:style>
+          <a:lnRef idx="1">
+            <a:schemeClr val="accent1"/>
+          </a:lnRef>
+          <a:fillRef idx="0">
+            <a:schemeClr val="accent1"/>
+          </a:fillRef>
+          <a:effectRef idx="0">
+            <a:schemeClr val="accent1"/>
+          </a:effectRef>
+          <a:fontRef idx="minor">
+            <a:schemeClr val="tx1"/>
+          </a:fontRef>
+        </p:style>
+      </p:cxnSp>
+      <p:cxnSp>
+        <p:nvCxnSpPr>
+          <p:cNvPr id="54" name="直接箭头连接符 53">
+            <a:extLst>
+              <a:ext uri="{FF2B5EF4-FFF2-40B4-BE49-F238E27FC236}">
+                <a16:creationId xmlns:a16="http://schemas.microsoft.com/office/drawing/2014/main" id="{7BE8C526-793C-49C8-821C-C22C8E96ADDD}"/>
+              </a:ext>
+            </a:extLst>
+          </p:cNvPr>
+          <p:cNvCxnSpPr>
+            <a:cxnSpLocks/>
+            <a:stCxn id="39" idx="2"/>
+          </p:cNvCxnSpPr>
+          <p:nvPr/>
+        </p:nvCxnSpPr>
+        <p:spPr>
+          <a:xfrm>
+            <a:off x="6922504" y="3140968"/>
+            <a:ext cx="0" cy="432048"/>
+          </a:xfrm>
+          <a:prstGeom prst="straightConnector1">
+            <a:avLst/>
+          </a:prstGeom>
+          <a:ln>
+            <a:tailEnd type="triangle"/>
+          </a:ln>
+        </p:spPr>
+        <p:style>
+          <a:lnRef idx="1">
+            <a:schemeClr val="accent1"/>
+          </a:lnRef>
+          <a:fillRef idx="0">
+            <a:schemeClr val="accent1"/>
+          </a:fillRef>
+          <a:effectRef idx="0">
+            <a:schemeClr val="accent1"/>
+          </a:effectRef>
+          <a:fontRef idx="minor">
+            <a:schemeClr val="tx1"/>
+          </a:fontRef>
+        </p:style>
+      </p:cxnSp>
+      <p:sp>
+        <p:nvSpPr>
+          <p:cNvPr id="56" name="箭头: 下 55">
+            <a:extLst>
+              <a:ext uri="{FF2B5EF4-FFF2-40B4-BE49-F238E27FC236}">
+                <a16:creationId xmlns:a16="http://schemas.microsoft.com/office/drawing/2014/main" id="{27EC98C7-ECDD-4C36-B85E-C2AA0ACE353A}"/>
+              </a:ext>
+            </a:extLst>
+          </p:cNvPr>
+          <p:cNvSpPr/>
+          <p:nvPr/>
+        </p:nvSpPr>
+        <p:spPr>
+          <a:xfrm>
+            <a:off x="4078188" y="1484784"/>
+            <a:ext cx="648072" cy="1080120"/>
+          </a:xfrm>
+          <a:prstGeom prst="downArrow">
+            <a:avLst/>
+          </a:prstGeom>
+          <a:noFill/>
+          <a:ln>
+            <a:solidFill>
+              <a:schemeClr val="tx2"/>
+            </a:solidFill>
+          </a:ln>
+        </p:spPr>
+        <p:style>
+          <a:lnRef idx="2">
+            <a:schemeClr val="accent1">
+              <a:shade val="50000"/>
+            </a:schemeClr>
+          </a:lnRef>
+          <a:fillRef idx="1">
+            <a:schemeClr val="accent1"/>
+          </a:fillRef>
+          <a:effectRef idx="0">
+            <a:schemeClr val="accent1"/>
+          </a:effectRef>
+          <a:fontRef idx="minor">
+            <a:schemeClr val="lt1"/>
+          </a:fontRef>
+        </p:style>
+        <p:txBody>
+          <a:bodyPr rtlCol="0" anchor="ctr"/>
+          <a:lstStyle/>
+          <a:p>
+            <a:pPr algn="ctr"/>
+            <a:endParaRPr lang="zh-CN" altLang="en-US"/>
+          </a:p>
+        </p:txBody>
+      </p:sp>
+      <p:sp>
+        <p:nvSpPr>
+          <p:cNvPr id="57" name="矩形 56">
+            <a:extLst>
+              <a:ext uri="{FF2B5EF4-FFF2-40B4-BE49-F238E27FC236}">
+                <a16:creationId xmlns:a16="http://schemas.microsoft.com/office/drawing/2014/main" id="{3CD1BC52-EBD0-4E6E-B563-F73088A638AB}"/>
+              </a:ext>
+            </a:extLst>
+          </p:cNvPr>
+          <p:cNvSpPr/>
+          <p:nvPr/>
+        </p:nvSpPr>
+        <p:spPr>
+          <a:xfrm>
+            <a:off x="3142084" y="1484784"/>
+            <a:ext cx="1656184" cy="738664"/>
+          </a:xfrm>
+          <a:prstGeom prst="rect">
+            <a:avLst/>
+          </a:prstGeom>
+        </p:spPr>
+        <p:txBody>
+          <a:bodyPr wrap="square">
+            <a:spAutoFit/>
+          </a:bodyPr>
+          <a:lstStyle/>
+          <a:p>
+            <a:pPr latinLnBrk="1"/>
+            <a:r>
+              <a:rPr lang="zh-CN" altLang="en-US" sz="1400" dirty="0">
+                <a:solidFill>
+                  <a:srgbClr val="5C5C5C"/>
+                </a:solidFill>
+                <a:latin typeface="微软雅黑" panose="020B0503020204020204" pitchFamily="34" charset="-122"/>
+                <a:ea typeface="微软雅黑" panose="020B0503020204020204" pitchFamily="34" charset="-122"/>
+              </a:rPr>
+              <a:t>输入：</a:t>
+            </a:r>
+            <a:endParaRPr lang="en-US" altLang="zh-CN" sz="1400" dirty="0">
+              <a:solidFill>
+                <a:srgbClr val="5C5C5C"/>
+              </a:solidFill>
+              <a:latin typeface="微软雅黑" panose="020B0503020204020204" pitchFamily="34" charset="-122"/>
+              <a:ea typeface="微软雅黑" panose="020B0503020204020204" pitchFamily="34" charset="-122"/>
+            </a:endParaRPr>
+          </a:p>
+          <a:p>
+            <a:pPr latinLnBrk="1"/>
+            <a:r>
+              <a:rPr lang="zh-CN" altLang="en-US" sz="1400" dirty="0">
+                <a:solidFill>
+                  <a:srgbClr val="5C5C5C"/>
+                </a:solidFill>
+                <a:latin typeface="微软雅黑" panose="020B0503020204020204" pitchFamily="34" charset="-122"/>
+                <a:ea typeface="微软雅黑" panose="020B0503020204020204" pitchFamily="34" charset="-122"/>
+              </a:rPr>
+              <a:t>人员清单，</a:t>
+            </a:r>
+            <a:endParaRPr lang="en-US" altLang="zh-CN" sz="1400" dirty="0">
+              <a:solidFill>
+                <a:srgbClr val="5C5C5C"/>
+              </a:solidFill>
+              <a:latin typeface="微软雅黑" panose="020B0503020204020204" pitchFamily="34" charset="-122"/>
+              <a:ea typeface="微软雅黑" panose="020B0503020204020204" pitchFamily="34" charset="-122"/>
+            </a:endParaRPr>
+          </a:p>
+          <a:p>
+            <a:pPr latinLnBrk="1"/>
+            <a:r>
+              <a:rPr lang="zh-CN" altLang="en-US" sz="1400" dirty="0">
+                <a:solidFill>
+                  <a:srgbClr val="5C5C5C"/>
+                </a:solidFill>
+                <a:latin typeface="微软雅黑" panose="020B0503020204020204" pitchFamily="34" charset="-122"/>
+                <a:ea typeface="微软雅黑" panose="020B0503020204020204" pitchFamily="34" charset="-122"/>
+              </a:rPr>
+              <a:t>信息内容</a:t>
+            </a:r>
+            <a:endParaRPr lang="en-US" altLang="zh-CN" sz="1400" b="0" i="0" dirty="0">
+              <a:solidFill>
+                <a:srgbClr val="5C5C5C"/>
+              </a:solidFill>
+              <a:effectLst/>
+              <a:latin typeface="微软雅黑" panose="020B0503020204020204" pitchFamily="34" charset="-122"/>
+              <a:ea typeface="微软雅黑" panose="020B0503020204020204" pitchFamily="34" charset="-122"/>
+            </a:endParaRPr>
+          </a:p>
+        </p:txBody>
+      </p:sp>
+      <p:sp>
+        <p:nvSpPr>
+          <p:cNvPr id="58" name="箭头: 下 57">
+            <a:extLst>
+              <a:ext uri="{FF2B5EF4-FFF2-40B4-BE49-F238E27FC236}">
+                <a16:creationId xmlns:a16="http://schemas.microsoft.com/office/drawing/2014/main" id="{5B6C7C85-3257-4408-947E-0C81AE130BF9}"/>
+              </a:ext>
+            </a:extLst>
+          </p:cNvPr>
+          <p:cNvSpPr/>
+          <p:nvPr/>
+        </p:nvSpPr>
+        <p:spPr>
+          <a:xfrm>
+            <a:off x="4078188" y="5517232"/>
+            <a:ext cx="648072" cy="1080120"/>
+          </a:xfrm>
+          <a:prstGeom prst="downArrow">
+            <a:avLst/>
+          </a:prstGeom>
+          <a:noFill/>
+          <a:ln>
+            <a:solidFill>
+              <a:schemeClr val="tx2"/>
+            </a:solidFill>
+          </a:ln>
+        </p:spPr>
+        <p:style>
+          <a:lnRef idx="2">
+            <a:schemeClr val="accent1">
+              <a:shade val="50000"/>
+            </a:schemeClr>
+          </a:lnRef>
+          <a:fillRef idx="1">
+            <a:schemeClr val="accent1"/>
+          </a:fillRef>
+          <a:effectRef idx="0">
+            <a:schemeClr val="accent1"/>
+          </a:effectRef>
+          <a:fontRef idx="minor">
+            <a:schemeClr val="lt1"/>
+          </a:fontRef>
+        </p:style>
+        <p:txBody>
+          <a:bodyPr rtlCol="0" anchor="ctr"/>
+          <a:lstStyle/>
+          <a:p>
+            <a:pPr algn="ctr"/>
+            <a:endParaRPr lang="zh-CN" altLang="en-US"/>
+          </a:p>
+        </p:txBody>
+      </p:sp>
+      <p:sp>
+        <p:nvSpPr>
+          <p:cNvPr id="59" name="矩形 58">
+            <a:extLst>
+              <a:ext uri="{FF2B5EF4-FFF2-40B4-BE49-F238E27FC236}">
+                <a16:creationId xmlns:a16="http://schemas.microsoft.com/office/drawing/2014/main" id="{572A6EB5-DC41-4422-88B5-1EA215E81A23}"/>
+              </a:ext>
+            </a:extLst>
+          </p:cNvPr>
+          <p:cNvSpPr/>
+          <p:nvPr/>
+        </p:nvSpPr>
+        <p:spPr>
+          <a:xfrm>
+            <a:off x="4942284" y="5661248"/>
+            <a:ext cx="1656184" cy="523220"/>
+          </a:xfrm>
+          <a:prstGeom prst="rect">
+            <a:avLst/>
+          </a:prstGeom>
+        </p:spPr>
+        <p:txBody>
+          <a:bodyPr wrap="square">
+            <a:spAutoFit/>
+          </a:bodyPr>
+          <a:lstStyle/>
+          <a:p>
+            <a:pPr latinLnBrk="1"/>
+            <a:r>
+              <a:rPr lang="zh-CN" altLang="en-US" sz="1400" dirty="0">
+                <a:solidFill>
+                  <a:srgbClr val="5C5C5C"/>
+                </a:solidFill>
+                <a:latin typeface="微软雅黑" panose="020B0503020204020204" pitchFamily="34" charset="-122"/>
+                <a:ea typeface="微软雅黑" panose="020B0503020204020204" pitchFamily="34" charset="-122"/>
+              </a:rPr>
+              <a:t>输出：</a:t>
+            </a:r>
+            <a:endParaRPr lang="en-US" altLang="zh-CN" sz="1400" dirty="0">
+              <a:solidFill>
+                <a:srgbClr val="5C5C5C"/>
+              </a:solidFill>
+              <a:latin typeface="微软雅黑" panose="020B0503020204020204" pitchFamily="34" charset="-122"/>
+              <a:ea typeface="微软雅黑" panose="020B0503020204020204" pitchFamily="34" charset="-122"/>
+            </a:endParaRPr>
+          </a:p>
+          <a:p>
+            <a:pPr latinLnBrk="1"/>
+            <a:r>
+              <a:rPr lang="zh-CN" altLang="en-US" sz="1400" dirty="0">
+                <a:solidFill>
+                  <a:srgbClr val="5C5C5C"/>
+                </a:solidFill>
+                <a:latin typeface="微软雅黑" panose="020B0503020204020204" pitchFamily="34" charset="-122"/>
+                <a:ea typeface="微软雅黑" panose="020B0503020204020204" pitchFamily="34" charset="-122"/>
+              </a:rPr>
+              <a:t>信息准确发送到人</a:t>
+            </a:r>
+            <a:endParaRPr lang="en-US" altLang="zh-CN" sz="1400" b="0" i="0" dirty="0">
+              <a:solidFill>
+                <a:srgbClr val="5C5C5C"/>
+              </a:solidFill>
+              <a:effectLst/>
+              <a:latin typeface="微软雅黑" panose="020B0503020204020204" pitchFamily="34" charset="-122"/>
+              <a:ea typeface="微软雅黑" panose="020B0503020204020204" pitchFamily="34" charset="-122"/>
+            </a:endParaRPr>
+          </a:p>
+        </p:txBody>
+      </p:sp>
+      <p:sp>
+        <p:nvSpPr>
+          <p:cNvPr id="60" name="矩形 59">
+            <a:hlinkClick r:id="rId7"/>
+            <a:extLst>
+              <a:ext uri="{FF2B5EF4-FFF2-40B4-BE49-F238E27FC236}">
+                <a16:creationId xmlns:a16="http://schemas.microsoft.com/office/drawing/2014/main" id="{5857AE7E-3CF4-44A7-9DE6-252B5FF6C6DD}"/>
+              </a:ext>
+            </a:extLst>
+          </p:cNvPr>
+          <p:cNvSpPr/>
+          <p:nvPr/>
+        </p:nvSpPr>
+        <p:spPr>
+          <a:xfrm>
+            <a:off x="8614692" y="2780928"/>
+            <a:ext cx="1728192" cy="360040"/>
+          </a:xfrm>
+          <a:prstGeom prst="rect">
+            <a:avLst/>
+          </a:prstGeom>
+          <a:solidFill>
+            <a:schemeClr val="bg2">
+              <a:lumMod val="90000"/>
+            </a:schemeClr>
+          </a:solidFill>
+          <a:ln>
+            <a:noFill/>
+          </a:ln>
+          <a:effectLst>
+            <a:outerShdw blurRad="44450" dist="27940" dir="5400000" algn="ctr">
+              <a:srgbClr val="000000">
+                <a:alpha val="32000"/>
+              </a:srgbClr>
+            </a:outerShdw>
+          </a:effectLst>
+          <a:scene3d>
+            <a:camera prst="orthographicFront">
+              <a:rot lat="0" lon="0" rev="0"/>
+            </a:camera>
+            <a:lightRig rig="balanced" dir="t">
+              <a:rot lat="0" lon="0" rev="8700000"/>
+            </a:lightRig>
+          </a:scene3d>
+          <a:sp3d>
+            <a:bevelT w="190500" h="38100"/>
+          </a:sp3d>
+        </p:spPr>
+        <p:style>
+          <a:lnRef idx="2">
+            <a:schemeClr val="accent1">
+              <a:shade val="50000"/>
+            </a:schemeClr>
+          </a:lnRef>
+          <a:fillRef idx="1">
+            <a:schemeClr val="accent1"/>
+          </a:fillRef>
+          <a:effectRef idx="0">
+            <a:schemeClr val="accent1"/>
+          </a:effectRef>
+          <a:fontRef idx="minor">
+            <a:schemeClr val="lt1"/>
+          </a:fontRef>
+        </p:style>
+        <p:txBody>
+          <a:bodyPr rtlCol="0" anchor="ctr"/>
+          <a:lstStyle/>
+          <a:p>
+            <a:pPr algn="ctr"/>
+            <a:r>
+              <a:rPr lang="zh-CN" altLang="en-US" sz="1400" dirty="0">
+                <a:solidFill>
+                  <a:schemeClr val="tx2"/>
+                </a:solidFill>
+                <a:latin typeface="微软雅黑" panose="020B0503020204020204" pitchFamily="34" charset="-122"/>
+                <a:ea typeface="微软雅黑" panose="020B0503020204020204" pitchFamily="34" charset="-122"/>
+              </a:rPr>
+              <a:t>注册事件回调</a:t>
+            </a:r>
+          </a:p>
+        </p:txBody>
+      </p:sp>
+      <p:sp>
+        <p:nvSpPr>
+          <p:cNvPr id="61" name="矩形 60">
+            <a:extLst>
+              <a:ext uri="{FF2B5EF4-FFF2-40B4-BE49-F238E27FC236}">
+                <a16:creationId xmlns:a16="http://schemas.microsoft.com/office/drawing/2014/main" id="{BC05CAF3-6586-45F9-90CC-54DBFA11A898}"/>
+              </a:ext>
+            </a:extLst>
+          </p:cNvPr>
+          <p:cNvSpPr/>
+          <p:nvPr/>
+        </p:nvSpPr>
+        <p:spPr>
+          <a:xfrm>
+            <a:off x="8614692" y="3573016"/>
+            <a:ext cx="1728192" cy="360040"/>
+          </a:xfrm>
+          <a:prstGeom prst="rect">
+            <a:avLst/>
+          </a:prstGeom>
+          <a:solidFill>
+            <a:schemeClr val="bg2">
+              <a:lumMod val="90000"/>
+            </a:schemeClr>
+          </a:solidFill>
+          <a:ln>
+            <a:noFill/>
+          </a:ln>
+          <a:effectLst>
+            <a:outerShdw blurRad="44450" dist="27940" dir="5400000" algn="ctr">
+              <a:srgbClr val="000000">
+                <a:alpha val="32000"/>
+              </a:srgbClr>
+            </a:outerShdw>
+          </a:effectLst>
+          <a:scene3d>
+            <a:camera prst="orthographicFront">
+              <a:rot lat="0" lon="0" rev="0"/>
+            </a:camera>
+            <a:lightRig rig="balanced" dir="t">
+              <a:rot lat="0" lon="0" rev="8700000"/>
+            </a:lightRig>
+          </a:scene3d>
+          <a:sp3d>
+            <a:bevelT w="190500" h="38100"/>
+          </a:sp3d>
+        </p:spPr>
+        <p:style>
+          <a:lnRef idx="2">
+            <a:schemeClr val="accent1">
+              <a:shade val="50000"/>
+            </a:schemeClr>
+          </a:lnRef>
+          <a:fillRef idx="1">
+            <a:schemeClr val="accent1"/>
+          </a:fillRef>
+          <a:effectRef idx="0">
+            <a:schemeClr val="accent1"/>
+          </a:effectRef>
+          <a:fontRef idx="minor">
+            <a:schemeClr val="lt1"/>
+          </a:fontRef>
+        </p:style>
+        <p:txBody>
+          <a:bodyPr rtlCol="0" anchor="ctr"/>
+          <a:lstStyle/>
+          <a:p>
+            <a:pPr algn="ctr"/>
+            <a:r>
+              <a:rPr lang="zh-CN" altLang="en-US" sz="1400" dirty="0">
+                <a:solidFill>
+                  <a:schemeClr val="tx2"/>
+                </a:solidFill>
+                <a:latin typeface="微软雅黑" panose="020B0503020204020204" pitchFamily="34" charset="-122"/>
+                <a:ea typeface="微软雅黑" panose="020B0503020204020204" pitchFamily="34" charset="-122"/>
+              </a:rPr>
+              <a:t>个人系统收到消息</a:t>
+            </a:r>
+          </a:p>
+        </p:txBody>
+      </p:sp>
+      <p:sp>
+        <p:nvSpPr>
+          <p:cNvPr id="62" name="矩形 61">
+            <a:extLst>
+              <a:ext uri="{FF2B5EF4-FFF2-40B4-BE49-F238E27FC236}">
+                <a16:creationId xmlns:a16="http://schemas.microsoft.com/office/drawing/2014/main" id="{55F3C950-79C5-4AB5-A129-9A7572F96AE6}"/>
+              </a:ext>
+            </a:extLst>
+          </p:cNvPr>
+          <p:cNvSpPr/>
+          <p:nvPr/>
+        </p:nvSpPr>
+        <p:spPr>
+          <a:xfrm>
+            <a:off x="8614692" y="4293096"/>
+            <a:ext cx="1728192" cy="360040"/>
+          </a:xfrm>
+          <a:prstGeom prst="rect">
+            <a:avLst/>
+          </a:prstGeom>
+          <a:solidFill>
+            <a:schemeClr val="bg2">
+              <a:lumMod val="90000"/>
+            </a:schemeClr>
+          </a:solidFill>
+          <a:ln>
+            <a:noFill/>
+          </a:ln>
+          <a:effectLst>
+            <a:outerShdw blurRad="44450" dist="27940" dir="5400000" algn="ctr">
+              <a:srgbClr val="000000">
+                <a:alpha val="32000"/>
+              </a:srgbClr>
+            </a:outerShdw>
+          </a:effectLst>
+          <a:scene3d>
+            <a:camera prst="orthographicFront">
+              <a:rot lat="0" lon="0" rev="0"/>
+            </a:camera>
+            <a:lightRig rig="balanced" dir="t">
+              <a:rot lat="0" lon="0" rev="8700000"/>
+            </a:lightRig>
+          </a:scene3d>
+          <a:sp3d>
+            <a:bevelT w="190500" h="38100"/>
+          </a:sp3d>
+        </p:spPr>
+        <p:style>
+          <a:lnRef idx="2">
+            <a:schemeClr val="accent1">
+              <a:shade val="50000"/>
+            </a:schemeClr>
+          </a:lnRef>
+          <a:fillRef idx="1">
+            <a:schemeClr val="accent1"/>
+          </a:fillRef>
+          <a:effectRef idx="0">
+            <a:schemeClr val="accent1"/>
+          </a:effectRef>
+          <a:fontRef idx="minor">
+            <a:schemeClr val="lt1"/>
+          </a:fontRef>
+        </p:style>
+        <p:txBody>
+          <a:bodyPr rtlCol="0" anchor="ctr"/>
+          <a:lstStyle/>
+          <a:p>
+            <a:pPr algn="ctr"/>
+            <a:r>
+              <a:rPr lang="zh-CN" altLang="en-US" sz="1400" dirty="0">
+                <a:solidFill>
+                  <a:schemeClr val="tx2"/>
+                </a:solidFill>
+                <a:latin typeface="微软雅黑" panose="020B0503020204020204" pitchFamily="34" charset="-122"/>
+                <a:ea typeface="微软雅黑" panose="020B0503020204020204" pitchFamily="34" charset="-122"/>
+              </a:rPr>
+              <a:t>发动钉钉给负责人</a:t>
+            </a:r>
+          </a:p>
+        </p:txBody>
+      </p:sp>
+      <p:cxnSp>
+        <p:nvCxnSpPr>
+          <p:cNvPr id="64" name="直接箭头连接符 63">
+            <a:extLst>
+              <a:ext uri="{FF2B5EF4-FFF2-40B4-BE49-F238E27FC236}">
+                <a16:creationId xmlns:a16="http://schemas.microsoft.com/office/drawing/2014/main" id="{0AD35B8E-3CEA-491D-AC56-75E3D96F4EC2}"/>
+              </a:ext>
+            </a:extLst>
+          </p:cNvPr>
+          <p:cNvCxnSpPr>
+            <a:stCxn id="60" idx="2"/>
+            <a:endCxn id="61" idx="0"/>
+          </p:cNvCxnSpPr>
+          <p:nvPr/>
+        </p:nvCxnSpPr>
+        <p:spPr>
+          <a:xfrm>
+            <a:off x="9478788" y="3140968"/>
+            <a:ext cx="0" cy="432048"/>
+          </a:xfrm>
+          <a:prstGeom prst="straightConnector1">
+            <a:avLst/>
+          </a:prstGeom>
+          <a:ln>
+            <a:tailEnd type="triangle"/>
+          </a:ln>
+        </p:spPr>
+        <p:style>
+          <a:lnRef idx="1">
+            <a:schemeClr val="accent1"/>
+          </a:lnRef>
+          <a:fillRef idx="0">
+            <a:schemeClr val="accent1"/>
+          </a:fillRef>
+          <a:effectRef idx="0">
+            <a:schemeClr val="accent1"/>
+          </a:effectRef>
+          <a:fontRef idx="minor">
+            <a:schemeClr val="tx1"/>
+          </a:fontRef>
+        </p:style>
+      </p:cxnSp>
+      <p:cxnSp>
+        <p:nvCxnSpPr>
+          <p:cNvPr id="66" name="直接箭头连接符 65">
+            <a:extLst>
+              <a:ext uri="{FF2B5EF4-FFF2-40B4-BE49-F238E27FC236}">
+                <a16:creationId xmlns:a16="http://schemas.microsoft.com/office/drawing/2014/main" id="{4CCED948-05C1-46B9-B644-09F060C253B3}"/>
+              </a:ext>
+            </a:extLst>
+          </p:cNvPr>
+          <p:cNvCxnSpPr>
+            <a:stCxn id="61" idx="2"/>
+            <a:endCxn id="62" idx="0"/>
+          </p:cNvCxnSpPr>
+          <p:nvPr/>
+        </p:nvCxnSpPr>
+        <p:spPr>
+          <a:xfrm>
+            <a:off x="9478788" y="3933056"/>
+            <a:ext cx="0" cy="360040"/>
+          </a:xfrm>
+          <a:prstGeom prst="straightConnector1">
+            <a:avLst/>
+          </a:prstGeom>
+          <a:ln>
+            <a:tailEnd type="triangle"/>
+          </a:ln>
+        </p:spPr>
+        <p:style>
+          <a:lnRef idx="1">
+            <a:schemeClr val="accent1"/>
+          </a:lnRef>
+          <a:fillRef idx="0">
+            <a:schemeClr val="accent1"/>
+          </a:fillRef>
+          <a:effectRef idx="0">
+            <a:schemeClr val="accent1"/>
+          </a:effectRef>
+          <a:fontRef idx="minor">
+            <a:schemeClr val="tx1"/>
+          </a:fontRef>
+        </p:style>
+      </p:cxnSp>
+      <p:cxnSp>
+        <p:nvCxnSpPr>
+          <p:cNvPr id="68" name="直接连接符 67">
+            <a:extLst>
+              <a:ext uri="{FF2B5EF4-FFF2-40B4-BE49-F238E27FC236}">
+                <a16:creationId xmlns:a16="http://schemas.microsoft.com/office/drawing/2014/main" id="{2D8C2800-9FB5-4120-8A26-A365A6CFBF25}"/>
+              </a:ext>
+            </a:extLst>
+          </p:cNvPr>
+          <p:cNvCxnSpPr>
+            <a:cxnSpLocks/>
+          </p:cNvCxnSpPr>
+          <p:nvPr/>
+        </p:nvCxnSpPr>
+        <p:spPr>
+          <a:xfrm>
+            <a:off x="4078188" y="6597352"/>
+            <a:ext cx="648072" cy="0"/>
+          </a:xfrm>
+          <a:prstGeom prst="line">
+            <a:avLst/>
+          </a:prstGeom>
+        </p:spPr>
+        <p:style>
+          <a:lnRef idx="1">
+            <a:schemeClr val="accent1"/>
+          </a:lnRef>
+          <a:fillRef idx="0">
+            <a:schemeClr val="accent1"/>
+          </a:fillRef>
+          <a:effectRef idx="0">
+            <a:schemeClr val="accent1"/>
+          </a:effectRef>
+          <a:fontRef idx="minor">
+            <a:schemeClr val="tx1"/>
+          </a:fontRef>
+        </p:style>
+      </p:cxnSp>
+    </p:spTree>
+    <p:extLst>
+      <p:ext uri="{BB962C8B-B14F-4D97-AF65-F5344CB8AC3E}">
+        <p14:creationId xmlns:p14="http://schemas.microsoft.com/office/powerpoint/2010/main" val="2891287335"/>
+      </p:ext>
+    </p:extLst>
+  </p:cSld>
+  <p:clrMapOvr>
+    <a:masterClrMapping/>
+  </p:clrMapOvr>
+  <mc:AlternateContent xmlns:mc="http://schemas.openxmlformats.org/markup-compatibility/2006" xmlns:p14="http://schemas.microsoft.com/office/powerpoint/2010/main">
+    <mc:Choice Requires="p14">
+      <p:transition spd="med" p14:dur="700">
+        <p:fade/>
+      </p:transition>
+    </mc:Choice>
+    <mc:Fallback xmlns="">
+      <p:transition spd="med">
+        <p:fade/>
+      </p:transition>
+    </mc:Fallback>
+  </mc:AlternateContent>
+</p:sld>
+</file>
+
+<file path=ppt/slides/slide18.xml><?xml version="1.0" encoding="utf-8"?>
+<p:sld xmlns:a="http://schemas.openxmlformats.org/drawingml/2006/main" xmlns:r="http://schemas.openxmlformats.org/officeDocument/2006/relationships" xmlns:p="http://schemas.openxmlformats.org/presentationml/2006/main">
+  <p:cSld>
+    <p:spTree>
+      <p:nvGrpSpPr>
+        <p:cNvPr id="1" name=""/>
+        <p:cNvGrpSpPr/>
+        <p:nvPr/>
+      </p:nvGrpSpPr>
+      <p:grpSpPr>
+        <a:xfrm>
+          <a:off x="0" y="0"/>
+          <a:ext cx="0" cy="0"/>
+          <a:chOff x="0" y="0"/>
+          <a:chExt cx="0" cy="0"/>
+        </a:xfrm>
+      </p:grpSpPr>
+      <p:sp>
+        <p:nvSpPr>
+          <p:cNvPr id="2" name="标题 1"/>
+          <p:cNvSpPr>
+            <a:spLocks noGrp="1"/>
+          </p:cNvSpPr>
+          <p:nvPr>
+            <p:ph type="title"/>
+          </p:nvPr>
+        </p:nvSpPr>
+        <p:spPr>
+          <a:xfrm>
+            <a:off x="353943" y="76200"/>
+            <a:ext cx="11486632" cy="736428"/>
+          </a:xfrm>
+        </p:spPr>
+        <p:txBody>
+          <a:bodyPr rtlCol="0">
+            <a:normAutofit/>
+          </a:bodyPr>
+          <a:lstStyle/>
+          <a:p>
+            <a:r>
+              <a:rPr lang="zh-CN" altLang="en-US" sz="2800" dirty="0"/>
               <a:t>七、远程执行</a:t>
             </a:r>
             <a:r>
@@ -12067,7 +16437,7 @@
 </p:sld>
 </file>
 
-<file path=ppt/slides/slide17.xml><?xml version="1.0" encoding="utf-8"?>
+<file path=ppt/slides/slide19.xml><?xml version="1.0" encoding="utf-8"?>
 <p:sld xmlns:a="http://schemas.openxmlformats.org/drawingml/2006/main" xmlns:r="http://schemas.openxmlformats.org/officeDocument/2006/relationships" xmlns:p="http://schemas.openxmlformats.org/presentationml/2006/main">
   <p:cSld>
     <p:spTree>
@@ -12802,7 +17172,218 @@
 </p:sld>
 </file>
 
-<file path=ppt/slides/slide18.xml><?xml version="1.0" encoding="utf-8"?>
+<file path=ppt/slides/slide2.xml><?xml version="1.0" encoding="utf-8"?>
+<p:sld xmlns:a="http://schemas.openxmlformats.org/drawingml/2006/main" xmlns:r="http://schemas.openxmlformats.org/officeDocument/2006/relationships" xmlns:p="http://schemas.openxmlformats.org/presentationml/2006/main">
+  <p:cSld>
+    <p:spTree>
+      <p:nvGrpSpPr>
+        <p:cNvPr id="1" name=""/>
+        <p:cNvGrpSpPr/>
+        <p:nvPr/>
+      </p:nvGrpSpPr>
+      <p:grpSpPr>
+        <a:xfrm>
+          <a:off x="0" y="0"/>
+          <a:ext cx="0" cy="0"/>
+          <a:chOff x="0" y="0"/>
+          <a:chExt cx="0" cy="0"/>
+        </a:xfrm>
+      </p:grpSpPr>
+      <p:sp>
+        <p:nvSpPr>
+          <p:cNvPr id="13" name="标题 12"/>
+          <p:cNvSpPr>
+            <a:spLocks noGrp="1"/>
+          </p:cNvSpPr>
+          <p:nvPr>
+            <p:ph type="title"/>
+          </p:nvPr>
+        </p:nvSpPr>
+        <p:spPr/>
+        <p:txBody>
+          <a:bodyPr rtlCol="0"/>
+          <a:lstStyle/>
+          <a:p>
+            <a:pPr rtl="0"/>
+            <a:r>
+              <a:rPr lang="zh-CN" altLang="en-US" dirty="0"/>
+              <a:t>主要内容</a:t>
+            </a:r>
+            <a:endParaRPr lang="en-US" dirty="0">
+              <a:latin typeface="微软雅黑" panose="020B0503020204020204" pitchFamily="34" charset="-122"/>
+              <a:ea typeface="微软雅黑" panose="020B0503020204020204" pitchFamily="34" charset="-122"/>
+            </a:endParaRPr>
+          </a:p>
+        </p:txBody>
+      </p:sp>
+      <p:sp>
+        <p:nvSpPr>
+          <p:cNvPr id="14" name="内容占位符 13"/>
+          <p:cNvSpPr>
+            <a:spLocks noGrp="1"/>
+          </p:cNvSpPr>
+          <p:nvPr>
+            <p:ph idx="1"/>
+          </p:nvPr>
+        </p:nvSpPr>
+        <p:spPr/>
+        <p:txBody>
+          <a:bodyPr rtlCol="0">
+            <a:normAutofit lnSpcReduction="10000"/>
+          </a:bodyPr>
+          <a:lstStyle/>
+          <a:p>
+            <a:pPr rtl="0"/>
+            <a:r>
+              <a:rPr lang="zh-CN" altLang="en-US" dirty="0">
+                <a:latin typeface="微软雅黑" panose="020B0503020204020204" pitchFamily="34" charset="-122"/>
+                <a:ea typeface="微软雅黑" panose="020B0503020204020204" pitchFamily="34" charset="-122"/>
+              </a:rPr>
+              <a:t>一、</a:t>
+            </a:r>
+            <a:r>
+              <a:rPr lang="en-US" altLang="zh-CN" dirty="0">
+                <a:latin typeface="微软雅黑" panose="020B0503020204020204" pitchFamily="34" charset="-122"/>
+                <a:ea typeface="微软雅黑" panose="020B0503020204020204" pitchFamily="34" charset="-122"/>
+              </a:rPr>
+              <a:t>http</a:t>
+            </a:r>
+            <a:r>
+              <a:rPr lang="zh-CN" altLang="en-US" dirty="0">
+                <a:latin typeface="微软雅黑" panose="020B0503020204020204" pitchFamily="34" charset="-122"/>
+                <a:ea typeface="微软雅黑" panose="020B0503020204020204" pitchFamily="34" charset="-122"/>
+              </a:rPr>
+              <a:t>协议简单介绍</a:t>
+            </a:r>
+            <a:endParaRPr lang="en-US" altLang="zh-CN" dirty="0">
+              <a:latin typeface="微软雅黑" panose="020B0503020204020204" pitchFamily="34" charset="-122"/>
+              <a:ea typeface="微软雅黑" panose="020B0503020204020204" pitchFamily="34" charset="-122"/>
+            </a:endParaRPr>
+          </a:p>
+          <a:p>
+            <a:pPr rtl="0"/>
+            <a:r>
+              <a:rPr lang="zh-CN" altLang="en-US" dirty="0"/>
+              <a:t>二</a:t>
+            </a:r>
+            <a:r>
+              <a:rPr lang="zh-CN" altLang="en-US" dirty="0">
+                <a:latin typeface="微软雅黑" panose="020B0503020204020204" pitchFamily="34" charset="-122"/>
+                <a:ea typeface="微软雅黑" panose="020B0503020204020204" pitchFamily="34" charset="-122"/>
+              </a:rPr>
+              <a:t>、钉钉群自定义机器人开发</a:t>
+            </a:r>
+            <a:endParaRPr lang="en-US" altLang="zh-CN" dirty="0">
+              <a:latin typeface="微软雅黑" panose="020B0503020204020204" pitchFamily="34" charset="-122"/>
+              <a:ea typeface="微软雅黑" panose="020B0503020204020204" pitchFamily="34" charset="-122"/>
+            </a:endParaRPr>
+          </a:p>
+          <a:p>
+            <a:r>
+              <a:rPr lang="zh-CN" altLang="en-US" dirty="0"/>
+              <a:t>三、企业会话消息发送</a:t>
+            </a:r>
+            <a:endParaRPr lang="en-US" altLang="zh-CN" dirty="0"/>
+          </a:p>
+          <a:p>
+            <a:r>
+              <a:rPr lang="zh-CN" altLang="en-US" dirty="0"/>
+              <a:t>四、消息群发</a:t>
+            </a:r>
+            <a:endParaRPr lang="en-US" altLang="zh-CN" dirty="0"/>
+          </a:p>
+          <a:p>
+            <a:r>
+              <a:rPr lang="zh-CN" altLang="en-US" dirty="0"/>
+              <a:t>五、文档地址</a:t>
+            </a:r>
+            <a:endParaRPr lang="en-US" altLang="zh-CN" dirty="0"/>
+          </a:p>
+          <a:p>
+            <a:r>
+              <a:rPr lang="zh-CN" altLang="en-US" dirty="0"/>
+              <a:t>六、组织</a:t>
+            </a:r>
+            <a:r>
+              <a:rPr lang="en-US" altLang="zh-CN" dirty="0"/>
+              <a:t>python</a:t>
+            </a:r>
+            <a:r>
+              <a:rPr lang="zh-CN" altLang="en-US" dirty="0"/>
+              <a:t>代码</a:t>
+            </a:r>
+            <a:endParaRPr lang="zh-cn" dirty="0">
+              <a:latin typeface="微软雅黑" panose="020B0503020204020204" pitchFamily="34" charset="-122"/>
+              <a:ea typeface="微软雅黑" panose="020B0503020204020204" pitchFamily="34" charset="-122"/>
+            </a:endParaRPr>
+          </a:p>
+          <a:p>
+            <a:pPr rtl="0"/>
+            <a:r>
+              <a:rPr lang="zh-CN" altLang="en-US" dirty="0">
+                <a:latin typeface="微软雅黑" panose="020B0503020204020204" pitchFamily="34" charset="-122"/>
+                <a:ea typeface="微软雅黑" panose="020B0503020204020204" pitchFamily="34" charset="-122"/>
+              </a:rPr>
+              <a:t>七、远程执行</a:t>
+            </a:r>
+            <a:r>
+              <a:rPr lang="en-US" altLang="zh-CN" dirty="0" err="1">
+                <a:latin typeface="微软雅黑" panose="020B0503020204020204" pitchFamily="34" charset="-122"/>
+                <a:ea typeface="微软雅黑" panose="020B0503020204020204" pitchFamily="34" charset="-122"/>
+              </a:rPr>
+              <a:t>jupyter</a:t>
+            </a:r>
+            <a:r>
+              <a:rPr lang="zh-CN" altLang="en-US" dirty="0">
+                <a:latin typeface="微软雅黑" panose="020B0503020204020204" pitchFamily="34" charset="-122"/>
+                <a:ea typeface="微软雅黑" panose="020B0503020204020204" pitchFamily="34" charset="-122"/>
+              </a:rPr>
+              <a:t>代码</a:t>
+            </a:r>
+            <a:endParaRPr lang="en-US" altLang="zh-CN" dirty="0">
+              <a:latin typeface="微软雅黑" panose="020B0503020204020204" pitchFamily="34" charset="-122"/>
+              <a:ea typeface="微软雅黑" panose="020B0503020204020204" pitchFamily="34" charset="-122"/>
+            </a:endParaRPr>
+          </a:p>
+          <a:p>
+            <a:pPr rtl="0"/>
+            <a:r>
+              <a:rPr lang="zh-CN" altLang="en-US" dirty="0"/>
+              <a:t>八、聊聊微信</a:t>
+            </a:r>
+            <a:endParaRPr lang="en-US" dirty="0">
+              <a:latin typeface="微软雅黑" panose="020B0503020204020204" pitchFamily="34" charset="-122"/>
+              <a:ea typeface="微软雅黑" panose="020B0503020204020204" pitchFamily="34" charset="-122"/>
+            </a:endParaRPr>
+          </a:p>
+        </p:txBody>
+      </p:sp>
+    </p:spTree>
+    <p:extLst>
+      <p:ext uri="{BB962C8B-B14F-4D97-AF65-F5344CB8AC3E}">
+        <p14:creationId xmlns:p14="http://schemas.microsoft.com/office/powerpoint/2010/main" val="711182959"/>
+      </p:ext>
+    </p:extLst>
+  </p:cSld>
+  <p:clrMapOvr>
+    <a:masterClrMapping/>
+  </p:clrMapOvr>
+  <mc:AlternateContent xmlns:mc="http://schemas.openxmlformats.org/markup-compatibility/2006" xmlns:p14="http://schemas.microsoft.com/office/powerpoint/2010/main">
+    <mc:Choice Requires="p14">
+      <p:transition spd="med" p14:dur="700">
+        <p:fade/>
+      </p:transition>
+    </mc:Choice>
+    <mc:Fallback xmlns="">
+      <p:transition spd="med">
+        <p:fade/>
+      </p:transition>
+    </mc:Fallback>
+  </mc:AlternateContent>
+</p:sld>
+</file>
+
+<file path=ppt/slides/slide20.xml><?xml version="1.0" encoding="utf-8"?>
 <p:sld xmlns:a="http://schemas.openxmlformats.org/drawingml/2006/main" xmlns:r="http://schemas.openxmlformats.org/officeDocument/2006/relationships" xmlns:p="http://schemas.openxmlformats.org/presentationml/2006/main">
   <p:cSld>
     <p:spTree>
@@ -12881,217 +17462,6 @@
     <p:extLst>
       <p:ext uri="{BB962C8B-B14F-4D97-AF65-F5344CB8AC3E}">
         <p14:creationId xmlns:p14="http://schemas.microsoft.com/office/powerpoint/2010/main" val="1997697987"/>
-      </p:ext>
-    </p:extLst>
-  </p:cSld>
-  <p:clrMapOvr>
-    <a:masterClrMapping/>
-  </p:clrMapOvr>
-  <mc:AlternateContent xmlns:mc="http://schemas.openxmlformats.org/markup-compatibility/2006" xmlns:p14="http://schemas.microsoft.com/office/powerpoint/2010/main">
-    <mc:Choice Requires="p14">
-      <p:transition spd="med" p14:dur="700">
-        <p:fade/>
-      </p:transition>
-    </mc:Choice>
-    <mc:Fallback xmlns="">
-      <p:transition spd="med">
-        <p:fade/>
-      </p:transition>
-    </mc:Fallback>
-  </mc:AlternateContent>
-</p:sld>
-</file>
-
-<file path=ppt/slides/slide2.xml><?xml version="1.0" encoding="utf-8"?>
-<p:sld xmlns:a="http://schemas.openxmlformats.org/drawingml/2006/main" xmlns:r="http://schemas.openxmlformats.org/officeDocument/2006/relationships" xmlns:p="http://schemas.openxmlformats.org/presentationml/2006/main">
-  <p:cSld>
-    <p:spTree>
-      <p:nvGrpSpPr>
-        <p:cNvPr id="1" name=""/>
-        <p:cNvGrpSpPr/>
-        <p:nvPr/>
-      </p:nvGrpSpPr>
-      <p:grpSpPr>
-        <a:xfrm>
-          <a:off x="0" y="0"/>
-          <a:ext cx="0" cy="0"/>
-          <a:chOff x="0" y="0"/>
-          <a:chExt cx="0" cy="0"/>
-        </a:xfrm>
-      </p:grpSpPr>
-      <p:sp>
-        <p:nvSpPr>
-          <p:cNvPr id="13" name="标题 12"/>
-          <p:cNvSpPr>
-            <a:spLocks noGrp="1"/>
-          </p:cNvSpPr>
-          <p:nvPr>
-            <p:ph type="title"/>
-          </p:nvPr>
-        </p:nvSpPr>
-        <p:spPr/>
-        <p:txBody>
-          <a:bodyPr rtlCol="0"/>
-          <a:lstStyle/>
-          <a:p>
-            <a:pPr rtl="0"/>
-            <a:r>
-              <a:rPr lang="zh-CN" altLang="en-US" dirty="0"/>
-              <a:t>主要内容</a:t>
-            </a:r>
-            <a:endParaRPr lang="en-US" dirty="0">
-              <a:latin typeface="微软雅黑" panose="020B0503020204020204" pitchFamily="34" charset="-122"/>
-              <a:ea typeface="微软雅黑" panose="020B0503020204020204" pitchFamily="34" charset="-122"/>
-            </a:endParaRPr>
-          </a:p>
-        </p:txBody>
-      </p:sp>
-      <p:sp>
-        <p:nvSpPr>
-          <p:cNvPr id="14" name="内容占位符 13"/>
-          <p:cNvSpPr>
-            <a:spLocks noGrp="1"/>
-          </p:cNvSpPr>
-          <p:nvPr>
-            <p:ph idx="1"/>
-          </p:nvPr>
-        </p:nvSpPr>
-        <p:spPr/>
-        <p:txBody>
-          <a:bodyPr rtlCol="0">
-            <a:normAutofit lnSpcReduction="10000"/>
-          </a:bodyPr>
-          <a:lstStyle/>
-          <a:p>
-            <a:pPr rtl="0"/>
-            <a:r>
-              <a:rPr lang="zh-CN" altLang="en-US" dirty="0">
-                <a:latin typeface="微软雅黑" panose="020B0503020204020204" pitchFamily="34" charset="-122"/>
-                <a:ea typeface="微软雅黑" panose="020B0503020204020204" pitchFamily="34" charset="-122"/>
-              </a:rPr>
-              <a:t>一、</a:t>
-            </a:r>
-            <a:r>
-              <a:rPr lang="en-US" altLang="zh-CN" dirty="0">
-                <a:latin typeface="微软雅黑" panose="020B0503020204020204" pitchFamily="34" charset="-122"/>
-                <a:ea typeface="微软雅黑" panose="020B0503020204020204" pitchFamily="34" charset="-122"/>
-              </a:rPr>
-              <a:t>http</a:t>
-            </a:r>
-            <a:r>
-              <a:rPr lang="zh-CN" altLang="en-US" dirty="0">
-                <a:latin typeface="微软雅黑" panose="020B0503020204020204" pitchFamily="34" charset="-122"/>
-                <a:ea typeface="微软雅黑" panose="020B0503020204020204" pitchFamily="34" charset="-122"/>
-              </a:rPr>
-              <a:t>协议简单介绍</a:t>
-            </a:r>
-            <a:endParaRPr lang="en-US" altLang="zh-CN" dirty="0">
-              <a:latin typeface="微软雅黑" panose="020B0503020204020204" pitchFamily="34" charset="-122"/>
-              <a:ea typeface="微软雅黑" panose="020B0503020204020204" pitchFamily="34" charset="-122"/>
-            </a:endParaRPr>
-          </a:p>
-          <a:p>
-            <a:pPr rtl="0"/>
-            <a:r>
-              <a:rPr lang="zh-CN" altLang="en-US" dirty="0"/>
-              <a:t>二</a:t>
-            </a:r>
-            <a:r>
-              <a:rPr lang="zh-CN" altLang="en-US" dirty="0">
-                <a:latin typeface="微软雅黑" panose="020B0503020204020204" pitchFamily="34" charset="-122"/>
-                <a:ea typeface="微软雅黑" panose="020B0503020204020204" pitchFamily="34" charset="-122"/>
-              </a:rPr>
-              <a:t>、钉钉群自定义机器人开发</a:t>
-            </a:r>
-            <a:endParaRPr lang="en-US" altLang="zh-CN" dirty="0">
-              <a:latin typeface="微软雅黑" panose="020B0503020204020204" pitchFamily="34" charset="-122"/>
-              <a:ea typeface="微软雅黑" panose="020B0503020204020204" pitchFamily="34" charset="-122"/>
-            </a:endParaRPr>
-          </a:p>
-          <a:p>
-            <a:r>
-              <a:rPr lang="zh-CN" altLang="en-US" dirty="0"/>
-              <a:t>三、企业会话消息发送</a:t>
-            </a:r>
-            <a:endParaRPr lang="en-US" altLang="zh-CN" dirty="0"/>
-          </a:p>
-          <a:p>
-            <a:r>
-              <a:rPr lang="zh-CN" altLang="en-US" dirty="0"/>
-              <a:t>四、消息群发</a:t>
-            </a:r>
-            <a:endParaRPr lang="en-US" altLang="zh-CN" dirty="0"/>
-          </a:p>
-          <a:p>
-            <a:r>
-              <a:rPr lang="zh-CN" altLang="en-US" dirty="0"/>
-              <a:t>五、文档地址</a:t>
-            </a:r>
-            <a:endParaRPr lang="en-US" altLang="zh-CN" dirty="0"/>
-          </a:p>
-          <a:p>
-            <a:r>
-              <a:rPr lang="zh-CN" altLang="en-US" dirty="0"/>
-              <a:t>六、组织</a:t>
-            </a:r>
-            <a:r>
-              <a:rPr lang="en-US" altLang="zh-CN" dirty="0"/>
-              <a:t>python</a:t>
-            </a:r>
-            <a:r>
-              <a:rPr lang="zh-CN" altLang="en-US" dirty="0"/>
-              <a:t>代码</a:t>
-            </a:r>
-            <a:endParaRPr lang="zh-cn" dirty="0">
-              <a:latin typeface="微软雅黑" panose="020B0503020204020204" pitchFamily="34" charset="-122"/>
-              <a:ea typeface="微软雅黑" panose="020B0503020204020204" pitchFamily="34" charset="-122"/>
-            </a:endParaRPr>
-          </a:p>
-          <a:p>
-            <a:pPr rtl="0"/>
-            <a:r>
-              <a:rPr lang="zh-CN" altLang="en-US" dirty="0">
-                <a:latin typeface="微软雅黑" panose="020B0503020204020204" pitchFamily="34" charset="-122"/>
-                <a:ea typeface="微软雅黑" panose="020B0503020204020204" pitchFamily="34" charset="-122"/>
-              </a:rPr>
-              <a:t>七、远程执行</a:t>
-            </a:r>
-            <a:r>
-              <a:rPr lang="en-US" altLang="zh-CN" dirty="0" err="1">
-                <a:latin typeface="微软雅黑" panose="020B0503020204020204" pitchFamily="34" charset="-122"/>
-                <a:ea typeface="微软雅黑" panose="020B0503020204020204" pitchFamily="34" charset="-122"/>
-              </a:rPr>
-              <a:t>jupyter</a:t>
-            </a:r>
-            <a:r>
-              <a:rPr lang="zh-CN" altLang="en-US" dirty="0">
-                <a:latin typeface="微软雅黑" panose="020B0503020204020204" pitchFamily="34" charset="-122"/>
-                <a:ea typeface="微软雅黑" panose="020B0503020204020204" pitchFamily="34" charset="-122"/>
-              </a:rPr>
-              <a:t>代码</a:t>
-            </a:r>
-            <a:endParaRPr lang="en-US" altLang="zh-CN" dirty="0">
-              <a:latin typeface="微软雅黑" panose="020B0503020204020204" pitchFamily="34" charset="-122"/>
-              <a:ea typeface="微软雅黑" panose="020B0503020204020204" pitchFamily="34" charset="-122"/>
-            </a:endParaRPr>
-          </a:p>
-          <a:p>
-            <a:pPr rtl="0"/>
-            <a:r>
-              <a:rPr lang="zh-CN" altLang="en-US" dirty="0"/>
-              <a:t>八、聊聊微信</a:t>
-            </a:r>
-            <a:endParaRPr lang="en-US" dirty="0">
-              <a:latin typeface="微软雅黑" panose="020B0503020204020204" pitchFamily="34" charset="-122"/>
-              <a:ea typeface="微软雅黑" panose="020B0503020204020204" pitchFamily="34" charset="-122"/>
-            </a:endParaRPr>
-          </a:p>
-        </p:txBody>
-      </p:sp>
-    </p:spTree>
-    <p:extLst>
-      <p:ext uri="{BB962C8B-B14F-4D97-AF65-F5344CB8AC3E}">
-        <p14:creationId xmlns:p14="http://schemas.microsoft.com/office/powerpoint/2010/main" val="711182959"/>
       </p:ext>
     </p:extLst>
   </p:cSld>
@@ -23700,139 +28070,12 @@
 </file>
 
 <file path=customXml/item1.xml><?xml version="1.0" encoding="utf-8"?>
-<p:properties xmlns:p="http://schemas.microsoft.com/office/2006/metadata/properties" xmlns:xsi="http://www.w3.org/2001/XMLSchema-instance" xmlns:pc="http://schemas.microsoft.com/office/infopath/2007/PartnerControls">
-  <documentManagement>
-    <LocPublishedLinkedAssetsLookup xmlns="4873beb7-5857-4685-be1f-d57550cc96cc" xsi:nil="true"/>
-    <ApprovalStatus xmlns="4873beb7-5857-4685-be1f-d57550cc96cc">InProgress</ApprovalStatus>
-    <MarketSpecific xmlns="4873beb7-5857-4685-be1f-d57550cc96cc">false</MarketSpecific>
-    <LocComments xmlns="4873beb7-5857-4685-be1f-d57550cc96cc" xsi:nil="true"/>
-    <LocLastLocAttemptVersionTypeLookup xmlns="4873beb7-5857-4685-be1f-d57550cc96cc" xsi:nil="true"/>
-    <DirectSourceMarket xmlns="4873beb7-5857-4685-be1f-d57550cc96cc" xsi:nil="true"/>
-    <ThumbnailAssetId xmlns="4873beb7-5857-4685-be1f-d57550cc96cc" xsi:nil="true"/>
-    <PrimaryImageGen xmlns="4873beb7-5857-4685-be1f-d57550cc96cc">false</PrimaryImageGen>
-    <LocNewPublishedVersionLookup xmlns="4873beb7-5857-4685-be1f-d57550cc96cc" xsi:nil="true"/>
-    <LegacyData xmlns="4873beb7-5857-4685-be1f-d57550cc96cc" xsi:nil="true"/>
-    <LocRecommendedHandoff xmlns="4873beb7-5857-4685-be1f-d57550cc96cc" xsi:nil="true"/>
-    <BusinessGroup xmlns="4873beb7-5857-4685-be1f-d57550cc96cc" xsi:nil="true"/>
-    <BlockPublish xmlns="4873beb7-5857-4685-be1f-d57550cc96cc">false</BlockPublish>
-    <TPFriendlyName xmlns="4873beb7-5857-4685-be1f-d57550cc96cc" xsi:nil="true"/>
-    <LocOverallPublishStatusLookup xmlns="4873beb7-5857-4685-be1f-d57550cc96cc" xsi:nil="true"/>
-    <NumericId xmlns="4873beb7-5857-4685-be1f-d57550cc96cc" xsi:nil="true"/>
-    <APEditor xmlns="4873beb7-5857-4685-be1f-d57550cc96cc">
-      <UserInfo>
-        <DisplayName/>
-        <AccountId xsi:nil="true"/>
-        <AccountType/>
-      </UserInfo>
-    </APEditor>
-    <SourceTitle xmlns="4873beb7-5857-4685-be1f-d57550cc96cc" xsi:nil="true"/>
-    <OpenTemplate xmlns="4873beb7-5857-4685-be1f-d57550cc96cc">true</OpenTemplate>
-    <LocOverallLocStatusLookup xmlns="4873beb7-5857-4685-be1f-d57550cc96cc" xsi:nil="true"/>
-    <UALocComments xmlns="4873beb7-5857-4685-be1f-d57550cc96cc" xsi:nil="true"/>
-    <ParentAssetId xmlns="4873beb7-5857-4685-be1f-d57550cc96cc" xsi:nil="true"/>
-    <IntlLangReviewDate xmlns="4873beb7-5857-4685-be1f-d57550cc96cc" xsi:nil="true"/>
-    <FeatureTagsTaxHTField0 xmlns="4873beb7-5857-4685-be1f-d57550cc96cc">
-      <Terms xmlns="http://schemas.microsoft.com/office/infopath/2007/PartnerControls"/>
-    </FeatureTagsTaxHTField0>
-    <PublishStatusLookup xmlns="4873beb7-5857-4685-be1f-d57550cc96cc">
-      <Value>1345039</Value>
-    </PublishStatusLookup>
-    <Providers xmlns="4873beb7-5857-4685-be1f-d57550cc96cc" xsi:nil="true"/>
-    <MachineTranslated xmlns="4873beb7-5857-4685-be1f-d57550cc96cc">false</MachineTranslated>
-    <OriginalSourceMarket xmlns="4873beb7-5857-4685-be1f-d57550cc96cc" xsi:nil="true"/>
-    <APDescription xmlns="4873beb7-5857-4685-be1f-d57550cc96cc">The bookstacks present on most slides  make this a good choice for students, teachers, reading enthusiasts, and others in education. This presentation template contains multiple slide layouts in widescreen format (16x9) and includes a sample table and chart that you can easily  modify.</APDescription>
-    <ClipArtFilename xmlns="4873beb7-5857-4685-be1f-d57550cc96cc" xsi:nil="true"/>
-    <ContentItem xmlns="4873beb7-5857-4685-be1f-d57550cc96cc" xsi:nil="true"/>
-    <TPInstallLocation xmlns="4873beb7-5857-4685-be1f-d57550cc96cc" xsi:nil="true"/>
-    <PublishTargets xmlns="4873beb7-5857-4685-be1f-d57550cc96cc">OfficeOnlineVNext</PublishTargets>
-    <TimesCloned xmlns="4873beb7-5857-4685-be1f-d57550cc96cc" xsi:nil="true"/>
-    <AssetStart xmlns="4873beb7-5857-4685-be1f-d57550cc96cc">2011-11-26T00:00:00+00:00</AssetStart>
-    <Provider xmlns="4873beb7-5857-4685-be1f-d57550cc96cc" xsi:nil="true"/>
-    <AcquiredFrom xmlns="4873beb7-5857-4685-be1f-d57550cc96cc">Internal MS</AcquiredFrom>
-    <FriendlyTitle xmlns="4873beb7-5857-4685-be1f-d57550cc96cc" xsi:nil="true"/>
-    <LastHandOff xmlns="4873beb7-5857-4685-be1f-d57550cc96cc" xsi:nil="true"/>
-    <TPClientViewer xmlns="4873beb7-5857-4685-be1f-d57550cc96cc" xsi:nil="true"/>
-    <TemplateStatus xmlns="4873beb7-5857-4685-be1f-d57550cc96cc">Complete</TemplateStatus>
-    <Downloads xmlns="4873beb7-5857-4685-be1f-d57550cc96cc">0</Downloads>
-    <OOCacheId xmlns="4873beb7-5857-4685-be1f-d57550cc96cc" xsi:nil="true"/>
-    <IsDeleted xmlns="4873beb7-5857-4685-be1f-d57550cc96cc">false</IsDeleted>
-    <LocPublishedDependentAssetsLookup xmlns="4873beb7-5857-4685-be1f-d57550cc96cc" xsi:nil="true"/>
-    <AssetExpire xmlns="4873beb7-5857-4685-be1f-d57550cc96cc">2029-05-12T07:00:00+00:00</AssetExpire>
-    <DSATActionTaken xmlns="4873beb7-5857-4685-be1f-d57550cc96cc" xsi:nil="true"/>
-    <CSXSubmissionMarket xmlns="4873beb7-5857-4685-be1f-d57550cc96cc" xsi:nil="true"/>
-    <TPExecutable xmlns="4873beb7-5857-4685-be1f-d57550cc96cc" xsi:nil="true"/>
-    <EditorialTags xmlns="4873beb7-5857-4685-be1f-d57550cc96cc" xsi:nil="true"/>
-    <SubmitterId xmlns="4873beb7-5857-4685-be1f-d57550cc96cc" xsi:nil="true"/>
-    <ApprovalLog xmlns="4873beb7-5857-4685-be1f-d57550cc96cc" xsi:nil="true"/>
-    <AssetType xmlns="4873beb7-5857-4685-be1f-d57550cc96cc">TP</AssetType>
-    <BugNumber xmlns="4873beb7-5857-4685-be1f-d57550cc96cc" xsi:nil="true"/>
-    <CSXSubmissionDate xmlns="4873beb7-5857-4685-be1f-d57550cc96cc" xsi:nil="true"/>
-    <CSXUpdate xmlns="4873beb7-5857-4685-be1f-d57550cc96cc">false</CSXUpdate>
-    <Milestone xmlns="4873beb7-5857-4685-be1f-d57550cc96cc" xsi:nil="true"/>
-    <RecommendationsModifier xmlns="4873beb7-5857-4685-be1f-d57550cc96cc" xsi:nil="true"/>
-    <OriginAsset xmlns="4873beb7-5857-4685-be1f-d57550cc96cc" xsi:nil="true"/>
-    <TPComponent xmlns="4873beb7-5857-4685-be1f-d57550cc96cc" xsi:nil="true"/>
-    <AssetId xmlns="4873beb7-5857-4685-be1f-d57550cc96cc">TP102787939</AssetId>
-    <IntlLocPriority xmlns="4873beb7-5857-4685-be1f-d57550cc96cc" xsi:nil="true"/>
-    <PolicheckWords xmlns="4873beb7-5857-4685-be1f-d57550cc96cc" xsi:nil="true"/>
-    <TPLaunchHelpLink xmlns="4873beb7-5857-4685-be1f-d57550cc96cc" xsi:nil="true"/>
-    <TPApplication xmlns="4873beb7-5857-4685-be1f-d57550cc96cc" xsi:nil="true"/>
-    <CrawlForDependencies xmlns="4873beb7-5857-4685-be1f-d57550cc96cc">false</CrawlForDependencies>
-    <HandoffToMSDN xmlns="4873beb7-5857-4685-be1f-d57550cc96cc" xsi:nil="true"/>
-    <PlannedPubDate xmlns="4873beb7-5857-4685-be1f-d57550cc96cc" xsi:nil="true"/>
-    <IntlLangReviewer xmlns="4873beb7-5857-4685-be1f-d57550cc96cc" xsi:nil="true"/>
-    <TrustLevel xmlns="4873beb7-5857-4685-be1f-d57550cc96cc">1 Microsoft Managed Content</TrustLevel>
-    <LocLastLocAttemptVersionLookup xmlns="4873beb7-5857-4685-be1f-d57550cc96cc">694216</LocLastLocAttemptVersionLookup>
-    <LocProcessedForHandoffsLookup xmlns="4873beb7-5857-4685-be1f-d57550cc96cc" xsi:nil="true"/>
-    <IsSearchable xmlns="4873beb7-5857-4685-be1f-d57550cc96cc">true</IsSearchable>
-    <TemplateTemplateType xmlns="4873beb7-5857-4685-be1f-d57550cc96cc">PowerPoint Presentation Template</TemplateTemplateType>
-    <CampaignTagsTaxHTField0 xmlns="4873beb7-5857-4685-be1f-d57550cc96cc">
-      <Terms xmlns="http://schemas.microsoft.com/office/infopath/2007/PartnerControls"/>
-    </CampaignTagsTaxHTField0>
-    <TPNamespace xmlns="4873beb7-5857-4685-be1f-d57550cc96cc" xsi:nil="true"/>
-    <LocOverallPreviewStatusLookup xmlns="4873beb7-5857-4685-be1f-d57550cc96cc" xsi:nil="true"/>
-    <TaxCatchAll xmlns="4873beb7-5857-4685-be1f-d57550cc96cc"/>
-    <Markets xmlns="4873beb7-5857-4685-be1f-d57550cc96cc"/>
-    <UAProjectedTotalWords xmlns="4873beb7-5857-4685-be1f-d57550cc96cc" xsi:nil="true"/>
-    <IntlLangReview xmlns="4873beb7-5857-4685-be1f-d57550cc96cc" xsi:nil="true"/>
-    <OutputCachingOn xmlns="4873beb7-5857-4685-be1f-d57550cc96cc">false</OutputCachingOn>
-    <AverageRating xmlns="4873beb7-5857-4685-be1f-d57550cc96cc" xsi:nil="true"/>
-    <APAuthor xmlns="4873beb7-5857-4685-be1f-d57550cc96cc">
-      <UserInfo>
-        <DisplayName>REDMOND\kristaa</DisplayName>
-        <AccountId>136</AccountId>
-        <AccountType/>
-      </UserInfo>
-    </APAuthor>
-    <LocManualTestRequired xmlns="4873beb7-5857-4685-be1f-d57550cc96cc">false</LocManualTestRequired>
-    <TPCommandLine xmlns="4873beb7-5857-4685-be1f-d57550cc96cc" xsi:nil="true"/>
-    <TPAppVersion xmlns="4873beb7-5857-4685-be1f-d57550cc96cc" xsi:nil="true"/>
-    <EditorialStatus xmlns="4873beb7-5857-4685-be1f-d57550cc96cc">Complete</EditorialStatus>
-    <LastModifiedDateTime xmlns="4873beb7-5857-4685-be1f-d57550cc96cc" xsi:nil="true"/>
-    <ScenarioTagsTaxHTField0 xmlns="4873beb7-5857-4685-be1f-d57550cc96cc">
-      <Terms xmlns="http://schemas.microsoft.com/office/infopath/2007/PartnerControls"/>
-    </ScenarioTagsTaxHTField0>
-    <LocProcessedForMarketsLookup xmlns="4873beb7-5857-4685-be1f-d57550cc96cc" xsi:nil="true"/>
-    <TPLaunchHelpLinkType xmlns="4873beb7-5857-4685-be1f-d57550cc96cc">Template</TPLaunchHelpLinkType>
-    <OriginalRelease xmlns="4873beb7-5857-4685-be1f-d57550cc96cc">15</OriginalRelease>
-    <LocalizationTagsTaxHTField0 xmlns="4873beb7-5857-4685-be1f-d57550cc96cc">
-      <Terms xmlns="http://schemas.microsoft.com/office/infopath/2007/PartnerControls"/>
-    </LocalizationTagsTaxHTField0>
-    <UACurrentWords xmlns="4873beb7-5857-4685-be1f-d57550cc96cc" xsi:nil="true"/>
-    <ArtSampleDocs xmlns="4873beb7-5857-4685-be1f-d57550cc96cc" xsi:nil="true"/>
-    <UALocRecommendation xmlns="4873beb7-5857-4685-be1f-d57550cc96cc">Localize</UALocRecommendation>
-    <Manager xmlns="4873beb7-5857-4685-be1f-d57550cc96cc" xsi:nil="true"/>
-    <LocOverallHandbackStatusLookup xmlns="4873beb7-5857-4685-be1f-d57550cc96cc" xsi:nil="true"/>
-    <ShowIn xmlns="4873beb7-5857-4685-be1f-d57550cc96cc">Show everywhere</ShowIn>
-    <UANotes xmlns="4873beb7-5857-4685-be1f-d57550cc96cc" xsi:nil="true"/>
-    <InternalTagsTaxHTField0 xmlns="4873beb7-5857-4685-be1f-d57550cc96cc">
-      <Terms xmlns="http://schemas.microsoft.com/office/infopath/2007/PartnerControls"/>
-    </InternalTagsTaxHTField0>
-    <CSXHash xmlns="4873beb7-5857-4685-be1f-d57550cc96cc" xsi:nil="true"/>
-    <VoteCount xmlns="4873beb7-5857-4685-be1f-d57550cc96cc" xsi:nil="true"/>
-    <LocMarketGroupTiers2 xmlns="4873beb7-5857-4685-be1f-d57550cc96cc" xsi:nil="true"/>
-  </documentManagement>
-</p:properties>
+<?mso-contentType ?>
+<FormTemplates xmlns="http://schemas.microsoft.com/sharepoint/v3/contenttype/forms">
+  <Display>DocumentLibraryForm</Display>
+  <Edit>AssetEditForm</Edit>
+  <New>DocumentLibraryForm</New>
+</FormTemplates>
 </file>
 
 <file path=customXml/item2.xml><?xml version="1.0" encoding="utf-8"?>
@@ -24876,26 +29119,145 @@
 </file>
 
 <file path=customXml/item3.xml><?xml version="1.0" encoding="utf-8"?>
-<?mso-contentType ?>
-<FormTemplates xmlns="http://schemas.microsoft.com/sharepoint/v3/contenttype/forms">
-  <Display>DocumentLibraryForm</Display>
-  <Edit>AssetEditForm</Edit>
-  <New>DocumentLibraryForm</New>
-</FormTemplates>
+<p:properties xmlns:p="http://schemas.microsoft.com/office/2006/metadata/properties" xmlns:xsi="http://www.w3.org/2001/XMLSchema-instance" xmlns:pc="http://schemas.microsoft.com/office/infopath/2007/PartnerControls">
+  <documentManagement>
+    <LocPublishedLinkedAssetsLookup xmlns="4873beb7-5857-4685-be1f-d57550cc96cc" xsi:nil="true"/>
+    <ApprovalStatus xmlns="4873beb7-5857-4685-be1f-d57550cc96cc">InProgress</ApprovalStatus>
+    <MarketSpecific xmlns="4873beb7-5857-4685-be1f-d57550cc96cc">false</MarketSpecific>
+    <LocComments xmlns="4873beb7-5857-4685-be1f-d57550cc96cc" xsi:nil="true"/>
+    <LocLastLocAttemptVersionTypeLookup xmlns="4873beb7-5857-4685-be1f-d57550cc96cc" xsi:nil="true"/>
+    <DirectSourceMarket xmlns="4873beb7-5857-4685-be1f-d57550cc96cc" xsi:nil="true"/>
+    <ThumbnailAssetId xmlns="4873beb7-5857-4685-be1f-d57550cc96cc" xsi:nil="true"/>
+    <PrimaryImageGen xmlns="4873beb7-5857-4685-be1f-d57550cc96cc">false</PrimaryImageGen>
+    <LocNewPublishedVersionLookup xmlns="4873beb7-5857-4685-be1f-d57550cc96cc" xsi:nil="true"/>
+    <LegacyData xmlns="4873beb7-5857-4685-be1f-d57550cc96cc" xsi:nil="true"/>
+    <LocRecommendedHandoff xmlns="4873beb7-5857-4685-be1f-d57550cc96cc" xsi:nil="true"/>
+    <BusinessGroup xmlns="4873beb7-5857-4685-be1f-d57550cc96cc" xsi:nil="true"/>
+    <BlockPublish xmlns="4873beb7-5857-4685-be1f-d57550cc96cc">false</BlockPublish>
+    <TPFriendlyName xmlns="4873beb7-5857-4685-be1f-d57550cc96cc" xsi:nil="true"/>
+    <LocOverallPublishStatusLookup xmlns="4873beb7-5857-4685-be1f-d57550cc96cc" xsi:nil="true"/>
+    <NumericId xmlns="4873beb7-5857-4685-be1f-d57550cc96cc" xsi:nil="true"/>
+    <APEditor xmlns="4873beb7-5857-4685-be1f-d57550cc96cc">
+      <UserInfo>
+        <DisplayName/>
+        <AccountId xsi:nil="true"/>
+        <AccountType/>
+      </UserInfo>
+    </APEditor>
+    <SourceTitle xmlns="4873beb7-5857-4685-be1f-d57550cc96cc" xsi:nil="true"/>
+    <OpenTemplate xmlns="4873beb7-5857-4685-be1f-d57550cc96cc">true</OpenTemplate>
+    <LocOverallLocStatusLookup xmlns="4873beb7-5857-4685-be1f-d57550cc96cc" xsi:nil="true"/>
+    <UALocComments xmlns="4873beb7-5857-4685-be1f-d57550cc96cc" xsi:nil="true"/>
+    <ParentAssetId xmlns="4873beb7-5857-4685-be1f-d57550cc96cc" xsi:nil="true"/>
+    <IntlLangReviewDate xmlns="4873beb7-5857-4685-be1f-d57550cc96cc" xsi:nil="true"/>
+    <FeatureTagsTaxHTField0 xmlns="4873beb7-5857-4685-be1f-d57550cc96cc">
+      <Terms xmlns="http://schemas.microsoft.com/office/infopath/2007/PartnerControls"/>
+    </FeatureTagsTaxHTField0>
+    <PublishStatusLookup xmlns="4873beb7-5857-4685-be1f-d57550cc96cc">
+      <Value>1345039</Value>
+    </PublishStatusLookup>
+    <Providers xmlns="4873beb7-5857-4685-be1f-d57550cc96cc" xsi:nil="true"/>
+    <MachineTranslated xmlns="4873beb7-5857-4685-be1f-d57550cc96cc">false</MachineTranslated>
+    <OriginalSourceMarket xmlns="4873beb7-5857-4685-be1f-d57550cc96cc" xsi:nil="true"/>
+    <APDescription xmlns="4873beb7-5857-4685-be1f-d57550cc96cc">The bookstacks present on most slides  make this a good choice for students, teachers, reading enthusiasts, and others in education. This presentation template contains multiple slide layouts in widescreen format (16x9) and includes a sample table and chart that you can easily  modify.</APDescription>
+    <ClipArtFilename xmlns="4873beb7-5857-4685-be1f-d57550cc96cc" xsi:nil="true"/>
+    <ContentItem xmlns="4873beb7-5857-4685-be1f-d57550cc96cc" xsi:nil="true"/>
+    <TPInstallLocation xmlns="4873beb7-5857-4685-be1f-d57550cc96cc" xsi:nil="true"/>
+    <PublishTargets xmlns="4873beb7-5857-4685-be1f-d57550cc96cc">OfficeOnlineVNext</PublishTargets>
+    <TimesCloned xmlns="4873beb7-5857-4685-be1f-d57550cc96cc" xsi:nil="true"/>
+    <AssetStart xmlns="4873beb7-5857-4685-be1f-d57550cc96cc">2011-11-26T00:00:00+00:00</AssetStart>
+    <Provider xmlns="4873beb7-5857-4685-be1f-d57550cc96cc" xsi:nil="true"/>
+    <AcquiredFrom xmlns="4873beb7-5857-4685-be1f-d57550cc96cc">Internal MS</AcquiredFrom>
+    <FriendlyTitle xmlns="4873beb7-5857-4685-be1f-d57550cc96cc" xsi:nil="true"/>
+    <LastHandOff xmlns="4873beb7-5857-4685-be1f-d57550cc96cc" xsi:nil="true"/>
+    <TPClientViewer xmlns="4873beb7-5857-4685-be1f-d57550cc96cc" xsi:nil="true"/>
+    <TemplateStatus xmlns="4873beb7-5857-4685-be1f-d57550cc96cc">Complete</TemplateStatus>
+    <Downloads xmlns="4873beb7-5857-4685-be1f-d57550cc96cc">0</Downloads>
+    <OOCacheId xmlns="4873beb7-5857-4685-be1f-d57550cc96cc" xsi:nil="true"/>
+    <IsDeleted xmlns="4873beb7-5857-4685-be1f-d57550cc96cc">false</IsDeleted>
+    <LocPublishedDependentAssetsLookup xmlns="4873beb7-5857-4685-be1f-d57550cc96cc" xsi:nil="true"/>
+    <AssetExpire xmlns="4873beb7-5857-4685-be1f-d57550cc96cc">2029-05-12T07:00:00+00:00</AssetExpire>
+    <DSATActionTaken xmlns="4873beb7-5857-4685-be1f-d57550cc96cc" xsi:nil="true"/>
+    <CSXSubmissionMarket xmlns="4873beb7-5857-4685-be1f-d57550cc96cc" xsi:nil="true"/>
+    <TPExecutable xmlns="4873beb7-5857-4685-be1f-d57550cc96cc" xsi:nil="true"/>
+    <EditorialTags xmlns="4873beb7-5857-4685-be1f-d57550cc96cc" xsi:nil="true"/>
+    <SubmitterId xmlns="4873beb7-5857-4685-be1f-d57550cc96cc" xsi:nil="true"/>
+    <ApprovalLog xmlns="4873beb7-5857-4685-be1f-d57550cc96cc" xsi:nil="true"/>
+    <AssetType xmlns="4873beb7-5857-4685-be1f-d57550cc96cc">TP</AssetType>
+    <BugNumber xmlns="4873beb7-5857-4685-be1f-d57550cc96cc" xsi:nil="true"/>
+    <CSXSubmissionDate xmlns="4873beb7-5857-4685-be1f-d57550cc96cc" xsi:nil="true"/>
+    <CSXUpdate xmlns="4873beb7-5857-4685-be1f-d57550cc96cc">false</CSXUpdate>
+    <Milestone xmlns="4873beb7-5857-4685-be1f-d57550cc96cc" xsi:nil="true"/>
+    <RecommendationsModifier xmlns="4873beb7-5857-4685-be1f-d57550cc96cc" xsi:nil="true"/>
+    <OriginAsset xmlns="4873beb7-5857-4685-be1f-d57550cc96cc" xsi:nil="true"/>
+    <TPComponent xmlns="4873beb7-5857-4685-be1f-d57550cc96cc" xsi:nil="true"/>
+    <AssetId xmlns="4873beb7-5857-4685-be1f-d57550cc96cc">TP102787939</AssetId>
+    <IntlLocPriority xmlns="4873beb7-5857-4685-be1f-d57550cc96cc" xsi:nil="true"/>
+    <PolicheckWords xmlns="4873beb7-5857-4685-be1f-d57550cc96cc" xsi:nil="true"/>
+    <TPLaunchHelpLink xmlns="4873beb7-5857-4685-be1f-d57550cc96cc" xsi:nil="true"/>
+    <TPApplication xmlns="4873beb7-5857-4685-be1f-d57550cc96cc" xsi:nil="true"/>
+    <CrawlForDependencies xmlns="4873beb7-5857-4685-be1f-d57550cc96cc">false</CrawlForDependencies>
+    <HandoffToMSDN xmlns="4873beb7-5857-4685-be1f-d57550cc96cc" xsi:nil="true"/>
+    <PlannedPubDate xmlns="4873beb7-5857-4685-be1f-d57550cc96cc" xsi:nil="true"/>
+    <IntlLangReviewer xmlns="4873beb7-5857-4685-be1f-d57550cc96cc" xsi:nil="true"/>
+    <TrustLevel xmlns="4873beb7-5857-4685-be1f-d57550cc96cc">1 Microsoft Managed Content</TrustLevel>
+    <LocLastLocAttemptVersionLookup xmlns="4873beb7-5857-4685-be1f-d57550cc96cc">694216</LocLastLocAttemptVersionLookup>
+    <LocProcessedForHandoffsLookup xmlns="4873beb7-5857-4685-be1f-d57550cc96cc" xsi:nil="true"/>
+    <IsSearchable xmlns="4873beb7-5857-4685-be1f-d57550cc96cc">true</IsSearchable>
+    <TemplateTemplateType xmlns="4873beb7-5857-4685-be1f-d57550cc96cc">PowerPoint Presentation Template</TemplateTemplateType>
+    <CampaignTagsTaxHTField0 xmlns="4873beb7-5857-4685-be1f-d57550cc96cc">
+      <Terms xmlns="http://schemas.microsoft.com/office/infopath/2007/PartnerControls"/>
+    </CampaignTagsTaxHTField0>
+    <TPNamespace xmlns="4873beb7-5857-4685-be1f-d57550cc96cc" xsi:nil="true"/>
+    <LocOverallPreviewStatusLookup xmlns="4873beb7-5857-4685-be1f-d57550cc96cc" xsi:nil="true"/>
+    <TaxCatchAll xmlns="4873beb7-5857-4685-be1f-d57550cc96cc"/>
+    <Markets xmlns="4873beb7-5857-4685-be1f-d57550cc96cc"/>
+    <UAProjectedTotalWords xmlns="4873beb7-5857-4685-be1f-d57550cc96cc" xsi:nil="true"/>
+    <IntlLangReview xmlns="4873beb7-5857-4685-be1f-d57550cc96cc" xsi:nil="true"/>
+    <OutputCachingOn xmlns="4873beb7-5857-4685-be1f-d57550cc96cc">false</OutputCachingOn>
+    <AverageRating xmlns="4873beb7-5857-4685-be1f-d57550cc96cc" xsi:nil="true"/>
+    <APAuthor xmlns="4873beb7-5857-4685-be1f-d57550cc96cc">
+      <UserInfo>
+        <DisplayName>REDMOND\kristaa</DisplayName>
+        <AccountId>136</AccountId>
+        <AccountType/>
+      </UserInfo>
+    </APAuthor>
+    <LocManualTestRequired xmlns="4873beb7-5857-4685-be1f-d57550cc96cc">false</LocManualTestRequired>
+    <TPCommandLine xmlns="4873beb7-5857-4685-be1f-d57550cc96cc" xsi:nil="true"/>
+    <TPAppVersion xmlns="4873beb7-5857-4685-be1f-d57550cc96cc" xsi:nil="true"/>
+    <EditorialStatus xmlns="4873beb7-5857-4685-be1f-d57550cc96cc">Complete</EditorialStatus>
+    <LastModifiedDateTime xmlns="4873beb7-5857-4685-be1f-d57550cc96cc" xsi:nil="true"/>
+    <ScenarioTagsTaxHTField0 xmlns="4873beb7-5857-4685-be1f-d57550cc96cc">
+      <Terms xmlns="http://schemas.microsoft.com/office/infopath/2007/PartnerControls"/>
+    </ScenarioTagsTaxHTField0>
+    <LocProcessedForMarketsLookup xmlns="4873beb7-5857-4685-be1f-d57550cc96cc" xsi:nil="true"/>
+    <TPLaunchHelpLinkType xmlns="4873beb7-5857-4685-be1f-d57550cc96cc">Template</TPLaunchHelpLinkType>
+    <OriginalRelease xmlns="4873beb7-5857-4685-be1f-d57550cc96cc">15</OriginalRelease>
+    <LocalizationTagsTaxHTField0 xmlns="4873beb7-5857-4685-be1f-d57550cc96cc">
+      <Terms xmlns="http://schemas.microsoft.com/office/infopath/2007/PartnerControls"/>
+    </LocalizationTagsTaxHTField0>
+    <UACurrentWords xmlns="4873beb7-5857-4685-be1f-d57550cc96cc" xsi:nil="true"/>
+    <ArtSampleDocs xmlns="4873beb7-5857-4685-be1f-d57550cc96cc" xsi:nil="true"/>
+    <UALocRecommendation xmlns="4873beb7-5857-4685-be1f-d57550cc96cc">Localize</UALocRecommendation>
+    <Manager xmlns="4873beb7-5857-4685-be1f-d57550cc96cc" xsi:nil="true"/>
+    <LocOverallHandbackStatusLookup xmlns="4873beb7-5857-4685-be1f-d57550cc96cc" xsi:nil="true"/>
+    <ShowIn xmlns="4873beb7-5857-4685-be1f-d57550cc96cc">Show everywhere</ShowIn>
+    <UANotes xmlns="4873beb7-5857-4685-be1f-d57550cc96cc" xsi:nil="true"/>
+    <InternalTagsTaxHTField0 xmlns="4873beb7-5857-4685-be1f-d57550cc96cc">
+      <Terms xmlns="http://schemas.microsoft.com/office/infopath/2007/PartnerControls"/>
+    </InternalTagsTaxHTField0>
+    <CSXHash xmlns="4873beb7-5857-4685-be1f-d57550cc96cc" xsi:nil="true"/>
+    <VoteCount xmlns="4873beb7-5857-4685-be1f-d57550cc96cc" xsi:nil="true"/>
+    <LocMarketGroupTiers2 xmlns="4873beb7-5857-4685-be1f-d57550cc96cc" xsi:nil="true"/>
+  </documentManagement>
+</p:properties>
 </file>
 
 <file path=customXml/itemProps1.xml><?xml version="1.0" encoding="utf-8"?>
-<ds:datastoreItem xmlns:ds="http://schemas.openxmlformats.org/officeDocument/2006/customXml" ds:itemID="{F301D382-32B0-43EE-932C-28906AF37617}">
+<ds:datastoreItem xmlns:ds="http://schemas.openxmlformats.org/officeDocument/2006/customXml" ds:itemID="{E1B558C7-619B-49BE-9097-7FCBDADD4ECE}">
   <ds:schemaRefs>
-    <ds:schemaRef ds:uri="http://purl.org/dc/dcmitype/"/>
-    <ds:schemaRef ds:uri="http://schemas.openxmlformats.org/package/2006/metadata/core-properties"/>
-    <ds:schemaRef ds:uri="http://purl.org/dc/elements/1.1/"/>
-    <ds:schemaRef ds:uri="http://schemas.microsoft.com/office/2006/metadata/properties"/>
-    <ds:schemaRef ds:uri="http://schemas.microsoft.com/office/2006/documentManagement/types"/>
-    <ds:schemaRef ds:uri="http://purl.org/dc/terms/"/>
-    <ds:schemaRef ds:uri="http://schemas.microsoft.com/office/infopath/2007/PartnerControls"/>
-    <ds:schemaRef ds:uri="4873beb7-5857-4685-be1f-d57550cc96cc"/>
-    <ds:schemaRef ds:uri="http://www.w3.org/XML/1998/namespace"/>
+    <ds:schemaRef ds:uri="http://schemas.microsoft.com/sharepoint/v3/contenttype/forms"/>
   </ds:schemaRefs>
 </ds:datastoreItem>
 </file>
@@ -24919,9 +29281,17 @@
 </file>
 
 <file path=customXml/itemProps3.xml><?xml version="1.0" encoding="utf-8"?>
-<ds:datastoreItem xmlns:ds="http://schemas.openxmlformats.org/officeDocument/2006/customXml" ds:itemID="{E1B558C7-619B-49BE-9097-7FCBDADD4ECE}">
+<ds:datastoreItem xmlns:ds="http://schemas.openxmlformats.org/officeDocument/2006/customXml" ds:itemID="{F301D382-32B0-43EE-932C-28906AF37617}">
   <ds:schemaRefs>
-    <ds:schemaRef ds:uri="http://schemas.microsoft.com/sharepoint/v3/contenttype/forms"/>
+    <ds:schemaRef ds:uri="http://purl.org/dc/elements/1.1/"/>
+    <ds:schemaRef ds:uri="http://schemas.microsoft.com/office/2006/metadata/properties"/>
+    <ds:schemaRef ds:uri="http://schemas.openxmlformats.org/package/2006/metadata/core-properties"/>
+    <ds:schemaRef ds:uri="http://schemas.microsoft.com/office/2006/documentManagement/types"/>
+    <ds:schemaRef ds:uri="http://schemas.microsoft.com/office/infopath/2007/PartnerControls"/>
+    <ds:schemaRef ds:uri="http://purl.org/dc/terms/"/>
+    <ds:schemaRef ds:uri="http://purl.org/dc/dcmitype/"/>
+    <ds:schemaRef ds:uri="4873beb7-5857-4685-be1f-d57550cc96cc"/>
+    <ds:schemaRef ds:uri="http://www.w3.org/XML/1998/namespace"/>
   </ds:schemaRefs>
 </ds:datastoreItem>
 </file>
--- a/钉钉机器人.pptx
+++ b/钉钉机器人.pptx
@@ -17358,6 +17358,98 @@
           </a:p>
         </p:txBody>
       </p:sp>
+      <p:sp>
+        <p:nvSpPr>
+          <p:cNvPr id="4" name="标题 1">
+            <a:extLst>
+              <a:ext uri="{FF2B5EF4-FFF2-40B4-BE49-F238E27FC236}">
+                <a16:creationId xmlns:a16="http://schemas.microsoft.com/office/drawing/2014/main" id="{1E101CCB-11A0-4CB6-856D-E24060769143}"/>
+              </a:ext>
+            </a:extLst>
+          </p:cNvPr>
+          <p:cNvSpPr txBox="1">
+            <a:spLocks/>
+          </p:cNvSpPr>
+          <p:nvPr/>
+        </p:nvSpPr>
+        <p:spPr>
+          <a:xfrm>
+            <a:off x="1053851" y="6228160"/>
+            <a:ext cx="10786723" cy="493642"/>
+          </a:xfrm>
+          <a:prstGeom prst="rect">
+            <a:avLst/>
+          </a:prstGeom>
+        </p:spPr>
+        <p:txBody>
+          <a:bodyPr vert="horz" lIns="121899" tIns="60949" rIns="121899" bIns="60949" rtlCol="0" anchor="b">
+            <a:normAutofit/>
+          </a:bodyPr>
+          <a:lstStyle>
+            <a:lvl1pPr algn="l" defTabSz="1218987" rtl="0" eaLnBrk="1" latinLnBrk="0" hangingPunct="1">
+              <a:lnSpc>
+                <a:spcPct val="85000"/>
+              </a:lnSpc>
+              <a:spcBef>
+                <a:spcPct val="0"/>
+              </a:spcBef>
+              <a:buNone/>
+              <a:tabLst/>
+              <a:defRPr sz="4400" kern="1200" cap="none" baseline="0">
+                <a:solidFill>
+                  <a:schemeClr val="tx1"/>
+                </a:solidFill>
+                <a:latin typeface="微软雅黑" panose="020B0503020204020204" pitchFamily="34" charset="-122"/>
+                <a:ea typeface="微软雅黑" panose="020B0503020204020204" pitchFamily="34" charset="-122"/>
+                <a:cs typeface="+mj-cs"/>
+              </a:defRPr>
+            </a:lvl1pPr>
+          </a:lstStyle>
+          <a:p>
+            <a:r>
+              <a:rPr lang="zh-CN" altLang="en-US" sz="2000" dirty="0"/>
+              <a:t>注意：</a:t>
+            </a:r>
+            <a:r>
+              <a:rPr lang="en-US" altLang="zh-CN" sz="2000" dirty="0"/>
+              <a:t>ppt</a:t>
+            </a:r>
+            <a:r>
+              <a:rPr lang="zh-CN" altLang="en-US" sz="2000" dirty="0"/>
+              <a:t>中的代码直接</a:t>
+            </a:r>
+            <a:r>
+              <a:rPr lang="en-US" altLang="zh-CN" sz="2000" dirty="0"/>
+              <a:t>copy</a:t>
+            </a:r>
+            <a:r>
+              <a:rPr lang="zh-CN" altLang="en-US" sz="2000" dirty="0"/>
+              <a:t>可能会有格式问题，建议</a:t>
+            </a:r>
+            <a:r>
+              <a:rPr lang="en-US" altLang="zh-CN" sz="2000" dirty="0"/>
+              <a:t>copy</a:t>
+            </a:r>
+            <a:r>
+              <a:rPr lang="zh-CN" altLang="en-US" sz="2000" dirty="0"/>
+              <a:t>对应</a:t>
+            </a:r>
+            <a:r>
+              <a:rPr lang="en-US" altLang="zh-CN" sz="2000" dirty="0" err="1"/>
+              <a:t>py</a:t>
+            </a:r>
+            <a:r>
+              <a:rPr lang="zh-CN" altLang="en-US" sz="2000"/>
+              <a:t>文件中的</a:t>
+            </a:r>
+            <a:r>
+              <a:rPr lang="zh-CN" altLang="en-US" sz="2000" dirty="0"/>
+              <a:t>代码</a:t>
+            </a:r>
+            <a:endParaRPr lang="en-US" altLang="zh-CN" sz="2000" dirty="0"/>
+          </a:p>
+        </p:txBody>
+      </p:sp>
     </p:spTree>
     <p:extLst>
       <p:ext uri="{BB962C8B-B14F-4D97-AF65-F5344CB8AC3E}">
@@ -21362,6 +21454,105 @@
               </a:solidFill>
               <a:effectLst/>
               <a:latin typeface="Consolas" panose="020B0609020204030204" pitchFamily="49" charset="0"/>
+            </a:endParaRPr>
+          </a:p>
+        </p:txBody>
+      </p:sp>
+      <p:sp>
+        <p:nvSpPr>
+          <p:cNvPr id="5" name="矩形 4">
+            <a:hlinkClick r:id="rId2" action="ppaction://hlinkfile"/>
+            <a:extLst>
+              <a:ext uri="{FF2B5EF4-FFF2-40B4-BE49-F238E27FC236}">
+                <a16:creationId xmlns:a16="http://schemas.microsoft.com/office/drawing/2014/main" id="{98298F64-C157-41B3-B765-F41BB225B1C6}"/>
+              </a:ext>
+            </a:extLst>
+          </p:cNvPr>
+          <p:cNvSpPr/>
+          <p:nvPr/>
+        </p:nvSpPr>
+        <p:spPr>
+          <a:xfrm>
+            <a:off x="8686700" y="6641976"/>
+            <a:ext cx="2880320" cy="216024"/>
+          </a:xfrm>
+          <a:prstGeom prst="rect">
+            <a:avLst/>
+          </a:prstGeom>
+          <a:solidFill>
+            <a:schemeClr val="bg2">
+              <a:lumMod val="90000"/>
+            </a:schemeClr>
+          </a:solidFill>
+          <a:ln>
+            <a:noFill/>
+          </a:ln>
+          <a:effectLst>
+            <a:outerShdw blurRad="44450" dist="27940" dir="5400000" algn="ctr">
+              <a:srgbClr val="000000">
+                <a:alpha val="32000"/>
+              </a:srgbClr>
+            </a:outerShdw>
+          </a:effectLst>
+          <a:scene3d>
+            <a:camera prst="orthographicFront">
+              <a:rot lat="0" lon="0" rev="0"/>
+            </a:camera>
+            <a:lightRig rig="balanced" dir="t">
+              <a:rot lat="0" lon="0" rev="8700000"/>
+            </a:lightRig>
+          </a:scene3d>
+          <a:sp3d>
+            <a:bevelT w="190500" h="38100"/>
+          </a:sp3d>
+        </p:spPr>
+        <p:style>
+          <a:lnRef idx="2">
+            <a:schemeClr val="accent1">
+              <a:shade val="50000"/>
+            </a:schemeClr>
+          </a:lnRef>
+          <a:fillRef idx="1">
+            <a:schemeClr val="accent1"/>
+          </a:fillRef>
+          <a:effectRef idx="0">
+            <a:schemeClr val="accent1"/>
+          </a:effectRef>
+          <a:fontRef idx="minor">
+            <a:schemeClr val="lt1"/>
+          </a:fontRef>
+        </p:style>
+        <p:txBody>
+          <a:bodyPr rtlCol="0" anchor="ctr"/>
+          <a:lstStyle/>
+          <a:p>
+            <a:pPr algn="ctr"/>
+            <a:r>
+              <a:rPr lang="zh-CN" altLang="en-US" sz="1100" dirty="0">
+                <a:solidFill>
+                  <a:schemeClr val="tx2"/>
+                </a:solidFill>
+                <a:latin typeface="微软雅黑" panose="020B0503020204020204" pitchFamily="34" charset="-122"/>
+                <a:ea typeface="微软雅黑" panose="020B0503020204020204" pitchFamily="34" charset="-122"/>
+              </a:rPr>
+              <a:t>示例代码：</a:t>
+            </a:r>
+            <a:r>
+              <a:rPr lang="en-US" altLang="zh-CN" sz="1100" dirty="0">
+                <a:solidFill>
+                  <a:schemeClr val="tx2"/>
+                </a:solidFill>
+                <a:latin typeface="微软雅黑" panose="020B0503020204020204" pitchFamily="34" charset="-122"/>
+                <a:ea typeface="微软雅黑" panose="020B0503020204020204" pitchFamily="34" charset="-122"/>
+              </a:rPr>
+              <a:t>http/requests_doem.py</a:t>
+            </a:r>
+            <a:endParaRPr lang="zh-CN" altLang="en-US" sz="1100" dirty="0">
+              <a:solidFill>
+                <a:schemeClr val="tx2"/>
+              </a:solidFill>
+              <a:latin typeface="微软雅黑" panose="020B0503020204020204" pitchFamily="34" charset="-122"/>
+              <a:ea typeface="微软雅黑" panose="020B0503020204020204" pitchFamily="34" charset="-122"/>
             </a:endParaRPr>
           </a:p>
         </p:txBody>
@@ -28070,12 +28261,139 @@
 </file>
 
 <file path=customXml/item1.xml><?xml version="1.0" encoding="utf-8"?>
-<?mso-contentType ?>
-<FormTemplates xmlns="http://schemas.microsoft.com/sharepoint/v3/contenttype/forms">
-  <Display>DocumentLibraryForm</Display>
-  <Edit>AssetEditForm</Edit>
-  <New>DocumentLibraryForm</New>
-</FormTemplates>
+<p:properties xmlns:p="http://schemas.microsoft.com/office/2006/metadata/properties" xmlns:xsi="http://www.w3.org/2001/XMLSchema-instance" xmlns:pc="http://schemas.microsoft.com/office/infopath/2007/PartnerControls">
+  <documentManagement>
+    <LocPublishedLinkedAssetsLookup xmlns="4873beb7-5857-4685-be1f-d57550cc96cc" xsi:nil="true"/>
+    <ApprovalStatus xmlns="4873beb7-5857-4685-be1f-d57550cc96cc">InProgress</ApprovalStatus>
+    <MarketSpecific xmlns="4873beb7-5857-4685-be1f-d57550cc96cc">false</MarketSpecific>
+    <LocComments xmlns="4873beb7-5857-4685-be1f-d57550cc96cc" xsi:nil="true"/>
+    <LocLastLocAttemptVersionTypeLookup xmlns="4873beb7-5857-4685-be1f-d57550cc96cc" xsi:nil="true"/>
+    <DirectSourceMarket xmlns="4873beb7-5857-4685-be1f-d57550cc96cc" xsi:nil="true"/>
+    <ThumbnailAssetId xmlns="4873beb7-5857-4685-be1f-d57550cc96cc" xsi:nil="true"/>
+    <PrimaryImageGen xmlns="4873beb7-5857-4685-be1f-d57550cc96cc">false</PrimaryImageGen>
+    <LocNewPublishedVersionLookup xmlns="4873beb7-5857-4685-be1f-d57550cc96cc" xsi:nil="true"/>
+    <LegacyData xmlns="4873beb7-5857-4685-be1f-d57550cc96cc" xsi:nil="true"/>
+    <LocRecommendedHandoff xmlns="4873beb7-5857-4685-be1f-d57550cc96cc" xsi:nil="true"/>
+    <BusinessGroup xmlns="4873beb7-5857-4685-be1f-d57550cc96cc" xsi:nil="true"/>
+    <BlockPublish xmlns="4873beb7-5857-4685-be1f-d57550cc96cc">false</BlockPublish>
+    <TPFriendlyName xmlns="4873beb7-5857-4685-be1f-d57550cc96cc" xsi:nil="true"/>
+    <LocOverallPublishStatusLookup xmlns="4873beb7-5857-4685-be1f-d57550cc96cc" xsi:nil="true"/>
+    <NumericId xmlns="4873beb7-5857-4685-be1f-d57550cc96cc" xsi:nil="true"/>
+    <APEditor xmlns="4873beb7-5857-4685-be1f-d57550cc96cc">
+      <UserInfo>
+        <DisplayName/>
+        <AccountId xsi:nil="true"/>
+        <AccountType/>
+      </UserInfo>
+    </APEditor>
+    <SourceTitle xmlns="4873beb7-5857-4685-be1f-d57550cc96cc" xsi:nil="true"/>
+    <OpenTemplate xmlns="4873beb7-5857-4685-be1f-d57550cc96cc">true</OpenTemplate>
+    <LocOverallLocStatusLookup xmlns="4873beb7-5857-4685-be1f-d57550cc96cc" xsi:nil="true"/>
+    <UALocComments xmlns="4873beb7-5857-4685-be1f-d57550cc96cc" xsi:nil="true"/>
+    <ParentAssetId xmlns="4873beb7-5857-4685-be1f-d57550cc96cc" xsi:nil="true"/>
+    <IntlLangReviewDate xmlns="4873beb7-5857-4685-be1f-d57550cc96cc" xsi:nil="true"/>
+    <FeatureTagsTaxHTField0 xmlns="4873beb7-5857-4685-be1f-d57550cc96cc">
+      <Terms xmlns="http://schemas.microsoft.com/office/infopath/2007/PartnerControls"/>
+    </FeatureTagsTaxHTField0>
+    <PublishStatusLookup xmlns="4873beb7-5857-4685-be1f-d57550cc96cc">
+      <Value>1345039</Value>
+    </PublishStatusLookup>
+    <Providers xmlns="4873beb7-5857-4685-be1f-d57550cc96cc" xsi:nil="true"/>
+    <MachineTranslated xmlns="4873beb7-5857-4685-be1f-d57550cc96cc">false</MachineTranslated>
+    <OriginalSourceMarket xmlns="4873beb7-5857-4685-be1f-d57550cc96cc" xsi:nil="true"/>
+    <APDescription xmlns="4873beb7-5857-4685-be1f-d57550cc96cc">The bookstacks present on most slides  make this a good choice for students, teachers, reading enthusiasts, and others in education. This presentation template contains multiple slide layouts in widescreen format (16x9) and includes a sample table and chart that you can easily  modify.</APDescription>
+    <ClipArtFilename xmlns="4873beb7-5857-4685-be1f-d57550cc96cc" xsi:nil="true"/>
+    <ContentItem xmlns="4873beb7-5857-4685-be1f-d57550cc96cc" xsi:nil="true"/>
+    <TPInstallLocation xmlns="4873beb7-5857-4685-be1f-d57550cc96cc" xsi:nil="true"/>
+    <PublishTargets xmlns="4873beb7-5857-4685-be1f-d57550cc96cc">OfficeOnlineVNext</PublishTargets>
+    <TimesCloned xmlns="4873beb7-5857-4685-be1f-d57550cc96cc" xsi:nil="true"/>
+    <AssetStart xmlns="4873beb7-5857-4685-be1f-d57550cc96cc">2011-11-26T00:00:00+00:00</AssetStart>
+    <Provider xmlns="4873beb7-5857-4685-be1f-d57550cc96cc" xsi:nil="true"/>
+    <AcquiredFrom xmlns="4873beb7-5857-4685-be1f-d57550cc96cc">Internal MS</AcquiredFrom>
+    <FriendlyTitle xmlns="4873beb7-5857-4685-be1f-d57550cc96cc" xsi:nil="true"/>
+    <LastHandOff xmlns="4873beb7-5857-4685-be1f-d57550cc96cc" xsi:nil="true"/>
+    <TPClientViewer xmlns="4873beb7-5857-4685-be1f-d57550cc96cc" xsi:nil="true"/>
+    <TemplateStatus xmlns="4873beb7-5857-4685-be1f-d57550cc96cc">Complete</TemplateStatus>
+    <Downloads xmlns="4873beb7-5857-4685-be1f-d57550cc96cc">0</Downloads>
+    <OOCacheId xmlns="4873beb7-5857-4685-be1f-d57550cc96cc" xsi:nil="true"/>
+    <IsDeleted xmlns="4873beb7-5857-4685-be1f-d57550cc96cc">false</IsDeleted>
+    <LocPublishedDependentAssetsLookup xmlns="4873beb7-5857-4685-be1f-d57550cc96cc" xsi:nil="true"/>
+    <AssetExpire xmlns="4873beb7-5857-4685-be1f-d57550cc96cc">2029-05-12T07:00:00+00:00</AssetExpire>
+    <DSATActionTaken xmlns="4873beb7-5857-4685-be1f-d57550cc96cc" xsi:nil="true"/>
+    <CSXSubmissionMarket xmlns="4873beb7-5857-4685-be1f-d57550cc96cc" xsi:nil="true"/>
+    <TPExecutable xmlns="4873beb7-5857-4685-be1f-d57550cc96cc" xsi:nil="true"/>
+    <EditorialTags xmlns="4873beb7-5857-4685-be1f-d57550cc96cc" xsi:nil="true"/>
+    <SubmitterId xmlns="4873beb7-5857-4685-be1f-d57550cc96cc" xsi:nil="true"/>
+    <ApprovalLog xmlns="4873beb7-5857-4685-be1f-d57550cc96cc" xsi:nil="true"/>
+    <AssetType xmlns="4873beb7-5857-4685-be1f-d57550cc96cc">TP</AssetType>
+    <BugNumber xmlns="4873beb7-5857-4685-be1f-d57550cc96cc" xsi:nil="true"/>
+    <CSXSubmissionDate xmlns="4873beb7-5857-4685-be1f-d57550cc96cc" xsi:nil="true"/>
+    <CSXUpdate xmlns="4873beb7-5857-4685-be1f-d57550cc96cc">false</CSXUpdate>
+    <Milestone xmlns="4873beb7-5857-4685-be1f-d57550cc96cc" xsi:nil="true"/>
+    <RecommendationsModifier xmlns="4873beb7-5857-4685-be1f-d57550cc96cc" xsi:nil="true"/>
+    <OriginAsset xmlns="4873beb7-5857-4685-be1f-d57550cc96cc" xsi:nil="true"/>
+    <TPComponent xmlns="4873beb7-5857-4685-be1f-d57550cc96cc" xsi:nil="true"/>
+    <AssetId xmlns="4873beb7-5857-4685-be1f-d57550cc96cc">TP102787939</AssetId>
+    <IntlLocPriority xmlns="4873beb7-5857-4685-be1f-d57550cc96cc" xsi:nil="true"/>
+    <PolicheckWords xmlns="4873beb7-5857-4685-be1f-d57550cc96cc" xsi:nil="true"/>
+    <TPLaunchHelpLink xmlns="4873beb7-5857-4685-be1f-d57550cc96cc" xsi:nil="true"/>
+    <TPApplication xmlns="4873beb7-5857-4685-be1f-d57550cc96cc" xsi:nil="true"/>
+    <CrawlForDependencies xmlns="4873beb7-5857-4685-be1f-d57550cc96cc">false</CrawlForDependencies>
+    <HandoffToMSDN xmlns="4873beb7-5857-4685-be1f-d57550cc96cc" xsi:nil="true"/>
+    <PlannedPubDate xmlns="4873beb7-5857-4685-be1f-d57550cc96cc" xsi:nil="true"/>
+    <IntlLangReviewer xmlns="4873beb7-5857-4685-be1f-d57550cc96cc" xsi:nil="true"/>
+    <TrustLevel xmlns="4873beb7-5857-4685-be1f-d57550cc96cc">1 Microsoft Managed Content</TrustLevel>
+    <LocLastLocAttemptVersionLookup xmlns="4873beb7-5857-4685-be1f-d57550cc96cc">694216</LocLastLocAttemptVersionLookup>
+    <LocProcessedForHandoffsLookup xmlns="4873beb7-5857-4685-be1f-d57550cc96cc" xsi:nil="true"/>
+    <IsSearchable xmlns="4873beb7-5857-4685-be1f-d57550cc96cc">true</IsSearchable>
+    <TemplateTemplateType xmlns="4873beb7-5857-4685-be1f-d57550cc96cc">PowerPoint Presentation Template</TemplateTemplateType>
+    <CampaignTagsTaxHTField0 xmlns="4873beb7-5857-4685-be1f-d57550cc96cc">
+      <Terms xmlns="http://schemas.microsoft.com/office/infopath/2007/PartnerControls"/>
+    </CampaignTagsTaxHTField0>
+    <TPNamespace xmlns="4873beb7-5857-4685-be1f-d57550cc96cc" xsi:nil="true"/>
+    <LocOverallPreviewStatusLookup xmlns="4873beb7-5857-4685-be1f-d57550cc96cc" xsi:nil="true"/>
+    <TaxCatchAll xmlns="4873beb7-5857-4685-be1f-d57550cc96cc"/>
+    <Markets xmlns="4873beb7-5857-4685-be1f-d57550cc96cc"/>
+    <UAProjectedTotalWords xmlns="4873beb7-5857-4685-be1f-d57550cc96cc" xsi:nil="true"/>
+    <IntlLangReview xmlns="4873beb7-5857-4685-be1f-d57550cc96cc" xsi:nil="true"/>
+    <OutputCachingOn xmlns="4873beb7-5857-4685-be1f-d57550cc96cc">false</OutputCachingOn>
+    <AverageRating xmlns="4873beb7-5857-4685-be1f-d57550cc96cc" xsi:nil="true"/>
+    <APAuthor xmlns="4873beb7-5857-4685-be1f-d57550cc96cc">
+      <UserInfo>
+        <DisplayName>REDMOND\kristaa</DisplayName>
+        <AccountId>136</AccountId>
+        <AccountType/>
+      </UserInfo>
+    </APAuthor>
+    <LocManualTestRequired xmlns="4873beb7-5857-4685-be1f-d57550cc96cc">false</LocManualTestRequired>
+    <TPCommandLine xmlns="4873beb7-5857-4685-be1f-d57550cc96cc" xsi:nil="true"/>
+    <TPAppVersion xmlns="4873beb7-5857-4685-be1f-d57550cc96cc" xsi:nil="true"/>
+    <EditorialStatus xmlns="4873beb7-5857-4685-be1f-d57550cc96cc">Complete</EditorialStatus>
+    <LastModifiedDateTime xmlns="4873beb7-5857-4685-be1f-d57550cc96cc" xsi:nil="true"/>
+    <ScenarioTagsTaxHTField0 xmlns="4873beb7-5857-4685-be1f-d57550cc96cc">
+      <Terms xmlns="http://schemas.microsoft.com/office/infopath/2007/PartnerControls"/>
+    </ScenarioTagsTaxHTField0>
+    <LocProcessedForMarketsLookup xmlns="4873beb7-5857-4685-be1f-d57550cc96cc" xsi:nil="true"/>
+    <TPLaunchHelpLinkType xmlns="4873beb7-5857-4685-be1f-d57550cc96cc">Template</TPLaunchHelpLinkType>
+    <OriginalRelease xmlns="4873beb7-5857-4685-be1f-d57550cc96cc">15</OriginalRelease>
+    <LocalizationTagsTaxHTField0 xmlns="4873beb7-5857-4685-be1f-d57550cc96cc">
+      <Terms xmlns="http://schemas.microsoft.com/office/infopath/2007/PartnerControls"/>
+    </LocalizationTagsTaxHTField0>
+    <UACurrentWords xmlns="4873beb7-5857-4685-be1f-d57550cc96cc" xsi:nil="true"/>
+    <ArtSampleDocs xmlns="4873beb7-5857-4685-be1f-d57550cc96cc" xsi:nil="true"/>
+    <UALocRecommendation xmlns="4873beb7-5857-4685-be1f-d57550cc96cc">Localize</UALocRecommendation>
+    <Manager xmlns="4873beb7-5857-4685-be1f-d57550cc96cc" xsi:nil="true"/>
+    <LocOverallHandbackStatusLookup xmlns="4873beb7-5857-4685-be1f-d57550cc96cc" xsi:nil="true"/>
+    <ShowIn xmlns="4873beb7-5857-4685-be1f-d57550cc96cc">Show everywhere</ShowIn>
+    <UANotes xmlns="4873beb7-5857-4685-be1f-d57550cc96cc" xsi:nil="true"/>
+    <InternalTagsTaxHTField0 xmlns="4873beb7-5857-4685-be1f-d57550cc96cc">
+      <Terms xmlns="http://schemas.microsoft.com/office/infopath/2007/PartnerControls"/>
+    </InternalTagsTaxHTField0>
+    <CSXHash xmlns="4873beb7-5857-4685-be1f-d57550cc96cc" xsi:nil="true"/>
+    <VoteCount xmlns="4873beb7-5857-4685-be1f-d57550cc96cc" xsi:nil="true"/>
+    <LocMarketGroupTiers2 xmlns="4873beb7-5857-4685-be1f-d57550cc96cc" xsi:nil="true"/>
+  </documentManagement>
+</p:properties>
 </file>
 
 <file path=customXml/item2.xml><?xml version="1.0" encoding="utf-8"?>
@@ -29119,145 +29437,26 @@
 </file>
 
 <file path=customXml/item3.xml><?xml version="1.0" encoding="utf-8"?>
-<p:properties xmlns:p="http://schemas.microsoft.com/office/2006/metadata/properties" xmlns:xsi="http://www.w3.org/2001/XMLSchema-instance" xmlns:pc="http://schemas.microsoft.com/office/infopath/2007/PartnerControls">
-  <documentManagement>
-    <LocPublishedLinkedAssetsLookup xmlns="4873beb7-5857-4685-be1f-d57550cc96cc" xsi:nil="true"/>
-    <ApprovalStatus xmlns="4873beb7-5857-4685-be1f-d57550cc96cc">InProgress</ApprovalStatus>
-    <MarketSpecific xmlns="4873beb7-5857-4685-be1f-d57550cc96cc">false</MarketSpecific>
-    <LocComments xmlns="4873beb7-5857-4685-be1f-d57550cc96cc" xsi:nil="true"/>
-    <LocLastLocAttemptVersionTypeLookup xmlns="4873beb7-5857-4685-be1f-d57550cc96cc" xsi:nil="true"/>
-    <DirectSourceMarket xmlns="4873beb7-5857-4685-be1f-d57550cc96cc" xsi:nil="true"/>
-    <ThumbnailAssetId xmlns="4873beb7-5857-4685-be1f-d57550cc96cc" xsi:nil="true"/>
-    <PrimaryImageGen xmlns="4873beb7-5857-4685-be1f-d57550cc96cc">false</PrimaryImageGen>
-    <LocNewPublishedVersionLookup xmlns="4873beb7-5857-4685-be1f-d57550cc96cc" xsi:nil="true"/>
-    <LegacyData xmlns="4873beb7-5857-4685-be1f-d57550cc96cc" xsi:nil="true"/>
-    <LocRecommendedHandoff xmlns="4873beb7-5857-4685-be1f-d57550cc96cc" xsi:nil="true"/>
-    <BusinessGroup xmlns="4873beb7-5857-4685-be1f-d57550cc96cc" xsi:nil="true"/>
-    <BlockPublish xmlns="4873beb7-5857-4685-be1f-d57550cc96cc">false</BlockPublish>
-    <TPFriendlyName xmlns="4873beb7-5857-4685-be1f-d57550cc96cc" xsi:nil="true"/>
-    <LocOverallPublishStatusLookup xmlns="4873beb7-5857-4685-be1f-d57550cc96cc" xsi:nil="true"/>
-    <NumericId xmlns="4873beb7-5857-4685-be1f-d57550cc96cc" xsi:nil="true"/>
-    <APEditor xmlns="4873beb7-5857-4685-be1f-d57550cc96cc">
-      <UserInfo>
-        <DisplayName/>
-        <AccountId xsi:nil="true"/>
-        <AccountType/>
-      </UserInfo>
-    </APEditor>
-    <SourceTitle xmlns="4873beb7-5857-4685-be1f-d57550cc96cc" xsi:nil="true"/>
-    <OpenTemplate xmlns="4873beb7-5857-4685-be1f-d57550cc96cc">true</OpenTemplate>
-    <LocOverallLocStatusLookup xmlns="4873beb7-5857-4685-be1f-d57550cc96cc" xsi:nil="true"/>
-    <UALocComments xmlns="4873beb7-5857-4685-be1f-d57550cc96cc" xsi:nil="true"/>
-    <ParentAssetId xmlns="4873beb7-5857-4685-be1f-d57550cc96cc" xsi:nil="true"/>
-    <IntlLangReviewDate xmlns="4873beb7-5857-4685-be1f-d57550cc96cc" xsi:nil="true"/>
-    <FeatureTagsTaxHTField0 xmlns="4873beb7-5857-4685-be1f-d57550cc96cc">
-      <Terms xmlns="http://schemas.microsoft.com/office/infopath/2007/PartnerControls"/>
-    </FeatureTagsTaxHTField0>
-    <PublishStatusLookup xmlns="4873beb7-5857-4685-be1f-d57550cc96cc">
-      <Value>1345039</Value>
-    </PublishStatusLookup>
-    <Providers xmlns="4873beb7-5857-4685-be1f-d57550cc96cc" xsi:nil="true"/>
-    <MachineTranslated xmlns="4873beb7-5857-4685-be1f-d57550cc96cc">false</MachineTranslated>
-    <OriginalSourceMarket xmlns="4873beb7-5857-4685-be1f-d57550cc96cc" xsi:nil="true"/>
-    <APDescription xmlns="4873beb7-5857-4685-be1f-d57550cc96cc">The bookstacks present on most slides  make this a good choice for students, teachers, reading enthusiasts, and others in education. This presentation template contains multiple slide layouts in widescreen format (16x9) and includes a sample table and chart that you can easily  modify.</APDescription>
-    <ClipArtFilename xmlns="4873beb7-5857-4685-be1f-d57550cc96cc" xsi:nil="true"/>
-    <ContentItem xmlns="4873beb7-5857-4685-be1f-d57550cc96cc" xsi:nil="true"/>
-    <TPInstallLocation xmlns="4873beb7-5857-4685-be1f-d57550cc96cc" xsi:nil="true"/>
-    <PublishTargets xmlns="4873beb7-5857-4685-be1f-d57550cc96cc">OfficeOnlineVNext</PublishTargets>
-    <TimesCloned xmlns="4873beb7-5857-4685-be1f-d57550cc96cc" xsi:nil="true"/>
-    <AssetStart xmlns="4873beb7-5857-4685-be1f-d57550cc96cc">2011-11-26T00:00:00+00:00</AssetStart>
-    <Provider xmlns="4873beb7-5857-4685-be1f-d57550cc96cc" xsi:nil="true"/>
-    <AcquiredFrom xmlns="4873beb7-5857-4685-be1f-d57550cc96cc">Internal MS</AcquiredFrom>
-    <FriendlyTitle xmlns="4873beb7-5857-4685-be1f-d57550cc96cc" xsi:nil="true"/>
-    <LastHandOff xmlns="4873beb7-5857-4685-be1f-d57550cc96cc" xsi:nil="true"/>
-    <TPClientViewer xmlns="4873beb7-5857-4685-be1f-d57550cc96cc" xsi:nil="true"/>
-    <TemplateStatus xmlns="4873beb7-5857-4685-be1f-d57550cc96cc">Complete</TemplateStatus>
-    <Downloads xmlns="4873beb7-5857-4685-be1f-d57550cc96cc">0</Downloads>
-    <OOCacheId xmlns="4873beb7-5857-4685-be1f-d57550cc96cc" xsi:nil="true"/>
-    <IsDeleted xmlns="4873beb7-5857-4685-be1f-d57550cc96cc">false</IsDeleted>
-    <LocPublishedDependentAssetsLookup xmlns="4873beb7-5857-4685-be1f-d57550cc96cc" xsi:nil="true"/>
-    <AssetExpire xmlns="4873beb7-5857-4685-be1f-d57550cc96cc">2029-05-12T07:00:00+00:00</AssetExpire>
-    <DSATActionTaken xmlns="4873beb7-5857-4685-be1f-d57550cc96cc" xsi:nil="true"/>
-    <CSXSubmissionMarket xmlns="4873beb7-5857-4685-be1f-d57550cc96cc" xsi:nil="true"/>
-    <TPExecutable xmlns="4873beb7-5857-4685-be1f-d57550cc96cc" xsi:nil="true"/>
-    <EditorialTags xmlns="4873beb7-5857-4685-be1f-d57550cc96cc" xsi:nil="true"/>
-    <SubmitterId xmlns="4873beb7-5857-4685-be1f-d57550cc96cc" xsi:nil="true"/>
-    <ApprovalLog xmlns="4873beb7-5857-4685-be1f-d57550cc96cc" xsi:nil="true"/>
-    <AssetType xmlns="4873beb7-5857-4685-be1f-d57550cc96cc">TP</AssetType>
-    <BugNumber xmlns="4873beb7-5857-4685-be1f-d57550cc96cc" xsi:nil="true"/>
-    <CSXSubmissionDate xmlns="4873beb7-5857-4685-be1f-d57550cc96cc" xsi:nil="true"/>
-    <CSXUpdate xmlns="4873beb7-5857-4685-be1f-d57550cc96cc">false</CSXUpdate>
-    <Milestone xmlns="4873beb7-5857-4685-be1f-d57550cc96cc" xsi:nil="true"/>
-    <RecommendationsModifier xmlns="4873beb7-5857-4685-be1f-d57550cc96cc" xsi:nil="true"/>
-    <OriginAsset xmlns="4873beb7-5857-4685-be1f-d57550cc96cc" xsi:nil="true"/>
-    <TPComponent xmlns="4873beb7-5857-4685-be1f-d57550cc96cc" xsi:nil="true"/>
-    <AssetId xmlns="4873beb7-5857-4685-be1f-d57550cc96cc">TP102787939</AssetId>
-    <IntlLocPriority xmlns="4873beb7-5857-4685-be1f-d57550cc96cc" xsi:nil="true"/>
-    <PolicheckWords xmlns="4873beb7-5857-4685-be1f-d57550cc96cc" xsi:nil="true"/>
-    <TPLaunchHelpLink xmlns="4873beb7-5857-4685-be1f-d57550cc96cc" xsi:nil="true"/>
-    <TPApplication xmlns="4873beb7-5857-4685-be1f-d57550cc96cc" xsi:nil="true"/>
-    <CrawlForDependencies xmlns="4873beb7-5857-4685-be1f-d57550cc96cc">false</CrawlForDependencies>
-    <HandoffToMSDN xmlns="4873beb7-5857-4685-be1f-d57550cc96cc" xsi:nil="true"/>
-    <PlannedPubDate xmlns="4873beb7-5857-4685-be1f-d57550cc96cc" xsi:nil="true"/>
-    <IntlLangReviewer xmlns="4873beb7-5857-4685-be1f-d57550cc96cc" xsi:nil="true"/>
-    <TrustLevel xmlns="4873beb7-5857-4685-be1f-d57550cc96cc">1 Microsoft Managed Content</TrustLevel>
-    <LocLastLocAttemptVersionLookup xmlns="4873beb7-5857-4685-be1f-d57550cc96cc">694216</LocLastLocAttemptVersionLookup>
-    <LocProcessedForHandoffsLookup xmlns="4873beb7-5857-4685-be1f-d57550cc96cc" xsi:nil="true"/>
-    <IsSearchable xmlns="4873beb7-5857-4685-be1f-d57550cc96cc">true</IsSearchable>
-    <TemplateTemplateType xmlns="4873beb7-5857-4685-be1f-d57550cc96cc">PowerPoint Presentation Template</TemplateTemplateType>
-    <CampaignTagsTaxHTField0 xmlns="4873beb7-5857-4685-be1f-d57550cc96cc">
-      <Terms xmlns="http://schemas.microsoft.com/office/infopath/2007/PartnerControls"/>
-    </CampaignTagsTaxHTField0>
-    <TPNamespace xmlns="4873beb7-5857-4685-be1f-d57550cc96cc" xsi:nil="true"/>
-    <LocOverallPreviewStatusLookup xmlns="4873beb7-5857-4685-be1f-d57550cc96cc" xsi:nil="true"/>
-    <TaxCatchAll xmlns="4873beb7-5857-4685-be1f-d57550cc96cc"/>
-    <Markets xmlns="4873beb7-5857-4685-be1f-d57550cc96cc"/>
-    <UAProjectedTotalWords xmlns="4873beb7-5857-4685-be1f-d57550cc96cc" xsi:nil="true"/>
-    <IntlLangReview xmlns="4873beb7-5857-4685-be1f-d57550cc96cc" xsi:nil="true"/>
-    <OutputCachingOn xmlns="4873beb7-5857-4685-be1f-d57550cc96cc">false</OutputCachingOn>
-    <AverageRating xmlns="4873beb7-5857-4685-be1f-d57550cc96cc" xsi:nil="true"/>
-    <APAuthor xmlns="4873beb7-5857-4685-be1f-d57550cc96cc">
-      <UserInfo>
-        <DisplayName>REDMOND\kristaa</DisplayName>
-        <AccountId>136</AccountId>
-        <AccountType/>
-      </UserInfo>
-    </APAuthor>
-    <LocManualTestRequired xmlns="4873beb7-5857-4685-be1f-d57550cc96cc">false</LocManualTestRequired>
-    <TPCommandLine xmlns="4873beb7-5857-4685-be1f-d57550cc96cc" xsi:nil="true"/>
-    <TPAppVersion xmlns="4873beb7-5857-4685-be1f-d57550cc96cc" xsi:nil="true"/>
-    <EditorialStatus xmlns="4873beb7-5857-4685-be1f-d57550cc96cc">Complete</EditorialStatus>
-    <LastModifiedDateTime xmlns="4873beb7-5857-4685-be1f-d57550cc96cc" xsi:nil="true"/>
-    <ScenarioTagsTaxHTField0 xmlns="4873beb7-5857-4685-be1f-d57550cc96cc">
-      <Terms xmlns="http://schemas.microsoft.com/office/infopath/2007/PartnerControls"/>
-    </ScenarioTagsTaxHTField0>
-    <LocProcessedForMarketsLookup xmlns="4873beb7-5857-4685-be1f-d57550cc96cc" xsi:nil="true"/>
-    <TPLaunchHelpLinkType xmlns="4873beb7-5857-4685-be1f-d57550cc96cc">Template</TPLaunchHelpLinkType>
-    <OriginalRelease xmlns="4873beb7-5857-4685-be1f-d57550cc96cc">15</OriginalRelease>
-    <LocalizationTagsTaxHTField0 xmlns="4873beb7-5857-4685-be1f-d57550cc96cc">
-      <Terms xmlns="http://schemas.microsoft.com/office/infopath/2007/PartnerControls"/>
-    </LocalizationTagsTaxHTField0>
-    <UACurrentWords xmlns="4873beb7-5857-4685-be1f-d57550cc96cc" xsi:nil="true"/>
-    <ArtSampleDocs xmlns="4873beb7-5857-4685-be1f-d57550cc96cc" xsi:nil="true"/>
-    <UALocRecommendation xmlns="4873beb7-5857-4685-be1f-d57550cc96cc">Localize</UALocRecommendation>
-    <Manager xmlns="4873beb7-5857-4685-be1f-d57550cc96cc" xsi:nil="true"/>
-    <LocOverallHandbackStatusLookup xmlns="4873beb7-5857-4685-be1f-d57550cc96cc" xsi:nil="true"/>
-    <ShowIn xmlns="4873beb7-5857-4685-be1f-d57550cc96cc">Show everywhere</ShowIn>
-    <UANotes xmlns="4873beb7-5857-4685-be1f-d57550cc96cc" xsi:nil="true"/>
-    <InternalTagsTaxHTField0 xmlns="4873beb7-5857-4685-be1f-d57550cc96cc">
-      <Terms xmlns="http://schemas.microsoft.com/office/infopath/2007/PartnerControls"/>
-    </InternalTagsTaxHTField0>
-    <CSXHash xmlns="4873beb7-5857-4685-be1f-d57550cc96cc" xsi:nil="true"/>
-    <VoteCount xmlns="4873beb7-5857-4685-be1f-d57550cc96cc" xsi:nil="true"/>
-    <LocMarketGroupTiers2 xmlns="4873beb7-5857-4685-be1f-d57550cc96cc" xsi:nil="true"/>
-  </documentManagement>
-</p:properties>
+<?mso-contentType ?>
+<FormTemplates xmlns="http://schemas.microsoft.com/sharepoint/v3/contenttype/forms">
+  <Display>DocumentLibraryForm</Display>
+  <Edit>AssetEditForm</Edit>
+  <New>DocumentLibraryForm</New>
+</FormTemplates>
 </file>
 
 <file path=customXml/itemProps1.xml><?xml version="1.0" encoding="utf-8"?>
-<ds:datastoreItem xmlns:ds="http://schemas.openxmlformats.org/officeDocument/2006/customXml" ds:itemID="{E1B558C7-619B-49BE-9097-7FCBDADD4ECE}">
+<ds:datastoreItem xmlns:ds="http://schemas.openxmlformats.org/officeDocument/2006/customXml" ds:itemID="{F301D382-32B0-43EE-932C-28906AF37617}">
   <ds:schemaRefs>
-    <ds:schemaRef ds:uri="http://schemas.microsoft.com/sharepoint/v3/contenttype/forms"/>
+    <ds:schemaRef ds:uri="http://purl.org/dc/elements/1.1/"/>
+    <ds:schemaRef ds:uri="http://schemas.microsoft.com/office/2006/metadata/properties"/>
+    <ds:schemaRef ds:uri="http://schemas.openxmlformats.org/package/2006/metadata/core-properties"/>
+    <ds:schemaRef ds:uri="http://schemas.microsoft.com/office/2006/documentManagement/types"/>
+    <ds:schemaRef ds:uri="http://schemas.microsoft.com/office/infopath/2007/PartnerControls"/>
+    <ds:schemaRef ds:uri="http://purl.org/dc/terms/"/>
+    <ds:schemaRef ds:uri="http://purl.org/dc/dcmitype/"/>
+    <ds:schemaRef ds:uri="4873beb7-5857-4685-be1f-d57550cc96cc"/>
+    <ds:schemaRef ds:uri="http://www.w3.org/XML/1998/namespace"/>
   </ds:schemaRefs>
 </ds:datastoreItem>
 </file>
@@ -29281,17 +29480,9 @@
 </file>
 
 <file path=customXml/itemProps3.xml><?xml version="1.0" encoding="utf-8"?>
-<ds:datastoreItem xmlns:ds="http://schemas.openxmlformats.org/officeDocument/2006/customXml" ds:itemID="{F301D382-32B0-43EE-932C-28906AF37617}">
+<ds:datastoreItem xmlns:ds="http://schemas.openxmlformats.org/officeDocument/2006/customXml" ds:itemID="{E1B558C7-619B-49BE-9097-7FCBDADD4ECE}">
   <ds:schemaRefs>
-    <ds:schemaRef ds:uri="http://purl.org/dc/elements/1.1/"/>
-    <ds:schemaRef ds:uri="http://schemas.microsoft.com/office/2006/metadata/properties"/>
-    <ds:schemaRef ds:uri="http://schemas.openxmlformats.org/package/2006/metadata/core-properties"/>
-    <ds:schemaRef ds:uri="http://schemas.microsoft.com/office/2006/documentManagement/types"/>
-    <ds:schemaRef ds:uri="http://schemas.microsoft.com/office/infopath/2007/PartnerControls"/>
-    <ds:schemaRef ds:uri="http://purl.org/dc/terms/"/>
-    <ds:schemaRef ds:uri="http://purl.org/dc/dcmitype/"/>
-    <ds:schemaRef ds:uri="4873beb7-5857-4685-be1f-d57550cc96cc"/>
-    <ds:schemaRef ds:uri="http://www.w3.org/XML/1998/namespace"/>
+    <ds:schemaRef ds:uri="http://schemas.microsoft.com/sharepoint/v3/contenttype/forms"/>
   </ds:schemaRefs>
 </ds:datastoreItem>
 </file>
--- a/钉钉机器人.pptx
+++ b/钉钉机器人.pptx
@@ -16082,8 +16082,8 @@
         </p:nvSpPr>
         <p:spPr>
           <a:xfrm>
-            <a:off x="1053852" y="2276872"/>
-            <a:ext cx="10786723" cy="493642"/>
+            <a:off x="1053853" y="2276872"/>
+            <a:ext cx="2592288" cy="493642"/>
           </a:xfrm>
           <a:prstGeom prst="rect">
             <a:avLst/>
@@ -16409,6 +16409,70 @@
               <a:latin typeface="微软雅黑" panose="020B0503020204020204" pitchFamily="34" charset="-122"/>
               <a:ea typeface="微软雅黑" panose="020B0503020204020204" pitchFamily="34" charset="-122"/>
             </a:endParaRPr>
+          </a:p>
+        </p:txBody>
+      </p:sp>
+      <p:sp>
+        <p:nvSpPr>
+          <p:cNvPr id="8" name="标题 1">
+            <a:extLst>
+              <a:ext uri="{FF2B5EF4-FFF2-40B4-BE49-F238E27FC236}">
+                <a16:creationId xmlns:a16="http://schemas.microsoft.com/office/drawing/2014/main" id="{50AC4AE9-A372-4758-A8F7-642012583450}"/>
+              </a:ext>
+            </a:extLst>
+          </p:cNvPr>
+          <p:cNvSpPr txBox="1">
+            <a:spLocks/>
+          </p:cNvSpPr>
+          <p:nvPr/>
+        </p:nvSpPr>
+        <p:spPr>
+          <a:xfrm>
+            <a:off x="1053852" y="3933056"/>
+            <a:ext cx="3600399" cy="493642"/>
+          </a:xfrm>
+          <a:prstGeom prst="rect">
+            <a:avLst/>
+          </a:prstGeom>
+        </p:spPr>
+        <p:txBody>
+          <a:bodyPr vert="horz" lIns="121899" tIns="60949" rIns="121899" bIns="60949" rtlCol="0" anchor="b">
+            <a:normAutofit/>
+          </a:bodyPr>
+          <a:lstStyle>
+            <a:lvl1pPr algn="l" defTabSz="1218987" rtl="0" eaLnBrk="1" latinLnBrk="0" hangingPunct="1">
+              <a:lnSpc>
+                <a:spcPct val="85000"/>
+              </a:lnSpc>
+              <a:spcBef>
+                <a:spcPct val="0"/>
+              </a:spcBef>
+              <a:buNone/>
+              <a:tabLst/>
+              <a:defRPr sz="4400" kern="1200" cap="none" baseline="0">
+                <a:solidFill>
+                  <a:schemeClr val="tx1"/>
+                </a:solidFill>
+                <a:latin typeface="微软雅黑" panose="020B0503020204020204" pitchFamily="34" charset="-122"/>
+                <a:ea typeface="微软雅黑" panose="020B0503020204020204" pitchFamily="34" charset="-122"/>
+                <a:cs typeface="+mj-cs"/>
+              </a:defRPr>
+            </a:lvl1pPr>
+          </a:lstStyle>
+          <a:p>
+            <a:r>
+              <a:rPr lang="en-US" altLang="zh-CN" sz="2000" dirty="0"/>
+              <a:t>3</a:t>
+            </a:r>
+            <a:r>
+              <a:rPr lang="zh-CN" altLang="en-US" sz="2000" dirty="0"/>
+              <a:t>、命令行执行</a:t>
+            </a:r>
+            <a:r>
+              <a:rPr lang="en-US" altLang="zh-CN" sz="2000" dirty="0" err="1"/>
+              <a:t>pyspark</a:t>
+            </a:r>
+            <a:endParaRPr lang="en-US" altLang="zh-CN" sz="2000" dirty="0"/>
           </a:p>
         </p:txBody>
       </p:sp>
@@ -28261,139 +28325,12 @@
 </file>
 
 <file path=customXml/item1.xml><?xml version="1.0" encoding="utf-8"?>
-<p:properties xmlns:p="http://schemas.microsoft.com/office/2006/metadata/properties" xmlns:xsi="http://www.w3.org/2001/XMLSchema-instance" xmlns:pc="http://schemas.microsoft.com/office/infopath/2007/PartnerControls">
-  <documentManagement>
-    <LocPublishedLinkedAssetsLookup xmlns="4873beb7-5857-4685-be1f-d57550cc96cc" xsi:nil="true"/>
-    <ApprovalStatus xmlns="4873beb7-5857-4685-be1f-d57550cc96cc">InProgress</ApprovalStatus>
-    <MarketSpecific xmlns="4873beb7-5857-4685-be1f-d57550cc96cc">false</MarketSpecific>
-    <LocComments xmlns="4873beb7-5857-4685-be1f-d57550cc96cc" xsi:nil="true"/>
-    <LocLastLocAttemptVersionTypeLookup xmlns="4873beb7-5857-4685-be1f-d57550cc96cc" xsi:nil="true"/>
-    <DirectSourceMarket xmlns="4873beb7-5857-4685-be1f-d57550cc96cc" xsi:nil="true"/>
-    <ThumbnailAssetId xmlns="4873beb7-5857-4685-be1f-d57550cc96cc" xsi:nil="true"/>
-    <PrimaryImageGen xmlns="4873beb7-5857-4685-be1f-d57550cc96cc">false</PrimaryImageGen>
-    <LocNewPublishedVersionLookup xmlns="4873beb7-5857-4685-be1f-d57550cc96cc" xsi:nil="true"/>
-    <LegacyData xmlns="4873beb7-5857-4685-be1f-d57550cc96cc" xsi:nil="true"/>
-    <LocRecommendedHandoff xmlns="4873beb7-5857-4685-be1f-d57550cc96cc" xsi:nil="true"/>
-    <BusinessGroup xmlns="4873beb7-5857-4685-be1f-d57550cc96cc" xsi:nil="true"/>
-    <BlockPublish xmlns="4873beb7-5857-4685-be1f-d57550cc96cc">false</BlockPublish>
-    <TPFriendlyName xmlns="4873beb7-5857-4685-be1f-d57550cc96cc" xsi:nil="true"/>
-    <LocOverallPublishStatusLookup xmlns="4873beb7-5857-4685-be1f-d57550cc96cc" xsi:nil="true"/>
-    <NumericId xmlns="4873beb7-5857-4685-be1f-d57550cc96cc" xsi:nil="true"/>
-    <APEditor xmlns="4873beb7-5857-4685-be1f-d57550cc96cc">
-      <UserInfo>
-        <DisplayName/>
-        <AccountId xsi:nil="true"/>
-        <AccountType/>
-      </UserInfo>
-    </APEditor>
-    <SourceTitle xmlns="4873beb7-5857-4685-be1f-d57550cc96cc" xsi:nil="true"/>
-    <OpenTemplate xmlns="4873beb7-5857-4685-be1f-d57550cc96cc">true</OpenTemplate>
-    <LocOverallLocStatusLookup xmlns="4873beb7-5857-4685-be1f-d57550cc96cc" xsi:nil="true"/>
-    <UALocComments xmlns="4873beb7-5857-4685-be1f-d57550cc96cc" xsi:nil="true"/>
-    <ParentAssetId xmlns="4873beb7-5857-4685-be1f-d57550cc96cc" xsi:nil="true"/>
-    <IntlLangReviewDate xmlns="4873beb7-5857-4685-be1f-d57550cc96cc" xsi:nil="true"/>
-    <FeatureTagsTaxHTField0 xmlns="4873beb7-5857-4685-be1f-d57550cc96cc">
-      <Terms xmlns="http://schemas.microsoft.com/office/infopath/2007/PartnerControls"/>
-    </FeatureTagsTaxHTField0>
-    <PublishStatusLookup xmlns="4873beb7-5857-4685-be1f-d57550cc96cc">
-      <Value>1345039</Value>
-    </PublishStatusLookup>
-    <Providers xmlns="4873beb7-5857-4685-be1f-d57550cc96cc" xsi:nil="true"/>
-    <MachineTranslated xmlns="4873beb7-5857-4685-be1f-d57550cc96cc">false</MachineTranslated>
-    <OriginalSourceMarket xmlns="4873beb7-5857-4685-be1f-d57550cc96cc" xsi:nil="true"/>
-    <APDescription xmlns="4873beb7-5857-4685-be1f-d57550cc96cc">The bookstacks present on most slides  make this a good choice for students, teachers, reading enthusiasts, and others in education. This presentation template contains multiple slide layouts in widescreen format (16x9) and includes a sample table and chart that you can easily  modify.</APDescription>
-    <ClipArtFilename xmlns="4873beb7-5857-4685-be1f-d57550cc96cc" xsi:nil="true"/>
-    <ContentItem xmlns="4873beb7-5857-4685-be1f-d57550cc96cc" xsi:nil="true"/>
-    <TPInstallLocation xmlns="4873beb7-5857-4685-be1f-d57550cc96cc" xsi:nil="true"/>
-    <PublishTargets xmlns="4873beb7-5857-4685-be1f-d57550cc96cc">OfficeOnlineVNext</PublishTargets>
-    <TimesCloned xmlns="4873beb7-5857-4685-be1f-d57550cc96cc" xsi:nil="true"/>
-    <AssetStart xmlns="4873beb7-5857-4685-be1f-d57550cc96cc">2011-11-26T00:00:00+00:00</AssetStart>
-    <Provider xmlns="4873beb7-5857-4685-be1f-d57550cc96cc" xsi:nil="true"/>
-    <AcquiredFrom xmlns="4873beb7-5857-4685-be1f-d57550cc96cc">Internal MS</AcquiredFrom>
-    <FriendlyTitle xmlns="4873beb7-5857-4685-be1f-d57550cc96cc" xsi:nil="true"/>
-    <LastHandOff xmlns="4873beb7-5857-4685-be1f-d57550cc96cc" xsi:nil="true"/>
-    <TPClientViewer xmlns="4873beb7-5857-4685-be1f-d57550cc96cc" xsi:nil="true"/>
-    <TemplateStatus xmlns="4873beb7-5857-4685-be1f-d57550cc96cc">Complete</TemplateStatus>
-    <Downloads xmlns="4873beb7-5857-4685-be1f-d57550cc96cc">0</Downloads>
-    <OOCacheId xmlns="4873beb7-5857-4685-be1f-d57550cc96cc" xsi:nil="true"/>
-    <IsDeleted xmlns="4873beb7-5857-4685-be1f-d57550cc96cc">false</IsDeleted>
-    <LocPublishedDependentAssetsLookup xmlns="4873beb7-5857-4685-be1f-d57550cc96cc" xsi:nil="true"/>
-    <AssetExpire xmlns="4873beb7-5857-4685-be1f-d57550cc96cc">2029-05-12T07:00:00+00:00</AssetExpire>
-    <DSATActionTaken xmlns="4873beb7-5857-4685-be1f-d57550cc96cc" xsi:nil="true"/>
-    <CSXSubmissionMarket xmlns="4873beb7-5857-4685-be1f-d57550cc96cc" xsi:nil="true"/>
-    <TPExecutable xmlns="4873beb7-5857-4685-be1f-d57550cc96cc" xsi:nil="true"/>
-    <EditorialTags xmlns="4873beb7-5857-4685-be1f-d57550cc96cc" xsi:nil="true"/>
-    <SubmitterId xmlns="4873beb7-5857-4685-be1f-d57550cc96cc" xsi:nil="true"/>
-    <ApprovalLog xmlns="4873beb7-5857-4685-be1f-d57550cc96cc" xsi:nil="true"/>
-    <AssetType xmlns="4873beb7-5857-4685-be1f-d57550cc96cc">TP</AssetType>
-    <BugNumber xmlns="4873beb7-5857-4685-be1f-d57550cc96cc" xsi:nil="true"/>
-    <CSXSubmissionDate xmlns="4873beb7-5857-4685-be1f-d57550cc96cc" xsi:nil="true"/>
-    <CSXUpdate xmlns="4873beb7-5857-4685-be1f-d57550cc96cc">false</CSXUpdate>
-    <Milestone xmlns="4873beb7-5857-4685-be1f-d57550cc96cc" xsi:nil="true"/>
-    <RecommendationsModifier xmlns="4873beb7-5857-4685-be1f-d57550cc96cc" xsi:nil="true"/>
-    <OriginAsset xmlns="4873beb7-5857-4685-be1f-d57550cc96cc" xsi:nil="true"/>
-    <TPComponent xmlns="4873beb7-5857-4685-be1f-d57550cc96cc" xsi:nil="true"/>
-    <AssetId xmlns="4873beb7-5857-4685-be1f-d57550cc96cc">TP102787939</AssetId>
-    <IntlLocPriority xmlns="4873beb7-5857-4685-be1f-d57550cc96cc" xsi:nil="true"/>
-    <PolicheckWords xmlns="4873beb7-5857-4685-be1f-d57550cc96cc" xsi:nil="true"/>
-    <TPLaunchHelpLink xmlns="4873beb7-5857-4685-be1f-d57550cc96cc" xsi:nil="true"/>
-    <TPApplication xmlns="4873beb7-5857-4685-be1f-d57550cc96cc" xsi:nil="true"/>
-    <CrawlForDependencies xmlns="4873beb7-5857-4685-be1f-d57550cc96cc">false</CrawlForDependencies>
-    <HandoffToMSDN xmlns="4873beb7-5857-4685-be1f-d57550cc96cc" xsi:nil="true"/>
-    <PlannedPubDate xmlns="4873beb7-5857-4685-be1f-d57550cc96cc" xsi:nil="true"/>
-    <IntlLangReviewer xmlns="4873beb7-5857-4685-be1f-d57550cc96cc" xsi:nil="true"/>
-    <TrustLevel xmlns="4873beb7-5857-4685-be1f-d57550cc96cc">1 Microsoft Managed Content</TrustLevel>
-    <LocLastLocAttemptVersionLookup xmlns="4873beb7-5857-4685-be1f-d57550cc96cc">694216</LocLastLocAttemptVersionLookup>
-    <LocProcessedForHandoffsLookup xmlns="4873beb7-5857-4685-be1f-d57550cc96cc" xsi:nil="true"/>
-    <IsSearchable xmlns="4873beb7-5857-4685-be1f-d57550cc96cc">true</IsSearchable>
-    <TemplateTemplateType xmlns="4873beb7-5857-4685-be1f-d57550cc96cc">PowerPoint Presentation Template</TemplateTemplateType>
-    <CampaignTagsTaxHTField0 xmlns="4873beb7-5857-4685-be1f-d57550cc96cc">
-      <Terms xmlns="http://schemas.microsoft.com/office/infopath/2007/PartnerControls"/>
-    </CampaignTagsTaxHTField0>
-    <TPNamespace xmlns="4873beb7-5857-4685-be1f-d57550cc96cc" xsi:nil="true"/>
-    <LocOverallPreviewStatusLookup xmlns="4873beb7-5857-4685-be1f-d57550cc96cc" xsi:nil="true"/>
-    <TaxCatchAll xmlns="4873beb7-5857-4685-be1f-d57550cc96cc"/>
-    <Markets xmlns="4873beb7-5857-4685-be1f-d57550cc96cc"/>
-    <UAProjectedTotalWords xmlns="4873beb7-5857-4685-be1f-d57550cc96cc" xsi:nil="true"/>
-    <IntlLangReview xmlns="4873beb7-5857-4685-be1f-d57550cc96cc" xsi:nil="true"/>
-    <OutputCachingOn xmlns="4873beb7-5857-4685-be1f-d57550cc96cc">false</OutputCachingOn>
-    <AverageRating xmlns="4873beb7-5857-4685-be1f-d57550cc96cc" xsi:nil="true"/>
-    <APAuthor xmlns="4873beb7-5857-4685-be1f-d57550cc96cc">
-      <UserInfo>
-        <DisplayName>REDMOND\kristaa</DisplayName>
-        <AccountId>136</AccountId>
-        <AccountType/>
-      </UserInfo>
-    </APAuthor>
-    <LocManualTestRequired xmlns="4873beb7-5857-4685-be1f-d57550cc96cc">false</LocManualTestRequired>
-    <TPCommandLine xmlns="4873beb7-5857-4685-be1f-d57550cc96cc" xsi:nil="true"/>
-    <TPAppVersion xmlns="4873beb7-5857-4685-be1f-d57550cc96cc" xsi:nil="true"/>
-    <EditorialStatus xmlns="4873beb7-5857-4685-be1f-d57550cc96cc">Complete</EditorialStatus>
-    <LastModifiedDateTime xmlns="4873beb7-5857-4685-be1f-d57550cc96cc" xsi:nil="true"/>
-    <ScenarioTagsTaxHTField0 xmlns="4873beb7-5857-4685-be1f-d57550cc96cc">
-      <Terms xmlns="http://schemas.microsoft.com/office/infopath/2007/PartnerControls"/>
-    </ScenarioTagsTaxHTField0>
-    <LocProcessedForMarketsLookup xmlns="4873beb7-5857-4685-be1f-d57550cc96cc" xsi:nil="true"/>
-    <TPLaunchHelpLinkType xmlns="4873beb7-5857-4685-be1f-d57550cc96cc">Template</TPLaunchHelpLinkType>
-    <OriginalRelease xmlns="4873beb7-5857-4685-be1f-d57550cc96cc">15</OriginalRelease>
-    <LocalizationTagsTaxHTField0 xmlns="4873beb7-5857-4685-be1f-d57550cc96cc">
-      <Terms xmlns="http://schemas.microsoft.com/office/infopath/2007/PartnerControls"/>
-    </LocalizationTagsTaxHTField0>
-    <UACurrentWords xmlns="4873beb7-5857-4685-be1f-d57550cc96cc" xsi:nil="true"/>
-    <ArtSampleDocs xmlns="4873beb7-5857-4685-be1f-d57550cc96cc" xsi:nil="true"/>
-    <UALocRecommendation xmlns="4873beb7-5857-4685-be1f-d57550cc96cc">Localize</UALocRecommendation>
-    <Manager xmlns="4873beb7-5857-4685-be1f-d57550cc96cc" xsi:nil="true"/>
-    <LocOverallHandbackStatusLookup xmlns="4873beb7-5857-4685-be1f-d57550cc96cc" xsi:nil="true"/>
-    <ShowIn xmlns="4873beb7-5857-4685-be1f-d57550cc96cc">Show everywhere</ShowIn>
-    <UANotes xmlns="4873beb7-5857-4685-be1f-d57550cc96cc" xsi:nil="true"/>
-    <InternalTagsTaxHTField0 xmlns="4873beb7-5857-4685-be1f-d57550cc96cc">
-      <Terms xmlns="http://schemas.microsoft.com/office/infopath/2007/PartnerControls"/>
-    </InternalTagsTaxHTField0>
-    <CSXHash xmlns="4873beb7-5857-4685-be1f-d57550cc96cc" xsi:nil="true"/>
-    <VoteCount xmlns="4873beb7-5857-4685-be1f-d57550cc96cc" xsi:nil="true"/>
-    <LocMarketGroupTiers2 xmlns="4873beb7-5857-4685-be1f-d57550cc96cc" xsi:nil="true"/>
-  </documentManagement>
-</p:properties>
+<?mso-contentType ?>
+<FormTemplates xmlns="http://schemas.microsoft.com/sharepoint/v3/contenttype/forms">
+  <Display>DocumentLibraryForm</Display>
+  <Edit>AssetEditForm</Edit>
+  <New>DocumentLibraryForm</New>
+</FormTemplates>
 </file>
 
 <file path=customXml/item2.xml><?xml version="1.0" encoding="utf-8"?>
@@ -29437,26 +29374,145 @@
 </file>
 
 <file path=customXml/item3.xml><?xml version="1.0" encoding="utf-8"?>
-<?mso-contentType ?>
-<FormTemplates xmlns="http://schemas.microsoft.com/sharepoint/v3/contenttype/forms">
-  <Display>DocumentLibraryForm</Display>
-  <Edit>AssetEditForm</Edit>
-  <New>DocumentLibraryForm</New>
-</FormTemplates>
+<p:properties xmlns:p="http://schemas.microsoft.com/office/2006/metadata/properties" xmlns:xsi="http://www.w3.org/2001/XMLSchema-instance" xmlns:pc="http://schemas.microsoft.com/office/infopath/2007/PartnerControls">
+  <documentManagement>
+    <LocPublishedLinkedAssetsLookup xmlns="4873beb7-5857-4685-be1f-d57550cc96cc" xsi:nil="true"/>
+    <ApprovalStatus xmlns="4873beb7-5857-4685-be1f-d57550cc96cc">InProgress</ApprovalStatus>
+    <MarketSpecific xmlns="4873beb7-5857-4685-be1f-d57550cc96cc">false</MarketSpecific>
+    <LocComments xmlns="4873beb7-5857-4685-be1f-d57550cc96cc" xsi:nil="true"/>
+    <LocLastLocAttemptVersionTypeLookup xmlns="4873beb7-5857-4685-be1f-d57550cc96cc" xsi:nil="true"/>
+    <DirectSourceMarket xmlns="4873beb7-5857-4685-be1f-d57550cc96cc" xsi:nil="true"/>
+    <ThumbnailAssetId xmlns="4873beb7-5857-4685-be1f-d57550cc96cc" xsi:nil="true"/>
+    <PrimaryImageGen xmlns="4873beb7-5857-4685-be1f-d57550cc96cc">false</PrimaryImageGen>
+    <LocNewPublishedVersionLookup xmlns="4873beb7-5857-4685-be1f-d57550cc96cc" xsi:nil="true"/>
+    <LegacyData xmlns="4873beb7-5857-4685-be1f-d57550cc96cc" xsi:nil="true"/>
+    <LocRecommendedHandoff xmlns="4873beb7-5857-4685-be1f-d57550cc96cc" xsi:nil="true"/>
+    <BusinessGroup xmlns="4873beb7-5857-4685-be1f-d57550cc96cc" xsi:nil="true"/>
+    <BlockPublish xmlns="4873beb7-5857-4685-be1f-d57550cc96cc">false</BlockPublish>
+    <TPFriendlyName xmlns="4873beb7-5857-4685-be1f-d57550cc96cc" xsi:nil="true"/>
+    <LocOverallPublishStatusLookup xmlns="4873beb7-5857-4685-be1f-d57550cc96cc" xsi:nil="true"/>
+    <NumericId xmlns="4873beb7-5857-4685-be1f-d57550cc96cc" xsi:nil="true"/>
+    <APEditor xmlns="4873beb7-5857-4685-be1f-d57550cc96cc">
+      <UserInfo>
+        <DisplayName/>
+        <AccountId xsi:nil="true"/>
+        <AccountType/>
+      </UserInfo>
+    </APEditor>
+    <SourceTitle xmlns="4873beb7-5857-4685-be1f-d57550cc96cc" xsi:nil="true"/>
+    <OpenTemplate xmlns="4873beb7-5857-4685-be1f-d57550cc96cc">true</OpenTemplate>
+    <LocOverallLocStatusLookup xmlns="4873beb7-5857-4685-be1f-d57550cc96cc" xsi:nil="true"/>
+    <UALocComments xmlns="4873beb7-5857-4685-be1f-d57550cc96cc" xsi:nil="true"/>
+    <ParentAssetId xmlns="4873beb7-5857-4685-be1f-d57550cc96cc" xsi:nil="true"/>
+    <IntlLangReviewDate xmlns="4873beb7-5857-4685-be1f-d57550cc96cc" xsi:nil="true"/>
+    <FeatureTagsTaxHTField0 xmlns="4873beb7-5857-4685-be1f-d57550cc96cc">
+      <Terms xmlns="http://schemas.microsoft.com/office/infopath/2007/PartnerControls"/>
+    </FeatureTagsTaxHTField0>
+    <PublishStatusLookup xmlns="4873beb7-5857-4685-be1f-d57550cc96cc">
+      <Value>1345039</Value>
+    </PublishStatusLookup>
+    <Providers xmlns="4873beb7-5857-4685-be1f-d57550cc96cc" xsi:nil="true"/>
+    <MachineTranslated xmlns="4873beb7-5857-4685-be1f-d57550cc96cc">false</MachineTranslated>
+    <OriginalSourceMarket xmlns="4873beb7-5857-4685-be1f-d57550cc96cc" xsi:nil="true"/>
+    <APDescription xmlns="4873beb7-5857-4685-be1f-d57550cc96cc">The bookstacks present on most slides  make this a good choice for students, teachers, reading enthusiasts, and others in education. This presentation template contains multiple slide layouts in widescreen format (16x9) and includes a sample table and chart that you can easily  modify.</APDescription>
+    <ClipArtFilename xmlns="4873beb7-5857-4685-be1f-d57550cc96cc" xsi:nil="true"/>
+    <ContentItem xmlns="4873beb7-5857-4685-be1f-d57550cc96cc" xsi:nil="true"/>
+    <TPInstallLocation xmlns="4873beb7-5857-4685-be1f-d57550cc96cc" xsi:nil="true"/>
+    <PublishTargets xmlns="4873beb7-5857-4685-be1f-d57550cc96cc">OfficeOnlineVNext</PublishTargets>
+    <TimesCloned xmlns="4873beb7-5857-4685-be1f-d57550cc96cc" xsi:nil="true"/>
+    <AssetStart xmlns="4873beb7-5857-4685-be1f-d57550cc96cc">2011-11-26T00:00:00+00:00</AssetStart>
+    <Provider xmlns="4873beb7-5857-4685-be1f-d57550cc96cc" xsi:nil="true"/>
+    <AcquiredFrom xmlns="4873beb7-5857-4685-be1f-d57550cc96cc">Internal MS</AcquiredFrom>
+    <FriendlyTitle xmlns="4873beb7-5857-4685-be1f-d57550cc96cc" xsi:nil="true"/>
+    <LastHandOff xmlns="4873beb7-5857-4685-be1f-d57550cc96cc" xsi:nil="true"/>
+    <TPClientViewer xmlns="4873beb7-5857-4685-be1f-d57550cc96cc" xsi:nil="true"/>
+    <TemplateStatus xmlns="4873beb7-5857-4685-be1f-d57550cc96cc">Complete</TemplateStatus>
+    <Downloads xmlns="4873beb7-5857-4685-be1f-d57550cc96cc">0</Downloads>
+    <OOCacheId xmlns="4873beb7-5857-4685-be1f-d57550cc96cc" xsi:nil="true"/>
+    <IsDeleted xmlns="4873beb7-5857-4685-be1f-d57550cc96cc">false</IsDeleted>
+    <LocPublishedDependentAssetsLookup xmlns="4873beb7-5857-4685-be1f-d57550cc96cc" xsi:nil="true"/>
+    <AssetExpire xmlns="4873beb7-5857-4685-be1f-d57550cc96cc">2029-05-12T07:00:00+00:00</AssetExpire>
+    <DSATActionTaken xmlns="4873beb7-5857-4685-be1f-d57550cc96cc" xsi:nil="true"/>
+    <CSXSubmissionMarket xmlns="4873beb7-5857-4685-be1f-d57550cc96cc" xsi:nil="true"/>
+    <TPExecutable xmlns="4873beb7-5857-4685-be1f-d57550cc96cc" xsi:nil="true"/>
+    <EditorialTags xmlns="4873beb7-5857-4685-be1f-d57550cc96cc" xsi:nil="true"/>
+    <SubmitterId xmlns="4873beb7-5857-4685-be1f-d57550cc96cc" xsi:nil="true"/>
+    <ApprovalLog xmlns="4873beb7-5857-4685-be1f-d57550cc96cc" xsi:nil="true"/>
+    <AssetType xmlns="4873beb7-5857-4685-be1f-d57550cc96cc">TP</AssetType>
+    <BugNumber xmlns="4873beb7-5857-4685-be1f-d57550cc96cc" xsi:nil="true"/>
+    <CSXSubmissionDate xmlns="4873beb7-5857-4685-be1f-d57550cc96cc" xsi:nil="true"/>
+    <CSXUpdate xmlns="4873beb7-5857-4685-be1f-d57550cc96cc">false</CSXUpdate>
+    <Milestone xmlns="4873beb7-5857-4685-be1f-d57550cc96cc" xsi:nil="true"/>
+    <RecommendationsModifier xmlns="4873beb7-5857-4685-be1f-d57550cc96cc" xsi:nil="true"/>
+    <OriginAsset xmlns="4873beb7-5857-4685-be1f-d57550cc96cc" xsi:nil="true"/>
+    <TPComponent xmlns="4873beb7-5857-4685-be1f-d57550cc96cc" xsi:nil="true"/>
+    <AssetId xmlns="4873beb7-5857-4685-be1f-d57550cc96cc">TP102787939</AssetId>
+    <IntlLocPriority xmlns="4873beb7-5857-4685-be1f-d57550cc96cc" xsi:nil="true"/>
+    <PolicheckWords xmlns="4873beb7-5857-4685-be1f-d57550cc96cc" xsi:nil="true"/>
+    <TPLaunchHelpLink xmlns="4873beb7-5857-4685-be1f-d57550cc96cc" xsi:nil="true"/>
+    <TPApplication xmlns="4873beb7-5857-4685-be1f-d57550cc96cc" xsi:nil="true"/>
+    <CrawlForDependencies xmlns="4873beb7-5857-4685-be1f-d57550cc96cc">false</CrawlForDependencies>
+    <HandoffToMSDN xmlns="4873beb7-5857-4685-be1f-d57550cc96cc" xsi:nil="true"/>
+    <PlannedPubDate xmlns="4873beb7-5857-4685-be1f-d57550cc96cc" xsi:nil="true"/>
+    <IntlLangReviewer xmlns="4873beb7-5857-4685-be1f-d57550cc96cc" xsi:nil="true"/>
+    <TrustLevel xmlns="4873beb7-5857-4685-be1f-d57550cc96cc">1 Microsoft Managed Content</TrustLevel>
+    <LocLastLocAttemptVersionLookup xmlns="4873beb7-5857-4685-be1f-d57550cc96cc">694216</LocLastLocAttemptVersionLookup>
+    <LocProcessedForHandoffsLookup xmlns="4873beb7-5857-4685-be1f-d57550cc96cc" xsi:nil="true"/>
+    <IsSearchable xmlns="4873beb7-5857-4685-be1f-d57550cc96cc">true</IsSearchable>
+    <TemplateTemplateType xmlns="4873beb7-5857-4685-be1f-d57550cc96cc">PowerPoint Presentation Template</TemplateTemplateType>
+    <CampaignTagsTaxHTField0 xmlns="4873beb7-5857-4685-be1f-d57550cc96cc">
+      <Terms xmlns="http://schemas.microsoft.com/office/infopath/2007/PartnerControls"/>
+    </CampaignTagsTaxHTField0>
+    <TPNamespace xmlns="4873beb7-5857-4685-be1f-d57550cc96cc" xsi:nil="true"/>
+    <LocOverallPreviewStatusLookup xmlns="4873beb7-5857-4685-be1f-d57550cc96cc" xsi:nil="true"/>
+    <TaxCatchAll xmlns="4873beb7-5857-4685-be1f-d57550cc96cc"/>
+    <Markets xmlns="4873beb7-5857-4685-be1f-d57550cc96cc"/>
+    <UAProjectedTotalWords xmlns="4873beb7-5857-4685-be1f-d57550cc96cc" xsi:nil="true"/>
+    <IntlLangReview xmlns="4873beb7-5857-4685-be1f-d57550cc96cc" xsi:nil="true"/>
+    <OutputCachingOn xmlns="4873beb7-5857-4685-be1f-d57550cc96cc">false</OutputCachingOn>
+    <AverageRating xmlns="4873beb7-5857-4685-be1f-d57550cc96cc" xsi:nil="true"/>
+    <APAuthor xmlns="4873beb7-5857-4685-be1f-d57550cc96cc">
+      <UserInfo>
+        <DisplayName>REDMOND\kristaa</DisplayName>
+        <AccountId>136</AccountId>
+        <AccountType/>
+      </UserInfo>
+    </APAuthor>
+    <LocManualTestRequired xmlns="4873beb7-5857-4685-be1f-d57550cc96cc">false</LocManualTestRequired>
+    <TPCommandLine xmlns="4873beb7-5857-4685-be1f-d57550cc96cc" xsi:nil="true"/>
+    <TPAppVersion xmlns="4873beb7-5857-4685-be1f-d57550cc96cc" xsi:nil="true"/>
+    <EditorialStatus xmlns="4873beb7-5857-4685-be1f-d57550cc96cc">Complete</EditorialStatus>
+    <LastModifiedDateTime xmlns="4873beb7-5857-4685-be1f-d57550cc96cc" xsi:nil="true"/>
+    <ScenarioTagsTaxHTField0 xmlns="4873beb7-5857-4685-be1f-d57550cc96cc">
+      <Terms xmlns="http://schemas.microsoft.com/office/infopath/2007/PartnerControls"/>
+    </ScenarioTagsTaxHTField0>
+    <LocProcessedForMarketsLookup xmlns="4873beb7-5857-4685-be1f-d57550cc96cc" xsi:nil="true"/>
+    <TPLaunchHelpLinkType xmlns="4873beb7-5857-4685-be1f-d57550cc96cc">Template</TPLaunchHelpLinkType>
+    <OriginalRelease xmlns="4873beb7-5857-4685-be1f-d57550cc96cc">15</OriginalRelease>
+    <LocalizationTagsTaxHTField0 xmlns="4873beb7-5857-4685-be1f-d57550cc96cc">
+      <Terms xmlns="http://schemas.microsoft.com/office/infopath/2007/PartnerControls"/>
+    </LocalizationTagsTaxHTField0>
+    <UACurrentWords xmlns="4873beb7-5857-4685-be1f-d57550cc96cc" xsi:nil="true"/>
+    <ArtSampleDocs xmlns="4873beb7-5857-4685-be1f-d57550cc96cc" xsi:nil="true"/>
+    <UALocRecommendation xmlns="4873beb7-5857-4685-be1f-d57550cc96cc">Localize</UALocRecommendation>
+    <Manager xmlns="4873beb7-5857-4685-be1f-d57550cc96cc" xsi:nil="true"/>
+    <LocOverallHandbackStatusLookup xmlns="4873beb7-5857-4685-be1f-d57550cc96cc" xsi:nil="true"/>
+    <ShowIn xmlns="4873beb7-5857-4685-be1f-d57550cc96cc">Show everywhere</ShowIn>
+    <UANotes xmlns="4873beb7-5857-4685-be1f-d57550cc96cc" xsi:nil="true"/>
+    <InternalTagsTaxHTField0 xmlns="4873beb7-5857-4685-be1f-d57550cc96cc">
+      <Terms xmlns="http://schemas.microsoft.com/office/infopath/2007/PartnerControls"/>
+    </InternalTagsTaxHTField0>
+    <CSXHash xmlns="4873beb7-5857-4685-be1f-d57550cc96cc" xsi:nil="true"/>
+    <VoteCount xmlns="4873beb7-5857-4685-be1f-d57550cc96cc" xsi:nil="true"/>
+    <LocMarketGroupTiers2 xmlns="4873beb7-5857-4685-be1f-d57550cc96cc" xsi:nil="true"/>
+  </documentManagement>
+</p:properties>
 </file>
 
 <file path=customXml/itemProps1.xml><?xml version="1.0" encoding="utf-8"?>
-<ds:datastoreItem xmlns:ds="http://schemas.openxmlformats.org/officeDocument/2006/customXml" ds:itemID="{F301D382-32B0-43EE-932C-28906AF37617}">
+<ds:datastoreItem xmlns:ds="http://schemas.openxmlformats.org/officeDocument/2006/customXml" ds:itemID="{E1B558C7-619B-49BE-9097-7FCBDADD4ECE}">
   <ds:schemaRefs>
-    <ds:schemaRef ds:uri="http://purl.org/dc/elements/1.1/"/>
-    <ds:schemaRef ds:uri="http://schemas.microsoft.com/office/2006/metadata/properties"/>
-    <ds:schemaRef ds:uri="http://schemas.openxmlformats.org/package/2006/metadata/core-properties"/>
-    <ds:schemaRef ds:uri="http://schemas.microsoft.com/office/2006/documentManagement/types"/>
-    <ds:schemaRef ds:uri="http://schemas.microsoft.com/office/infopath/2007/PartnerControls"/>
-    <ds:schemaRef ds:uri="http://purl.org/dc/terms/"/>
-    <ds:schemaRef ds:uri="http://purl.org/dc/dcmitype/"/>
-    <ds:schemaRef ds:uri="4873beb7-5857-4685-be1f-d57550cc96cc"/>
-    <ds:schemaRef ds:uri="http://www.w3.org/XML/1998/namespace"/>
+    <ds:schemaRef ds:uri="http://schemas.microsoft.com/sharepoint/v3/contenttype/forms"/>
   </ds:schemaRefs>
 </ds:datastoreItem>
 </file>
@@ -29480,9 +29536,17 @@
 </file>
 
 <file path=customXml/itemProps3.xml><?xml version="1.0" encoding="utf-8"?>
-<ds:datastoreItem xmlns:ds="http://schemas.openxmlformats.org/officeDocument/2006/customXml" ds:itemID="{E1B558C7-619B-49BE-9097-7FCBDADD4ECE}">
+<ds:datastoreItem xmlns:ds="http://schemas.openxmlformats.org/officeDocument/2006/customXml" ds:itemID="{F301D382-32B0-43EE-932C-28906AF37617}">
   <ds:schemaRefs>
-    <ds:schemaRef ds:uri="http://schemas.microsoft.com/sharepoint/v3/contenttype/forms"/>
+    <ds:schemaRef ds:uri="http://purl.org/dc/elements/1.1/"/>
+    <ds:schemaRef ds:uri="http://schemas.microsoft.com/office/2006/metadata/properties"/>
+    <ds:schemaRef ds:uri="http://schemas.openxmlformats.org/package/2006/metadata/core-properties"/>
+    <ds:schemaRef ds:uri="http://schemas.microsoft.com/office/2006/documentManagement/types"/>
+    <ds:schemaRef ds:uri="http://schemas.microsoft.com/office/infopath/2007/PartnerControls"/>
+    <ds:schemaRef ds:uri="http://purl.org/dc/terms/"/>
+    <ds:schemaRef ds:uri="http://purl.org/dc/dcmitype/"/>
+    <ds:schemaRef ds:uri="4873beb7-5857-4685-be1f-d57550cc96cc"/>
+    <ds:schemaRef ds:uri="http://www.w3.org/XML/1998/namespace"/>
   </ds:schemaRefs>
 </ds:datastoreItem>
 </file>
--- a/钉钉机器人.pptx
+++ b/钉钉机器人.pptx
@@ -5,10 +5,10 @@
     <p:sldMasterId id="2147483660" r:id="rId4"/>
   </p:sldMasterIdLst>
   <p:notesMasterIdLst>
-    <p:notesMasterId r:id="rId25"/>
+    <p:notesMasterId r:id="rId26"/>
   </p:notesMasterIdLst>
   <p:handoutMasterIdLst>
-    <p:handoutMasterId r:id="rId26"/>
+    <p:handoutMasterId r:id="rId27"/>
   </p:handoutMasterIdLst>
   <p:sldIdLst>
     <p:sldId id="264" r:id="rId5"/>
@@ -27,10 +27,11 @@
     <p:sldId id="297" r:id="rId18"/>
     <p:sldId id="298" r:id="rId19"/>
     <p:sldId id="300" r:id="rId20"/>
-    <p:sldId id="299" r:id="rId21"/>
-    <p:sldId id="293" r:id="rId22"/>
-    <p:sldId id="296" r:id="rId23"/>
-    <p:sldId id="266" r:id="rId24"/>
+    <p:sldId id="301" r:id="rId21"/>
+    <p:sldId id="299" r:id="rId22"/>
+    <p:sldId id="293" r:id="rId23"/>
+    <p:sldId id="296" r:id="rId24"/>
+    <p:sldId id="266" r:id="rId25"/>
   </p:sldIdLst>
   <p:sldSz cx="12188825" cy="6858000"/>
   <p:notesSz cx="6858000" cy="9144000"/>
@@ -14019,6 +14020,2310 @@
             </a:r>
             <a:r>
               <a:rPr lang="zh-CN" altLang="en-US" sz="2000" dirty="0"/>
+              <a:t>、控制时间间隔</a:t>
+            </a:r>
+            <a:r>
+              <a:rPr lang="en-US" altLang="zh-CN" sz="2000" dirty="0"/>
+              <a:t>(</a:t>
+            </a:r>
+            <a:r>
+              <a:rPr lang="zh-CN" altLang="en-US" sz="2000" dirty="0"/>
+              <a:t>后台</a:t>
+            </a:r>
+            <a:r>
+              <a:rPr lang="en-US" altLang="zh-CN" sz="2000" dirty="0"/>
+              <a:t>15</a:t>
+            </a:r>
+            <a:r>
+              <a:rPr lang="zh-CN" altLang="en-US" sz="2000"/>
+              <a:t>分钟调一</a:t>
+            </a:r>
+            <a:r>
+              <a:rPr lang="zh-CN" altLang="en-US" sz="2000" dirty="0"/>
+              <a:t>次</a:t>
+            </a:r>
+            <a:r>
+              <a:rPr lang="zh-CN" altLang="en-US" sz="2000"/>
+              <a:t>，调用延迟小于</a:t>
+            </a:r>
+            <a:r>
+              <a:rPr lang="en-US" altLang="zh-CN" sz="2000" dirty="0"/>
+              <a:t>15</a:t>
+            </a:r>
+            <a:r>
+              <a:rPr lang="zh-CN" altLang="en-US" sz="2000" dirty="0"/>
+              <a:t>分钟</a:t>
+            </a:r>
+            <a:r>
+              <a:rPr lang="en-US" altLang="zh-CN" sz="2000" dirty="0"/>
+              <a:t>)</a:t>
+            </a:r>
+          </a:p>
+        </p:txBody>
+      </p:sp>
+      <p:sp>
+        <p:nvSpPr>
+          <p:cNvPr id="6" name="Rectangle 3">
+            <a:extLst>
+              <a:ext uri="{FF2B5EF4-FFF2-40B4-BE49-F238E27FC236}">
+                <a16:creationId xmlns:a16="http://schemas.microsoft.com/office/drawing/2014/main" id="{7731F65D-C0B8-48DF-9187-60759963E6A2}"/>
+              </a:ext>
+            </a:extLst>
+          </p:cNvPr>
+          <p:cNvSpPr>
+            <a:spLocks noChangeArrowheads="1"/>
+          </p:cNvSpPr>
+          <p:nvPr/>
+        </p:nvSpPr>
+        <p:spPr bwMode="auto">
+          <a:xfrm>
+            <a:off x="593039" y="1412776"/>
+            <a:ext cx="11002747" cy="5407840"/>
+          </a:xfrm>
+          <a:prstGeom prst="rect">
+            <a:avLst/>
+          </a:prstGeom>
+          <a:solidFill>
+            <a:schemeClr val="tx2">
+              <a:lumMod val="85000"/>
+              <a:lumOff val="15000"/>
+            </a:schemeClr>
+          </a:solidFill>
+          <a:ln>
+            <a:noFill/>
+          </a:ln>
+          <a:effectLst/>
+        </p:spPr>
+        <p:txBody>
+          <a:bodyPr vert="horz" wrap="square" lIns="91440" tIns="0" rIns="91440" bIns="158700" numCol="1" anchor="ctr" anchorCtr="0" compatLnSpc="1">
+            <a:prstTxWarp prst="textNoShape">
+              <a:avLst/>
+            </a:prstTxWarp>
+            <a:spAutoFit/>
+          </a:bodyPr>
+          <a:lstStyle/>
+          <a:p>
+            <a:pPr lvl="0" defTabSz="914400" eaLnBrk="0" fontAlgn="base" hangingPunct="0">
+              <a:spcBef>
+                <a:spcPct val="0"/>
+              </a:spcBef>
+              <a:spcAft>
+                <a:spcPct val="0"/>
+              </a:spcAft>
+            </a:pPr>
+            <a:r>
+              <a:rPr lang="zh-CN" altLang="zh-CN" sz="1100" dirty="0">
+                <a:solidFill>
+                  <a:srgbClr val="C678DD"/>
+                </a:solidFill>
+                <a:latin typeface="Arial Unicode MS" panose="020B0604020202020204" pitchFamily="34" charset="-122"/>
+              </a:rPr>
+              <a:t>import</a:t>
+            </a:r>
+            <a:r>
+              <a:rPr lang="zh-CN" altLang="zh-CN" sz="1100" dirty="0">
+                <a:solidFill>
+                  <a:srgbClr val="ABB2BF"/>
+                </a:solidFill>
+                <a:latin typeface="Arial Unicode MS" panose="020B0604020202020204" pitchFamily="34" charset="-122"/>
+              </a:rPr>
+              <a:t> datetime</a:t>
+            </a:r>
+          </a:p>
+          <a:p>
+            <a:pPr lvl="0" defTabSz="914400" eaLnBrk="0" fontAlgn="base" hangingPunct="0">
+              <a:spcBef>
+                <a:spcPct val="0"/>
+              </a:spcBef>
+              <a:spcAft>
+                <a:spcPct val="0"/>
+              </a:spcAft>
+            </a:pPr>
+            <a:r>
+              <a:rPr lang="zh-CN" altLang="zh-CN" sz="1100" dirty="0">
+                <a:solidFill>
+                  <a:srgbClr val="C678DD"/>
+                </a:solidFill>
+                <a:latin typeface="Arial Unicode MS" panose="020B0604020202020204" pitchFamily="34" charset="-122"/>
+              </a:rPr>
+              <a:t>import</a:t>
+            </a:r>
+            <a:r>
+              <a:rPr lang="zh-CN" altLang="zh-CN" sz="1100" dirty="0">
+                <a:solidFill>
+                  <a:srgbClr val="ABB2BF"/>
+                </a:solidFill>
+                <a:latin typeface="Arial Unicode MS" panose="020B0604020202020204" pitchFamily="34" charset="-122"/>
+              </a:rPr>
+              <a:t> sys</a:t>
+            </a:r>
+          </a:p>
+          <a:p>
+            <a:pPr lvl="0" defTabSz="914400" eaLnBrk="0" fontAlgn="base" hangingPunct="0">
+              <a:spcBef>
+                <a:spcPct val="0"/>
+              </a:spcBef>
+              <a:spcAft>
+                <a:spcPct val="0"/>
+              </a:spcAft>
+            </a:pPr>
+            <a:r>
+              <a:rPr lang="zh-CN" altLang="zh-CN" sz="1100" dirty="0">
+                <a:solidFill>
+                  <a:srgbClr val="ABB2BF"/>
+                </a:solidFill>
+                <a:latin typeface="Arial Unicode MS" panose="020B0604020202020204" pitchFamily="34" charset="-122"/>
+              </a:rPr>
+              <a:t> </a:t>
+            </a:r>
+          </a:p>
+          <a:p>
+            <a:pPr lvl="0" defTabSz="914400" eaLnBrk="0" fontAlgn="base" hangingPunct="0">
+              <a:spcBef>
+                <a:spcPct val="0"/>
+              </a:spcBef>
+              <a:spcAft>
+                <a:spcPct val="0"/>
+              </a:spcAft>
+            </a:pPr>
+            <a:r>
+              <a:rPr lang="zh-CN" altLang="zh-CN" sz="1100" i="1" dirty="0">
+                <a:solidFill>
+                  <a:srgbClr val="5C6370"/>
+                </a:solidFill>
+                <a:latin typeface="Arial Unicode MS" panose="020B0604020202020204" pitchFamily="34" charset="-122"/>
+              </a:rPr>
+              <a:t># 获取当前时间 </a:t>
+            </a:r>
+            <a:endParaRPr lang="zh-CN" altLang="zh-CN" sz="1100" dirty="0">
+              <a:solidFill>
+                <a:srgbClr val="ABB2BF"/>
+              </a:solidFill>
+              <a:latin typeface="Arial Unicode MS" panose="020B0604020202020204" pitchFamily="34" charset="-122"/>
+            </a:endParaRPr>
+          </a:p>
+          <a:p>
+            <a:pPr lvl="0" defTabSz="914400" eaLnBrk="0" fontAlgn="base" hangingPunct="0">
+              <a:spcBef>
+                <a:spcPct val="0"/>
+              </a:spcBef>
+              <a:spcAft>
+                <a:spcPct val="0"/>
+              </a:spcAft>
+            </a:pPr>
+            <a:r>
+              <a:rPr lang="zh-CN" altLang="zh-CN" sz="1100" dirty="0">
+                <a:solidFill>
+                  <a:srgbClr val="ABB2BF"/>
+                </a:solidFill>
+                <a:latin typeface="Arial Unicode MS" panose="020B0604020202020204" pitchFamily="34" charset="-122"/>
+              </a:rPr>
+              <a:t>now = </a:t>
+            </a:r>
+            <a:r>
+              <a:rPr lang="zh-CN" altLang="zh-CN" sz="1100" dirty="0">
+                <a:solidFill>
+                  <a:srgbClr val="E06C75"/>
+                </a:solidFill>
+                <a:latin typeface="Arial Unicode MS" panose="020B0604020202020204" pitchFamily="34" charset="-122"/>
+              </a:rPr>
+              <a:t>datetime</a:t>
+            </a:r>
+            <a:r>
+              <a:rPr lang="zh-CN" altLang="zh-CN" sz="1100" dirty="0">
+                <a:solidFill>
+                  <a:srgbClr val="ABB2BF"/>
+                </a:solidFill>
+                <a:latin typeface="Arial Unicode MS" panose="020B0604020202020204" pitchFamily="34" charset="-122"/>
+              </a:rPr>
+              <a:t>.</a:t>
+            </a:r>
+            <a:r>
+              <a:rPr lang="zh-CN" altLang="zh-CN" sz="1100" dirty="0">
+                <a:solidFill>
+                  <a:srgbClr val="E06C75"/>
+                </a:solidFill>
+                <a:latin typeface="Arial Unicode MS" panose="020B0604020202020204" pitchFamily="34" charset="-122"/>
+              </a:rPr>
+              <a:t>datetime</a:t>
+            </a:r>
+            <a:r>
+              <a:rPr lang="zh-CN" altLang="zh-CN" sz="1100" dirty="0">
+                <a:solidFill>
+                  <a:srgbClr val="ABB2BF"/>
+                </a:solidFill>
+                <a:latin typeface="Arial Unicode MS" panose="020B0604020202020204" pitchFamily="34" charset="-122"/>
+              </a:rPr>
+              <a:t>.</a:t>
+            </a:r>
+            <a:r>
+              <a:rPr lang="zh-CN" altLang="zh-CN" sz="1100" dirty="0">
+                <a:solidFill>
+                  <a:srgbClr val="61AFEF"/>
+                </a:solidFill>
+                <a:latin typeface="Arial Unicode MS" panose="020B0604020202020204" pitchFamily="34" charset="-122"/>
+              </a:rPr>
+              <a:t>now</a:t>
+            </a:r>
+            <a:r>
+              <a:rPr lang="zh-CN" altLang="zh-CN" sz="1100" dirty="0">
+                <a:solidFill>
+                  <a:srgbClr val="ABB2BF"/>
+                </a:solidFill>
+                <a:latin typeface="Arial Unicode MS" panose="020B0604020202020204" pitchFamily="34" charset="-122"/>
+              </a:rPr>
+              <a:t>()</a:t>
+            </a:r>
+          </a:p>
+          <a:p>
+            <a:pPr lvl="0" defTabSz="914400" eaLnBrk="0" fontAlgn="base" hangingPunct="0">
+              <a:spcBef>
+                <a:spcPct val="0"/>
+              </a:spcBef>
+              <a:spcAft>
+                <a:spcPct val="0"/>
+              </a:spcAft>
+            </a:pPr>
+            <a:r>
+              <a:rPr lang="zh-CN" altLang="zh-CN" sz="1100" dirty="0">
+                <a:solidFill>
+                  <a:srgbClr val="ABB2BF"/>
+                </a:solidFill>
+                <a:latin typeface="Arial Unicode MS" panose="020B0604020202020204" pitchFamily="34" charset="-122"/>
+              </a:rPr>
+              <a:t> </a:t>
+            </a:r>
+          </a:p>
+          <a:p>
+            <a:pPr lvl="0" defTabSz="914400" eaLnBrk="0" fontAlgn="base" hangingPunct="0">
+              <a:spcBef>
+                <a:spcPct val="0"/>
+              </a:spcBef>
+              <a:spcAft>
+                <a:spcPct val="0"/>
+              </a:spcAft>
+            </a:pPr>
+            <a:r>
+              <a:rPr lang="zh-CN" altLang="zh-CN" sz="1100" i="1" dirty="0">
+                <a:solidFill>
+                  <a:srgbClr val="5C6370"/>
+                </a:solidFill>
+                <a:latin typeface="Arial Unicode MS" panose="020B0604020202020204" pitchFamily="34" charset="-122"/>
+              </a:rPr>
+              <a:t># 获取当天的十点钟 </a:t>
+            </a:r>
+            <a:endParaRPr lang="zh-CN" altLang="zh-CN" sz="1100" dirty="0">
+              <a:solidFill>
+                <a:srgbClr val="ABB2BF"/>
+              </a:solidFill>
+              <a:latin typeface="Arial Unicode MS" panose="020B0604020202020204" pitchFamily="34" charset="-122"/>
+            </a:endParaRPr>
+          </a:p>
+          <a:p>
+            <a:pPr lvl="0" defTabSz="914400" eaLnBrk="0" fontAlgn="base" hangingPunct="0">
+              <a:spcBef>
+                <a:spcPct val="0"/>
+              </a:spcBef>
+              <a:spcAft>
+                <a:spcPct val="0"/>
+              </a:spcAft>
+            </a:pPr>
+            <a:r>
+              <a:rPr lang="zh-CN" altLang="zh-CN" sz="1100" dirty="0">
+                <a:solidFill>
+                  <a:srgbClr val="ABB2BF"/>
+                </a:solidFill>
+                <a:latin typeface="Arial Unicode MS" panose="020B0604020202020204" pitchFamily="34" charset="-122"/>
+              </a:rPr>
+              <a:t>ten_clock = </a:t>
+            </a:r>
+            <a:r>
+              <a:rPr lang="zh-CN" altLang="zh-CN" sz="1100" dirty="0">
+                <a:solidFill>
+                  <a:srgbClr val="E06C75"/>
+                </a:solidFill>
+                <a:latin typeface="Arial Unicode MS" panose="020B0604020202020204" pitchFamily="34" charset="-122"/>
+              </a:rPr>
+              <a:t>now</a:t>
+            </a:r>
+            <a:r>
+              <a:rPr lang="zh-CN" altLang="zh-CN" sz="1100" dirty="0">
+                <a:solidFill>
+                  <a:srgbClr val="ABB2BF"/>
+                </a:solidFill>
+                <a:latin typeface="Arial Unicode MS" panose="020B0604020202020204" pitchFamily="34" charset="-122"/>
+              </a:rPr>
+              <a:t>.</a:t>
+            </a:r>
+            <a:r>
+              <a:rPr lang="zh-CN" altLang="zh-CN" sz="1100" dirty="0">
+                <a:solidFill>
+                  <a:srgbClr val="61AFEF"/>
+                </a:solidFill>
+                <a:latin typeface="Arial Unicode MS" panose="020B0604020202020204" pitchFamily="34" charset="-122"/>
+              </a:rPr>
+              <a:t>replace</a:t>
+            </a:r>
+            <a:r>
+              <a:rPr lang="zh-CN" altLang="zh-CN" sz="1100" dirty="0">
+                <a:solidFill>
+                  <a:srgbClr val="ABB2BF"/>
+                </a:solidFill>
+                <a:latin typeface="Arial Unicode MS" panose="020B0604020202020204" pitchFamily="34" charset="-122"/>
+              </a:rPr>
+              <a:t>(</a:t>
+            </a:r>
+            <a:r>
+              <a:rPr lang="zh-CN" altLang="zh-CN" sz="1100" dirty="0">
+                <a:solidFill>
+                  <a:srgbClr val="D19A66"/>
+                </a:solidFill>
+                <a:latin typeface="Arial Unicode MS" panose="020B0604020202020204" pitchFamily="34" charset="-122"/>
+              </a:rPr>
+              <a:t>hour</a:t>
+            </a:r>
+            <a:r>
+              <a:rPr lang="zh-CN" altLang="zh-CN" sz="1100" dirty="0">
+                <a:solidFill>
+                  <a:srgbClr val="ABB2BF"/>
+                </a:solidFill>
+                <a:latin typeface="Arial Unicode MS" panose="020B0604020202020204" pitchFamily="34" charset="-122"/>
+              </a:rPr>
+              <a:t>=</a:t>
+            </a:r>
+            <a:r>
+              <a:rPr lang="zh-CN" altLang="zh-CN" sz="1100" dirty="0">
+                <a:solidFill>
+                  <a:srgbClr val="D19A66"/>
+                </a:solidFill>
+                <a:latin typeface="Arial Unicode MS" panose="020B0604020202020204" pitchFamily="34" charset="-122"/>
+              </a:rPr>
+              <a:t>10</a:t>
+            </a:r>
+            <a:r>
+              <a:rPr lang="zh-CN" altLang="zh-CN" sz="1100" dirty="0">
+                <a:solidFill>
+                  <a:srgbClr val="ABB2BF"/>
+                </a:solidFill>
+                <a:latin typeface="Arial Unicode MS" panose="020B0604020202020204" pitchFamily="34" charset="-122"/>
+              </a:rPr>
+              <a:t>, </a:t>
+            </a:r>
+            <a:r>
+              <a:rPr lang="zh-CN" altLang="zh-CN" sz="1100" dirty="0">
+                <a:solidFill>
+                  <a:srgbClr val="D19A66"/>
+                </a:solidFill>
+                <a:latin typeface="Arial Unicode MS" panose="020B0604020202020204" pitchFamily="34" charset="-122"/>
+              </a:rPr>
+              <a:t>minute</a:t>
+            </a:r>
+            <a:r>
+              <a:rPr lang="zh-CN" altLang="zh-CN" sz="1100" dirty="0">
+                <a:solidFill>
+                  <a:srgbClr val="ABB2BF"/>
+                </a:solidFill>
+                <a:latin typeface="Arial Unicode MS" panose="020B0604020202020204" pitchFamily="34" charset="-122"/>
+              </a:rPr>
+              <a:t>=</a:t>
+            </a:r>
+            <a:r>
+              <a:rPr lang="zh-CN" altLang="zh-CN" sz="1100" dirty="0">
+                <a:solidFill>
+                  <a:srgbClr val="D19A66"/>
+                </a:solidFill>
+                <a:latin typeface="Arial Unicode MS" panose="020B0604020202020204" pitchFamily="34" charset="-122"/>
+              </a:rPr>
+              <a:t>0</a:t>
+            </a:r>
+            <a:r>
+              <a:rPr lang="zh-CN" altLang="zh-CN" sz="1100" dirty="0">
+                <a:solidFill>
+                  <a:srgbClr val="ABB2BF"/>
+                </a:solidFill>
+                <a:latin typeface="Arial Unicode MS" panose="020B0604020202020204" pitchFamily="34" charset="-122"/>
+              </a:rPr>
+              <a:t>, </a:t>
+            </a:r>
+            <a:r>
+              <a:rPr lang="zh-CN" altLang="zh-CN" sz="1100" dirty="0">
+                <a:solidFill>
+                  <a:srgbClr val="D19A66"/>
+                </a:solidFill>
+                <a:latin typeface="Arial Unicode MS" panose="020B0604020202020204" pitchFamily="34" charset="-122"/>
+              </a:rPr>
+              <a:t>second</a:t>
+            </a:r>
+            <a:r>
+              <a:rPr lang="zh-CN" altLang="zh-CN" sz="1100" dirty="0">
+                <a:solidFill>
+                  <a:srgbClr val="ABB2BF"/>
+                </a:solidFill>
+                <a:latin typeface="Arial Unicode MS" panose="020B0604020202020204" pitchFamily="34" charset="-122"/>
+              </a:rPr>
+              <a:t>=</a:t>
+            </a:r>
+            <a:r>
+              <a:rPr lang="zh-CN" altLang="zh-CN" sz="1100" dirty="0">
+                <a:solidFill>
+                  <a:srgbClr val="D19A66"/>
+                </a:solidFill>
+                <a:latin typeface="Arial Unicode MS" panose="020B0604020202020204" pitchFamily="34" charset="-122"/>
+              </a:rPr>
+              <a:t>0</a:t>
+            </a:r>
+            <a:r>
+              <a:rPr lang="zh-CN" altLang="zh-CN" sz="1100" dirty="0">
+                <a:solidFill>
+                  <a:srgbClr val="ABB2BF"/>
+                </a:solidFill>
+                <a:latin typeface="Arial Unicode MS" panose="020B0604020202020204" pitchFamily="34" charset="-122"/>
+              </a:rPr>
+              <a:t>, </a:t>
+            </a:r>
+            <a:r>
+              <a:rPr lang="zh-CN" altLang="zh-CN" sz="1100" dirty="0">
+                <a:solidFill>
+                  <a:srgbClr val="D19A66"/>
+                </a:solidFill>
+                <a:latin typeface="Arial Unicode MS" panose="020B0604020202020204" pitchFamily="34" charset="-122"/>
+              </a:rPr>
+              <a:t>microsecond</a:t>
+            </a:r>
+            <a:r>
+              <a:rPr lang="zh-CN" altLang="zh-CN" sz="1100" dirty="0">
+                <a:solidFill>
+                  <a:srgbClr val="ABB2BF"/>
+                </a:solidFill>
+                <a:latin typeface="Arial Unicode MS" panose="020B0604020202020204" pitchFamily="34" charset="-122"/>
+              </a:rPr>
+              <a:t>=</a:t>
+            </a:r>
+            <a:r>
+              <a:rPr lang="zh-CN" altLang="zh-CN" sz="1100" dirty="0">
+                <a:solidFill>
+                  <a:srgbClr val="D19A66"/>
+                </a:solidFill>
+                <a:latin typeface="Arial Unicode MS" panose="020B0604020202020204" pitchFamily="34" charset="-122"/>
+              </a:rPr>
+              <a:t>0</a:t>
+            </a:r>
+            <a:r>
+              <a:rPr lang="zh-CN" altLang="zh-CN" sz="1100" dirty="0">
+                <a:solidFill>
+                  <a:srgbClr val="ABB2BF"/>
+                </a:solidFill>
+                <a:latin typeface="Arial Unicode MS" panose="020B0604020202020204" pitchFamily="34" charset="-122"/>
+              </a:rPr>
+              <a:t>)</a:t>
+            </a:r>
+          </a:p>
+          <a:p>
+            <a:pPr lvl="0" defTabSz="914400" eaLnBrk="0" fontAlgn="base" hangingPunct="0">
+              <a:spcBef>
+                <a:spcPct val="0"/>
+              </a:spcBef>
+              <a:spcAft>
+                <a:spcPct val="0"/>
+              </a:spcAft>
+            </a:pPr>
+            <a:r>
+              <a:rPr lang="zh-CN" altLang="zh-CN" sz="1100" dirty="0">
+                <a:solidFill>
+                  <a:srgbClr val="ABB2BF"/>
+                </a:solidFill>
+                <a:latin typeface="Arial Unicode MS" panose="020B0604020202020204" pitchFamily="34" charset="-122"/>
+              </a:rPr>
+              <a:t> </a:t>
+            </a:r>
+          </a:p>
+          <a:p>
+            <a:pPr lvl="0" defTabSz="914400" eaLnBrk="0" fontAlgn="base" hangingPunct="0">
+              <a:spcBef>
+                <a:spcPct val="0"/>
+              </a:spcBef>
+              <a:spcAft>
+                <a:spcPct val="0"/>
+              </a:spcAft>
+            </a:pPr>
+            <a:r>
+              <a:rPr lang="zh-CN" altLang="zh-CN" sz="1100" i="1" dirty="0">
+                <a:solidFill>
+                  <a:srgbClr val="5C6370"/>
+                </a:solidFill>
+                <a:latin typeface="Arial Unicode MS" panose="020B0604020202020204" pitchFamily="34" charset="-122"/>
+              </a:rPr>
+              <a:t># 计算时间差值 </a:t>
+            </a:r>
+            <a:endParaRPr lang="zh-CN" altLang="zh-CN" sz="1100" dirty="0">
+              <a:solidFill>
+                <a:srgbClr val="ABB2BF"/>
+              </a:solidFill>
+              <a:latin typeface="Arial Unicode MS" panose="020B0604020202020204" pitchFamily="34" charset="-122"/>
+            </a:endParaRPr>
+          </a:p>
+          <a:p>
+            <a:pPr lvl="0" defTabSz="914400" eaLnBrk="0" fontAlgn="base" hangingPunct="0">
+              <a:spcBef>
+                <a:spcPct val="0"/>
+              </a:spcBef>
+              <a:spcAft>
+                <a:spcPct val="0"/>
+              </a:spcAft>
+            </a:pPr>
+            <a:r>
+              <a:rPr lang="zh-CN" altLang="zh-CN" sz="1100" dirty="0">
+                <a:solidFill>
+                  <a:srgbClr val="ABB2BF"/>
+                </a:solidFill>
+                <a:latin typeface="Arial Unicode MS" panose="020B0604020202020204" pitchFamily="34" charset="-122"/>
+              </a:rPr>
+              <a:t>result_time = ten_clock + </a:t>
+            </a:r>
+            <a:r>
+              <a:rPr lang="zh-CN" altLang="zh-CN" sz="1100" dirty="0">
+                <a:solidFill>
+                  <a:srgbClr val="E06C75"/>
+                </a:solidFill>
+                <a:latin typeface="Arial Unicode MS" panose="020B0604020202020204" pitchFamily="34" charset="-122"/>
+              </a:rPr>
+              <a:t>datetime</a:t>
+            </a:r>
+            <a:r>
+              <a:rPr lang="zh-CN" altLang="zh-CN" sz="1100" dirty="0">
+                <a:solidFill>
+                  <a:srgbClr val="ABB2BF"/>
+                </a:solidFill>
+                <a:latin typeface="Arial Unicode MS" panose="020B0604020202020204" pitchFamily="34" charset="-122"/>
+              </a:rPr>
+              <a:t>.</a:t>
+            </a:r>
+            <a:r>
+              <a:rPr lang="zh-CN" altLang="zh-CN" sz="1100" dirty="0">
+                <a:solidFill>
+                  <a:srgbClr val="61AFEF"/>
+                </a:solidFill>
+                <a:latin typeface="Arial Unicode MS" panose="020B0604020202020204" pitchFamily="34" charset="-122"/>
+              </a:rPr>
+              <a:t>timedelta</a:t>
+            </a:r>
+            <a:r>
+              <a:rPr lang="zh-CN" altLang="zh-CN" sz="1100" dirty="0">
+                <a:solidFill>
+                  <a:srgbClr val="ABB2BF"/>
+                </a:solidFill>
+                <a:latin typeface="Arial Unicode MS" panose="020B0604020202020204" pitchFamily="34" charset="-122"/>
+              </a:rPr>
+              <a:t>(</a:t>
+            </a:r>
+            <a:r>
+              <a:rPr lang="zh-CN" altLang="zh-CN" sz="1100" dirty="0">
+                <a:solidFill>
+                  <a:srgbClr val="D19A66"/>
+                </a:solidFill>
+                <a:latin typeface="Arial Unicode MS" panose="020B0604020202020204" pitchFamily="34" charset="-122"/>
+              </a:rPr>
+              <a:t>days</a:t>
+            </a:r>
+            <a:r>
+              <a:rPr lang="zh-CN" altLang="zh-CN" sz="1100" dirty="0">
+                <a:solidFill>
+                  <a:srgbClr val="ABB2BF"/>
+                </a:solidFill>
+                <a:latin typeface="Arial Unicode MS" panose="020B0604020202020204" pitchFamily="34" charset="-122"/>
+              </a:rPr>
+              <a:t>=</a:t>
+            </a:r>
+            <a:r>
+              <a:rPr lang="zh-CN" altLang="zh-CN" sz="1100" dirty="0">
+                <a:solidFill>
+                  <a:srgbClr val="D19A66"/>
+                </a:solidFill>
+                <a:latin typeface="Arial Unicode MS" panose="020B0604020202020204" pitchFamily="34" charset="-122"/>
+              </a:rPr>
+              <a:t>0</a:t>
+            </a:r>
+            <a:r>
+              <a:rPr lang="zh-CN" altLang="zh-CN" sz="1100" dirty="0">
+                <a:solidFill>
+                  <a:srgbClr val="ABB2BF"/>
+                </a:solidFill>
+                <a:latin typeface="Arial Unicode MS" panose="020B0604020202020204" pitchFamily="34" charset="-122"/>
+              </a:rPr>
+              <a:t>, </a:t>
+            </a:r>
+            <a:r>
+              <a:rPr lang="zh-CN" altLang="zh-CN" sz="1100" dirty="0">
+                <a:solidFill>
+                  <a:srgbClr val="D19A66"/>
+                </a:solidFill>
+                <a:latin typeface="Arial Unicode MS" panose="020B0604020202020204" pitchFamily="34" charset="-122"/>
+              </a:rPr>
+              <a:t>hours</a:t>
+            </a:r>
+            <a:r>
+              <a:rPr lang="zh-CN" altLang="zh-CN" sz="1100" dirty="0">
+                <a:solidFill>
+                  <a:srgbClr val="ABB2BF"/>
+                </a:solidFill>
+                <a:latin typeface="Arial Unicode MS" panose="020B0604020202020204" pitchFamily="34" charset="-122"/>
+              </a:rPr>
+              <a:t>=</a:t>
+            </a:r>
+            <a:r>
+              <a:rPr lang="zh-CN" altLang="zh-CN" sz="1100" dirty="0">
+                <a:solidFill>
+                  <a:srgbClr val="D19A66"/>
+                </a:solidFill>
+                <a:latin typeface="Arial Unicode MS" panose="020B0604020202020204" pitchFamily="34" charset="-122"/>
+              </a:rPr>
+              <a:t>10</a:t>
+            </a:r>
+            <a:r>
+              <a:rPr lang="zh-CN" altLang="zh-CN" sz="1100" dirty="0">
+                <a:solidFill>
+                  <a:srgbClr val="ABB2BF"/>
+                </a:solidFill>
+                <a:latin typeface="Arial Unicode MS" panose="020B0604020202020204" pitchFamily="34" charset="-122"/>
+              </a:rPr>
+              <a:t>, </a:t>
+            </a:r>
+            <a:r>
+              <a:rPr lang="zh-CN" altLang="zh-CN" sz="1100" dirty="0">
+                <a:solidFill>
+                  <a:srgbClr val="D19A66"/>
+                </a:solidFill>
+                <a:latin typeface="Arial Unicode MS" panose="020B0604020202020204" pitchFamily="34" charset="-122"/>
+              </a:rPr>
+              <a:t>minutes</a:t>
+            </a:r>
+            <a:r>
+              <a:rPr lang="zh-CN" altLang="zh-CN" sz="1100" dirty="0">
+                <a:solidFill>
+                  <a:srgbClr val="ABB2BF"/>
+                </a:solidFill>
+                <a:latin typeface="Arial Unicode MS" panose="020B0604020202020204" pitchFamily="34" charset="-122"/>
+              </a:rPr>
+              <a:t>=</a:t>
+            </a:r>
+            <a:r>
+              <a:rPr lang="zh-CN" altLang="zh-CN" sz="1100" dirty="0">
+                <a:solidFill>
+                  <a:srgbClr val="D19A66"/>
+                </a:solidFill>
+                <a:latin typeface="Arial Unicode MS" panose="020B0604020202020204" pitchFamily="34" charset="-122"/>
+              </a:rPr>
+              <a:t>35</a:t>
+            </a:r>
+            <a:r>
+              <a:rPr lang="zh-CN" altLang="zh-CN" sz="1100" dirty="0">
+                <a:solidFill>
+                  <a:srgbClr val="ABB2BF"/>
+                </a:solidFill>
+                <a:latin typeface="Arial Unicode MS" panose="020B0604020202020204" pitchFamily="34" charset="-122"/>
+              </a:rPr>
+              <a:t>, </a:t>
+            </a:r>
+            <a:r>
+              <a:rPr lang="zh-CN" altLang="zh-CN" sz="1100" dirty="0">
+                <a:solidFill>
+                  <a:srgbClr val="D19A66"/>
+                </a:solidFill>
+                <a:latin typeface="Arial Unicode MS" panose="020B0604020202020204" pitchFamily="34" charset="-122"/>
+              </a:rPr>
+              <a:t>seconds</a:t>
+            </a:r>
+            <a:r>
+              <a:rPr lang="zh-CN" altLang="zh-CN" sz="1100" dirty="0">
+                <a:solidFill>
+                  <a:srgbClr val="ABB2BF"/>
+                </a:solidFill>
+                <a:latin typeface="Arial Unicode MS" panose="020B0604020202020204" pitchFamily="34" charset="-122"/>
+              </a:rPr>
+              <a:t>=-</a:t>
+            </a:r>
+            <a:r>
+              <a:rPr lang="zh-CN" altLang="zh-CN" sz="1100" dirty="0">
+                <a:solidFill>
+                  <a:srgbClr val="D19A66"/>
+                </a:solidFill>
+                <a:latin typeface="Arial Unicode MS" panose="020B0604020202020204" pitchFamily="34" charset="-122"/>
+              </a:rPr>
+              <a:t>5</a:t>
+            </a:r>
+            <a:r>
+              <a:rPr lang="zh-CN" altLang="zh-CN" sz="1100" dirty="0">
+                <a:solidFill>
+                  <a:srgbClr val="ABB2BF"/>
+                </a:solidFill>
+                <a:latin typeface="Arial Unicode MS" panose="020B0604020202020204" pitchFamily="34" charset="-122"/>
+              </a:rPr>
+              <a:t>)</a:t>
+            </a:r>
+          </a:p>
+          <a:p>
+            <a:pPr lvl="0" defTabSz="914400" eaLnBrk="0" fontAlgn="base" hangingPunct="0">
+              <a:spcBef>
+                <a:spcPct val="0"/>
+              </a:spcBef>
+              <a:spcAft>
+                <a:spcPct val="0"/>
+              </a:spcAft>
+            </a:pPr>
+            <a:r>
+              <a:rPr lang="zh-CN" altLang="zh-CN" sz="1100" dirty="0">
+                <a:solidFill>
+                  <a:srgbClr val="ABB2BF"/>
+                </a:solidFill>
+                <a:latin typeface="Arial Unicode MS" panose="020B0604020202020204" pitchFamily="34" charset="-122"/>
+              </a:rPr>
+              <a:t> </a:t>
+            </a:r>
+          </a:p>
+          <a:p>
+            <a:pPr lvl="0" defTabSz="914400" eaLnBrk="0" fontAlgn="base" hangingPunct="0">
+              <a:spcBef>
+                <a:spcPct val="0"/>
+              </a:spcBef>
+              <a:spcAft>
+                <a:spcPct val="0"/>
+              </a:spcAft>
+            </a:pPr>
+            <a:r>
+              <a:rPr lang="zh-CN" altLang="zh-CN" sz="1100" i="1" dirty="0">
+                <a:solidFill>
+                  <a:srgbClr val="5C6370"/>
+                </a:solidFill>
+                <a:latin typeface="Arial Unicode MS" panose="020B0604020202020204" pitchFamily="34" charset="-122"/>
+              </a:rPr>
+              <a:t># 格式化输出 </a:t>
+            </a:r>
+            <a:endParaRPr lang="zh-CN" altLang="zh-CN" sz="1100" dirty="0">
+              <a:solidFill>
+                <a:srgbClr val="ABB2BF"/>
+              </a:solidFill>
+              <a:latin typeface="Arial Unicode MS" panose="020B0604020202020204" pitchFamily="34" charset="-122"/>
+            </a:endParaRPr>
+          </a:p>
+          <a:p>
+            <a:pPr lvl="0" defTabSz="914400" eaLnBrk="0" fontAlgn="base" hangingPunct="0">
+              <a:spcBef>
+                <a:spcPct val="0"/>
+              </a:spcBef>
+              <a:spcAft>
+                <a:spcPct val="0"/>
+              </a:spcAft>
+            </a:pPr>
+            <a:r>
+              <a:rPr lang="zh-CN" altLang="zh-CN" sz="1100" dirty="0">
+                <a:solidFill>
+                  <a:srgbClr val="C678DD"/>
+                </a:solidFill>
+                <a:latin typeface="Arial Unicode MS" panose="020B0604020202020204" pitchFamily="34" charset="-122"/>
+              </a:rPr>
+              <a:t>print</a:t>
+            </a:r>
+            <a:r>
+              <a:rPr lang="zh-CN" altLang="zh-CN" sz="1100" dirty="0">
+                <a:solidFill>
+                  <a:srgbClr val="ABB2BF"/>
+                </a:solidFill>
+                <a:latin typeface="Arial Unicode MS" panose="020B0604020202020204" pitchFamily="34" charset="-122"/>
+              </a:rPr>
+              <a:t>(</a:t>
+            </a:r>
+            <a:r>
+              <a:rPr lang="zh-CN" altLang="zh-CN" sz="1100" dirty="0">
+                <a:solidFill>
+                  <a:srgbClr val="E06C75"/>
+                </a:solidFill>
+                <a:latin typeface="Arial Unicode MS" panose="020B0604020202020204" pitchFamily="34" charset="-122"/>
+              </a:rPr>
+              <a:t>result_time</a:t>
+            </a:r>
+            <a:r>
+              <a:rPr lang="zh-CN" altLang="zh-CN" sz="1100" dirty="0">
+                <a:solidFill>
+                  <a:srgbClr val="ABB2BF"/>
+                </a:solidFill>
+                <a:latin typeface="Arial Unicode MS" panose="020B0604020202020204" pitchFamily="34" charset="-122"/>
+              </a:rPr>
+              <a:t>.</a:t>
+            </a:r>
+            <a:r>
+              <a:rPr lang="zh-CN" altLang="zh-CN" sz="1100" dirty="0">
+                <a:solidFill>
+                  <a:srgbClr val="61AFEF"/>
+                </a:solidFill>
+                <a:latin typeface="Arial Unicode MS" panose="020B0604020202020204" pitchFamily="34" charset="-122"/>
+              </a:rPr>
+              <a:t>strftime</a:t>
+            </a:r>
+            <a:r>
+              <a:rPr lang="zh-CN" altLang="zh-CN" sz="1100" dirty="0">
+                <a:solidFill>
+                  <a:srgbClr val="ABB2BF"/>
+                </a:solidFill>
+                <a:latin typeface="Arial Unicode MS" panose="020B0604020202020204" pitchFamily="34" charset="-122"/>
+              </a:rPr>
+              <a:t>(</a:t>
+            </a:r>
+            <a:r>
+              <a:rPr lang="zh-CN" altLang="zh-CN" sz="1100" dirty="0">
+                <a:solidFill>
+                  <a:srgbClr val="98C379"/>
+                </a:solidFill>
+                <a:latin typeface="Arial Unicode MS" panose="020B0604020202020204" pitchFamily="34" charset="-122"/>
+              </a:rPr>
+              <a:t>'%Y-%m-</a:t>
+            </a:r>
+            <a:r>
+              <a:rPr lang="zh-CN" altLang="zh-CN" sz="1100" dirty="0">
+                <a:solidFill>
+                  <a:srgbClr val="D19A66"/>
+                </a:solidFill>
+                <a:latin typeface="Arial Unicode MS" panose="020B0604020202020204" pitchFamily="34" charset="-122"/>
+              </a:rPr>
+              <a:t>%d</a:t>
+            </a:r>
+            <a:r>
+              <a:rPr lang="zh-CN" altLang="zh-CN" sz="1100" dirty="0">
+                <a:solidFill>
+                  <a:srgbClr val="98C379"/>
+                </a:solidFill>
+                <a:latin typeface="Arial Unicode MS" panose="020B0604020202020204" pitchFamily="34" charset="-122"/>
+              </a:rPr>
+              <a:t> %H:%M:%S'</a:t>
+            </a:r>
+            <a:r>
+              <a:rPr lang="zh-CN" altLang="zh-CN" sz="1100" dirty="0">
+                <a:solidFill>
+                  <a:srgbClr val="ABB2BF"/>
+                </a:solidFill>
+                <a:latin typeface="Arial Unicode MS" panose="020B0604020202020204" pitchFamily="34" charset="-122"/>
+              </a:rPr>
+              <a:t>))</a:t>
+            </a:r>
+          </a:p>
+          <a:p>
+            <a:pPr lvl="0" defTabSz="914400" eaLnBrk="0" fontAlgn="base" hangingPunct="0">
+              <a:spcBef>
+                <a:spcPct val="0"/>
+              </a:spcBef>
+              <a:spcAft>
+                <a:spcPct val="0"/>
+              </a:spcAft>
+            </a:pPr>
+            <a:r>
+              <a:rPr lang="zh-CN" altLang="zh-CN" sz="1100" dirty="0">
+                <a:solidFill>
+                  <a:srgbClr val="ABB2BF"/>
+                </a:solidFill>
+                <a:latin typeface="Arial Unicode MS" panose="020B0604020202020204" pitchFamily="34" charset="-122"/>
+              </a:rPr>
+              <a:t> </a:t>
+            </a:r>
+          </a:p>
+          <a:p>
+            <a:pPr lvl="0" defTabSz="914400" eaLnBrk="0" fontAlgn="base" hangingPunct="0">
+              <a:spcBef>
+                <a:spcPct val="0"/>
+              </a:spcBef>
+              <a:spcAft>
+                <a:spcPct val="0"/>
+              </a:spcAft>
+            </a:pPr>
+            <a:r>
+              <a:rPr lang="zh-CN" altLang="zh-CN" sz="1100" dirty="0">
+                <a:solidFill>
+                  <a:srgbClr val="C678DD"/>
+                </a:solidFill>
+                <a:latin typeface="Arial Unicode MS" panose="020B0604020202020204" pitchFamily="34" charset="-122"/>
+              </a:rPr>
+              <a:t>print</a:t>
+            </a:r>
+            <a:r>
+              <a:rPr lang="zh-CN" altLang="zh-CN" sz="1100" dirty="0">
+                <a:solidFill>
+                  <a:srgbClr val="ABB2BF"/>
+                </a:solidFill>
+                <a:latin typeface="Arial Unicode MS" panose="020B0604020202020204" pitchFamily="34" charset="-122"/>
+              </a:rPr>
+              <a:t>(</a:t>
+            </a:r>
+            <a:r>
+              <a:rPr lang="zh-CN" altLang="zh-CN" sz="1100" dirty="0">
+                <a:solidFill>
+                  <a:srgbClr val="E06C75"/>
+                </a:solidFill>
+                <a:latin typeface="Arial Unicode MS" panose="020B0604020202020204" pitchFamily="34" charset="-122"/>
+              </a:rPr>
+              <a:t>result_time</a:t>
+            </a:r>
+            <a:r>
+              <a:rPr lang="zh-CN" altLang="zh-CN" sz="1100" dirty="0">
+                <a:solidFill>
+                  <a:srgbClr val="ABB2BF"/>
+                </a:solidFill>
+                <a:latin typeface="Arial Unicode MS" panose="020B0604020202020204" pitchFamily="34" charset="-122"/>
+              </a:rPr>
+              <a:t>.</a:t>
+            </a:r>
+            <a:r>
+              <a:rPr lang="zh-CN" altLang="zh-CN" sz="1100" dirty="0">
+                <a:solidFill>
+                  <a:srgbClr val="61AFEF"/>
+                </a:solidFill>
+                <a:latin typeface="Arial Unicode MS" panose="020B0604020202020204" pitchFamily="34" charset="-122"/>
+              </a:rPr>
+              <a:t>strftime</a:t>
+            </a:r>
+            <a:r>
+              <a:rPr lang="zh-CN" altLang="zh-CN" sz="1100" dirty="0">
+                <a:solidFill>
+                  <a:srgbClr val="ABB2BF"/>
+                </a:solidFill>
+                <a:latin typeface="Arial Unicode MS" panose="020B0604020202020204" pitchFamily="34" charset="-122"/>
+              </a:rPr>
+              <a:t>(</a:t>
+            </a:r>
+            <a:r>
+              <a:rPr lang="zh-CN" altLang="zh-CN" sz="1100" dirty="0">
+                <a:solidFill>
+                  <a:srgbClr val="98C379"/>
+                </a:solidFill>
+                <a:latin typeface="Arial Unicode MS" panose="020B0604020202020204" pitchFamily="34" charset="-122"/>
+              </a:rPr>
+              <a:t>'%Y%m</a:t>
+            </a:r>
+            <a:r>
+              <a:rPr lang="zh-CN" altLang="zh-CN" sz="1100" dirty="0">
+                <a:solidFill>
+                  <a:srgbClr val="D19A66"/>
+                </a:solidFill>
+                <a:latin typeface="Arial Unicode MS" panose="020B0604020202020204" pitchFamily="34" charset="-122"/>
+              </a:rPr>
+              <a:t>%d</a:t>
+            </a:r>
+            <a:r>
+              <a:rPr lang="zh-CN" altLang="zh-CN" sz="1100" dirty="0">
+                <a:solidFill>
+                  <a:srgbClr val="98C379"/>
+                </a:solidFill>
+                <a:latin typeface="Arial Unicode MS" panose="020B0604020202020204" pitchFamily="34" charset="-122"/>
+              </a:rPr>
+              <a:t>%H%M%S'</a:t>
+            </a:r>
+            <a:r>
+              <a:rPr lang="zh-CN" altLang="zh-CN" sz="1100" dirty="0">
+                <a:solidFill>
+                  <a:srgbClr val="ABB2BF"/>
+                </a:solidFill>
+                <a:latin typeface="Arial Unicode MS" panose="020B0604020202020204" pitchFamily="34" charset="-122"/>
+              </a:rPr>
+              <a:t>))</a:t>
+            </a:r>
+          </a:p>
+          <a:p>
+            <a:pPr lvl="0" defTabSz="914400" eaLnBrk="0" fontAlgn="base" hangingPunct="0">
+              <a:spcBef>
+                <a:spcPct val="0"/>
+              </a:spcBef>
+              <a:spcAft>
+                <a:spcPct val="0"/>
+              </a:spcAft>
+            </a:pPr>
+            <a:r>
+              <a:rPr lang="zh-CN" altLang="zh-CN" sz="1100" dirty="0">
+                <a:solidFill>
+                  <a:srgbClr val="ABB2BF"/>
+                </a:solidFill>
+                <a:latin typeface="Arial Unicode MS" panose="020B0604020202020204" pitchFamily="34" charset="-122"/>
+              </a:rPr>
+              <a:t> </a:t>
+            </a:r>
+          </a:p>
+          <a:p>
+            <a:pPr lvl="0" defTabSz="914400" eaLnBrk="0" fontAlgn="base" hangingPunct="0">
+              <a:spcBef>
+                <a:spcPct val="0"/>
+              </a:spcBef>
+              <a:spcAft>
+                <a:spcPct val="0"/>
+              </a:spcAft>
+            </a:pPr>
+            <a:r>
+              <a:rPr lang="zh-CN" altLang="zh-CN" sz="1100" i="1" dirty="0">
+                <a:solidFill>
+                  <a:srgbClr val="5C6370"/>
+                </a:solidFill>
+                <a:latin typeface="Arial Unicode MS" panose="020B0604020202020204" pitchFamily="34" charset="-122"/>
+              </a:rPr>
+              <a:t># 早八点到晚八点，每两小时一次 </a:t>
+            </a:r>
+            <a:endParaRPr lang="zh-CN" altLang="zh-CN" sz="1100" dirty="0">
+              <a:solidFill>
+                <a:srgbClr val="ABB2BF"/>
+              </a:solidFill>
+              <a:latin typeface="Arial Unicode MS" panose="020B0604020202020204" pitchFamily="34" charset="-122"/>
+            </a:endParaRPr>
+          </a:p>
+          <a:p>
+            <a:pPr lvl="0" defTabSz="914400" eaLnBrk="0" fontAlgn="base" hangingPunct="0">
+              <a:spcBef>
+                <a:spcPct val="0"/>
+              </a:spcBef>
+              <a:spcAft>
+                <a:spcPct val="0"/>
+              </a:spcAft>
+            </a:pPr>
+            <a:r>
+              <a:rPr lang="zh-CN" altLang="zh-CN" sz="1100" dirty="0">
+                <a:solidFill>
+                  <a:srgbClr val="C678DD"/>
+                </a:solidFill>
+                <a:latin typeface="Arial Unicode MS" panose="020B0604020202020204" pitchFamily="34" charset="-122"/>
+              </a:rPr>
+              <a:t>for</a:t>
+            </a:r>
+            <a:r>
+              <a:rPr lang="zh-CN" altLang="zh-CN" sz="1100" dirty="0">
+                <a:solidFill>
+                  <a:srgbClr val="ABB2BF"/>
+                </a:solidFill>
+                <a:latin typeface="Arial Unicode MS" panose="020B0604020202020204" pitchFamily="34" charset="-122"/>
+              </a:rPr>
+              <a:t> i </a:t>
+            </a:r>
+            <a:r>
+              <a:rPr lang="zh-CN" altLang="zh-CN" sz="1100" dirty="0">
+                <a:solidFill>
+                  <a:srgbClr val="C678DD"/>
+                </a:solidFill>
+                <a:latin typeface="Arial Unicode MS" panose="020B0604020202020204" pitchFamily="34" charset="-122"/>
+              </a:rPr>
+              <a:t>in</a:t>
+            </a:r>
+            <a:r>
+              <a:rPr lang="zh-CN" altLang="zh-CN" sz="1100" dirty="0">
+                <a:solidFill>
+                  <a:srgbClr val="ABB2BF"/>
+                </a:solidFill>
+                <a:latin typeface="Arial Unicode MS" panose="020B0604020202020204" pitchFamily="34" charset="-122"/>
+              </a:rPr>
+              <a:t> </a:t>
+            </a:r>
+            <a:r>
+              <a:rPr lang="zh-CN" altLang="zh-CN" sz="1100" dirty="0">
+                <a:solidFill>
+                  <a:srgbClr val="56B6C2"/>
+                </a:solidFill>
+                <a:latin typeface="Arial Unicode MS" panose="020B0604020202020204" pitchFamily="34" charset="-122"/>
+              </a:rPr>
+              <a:t>range</a:t>
+            </a:r>
+            <a:r>
+              <a:rPr lang="zh-CN" altLang="zh-CN" sz="1100" dirty="0">
+                <a:solidFill>
+                  <a:srgbClr val="ABB2BF"/>
+                </a:solidFill>
+                <a:latin typeface="Arial Unicode MS" panose="020B0604020202020204" pitchFamily="34" charset="-122"/>
+              </a:rPr>
+              <a:t>(</a:t>
+            </a:r>
+            <a:r>
+              <a:rPr lang="zh-CN" altLang="zh-CN" sz="1100" dirty="0">
+                <a:solidFill>
+                  <a:srgbClr val="D19A66"/>
+                </a:solidFill>
+                <a:latin typeface="Arial Unicode MS" panose="020B0604020202020204" pitchFamily="34" charset="-122"/>
+              </a:rPr>
+              <a:t>8</a:t>
+            </a:r>
+            <a:r>
+              <a:rPr lang="zh-CN" altLang="zh-CN" sz="1100" dirty="0">
+                <a:solidFill>
+                  <a:srgbClr val="ABB2BF"/>
+                </a:solidFill>
+                <a:latin typeface="Arial Unicode MS" panose="020B0604020202020204" pitchFamily="34" charset="-122"/>
+              </a:rPr>
+              <a:t>,</a:t>
+            </a:r>
+            <a:r>
+              <a:rPr lang="zh-CN" altLang="zh-CN" sz="1100" dirty="0">
+                <a:solidFill>
+                  <a:srgbClr val="D19A66"/>
+                </a:solidFill>
+                <a:latin typeface="Arial Unicode MS" panose="020B0604020202020204" pitchFamily="34" charset="-122"/>
+              </a:rPr>
+              <a:t>21</a:t>
+            </a:r>
+            <a:r>
+              <a:rPr lang="zh-CN" altLang="zh-CN" sz="1100" dirty="0">
+                <a:solidFill>
+                  <a:srgbClr val="ABB2BF"/>
+                </a:solidFill>
+                <a:latin typeface="Arial Unicode MS" panose="020B0604020202020204" pitchFamily="34" charset="-122"/>
+              </a:rPr>
+              <a:t>,</a:t>
+            </a:r>
+            <a:r>
+              <a:rPr lang="zh-CN" altLang="zh-CN" sz="1100" dirty="0">
+                <a:solidFill>
+                  <a:srgbClr val="D19A66"/>
+                </a:solidFill>
+                <a:latin typeface="Arial Unicode MS" panose="020B0604020202020204" pitchFamily="34" charset="-122"/>
+              </a:rPr>
+              <a:t>2</a:t>
+            </a:r>
+            <a:r>
+              <a:rPr lang="zh-CN" altLang="zh-CN" sz="1100" dirty="0">
+                <a:solidFill>
+                  <a:srgbClr val="ABB2BF"/>
+                </a:solidFill>
+                <a:latin typeface="Arial Unicode MS" panose="020B0604020202020204" pitchFamily="34" charset="-122"/>
+              </a:rPr>
+              <a:t>):</a:t>
+            </a:r>
+          </a:p>
+          <a:p>
+            <a:pPr lvl="0" defTabSz="914400" eaLnBrk="0" fontAlgn="base" hangingPunct="0">
+              <a:spcBef>
+                <a:spcPct val="0"/>
+              </a:spcBef>
+              <a:spcAft>
+                <a:spcPct val="0"/>
+              </a:spcAft>
+            </a:pPr>
+            <a:r>
+              <a:rPr lang="zh-CN" altLang="zh-CN" sz="1100" dirty="0">
+                <a:solidFill>
+                  <a:srgbClr val="ABB2BF"/>
+                </a:solidFill>
+                <a:latin typeface="Arial Unicode MS" panose="020B0604020202020204" pitchFamily="34" charset="-122"/>
+              </a:rPr>
+              <a:t>    exe_time = </a:t>
+            </a:r>
+            <a:r>
+              <a:rPr lang="zh-CN" altLang="zh-CN" sz="1100" dirty="0">
+                <a:solidFill>
+                  <a:srgbClr val="E06C75"/>
+                </a:solidFill>
+                <a:latin typeface="Arial Unicode MS" panose="020B0604020202020204" pitchFamily="34" charset="-122"/>
+              </a:rPr>
+              <a:t>now</a:t>
+            </a:r>
+            <a:r>
+              <a:rPr lang="zh-CN" altLang="zh-CN" sz="1100" dirty="0">
+                <a:solidFill>
+                  <a:srgbClr val="ABB2BF"/>
+                </a:solidFill>
+                <a:latin typeface="Arial Unicode MS" panose="020B0604020202020204" pitchFamily="34" charset="-122"/>
+              </a:rPr>
+              <a:t>.</a:t>
+            </a:r>
+            <a:r>
+              <a:rPr lang="zh-CN" altLang="zh-CN" sz="1100" dirty="0">
+                <a:solidFill>
+                  <a:srgbClr val="61AFEF"/>
+                </a:solidFill>
+                <a:latin typeface="Arial Unicode MS" panose="020B0604020202020204" pitchFamily="34" charset="-122"/>
+              </a:rPr>
+              <a:t>replace</a:t>
+            </a:r>
+            <a:r>
+              <a:rPr lang="zh-CN" altLang="zh-CN" sz="1100" dirty="0">
+                <a:solidFill>
+                  <a:srgbClr val="ABB2BF"/>
+                </a:solidFill>
+                <a:latin typeface="Arial Unicode MS" panose="020B0604020202020204" pitchFamily="34" charset="-122"/>
+              </a:rPr>
+              <a:t>(</a:t>
+            </a:r>
+            <a:r>
+              <a:rPr lang="zh-CN" altLang="zh-CN" sz="1100" dirty="0">
+                <a:solidFill>
+                  <a:srgbClr val="D19A66"/>
+                </a:solidFill>
+                <a:latin typeface="Arial Unicode MS" panose="020B0604020202020204" pitchFamily="34" charset="-122"/>
+              </a:rPr>
+              <a:t>hour</a:t>
+            </a:r>
+            <a:r>
+              <a:rPr lang="zh-CN" altLang="zh-CN" sz="1100" dirty="0">
+                <a:solidFill>
+                  <a:srgbClr val="ABB2BF"/>
+                </a:solidFill>
+                <a:latin typeface="Arial Unicode MS" panose="020B0604020202020204" pitchFamily="34" charset="-122"/>
+              </a:rPr>
+              <a:t>=i, </a:t>
+            </a:r>
+            <a:r>
+              <a:rPr lang="zh-CN" altLang="zh-CN" sz="1100" dirty="0">
+                <a:solidFill>
+                  <a:srgbClr val="D19A66"/>
+                </a:solidFill>
+                <a:latin typeface="Arial Unicode MS" panose="020B0604020202020204" pitchFamily="34" charset="-122"/>
+              </a:rPr>
+              <a:t>minute</a:t>
+            </a:r>
+            <a:r>
+              <a:rPr lang="zh-CN" altLang="zh-CN" sz="1100" dirty="0">
+                <a:solidFill>
+                  <a:srgbClr val="ABB2BF"/>
+                </a:solidFill>
+                <a:latin typeface="Arial Unicode MS" panose="020B0604020202020204" pitchFamily="34" charset="-122"/>
+              </a:rPr>
+              <a:t>=</a:t>
+            </a:r>
+            <a:r>
+              <a:rPr lang="zh-CN" altLang="zh-CN" sz="1100" dirty="0">
+                <a:solidFill>
+                  <a:srgbClr val="D19A66"/>
+                </a:solidFill>
+                <a:latin typeface="Arial Unicode MS" panose="020B0604020202020204" pitchFamily="34" charset="-122"/>
+              </a:rPr>
+              <a:t>0</a:t>
+            </a:r>
+            <a:r>
+              <a:rPr lang="zh-CN" altLang="zh-CN" sz="1100" dirty="0">
+                <a:solidFill>
+                  <a:srgbClr val="ABB2BF"/>
+                </a:solidFill>
+                <a:latin typeface="Arial Unicode MS" panose="020B0604020202020204" pitchFamily="34" charset="-122"/>
+              </a:rPr>
+              <a:t>, </a:t>
+            </a:r>
+            <a:r>
+              <a:rPr lang="zh-CN" altLang="zh-CN" sz="1100" dirty="0">
+                <a:solidFill>
+                  <a:srgbClr val="D19A66"/>
+                </a:solidFill>
+                <a:latin typeface="Arial Unicode MS" panose="020B0604020202020204" pitchFamily="34" charset="-122"/>
+              </a:rPr>
+              <a:t>second</a:t>
+            </a:r>
+            <a:r>
+              <a:rPr lang="zh-CN" altLang="zh-CN" sz="1100" dirty="0">
+                <a:solidFill>
+                  <a:srgbClr val="ABB2BF"/>
+                </a:solidFill>
+                <a:latin typeface="Arial Unicode MS" panose="020B0604020202020204" pitchFamily="34" charset="-122"/>
+              </a:rPr>
+              <a:t>=</a:t>
+            </a:r>
+            <a:r>
+              <a:rPr lang="zh-CN" altLang="zh-CN" sz="1100" dirty="0">
+                <a:solidFill>
+                  <a:srgbClr val="D19A66"/>
+                </a:solidFill>
+                <a:latin typeface="Arial Unicode MS" panose="020B0604020202020204" pitchFamily="34" charset="-122"/>
+              </a:rPr>
+              <a:t>0</a:t>
+            </a:r>
+            <a:r>
+              <a:rPr lang="zh-CN" altLang="zh-CN" sz="1100" dirty="0">
+                <a:solidFill>
+                  <a:srgbClr val="ABB2BF"/>
+                </a:solidFill>
+                <a:latin typeface="Arial Unicode MS" panose="020B0604020202020204" pitchFamily="34" charset="-122"/>
+              </a:rPr>
+              <a:t>, </a:t>
+            </a:r>
+            <a:r>
+              <a:rPr lang="zh-CN" altLang="zh-CN" sz="1100" dirty="0">
+                <a:solidFill>
+                  <a:srgbClr val="D19A66"/>
+                </a:solidFill>
+                <a:latin typeface="Arial Unicode MS" panose="020B0604020202020204" pitchFamily="34" charset="-122"/>
+              </a:rPr>
+              <a:t>microsecond</a:t>
+            </a:r>
+            <a:r>
+              <a:rPr lang="zh-CN" altLang="zh-CN" sz="1100" dirty="0">
+                <a:solidFill>
+                  <a:srgbClr val="ABB2BF"/>
+                </a:solidFill>
+                <a:latin typeface="Arial Unicode MS" panose="020B0604020202020204" pitchFamily="34" charset="-122"/>
+              </a:rPr>
+              <a:t>=</a:t>
+            </a:r>
+            <a:r>
+              <a:rPr lang="zh-CN" altLang="zh-CN" sz="1100" dirty="0">
+                <a:solidFill>
+                  <a:srgbClr val="D19A66"/>
+                </a:solidFill>
+                <a:latin typeface="Arial Unicode MS" panose="020B0604020202020204" pitchFamily="34" charset="-122"/>
+              </a:rPr>
+              <a:t>0</a:t>
+            </a:r>
+            <a:r>
+              <a:rPr lang="zh-CN" altLang="zh-CN" sz="1100" dirty="0">
+                <a:solidFill>
+                  <a:srgbClr val="ABB2BF"/>
+                </a:solidFill>
+                <a:latin typeface="Arial Unicode MS" panose="020B0604020202020204" pitchFamily="34" charset="-122"/>
+              </a:rPr>
+              <a:t>)</a:t>
+            </a:r>
+          </a:p>
+          <a:p>
+            <a:pPr lvl="0" defTabSz="914400" eaLnBrk="0" fontAlgn="base" hangingPunct="0">
+              <a:spcBef>
+                <a:spcPct val="0"/>
+              </a:spcBef>
+              <a:spcAft>
+                <a:spcPct val="0"/>
+              </a:spcAft>
+            </a:pPr>
+            <a:r>
+              <a:rPr lang="zh-CN" altLang="zh-CN" sz="1100" dirty="0">
+                <a:solidFill>
+                  <a:srgbClr val="ABB2BF"/>
+                </a:solidFill>
+                <a:latin typeface="Arial Unicode MS" panose="020B0604020202020204" pitchFamily="34" charset="-122"/>
+              </a:rPr>
+              <a:t>    check_time = (now &gt; exe_time) </a:t>
+            </a:r>
+            <a:r>
+              <a:rPr lang="zh-CN" altLang="zh-CN" sz="1100" dirty="0">
+                <a:solidFill>
+                  <a:srgbClr val="C678DD"/>
+                </a:solidFill>
+                <a:latin typeface="Arial Unicode MS" panose="020B0604020202020204" pitchFamily="34" charset="-122"/>
+              </a:rPr>
+              <a:t>and</a:t>
+            </a:r>
+            <a:r>
+              <a:rPr lang="zh-CN" altLang="zh-CN" sz="1100" dirty="0">
+                <a:solidFill>
+                  <a:srgbClr val="ABB2BF"/>
+                </a:solidFill>
+                <a:latin typeface="Arial Unicode MS" panose="020B0604020202020204" pitchFamily="34" charset="-122"/>
+              </a:rPr>
+              <a:t> (now &lt; exe_time + </a:t>
+            </a:r>
+            <a:r>
+              <a:rPr lang="zh-CN" altLang="zh-CN" sz="1100" dirty="0">
+                <a:solidFill>
+                  <a:srgbClr val="E06C75"/>
+                </a:solidFill>
+                <a:latin typeface="Arial Unicode MS" panose="020B0604020202020204" pitchFamily="34" charset="-122"/>
+              </a:rPr>
+              <a:t>datetime</a:t>
+            </a:r>
+            <a:r>
+              <a:rPr lang="zh-CN" altLang="zh-CN" sz="1100" dirty="0">
+                <a:solidFill>
+                  <a:srgbClr val="ABB2BF"/>
+                </a:solidFill>
+                <a:latin typeface="Arial Unicode MS" panose="020B0604020202020204" pitchFamily="34" charset="-122"/>
+              </a:rPr>
+              <a:t>.</a:t>
+            </a:r>
+            <a:r>
+              <a:rPr lang="zh-CN" altLang="zh-CN" sz="1100" dirty="0">
+                <a:solidFill>
+                  <a:srgbClr val="61AFEF"/>
+                </a:solidFill>
+                <a:latin typeface="Arial Unicode MS" panose="020B0604020202020204" pitchFamily="34" charset="-122"/>
+              </a:rPr>
+              <a:t>timedelta</a:t>
+            </a:r>
+            <a:r>
+              <a:rPr lang="zh-CN" altLang="zh-CN" sz="1100" dirty="0">
+                <a:solidFill>
+                  <a:srgbClr val="ABB2BF"/>
+                </a:solidFill>
+                <a:latin typeface="Arial Unicode MS" panose="020B0604020202020204" pitchFamily="34" charset="-122"/>
+              </a:rPr>
+              <a:t>(</a:t>
+            </a:r>
+            <a:r>
+              <a:rPr lang="zh-CN" altLang="zh-CN" sz="1100" dirty="0">
+                <a:solidFill>
+                  <a:srgbClr val="D19A66"/>
+                </a:solidFill>
+                <a:latin typeface="Arial Unicode MS" panose="020B0604020202020204" pitchFamily="34" charset="-122"/>
+              </a:rPr>
+              <a:t>minutes</a:t>
+            </a:r>
+            <a:r>
+              <a:rPr lang="zh-CN" altLang="zh-CN" sz="1100" dirty="0">
+                <a:solidFill>
+                  <a:srgbClr val="ABB2BF"/>
+                </a:solidFill>
+                <a:latin typeface="Arial Unicode MS" panose="020B0604020202020204" pitchFamily="34" charset="-122"/>
+              </a:rPr>
+              <a:t>=</a:t>
+            </a:r>
+            <a:r>
+              <a:rPr lang="zh-CN" altLang="zh-CN" sz="1100" dirty="0">
+                <a:solidFill>
+                  <a:srgbClr val="D19A66"/>
+                </a:solidFill>
+                <a:latin typeface="Arial Unicode MS" panose="020B0604020202020204" pitchFamily="34" charset="-122"/>
+              </a:rPr>
+              <a:t>15</a:t>
+            </a:r>
+            <a:r>
+              <a:rPr lang="zh-CN" altLang="zh-CN" sz="1100" dirty="0">
+                <a:solidFill>
+                  <a:srgbClr val="ABB2BF"/>
+                </a:solidFill>
+                <a:latin typeface="Arial Unicode MS" panose="020B0604020202020204" pitchFamily="34" charset="-122"/>
+              </a:rPr>
+              <a:t>))</a:t>
+            </a:r>
+          </a:p>
+          <a:p>
+            <a:pPr lvl="0" defTabSz="914400" eaLnBrk="0" fontAlgn="base" hangingPunct="0">
+              <a:spcBef>
+                <a:spcPct val="0"/>
+              </a:spcBef>
+              <a:spcAft>
+                <a:spcPct val="0"/>
+              </a:spcAft>
+            </a:pPr>
+            <a:r>
+              <a:rPr lang="zh-CN" altLang="zh-CN" sz="1100" dirty="0">
+                <a:solidFill>
+                  <a:srgbClr val="ABB2BF"/>
+                </a:solidFill>
+                <a:latin typeface="Arial Unicode MS" panose="020B0604020202020204" pitchFamily="34" charset="-122"/>
+              </a:rPr>
+              <a:t>    </a:t>
+            </a:r>
+            <a:r>
+              <a:rPr lang="zh-CN" altLang="zh-CN" sz="1100" dirty="0">
+                <a:solidFill>
+                  <a:srgbClr val="C678DD"/>
+                </a:solidFill>
+                <a:latin typeface="Arial Unicode MS" panose="020B0604020202020204" pitchFamily="34" charset="-122"/>
+              </a:rPr>
+              <a:t>if</a:t>
+            </a:r>
+            <a:r>
+              <a:rPr lang="zh-CN" altLang="zh-CN" sz="1100" dirty="0">
+                <a:solidFill>
+                  <a:srgbClr val="ABB2BF"/>
+                </a:solidFill>
+                <a:latin typeface="Arial Unicode MS" panose="020B0604020202020204" pitchFamily="34" charset="-122"/>
+              </a:rPr>
+              <a:t> check_time:</a:t>
+            </a:r>
+          </a:p>
+          <a:p>
+            <a:pPr lvl="0" defTabSz="914400" eaLnBrk="0" fontAlgn="base" hangingPunct="0">
+              <a:spcBef>
+                <a:spcPct val="0"/>
+              </a:spcBef>
+              <a:spcAft>
+                <a:spcPct val="0"/>
+              </a:spcAft>
+            </a:pPr>
+            <a:r>
+              <a:rPr lang="zh-CN" altLang="zh-CN" sz="1100" dirty="0">
+                <a:solidFill>
+                  <a:srgbClr val="ABB2BF"/>
+                </a:solidFill>
+                <a:latin typeface="Arial Unicode MS" panose="020B0604020202020204" pitchFamily="34" charset="-122"/>
+              </a:rPr>
+              <a:t>        </a:t>
+            </a:r>
+            <a:r>
+              <a:rPr lang="zh-CN" altLang="zh-CN" sz="1100" dirty="0">
+                <a:solidFill>
+                  <a:srgbClr val="C678DD"/>
+                </a:solidFill>
+                <a:latin typeface="Arial Unicode MS" panose="020B0604020202020204" pitchFamily="34" charset="-122"/>
+              </a:rPr>
+              <a:t>print</a:t>
+            </a:r>
+            <a:r>
+              <a:rPr lang="zh-CN" altLang="zh-CN" sz="1100" dirty="0">
+                <a:solidFill>
+                  <a:srgbClr val="ABB2BF"/>
+                </a:solidFill>
+                <a:latin typeface="Arial Unicode MS" panose="020B0604020202020204" pitchFamily="34" charset="-122"/>
+              </a:rPr>
+              <a:t>(exe_time)</a:t>
+            </a:r>
+          </a:p>
+          <a:p>
+            <a:pPr lvl="0" defTabSz="914400" eaLnBrk="0" fontAlgn="base" hangingPunct="0">
+              <a:spcBef>
+                <a:spcPct val="0"/>
+              </a:spcBef>
+              <a:spcAft>
+                <a:spcPct val="0"/>
+              </a:spcAft>
+            </a:pPr>
+            <a:r>
+              <a:rPr lang="zh-CN" altLang="zh-CN" sz="1100" dirty="0">
+                <a:solidFill>
+                  <a:srgbClr val="ABB2BF"/>
+                </a:solidFill>
+                <a:latin typeface="Arial Unicode MS" panose="020B0604020202020204" pitchFamily="34" charset="-122"/>
+              </a:rPr>
+              <a:t> </a:t>
+            </a:r>
+          </a:p>
+          <a:p>
+            <a:pPr lvl="0" defTabSz="914400" eaLnBrk="0" fontAlgn="base" hangingPunct="0">
+              <a:spcBef>
+                <a:spcPct val="0"/>
+              </a:spcBef>
+              <a:spcAft>
+                <a:spcPct val="0"/>
+              </a:spcAft>
+            </a:pPr>
+            <a:r>
+              <a:rPr lang="zh-CN" altLang="zh-CN" sz="1100" i="1" dirty="0">
+                <a:solidFill>
+                  <a:srgbClr val="5C6370"/>
+                </a:solidFill>
+                <a:latin typeface="Arial Unicode MS" panose="020B0604020202020204" pitchFamily="34" charset="-122"/>
+              </a:rPr>
+              <a:t># sys.exit(0)会让程序退出进程 </a:t>
+            </a:r>
+            <a:endParaRPr lang="zh-CN" altLang="zh-CN" sz="1100" dirty="0">
+              <a:solidFill>
+                <a:srgbClr val="ABB2BF"/>
+              </a:solidFill>
+              <a:latin typeface="Arial Unicode MS" panose="020B0604020202020204" pitchFamily="34" charset="-122"/>
+            </a:endParaRPr>
+          </a:p>
+          <a:p>
+            <a:pPr lvl="0" defTabSz="914400" eaLnBrk="0" fontAlgn="base" hangingPunct="0">
+              <a:spcBef>
+                <a:spcPct val="0"/>
+              </a:spcBef>
+              <a:spcAft>
+                <a:spcPct val="0"/>
+              </a:spcAft>
+            </a:pPr>
+            <a:r>
+              <a:rPr lang="zh-CN" altLang="zh-CN" sz="1100" dirty="0">
+                <a:solidFill>
+                  <a:srgbClr val="C678DD"/>
+                </a:solidFill>
+                <a:latin typeface="Arial Unicode MS" panose="020B0604020202020204" pitchFamily="34" charset="-122"/>
+              </a:rPr>
+              <a:t>for</a:t>
+            </a:r>
+            <a:r>
+              <a:rPr lang="zh-CN" altLang="zh-CN" sz="1100" dirty="0">
+                <a:solidFill>
+                  <a:srgbClr val="ABB2BF"/>
+                </a:solidFill>
+                <a:latin typeface="Arial Unicode MS" panose="020B0604020202020204" pitchFamily="34" charset="-122"/>
+              </a:rPr>
+              <a:t> i </a:t>
+            </a:r>
+            <a:r>
+              <a:rPr lang="zh-CN" altLang="zh-CN" sz="1100" dirty="0">
+                <a:solidFill>
+                  <a:srgbClr val="C678DD"/>
+                </a:solidFill>
+                <a:latin typeface="Arial Unicode MS" panose="020B0604020202020204" pitchFamily="34" charset="-122"/>
+              </a:rPr>
+              <a:t>in</a:t>
+            </a:r>
+            <a:r>
+              <a:rPr lang="zh-CN" altLang="zh-CN" sz="1100" dirty="0">
+                <a:solidFill>
+                  <a:srgbClr val="ABB2BF"/>
+                </a:solidFill>
+                <a:latin typeface="Arial Unicode MS" panose="020B0604020202020204" pitchFamily="34" charset="-122"/>
+              </a:rPr>
+              <a:t> </a:t>
+            </a:r>
+            <a:r>
+              <a:rPr lang="zh-CN" altLang="zh-CN" sz="1100" dirty="0">
+                <a:solidFill>
+                  <a:srgbClr val="56B6C2"/>
+                </a:solidFill>
+                <a:latin typeface="Arial Unicode MS" panose="020B0604020202020204" pitchFamily="34" charset="-122"/>
+              </a:rPr>
+              <a:t>range</a:t>
+            </a:r>
+            <a:r>
+              <a:rPr lang="zh-CN" altLang="zh-CN" sz="1100" dirty="0">
+                <a:solidFill>
+                  <a:srgbClr val="ABB2BF"/>
+                </a:solidFill>
+                <a:latin typeface="Arial Unicode MS" panose="020B0604020202020204" pitchFamily="34" charset="-122"/>
+              </a:rPr>
+              <a:t>(</a:t>
+            </a:r>
+            <a:r>
+              <a:rPr lang="zh-CN" altLang="zh-CN" sz="1100" dirty="0">
+                <a:solidFill>
+                  <a:srgbClr val="D19A66"/>
+                </a:solidFill>
+                <a:latin typeface="Arial Unicode MS" panose="020B0604020202020204" pitchFamily="34" charset="-122"/>
+              </a:rPr>
+              <a:t>8</a:t>
+            </a:r>
+            <a:r>
+              <a:rPr lang="zh-CN" altLang="zh-CN" sz="1100" dirty="0">
+                <a:solidFill>
+                  <a:srgbClr val="ABB2BF"/>
+                </a:solidFill>
+                <a:latin typeface="Arial Unicode MS" panose="020B0604020202020204" pitchFamily="34" charset="-122"/>
+              </a:rPr>
+              <a:t>,</a:t>
+            </a:r>
+            <a:r>
+              <a:rPr lang="zh-CN" altLang="zh-CN" sz="1100" dirty="0">
+                <a:solidFill>
+                  <a:srgbClr val="D19A66"/>
+                </a:solidFill>
+                <a:latin typeface="Arial Unicode MS" panose="020B0604020202020204" pitchFamily="34" charset="-122"/>
+              </a:rPr>
+              <a:t>21</a:t>
+            </a:r>
+            <a:r>
+              <a:rPr lang="zh-CN" altLang="zh-CN" sz="1100" dirty="0">
+                <a:solidFill>
+                  <a:srgbClr val="ABB2BF"/>
+                </a:solidFill>
+                <a:latin typeface="Arial Unicode MS" panose="020B0604020202020204" pitchFamily="34" charset="-122"/>
+              </a:rPr>
+              <a:t>,</a:t>
+            </a:r>
+            <a:r>
+              <a:rPr lang="zh-CN" altLang="zh-CN" sz="1100" dirty="0">
+                <a:solidFill>
+                  <a:srgbClr val="D19A66"/>
+                </a:solidFill>
+                <a:latin typeface="Arial Unicode MS" panose="020B0604020202020204" pitchFamily="34" charset="-122"/>
+              </a:rPr>
+              <a:t>2</a:t>
+            </a:r>
+            <a:r>
+              <a:rPr lang="zh-CN" altLang="zh-CN" sz="1100" dirty="0">
+                <a:solidFill>
+                  <a:srgbClr val="ABB2BF"/>
+                </a:solidFill>
+                <a:latin typeface="Arial Unicode MS" panose="020B0604020202020204" pitchFamily="34" charset="-122"/>
+              </a:rPr>
+              <a:t>):</a:t>
+            </a:r>
+          </a:p>
+          <a:p>
+            <a:pPr lvl="0" defTabSz="914400" eaLnBrk="0" fontAlgn="base" hangingPunct="0">
+              <a:spcBef>
+                <a:spcPct val="0"/>
+              </a:spcBef>
+              <a:spcAft>
+                <a:spcPct val="0"/>
+              </a:spcAft>
+            </a:pPr>
+            <a:r>
+              <a:rPr lang="zh-CN" altLang="zh-CN" sz="1100" dirty="0">
+                <a:solidFill>
+                  <a:srgbClr val="ABB2BF"/>
+                </a:solidFill>
+                <a:latin typeface="Arial Unicode MS" panose="020B0604020202020204" pitchFamily="34" charset="-122"/>
+              </a:rPr>
+              <a:t>    exe_time = </a:t>
+            </a:r>
+            <a:r>
+              <a:rPr lang="zh-CN" altLang="zh-CN" sz="1100" dirty="0">
+                <a:solidFill>
+                  <a:srgbClr val="E06C75"/>
+                </a:solidFill>
+                <a:latin typeface="Arial Unicode MS" panose="020B0604020202020204" pitchFamily="34" charset="-122"/>
+              </a:rPr>
+              <a:t>now</a:t>
+            </a:r>
+            <a:r>
+              <a:rPr lang="zh-CN" altLang="zh-CN" sz="1100" dirty="0">
+                <a:solidFill>
+                  <a:srgbClr val="ABB2BF"/>
+                </a:solidFill>
+                <a:latin typeface="Arial Unicode MS" panose="020B0604020202020204" pitchFamily="34" charset="-122"/>
+              </a:rPr>
+              <a:t>.</a:t>
+            </a:r>
+            <a:r>
+              <a:rPr lang="zh-CN" altLang="zh-CN" sz="1100" dirty="0">
+                <a:solidFill>
+                  <a:srgbClr val="61AFEF"/>
+                </a:solidFill>
+                <a:latin typeface="Arial Unicode MS" panose="020B0604020202020204" pitchFamily="34" charset="-122"/>
+              </a:rPr>
+              <a:t>replace</a:t>
+            </a:r>
+            <a:r>
+              <a:rPr lang="zh-CN" altLang="zh-CN" sz="1100" dirty="0">
+                <a:solidFill>
+                  <a:srgbClr val="ABB2BF"/>
+                </a:solidFill>
+                <a:latin typeface="Arial Unicode MS" panose="020B0604020202020204" pitchFamily="34" charset="-122"/>
+              </a:rPr>
+              <a:t>(</a:t>
+            </a:r>
+            <a:r>
+              <a:rPr lang="zh-CN" altLang="zh-CN" sz="1100" dirty="0">
+                <a:solidFill>
+                  <a:srgbClr val="D19A66"/>
+                </a:solidFill>
+                <a:latin typeface="Arial Unicode MS" panose="020B0604020202020204" pitchFamily="34" charset="-122"/>
+              </a:rPr>
+              <a:t>hour</a:t>
+            </a:r>
+            <a:r>
+              <a:rPr lang="zh-CN" altLang="zh-CN" sz="1100" dirty="0">
+                <a:solidFill>
+                  <a:srgbClr val="ABB2BF"/>
+                </a:solidFill>
+                <a:latin typeface="Arial Unicode MS" panose="020B0604020202020204" pitchFamily="34" charset="-122"/>
+              </a:rPr>
+              <a:t>=i, </a:t>
+            </a:r>
+            <a:r>
+              <a:rPr lang="zh-CN" altLang="zh-CN" sz="1100" dirty="0">
+                <a:solidFill>
+                  <a:srgbClr val="D19A66"/>
+                </a:solidFill>
+                <a:latin typeface="Arial Unicode MS" panose="020B0604020202020204" pitchFamily="34" charset="-122"/>
+              </a:rPr>
+              <a:t>minute</a:t>
+            </a:r>
+            <a:r>
+              <a:rPr lang="zh-CN" altLang="zh-CN" sz="1100" dirty="0">
+                <a:solidFill>
+                  <a:srgbClr val="ABB2BF"/>
+                </a:solidFill>
+                <a:latin typeface="Arial Unicode MS" panose="020B0604020202020204" pitchFamily="34" charset="-122"/>
+              </a:rPr>
+              <a:t>=</a:t>
+            </a:r>
+            <a:r>
+              <a:rPr lang="zh-CN" altLang="zh-CN" sz="1100" dirty="0">
+                <a:solidFill>
+                  <a:srgbClr val="D19A66"/>
+                </a:solidFill>
+                <a:latin typeface="Arial Unicode MS" panose="020B0604020202020204" pitchFamily="34" charset="-122"/>
+              </a:rPr>
+              <a:t>0</a:t>
+            </a:r>
+            <a:r>
+              <a:rPr lang="zh-CN" altLang="zh-CN" sz="1100" dirty="0">
+                <a:solidFill>
+                  <a:srgbClr val="ABB2BF"/>
+                </a:solidFill>
+                <a:latin typeface="Arial Unicode MS" panose="020B0604020202020204" pitchFamily="34" charset="-122"/>
+              </a:rPr>
+              <a:t>, </a:t>
+            </a:r>
+            <a:r>
+              <a:rPr lang="zh-CN" altLang="zh-CN" sz="1100" dirty="0">
+                <a:solidFill>
+                  <a:srgbClr val="D19A66"/>
+                </a:solidFill>
+                <a:latin typeface="Arial Unicode MS" panose="020B0604020202020204" pitchFamily="34" charset="-122"/>
+              </a:rPr>
+              <a:t>second</a:t>
+            </a:r>
+            <a:r>
+              <a:rPr lang="zh-CN" altLang="zh-CN" sz="1100" dirty="0">
+                <a:solidFill>
+                  <a:srgbClr val="ABB2BF"/>
+                </a:solidFill>
+                <a:latin typeface="Arial Unicode MS" panose="020B0604020202020204" pitchFamily="34" charset="-122"/>
+              </a:rPr>
+              <a:t>=</a:t>
+            </a:r>
+            <a:r>
+              <a:rPr lang="zh-CN" altLang="zh-CN" sz="1100" dirty="0">
+                <a:solidFill>
+                  <a:srgbClr val="D19A66"/>
+                </a:solidFill>
+                <a:latin typeface="Arial Unicode MS" panose="020B0604020202020204" pitchFamily="34" charset="-122"/>
+              </a:rPr>
+              <a:t>0</a:t>
+            </a:r>
+            <a:r>
+              <a:rPr lang="zh-CN" altLang="zh-CN" sz="1100" dirty="0">
+                <a:solidFill>
+                  <a:srgbClr val="ABB2BF"/>
+                </a:solidFill>
+                <a:latin typeface="Arial Unicode MS" panose="020B0604020202020204" pitchFamily="34" charset="-122"/>
+              </a:rPr>
+              <a:t>, </a:t>
+            </a:r>
+            <a:r>
+              <a:rPr lang="zh-CN" altLang="zh-CN" sz="1100" dirty="0">
+                <a:solidFill>
+                  <a:srgbClr val="D19A66"/>
+                </a:solidFill>
+                <a:latin typeface="Arial Unicode MS" panose="020B0604020202020204" pitchFamily="34" charset="-122"/>
+              </a:rPr>
+              <a:t>microsecond</a:t>
+            </a:r>
+            <a:r>
+              <a:rPr lang="zh-CN" altLang="zh-CN" sz="1100" dirty="0">
+                <a:solidFill>
+                  <a:srgbClr val="ABB2BF"/>
+                </a:solidFill>
+                <a:latin typeface="Arial Unicode MS" panose="020B0604020202020204" pitchFamily="34" charset="-122"/>
+              </a:rPr>
+              <a:t>=</a:t>
+            </a:r>
+            <a:r>
+              <a:rPr lang="zh-CN" altLang="zh-CN" sz="1100" dirty="0">
+                <a:solidFill>
+                  <a:srgbClr val="D19A66"/>
+                </a:solidFill>
+                <a:latin typeface="Arial Unicode MS" panose="020B0604020202020204" pitchFamily="34" charset="-122"/>
+              </a:rPr>
+              <a:t>0</a:t>
+            </a:r>
+            <a:r>
+              <a:rPr lang="zh-CN" altLang="zh-CN" sz="1100" dirty="0">
+                <a:solidFill>
+                  <a:srgbClr val="ABB2BF"/>
+                </a:solidFill>
+                <a:latin typeface="Arial Unicode MS" panose="020B0604020202020204" pitchFamily="34" charset="-122"/>
+              </a:rPr>
+              <a:t>)</a:t>
+            </a:r>
+          </a:p>
+          <a:p>
+            <a:pPr lvl="0" defTabSz="914400" eaLnBrk="0" fontAlgn="base" hangingPunct="0">
+              <a:spcBef>
+                <a:spcPct val="0"/>
+              </a:spcBef>
+              <a:spcAft>
+                <a:spcPct val="0"/>
+              </a:spcAft>
+            </a:pPr>
+            <a:r>
+              <a:rPr lang="zh-CN" altLang="zh-CN" sz="1100" dirty="0">
+                <a:solidFill>
+                  <a:srgbClr val="ABB2BF"/>
+                </a:solidFill>
+                <a:latin typeface="Arial Unicode MS" panose="020B0604020202020204" pitchFamily="34" charset="-122"/>
+              </a:rPr>
+              <a:t>    check_time = (now &gt; exe_time) </a:t>
+            </a:r>
+            <a:r>
+              <a:rPr lang="zh-CN" altLang="zh-CN" sz="1100" dirty="0">
+                <a:solidFill>
+                  <a:srgbClr val="C678DD"/>
+                </a:solidFill>
+                <a:latin typeface="Arial Unicode MS" panose="020B0604020202020204" pitchFamily="34" charset="-122"/>
+              </a:rPr>
+              <a:t>and</a:t>
+            </a:r>
+            <a:r>
+              <a:rPr lang="zh-CN" altLang="zh-CN" sz="1100" dirty="0">
+                <a:solidFill>
+                  <a:srgbClr val="ABB2BF"/>
+                </a:solidFill>
+                <a:latin typeface="Arial Unicode MS" panose="020B0604020202020204" pitchFamily="34" charset="-122"/>
+              </a:rPr>
+              <a:t> (now &lt; exe_time + </a:t>
+            </a:r>
+            <a:r>
+              <a:rPr lang="zh-CN" altLang="zh-CN" sz="1100" dirty="0">
+                <a:solidFill>
+                  <a:srgbClr val="E06C75"/>
+                </a:solidFill>
+                <a:latin typeface="Arial Unicode MS" panose="020B0604020202020204" pitchFamily="34" charset="-122"/>
+              </a:rPr>
+              <a:t>datetime</a:t>
+            </a:r>
+            <a:r>
+              <a:rPr lang="zh-CN" altLang="zh-CN" sz="1100" dirty="0">
+                <a:solidFill>
+                  <a:srgbClr val="ABB2BF"/>
+                </a:solidFill>
+                <a:latin typeface="Arial Unicode MS" panose="020B0604020202020204" pitchFamily="34" charset="-122"/>
+              </a:rPr>
+              <a:t>.</a:t>
+            </a:r>
+            <a:r>
+              <a:rPr lang="zh-CN" altLang="zh-CN" sz="1100" dirty="0">
+                <a:solidFill>
+                  <a:srgbClr val="61AFEF"/>
+                </a:solidFill>
+                <a:latin typeface="Arial Unicode MS" panose="020B0604020202020204" pitchFamily="34" charset="-122"/>
+              </a:rPr>
+              <a:t>timedelta</a:t>
+            </a:r>
+            <a:r>
+              <a:rPr lang="zh-CN" altLang="zh-CN" sz="1100" dirty="0">
+                <a:solidFill>
+                  <a:srgbClr val="ABB2BF"/>
+                </a:solidFill>
+                <a:latin typeface="Arial Unicode MS" panose="020B0604020202020204" pitchFamily="34" charset="-122"/>
+              </a:rPr>
+              <a:t>(</a:t>
+            </a:r>
+            <a:r>
+              <a:rPr lang="zh-CN" altLang="zh-CN" sz="1100" dirty="0">
+                <a:solidFill>
+                  <a:srgbClr val="D19A66"/>
+                </a:solidFill>
+                <a:latin typeface="Arial Unicode MS" panose="020B0604020202020204" pitchFamily="34" charset="-122"/>
+              </a:rPr>
+              <a:t>minutes</a:t>
+            </a:r>
+            <a:r>
+              <a:rPr lang="zh-CN" altLang="zh-CN" sz="1100" dirty="0">
+                <a:solidFill>
+                  <a:srgbClr val="ABB2BF"/>
+                </a:solidFill>
+                <a:latin typeface="Arial Unicode MS" panose="020B0604020202020204" pitchFamily="34" charset="-122"/>
+              </a:rPr>
+              <a:t>=</a:t>
+            </a:r>
+            <a:r>
+              <a:rPr lang="zh-CN" altLang="zh-CN" sz="1100" dirty="0">
+                <a:solidFill>
+                  <a:srgbClr val="D19A66"/>
+                </a:solidFill>
+                <a:latin typeface="Arial Unicode MS" panose="020B0604020202020204" pitchFamily="34" charset="-122"/>
+              </a:rPr>
+              <a:t>15</a:t>
+            </a:r>
+            <a:r>
+              <a:rPr lang="zh-CN" altLang="zh-CN" sz="1100" dirty="0">
+                <a:solidFill>
+                  <a:srgbClr val="ABB2BF"/>
+                </a:solidFill>
+                <a:latin typeface="Arial Unicode MS" panose="020B0604020202020204" pitchFamily="34" charset="-122"/>
+              </a:rPr>
+              <a:t>))</a:t>
+            </a:r>
+          </a:p>
+          <a:p>
+            <a:pPr lvl="0" defTabSz="914400" eaLnBrk="0" fontAlgn="base" hangingPunct="0">
+              <a:spcBef>
+                <a:spcPct val="0"/>
+              </a:spcBef>
+              <a:spcAft>
+                <a:spcPct val="0"/>
+              </a:spcAft>
+            </a:pPr>
+            <a:r>
+              <a:rPr lang="zh-CN" altLang="zh-CN" sz="1100" dirty="0">
+                <a:solidFill>
+                  <a:srgbClr val="ABB2BF"/>
+                </a:solidFill>
+                <a:latin typeface="Arial Unicode MS" panose="020B0604020202020204" pitchFamily="34" charset="-122"/>
+              </a:rPr>
+              <a:t>    </a:t>
+            </a:r>
+            <a:r>
+              <a:rPr lang="zh-CN" altLang="zh-CN" sz="1100" dirty="0">
+                <a:solidFill>
+                  <a:srgbClr val="C678DD"/>
+                </a:solidFill>
+                <a:latin typeface="Arial Unicode MS" panose="020B0604020202020204" pitchFamily="34" charset="-122"/>
+              </a:rPr>
+              <a:t>if</a:t>
+            </a:r>
+            <a:r>
+              <a:rPr lang="zh-CN" altLang="zh-CN" sz="1100" dirty="0">
+                <a:solidFill>
+                  <a:srgbClr val="ABB2BF"/>
+                </a:solidFill>
+                <a:latin typeface="Arial Unicode MS" panose="020B0604020202020204" pitchFamily="34" charset="-122"/>
+              </a:rPr>
+              <a:t> </a:t>
+            </a:r>
+            <a:r>
+              <a:rPr lang="zh-CN" altLang="zh-CN" sz="1100" dirty="0">
+                <a:solidFill>
+                  <a:srgbClr val="C678DD"/>
+                </a:solidFill>
+                <a:latin typeface="Arial Unicode MS" panose="020B0604020202020204" pitchFamily="34" charset="-122"/>
+              </a:rPr>
+              <a:t>not</a:t>
+            </a:r>
+            <a:r>
+              <a:rPr lang="zh-CN" altLang="zh-CN" sz="1100" dirty="0">
+                <a:solidFill>
+                  <a:srgbClr val="ABB2BF"/>
+                </a:solidFill>
+                <a:latin typeface="Arial Unicode MS" panose="020B0604020202020204" pitchFamily="34" charset="-122"/>
+              </a:rPr>
+              <a:t> check_time:</a:t>
+            </a:r>
+          </a:p>
+          <a:p>
+            <a:pPr lvl="0" defTabSz="914400" eaLnBrk="0" fontAlgn="base" hangingPunct="0">
+              <a:spcBef>
+                <a:spcPct val="0"/>
+              </a:spcBef>
+              <a:spcAft>
+                <a:spcPct val="0"/>
+              </a:spcAft>
+            </a:pPr>
+            <a:r>
+              <a:rPr lang="zh-CN" altLang="zh-CN" sz="1100" dirty="0">
+                <a:solidFill>
+                  <a:srgbClr val="ABB2BF"/>
+                </a:solidFill>
+                <a:latin typeface="Arial Unicode MS" panose="020B0604020202020204" pitchFamily="34" charset="-122"/>
+              </a:rPr>
+              <a:t>        </a:t>
+            </a:r>
+            <a:r>
+              <a:rPr lang="zh-CN" altLang="zh-CN" sz="1100" dirty="0">
+                <a:solidFill>
+                  <a:srgbClr val="C678DD"/>
+                </a:solidFill>
+                <a:latin typeface="Arial Unicode MS" panose="020B0604020202020204" pitchFamily="34" charset="-122"/>
+              </a:rPr>
+              <a:t>print</a:t>
+            </a:r>
+            <a:r>
+              <a:rPr lang="zh-CN" altLang="zh-CN" sz="1100" dirty="0">
+                <a:solidFill>
+                  <a:srgbClr val="ABB2BF"/>
+                </a:solidFill>
+                <a:latin typeface="Arial Unicode MS" panose="020B0604020202020204" pitchFamily="34" charset="-122"/>
+              </a:rPr>
+              <a:t>(</a:t>
+            </a:r>
+            <a:r>
+              <a:rPr lang="zh-CN" altLang="zh-CN" sz="1100" dirty="0">
+                <a:solidFill>
+                  <a:srgbClr val="98C379"/>
+                </a:solidFill>
+                <a:latin typeface="Arial Unicode MS" panose="020B0604020202020204" pitchFamily="34" charset="-122"/>
+              </a:rPr>
+              <a:t>u'不在执行时间'</a:t>
+            </a:r>
+            <a:r>
+              <a:rPr lang="zh-CN" altLang="zh-CN" sz="1100" dirty="0">
+                <a:solidFill>
+                  <a:srgbClr val="ABB2BF"/>
+                </a:solidFill>
+                <a:latin typeface="Arial Unicode MS" panose="020B0604020202020204" pitchFamily="34" charset="-122"/>
+              </a:rPr>
+              <a:t>)</a:t>
+            </a:r>
+          </a:p>
+          <a:p>
+            <a:pPr lvl="0" defTabSz="914400" eaLnBrk="0" fontAlgn="base" hangingPunct="0">
+              <a:spcBef>
+                <a:spcPct val="0"/>
+              </a:spcBef>
+              <a:spcAft>
+                <a:spcPct val="0"/>
+              </a:spcAft>
+            </a:pPr>
+            <a:r>
+              <a:rPr lang="zh-CN" altLang="zh-CN" sz="1100" dirty="0">
+                <a:solidFill>
+                  <a:srgbClr val="ABB2BF"/>
+                </a:solidFill>
+                <a:latin typeface="Arial Unicode MS" panose="020B0604020202020204" pitchFamily="34" charset="-122"/>
+              </a:rPr>
+              <a:t>        </a:t>
+            </a:r>
+            <a:r>
+              <a:rPr lang="zh-CN" altLang="zh-CN" sz="1100" dirty="0">
+                <a:solidFill>
+                  <a:srgbClr val="E06C75"/>
+                </a:solidFill>
+                <a:latin typeface="Arial Unicode MS" panose="020B0604020202020204" pitchFamily="34" charset="-122"/>
+              </a:rPr>
+              <a:t>sys</a:t>
+            </a:r>
+            <a:r>
+              <a:rPr lang="zh-CN" altLang="zh-CN" sz="1100" dirty="0">
+                <a:solidFill>
+                  <a:srgbClr val="ABB2BF"/>
+                </a:solidFill>
+                <a:latin typeface="Arial Unicode MS" panose="020B0604020202020204" pitchFamily="34" charset="-122"/>
+              </a:rPr>
+              <a:t>.</a:t>
+            </a:r>
+            <a:r>
+              <a:rPr lang="zh-CN" altLang="zh-CN" sz="1100" dirty="0">
+                <a:solidFill>
+                  <a:srgbClr val="61AFEF"/>
+                </a:solidFill>
+                <a:latin typeface="Arial Unicode MS" panose="020B0604020202020204" pitchFamily="34" charset="-122"/>
+              </a:rPr>
+              <a:t>exit</a:t>
+            </a:r>
+            <a:r>
+              <a:rPr lang="zh-CN" altLang="zh-CN" sz="1100" dirty="0">
+                <a:solidFill>
+                  <a:srgbClr val="ABB2BF"/>
+                </a:solidFill>
+                <a:latin typeface="Arial Unicode MS" panose="020B0604020202020204" pitchFamily="34" charset="-122"/>
+              </a:rPr>
+              <a:t>(</a:t>
+            </a:r>
+            <a:r>
+              <a:rPr lang="zh-CN" altLang="zh-CN" sz="1100" dirty="0">
+                <a:solidFill>
+                  <a:srgbClr val="D19A66"/>
+                </a:solidFill>
+                <a:latin typeface="Arial Unicode MS" panose="020B0604020202020204" pitchFamily="34" charset="-122"/>
+              </a:rPr>
+              <a:t>0</a:t>
+            </a:r>
+            <a:r>
+              <a:rPr lang="zh-CN" altLang="zh-CN" sz="1100" dirty="0">
+                <a:solidFill>
+                  <a:srgbClr val="ABB2BF"/>
+                </a:solidFill>
+                <a:latin typeface="Arial Unicode MS" panose="020B0604020202020204" pitchFamily="34" charset="-122"/>
+              </a:rPr>
+              <a:t>)</a:t>
+            </a:r>
+            <a:endParaRPr lang="zh-CN" altLang="zh-CN" sz="1100" dirty="0">
+              <a:latin typeface="Arial" panose="020B0604020202020204" pitchFamily="34" charset="0"/>
+            </a:endParaRPr>
+          </a:p>
+        </p:txBody>
+      </p:sp>
+    </p:spTree>
+    <p:extLst>
+      <p:ext uri="{BB962C8B-B14F-4D97-AF65-F5344CB8AC3E}">
+        <p14:creationId xmlns:p14="http://schemas.microsoft.com/office/powerpoint/2010/main" val="2393942129"/>
+      </p:ext>
+    </p:extLst>
+  </p:cSld>
+  <p:clrMapOvr>
+    <a:masterClrMapping/>
+  </p:clrMapOvr>
+  <mc:AlternateContent xmlns:mc="http://schemas.openxmlformats.org/markup-compatibility/2006" xmlns:p14="http://schemas.microsoft.com/office/powerpoint/2010/main">
+    <mc:Choice Requires="p14">
+      <p:transition spd="med" p14:dur="700">
+        <p:fade/>
+      </p:transition>
+    </mc:Choice>
+    <mc:Fallback xmlns="">
+      <p:transition spd="med">
+        <p:fade/>
+      </p:transition>
+    </mc:Fallback>
+  </mc:AlternateContent>
+</p:sld>
+</file>
+
+<file path=ppt/slides/slide18.xml><?xml version="1.0" encoding="utf-8"?>
+<p:sld xmlns:a="http://schemas.openxmlformats.org/drawingml/2006/main" xmlns:r="http://schemas.openxmlformats.org/officeDocument/2006/relationships" xmlns:p="http://schemas.openxmlformats.org/presentationml/2006/main">
+  <p:cSld>
+    <p:spTree>
+      <p:nvGrpSpPr>
+        <p:cNvPr id="1" name=""/>
+        <p:cNvGrpSpPr/>
+        <p:nvPr/>
+      </p:nvGrpSpPr>
+      <p:grpSpPr>
+        <a:xfrm>
+          <a:off x="0" y="0"/>
+          <a:ext cx="0" cy="0"/>
+          <a:chOff x="0" y="0"/>
+          <a:chExt cx="0" cy="0"/>
+        </a:xfrm>
+      </p:grpSpPr>
+      <p:sp>
+        <p:nvSpPr>
+          <p:cNvPr id="2" name="标题 1"/>
+          <p:cNvSpPr>
+            <a:spLocks noGrp="1"/>
+          </p:cNvSpPr>
+          <p:nvPr>
+            <p:ph type="title"/>
+          </p:nvPr>
+        </p:nvSpPr>
+        <p:spPr>
+          <a:xfrm>
+            <a:off x="353943" y="76200"/>
+            <a:ext cx="11486632" cy="736428"/>
+          </a:xfrm>
+        </p:spPr>
+        <p:txBody>
+          <a:bodyPr rtlCol="0">
+            <a:normAutofit/>
+          </a:bodyPr>
+          <a:lstStyle/>
+          <a:p>
+            <a:r>
+              <a:rPr lang="zh-CN" altLang="en-US" sz="2800" dirty="0"/>
+              <a:t>六、组织</a:t>
+            </a:r>
+            <a:r>
+              <a:rPr lang="en-US" altLang="zh-CN" sz="2800" dirty="0"/>
+              <a:t>python</a:t>
+            </a:r>
+            <a:r>
+              <a:rPr lang="zh-CN" altLang="en-US" sz="2800" dirty="0"/>
+              <a:t>代码</a:t>
+            </a:r>
+            <a:endParaRPr lang="en-US" altLang="zh-CN" sz="2800" dirty="0"/>
+          </a:p>
+        </p:txBody>
+      </p:sp>
+      <p:sp>
+        <p:nvSpPr>
+          <p:cNvPr id="35" name="标题 1">
+            <a:extLst>
+              <a:ext uri="{FF2B5EF4-FFF2-40B4-BE49-F238E27FC236}">
+                <a16:creationId xmlns:a16="http://schemas.microsoft.com/office/drawing/2014/main" id="{DBA25653-C419-4947-9450-ACD83BDD189F}"/>
+              </a:ext>
+            </a:extLst>
+          </p:cNvPr>
+          <p:cNvSpPr txBox="1">
+            <a:spLocks/>
+          </p:cNvSpPr>
+          <p:nvPr/>
+        </p:nvSpPr>
+        <p:spPr>
+          <a:xfrm>
+            <a:off x="1053852" y="775118"/>
+            <a:ext cx="10786723" cy="493642"/>
+          </a:xfrm>
+          <a:prstGeom prst="rect">
+            <a:avLst/>
+          </a:prstGeom>
+        </p:spPr>
+        <p:txBody>
+          <a:bodyPr vert="horz" lIns="121899" tIns="60949" rIns="121899" bIns="60949" rtlCol="0" anchor="b">
+            <a:normAutofit/>
+          </a:bodyPr>
+          <a:lstStyle>
+            <a:lvl1pPr algn="l" defTabSz="1218987" rtl="0" eaLnBrk="1" latinLnBrk="0" hangingPunct="1">
+              <a:lnSpc>
+                <a:spcPct val="85000"/>
+              </a:lnSpc>
+              <a:spcBef>
+                <a:spcPct val="0"/>
+              </a:spcBef>
+              <a:buNone/>
+              <a:tabLst/>
+              <a:defRPr sz="4400" kern="1200" cap="none" baseline="0">
+                <a:solidFill>
+                  <a:schemeClr val="tx1"/>
+                </a:solidFill>
+                <a:latin typeface="微软雅黑" panose="020B0503020204020204" pitchFamily="34" charset="-122"/>
+                <a:ea typeface="微软雅黑" panose="020B0503020204020204" pitchFamily="34" charset="-122"/>
+                <a:cs typeface="+mj-cs"/>
+              </a:defRPr>
+            </a:lvl1pPr>
+          </a:lstStyle>
+          <a:p>
+            <a:r>
+              <a:rPr lang="en-US" altLang="zh-CN" sz="2000" dirty="0"/>
+              <a:t>4</a:t>
+            </a:r>
+            <a:r>
+              <a:rPr lang="zh-CN" altLang="en-US" sz="2000" dirty="0"/>
               <a:t>、申请的企业号维护会话信息</a:t>
             </a:r>
             <a:endParaRPr lang="en-US" altLang="zh-CN" sz="2000" dirty="0"/>
@@ -15943,7 +18248,7 @@
 </p:sld>
 </file>
 
-<file path=ppt/slides/slide18.xml><?xml version="1.0" encoding="utf-8"?>
+<file path=ppt/slides/slide19.xml><?xml version="1.0" encoding="utf-8"?>
 <p:sld xmlns:a="http://schemas.openxmlformats.org/drawingml/2006/main" xmlns:r="http://schemas.openxmlformats.org/officeDocument/2006/relationships" xmlns:p="http://schemas.openxmlformats.org/presentationml/2006/main">
   <p:cSld>
     <p:spTree>
@@ -16501,7 +18806,310 @@
 </p:sld>
 </file>
 
-<file path=ppt/slides/slide19.xml><?xml version="1.0" encoding="utf-8"?>
+<file path=ppt/slides/slide2.xml><?xml version="1.0" encoding="utf-8"?>
+<p:sld xmlns:a="http://schemas.openxmlformats.org/drawingml/2006/main" xmlns:r="http://schemas.openxmlformats.org/officeDocument/2006/relationships" xmlns:p="http://schemas.openxmlformats.org/presentationml/2006/main">
+  <p:cSld>
+    <p:spTree>
+      <p:nvGrpSpPr>
+        <p:cNvPr id="1" name=""/>
+        <p:cNvGrpSpPr/>
+        <p:nvPr/>
+      </p:nvGrpSpPr>
+      <p:grpSpPr>
+        <a:xfrm>
+          <a:off x="0" y="0"/>
+          <a:ext cx="0" cy="0"/>
+          <a:chOff x="0" y="0"/>
+          <a:chExt cx="0" cy="0"/>
+        </a:xfrm>
+      </p:grpSpPr>
+      <p:sp>
+        <p:nvSpPr>
+          <p:cNvPr id="13" name="标题 12"/>
+          <p:cNvSpPr>
+            <a:spLocks noGrp="1"/>
+          </p:cNvSpPr>
+          <p:nvPr>
+            <p:ph type="title"/>
+          </p:nvPr>
+        </p:nvSpPr>
+        <p:spPr/>
+        <p:txBody>
+          <a:bodyPr rtlCol="0"/>
+          <a:lstStyle/>
+          <a:p>
+            <a:pPr rtl="0"/>
+            <a:r>
+              <a:rPr lang="zh-CN" altLang="en-US" dirty="0"/>
+              <a:t>主要内容</a:t>
+            </a:r>
+            <a:endParaRPr lang="en-US" dirty="0">
+              <a:latin typeface="微软雅黑" panose="020B0503020204020204" pitchFamily="34" charset="-122"/>
+              <a:ea typeface="微软雅黑" panose="020B0503020204020204" pitchFamily="34" charset="-122"/>
+            </a:endParaRPr>
+          </a:p>
+        </p:txBody>
+      </p:sp>
+      <p:sp>
+        <p:nvSpPr>
+          <p:cNvPr id="14" name="内容占位符 13"/>
+          <p:cNvSpPr>
+            <a:spLocks noGrp="1"/>
+          </p:cNvSpPr>
+          <p:nvPr>
+            <p:ph idx="1"/>
+          </p:nvPr>
+        </p:nvSpPr>
+        <p:spPr/>
+        <p:txBody>
+          <a:bodyPr rtlCol="0">
+            <a:normAutofit lnSpcReduction="10000"/>
+          </a:bodyPr>
+          <a:lstStyle/>
+          <a:p>
+            <a:pPr rtl="0"/>
+            <a:r>
+              <a:rPr lang="zh-CN" altLang="en-US" dirty="0">
+                <a:latin typeface="微软雅黑" panose="020B0503020204020204" pitchFamily="34" charset="-122"/>
+                <a:ea typeface="微软雅黑" panose="020B0503020204020204" pitchFamily="34" charset="-122"/>
+              </a:rPr>
+              <a:t>一、</a:t>
+            </a:r>
+            <a:r>
+              <a:rPr lang="en-US" altLang="zh-CN" dirty="0">
+                <a:latin typeface="微软雅黑" panose="020B0503020204020204" pitchFamily="34" charset="-122"/>
+                <a:ea typeface="微软雅黑" panose="020B0503020204020204" pitchFamily="34" charset="-122"/>
+              </a:rPr>
+              <a:t>http</a:t>
+            </a:r>
+            <a:r>
+              <a:rPr lang="zh-CN" altLang="en-US" dirty="0">
+                <a:latin typeface="微软雅黑" panose="020B0503020204020204" pitchFamily="34" charset="-122"/>
+                <a:ea typeface="微软雅黑" panose="020B0503020204020204" pitchFamily="34" charset="-122"/>
+              </a:rPr>
+              <a:t>协议简单介绍</a:t>
+            </a:r>
+            <a:endParaRPr lang="en-US" altLang="zh-CN" dirty="0">
+              <a:latin typeface="微软雅黑" panose="020B0503020204020204" pitchFamily="34" charset="-122"/>
+              <a:ea typeface="微软雅黑" panose="020B0503020204020204" pitchFamily="34" charset="-122"/>
+            </a:endParaRPr>
+          </a:p>
+          <a:p>
+            <a:pPr rtl="0"/>
+            <a:r>
+              <a:rPr lang="zh-CN" altLang="en-US" dirty="0"/>
+              <a:t>二</a:t>
+            </a:r>
+            <a:r>
+              <a:rPr lang="zh-CN" altLang="en-US" dirty="0">
+                <a:latin typeface="微软雅黑" panose="020B0503020204020204" pitchFamily="34" charset="-122"/>
+                <a:ea typeface="微软雅黑" panose="020B0503020204020204" pitchFamily="34" charset="-122"/>
+              </a:rPr>
+              <a:t>、钉钉群自定义机器人开发</a:t>
+            </a:r>
+            <a:endParaRPr lang="en-US" altLang="zh-CN" dirty="0">
+              <a:latin typeface="微软雅黑" panose="020B0503020204020204" pitchFamily="34" charset="-122"/>
+              <a:ea typeface="微软雅黑" panose="020B0503020204020204" pitchFamily="34" charset="-122"/>
+            </a:endParaRPr>
+          </a:p>
+          <a:p>
+            <a:r>
+              <a:rPr lang="zh-CN" altLang="en-US" dirty="0"/>
+              <a:t>三、企业会话消息发送</a:t>
+            </a:r>
+            <a:endParaRPr lang="en-US" altLang="zh-CN" dirty="0"/>
+          </a:p>
+          <a:p>
+            <a:r>
+              <a:rPr lang="zh-CN" altLang="en-US" dirty="0"/>
+              <a:t>四、消息群发</a:t>
+            </a:r>
+            <a:endParaRPr lang="en-US" altLang="zh-CN" dirty="0"/>
+          </a:p>
+          <a:p>
+            <a:r>
+              <a:rPr lang="zh-CN" altLang="en-US" dirty="0"/>
+              <a:t>五、文档地址</a:t>
+            </a:r>
+            <a:endParaRPr lang="en-US" altLang="zh-CN" dirty="0"/>
+          </a:p>
+          <a:p>
+            <a:r>
+              <a:rPr lang="zh-CN" altLang="en-US" dirty="0"/>
+              <a:t>六、组织</a:t>
+            </a:r>
+            <a:r>
+              <a:rPr lang="en-US" altLang="zh-CN" dirty="0"/>
+              <a:t>python</a:t>
+            </a:r>
+            <a:r>
+              <a:rPr lang="zh-CN" altLang="en-US" dirty="0"/>
+              <a:t>代码</a:t>
+            </a:r>
+            <a:endParaRPr lang="zh-cn" dirty="0">
+              <a:latin typeface="微软雅黑" panose="020B0503020204020204" pitchFamily="34" charset="-122"/>
+              <a:ea typeface="微软雅黑" panose="020B0503020204020204" pitchFamily="34" charset="-122"/>
+            </a:endParaRPr>
+          </a:p>
+          <a:p>
+            <a:pPr rtl="0"/>
+            <a:r>
+              <a:rPr lang="zh-CN" altLang="en-US" dirty="0">
+                <a:latin typeface="微软雅黑" panose="020B0503020204020204" pitchFamily="34" charset="-122"/>
+                <a:ea typeface="微软雅黑" panose="020B0503020204020204" pitchFamily="34" charset="-122"/>
+              </a:rPr>
+              <a:t>七、远程执行</a:t>
+            </a:r>
+            <a:r>
+              <a:rPr lang="en-US" altLang="zh-CN" dirty="0" err="1">
+                <a:latin typeface="微软雅黑" panose="020B0503020204020204" pitchFamily="34" charset="-122"/>
+                <a:ea typeface="微软雅黑" panose="020B0503020204020204" pitchFamily="34" charset="-122"/>
+              </a:rPr>
+              <a:t>jupyter</a:t>
+            </a:r>
+            <a:r>
+              <a:rPr lang="zh-CN" altLang="en-US" dirty="0">
+                <a:latin typeface="微软雅黑" panose="020B0503020204020204" pitchFamily="34" charset="-122"/>
+                <a:ea typeface="微软雅黑" panose="020B0503020204020204" pitchFamily="34" charset="-122"/>
+              </a:rPr>
+              <a:t>代码</a:t>
+            </a:r>
+            <a:endParaRPr lang="en-US" altLang="zh-CN" dirty="0">
+              <a:latin typeface="微软雅黑" panose="020B0503020204020204" pitchFamily="34" charset="-122"/>
+              <a:ea typeface="微软雅黑" panose="020B0503020204020204" pitchFamily="34" charset="-122"/>
+            </a:endParaRPr>
+          </a:p>
+          <a:p>
+            <a:pPr rtl="0"/>
+            <a:r>
+              <a:rPr lang="zh-CN" altLang="en-US" dirty="0"/>
+              <a:t>八、聊聊微信</a:t>
+            </a:r>
+            <a:endParaRPr lang="en-US" dirty="0">
+              <a:latin typeface="微软雅黑" panose="020B0503020204020204" pitchFamily="34" charset="-122"/>
+              <a:ea typeface="微软雅黑" panose="020B0503020204020204" pitchFamily="34" charset="-122"/>
+            </a:endParaRPr>
+          </a:p>
+        </p:txBody>
+      </p:sp>
+      <p:sp>
+        <p:nvSpPr>
+          <p:cNvPr id="4" name="标题 1">
+            <a:extLst>
+              <a:ext uri="{FF2B5EF4-FFF2-40B4-BE49-F238E27FC236}">
+                <a16:creationId xmlns:a16="http://schemas.microsoft.com/office/drawing/2014/main" id="{1E101CCB-11A0-4CB6-856D-E24060769143}"/>
+              </a:ext>
+            </a:extLst>
+          </p:cNvPr>
+          <p:cNvSpPr txBox="1">
+            <a:spLocks/>
+          </p:cNvSpPr>
+          <p:nvPr/>
+        </p:nvSpPr>
+        <p:spPr>
+          <a:xfrm>
+            <a:off x="1053851" y="6228160"/>
+            <a:ext cx="10786723" cy="493642"/>
+          </a:xfrm>
+          <a:prstGeom prst="rect">
+            <a:avLst/>
+          </a:prstGeom>
+        </p:spPr>
+        <p:txBody>
+          <a:bodyPr vert="horz" lIns="121899" tIns="60949" rIns="121899" bIns="60949" rtlCol="0" anchor="b">
+            <a:normAutofit/>
+          </a:bodyPr>
+          <a:lstStyle>
+            <a:lvl1pPr algn="l" defTabSz="1218987" rtl="0" eaLnBrk="1" latinLnBrk="0" hangingPunct="1">
+              <a:lnSpc>
+                <a:spcPct val="85000"/>
+              </a:lnSpc>
+              <a:spcBef>
+                <a:spcPct val="0"/>
+              </a:spcBef>
+              <a:buNone/>
+              <a:tabLst/>
+              <a:defRPr sz="4400" kern="1200" cap="none" baseline="0">
+                <a:solidFill>
+                  <a:schemeClr val="tx1"/>
+                </a:solidFill>
+                <a:latin typeface="微软雅黑" panose="020B0503020204020204" pitchFamily="34" charset="-122"/>
+                <a:ea typeface="微软雅黑" panose="020B0503020204020204" pitchFamily="34" charset="-122"/>
+                <a:cs typeface="+mj-cs"/>
+              </a:defRPr>
+            </a:lvl1pPr>
+          </a:lstStyle>
+          <a:p>
+            <a:r>
+              <a:rPr lang="zh-CN" altLang="en-US" sz="2000" dirty="0"/>
+              <a:t>注意：</a:t>
+            </a:r>
+            <a:r>
+              <a:rPr lang="en-US" altLang="zh-CN" sz="2000" dirty="0"/>
+              <a:t>ppt</a:t>
+            </a:r>
+            <a:r>
+              <a:rPr lang="zh-CN" altLang="en-US" sz="2000" dirty="0"/>
+              <a:t>中的代码直接</a:t>
+            </a:r>
+            <a:r>
+              <a:rPr lang="en-US" altLang="zh-CN" sz="2000" dirty="0"/>
+              <a:t>copy</a:t>
+            </a:r>
+            <a:r>
+              <a:rPr lang="zh-CN" altLang="en-US" sz="2000" dirty="0"/>
+              <a:t>可能会有格式问题，建议</a:t>
+            </a:r>
+            <a:r>
+              <a:rPr lang="en-US" altLang="zh-CN" sz="2000" dirty="0"/>
+              <a:t>copy</a:t>
+            </a:r>
+            <a:r>
+              <a:rPr lang="zh-CN" altLang="en-US" sz="2000" dirty="0"/>
+              <a:t>对应</a:t>
+            </a:r>
+            <a:r>
+              <a:rPr lang="en-US" altLang="zh-CN" sz="2000" dirty="0" err="1"/>
+              <a:t>py</a:t>
+            </a:r>
+            <a:r>
+              <a:rPr lang="zh-CN" altLang="en-US" sz="2000"/>
+              <a:t>文件中的</a:t>
+            </a:r>
+            <a:r>
+              <a:rPr lang="zh-CN" altLang="en-US" sz="2000" dirty="0"/>
+              <a:t>代码</a:t>
+            </a:r>
+            <a:endParaRPr lang="en-US" altLang="zh-CN" sz="2000" dirty="0"/>
+          </a:p>
+        </p:txBody>
+      </p:sp>
+    </p:spTree>
+    <p:extLst>
+      <p:ext uri="{BB962C8B-B14F-4D97-AF65-F5344CB8AC3E}">
+        <p14:creationId xmlns:p14="http://schemas.microsoft.com/office/powerpoint/2010/main" val="711182959"/>
+      </p:ext>
+    </p:extLst>
+  </p:cSld>
+  <p:clrMapOvr>
+    <a:masterClrMapping/>
+  </p:clrMapOvr>
+  <mc:AlternateContent xmlns:mc="http://schemas.openxmlformats.org/markup-compatibility/2006" xmlns:p14="http://schemas.microsoft.com/office/powerpoint/2010/main">
+    <mc:Choice Requires="p14">
+      <p:transition spd="med" p14:dur="700">
+        <p:fade/>
+      </p:transition>
+    </mc:Choice>
+    <mc:Fallback xmlns="">
+      <p:transition spd="med">
+        <p:fade/>
+      </p:transition>
+    </mc:Fallback>
+  </mc:AlternateContent>
+</p:sld>
+</file>
+
+<file path=ppt/slides/slide20.xml><?xml version="1.0" encoding="utf-8"?>
 <p:sld xmlns:a="http://schemas.openxmlformats.org/drawingml/2006/main" xmlns:r="http://schemas.openxmlformats.org/officeDocument/2006/relationships" xmlns:p="http://schemas.openxmlformats.org/presentationml/2006/main">
   <p:cSld>
     <p:spTree>
@@ -17236,310 +19844,7 @@
 </p:sld>
 </file>
 
-<file path=ppt/slides/slide2.xml><?xml version="1.0" encoding="utf-8"?>
-<p:sld xmlns:a="http://schemas.openxmlformats.org/drawingml/2006/main" xmlns:r="http://schemas.openxmlformats.org/officeDocument/2006/relationships" xmlns:p="http://schemas.openxmlformats.org/presentationml/2006/main">
-  <p:cSld>
-    <p:spTree>
-      <p:nvGrpSpPr>
-        <p:cNvPr id="1" name=""/>
-        <p:cNvGrpSpPr/>
-        <p:nvPr/>
-      </p:nvGrpSpPr>
-      <p:grpSpPr>
-        <a:xfrm>
-          <a:off x="0" y="0"/>
-          <a:ext cx="0" cy="0"/>
-          <a:chOff x="0" y="0"/>
-          <a:chExt cx="0" cy="0"/>
-        </a:xfrm>
-      </p:grpSpPr>
-      <p:sp>
-        <p:nvSpPr>
-          <p:cNvPr id="13" name="标题 12"/>
-          <p:cNvSpPr>
-            <a:spLocks noGrp="1"/>
-          </p:cNvSpPr>
-          <p:nvPr>
-            <p:ph type="title"/>
-          </p:nvPr>
-        </p:nvSpPr>
-        <p:spPr/>
-        <p:txBody>
-          <a:bodyPr rtlCol="0"/>
-          <a:lstStyle/>
-          <a:p>
-            <a:pPr rtl="0"/>
-            <a:r>
-              <a:rPr lang="zh-CN" altLang="en-US" dirty="0"/>
-              <a:t>主要内容</a:t>
-            </a:r>
-            <a:endParaRPr lang="en-US" dirty="0">
-              <a:latin typeface="微软雅黑" panose="020B0503020204020204" pitchFamily="34" charset="-122"/>
-              <a:ea typeface="微软雅黑" panose="020B0503020204020204" pitchFamily="34" charset="-122"/>
-            </a:endParaRPr>
-          </a:p>
-        </p:txBody>
-      </p:sp>
-      <p:sp>
-        <p:nvSpPr>
-          <p:cNvPr id="14" name="内容占位符 13"/>
-          <p:cNvSpPr>
-            <a:spLocks noGrp="1"/>
-          </p:cNvSpPr>
-          <p:nvPr>
-            <p:ph idx="1"/>
-          </p:nvPr>
-        </p:nvSpPr>
-        <p:spPr/>
-        <p:txBody>
-          <a:bodyPr rtlCol="0">
-            <a:normAutofit lnSpcReduction="10000"/>
-          </a:bodyPr>
-          <a:lstStyle/>
-          <a:p>
-            <a:pPr rtl="0"/>
-            <a:r>
-              <a:rPr lang="zh-CN" altLang="en-US" dirty="0">
-                <a:latin typeface="微软雅黑" panose="020B0503020204020204" pitchFamily="34" charset="-122"/>
-                <a:ea typeface="微软雅黑" panose="020B0503020204020204" pitchFamily="34" charset="-122"/>
-              </a:rPr>
-              <a:t>一、</a:t>
-            </a:r>
-            <a:r>
-              <a:rPr lang="en-US" altLang="zh-CN" dirty="0">
-                <a:latin typeface="微软雅黑" panose="020B0503020204020204" pitchFamily="34" charset="-122"/>
-                <a:ea typeface="微软雅黑" panose="020B0503020204020204" pitchFamily="34" charset="-122"/>
-              </a:rPr>
-              <a:t>http</a:t>
-            </a:r>
-            <a:r>
-              <a:rPr lang="zh-CN" altLang="en-US" dirty="0">
-                <a:latin typeface="微软雅黑" panose="020B0503020204020204" pitchFamily="34" charset="-122"/>
-                <a:ea typeface="微软雅黑" panose="020B0503020204020204" pitchFamily="34" charset="-122"/>
-              </a:rPr>
-              <a:t>协议简单介绍</a:t>
-            </a:r>
-            <a:endParaRPr lang="en-US" altLang="zh-CN" dirty="0">
-              <a:latin typeface="微软雅黑" panose="020B0503020204020204" pitchFamily="34" charset="-122"/>
-              <a:ea typeface="微软雅黑" panose="020B0503020204020204" pitchFamily="34" charset="-122"/>
-            </a:endParaRPr>
-          </a:p>
-          <a:p>
-            <a:pPr rtl="0"/>
-            <a:r>
-              <a:rPr lang="zh-CN" altLang="en-US" dirty="0"/>
-              <a:t>二</a:t>
-            </a:r>
-            <a:r>
-              <a:rPr lang="zh-CN" altLang="en-US" dirty="0">
-                <a:latin typeface="微软雅黑" panose="020B0503020204020204" pitchFamily="34" charset="-122"/>
-                <a:ea typeface="微软雅黑" panose="020B0503020204020204" pitchFamily="34" charset="-122"/>
-              </a:rPr>
-              <a:t>、钉钉群自定义机器人开发</a:t>
-            </a:r>
-            <a:endParaRPr lang="en-US" altLang="zh-CN" dirty="0">
-              <a:latin typeface="微软雅黑" panose="020B0503020204020204" pitchFamily="34" charset="-122"/>
-              <a:ea typeface="微软雅黑" panose="020B0503020204020204" pitchFamily="34" charset="-122"/>
-            </a:endParaRPr>
-          </a:p>
-          <a:p>
-            <a:r>
-              <a:rPr lang="zh-CN" altLang="en-US" dirty="0"/>
-              <a:t>三、企业会话消息发送</a:t>
-            </a:r>
-            <a:endParaRPr lang="en-US" altLang="zh-CN" dirty="0"/>
-          </a:p>
-          <a:p>
-            <a:r>
-              <a:rPr lang="zh-CN" altLang="en-US" dirty="0"/>
-              <a:t>四、消息群发</a:t>
-            </a:r>
-            <a:endParaRPr lang="en-US" altLang="zh-CN" dirty="0"/>
-          </a:p>
-          <a:p>
-            <a:r>
-              <a:rPr lang="zh-CN" altLang="en-US" dirty="0"/>
-              <a:t>五、文档地址</a:t>
-            </a:r>
-            <a:endParaRPr lang="en-US" altLang="zh-CN" dirty="0"/>
-          </a:p>
-          <a:p>
-            <a:r>
-              <a:rPr lang="zh-CN" altLang="en-US" dirty="0"/>
-              <a:t>六、组织</a:t>
-            </a:r>
-            <a:r>
-              <a:rPr lang="en-US" altLang="zh-CN" dirty="0"/>
-              <a:t>python</a:t>
-            </a:r>
-            <a:r>
-              <a:rPr lang="zh-CN" altLang="en-US" dirty="0"/>
-              <a:t>代码</a:t>
-            </a:r>
-            <a:endParaRPr lang="zh-cn" dirty="0">
-              <a:latin typeface="微软雅黑" panose="020B0503020204020204" pitchFamily="34" charset="-122"/>
-              <a:ea typeface="微软雅黑" panose="020B0503020204020204" pitchFamily="34" charset="-122"/>
-            </a:endParaRPr>
-          </a:p>
-          <a:p>
-            <a:pPr rtl="0"/>
-            <a:r>
-              <a:rPr lang="zh-CN" altLang="en-US" dirty="0">
-                <a:latin typeface="微软雅黑" panose="020B0503020204020204" pitchFamily="34" charset="-122"/>
-                <a:ea typeface="微软雅黑" panose="020B0503020204020204" pitchFamily="34" charset="-122"/>
-              </a:rPr>
-              <a:t>七、远程执行</a:t>
-            </a:r>
-            <a:r>
-              <a:rPr lang="en-US" altLang="zh-CN" dirty="0" err="1">
-                <a:latin typeface="微软雅黑" panose="020B0503020204020204" pitchFamily="34" charset="-122"/>
-                <a:ea typeface="微软雅黑" panose="020B0503020204020204" pitchFamily="34" charset="-122"/>
-              </a:rPr>
-              <a:t>jupyter</a:t>
-            </a:r>
-            <a:r>
-              <a:rPr lang="zh-CN" altLang="en-US" dirty="0">
-                <a:latin typeface="微软雅黑" panose="020B0503020204020204" pitchFamily="34" charset="-122"/>
-                <a:ea typeface="微软雅黑" panose="020B0503020204020204" pitchFamily="34" charset="-122"/>
-              </a:rPr>
-              <a:t>代码</a:t>
-            </a:r>
-            <a:endParaRPr lang="en-US" altLang="zh-CN" dirty="0">
-              <a:latin typeface="微软雅黑" panose="020B0503020204020204" pitchFamily="34" charset="-122"/>
-              <a:ea typeface="微软雅黑" panose="020B0503020204020204" pitchFamily="34" charset="-122"/>
-            </a:endParaRPr>
-          </a:p>
-          <a:p>
-            <a:pPr rtl="0"/>
-            <a:r>
-              <a:rPr lang="zh-CN" altLang="en-US" dirty="0"/>
-              <a:t>八、聊聊微信</a:t>
-            </a:r>
-            <a:endParaRPr lang="en-US" dirty="0">
-              <a:latin typeface="微软雅黑" panose="020B0503020204020204" pitchFamily="34" charset="-122"/>
-              <a:ea typeface="微软雅黑" panose="020B0503020204020204" pitchFamily="34" charset="-122"/>
-            </a:endParaRPr>
-          </a:p>
-        </p:txBody>
-      </p:sp>
-      <p:sp>
-        <p:nvSpPr>
-          <p:cNvPr id="4" name="标题 1">
-            <a:extLst>
-              <a:ext uri="{FF2B5EF4-FFF2-40B4-BE49-F238E27FC236}">
-                <a16:creationId xmlns:a16="http://schemas.microsoft.com/office/drawing/2014/main" id="{1E101CCB-11A0-4CB6-856D-E24060769143}"/>
-              </a:ext>
-            </a:extLst>
-          </p:cNvPr>
-          <p:cNvSpPr txBox="1">
-            <a:spLocks/>
-          </p:cNvSpPr>
-          <p:nvPr/>
-        </p:nvSpPr>
-        <p:spPr>
-          <a:xfrm>
-            <a:off x="1053851" y="6228160"/>
-            <a:ext cx="10786723" cy="493642"/>
-          </a:xfrm>
-          <a:prstGeom prst="rect">
-            <a:avLst/>
-          </a:prstGeom>
-        </p:spPr>
-        <p:txBody>
-          <a:bodyPr vert="horz" lIns="121899" tIns="60949" rIns="121899" bIns="60949" rtlCol="0" anchor="b">
-            <a:normAutofit/>
-          </a:bodyPr>
-          <a:lstStyle>
-            <a:lvl1pPr algn="l" defTabSz="1218987" rtl="0" eaLnBrk="1" latinLnBrk="0" hangingPunct="1">
-              <a:lnSpc>
-                <a:spcPct val="85000"/>
-              </a:lnSpc>
-              <a:spcBef>
-                <a:spcPct val="0"/>
-              </a:spcBef>
-              <a:buNone/>
-              <a:tabLst/>
-              <a:defRPr sz="4400" kern="1200" cap="none" baseline="0">
-                <a:solidFill>
-                  <a:schemeClr val="tx1"/>
-                </a:solidFill>
-                <a:latin typeface="微软雅黑" panose="020B0503020204020204" pitchFamily="34" charset="-122"/>
-                <a:ea typeface="微软雅黑" panose="020B0503020204020204" pitchFamily="34" charset="-122"/>
-                <a:cs typeface="+mj-cs"/>
-              </a:defRPr>
-            </a:lvl1pPr>
-          </a:lstStyle>
-          <a:p>
-            <a:r>
-              <a:rPr lang="zh-CN" altLang="en-US" sz="2000" dirty="0"/>
-              <a:t>注意：</a:t>
-            </a:r>
-            <a:r>
-              <a:rPr lang="en-US" altLang="zh-CN" sz="2000" dirty="0"/>
-              <a:t>ppt</a:t>
-            </a:r>
-            <a:r>
-              <a:rPr lang="zh-CN" altLang="en-US" sz="2000" dirty="0"/>
-              <a:t>中的代码直接</a:t>
-            </a:r>
-            <a:r>
-              <a:rPr lang="en-US" altLang="zh-CN" sz="2000" dirty="0"/>
-              <a:t>copy</a:t>
-            </a:r>
-            <a:r>
-              <a:rPr lang="zh-CN" altLang="en-US" sz="2000" dirty="0"/>
-              <a:t>可能会有格式问题，建议</a:t>
-            </a:r>
-            <a:r>
-              <a:rPr lang="en-US" altLang="zh-CN" sz="2000" dirty="0"/>
-              <a:t>copy</a:t>
-            </a:r>
-            <a:r>
-              <a:rPr lang="zh-CN" altLang="en-US" sz="2000" dirty="0"/>
-              <a:t>对应</a:t>
-            </a:r>
-            <a:r>
-              <a:rPr lang="en-US" altLang="zh-CN" sz="2000" dirty="0" err="1"/>
-              <a:t>py</a:t>
-            </a:r>
-            <a:r>
-              <a:rPr lang="zh-CN" altLang="en-US" sz="2000"/>
-              <a:t>文件中的</a:t>
-            </a:r>
-            <a:r>
-              <a:rPr lang="zh-CN" altLang="en-US" sz="2000" dirty="0"/>
-              <a:t>代码</a:t>
-            </a:r>
-            <a:endParaRPr lang="en-US" altLang="zh-CN" sz="2000" dirty="0"/>
-          </a:p>
-        </p:txBody>
-      </p:sp>
-    </p:spTree>
-    <p:extLst>
-      <p:ext uri="{BB962C8B-B14F-4D97-AF65-F5344CB8AC3E}">
-        <p14:creationId xmlns:p14="http://schemas.microsoft.com/office/powerpoint/2010/main" val="711182959"/>
-      </p:ext>
-    </p:extLst>
-  </p:cSld>
-  <p:clrMapOvr>
-    <a:masterClrMapping/>
-  </p:clrMapOvr>
-  <mc:AlternateContent xmlns:mc="http://schemas.openxmlformats.org/markup-compatibility/2006" xmlns:p14="http://schemas.microsoft.com/office/powerpoint/2010/main">
-    <mc:Choice Requires="p14">
-      <p:transition spd="med" p14:dur="700">
-        <p:fade/>
-      </p:transition>
-    </mc:Choice>
-    <mc:Fallback xmlns="">
-      <p:transition spd="med">
-        <p:fade/>
-      </p:transition>
-    </mc:Fallback>
-  </mc:AlternateContent>
-</p:sld>
-</file>
-
-<file path=ppt/slides/slide20.xml><?xml version="1.0" encoding="utf-8"?>
+<file path=ppt/slides/slide21.xml><?xml version="1.0" encoding="utf-8"?>
 <p:sld xmlns:a="http://schemas.openxmlformats.org/drawingml/2006/main" xmlns:r="http://schemas.openxmlformats.org/officeDocument/2006/relationships" xmlns:p="http://schemas.openxmlformats.org/presentationml/2006/main">
   <p:cSld>
     <p:spTree>

--- a/钉钉机器人.pptx
+++ b/钉钉机器人.pptx
@@ -4768,7 +4768,7 @@
         <p:spPr bwMode="auto">
           <a:xfrm>
             <a:off x="593038" y="1412776"/>
-            <a:ext cx="11002747" cy="2360852"/>
+            <a:ext cx="11002747" cy="1345190"/>
           </a:xfrm>
           <a:prstGeom prst="rect">
             <a:avLst/>
@@ -4888,7 +4888,61 @@
                 </a:solidFill>
                 <a:latin typeface="Arial Unicode MS" panose="020B0604020202020204" pitchFamily="34" charset="-122"/>
               </a:rPr>
-              <a:t> matplotlib</a:t>
+              <a:t> </a:t>
+            </a:r>
+            <a:r>
+              <a:rPr lang="zh-CN" altLang="zh-CN" sz="1100" dirty="0">
+                <a:solidFill>
+                  <a:srgbClr val="E06C75"/>
+                </a:solidFill>
+                <a:latin typeface="Arial Unicode MS" panose="020B0604020202020204" pitchFamily="34" charset="-122"/>
+              </a:rPr>
+              <a:t>matplotlib</a:t>
+            </a:r>
+            <a:r>
+              <a:rPr lang="zh-CN" altLang="zh-CN" sz="1100" dirty="0">
+                <a:solidFill>
+                  <a:srgbClr val="ABB2BF"/>
+                </a:solidFill>
+                <a:latin typeface="Arial Unicode MS" panose="020B0604020202020204" pitchFamily="34" charset="-122"/>
+              </a:rPr>
+              <a:t>.</a:t>
+            </a:r>
+            <a:r>
+              <a:rPr lang="zh-CN" altLang="zh-CN" sz="1100" dirty="0">
+                <a:solidFill>
+                  <a:srgbClr val="E06C75"/>
+                </a:solidFill>
+                <a:latin typeface="Arial Unicode MS" panose="020B0604020202020204" pitchFamily="34" charset="-122"/>
+              </a:rPr>
+              <a:t>pyplot</a:t>
+            </a:r>
+            <a:r>
+              <a:rPr lang="zh-CN" altLang="zh-CN" sz="1100" dirty="0">
+                <a:solidFill>
+                  <a:srgbClr val="ABB2BF"/>
+                </a:solidFill>
+                <a:latin typeface="Arial Unicode MS" panose="020B0604020202020204" pitchFamily="34" charset="-122"/>
+              </a:rPr>
+              <a:t> </a:t>
+            </a:r>
+            <a:r>
+              <a:rPr lang="zh-CN" altLang="zh-CN" sz="1100" dirty="0">
+                <a:solidFill>
+                  <a:srgbClr val="C678DD"/>
+                </a:solidFill>
+                <a:latin typeface="Arial Unicode MS" panose="020B0604020202020204" pitchFamily="34" charset="-122"/>
+              </a:rPr>
+              <a:t>as</a:t>
+            </a:r>
+            <a:r>
+              <a:rPr lang="zh-CN" altLang="zh-CN" sz="1100" dirty="0">
+                <a:solidFill>
+                  <a:srgbClr val="ABB2BF"/>
+                </a:solidFill>
+                <a:latin typeface="Arial Unicode MS" panose="020B0604020202020204" pitchFamily="34" charset="-122"/>
+              </a:rPr>
+              <a:t> plt</a:t>
             </a:r>
           </a:p>
           <a:p>
@@ -4903,74 +4957,11 @@
             <a:r>
               <a:rPr lang="zh-CN" altLang="zh-CN" sz="1100" dirty="0">
                 <a:solidFill>
-                  <a:srgbClr val="C678DD"/>
-                </a:solidFill>
-                <a:latin typeface="Arial Unicode MS" panose="020B0604020202020204" pitchFamily="34" charset="-122"/>
-              </a:rPr>
-              <a:t>import</a:t>
-            </a:r>
-            <a:r>
-              <a:rPr lang="zh-CN" altLang="zh-CN" sz="1100" dirty="0">
-                <a:solidFill>
                   <a:srgbClr val="ABB2BF"/>
                 </a:solidFill>
                 <a:latin typeface="Arial Unicode MS" panose="020B0604020202020204" pitchFamily="34" charset="-122"/>
               </a:rPr>
               <a:t> </a:t>
-            </a:r>
-            <a:r>
-              <a:rPr lang="zh-CN" altLang="zh-CN" sz="1100" dirty="0">
-                <a:solidFill>
-                  <a:srgbClr val="E06C75"/>
-                </a:solidFill>
-                <a:latin typeface="Arial Unicode MS" panose="020B0604020202020204" pitchFamily="34" charset="-122"/>
-              </a:rPr>
-              <a:t>matplotlib</a:t>
-            </a:r>
-            <a:r>
-              <a:rPr lang="zh-CN" altLang="zh-CN" sz="1100" dirty="0">
-                <a:solidFill>
-                  <a:srgbClr val="ABB2BF"/>
-                </a:solidFill>
-                <a:latin typeface="Arial Unicode MS" panose="020B0604020202020204" pitchFamily="34" charset="-122"/>
-              </a:rPr>
-              <a:t>.</a:t>
-            </a:r>
-            <a:r>
-              <a:rPr lang="zh-CN" altLang="zh-CN" sz="1100" dirty="0">
-                <a:solidFill>
-                  <a:srgbClr val="E06C75"/>
-                </a:solidFill>
-                <a:latin typeface="Arial Unicode MS" panose="020B0604020202020204" pitchFamily="34" charset="-122"/>
-              </a:rPr>
-              <a:t>pyplot</a:t>
-            </a:r>
-            <a:r>
-              <a:rPr lang="zh-CN" altLang="zh-CN" sz="1100" dirty="0">
-                <a:solidFill>
-                  <a:srgbClr val="ABB2BF"/>
-                </a:solidFill>
-                <a:latin typeface="Arial Unicode MS" panose="020B0604020202020204" pitchFamily="34" charset="-122"/>
-              </a:rPr>
-              <a:t> </a:t>
-            </a:r>
-            <a:r>
-              <a:rPr lang="zh-CN" altLang="zh-CN" sz="1100" dirty="0">
-                <a:solidFill>
-                  <a:srgbClr val="C678DD"/>
-                </a:solidFill>
-                <a:latin typeface="Arial Unicode MS" panose="020B0604020202020204" pitchFamily="34" charset="-122"/>
-              </a:rPr>
-              <a:t>as</a:t>
-            </a:r>
-            <a:r>
-              <a:rPr lang="zh-CN" altLang="zh-CN" sz="1100" dirty="0">
-                <a:solidFill>
-                  <a:srgbClr val="ABB2BF"/>
-                </a:solidFill>
-                <a:latin typeface="Arial Unicode MS" panose="020B0604020202020204" pitchFamily="34" charset="-122"/>
-              </a:rPr>
-              <a:t> plt</a:t>
             </a:r>
           </a:p>
           <a:p>
@@ -4985,11 +4976,92 @@
             <a:r>
               <a:rPr lang="zh-CN" altLang="zh-CN" sz="1100" dirty="0">
                 <a:solidFill>
-                  <a:srgbClr val="ABB2BF"/>
-                </a:solidFill>
-                <a:latin typeface="Arial Unicode MS" panose="020B0604020202020204" pitchFamily="34" charset="-122"/>
-              </a:rPr>
-              <a:t> </a:t>
+                  <a:srgbClr val="E06C75"/>
+                </a:solidFill>
+                <a:latin typeface="Arial Unicode MS" panose="020B0604020202020204" pitchFamily="34" charset="-122"/>
+              </a:rPr>
+              <a:t>plt</a:t>
+            </a:r>
+            <a:r>
+              <a:rPr lang="zh-CN" altLang="zh-CN" sz="1100" dirty="0">
+                <a:solidFill>
+                  <a:srgbClr val="ABB2BF"/>
+                </a:solidFill>
+                <a:latin typeface="Arial Unicode MS" panose="020B0604020202020204" pitchFamily="34" charset="-122"/>
+              </a:rPr>
+              <a:t>.</a:t>
+            </a:r>
+            <a:r>
+              <a:rPr lang="zh-CN" altLang="zh-CN" sz="1100" dirty="0">
+                <a:solidFill>
+                  <a:srgbClr val="61AFEF"/>
+                </a:solidFill>
+                <a:latin typeface="Arial Unicode MS" panose="020B0604020202020204" pitchFamily="34" charset="-122"/>
+              </a:rPr>
+              <a:t>plot</a:t>
+            </a:r>
+            <a:r>
+              <a:rPr lang="zh-CN" altLang="zh-CN" sz="1100" dirty="0">
+                <a:solidFill>
+                  <a:srgbClr val="ABB2BF"/>
+                </a:solidFill>
+                <a:latin typeface="Arial Unicode MS" panose="020B0604020202020204" pitchFamily="34" charset="-122"/>
+              </a:rPr>
+              <a:t>(</a:t>
+            </a:r>
+            <a:r>
+              <a:rPr lang="zh-CN" altLang="zh-CN" sz="1100" dirty="0">
+                <a:solidFill>
+                  <a:srgbClr val="E06C75"/>
+                </a:solidFill>
+                <a:latin typeface="Arial Unicode MS" panose="020B0604020202020204" pitchFamily="34" charset="-122"/>
+              </a:rPr>
+              <a:t>np</a:t>
+            </a:r>
+            <a:r>
+              <a:rPr lang="zh-CN" altLang="zh-CN" sz="1100" dirty="0">
+                <a:solidFill>
+                  <a:srgbClr val="ABB2BF"/>
+                </a:solidFill>
+                <a:latin typeface="Arial Unicode MS" panose="020B0604020202020204" pitchFamily="34" charset="-122"/>
+              </a:rPr>
+              <a:t>.</a:t>
+            </a:r>
+            <a:r>
+              <a:rPr lang="zh-CN" altLang="zh-CN" sz="1100" dirty="0">
+                <a:solidFill>
+                  <a:srgbClr val="61AFEF"/>
+                </a:solidFill>
+                <a:latin typeface="Arial Unicode MS" panose="020B0604020202020204" pitchFamily="34" charset="-122"/>
+              </a:rPr>
+              <a:t>arange</a:t>
+            </a:r>
+            <a:r>
+              <a:rPr lang="zh-CN" altLang="zh-CN" sz="1100" dirty="0">
+                <a:solidFill>
+                  <a:srgbClr val="ABB2BF"/>
+                </a:solidFill>
+                <a:latin typeface="Arial Unicode MS" panose="020B0604020202020204" pitchFamily="34" charset="-122"/>
+              </a:rPr>
+              <a:t>(</a:t>
+            </a:r>
+            <a:r>
+              <a:rPr lang="zh-CN" altLang="zh-CN" sz="1100" dirty="0">
+                <a:solidFill>
+                  <a:srgbClr val="D19A66"/>
+                </a:solidFill>
+                <a:latin typeface="Arial Unicode MS" panose="020B0604020202020204" pitchFamily="34" charset="-122"/>
+              </a:rPr>
+              <a:t>10</a:t>
+            </a:r>
+            <a:r>
+              <a:rPr lang="zh-CN" altLang="zh-CN" sz="1100" dirty="0">
+                <a:solidFill>
+                  <a:srgbClr val="ABB2BF"/>
+                </a:solidFill>
+                <a:latin typeface="Arial Unicode MS" panose="020B0604020202020204" pitchFamily="34" charset="-122"/>
+              </a:rPr>
+              <a:t>))</a:t>
             </a:r>
           </a:p>
           <a:p>
@@ -5008,7 +5080,7 @@
                 </a:solidFill>
                 <a:latin typeface="Arial Unicode MS" panose="020B0604020202020204" pitchFamily="34" charset="-122"/>
               </a:rPr>
-              <a:t># Fixing random state for reproducibility </a:t>
+              <a:t># plt.show() </a:t>
             </a:r>
             <a:endParaRPr lang="zh-CN" altLang="zh-CN" sz="1100" dirty="0">
               <a:solidFill>
@@ -5033,7 +5105,7 @@
                 </a:solidFill>
                 <a:latin typeface="Arial Unicode MS" panose="020B0604020202020204" pitchFamily="34" charset="-122"/>
               </a:rPr>
-              <a:t>np</a:t>
+              <a:t>plt</a:t>
             </a:r>
             <a:r>
               <a:rPr lang="zh-CN" altLang="zh-CN" sz="1100" dirty="0">
@@ -5047,29 +5119,11 @@
             <a:r>
               <a:rPr lang="zh-CN" altLang="zh-CN" sz="1100" dirty="0">
                 <a:solidFill>
-                  <a:srgbClr val="E06C75"/>
-                </a:solidFill>
-                <a:latin typeface="Arial Unicode MS" panose="020B0604020202020204" pitchFamily="34" charset="-122"/>
-              </a:rPr>
-              <a:t>random</a:t>
-            </a:r>
-            <a:r>
-              <a:rPr lang="zh-CN" altLang="zh-CN" sz="1100" dirty="0">
-                <a:solidFill>
-                  <a:srgbClr val="ABB2BF"/>
-                </a:solidFill>
-                <a:latin typeface="Arial Unicode MS" panose="020B0604020202020204" pitchFamily="34" charset="-122"/>
-              </a:rPr>
-              <a:t>.</a:t>
-            </a:r>
-            <a:r>
-              <a:rPr lang="zh-CN" altLang="zh-CN" sz="1100" dirty="0">
-                <a:solidFill>
                   <a:srgbClr val="61AFEF"/>
                 </a:solidFill>
                 <a:latin typeface="Arial Unicode MS" panose="020B0604020202020204" pitchFamily="34" charset="-122"/>
               </a:rPr>
-              <a:t>seed</a:t>
+              <a:t>savefig</a:t>
             </a:r>
             <a:r>
               <a:rPr lang="zh-CN" altLang="zh-CN" sz="1100" dirty="0">
@@ -5083,542 +5137,11 @@
             <a:r>
               <a:rPr lang="zh-CN" altLang="zh-CN" sz="1100" dirty="0">
                 <a:solidFill>
-                  <a:srgbClr val="D19A66"/>
-                </a:solidFill>
-                <a:latin typeface="Arial Unicode MS" panose="020B0604020202020204" pitchFamily="34" charset="-122"/>
-              </a:rPr>
-              <a:t>19680801</a:t>
-            </a:r>
-            <a:r>
-              <a:rPr lang="zh-CN" altLang="zh-CN" sz="1100" dirty="0">
-                <a:solidFill>
-                  <a:srgbClr val="ABB2BF"/>
-                </a:solidFill>
-                <a:latin typeface="Arial Unicode MS" panose="020B0604020202020204" pitchFamily="34" charset="-122"/>
-              </a:rPr>
-              <a:t>)</a:t>
-            </a:r>
-          </a:p>
-          <a:p>
-            <a:pPr lvl="0" defTabSz="914400" eaLnBrk="0" fontAlgn="base" hangingPunct="0">
-              <a:spcBef>
-                <a:spcPct val="0"/>
-              </a:spcBef>
-              <a:spcAft>
-                <a:spcPct val="0"/>
-              </a:spcAft>
-            </a:pPr>
-            <a:r>
-              <a:rPr lang="zh-CN" altLang="zh-CN" sz="1100" dirty="0">
-                <a:solidFill>
-                  <a:srgbClr val="E06C75"/>
-                </a:solidFill>
-                <a:latin typeface="Arial Unicode MS" panose="020B0604020202020204" pitchFamily="34" charset="-122"/>
-              </a:rPr>
-              <a:t>matplotlib</a:t>
-            </a:r>
-            <a:r>
-              <a:rPr lang="zh-CN" altLang="zh-CN" sz="1100" dirty="0">
-                <a:solidFill>
-                  <a:srgbClr val="ABB2BF"/>
-                </a:solidFill>
-                <a:latin typeface="Arial Unicode MS" panose="020B0604020202020204" pitchFamily="34" charset="-122"/>
-              </a:rPr>
-              <a:t>.</a:t>
-            </a:r>
-            <a:r>
-              <a:rPr lang="zh-CN" altLang="zh-CN" sz="1100" dirty="0">
-                <a:solidFill>
-                  <a:srgbClr val="E06C75"/>
-                </a:solidFill>
-                <a:latin typeface="Arial Unicode MS" panose="020B0604020202020204" pitchFamily="34" charset="-122"/>
-              </a:rPr>
-              <a:t>rcParams</a:t>
-            </a:r>
-            <a:r>
-              <a:rPr lang="zh-CN" altLang="zh-CN" sz="1100" dirty="0">
-                <a:solidFill>
-                  <a:srgbClr val="ABB2BF"/>
-                </a:solidFill>
-                <a:latin typeface="Arial Unicode MS" panose="020B0604020202020204" pitchFamily="34" charset="-122"/>
-              </a:rPr>
-              <a:t>[</a:t>
-            </a:r>
-            <a:r>
-              <a:rPr lang="zh-CN" altLang="zh-CN" sz="1100" dirty="0">
-                <a:solidFill>
                   <a:srgbClr val="98C379"/>
                 </a:solidFill>
                 <a:latin typeface="Arial Unicode MS" panose="020B0604020202020204" pitchFamily="34" charset="-122"/>
               </a:rPr>
-              <a:t>'axes.unicode_minus'</a:t>
-            </a:r>
-            <a:r>
-              <a:rPr lang="zh-CN" altLang="zh-CN" sz="1100" dirty="0">
-                <a:solidFill>
-                  <a:srgbClr val="ABB2BF"/>
-                </a:solidFill>
-                <a:latin typeface="Arial Unicode MS" panose="020B0604020202020204" pitchFamily="34" charset="-122"/>
-              </a:rPr>
-              <a:t>] = </a:t>
-            </a:r>
-            <a:r>
-              <a:rPr lang="zh-CN" altLang="zh-CN" sz="1100" dirty="0">
-                <a:solidFill>
-                  <a:srgbClr val="D19A66"/>
-                </a:solidFill>
-                <a:latin typeface="Arial Unicode MS" panose="020B0604020202020204" pitchFamily="34" charset="-122"/>
-              </a:rPr>
-              <a:t>False</a:t>
-            </a:r>
-            <a:endParaRPr lang="zh-CN" altLang="zh-CN" sz="1100" dirty="0">
-              <a:solidFill>
-                <a:srgbClr val="ABB2BF"/>
-              </a:solidFill>
-              <a:latin typeface="Arial Unicode MS" panose="020B0604020202020204" pitchFamily="34" charset="-122"/>
-            </a:endParaRPr>
-          </a:p>
-          <a:p>
-            <a:pPr lvl="0" defTabSz="914400" eaLnBrk="0" fontAlgn="base" hangingPunct="0">
-              <a:spcBef>
-                <a:spcPct val="0"/>
-              </a:spcBef>
-              <a:spcAft>
-                <a:spcPct val="0"/>
-              </a:spcAft>
-            </a:pPr>
-            <a:r>
-              <a:rPr lang="zh-CN" altLang="zh-CN" sz="1100" dirty="0">
-                <a:solidFill>
-                  <a:srgbClr val="ABB2BF"/>
-                </a:solidFill>
-                <a:latin typeface="Arial Unicode MS" panose="020B0604020202020204" pitchFamily="34" charset="-122"/>
-              </a:rPr>
-              <a:t>fig, ax = </a:t>
-            </a:r>
-            <a:r>
-              <a:rPr lang="zh-CN" altLang="zh-CN" sz="1100" dirty="0">
-                <a:solidFill>
-                  <a:srgbClr val="E06C75"/>
-                </a:solidFill>
-                <a:latin typeface="Arial Unicode MS" panose="020B0604020202020204" pitchFamily="34" charset="-122"/>
-              </a:rPr>
-              <a:t>plt</a:t>
-            </a:r>
-            <a:r>
-              <a:rPr lang="zh-CN" altLang="zh-CN" sz="1100" dirty="0">
-                <a:solidFill>
-                  <a:srgbClr val="ABB2BF"/>
-                </a:solidFill>
-                <a:latin typeface="Arial Unicode MS" panose="020B0604020202020204" pitchFamily="34" charset="-122"/>
-              </a:rPr>
-              <a:t>.</a:t>
-            </a:r>
-            <a:r>
-              <a:rPr lang="zh-CN" altLang="zh-CN" sz="1100" dirty="0">
-                <a:solidFill>
-                  <a:srgbClr val="61AFEF"/>
-                </a:solidFill>
-                <a:latin typeface="Arial Unicode MS" panose="020B0604020202020204" pitchFamily="34" charset="-122"/>
-              </a:rPr>
-              <a:t>subplots</a:t>
-            </a:r>
-            <a:r>
-              <a:rPr lang="zh-CN" altLang="zh-CN" sz="1100" dirty="0">
-                <a:solidFill>
-                  <a:srgbClr val="ABB2BF"/>
-                </a:solidFill>
-                <a:latin typeface="Arial Unicode MS" panose="020B0604020202020204" pitchFamily="34" charset="-122"/>
-              </a:rPr>
-              <a:t>()</a:t>
-            </a:r>
-          </a:p>
-          <a:p>
-            <a:pPr lvl="0" defTabSz="914400" eaLnBrk="0" fontAlgn="base" hangingPunct="0">
-              <a:spcBef>
-                <a:spcPct val="0"/>
-              </a:spcBef>
-              <a:spcAft>
-                <a:spcPct val="0"/>
-              </a:spcAft>
-            </a:pPr>
-            <a:r>
-              <a:rPr lang="zh-CN" altLang="zh-CN" sz="1100" dirty="0">
-                <a:solidFill>
-                  <a:srgbClr val="E06C75"/>
-                </a:solidFill>
-                <a:latin typeface="Arial Unicode MS" panose="020B0604020202020204" pitchFamily="34" charset="-122"/>
-              </a:rPr>
-              <a:t>ax</a:t>
-            </a:r>
-            <a:r>
-              <a:rPr lang="zh-CN" altLang="zh-CN" sz="1100" dirty="0">
-                <a:solidFill>
-                  <a:srgbClr val="ABB2BF"/>
-                </a:solidFill>
-                <a:latin typeface="Arial Unicode MS" panose="020B0604020202020204" pitchFamily="34" charset="-122"/>
-              </a:rPr>
-              <a:t>.</a:t>
-            </a:r>
-            <a:r>
-              <a:rPr lang="zh-CN" altLang="zh-CN" sz="1100" dirty="0">
-                <a:solidFill>
-                  <a:srgbClr val="61AFEF"/>
-                </a:solidFill>
-                <a:latin typeface="Arial Unicode MS" panose="020B0604020202020204" pitchFamily="34" charset="-122"/>
-              </a:rPr>
-              <a:t>plot</a:t>
-            </a:r>
-            <a:r>
-              <a:rPr lang="zh-CN" altLang="zh-CN" sz="1100" dirty="0">
-                <a:solidFill>
-                  <a:srgbClr val="ABB2BF"/>
-                </a:solidFill>
-                <a:latin typeface="Arial Unicode MS" panose="020B0604020202020204" pitchFamily="34" charset="-122"/>
-              </a:rPr>
-              <a:t>(</a:t>
-            </a:r>
-            <a:r>
-              <a:rPr lang="zh-CN" altLang="zh-CN" sz="1100" dirty="0">
-                <a:solidFill>
-                  <a:srgbClr val="D19A66"/>
-                </a:solidFill>
-                <a:latin typeface="Arial Unicode MS" panose="020B0604020202020204" pitchFamily="34" charset="-122"/>
-              </a:rPr>
-              <a:t>10</a:t>
-            </a:r>
-            <a:r>
-              <a:rPr lang="zh-CN" altLang="zh-CN" sz="1100" dirty="0">
-                <a:solidFill>
-                  <a:srgbClr val="ABB2BF"/>
-                </a:solidFill>
-                <a:latin typeface="Arial Unicode MS" panose="020B0604020202020204" pitchFamily="34" charset="-122"/>
-              </a:rPr>
-              <a:t>*</a:t>
-            </a:r>
-            <a:r>
-              <a:rPr lang="zh-CN" altLang="zh-CN" sz="1100" dirty="0">
-                <a:solidFill>
-                  <a:srgbClr val="E06C75"/>
-                </a:solidFill>
-                <a:latin typeface="Arial Unicode MS" panose="020B0604020202020204" pitchFamily="34" charset="-122"/>
-              </a:rPr>
-              <a:t>np</a:t>
-            </a:r>
-            <a:r>
-              <a:rPr lang="zh-CN" altLang="zh-CN" sz="1100" dirty="0">
-                <a:solidFill>
-                  <a:srgbClr val="ABB2BF"/>
-                </a:solidFill>
-                <a:latin typeface="Arial Unicode MS" panose="020B0604020202020204" pitchFamily="34" charset="-122"/>
-              </a:rPr>
-              <a:t>.</a:t>
-            </a:r>
-            <a:r>
-              <a:rPr lang="zh-CN" altLang="zh-CN" sz="1100" dirty="0">
-                <a:solidFill>
-                  <a:srgbClr val="E06C75"/>
-                </a:solidFill>
-                <a:latin typeface="Arial Unicode MS" panose="020B0604020202020204" pitchFamily="34" charset="-122"/>
-              </a:rPr>
-              <a:t>random</a:t>
-            </a:r>
-            <a:r>
-              <a:rPr lang="zh-CN" altLang="zh-CN" sz="1100" dirty="0">
-                <a:solidFill>
-                  <a:srgbClr val="ABB2BF"/>
-                </a:solidFill>
-                <a:latin typeface="Arial Unicode MS" panose="020B0604020202020204" pitchFamily="34" charset="-122"/>
-              </a:rPr>
-              <a:t>.</a:t>
-            </a:r>
-            <a:r>
-              <a:rPr lang="zh-CN" altLang="zh-CN" sz="1100" dirty="0">
-                <a:solidFill>
-                  <a:srgbClr val="61AFEF"/>
-                </a:solidFill>
-                <a:latin typeface="Arial Unicode MS" panose="020B0604020202020204" pitchFamily="34" charset="-122"/>
-              </a:rPr>
-              <a:t>randn</a:t>
-            </a:r>
-            <a:r>
-              <a:rPr lang="zh-CN" altLang="zh-CN" sz="1100" dirty="0">
-                <a:solidFill>
-                  <a:srgbClr val="ABB2BF"/>
-                </a:solidFill>
-                <a:latin typeface="Arial Unicode MS" panose="020B0604020202020204" pitchFamily="34" charset="-122"/>
-              </a:rPr>
-              <a:t>(</a:t>
-            </a:r>
-            <a:r>
-              <a:rPr lang="zh-CN" altLang="zh-CN" sz="1100" dirty="0">
-                <a:solidFill>
-                  <a:srgbClr val="D19A66"/>
-                </a:solidFill>
-                <a:latin typeface="Arial Unicode MS" panose="020B0604020202020204" pitchFamily="34" charset="-122"/>
-              </a:rPr>
-              <a:t>100</a:t>
-            </a:r>
-            <a:r>
-              <a:rPr lang="zh-CN" altLang="zh-CN" sz="1100" dirty="0">
-                <a:solidFill>
-                  <a:srgbClr val="ABB2BF"/>
-                </a:solidFill>
-                <a:latin typeface="Arial Unicode MS" panose="020B0604020202020204" pitchFamily="34" charset="-122"/>
-              </a:rPr>
-              <a:t>), </a:t>
-            </a:r>
-            <a:r>
-              <a:rPr lang="zh-CN" altLang="zh-CN" sz="1100" dirty="0">
-                <a:solidFill>
-                  <a:srgbClr val="D19A66"/>
-                </a:solidFill>
-                <a:latin typeface="Arial Unicode MS" panose="020B0604020202020204" pitchFamily="34" charset="-122"/>
-              </a:rPr>
-              <a:t>10</a:t>
-            </a:r>
-            <a:r>
-              <a:rPr lang="zh-CN" altLang="zh-CN" sz="1100" dirty="0">
-                <a:solidFill>
-                  <a:srgbClr val="ABB2BF"/>
-                </a:solidFill>
-                <a:latin typeface="Arial Unicode MS" panose="020B0604020202020204" pitchFamily="34" charset="-122"/>
-              </a:rPr>
-              <a:t>*</a:t>
-            </a:r>
-            <a:r>
-              <a:rPr lang="zh-CN" altLang="zh-CN" sz="1100" dirty="0">
-                <a:solidFill>
-                  <a:srgbClr val="E06C75"/>
-                </a:solidFill>
-                <a:latin typeface="Arial Unicode MS" panose="020B0604020202020204" pitchFamily="34" charset="-122"/>
-              </a:rPr>
-              <a:t>np</a:t>
-            </a:r>
-            <a:r>
-              <a:rPr lang="zh-CN" altLang="zh-CN" sz="1100" dirty="0">
-                <a:solidFill>
-                  <a:srgbClr val="ABB2BF"/>
-                </a:solidFill>
-                <a:latin typeface="Arial Unicode MS" panose="020B0604020202020204" pitchFamily="34" charset="-122"/>
-              </a:rPr>
-              <a:t>.</a:t>
-            </a:r>
-            <a:r>
-              <a:rPr lang="zh-CN" altLang="zh-CN" sz="1100" dirty="0">
-                <a:solidFill>
-                  <a:srgbClr val="E06C75"/>
-                </a:solidFill>
-                <a:latin typeface="Arial Unicode MS" panose="020B0604020202020204" pitchFamily="34" charset="-122"/>
-              </a:rPr>
-              <a:t>random</a:t>
-            </a:r>
-            <a:r>
-              <a:rPr lang="zh-CN" altLang="zh-CN" sz="1100" dirty="0">
-                <a:solidFill>
-                  <a:srgbClr val="ABB2BF"/>
-                </a:solidFill>
-                <a:latin typeface="Arial Unicode MS" panose="020B0604020202020204" pitchFamily="34" charset="-122"/>
-              </a:rPr>
-              <a:t>.</a:t>
-            </a:r>
-            <a:r>
-              <a:rPr lang="zh-CN" altLang="zh-CN" sz="1100" dirty="0">
-                <a:solidFill>
-                  <a:srgbClr val="61AFEF"/>
-                </a:solidFill>
-                <a:latin typeface="Arial Unicode MS" panose="020B0604020202020204" pitchFamily="34" charset="-122"/>
-              </a:rPr>
-              <a:t>randn</a:t>
-            </a:r>
-            <a:r>
-              <a:rPr lang="zh-CN" altLang="zh-CN" sz="1100" dirty="0">
-                <a:solidFill>
-                  <a:srgbClr val="ABB2BF"/>
-                </a:solidFill>
-                <a:latin typeface="Arial Unicode MS" panose="020B0604020202020204" pitchFamily="34" charset="-122"/>
-              </a:rPr>
-              <a:t>(</a:t>
-            </a:r>
-            <a:r>
-              <a:rPr lang="zh-CN" altLang="zh-CN" sz="1100" dirty="0">
-                <a:solidFill>
-                  <a:srgbClr val="D19A66"/>
-                </a:solidFill>
-                <a:latin typeface="Arial Unicode MS" panose="020B0604020202020204" pitchFamily="34" charset="-122"/>
-              </a:rPr>
-              <a:t>100</a:t>
-            </a:r>
-            <a:r>
-              <a:rPr lang="zh-CN" altLang="zh-CN" sz="1100" dirty="0">
-                <a:solidFill>
-                  <a:srgbClr val="ABB2BF"/>
-                </a:solidFill>
-                <a:latin typeface="Arial Unicode MS" panose="020B0604020202020204" pitchFamily="34" charset="-122"/>
-              </a:rPr>
-              <a:t>), </a:t>
-            </a:r>
-            <a:r>
-              <a:rPr lang="zh-CN" altLang="zh-CN" sz="1100" dirty="0">
-                <a:solidFill>
-                  <a:srgbClr val="98C379"/>
-                </a:solidFill>
-                <a:latin typeface="Arial Unicode MS" panose="020B0604020202020204" pitchFamily="34" charset="-122"/>
-              </a:rPr>
-              <a:t>'o'</a:t>
-            </a:r>
-            <a:r>
-              <a:rPr lang="zh-CN" altLang="zh-CN" sz="1100" dirty="0">
-                <a:solidFill>
-                  <a:srgbClr val="ABB2BF"/>
-                </a:solidFill>
-                <a:latin typeface="Arial Unicode MS" panose="020B0604020202020204" pitchFamily="34" charset="-122"/>
-              </a:rPr>
-              <a:t>)</a:t>
-            </a:r>
-          </a:p>
-          <a:p>
-            <a:pPr lvl="0" defTabSz="914400" eaLnBrk="0" fontAlgn="base" hangingPunct="0">
-              <a:spcBef>
-                <a:spcPct val="0"/>
-              </a:spcBef>
-              <a:spcAft>
-                <a:spcPct val="0"/>
-              </a:spcAft>
-            </a:pPr>
-            <a:r>
-              <a:rPr lang="zh-CN" altLang="zh-CN" sz="1100" dirty="0">
-                <a:solidFill>
-                  <a:srgbClr val="E06C75"/>
-                </a:solidFill>
-                <a:latin typeface="Arial Unicode MS" panose="020B0604020202020204" pitchFamily="34" charset="-122"/>
-              </a:rPr>
-              <a:t>ax</a:t>
-            </a:r>
-            <a:r>
-              <a:rPr lang="zh-CN" altLang="zh-CN" sz="1100" dirty="0">
-                <a:solidFill>
-                  <a:srgbClr val="ABB2BF"/>
-                </a:solidFill>
-                <a:latin typeface="Arial Unicode MS" panose="020B0604020202020204" pitchFamily="34" charset="-122"/>
-              </a:rPr>
-              <a:t>.</a:t>
-            </a:r>
-            <a:r>
-              <a:rPr lang="zh-CN" altLang="zh-CN" sz="1100" dirty="0">
-                <a:solidFill>
-                  <a:srgbClr val="61AFEF"/>
-                </a:solidFill>
-                <a:latin typeface="Arial Unicode MS" panose="020B0604020202020204" pitchFamily="34" charset="-122"/>
-              </a:rPr>
-              <a:t>set_title</a:t>
-            </a:r>
-            <a:r>
-              <a:rPr lang="zh-CN" altLang="zh-CN" sz="1100" dirty="0">
-                <a:solidFill>
-                  <a:srgbClr val="ABB2BF"/>
-                </a:solidFill>
-                <a:latin typeface="Arial Unicode MS" panose="020B0604020202020204" pitchFamily="34" charset="-122"/>
-              </a:rPr>
-              <a:t>(</a:t>
-            </a:r>
-            <a:r>
-              <a:rPr lang="zh-CN" altLang="zh-CN" sz="1100" dirty="0">
-                <a:solidFill>
-                  <a:srgbClr val="98C379"/>
-                </a:solidFill>
-                <a:latin typeface="Arial Unicode MS" panose="020B0604020202020204" pitchFamily="34" charset="-122"/>
-              </a:rPr>
-              <a:t>'Using hyphen instead of Unicode minus'</a:t>
-            </a:r>
-            <a:r>
-              <a:rPr lang="zh-CN" altLang="zh-CN" sz="1100" dirty="0">
-                <a:solidFill>
-                  <a:srgbClr val="ABB2BF"/>
-                </a:solidFill>
-                <a:latin typeface="Arial Unicode MS" panose="020B0604020202020204" pitchFamily="34" charset="-122"/>
-              </a:rPr>
-              <a:t>)</a:t>
-            </a:r>
-          </a:p>
-          <a:p>
-            <a:pPr lvl="0" defTabSz="914400" eaLnBrk="0" fontAlgn="base" hangingPunct="0">
-              <a:spcBef>
-                <a:spcPct val="0"/>
-              </a:spcBef>
-              <a:spcAft>
-                <a:spcPct val="0"/>
-              </a:spcAft>
-            </a:pPr>
-            <a:r>
-              <a:rPr lang="zh-CN" altLang="zh-CN" sz="1100" i="1" dirty="0">
-                <a:solidFill>
-                  <a:srgbClr val="5C6370"/>
-                </a:solidFill>
-                <a:latin typeface="Arial Unicode MS" panose="020B0604020202020204" pitchFamily="34" charset="-122"/>
-              </a:rPr>
-              <a:t># plt.show() </a:t>
-            </a:r>
-            <a:endParaRPr lang="zh-CN" altLang="zh-CN" sz="1100" dirty="0">
-              <a:solidFill>
-                <a:srgbClr val="ABB2BF"/>
-              </a:solidFill>
-              <a:latin typeface="Arial Unicode MS" panose="020B0604020202020204" pitchFamily="34" charset="-122"/>
-            </a:endParaRPr>
-          </a:p>
-          <a:p>
-            <a:pPr lvl="0" defTabSz="914400" eaLnBrk="0" fontAlgn="base" hangingPunct="0">
-              <a:spcBef>
-                <a:spcPct val="0"/>
-              </a:spcBef>
-              <a:spcAft>
-                <a:spcPct val="0"/>
-              </a:spcAft>
-            </a:pPr>
-            <a:r>
-              <a:rPr lang="zh-CN" altLang="zh-CN" sz="1100" dirty="0">
-                <a:solidFill>
-                  <a:srgbClr val="E06C75"/>
-                </a:solidFill>
-                <a:latin typeface="Arial Unicode MS" panose="020B0604020202020204" pitchFamily="34" charset="-122"/>
-              </a:rPr>
-              <a:t>plt</a:t>
-            </a:r>
-            <a:r>
-              <a:rPr lang="zh-CN" altLang="zh-CN" sz="1100" dirty="0">
-                <a:solidFill>
-                  <a:srgbClr val="ABB2BF"/>
-                </a:solidFill>
-                <a:latin typeface="Arial Unicode MS" panose="020B0604020202020204" pitchFamily="34" charset="-122"/>
-              </a:rPr>
-              <a:t>.</a:t>
-            </a:r>
-            <a:r>
-              <a:rPr lang="zh-CN" altLang="zh-CN" sz="1100" dirty="0">
-                <a:solidFill>
-                  <a:srgbClr val="61AFEF"/>
-                </a:solidFill>
-                <a:latin typeface="Arial Unicode MS" panose="020B0604020202020204" pitchFamily="34" charset="-122"/>
-              </a:rPr>
-              <a:t>savefig</a:t>
-            </a:r>
-            <a:r>
-              <a:rPr lang="zh-CN" altLang="zh-CN" sz="1100" dirty="0">
-                <a:solidFill>
-                  <a:srgbClr val="ABB2BF"/>
-                </a:solidFill>
-                <a:latin typeface="Arial Unicode MS" panose="020B0604020202020204" pitchFamily="34" charset="-122"/>
-              </a:rPr>
-              <a:t>(</a:t>
-            </a:r>
-            <a:r>
-              <a:rPr lang="zh-CN" altLang="zh-CN" sz="1100" dirty="0">
-                <a:solidFill>
-                  <a:srgbClr val="98C379"/>
-                </a:solidFill>
-                <a:latin typeface="Arial Unicode MS" panose="020B0604020202020204" pitchFamily="34" charset="-122"/>
-              </a:rPr>
-              <a:t>"123.jpg"</a:t>
+              <a:t>"123.png"</a:t>
             </a:r>
             <a:r>
               <a:rPr lang="zh-CN" altLang="zh-CN" sz="1100" dirty="0">
@@ -5650,7 +5173,7 @@
         </p:nvSpPr>
         <p:spPr>
           <a:xfrm>
-            <a:off x="6670476" y="3789040"/>
+            <a:off x="6670476" y="2780928"/>
             <a:ext cx="4896544" cy="493508"/>
           </a:xfrm>
           <a:prstGeom prst="rect">
@@ -5731,6 +5254,85 @@
               <a:latin typeface="微软雅黑" panose="020B0503020204020204" pitchFamily="34" charset="-122"/>
               <a:ea typeface="微软雅黑" panose="020B0503020204020204" pitchFamily="34" charset="-122"/>
             </a:endParaRPr>
+          </a:p>
+        </p:txBody>
+      </p:sp>
+      <p:sp>
+        <p:nvSpPr>
+          <p:cNvPr id="11" name="矩形 10">
+            <a:hlinkClick r:id="rId3"/>
+            <a:extLst>
+              <a:ext uri="{FF2B5EF4-FFF2-40B4-BE49-F238E27FC236}">
+                <a16:creationId xmlns:a16="http://schemas.microsoft.com/office/drawing/2014/main" id="{FC5E7415-8A13-4E23-990C-01F9D56A752F}"/>
+              </a:ext>
+            </a:extLst>
+          </p:cNvPr>
+          <p:cNvSpPr/>
+          <p:nvPr/>
+        </p:nvSpPr>
+        <p:spPr>
+          <a:xfrm>
+            <a:off x="10610308" y="885942"/>
+            <a:ext cx="1301992" cy="400110"/>
+          </a:xfrm>
+          <a:prstGeom prst="rect">
+            <a:avLst/>
+          </a:prstGeom>
+          <a:solidFill>
+            <a:schemeClr val="bg1">
+              <a:lumMod val="75000"/>
+            </a:schemeClr>
+          </a:solidFill>
+          <a:ln w="28575">
+            <a:solidFill>
+              <a:schemeClr val="bg1">
+                <a:lumMod val="50000"/>
+              </a:schemeClr>
+            </a:solidFill>
+          </a:ln>
+          <a:effectLst>
+            <a:outerShdw blurRad="107950" dist="12700" dir="5400000" algn="ctr">
+              <a:srgbClr val="000000"/>
+            </a:outerShdw>
+          </a:effectLst>
+          <a:scene3d>
+            <a:camera prst="orthographicFront">
+              <a:rot lat="0" lon="0" rev="0"/>
+            </a:camera>
+            <a:lightRig rig="soft" dir="t">
+              <a:rot lat="0" lon="0" rev="0"/>
+            </a:lightRig>
+          </a:scene3d>
+          <a:sp3d contourW="44450" prstMaterial="matte">
+            <a:bevelT w="63500" h="63500" prst="artDeco"/>
+            <a:contourClr>
+              <a:srgbClr val="FFFFFF"/>
+            </a:contourClr>
+          </a:sp3d>
+        </p:spPr>
+        <p:txBody>
+          <a:bodyPr wrap="square" lIns="91440" tIns="45720" rIns="91440" bIns="45720">
+            <a:spAutoFit/>
+          </a:bodyPr>
+          <a:lstStyle/>
+          <a:p>
+            <a:pPr algn="ctr"/>
+            <a:r>
+              <a:rPr lang="zh-CN" altLang="en-US" sz="2000" b="0" cap="none" spc="0" dirty="0">
+                <a:ln w="0"/>
+                <a:solidFill>
+                  <a:schemeClr val="tx1"/>
+                </a:solidFill>
+                <a:effectLst>
+                  <a:outerShdw blurRad="38100" dist="19050" dir="2700000" algn="tl" rotWithShape="0">
+                    <a:schemeClr val="dk1">
+                      <a:alpha val="40000"/>
+                    </a:schemeClr>
+                  </a:outerShdw>
+                </a:effectLst>
+              </a:rPr>
+              <a:t>官方文档</a:t>
+            </a:r>
           </a:p>
         </p:txBody>
       </p:sp>
@@ -14027,24 +13629,16 @@
               <a:t>(</a:t>
             </a:r>
             <a:r>
+              <a:rPr lang="zh-CN" altLang="en-US" sz="2000"/>
+              <a:t>大数据后台</a:t>
+            </a:r>
+            <a:r>
+              <a:rPr lang="en-US" altLang="zh-CN" sz="2000"/>
+              <a:t>15</a:t>
+            </a:r>
+            <a:r>
               <a:rPr lang="zh-CN" altLang="en-US" sz="2000" dirty="0"/>
-              <a:t>后台</a:t>
-            </a:r>
-            <a:r>
-              <a:rPr lang="en-US" altLang="zh-CN" sz="2000" dirty="0"/>
-              <a:t>15</a:t>
-            </a:r>
-            <a:r>
-              <a:rPr lang="zh-CN" altLang="en-US" sz="2000"/>
-              <a:t>分钟调一</a:t>
-            </a:r>
-            <a:r>
-              <a:rPr lang="zh-CN" altLang="en-US" sz="2000" dirty="0"/>
-              <a:t>次</a:t>
-            </a:r>
-            <a:r>
-              <a:rPr lang="zh-CN" altLang="en-US" sz="2000"/>
-              <a:t>，调用延迟小于</a:t>
+              <a:t>分钟调一次，调用延迟小于</a:t>
             </a:r>
             <a:r>
               <a:rPr lang="en-US" altLang="zh-CN" sz="2000" dirty="0"/>
@@ -30630,12 +30224,139 @@
 </file>
 
 <file path=customXml/item1.xml><?xml version="1.0" encoding="utf-8"?>
-<?mso-contentType ?>
-<FormTemplates xmlns="http://schemas.microsoft.com/sharepoint/v3/contenttype/forms">
-  <Display>DocumentLibraryForm</Display>
-  <Edit>AssetEditForm</Edit>
-  <New>DocumentLibraryForm</New>
-</FormTemplates>
+<p:properties xmlns:p="http://schemas.microsoft.com/office/2006/metadata/properties" xmlns:xsi="http://www.w3.org/2001/XMLSchema-instance" xmlns:pc="http://schemas.microsoft.com/office/infopath/2007/PartnerControls">
+  <documentManagement>
+    <LocPublishedLinkedAssetsLookup xmlns="4873beb7-5857-4685-be1f-d57550cc96cc" xsi:nil="true"/>
+    <ApprovalStatus xmlns="4873beb7-5857-4685-be1f-d57550cc96cc">InProgress</ApprovalStatus>
+    <MarketSpecific xmlns="4873beb7-5857-4685-be1f-d57550cc96cc">false</MarketSpecific>
+    <LocComments xmlns="4873beb7-5857-4685-be1f-d57550cc96cc" xsi:nil="true"/>
+    <LocLastLocAttemptVersionTypeLookup xmlns="4873beb7-5857-4685-be1f-d57550cc96cc" xsi:nil="true"/>
+    <DirectSourceMarket xmlns="4873beb7-5857-4685-be1f-d57550cc96cc" xsi:nil="true"/>
+    <ThumbnailAssetId xmlns="4873beb7-5857-4685-be1f-d57550cc96cc" xsi:nil="true"/>
+    <PrimaryImageGen xmlns="4873beb7-5857-4685-be1f-d57550cc96cc">false</PrimaryImageGen>
+    <LocNewPublishedVersionLookup xmlns="4873beb7-5857-4685-be1f-d57550cc96cc" xsi:nil="true"/>
+    <LegacyData xmlns="4873beb7-5857-4685-be1f-d57550cc96cc" xsi:nil="true"/>
+    <LocRecommendedHandoff xmlns="4873beb7-5857-4685-be1f-d57550cc96cc" xsi:nil="true"/>
+    <BusinessGroup xmlns="4873beb7-5857-4685-be1f-d57550cc96cc" xsi:nil="true"/>
+    <BlockPublish xmlns="4873beb7-5857-4685-be1f-d57550cc96cc">false</BlockPublish>
+    <TPFriendlyName xmlns="4873beb7-5857-4685-be1f-d57550cc96cc" xsi:nil="true"/>
+    <LocOverallPublishStatusLookup xmlns="4873beb7-5857-4685-be1f-d57550cc96cc" xsi:nil="true"/>
+    <NumericId xmlns="4873beb7-5857-4685-be1f-d57550cc96cc" xsi:nil="true"/>
+    <APEditor xmlns="4873beb7-5857-4685-be1f-d57550cc96cc">
+      <UserInfo>
+        <DisplayName/>
+        <AccountId xsi:nil="true"/>
+        <AccountType/>
+      </UserInfo>
+    </APEditor>
+    <SourceTitle xmlns="4873beb7-5857-4685-be1f-d57550cc96cc" xsi:nil="true"/>
+    <OpenTemplate xmlns="4873beb7-5857-4685-be1f-d57550cc96cc">true</OpenTemplate>
+    <LocOverallLocStatusLookup xmlns="4873beb7-5857-4685-be1f-d57550cc96cc" xsi:nil="true"/>
+    <UALocComments xmlns="4873beb7-5857-4685-be1f-d57550cc96cc" xsi:nil="true"/>
+    <ParentAssetId xmlns="4873beb7-5857-4685-be1f-d57550cc96cc" xsi:nil="true"/>
+    <IntlLangReviewDate xmlns="4873beb7-5857-4685-be1f-d57550cc96cc" xsi:nil="true"/>
+    <FeatureTagsTaxHTField0 xmlns="4873beb7-5857-4685-be1f-d57550cc96cc">
+      <Terms xmlns="http://schemas.microsoft.com/office/infopath/2007/PartnerControls"/>
+    </FeatureTagsTaxHTField0>
+    <PublishStatusLookup xmlns="4873beb7-5857-4685-be1f-d57550cc96cc">
+      <Value>1345039</Value>
+    </PublishStatusLookup>
+    <Providers xmlns="4873beb7-5857-4685-be1f-d57550cc96cc" xsi:nil="true"/>
+    <MachineTranslated xmlns="4873beb7-5857-4685-be1f-d57550cc96cc">false</MachineTranslated>
+    <OriginalSourceMarket xmlns="4873beb7-5857-4685-be1f-d57550cc96cc" xsi:nil="true"/>
+    <APDescription xmlns="4873beb7-5857-4685-be1f-d57550cc96cc">The bookstacks present on most slides  make this a good choice for students, teachers, reading enthusiasts, and others in education. This presentation template contains multiple slide layouts in widescreen format (16x9) and includes a sample table and chart that you can easily  modify.</APDescription>
+    <ClipArtFilename xmlns="4873beb7-5857-4685-be1f-d57550cc96cc" xsi:nil="true"/>
+    <ContentItem xmlns="4873beb7-5857-4685-be1f-d57550cc96cc" xsi:nil="true"/>
+    <TPInstallLocation xmlns="4873beb7-5857-4685-be1f-d57550cc96cc" xsi:nil="true"/>
+    <PublishTargets xmlns="4873beb7-5857-4685-be1f-d57550cc96cc">OfficeOnlineVNext</PublishTargets>
+    <TimesCloned xmlns="4873beb7-5857-4685-be1f-d57550cc96cc" xsi:nil="true"/>
+    <AssetStart xmlns="4873beb7-5857-4685-be1f-d57550cc96cc">2011-11-26T00:00:00+00:00</AssetStart>
+    <Provider xmlns="4873beb7-5857-4685-be1f-d57550cc96cc" xsi:nil="true"/>
+    <AcquiredFrom xmlns="4873beb7-5857-4685-be1f-d57550cc96cc">Internal MS</AcquiredFrom>
+    <FriendlyTitle xmlns="4873beb7-5857-4685-be1f-d57550cc96cc" xsi:nil="true"/>
+    <LastHandOff xmlns="4873beb7-5857-4685-be1f-d57550cc96cc" xsi:nil="true"/>
+    <TPClientViewer xmlns="4873beb7-5857-4685-be1f-d57550cc96cc" xsi:nil="true"/>
+    <TemplateStatus xmlns="4873beb7-5857-4685-be1f-d57550cc96cc">Complete</TemplateStatus>
+    <Downloads xmlns="4873beb7-5857-4685-be1f-d57550cc96cc">0</Downloads>
+    <OOCacheId xmlns="4873beb7-5857-4685-be1f-d57550cc96cc" xsi:nil="true"/>
+    <IsDeleted xmlns="4873beb7-5857-4685-be1f-d57550cc96cc">false</IsDeleted>
+    <LocPublishedDependentAssetsLookup xmlns="4873beb7-5857-4685-be1f-d57550cc96cc" xsi:nil="true"/>
+    <AssetExpire xmlns="4873beb7-5857-4685-be1f-d57550cc96cc">2029-05-12T07:00:00+00:00</AssetExpire>
+    <DSATActionTaken xmlns="4873beb7-5857-4685-be1f-d57550cc96cc" xsi:nil="true"/>
+    <CSXSubmissionMarket xmlns="4873beb7-5857-4685-be1f-d57550cc96cc" xsi:nil="true"/>
+    <TPExecutable xmlns="4873beb7-5857-4685-be1f-d57550cc96cc" xsi:nil="true"/>
+    <EditorialTags xmlns="4873beb7-5857-4685-be1f-d57550cc96cc" xsi:nil="true"/>
+    <SubmitterId xmlns="4873beb7-5857-4685-be1f-d57550cc96cc" xsi:nil="true"/>
+    <ApprovalLog xmlns="4873beb7-5857-4685-be1f-d57550cc96cc" xsi:nil="true"/>
+    <AssetType xmlns="4873beb7-5857-4685-be1f-d57550cc96cc">TP</AssetType>
+    <BugNumber xmlns="4873beb7-5857-4685-be1f-d57550cc96cc" xsi:nil="true"/>
+    <CSXSubmissionDate xmlns="4873beb7-5857-4685-be1f-d57550cc96cc" xsi:nil="true"/>
+    <CSXUpdate xmlns="4873beb7-5857-4685-be1f-d57550cc96cc">false</CSXUpdate>
+    <Milestone xmlns="4873beb7-5857-4685-be1f-d57550cc96cc" xsi:nil="true"/>
+    <RecommendationsModifier xmlns="4873beb7-5857-4685-be1f-d57550cc96cc" xsi:nil="true"/>
+    <OriginAsset xmlns="4873beb7-5857-4685-be1f-d57550cc96cc" xsi:nil="true"/>
+    <TPComponent xmlns="4873beb7-5857-4685-be1f-d57550cc96cc" xsi:nil="true"/>
+    <AssetId xmlns="4873beb7-5857-4685-be1f-d57550cc96cc">TP102787939</AssetId>
+    <IntlLocPriority xmlns="4873beb7-5857-4685-be1f-d57550cc96cc" xsi:nil="true"/>
+    <PolicheckWords xmlns="4873beb7-5857-4685-be1f-d57550cc96cc" xsi:nil="true"/>
+    <TPLaunchHelpLink xmlns="4873beb7-5857-4685-be1f-d57550cc96cc" xsi:nil="true"/>
+    <TPApplication xmlns="4873beb7-5857-4685-be1f-d57550cc96cc" xsi:nil="true"/>
+    <CrawlForDependencies xmlns="4873beb7-5857-4685-be1f-d57550cc96cc">false</CrawlForDependencies>
+    <HandoffToMSDN xmlns="4873beb7-5857-4685-be1f-d57550cc96cc" xsi:nil="true"/>
+    <PlannedPubDate xmlns="4873beb7-5857-4685-be1f-d57550cc96cc" xsi:nil="true"/>
+    <IntlLangReviewer xmlns="4873beb7-5857-4685-be1f-d57550cc96cc" xsi:nil="true"/>
+    <TrustLevel xmlns="4873beb7-5857-4685-be1f-d57550cc96cc">1 Microsoft Managed Content</TrustLevel>
+    <LocLastLocAttemptVersionLookup xmlns="4873beb7-5857-4685-be1f-d57550cc96cc">694216</LocLastLocAttemptVersionLookup>
+    <LocProcessedForHandoffsLookup xmlns="4873beb7-5857-4685-be1f-d57550cc96cc" xsi:nil="true"/>
+    <IsSearchable xmlns="4873beb7-5857-4685-be1f-d57550cc96cc">true</IsSearchable>
+    <TemplateTemplateType xmlns="4873beb7-5857-4685-be1f-d57550cc96cc">PowerPoint Presentation Template</TemplateTemplateType>
+    <CampaignTagsTaxHTField0 xmlns="4873beb7-5857-4685-be1f-d57550cc96cc">
+      <Terms xmlns="http://schemas.microsoft.com/office/infopath/2007/PartnerControls"/>
+    </CampaignTagsTaxHTField0>
+    <TPNamespace xmlns="4873beb7-5857-4685-be1f-d57550cc96cc" xsi:nil="true"/>
+    <LocOverallPreviewStatusLookup xmlns="4873beb7-5857-4685-be1f-d57550cc96cc" xsi:nil="true"/>
+    <TaxCatchAll xmlns="4873beb7-5857-4685-be1f-d57550cc96cc"/>
+    <Markets xmlns="4873beb7-5857-4685-be1f-d57550cc96cc"/>
+    <UAProjectedTotalWords xmlns="4873beb7-5857-4685-be1f-d57550cc96cc" xsi:nil="true"/>
+    <IntlLangReview xmlns="4873beb7-5857-4685-be1f-d57550cc96cc" xsi:nil="true"/>
+    <OutputCachingOn xmlns="4873beb7-5857-4685-be1f-d57550cc96cc">false</OutputCachingOn>
+    <AverageRating xmlns="4873beb7-5857-4685-be1f-d57550cc96cc" xsi:nil="true"/>
+    <APAuthor xmlns="4873beb7-5857-4685-be1f-d57550cc96cc">
+      <UserInfo>
+        <DisplayName>REDMOND\kristaa</DisplayName>
+        <AccountId>136</AccountId>
+        <AccountType/>
+      </UserInfo>
+    </APAuthor>
+    <LocManualTestRequired xmlns="4873beb7-5857-4685-be1f-d57550cc96cc">false</LocManualTestRequired>
+    <TPCommandLine xmlns="4873beb7-5857-4685-be1f-d57550cc96cc" xsi:nil="true"/>
+    <TPAppVersion xmlns="4873beb7-5857-4685-be1f-d57550cc96cc" xsi:nil="true"/>
+    <EditorialStatus xmlns="4873beb7-5857-4685-be1f-d57550cc96cc">Complete</EditorialStatus>
+    <LastModifiedDateTime xmlns="4873beb7-5857-4685-be1f-d57550cc96cc" xsi:nil="true"/>
+    <ScenarioTagsTaxHTField0 xmlns="4873beb7-5857-4685-be1f-d57550cc96cc">
+      <Terms xmlns="http://schemas.microsoft.com/office/infopath/2007/PartnerControls"/>
+    </ScenarioTagsTaxHTField0>
+    <LocProcessedForMarketsLookup xmlns="4873beb7-5857-4685-be1f-d57550cc96cc" xsi:nil="true"/>
+    <TPLaunchHelpLinkType xmlns="4873beb7-5857-4685-be1f-d57550cc96cc">Template</TPLaunchHelpLinkType>
+    <OriginalRelease xmlns="4873beb7-5857-4685-be1f-d57550cc96cc">15</OriginalRelease>
+    <LocalizationTagsTaxHTField0 xmlns="4873beb7-5857-4685-be1f-d57550cc96cc">
+      <Terms xmlns="http://schemas.microsoft.com/office/infopath/2007/PartnerControls"/>
+    </LocalizationTagsTaxHTField0>
+    <UACurrentWords xmlns="4873beb7-5857-4685-be1f-d57550cc96cc" xsi:nil="true"/>
+    <ArtSampleDocs xmlns="4873beb7-5857-4685-be1f-d57550cc96cc" xsi:nil="true"/>
+    <UALocRecommendation xmlns="4873beb7-5857-4685-be1f-d57550cc96cc">Localize</UALocRecommendation>
+    <Manager xmlns="4873beb7-5857-4685-be1f-d57550cc96cc" xsi:nil="true"/>
+    <LocOverallHandbackStatusLookup xmlns="4873beb7-5857-4685-be1f-d57550cc96cc" xsi:nil="true"/>
+    <ShowIn xmlns="4873beb7-5857-4685-be1f-d57550cc96cc">Show everywhere</ShowIn>
+    <UANotes xmlns="4873beb7-5857-4685-be1f-d57550cc96cc" xsi:nil="true"/>
+    <InternalTagsTaxHTField0 xmlns="4873beb7-5857-4685-be1f-d57550cc96cc">
+      <Terms xmlns="http://schemas.microsoft.com/office/infopath/2007/PartnerControls"/>
+    </InternalTagsTaxHTField0>
+    <CSXHash xmlns="4873beb7-5857-4685-be1f-d57550cc96cc" xsi:nil="true"/>
+    <VoteCount xmlns="4873beb7-5857-4685-be1f-d57550cc96cc" xsi:nil="true"/>
+    <LocMarketGroupTiers2 xmlns="4873beb7-5857-4685-be1f-d57550cc96cc" xsi:nil="true"/>
+  </documentManagement>
+</p:properties>
 </file>
 
 <file path=customXml/item2.xml><?xml version="1.0" encoding="utf-8"?>
@@ -31679,145 +31400,26 @@
 </file>
 
 <file path=customXml/item3.xml><?xml version="1.0" encoding="utf-8"?>
-<p:properties xmlns:p="http://schemas.microsoft.com/office/2006/metadata/properties" xmlns:xsi="http://www.w3.org/2001/XMLSchema-instance" xmlns:pc="http://schemas.microsoft.com/office/infopath/2007/PartnerControls">
-  <documentManagement>
-    <LocPublishedLinkedAssetsLookup xmlns="4873beb7-5857-4685-be1f-d57550cc96cc" xsi:nil="true"/>
-    <ApprovalStatus xmlns="4873beb7-5857-4685-be1f-d57550cc96cc">InProgress</ApprovalStatus>
-    <MarketSpecific xmlns="4873beb7-5857-4685-be1f-d57550cc96cc">false</MarketSpecific>
-    <LocComments xmlns="4873beb7-5857-4685-be1f-d57550cc96cc" xsi:nil="true"/>
-    <LocLastLocAttemptVersionTypeLookup xmlns="4873beb7-5857-4685-be1f-d57550cc96cc" xsi:nil="true"/>
-    <DirectSourceMarket xmlns="4873beb7-5857-4685-be1f-d57550cc96cc" xsi:nil="true"/>
-    <ThumbnailAssetId xmlns="4873beb7-5857-4685-be1f-d57550cc96cc" xsi:nil="true"/>
-    <PrimaryImageGen xmlns="4873beb7-5857-4685-be1f-d57550cc96cc">false</PrimaryImageGen>
-    <LocNewPublishedVersionLookup xmlns="4873beb7-5857-4685-be1f-d57550cc96cc" xsi:nil="true"/>
-    <LegacyData xmlns="4873beb7-5857-4685-be1f-d57550cc96cc" xsi:nil="true"/>
-    <LocRecommendedHandoff xmlns="4873beb7-5857-4685-be1f-d57550cc96cc" xsi:nil="true"/>
-    <BusinessGroup xmlns="4873beb7-5857-4685-be1f-d57550cc96cc" xsi:nil="true"/>
-    <BlockPublish xmlns="4873beb7-5857-4685-be1f-d57550cc96cc">false</BlockPublish>
-    <TPFriendlyName xmlns="4873beb7-5857-4685-be1f-d57550cc96cc" xsi:nil="true"/>
-    <LocOverallPublishStatusLookup xmlns="4873beb7-5857-4685-be1f-d57550cc96cc" xsi:nil="true"/>
-    <NumericId xmlns="4873beb7-5857-4685-be1f-d57550cc96cc" xsi:nil="true"/>
-    <APEditor xmlns="4873beb7-5857-4685-be1f-d57550cc96cc">
-      <UserInfo>
-        <DisplayName/>
-        <AccountId xsi:nil="true"/>
-        <AccountType/>
-      </UserInfo>
-    </APEditor>
-    <SourceTitle xmlns="4873beb7-5857-4685-be1f-d57550cc96cc" xsi:nil="true"/>
-    <OpenTemplate xmlns="4873beb7-5857-4685-be1f-d57550cc96cc">true</OpenTemplate>
-    <LocOverallLocStatusLookup xmlns="4873beb7-5857-4685-be1f-d57550cc96cc" xsi:nil="true"/>
-    <UALocComments xmlns="4873beb7-5857-4685-be1f-d57550cc96cc" xsi:nil="true"/>
-    <ParentAssetId xmlns="4873beb7-5857-4685-be1f-d57550cc96cc" xsi:nil="true"/>
-    <IntlLangReviewDate xmlns="4873beb7-5857-4685-be1f-d57550cc96cc" xsi:nil="true"/>
-    <FeatureTagsTaxHTField0 xmlns="4873beb7-5857-4685-be1f-d57550cc96cc">
-      <Terms xmlns="http://schemas.microsoft.com/office/infopath/2007/PartnerControls"/>
-    </FeatureTagsTaxHTField0>
-    <PublishStatusLookup xmlns="4873beb7-5857-4685-be1f-d57550cc96cc">
-      <Value>1345039</Value>
-    </PublishStatusLookup>
-    <Providers xmlns="4873beb7-5857-4685-be1f-d57550cc96cc" xsi:nil="true"/>
-    <MachineTranslated xmlns="4873beb7-5857-4685-be1f-d57550cc96cc">false</MachineTranslated>
-    <OriginalSourceMarket xmlns="4873beb7-5857-4685-be1f-d57550cc96cc" xsi:nil="true"/>
-    <APDescription xmlns="4873beb7-5857-4685-be1f-d57550cc96cc">The bookstacks present on most slides  make this a good choice for students, teachers, reading enthusiasts, and others in education. This presentation template contains multiple slide layouts in widescreen format (16x9) and includes a sample table and chart that you can easily  modify.</APDescription>
-    <ClipArtFilename xmlns="4873beb7-5857-4685-be1f-d57550cc96cc" xsi:nil="true"/>
-    <ContentItem xmlns="4873beb7-5857-4685-be1f-d57550cc96cc" xsi:nil="true"/>
-    <TPInstallLocation xmlns="4873beb7-5857-4685-be1f-d57550cc96cc" xsi:nil="true"/>
-    <PublishTargets xmlns="4873beb7-5857-4685-be1f-d57550cc96cc">OfficeOnlineVNext</PublishTargets>
-    <TimesCloned xmlns="4873beb7-5857-4685-be1f-d57550cc96cc" xsi:nil="true"/>
-    <AssetStart xmlns="4873beb7-5857-4685-be1f-d57550cc96cc">2011-11-26T00:00:00+00:00</AssetStart>
-    <Provider xmlns="4873beb7-5857-4685-be1f-d57550cc96cc" xsi:nil="true"/>
-    <AcquiredFrom xmlns="4873beb7-5857-4685-be1f-d57550cc96cc">Internal MS</AcquiredFrom>
-    <FriendlyTitle xmlns="4873beb7-5857-4685-be1f-d57550cc96cc" xsi:nil="true"/>
-    <LastHandOff xmlns="4873beb7-5857-4685-be1f-d57550cc96cc" xsi:nil="true"/>
-    <TPClientViewer xmlns="4873beb7-5857-4685-be1f-d57550cc96cc" xsi:nil="true"/>
-    <TemplateStatus xmlns="4873beb7-5857-4685-be1f-d57550cc96cc">Complete</TemplateStatus>
-    <Downloads xmlns="4873beb7-5857-4685-be1f-d57550cc96cc">0</Downloads>
-    <OOCacheId xmlns="4873beb7-5857-4685-be1f-d57550cc96cc" xsi:nil="true"/>
-    <IsDeleted xmlns="4873beb7-5857-4685-be1f-d57550cc96cc">false</IsDeleted>
-    <LocPublishedDependentAssetsLookup xmlns="4873beb7-5857-4685-be1f-d57550cc96cc" xsi:nil="true"/>
-    <AssetExpire xmlns="4873beb7-5857-4685-be1f-d57550cc96cc">2029-05-12T07:00:00+00:00</AssetExpire>
-    <DSATActionTaken xmlns="4873beb7-5857-4685-be1f-d57550cc96cc" xsi:nil="true"/>
-    <CSXSubmissionMarket xmlns="4873beb7-5857-4685-be1f-d57550cc96cc" xsi:nil="true"/>
-    <TPExecutable xmlns="4873beb7-5857-4685-be1f-d57550cc96cc" xsi:nil="true"/>
-    <EditorialTags xmlns="4873beb7-5857-4685-be1f-d57550cc96cc" xsi:nil="true"/>
-    <SubmitterId xmlns="4873beb7-5857-4685-be1f-d57550cc96cc" xsi:nil="true"/>
-    <ApprovalLog xmlns="4873beb7-5857-4685-be1f-d57550cc96cc" xsi:nil="true"/>
-    <AssetType xmlns="4873beb7-5857-4685-be1f-d57550cc96cc">TP</AssetType>
-    <BugNumber xmlns="4873beb7-5857-4685-be1f-d57550cc96cc" xsi:nil="true"/>
-    <CSXSubmissionDate xmlns="4873beb7-5857-4685-be1f-d57550cc96cc" xsi:nil="true"/>
-    <CSXUpdate xmlns="4873beb7-5857-4685-be1f-d57550cc96cc">false</CSXUpdate>
-    <Milestone xmlns="4873beb7-5857-4685-be1f-d57550cc96cc" xsi:nil="true"/>
-    <RecommendationsModifier xmlns="4873beb7-5857-4685-be1f-d57550cc96cc" xsi:nil="true"/>
-    <OriginAsset xmlns="4873beb7-5857-4685-be1f-d57550cc96cc" xsi:nil="true"/>
-    <TPComponent xmlns="4873beb7-5857-4685-be1f-d57550cc96cc" xsi:nil="true"/>
-    <AssetId xmlns="4873beb7-5857-4685-be1f-d57550cc96cc">TP102787939</AssetId>
-    <IntlLocPriority xmlns="4873beb7-5857-4685-be1f-d57550cc96cc" xsi:nil="true"/>
-    <PolicheckWords xmlns="4873beb7-5857-4685-be1f-d57550cc96cc" xsi:nil="true"/>
-    <TPLaunchHelpLink xmlns="4873beb7-5857-4685-be1f-d57550cc96cc" xsi:nil="true"/>
-    <TPApplication xmlns="4873beb7-5857-4685-be1f-d57550cc96cc" xsi:nil="true"/>
-    <CrawlForDependencies xmlns="4873beb7-5857-4685-be1f-d57550cc96cc">false</CrawlForDependencies>
-    <HandoffToMSDN xmlns="4873beb7-5857-4685-be1f-d57550cc96cc" xsi:nil="true"/>
-    <PlannedPubDate xmlns="4873beb7-5857-4685-be1f-d57550cc96cc" xsi:nil="true"/>
-    <IntlLangReviewer xmlns="4873beb7-5857-4685-be1f-d57550cc96cc" xsi:nil="true"/>
-    <TrustLevel xmlns="4873beb7-5857-4685-be1f-d57550cc96cc">1 Microsoft Managed Content</TrustLevel>
-    <LocLastLocAttemptVersionLookup xmlns="4873beb7-5857-4685-be1f-d57550cc96cc">694216</LocLastLocAttemptVersionLookup>
-    <LocProcessedForHandoffsLookup xmlns="4873beb7-5857-4685-be1f-d57550cc96cc" xsi:nil="true"/>
-    <IsSearchable xmlns="4873beb7-5857-4685-be1f-d57550cc96cc">true</IsSearchable>
-    <TemplateTemplateType xmlns="4873beb7-5857-4685-be1f-d57550cc96cc">PowerPoint Presentation Template</TemplateTemplateType>
-    <CampaignTagsTaxHTField0 xmlns="4873beb7-5857-4685-be1f-d57550cc96cc">
-      <Terms xmlns="http://schemas.microsoft.com/office/infopath/2007/PartnerControls"/>
-    </CampaignTagsTaxHTField0>
-    <TPNamespace xmlns="4873beb7-5857-4685-be1f-d57550cc96cc" xsi:nil="true"/>
-    <LocOverallPreviewStatusLookup xmlns="4873beb7-5857-4685-be1f-d57550cc96cc" xsi:nil="true"/>
-    <TaxCatchAll xmlns="4873beb7-5857-4685-be1f-d57550cc96cc"/>
-    <Markets xmlns="4873beb7-5857-4685-be1f-d57550cc96cc"/>
-    <UAProjectedTotalWords xmlns="4873beb7-5857-4685-be1f-d57550cc96cc" xsi:nil="true"/>
-    <IntlLangReview xmlns="4873beb7-5857-4685-be1f-d57550cc96cc" xsi:nil="true"/>
-    <OutputCachingOn xmlns="4873beb7-5857-4685-be1f-d57550cc96cc">false</OutputCachingOn>
-    <AverageRating xmlns="4873beb7-5857-4685-be1f-d57550cc96cc" xsi:nil="true"/>
-    <APAuthor xmlns="4873beb7-5857-4685-be1f-d57550cc96cc">
-      <UserInfo>
-        <DisplayName>REDMOND\kristaa</DisplayName>
-        <AccountId>136</AccountId>
-        <AccountType/>
-      </UserInfo>
-    </APAuthor>
-    <LocManualTestRequired xmlns="4873beb7-5857-4685-be1f-d57550cc96cc">false</LocManualTestRequired>
-    <TPCommandLine xmlns="4873beb7-5857-4685-be1f-d57550cc96cc" xsi:nil="true"/>
-    <TPAppVersion xmlns="4873beb7-5857-4685-be1f-d57550cc96cc" xsi:nil="true"/>
-    <EditorialStatus xmlns="4873beb7-5857-4685-be1f-d57550cc96cc">Complete</EditorialStatus>
-    <LastModifiedDateTime xmlns="4873beb7-5857-4685-be1f-d57550cc96cc" xsi:nil="true"/>
-    <ScenarioTagsTaxHTField0 xmlns="4873beb7-5857-4685-be1f-d57550cc96cc">
-      <Terms xmlns="http://schemas.microsoft.com/office/infopath/2007/PartnerControls"/>
-    </ScenarioTagsTaxHTField0>
-    <LocProcessedForMarketsLookup xmlns="4873beb7-5857-4685-be1f-d57550cc96cc" xsi:nil="true"/>
-    <TPLaunchHelpLinkType xmlns="4873beb7-5857-4685-be1f-d57550cc96cc">Template</TPLaunchHelpLinkType>
-    <OriginalRelease xmlns="4873beb7-5857-4685-be1f-d57550cc96cc">15</OriginalRelease>
-    <LocalizationTagsTaxHTField0 xmlns="4873beb7-5857-4685-be1f-d57550cc96cc">
-      <Terms xmlns="http://schemas.microsoft.com/office/infopath/2007/PartnerControls"/>
-    </LocalizationTagsTaxHTField0>
-    <UACurrentWords xmlns="4873beb7-5857-4685-be1f-d57550cc96cc" xsi:nil="true"/>
-    <ArtSampleDocs xmlns="4873beb7-5857-4685-be1f-d57550cc96cc" xsi:nil="true"/>
-    <UALocRecommendation xmlns="4873beb7-5857-4685-be1f-d57550cc96cc">Localize</UALocRecommendation>
-    <Manager xmlns="4873beb7-5857-4685-be1f-d57550cc96cc" xsi:nil="true"/>
-    <LocOverallHandbackStatusLookup xmlns="4873beb7-5857-4685-be1f-d57550cc96cc" xsi:nil="true"/>
-    <ShowIn xmlns="4873beb7-5857-4685-be1f-d57550cc96cc">Show everywhere</ShowIn>
-    <UANotes xmlns="4873beb7-5857-4685-be1f-d57550cc96cc" xsi:nil="true"/>
-    <InternalTagsTaxHTField0 xmlns="4873beb7-5857-4685-be1f-d57550cc96cc">
-      <Terms xmlns="http://schemas.microsoft.com/office/infopath/2007/PartnerControls"/>
-    </InternalTagsTaxHTField0>
-    <CSXHash xmlns="4873beb7-5857-4685-be1f-d57550cc96cc" xsi:nil="true"/>
-    <VoteCount xmlns="4873beb7-5857-4685-be1f-d57550cc96cc" xsi:nil="true"/>
-    <LocMarketGroupTiers2 xmlns="4873beb7-5857-4685-be1f-d57550cc96cc" xsi:nil="true"/>
-  </documentManagement>
-</p:properties>
+<?mso-contentType ?>
+<FormTemplates xmlns="http://schemas.microsoft.com/sharepoint/v3/contenttype/forms">
+  <Display>DocumentLibraryForm</Display>
+  <Edit>AssetEditForm</Edit>
+  <New>DocumentLibraryForm</New>
+</FormTemplates>
 </file>
 
 <file path=customXml/itemProps1.xml><?xml version="1.0" encoding="utf-8"?>
-<ds:datastoreItem xmlns:ds="http://schemas.openxmlformats.org/officeDocument/2006/customXml" ds:itemID="{E1B558C7-619B-49BE-9097-7FCBDADD4ECE}">
+<ds:datastoreItem xmlns:ds="http://schemas.openxmlformats.org/officeDocument/2006/customXml" ds:itemID="{F301D382-32B0-43EE-932C-28906AF37617}">
   <ds:schemaRefs>
-    <ds:schemaRef ds:uri="http://schemas.microsoft.com/sharepoint/v3/contenttype/forms"/>
+    <ds:schemaRef ds:uri="http://purl.org/dc/elements/1.1/"/>
+    <ds:schemaRef ds:uri="http://schemas.microsoft.com/office/2006/metadata/properties"/>
+    <ds:schemaRef ds:uri="http://schemas.openxmlformats.org/package/2006/metadata/core-properties"/>
+    <ds:schemaRef ds:uri="http://schemas.microsoft.com/office/2006/documentManagement/types"/>
+    <ds:schemaRef ds:uri="http://schemas.microsoft.com/office/infopath/2007/PartnerControls"/>
+    <ds:schemaRef ds:uri="http://purl.org/dc/terms/"/>
+    <ds:schemaRef ds:uri="http://purl.org/dc/dcmitype/"/>
+    <ds:schemaRef ds:uri="4873beb7-5857-4685-be1f-d57550cc96cc"/>
+    <ds:schemaRef ds:uri="http://www.w3.org/XML/1998/namespace"/>
   </ds:schemaRefs>
 </ds:datastoreItem>
 </file>
@@ -31841,17 +31443,9 @@
 </file>
 
 <file path=customXml/itemProps3.xml><?xml version="1.0" encoding="utf-8"?>
-<ds:datastoreItem xmlns:ds="http://schemas.openxmlformats.org/officeDocument/2006/customXml" ds:itemID="{F301D382-32B0-43EE-932C-28906AF37617}">
+<ds:datastoreItem xmlns:ds="http://schemas.openxmlformats.org/officeDocument/2006/customXml" ds:itemID="{E1B558C7-619B-49BE-9097-7FCBDADD4ECE}">
   <ds:schemaRefs>
-    <ds:schemaRef ds:uri="http://purl.org/dc/elements/1.1/"/>
-    <ds:schemaRef ds:uri="http://schemas.microsoft.com/office/2006/metadata/properties"/>
-    <ds:schemaRef ds:uri="http://schemas.openxmlformats.org/package/2006/metadata/core-properties"/>
-    <ds:schemaRef ds:uri="http://schemas.microsoft.com/office/2006/documentManagement/types"/>
-    <ds:schemaRef ds:uri="http://schemas.microsoft.com/office/infopath/2007/PartnerControls"/>
-    <ds:schemaRef ds:uri="http://purl.org/dc/terms/"/>
-    <ds:schemaRef ds:uri="http://purl.org/dc/dcmitype/"/>
-    <ds:schemaRef ds:uri="4873beb7-5857-4685-be1f-d57550cc96cc"/>
-    <ds:schemaRef ds:uri="http://www.w3.org/XML/1998/namespace"/>
+    <ds:schemaRef ds:uri="http://schemas.microsoft.com/sharepoint/v3/contenttype/forms"/>
   </ds:schemaRefs>
 </ds:datastoreItem>
 </file>
--- a/钉钉机器人.pptx
+++ b/钉钉机器人.pptx
@@ -18667,12 +18667,14 @@
               <a:t>py</a:t>
             </a:r>
             <a:r>
-              <a:rPr lang="zh-CN" altLang="en-US" sz="2000"/>
-              <a:t>文件中的</a:t>
-            </a:r>
-            <a:r>
               <a:rPr lang="zh-CN" altLang="en-US" sz="2000" dirty="0"/>
-              <a:t>代码</a:t>
+              <a:t>文件中的代码，</a:t>
+            </a:r>
+            <a:r>
+              <a:rPr lang="zh-CN" altLang="en-US" sz="2000" dirty="0">
+                <a:hlinkClick r:id="rId2"/>
+              </a:rPr>
+              <a:t>点我下载</a:t>
             </a:r>
             <a:endParaRPr lang="en-US" altLang="zh-CN" sz="2000" dirty="0"/>
           </a:p>
@@ -30224,139 +30226,12 @@
 </file>
 
 <file path=customXml/item1.xml><?xml version="1.0" encoding="utf-8"?>
-<p:properties xmlns:p="http://schemas.microsoft.com/office/2006/metadata/properties" xmlns:xsi="http://www.w3.org/2001/XMLSchema-instance" xmlns:pc="http://schemas.microsoft.com/office/infopath/2007/PartnerControls">
-  <documentManagement>
-    <LocPublishedLinkedAssetsLookup xmlns="4873beb7-5857-4685-be1f-d57550cc96cc" xsi:nil="true"/>
-    <ApprovalStatus xmlns="4873beb7-5857-4685-be1f-d57550cc96cc">InProgress</ApprovalStatus>
-    <MarketSpecific xmlns="4873beb7-5857-4685-be1f-d57550cc96cc">false</MarketSpecific>
-    <LocComments xmlns="4873beb7-5857-4685-be1f-d57550cc96cc" xsi:nil="true"/>
-    <LocLastLocAttemptVersionTypeLookup xmlns="4873beb7-5857-4685-be1f-d57550cc96cc" xsi:nil="true"/>
-    <DirectSourceMarket xmlns="4873beb7-5857-4685-be1f-d57550cc96cc" xsi:nil="true"/>
-    <ThumbnailAssetId xmlns="4873beb7-5857-4685-be1f-d57550cc96cc" xsi:nil="true"/>
-    <PrimaryImageGen xmlns="4873beb7-5857-4685-be1f-d57550cc96cc">false</PrimaryImageGen>
-    <LocNewPublishedVersionLookup xmlns="4873beb7-5857-4685-be1f-d57550cc96cc" xsi:nil="true"/>
-    <LegacyData xmlns="4873beb7-5857-4685-be1f-d57550cc96cc" xsi:nil="true"/>
-    <LocRecommendedHandoff xmlns="4873beb7-5857-4685-be1f-d57550cc96cc" xsi:nil="true"/>
-    <BusinessGroup xmlns="4873beb7-5857-4685-be1f-d57550cc96cc" xsi:nil="true"/>
-    <BlockPublish xmlns="4873beb7-5857-4685-be1f-d57550cc96cc">false</BlockPublish>
-    <TPFriendlyName xmlns="4873beb7-5857-4685-be1f-d57550cc96cc" xsi:nil="true"/>
-    <LocOverallPublishStatusLookup xmlns="4873beb7-5857-4685-be1f-d57550cc96cc" xsi:nil="true"/>
-    <NumericId xmlns="4873beb7-5857-4685-be1f-d57550cc96cc" xsi:nil="true"/>
-    <APEditor xmlns="4873beb7-5857-4685-be1f-d57550cc96cc">
-      <UserInfo>
-        <DisplayName/>
-        <AccountId xsi:nil="true"/>
-        <AccountType/>
-      </UserInfo>
-    </APEditor>
-    <SourceTitle xmlns="4873beb7-5857-4685-be1f-d57550cc96cc" xsi:nil="true"/>
-    <OpenTemplate xmlns="4873beb7-5857-4685-be1f-d57550cc96cc">true</OpenTemplate>
-    <LocOverallLocStatusLookup xmlns="4873beb7-5857-4685-be1f-d57550cc96cc" xsi:nil="true"/>
-    <UALocComments xmlns="4873beb7-5857-4685-be1f-d57550cc96cc" xsi:nil="true"/>
-    <ParentAssetId xmlns="4873beb7-5857-4685-be1f-d57550cc96cc" xsi:nil="true"/>
-    <IntlLangReviewDate xmlns="4873beb7-5857-4685-be1f-d57550cc96cc" xsi:nil="true"/>
-    <FeatureTagsTaxHTField0 xmlns="4873beb7-5857-4685-be1f-d57550cc96cc">
-      <Terms xmlns="http://schemas.microsoft.com/office/infopath/2007/PartnerControls"/>
-    </FeatureTagsTaxHTField0>
-    <PublishStatusLookup xmlns="4873beb7-5857-4685-be1f-d57550cc96cc">
-      <Value>1345039</Value>
-    </PublishStatusLookup>
-    <Providers xmlns="4873beb7-5857-4685-be1f-d57550cc96cc" xsi:nil="true"/>
-    <MachineTranslated xmlns="4873beb7-5857-4685-be1f-d57550cc96cc">false</MachineTranslated>
-    <OriginalSourceMarket xmlns="4873beb7-5857-4685-be1f-d57550cc96cc" xsi:nil="true"/>
-    <APDescription xmlns="4873beb7-5857-4685-be1f-d57550cc96cc">The bookstacks present on most slides  make this a good choice for students, teachers, reading enthusiasts, and others in education. This presentation template contains multiple slide layouts in widescreen format (16x9) and includes a sample table and chart that you can easily  modify.</APDescription>
-    <ClipArtFilename xmlns="4873beb7-5857-4685-be1f-d57550cc96cc" xsi:nil="true"/>
-    <ContentItem xmlns="4873beb7-5857-4685-be1f-d57550cc96cc" xsi:nil="true"/>
-    <TPInstallLocation xmlns="4873beb7-5857-4685-be1f-d57550cc96cc" xsi:nil="true"/>
-    <PublishTargets xmlns="4873beb7-5857-4685-be1f-d57550cc96cc">OfficeOnlineVNext</PublishTargets>
-    <TimesCloned xmlns="4873beb7-5857-4685-be1f-d57550cc96cc" xsi:nil="true"/>
-    <AssetStart xmlns="4873beb7-5857-4685-be1f-d57550cc96cc">2011-11-26T00:00:00+00:00</AssetStart>
-    <Provider xmlns="4873beb7-5857-4685-be1f-d57550cc96cc" xsi:nil="true"/>
-    <AcquiredFrom xmlns="4873beb7-5857-4685-be1f-d57550cc96cc">Internal MS</AcquiredFrom>
-    <FriendlyTitle xmlns="4873beb7-5857-4685-be1f-d57550cc96cc" xsi:nil="true"/>
-    <LastHandOff xmlns="4873beb7-5857-4685-be1f-d57550cc96cc" xsi:nil="true"/>
-    <TPClientViewer xmlns="4873beb7-5857-4685-be1f-d57550cc96cc" xsi:nil="true"/>
-    <TemplateStatus xmlns="4873beb7-5857-4685-be1f-d57550cc96cc">Complete</TemplateStatus>
-    <Downloads xmlns="4873beb7-5857-4685-be1f-d57550cc96cc">0</Downloads>
-    <OOCacheId xmlns="4873beb7-5857-4685-be1f-d57550cc96cc" xsi:nil="true"/>
-    <IsDeleted xmlns="4873beb7-5857-4685-be1f-d57550cc96cc">false</IsDeleted>
-    <LocPublishedDependentAssetsLookup xmlns="4873beb7-5857-4685-be1f-d57550cc96cc" xsi:nil="true"/>
-    <AssetExpire xmlns="4873beb7-5857-4685-be1f-d57550cc96cc">2029-05-12T07:00:00+00:00</AssetExpire>
-    <DSATActionTaken xmlns="4873beb7-5857-4685-be1f-d57550cc96cc" xsi:nil="true"/>
-    <CSXSubmissionMarket xmlns="4873beb7-5857-4685-be1f-d57550cc96cc" xsi:nil="true"/>
-    <TPExecutable xmlns="4873beb7-5857-4685-be1f-d57550cc96cc" xsi:nil="true"/>
-    <EditorialTags xmlns="4873beb7-5857-4685-be1f-d57550cc96cc" xsi:nil="true"/>
-    <SubmitterId xmlns="4873beb7-5857-4685-be1f-d57550cc96cc" xsi:nil="true"/>
-    <ApprovalLog xmlns="4873beb7-5857-4685-be1f-d57550cc96cc" xsi:nil="true"/>
-    <AssetType xmlns="4873beb7-5857-4685-be1f-d57550cc96cc">TP</AssetType>
-    <BugNumber xmlns="4873beb7-5857-4685-be1f-d57550cc96cc" xsi:nil="true"/>
-    <CSXSubmissionDate xmlns="4873beb7-5857-4685-be1f-d57550cc96cc" xsi:nil="true"/>
-    <CSXUpdate xmlns="4873beb7-5857-4685-be1f-d57550cc96cc">false</CSXUpdate>
-    <Milestone xmlns="4873beb7-5857-4685-be1f-d57550cc96cc" xsi:nil="true"/>
-    <RecommendationsModifier xmlns="4873beb7-5857-4685-be1f-d57550cc96cc" xsi:nil="true"/>
-    <OriginAsset xmlns="4873beb7-5857-4685-be1f-d57550cc96cc" xsi:nil="true"/>
-    <TPComponent xmlns="4873beb7-5857-4685-be1f-d57550cc96cc" xsi:nil="true"/>
-    <AssetId xmlns="4873beb7-5857-4685-be1f-d57550cc96cc">TP102787939</AssetId>
-    <IntlLocPriority xmlns="4873beb7-5857-4685-be1f-d57550cc96cc" xsi:nil="true"/>
-    <PolicheckWords xmlns="4873beb7-5857-4685-be1f-d57550cc96cc" xsi:nil="true"/>
-    <TPLaunchHelpLink xmlns="4873beb7-5857-4685-be1f-d57550cc96cc" xsi:nil="true"/>
-    <TPApplication xmlns="4873beb7-5857-4685-be1f-d57550cc96cc" xsi:nil="true"/>
-    <CrawlForDependencies xmlns="4873beb7-5857-4685-be1f-d57550cc96cc">false</CrawlForDependencies>
-    <HandoffToMSDN xmlns="4873beb7-5857-4685-be1f-d57550cc96cc" xsi:nil="true"/>
-    <PlannedPubDate xmlns="4873beb7-5857-4685-be1f-d57550cc96cc" xsi:nil="true"/>
-    <IntlLangReviewer xmlns="4873beb7-5857-4685-be1f-d57550cc96cc" xsi:nil="true"/>
-    <TrustLevel xmlns="4873beb7-5857-4685-be1f-d57550cc96cc">1 Microsoft Managed Content</TrustLevel>
-    <LocLastLocAttemptVersionLookup xmlns="4873beb7-5857-4685-be1f-d57550cc96cc">694216</LocLastLocAttemptVersionLookup>
-    <LocProcessedForHandoffsLookup xmlns="4873beb7-5857-4685-be1f-d57550cc96cc" xsi:nil="true"/>
-    <IsSearchable xmlns="4873beb7-5857-4685-be1f-d57550cc96cc">true</IsSearchable>
-    <TemplateTemplateType xmlns="4873beb7-5857-4685-be1f-d57550cc96cc">PowerPoint Presentation Template</TemplateTemplateType>
-    <CampaignTagsTaxHTField0 xmlns="4873beb7-5857-4685-be1f-d57550cc96cc">
-      <Terms xmlns="http://schemas.microsoft.com/office/infopath/2007/PartnerControls"/>
-    </CampaignTagsTaxHTField0>
-    <TPNamespace xmlns="4873beb7-5857-4685-be1f-d57550cc96cc" xsi:nil="true"/>
-    <LocOverallPreviewStatusLookup xmlns="4873beb7-5857-4685-be1f-d57550cc96cc" xsi:nil="true"/>
-    <TaxCatchAll xmlns="4873beb7-5857-4685-be1f-d57550cc96cc"/>
-    <Markets xmlns="4873beb7-5857-4685-be1f-d57550cc96cc"/>
-    <UAProjectedTotalWords xmlns="4873beb7-5857-4685-be1f-d57550cc96cc" xsi:nil="true"/>
-    <IntlLangReview xmlns="4873beb7-5857-4685-be1f-d57550cc96cc" xsi:nil="true"/>
-    <OutputCachingOn xmlns="4873beb7-5857-4685-be1f-d57550cc96cc">false</OutputCachingOn>
-    <AverageRating xmlns="4873beb7-5857-4685-be1f-d57550cc96cc" xsi:nil="true"/>
-    <APAuthor xmlns="4873beb7-5857-4685-be1f-d57550cc96cc">
-      <UserInfo>
-        <DisplayName>REDMOND\kristaa</DisplayName>
-        <AccountId>136</AccountId>
-        <AccountType/>
-      </UserInfo>
-    </APAuthor>
-    <LocManualTestRequired xmlns="4873beb7-5857-4685-be1f-d57550cc96cc">false</LocManualTestRequired>
-    <TPCommandLine xmlns="4873beb7-5857-4685-be1f-d57550cc96cc" xsi:nil="true"/>
-    <TPAppVersion xmlns="4873beb7-5857-4685-be1f-d57550cc96cc" xsi:nil="true"/>
-    <EditorialStatus xmlns="4873beb7-5857-4685-be1f-d57550cc96cc">Complete</EditorialStatus>
-    <LastModifiedDateTime xmlns="4873beb7-5857-4685-be1f-d57550cc96cc" xsi:nil="true"/>
-    <ScenarioTagsTaxHTField0 xmlns="4873beb7-5857-4685-be1f-d57550cc96cc">
-      <Terms xmlns="http://schemas.microsoft.com/office/infopath/2007/PartnerControls"/>
-    </ScenarioTagsTaxHTField0>
-    <LocProcessedForMarketsLookup xmlns="4873beb7-5857-4685-be1f-d57550cc96cc" xsi:nil="true"/>
-    <TPLaunchHelpLinkType xmlns="4873beb7-5857-4685-be1f-d57550cc96cc">Template</TPLaunchHelpLinkType>
-    <OriginalRelease xmlns="4873beb7-5857-4685-be1f-d57550cc96cc">15</OriginalRelease>
-    <LocalizationTagsTaxHTField0 xmlns="4873beb7-5857-4685-be1f-d57550cc96cc">
-      <Terms xmlns="http://schemas.microsoft.com/office/infopath/2007/PartnerControls"/>
-    </LocalizationTagsTaxHTField0>
-    <UACurrentWords xmlns="4873beb7-5857-4685-be1f-d57550cc96cc" xsi:nil="true"/>
-    <ArtSampleDocs xmlns="4873beb7-5857-4685-be1f-d57550cc96cc" xsi:nil="true"/>
-    <UALocRecommendation xmlns="4873beb7-5857-4685-be1f-d57550cc96cc">Localize</UALocRecommendation>
-    <Manager xmlns="4873beb7-5857-4685-be1f-d57550cc96cc" xsi:nil="true"/>
-    <LocOverallHandbackStatusLookup xmlns="4873beb7-5857-4685-be1f-d57550cc96cc" xsi:nil="true"/>
-    <ShowIn xmlns="4873beb7-5857-4685-be1f-d57550cc96cc">Show everywhere</ShowIn>
-    <UANotes xmlns="4873beb7-5857-4685-be1f-d57550cc96cc" xsi:nil="true"/>
-    <InternalTagsTaxHTField0 xmlns="4873beb7-5857-4685-be1f-d57550cc96cc">
-      <Terms xmlns="http://schemas.microsoft.com/office/infopath/2007/PartnerControls"/>
-    </InternalTagsTaxHTField0>
-    <CSXHash xmlns="4873beb7-5857-4685-be1f-d57550cc96cc" xsi:nil="true"/>
-    <VoteCount xmlns="4873beb7-5857-4685-be1f-d57550cc96cc" xsi:nil="true"/>
-    <LocMarketGroupTiers2 xmlns="4873beb7-5857-4685-be1f-d57550cc96cc" xsi:nil="true"/>
-  </documentManagement>
-</p:properties>
+<?mso-contentType ?>
+<FormTemplates xmlns="http://schemas.microsoft.com/sharepoint/v3/contenttype/forms">
+  <Display>DocumentLibraryForm</Display>
+  <Edit>AssetEditForm</Edit>
+  <New>DocumentLibraryForm</New>
+</FormTemplates>
 </file>
 
 <file path=customXml/item2.xml><?xml version="1.0" encoding="utf-8"?>
@@ -31400,26 +31275,145 @@
 </file>
 
 <file path=customXml/item3.xml><?xml version="1.0" encoding="utf-8"?>
-<?mso-contentType ?>
-<FormTemplates xmlns="http://schemas.microsoft.com/sharepoint/v3/contenttype/forms">
-  <Display>DocumentLibraryForm</Display>
-  <Edit>AssetEditForm</Edit>
-  <New>DocumentLibraryForm</New>
-</FormTemplates>
+<p:properties xmlns:p="http://schemas.microsoft.com/office/2006/metadata/properties" xmlns:xsi="http://www.w3.org/2001/XMLSchema-instance" xmlns:pc="http://schemas.microsoft.com/office/infopath/2007/PartnerControls">
+  <documentManagement>
+    <LocPublishedLinkedAssetsLookup xmlns="4873beb7-5857-4685-be1f-d57550cc96cc" xsi:nil="true"/>
+    <ApprovalStatus xmlns="4873beb7-5857-4685-be1f-d57550cc96cc">InProgress</ApprovalStatus>
+    <MarketSpecific xmlns="4873beb7-5857-4685-be1f-d57550cc96cc">false</MarketSpecific>
+    <LocComments xmlns="4873beb7-5857-4685-be1f-d57550cc96cc" xsi:nil="true"/>
+    <LocLastLocAttemptVersionTypeLookup xmlns="4873beb7-5857-4685-be1f-d57550cc96cc" xsi:nil="true"/>
+    <DirectSourceMarket xmlns="4873beb7-5857-4685-be1f-d57550cc96cc" xsi:nil="true"/>
+    <ThumbnailAssetId xmlns="4873beb7-5857-4685-be1f-d57550cc96cc" xsi:nil="true"/>
+    <PrimaryImageGen xmlns="4873beb7-5857-4685-be1f-d57550cc96cc">false</PrimaryImageGen>
+    <LocNewPublishedVersionLookup xmlns="4873beb7-5857-4685-be1f-d57550cc96cc" xsi:nil="true"/>
+    <LegacyData xmlns="4873beb7-5857-4685-be1f-d57550cc96cc" xsi:nil="true"/>
+    <LocRecommendedHandoff xmlns="4873beb7-5857-4685-be1f-d57550cc96cc" xsi:nil="true"/>
+    <BusinessGroup xmlns="4873beb7-5857-4685-be1f-d57550cc96cc" xsi:nil="true"/>
+    <BlockPublish xmlns="4873beb7-5857-4685-be1f-d57550cc96cc">false</BlockPublish>
+    <TPFriendlyName xmlns="4873beb7-5857-4685-be1f-d57550cc96cc" xsi:nil="true"/>
+    <LocOverallPublishStatusLookup xmlns="4873beb7-5857-4685-be1f-d57550cc96cc" xsi:nil="true"/>
+    <NumericId xmlns="4873beb7-5857-4685-be1f-d57550cc96cc" xsi:nil="true"/>
+    <APEditor xmlns="4873beb7-5857-4685-be1f-d57550cc96cc">
+      <UserInfo>
+        <DisplayName/>
+        <AccountId xsi:nil="true"/>
+        <AccountType/>
+      </UserInfo>
+    </APEditor>
+    <SourceTitle xmlns="4873beb7-5857-4685-be1f-d57550cc96cc" xsi:nil="true"/>
+    <OpenTemplate xmlns="4873beb7-5857-4685-be1f-d57550cc96cc">true</OpenTemplate>
+    <LocOverallLocStatusLookup xmlns="4873beb7-5857-4685-be1f-d57550cc96cc" xsi:nil="true"/>
+    <UALocComments xmlns="4873beb7-5857-4685-be1f-d57550cc96cc" xsi:nil="true"/>
+    <ParentAssetId xmlns="4873beb7-5857-4685-be1f-d57550cc96cc" xsi:nil="true"/>
+    <IntlLangReviewDate xmlns="4873beb7-5857-4685-be1f-d57550cc96cc" xsi:nil="true"/>
+    <FeatureTagsTaxHTField0 xmlns="4873beb7-5857-4685-be1f-d57550cc96cc">
+      <Terms xmlns="http://schemas.microsoft.com/office/infopath/2007/PartnerControls"/>
+    </FeatureTagsTaxHTField0>
+    <PublishStatusLookup xmlns="4873beb7-5857-4685-be1f-d57550cc96cc">
+      <Value>1345039</Value>
+    </PublishStatusLookup>
+    <Providers xmlns="4873beb7-5857-4685-be1f-d57550cc96cc" xsi:nil="true"/>
+    <MachineTranslated xmlns="4873beb7-5857-4685-be1f-d57550cc96cc">false</MachineTranslated>
+    <OriginalSourceMarket xmlns="4873beb7-5857-4685-be1f-d57550cc96cc" xsi:nil="true"/>
+    <APDescription xmlns="4873beb7-5857-4685-be1f-d57550cc96cc">The bookstacks present on most slides  make this a good choice for students, teachers, reading enthusiasts, and others in education. This presentation template contains multiple slide layouts in widescreen format (16x9) and includes a sample table and chart that you can easily  modify.</APDescription>
+    <ClipArtFilename xmlns="4873beb7-5857-4685-be1f-d57550cc96cc" xsi:nil="true"/>
+    <ContentItem xmlns="4873beb7-5857-4685-be1f-d57550cc96cc" xsi:nil="true"/>
+    <TPInstallLocation xmlns="4873beb7-5857-4685-be1f-d57550cc96cc" xsi:nil="true"/>
+    <PublishTargets xmlns="4873beb7-5857-4685-be1f-d57550cc96cc">OfficeOnlineVNext</PublishTargets>
+    <TimesCloned xmlns="4873beb7-5857-4685-be1f-d57550cc96cc" xsi:nil="true"/>
+    <AssetStart xmlns="4873beb7-5857-4685-be1f-d57550cc96cc">2011-11-26T00:00:00+00:00</AssetStart>
+    <Provider xmlns="4873beb7-5857-4685-be1f-d57550cc96cc" xsi:nil="true"/>
+    <AcquiredFrom xmlns="4873beb7-5857-4685-be1f-d57550cc96cc">Internal MS</AcquiredFrom>
+    <FriendlyTitle xmlns="4873beb7-5857-4685-be1f-d57550cc96cc" xsi:nil="true"/>
+    <LastHandOff xmlns="4873beb7-5857-4685-be1f-d57550cc96cc" xsi:nil="true"/>
+    <TPClientViewer xmlns="4873beb7-5857-4685-be1f-d57550cc96cc" xsi:nil="true"/>
+    <TemplateStatus xmlns="4873beb7-5857-4685-be1f-d57550cc96cc">Complete</TemplateStatus>
+    <Downloads xmlns="4873beb7-5857-4685-be1f-d57550cc96cc">0</Downloads>
+    <OOCacheId xmlns="4873beb7-5857-4685-be1f-d57550cc96cc" xsi:nil="true"/>
+    <IsDeleted xmlns="4873beb7-5857-4685-be1f-d57550cc96cc">false</IsDeleted>
+    <LocPublishedDependentAssetsLookup xmlns="4873beb7-5857-4685-be1f-d57550cc96cc" xsi:nil="true"/>
+    <AssetExpire xmlns="4873beb7-5857-4685-be1f-d57550cc96cc">2029-05-12T07:00:00+00:00</AssetExpire>
+    <DSATActionTaken xmlns="4873beb7-5857-4685-be1f-d57550cc96cc" xsi:nil="true"/>
+    <CSXSubmissionMarket xmlns="4873beb7-5857-4685-be1f-d57550cc96cc" xsi:nil="true"/>
+    <TPExecutable xmlns="4873beb7-5857-4685-be1f-d57550cc96cc" xsi:nil="true"/>
+    <EditorialTags xmlns="4873beb7-5857-4685-be1f-d57550cc96cc" xsi:nil="true"/>
+    <SubmitterId xmlns="4873beb7-5857-4685-be1f-d57550cc96cc" xsi:nil="true"/>
+    <ApprovalLog xmlns="4873beb7-5857-4685-be1f-d57550cc96cc" xsi:nil="true"/>
+    <AssetType xmlns="4873beb7-5857-4685-be1f-d57550cc96cc">TP</AssetType>
+    <BugNumber xmlns="4873beb7-5857-4685-be1f-d57550cc96cc" xsi:nil="true"/>
+    <CSXSubmissionDate xmlns="4873beb7-5857-4685-be1f-d57550cc96cc" xsi:nil="true"/>
+    <CSXUpdate xmlns="4873beb7-5857-4685-be1f-d57550cc96cc">false</CSXUpdate>
+    <Milestone xmlns="4873beb7-5857-4685-be1f-d57550cc96cc" xsi:nil="true"/>
+    <RecommendationsModifier xmlns="4873beb7-5857-4685-be1f-d57550cc96cc" xsi:nil="true"/>
+    <OriginAsset xmlns="4873beb7-5857-4685-be1f-d57550cc96cc" xsi:nil="true"/>
+    <TPComponent xmlns="4873beb7-5857-4685-be1f-d57550cc96cc" xsi:nil="true"/>
+    <AssetId xmlns="4873beb7-5857-4685-be1f-d57550cc96cc">TP102787939</AssetId>
+    <IntlLocPriority xmlns="4873beb7-5857-4685-be1f-d57550cc96cc" xsi:nil="true"/>
+    <PolicheckWords xmlns="4873beb7-5857-4685-be1f-d57550cc96cc" xsi:nil="true"/>
+    <TPLaunchHelpLink xmlns="4873beb7-5857-4685-be1f-d57550cc96cc" xsi:nil="true"/>
+    <TPApplication xmlns="4873beb7-5857-4685-be1f-d57550cc96cc" xsi:nil="true"/>
+    <CrawlForDependencies xmlns="4873beb7-5857-4685-be1f-d57550cc96cc">false</CrawlForDependencies>
+    <HandoffToMSDN xmlns="4873beb7-5857-4685-be1f-d57550cc96cc" xsi:nil="true"/>
+    <PlannedPubDate xmlns="4873beb7-5857-4685-be1f-d57550cc96cc" xsi:nil="true"/>
+    <IntlLangReviewer xmlns="4873beb7-5857-4685-be1f-d57550cc96cc" xsi:nil="true"/>
+    <TrustLevel xmlns="4873beb7-5857-4685-be1f-d57550cc96cc">1 Microsoft Managed Content</TrustLevel>
+    <LocLastLocAttemptVersionLookup xmlns="4873beb7-5857-4685-be1f-d57550cc96cc">694216</LocLastLocAttemptVersionLookup>
+    <LocProcessedForHandoffsLookup xmlns="4873beb7-5857-4685-be1f-d57550cc96cc" xsi:nil="true"/>
+    <IsSearchable xmlns="4873beb7-5857-4685-be1f-d57550cc96cc">true</IsSearchable>
+    <TemplateTemplateType xmlns="4873beb7-5857-4685-be1f-d57550cc96cc">PowerPoint Presentation Template</TemplateTemplateType>
+    <CampaignTagsTaxHTField0 xmlns="4873beb7-5857-4685-be1f-d57550cc96cc">
+      <Terms xmlns="http://schemas.microsoft.com/office/infopath/2007/PartnerControls"/>
+    </CampaignTagsTaxHTField0>
+    <TPNamespace xmlns="4873beb7-5857-4685-be1f-d57550cc96cc" xsi:nil="true"/>
+    <LocOverallPreviewStatusLookup xmlns="4873beb7-5857-4685-be1f-d57550cc96cc" xsi:nil="true"/>
+    <TaxCatchAll xmlns="4873beb7-5857-4685-be1f-d57550cc96cc"/>
+    <Markets xmlns="4873beb7-5857-4685-be1f-d57550cc96cc"/>
+    <UAProjectedTotalWords xmlns="4873beb7-5857-4685-be1f-d57550cc96cc" xsi:nil="true"/>
+    <IntlLangReview xmlns="4873beb7-5857-4685-be1f-d57550cc96cc" xsi:nil="true"/>
+    <OutputCachingOn xmlns="4873beb7-5857-4685-be1f-d57550cc96cc">false</OutputCachingOn>
+    <AverageRating xmlns="4873beb7-5857-4685-be1f-d57550cc96cc" xsi:nil="true"/>
+    <APAuthor xmlns="4873beb7-5857-4685-be1f-d57550cc96cc">
+      <UserInfo>
+        <DisplayName>REDMOND\kristaa</DisplayName>
+        <AccountId>136</AccountId>
+        <AccountType/>
+      </UserInfo>
+    </APAuthor>
+    <LocManualTestRequired xmlns="4873beb7-5857-4685-be1f-d57550cc96cc">false</LocManualTestRequired>
+    <TPCommandLine xmlns="4873beb7-5857-4685-be1f-d57550cc96cc" xsi:nil="true"/>
+    <TPAppVersion xmlns="4873beb7-5857-4685-be1f-d57550cc96cc" xsi:nil="true"/>
+    <EditorialStatus xmlns="4873beb7-5857-4685-be1f-d57550cc96cc">Complete</EditorialStatus>
+    <LastModifiedDateTime xmlns="4873beb7-5857-4685-be1f-d57550cc96cc" xsi:nil="true"/>
+    <ScenarioTagsTaxHTField0 xmlns="4873beb7-5857-4685-be1f-d57550cc96cc">
+      <Terms xmlns="http://schemas.microsoft.com/office/infopath/2007/PartnerControls"/>
+    </ScenarioTagsTaxHTField0>
+    <LocProcessedForMarketsLookup xmlns="4873beb7-5857-4685-be1f-d57550cc96cc" xsi:nil="true"/>
+    <TPLaunchHelpLinkType xmlns="4873beb7-5857-4685-be1f-d57550cc96cc">Template</TPLaunchHelpLinkType>
+    <OriginalRelease xmlns="4873beb7-5857-4685-be1f-d57550cc96cc">15</OriginalRelease>
+    <LocalizationTagsTaxHTField0 xmlns="4873beb7-5857-4685-be1f-d57550cc96cc">
+      <Terms xmlns="http://schemas.microsoft.com/office/infopath/2007/PartnerControls"/>
+    </LocalizationTagsTaxHTField0>
+    <UACurrentWords xmlns="4873beb7-5857-4685-be1f-d57550cc96cc" xsi:nil="true"/>
+    <ArtSampleDocs xmlns="4873beb7-5857-4685-be1f-d57550cc96cc" xsi:nil="true"/>
+    <UALocRecommendation xmlns="4873beb7-5857-4685-be1f-d57550cc96cc">Localize</UALocRecommendation>
+    <Manager xmlns="4873beb7-5857-4685-be1f-d57550cc96cc" xsi:nil="true"/>
+    <LocOverallHandbackStatusLookup xmlns="4873beb7-5857-4685-be1f-d57550cc96cc" xsi:nil="true"/>
+    <ShowIn xmlns="4873beb7-5857-4685-be1f-d57550cc96cc">Show everywhere</ShowIn>
+    <UANotes xmlns="4873beb7-5857-4685-be1f-d57550cc96cc" xsi:nil="true"/>
+    <InternalTagsTaxHTField0 xmlns="4873beb7-5857-4685-be1f-d57550cc96cc">
+      <Terms xmlns="http://schemas.microsoft.com/office/infopath/2007/PartnerControls"/>
+    </InternalTagsTaxHTField0>
+    <CSXHash xmlns="4873beb7-5857-4685-be1f-d57550cc96cc" xsi:nil="true"/>
+    <VoteCount xmlns="4873beb7-5857-4685-be1f-d57550cc96cc" xsi:nil="true"/>
+    <LocMarketGroupTiers2 xmlns="4873beb7-5857-4685-be1f-d57550cc96cc" xsi:nil="true"/>
+  </documentManagement>
+</p:properties>
 </file>
 
 <file path=customXml/itemProps1.xml><?xml version="1.0" encoding="utf-8"?>
-<ds:datastoreItem xmlns:ds="http://schemas.openxmlformats.org/officeDocument/2006/customXml" ds:itemID="{F301D382-32B0-43EE-932C-28906AF37617}">
+<ds:datastoreItem xmlns:ds="http://schemas.openxmlformats.org/officeDocument/2006/customXml" ds:itemID="{E1B558C7-619B-49BE-9097-7FCBDADD4ECE}">
   <ds:schemaRefs>
-    <ds:schemaRef ds:uri="http://purl.org/dc/elements/1.1/"/>
-    <ds:schemaRef ds:uri="http://schemas.microsoft.com/office/2006/metadata/properties"/>
-    <ds:schemaRef ds:uri="http://schemas.openxmlformats.org/package/2006/metadata/core-properties"/>
-    <ds:schemaRef ds:uri="http://schemas.microsoft.com/office/2006/documentManagement/types"/>
-    <ds:schemaRef ds:uri="http://schemas.microsoft.com/office/infopath/2007/PartnerControls"/>
-    <ds:schemaRef ds:uri="http://purl.org/dc/terms/"/>
-    <ds:schemaRef ds:uri="http://purl.org/dc/dcmitype/"/>
-    <ds:schemaRef ds:uri="4873beb7-5857-4685-be1f-d57550cc96cc"/>
-    <ds:schemaRef ds:uri="http://www.w3.org/XML/1998/namespace"/>
+    <ds:schemaRef ds:uri="http://schemas.microsoft.com/sharepoint/v3/contenttype/forms"/>
   </ds:schemaRefs>
 </ds:datastoreItem>
 </file>
@@ -31443,9 +31437,17 @@
 </file>
 
 <file path=customXml/itemProps3.xml><?xml version="1.0" encoding="utf-8"?>
-<ds:datastoreItem xmlns:ds="http://schemas.openxmlformats.org/officeDocument/2006/customXml" ds:itemID="{E1B558C7-619B-49BE-9097-7FCBDADD4ECE}">
+<ds:datastoreItem xmlns:ds="http://schemas.openxmlformats.org/officeDocument/2006/customXml" ds:itemID="{F301D382-32B0-43EE-932C-28906AF37617}">
   <ds:schemaRefs>
-    <ds:schemaRef ds:uri="http://schemas.microsoft.com/sharepoint/v3/contenttype/forms"/>
+    <ds:schemaRef ds:uri="http://purl.org/dc/elements/1.1/"/>
+    <ds:schemaRef ds:uri="http://schemas.microsoft.com/office/2006/metadata/properties"/>
+    <ds:schemaRef ds:uri="http://schemas.openxmlformats.org/package/2006/metadata/core-properties"/>
+    <ds:schemaRef ds:uri="http://schemas.microsoft.com/office/2006/documentManagement/types"/>
+    <ds:schemaRef ds:uri="http://schemas.microsoft.com/office/infopath/2007/PartnerControls"/>
+    <ds:schemaRef ds:uri="http://purl.org/dc/terms/"/>
+    <ds:schemaRef ds:uri="http://purl.org/dc/dcmitype/"/>
+    <ds:schemaRef ds:uri="4873beb7-5857-4685-be1f-d57550cc96cc"/>
+    <ds:schemaRef ds:uri="http://www.w3.org/XML/1998/namespace"/>
   </ds:schemaRefs>
 </ds:datastoreItem>
 </file>
--- a/钉钉机器人.pptx
+++ b/钉钉机器人.pptx
@@ -260,7 +260,7 @@
                 <a:ea typeface="微软雅黑" panose="020B0503020204020204" pitchFamily="34" charset="-122"/>
               </a:rPr>
               <a:pPr algn="r" rtl="0"/>
-              <a:t>2018/5/6</a:t>
+              <a:t>2018/5/7</a:t>
             </a:fld>
             <a:endParaRPr lang="zh-CN" altLang="en-US" dirty="0">
               <a:solidFill>
@@ -465,7 +465,7 @@
             <a:fld id="{06B449BB-9F99-43EE-A1AA-ED1E313F74C2}" type="datetime1">
               <a:rPr lang="zh-CN" altLang="en-US" smtClean="0"/>
               <a:pPr/>
-              <a:t>2018/5/6</a:t>
+              <a:t>2018/5/7</a:t>
             </a:fld>
             <a:endParaRPr lang="zh-CN" altLang="en-US" dirty="0"/>
           </a:p>
@@ -1078,7 +1078,7 @@
             <a:fld id="{55677D0B-F53C-4787-A85A-18D33BC3BEA1}" type="datetime1">
               <a:rPr lang="zh-CN" altLang="en-US" smtClean="0"/>
               <a:pPr/>
-              <a:t>2018/5/6</a:t>
+              <a:t>2018/5/7</a:t>
             </a:fld>
             <a:endParaRPr lang="zh-CN" altLang="en-US" dirty="0"/>
           </a:p>
@@ -1278,7 +1278,7 @@
             <a:fld id="{54B89B6B-C640-4814-94E3-C138F9C73EE7}" type="datetime1">
               <a:rPr lang="zh-CN" altLang="en-US" smtClean="0"/>
               <a:pPr/>
-              <a:t>2018/5/6</a:t>
+              <a:t>2018/5/7</a:t>
             </a:fld>
             <a:endParaRPr lang="zh-CN" altLang="en-US" dirty="0"/>
           </a:p>
@@ -1484,7 +1484,7 @@
             <a:fld id="{3D2BB3D5-B3F4-4256-B6ED-4B874E5DE258}" type="datetime1">
               <a:rPr lang="zh-CN" altLang="en-US" smtClean="0"/>
               <a:pPr/>
-              <a:t>2018/5/6</a:t>
+              <a:t>2018/5/7</a:t>
             </a:fld>
             <a:endParaRPr lang="zh-CN" altLang="en-US" dirty="0"/>
           </a:p>
@@ -2009,7 +2009,7 @@
             <a:fld id="{109DE028-75A5-419A-B395-C2EDFBD58642}" type="datetime1">
               <a:rPr lang="zh-CN" altLang="en-US" smtClean="0"/>
               <a:pPr/>
-              <a:t>2018/5/6</a:t>
+              <a:t>2018/5/7</a:t>
             </a:fld>
             <a:endParaRPr lang="zh-CN" altLang="en-US" dirty="0"/>
           </a:p>
@@ -2465,7 +2465,7 @@
             <a:fld id="{6DB54F77-3742-4919-9EAD-96757A014E94}" type="datetime1">
               <a:rPr lang="zh-CN" altLang="en-US" smtClean="0"/>
               <a:pPr/>
-              <a:t>2018/5/6</a:t>
+              <a:t>2018/5/7</a:t>
             </a:fld>
             <a:endParaRPr lang="zh-CN" altLang="en-US" dirty="0"/>
           </a:p>
@@ -2603,7 +2603,7 @@
             <a:fld id="{9C6EB163-526A-4855-8844-4C6501B96975}" type="datetime1">
               <a:rPr lang="zh-CN" altLang="en-US" smtClean="0"/>
               <a:pPr/>
-              <a:t>2018/5/6</a:t>
+              <a:t>2018/5/7</a:t>
             </a:fld>
             <a:endParaRPr lang="zh-CN" altLang="en-US" dirty="0"/>
           </a:p>
@@ -2717,7 +2717,7 @@
             <a:fld id="{4E9B638C-251D-44EC-B8B2-08EC45208A21}" type="datetime1">
               <a:rPr lang="zh-CN" altLang="en-US" smtClean="0"/>
               <a:pPr/>
-              <a:t>2018/5/6</a:t>
+              <a:t>2018/5/7</a:t>
             </a:fld>
             <a:endParaRPr lang="zh-CN" altLang="en-US" dirty="0"/>
           </a:p>
@@ -3109,7 +3109,7 @@
             <a:fld id="{0D005F57-EA56-4A95-B718-20B6AA09091F}" type="datetime1">
               <a:rPr lang="zh-CN" altLang="en-US" smtClean="0"/>
               <a:pPr/>
-              <a:t>2018/5/6</a:t>
+              <a:t>2018/5/7</a:t>
             </a:fld>
             <a:endParaRPr lang="zh-CN" altLang="en-US" dirty="0"/>
           </a:p>
@@ -3483,7 +3483,7 @@
             <a:fld id="{06F99FFF-1AD8-41BA-A4C2-05782CB95A16}" type="datetime1">
               <a:rPr lang="zh-CN" altLang="en-US" smtClean="0"/>
               <a:pPr/>
-              <a:t>2018/5/6</a:t>
+              <a:t>2018/5/7</a:t>
             </a:fld>
             <a:endParaRPr lang="zh-CN" altLang="en-US" dirty="0"/>
           </a:p>
@@ -3797,7 +3797,7 @@
             <a:fld id="{474EC2AD-E193-40F2-8E09-6DD726A8C215}" type="datetime1">
               <a:rPr lang="zh-CN" altLang="en-US" smtClean="0"/>
               <a:pPr/>
-              <a:t>2018/5/6</a:t>
+              <a:t>2018/5/7</a:t>
             </a:fld>
             <a:endParaRPr lang="zh-CN" altLang="en-US" dirty="0"/>
           </a:p>
@@ -21279,21 +21279,10 @@
               <a:t>python</a:t>
             </a:r>
             <a:r>
-              <a:rPr lang="zh-CN" altLang="en-US" sz="2000" dirty="0"/>
+              <a:rPr lang="zh-CN" altLang="en-US" sz="2000"/>
               <a:t>代码实现</a:t>
             </a:r>
-            <a:r>
-              <a:rPr lang="en-US" altLang="zh-CN" sz="2000" dirty="0"/>
-              <a:t>(</a:t>
-            </a:r>
-            <a:r>
-              <a:rPr lang="zh-CN" altLang="en-US" sz="2000" dirty="0"/>
-              <a:t>目前大环境下，建议</a:t>
-            </a:r>
-            <a:r>
-              <a:rPr lang="en-US" altLang="zh-CN" sz="2000" dirty="0"/>
-              <a:t>python2)</a:t>
-            </a:r>
+            <a:endParaRPr lang="en-US" altLang="zh-CN" sz="2000" dirty="0"/>
           </a:p>
         </p:txBody>
       </p:sp>
@@ -30226,12 +30215,139 @@
 </file>
 
 <file path=customXml/item1.xml><?xml version="1.0" encoding="utf-8"?>
-<?mso-contentType ?>
-<FormTemplates xmlns="http://schemas.microsoft.com/sharepoint/v3/contenttype/forms">
-  <Display>DocumentLibraryForm</Display>
-  <Edit>AssetEditForm</Edit>
-  <New>DocumentLibraryForm</New>
-</FormTemplates>
+<p:properties xmlns:p="http://schemas.microsoft.com/office/2006/metadata/properties" xmlns:xsi="http://www.w3.org/2001/XMLSchema-instance" xmlns:pc="http://schemas.microsoft.com/office/infopath/2007/PartnerControls">
+  <documentManagement>
+    <LocPublishedLinkedAssetsLookup xmlns="4873beb7-5857-4685-be1f-d57550cc96cc" xsi:nil="true"/>
+    <ApprovalStatus xmlns="4873beb7-5857-4685-be1f-d57550cc96cc">InProgress</ApprovalStatus>
+    <MarketSpecific xmlns="4873beb7-5857-4685-be1f-d57550cc96cc">false</MarketSpecific>
+    <LocComments xmlns="4873beb7-5857-4685-be1f-d57550cc96cc" xsi:nil="true"/>
+    <LocLastLocAttemptVersionTypeLookup xmlns="4873beb7-5857-4685-be1f-d57550cc96cc" xsi:nil="true"/>
+    <DirectSourceMarket xmlns="4873beb7-5857-4685-be1f-d57550cc96cc" xsi:nil="true"/>
+    <ThumbnailAssetId xmlns="4873beb7-5857-4685-be1f-d57550cc96cc" xsi:nil="true"/>
+    <PrimaryImageGen xmlns="4873beb7-5857-4685-be1f-d57550cc96cc">false</PrimaryImageGen>
+    <LocNewPublishedVersionLookup xmlns="4873beb7-5857-4685-be1f-d57550cc96cc" xsi:nil="true"/>
+    <LegacyData xmlns="4873beb7-5857-4685-be1f-d57550cc96cc" xsi:nil="true"/>
+    <LocRecommendedHandoff xmlns="4873beb7-5857-4685-be1f-d57550cc96cc" xsi:nil="true"/>
+    <BusinessGroup xmlns="4873beb7-5857-4685-be1f-d57550cc96cc" xsi:nil="true"/>
+    <BlockPublish xmlns="4873beb7-5857-4685-be1f-d57550cc96cc">false</BlockPublish>
+    <TPFriendlyName xmlns="4873beb7-5857-4685-be1f-d57550cc96cc" xsi:nil="true"/>
+    <LocOverallPublishStatusLookup xmlns="4873beb7-5857-4685-be1f-d57550cc96cc" xsi:nil="true"/>
+    <NumericId xmlns="4873beb7-5857-4685-be1f-d57550cc96cc" xsi:nil="true"/>
+    <APEditor xmlns="4873beb7-5857-4685-be1f-d57550cc96cc">
+      <UserInfo>
+        <DisplayName/>
+        <AccountId xsi:nil="true"/>
+        <AccountType/>
+      </UserInfo>
+    </APEditor>
+    <SourceTitle xmlns="4873beb7-5857-4685-be1f-d57550cc96cc" xsi:nil="true"/>
+    <OpenTemplate xmlns="4873beb7-5857-4685-be1f-d57550cc96cc">true</OpenTemplate>
+    <LocOverallLocStatusLookup xmlns="4873beb7-5857-4685-be1f-d57550cc96cc" xsi:nil="true"/>
+    <UALocComments xmlns="4873beb7-5857-4685-be1f-d57550cc96cc" xsi:nil="true"/>
+    <ParentAssetId xmlns="4873beb7-5857-4685-be1f-d57550cc96cc" xsi:nil="true"/>
+    <IntlLangReviewDate xmlns="4873beb7-5857-4685-be1f-d57550cc96cc" xsi:nil="true"/>
+    <FeatureTagsTaxHTField0 xmlns="4873beb7-5857-4685-be1f-d57550cc96cc">
+      <Terms xmlns="http://schemas.microsoft.com/office/infopath/2007/PartnerControls"/>
+    </FeatureTagsTaxHTField0>
+    <PublishStatusLookup xmlns="4873beb7-5857-4685-be1f-d57550cc96cc">
+      <Value>1345039</Value>
+    </PublishStatusLookup>
+    <Providers xmlns="4873beb7-5857-4685-be1f-d57550cc96cc" xsi:nil="true"/>
+    <MachineTranslated xmlns="4873beb7-5857-4685-be1f-d57550cc96cc">false</MachineTranslated>
+    <OriginalSourceMarket xmlns="4873beb7-5857-4685-be1f-d57550cc96cc" xsi:nil="true"/>
+    <APDescription xmlns="4873beb7-5857-4685-be1f-d57550cc96cc">The bookstacks present on most slides  make this a good choice for students, teachers, reading enthusiasts, and others in education. This presentation template contains multiple slide layouts in widescreen format (16x9) and includes a sample table and chart that you can easily  modify.</APDescription>
+    <ClipArtFilename xmlns="4873beb7-5857-4685-be1f-d57550cc96cc" xsi:nil="true"/>
+    <ContentItem xmlns="4873beb7-5857-4685-be1f-d57550cc96cc" xsi:nil="true"/>
+    <TPInstallLocation xmlns="4873beb7-5857-4685-be1f-d57550cc96cc" xsi:nil="true"/>
+    <PublishTargets xmlns="4873beb7-5857-4685-be1f-d57550cc96cc">OfficeOnlineVNext</PublishTargets>
+    <TimesCloned xmlns="4873beb7-5857-4685-be1f-d57550cc96cc" xsi:nil="true"/>
+    <AssetStart xmlns="4873beb7-5857-4685-be1f-d57550cc96cc">2011-11-26T00:00:00+00:00</AssetStart>
+    <Provider xmlns="4873beb7-5857-4685-be1f-d57550cc96cc" xsi:nil="true"/>
+    <AcquiredFrom xmlns="4873beb7-5857-4685-be1f-d57550cc96cc">Internal MS</AcquiredFrom>
+    <FriendlyTitle xmlns="4873beb7-5857-4685-be1f-d57550cc96cc" xsi:nil="true"/>
+    <LastHandOff xmlns="4873beb7-5857-4685-be1f-d57550cc96cc" xsi:nil="true"/>
+    <TPClientViewer xmlns="4873beb7-5857-4685-be1f-d57550cc96cc" xsi:nil="true"/>
+    <TemplateStatus xmlns="4873beb7-5857-4685-be1f-d57550cc96cc">Complete</TemplateStatus>
+    <Downloads xmlns="4873beb7-5857-4685-be1f-d57550cc96cc">0</Downloads>
+    <OOCacheId xmlns="4873beb7-5857-4685-be1f-d57550cc96cc" xsi:nil="true"/>
+    <IsDeleted xmlns="4873beb7-5857-4685-be1f-d57550cc96cc">false</IsDeleted>
+    <LocPublishedDependentAssetsLookup xmlns="4873beb7-5857-4685-be1f-d57550cc96cc" xsi:nil="true"/>
+    <AssetExpire xmlns="4873beb7-5857-4685-be1f-d57550cc96cc">2029-05-12T07:00:00+00:00</AssetExpire>
+    <DSATActionTaken xmlns="4873beb7-5857-4685-be1f-d57550cc96cc" xsi:nil="true"/>
+    <CSXSubmissionMarket xmlns="4873beb7-5857-4685-be1f-d57550cc96cc" xsi:nil="true"/>
+    <TPExecutable xmlns="4873beb7-5857-4685-be1f-d57550cc96cc" xsi:nil="true"/>
+    <EditorialTags xmlns="4873beb7-5857-4685-be1f-d57550cc96cc" xsi:nil="true"/>
+    <SubmitterId xmlns="4873beb7-5857-4685-be1f-d57550cc96cc" xsi:nil="true"/>
+    <ApprovalLog xmlns="4873beb7-5857-4685-be1f-d57550cc96cc" xsi:nil="true"/>
+    <AssetType xmlns="4873beb7-5857-4685-be1f-d57550cc96cc">TP</AssetType>
+    <BugNumber xmlns="4873beb7-5857-4685-be1f-d57550cc96cc" xsi:nil="true"/>
+    <CSXSubmissionDate xmlns="4873beb7-5857-4685-be1f-d57550cc96cc" xsi:nil="true"/>
+    <CSXUpdate xmlns="4873beb7-5857-4685-be1f-d57550cc96cc">false</CSXUpdate>
+    <Milestone xmlns="4873beb7-5857-4685-be1f-d57550cc96cc" xsi:nil="true"/>
+    <RecommendationsModifier xmlns="4873beb7-5857-4685-be1f-d57550cc96cc" xsi:nil="true"/>
+    <OriginAsset xmlns="4873beb7-5857-4685-be1f-d57550cc96cc" xsi:nil="true"/>
+    <TPComponent xmlns="4873beb7-5857-4685-be1f-d57550cc96cc" xsi:nil="true"/>
+    <AssetId xmlns="4873beb7-5857-4685-be1f-d57550cc96cc">TP102787939</AssetId>
+    <IntlLocPriority xmlns="4873beb7-5857-4685-be1f-d57550cc96cc" xsi:nil="true"/>
+    <PolicheckWords xmlns="4873beb7-5857-4685-be1f-d57550cc96cc" xsi:nil="true"/>
+    <TPLaunchHelpLink xmlns="4873beb7-5857-4685-be1f-d57550cc96cc" xsi:nil="true"/>
+    <TPApplication xmlns="4873beb7-5857-4685-be1f-d57550cc96cc" xsi:nil="true"/>
+    <CrawlForDependencies xmlns="4873beb7-5857-4685-be1f-d57550cc96cc">false</CrawlForDependencies>
+    <HandoffToMSDN xmlns="4873beb7-5857-4685-be1f-d57550cc96cc" xsi:nil="true"/>
+    <PlannedPubDate xmlns="4873beb7-5857-4685-be1f-d57550cc96cc" xsi:nil="true"/>
+    <IntlLangReviewer xmlns="4873beb7-5857-4685-be1f-d57550cc96cc" xsi:nil="true"/>
+    <TrustLevel xmlns="4873beb7-5857-4685-be1f-d57550cc96cc">1 Microsoft Managed Content</TrustLevel>
+    <LocLastLocAttemptVersionLookup xmlns="4873beb7-5857-4685-be1f-d57550cc96cc">694216</LocLastLocAttemptVersionLookup>
+    <LocProcessedForHandoffsLookup xmlns="4873beb7-5857-4685-be1f-d57550cc96cc" xsi:nil="true"/>
+    <IsSearchable xmlns="4873beb7-5857-4685-be1f-d57550cc96cc">true</IsSearchable>
+    <TemplateTemplateType xmlns="4873beb7-5857-4685-be1f-d57550cc96cc">PowerPoint Presentation Template</TemplateTemplateType>
+    <CampaignTagsTaxHTField0 xmlns="4873beb7-5857-4685-be1f-d57550cc96cc">
+      <Terms xmlns="http://schemas.microsoft.com/office/infopath/2007/PartnerControls"/>
+    </CampaignTagsTaxHTField0>
+    <TPNamespace xmlns="4873beb7-5857-4685-be1f-d57550cc96cc" xsi:nil="true"/>
+    <LocOverallPreviewStatusLookup xmlns="4873beb7-5857-4685-be1f-d57550cc96cc" xsi:nil="true"/>
+    <TaxCatchAll xmlns="4873beb7-5857-4685-be1f-d57550cc96cc"/>
+    <Markets xmlns="4873beb7-5857-4685-be1f-d57550cc96cc"/>
+    <UAProjectedTotalWords xmlns="4873beb7-5857-4685-be1f-d57550cc96cc" xsi:nil="true"/>
+    <IntlLangReview xmlns="4873beb7-5857-4685-be1f-d57550cc96cc" xsi:nil="true"/>
+    <OutputCachingOn xmlns="4873beb7-5857-4685-be1f-d57550cc96cc">false</OutputCachingOn>
+    <AverageRating xmlns="4873beb7-5857-4685-be1f-d57550cc96cc" xsi:nil="true"/>
+    <APAuthor xmlns="4873beb7-5857-4685-be1f-d57550cc96cc">
+      <UserInfo>
+        <DisplayName>REDMOND\kristaa</DisplayName>
+        <AccountId>136</AccountId>
+        <AccountType/>
+      </UserInfo>
+    </APAuthor>
+    <LocManualTestRequired xmlns="4873beb7-5857-4685-be1f-d57550cc96cc">false</LocManualTestRequired>
+    <TPCommandLine xmlns="4873beb7-5857-4685-be1f-d57550cc96cc" xsi:nil="true"/>
+    <TPAppVersion xmlns="4873beb7-5857-4685-be1f-d57550cc96cc" xsi:nil="true"/>
+    <EditorialStatus xmlns="4873beb7-5857-4685-be1f-d57550cc96cc">Complete</EditorialStatus>
+    <LastModifiedDateTime xmlns="4873beb7-5857-4685-be1f-d57550cc96cc" xsi:nil="true"/>
+    <ScenarioTagsTaxHTField0 xmlns="4873beb7-5857-4685-be1f-d57550cc96cc">
+      <Terms xmlns="http://schemas.microsoft.com/office/infopath/2007/PartnerControls"/>
+    </ScenarioTagsTaxHTField0>
+    <LocProcessedForMarketsLookup xmlns="4873beb7-5857-4685-be1f-d57550cc96cc" xsi:nil="true"/>
+    <TPLaunchHelpLinkType xmlns="4873beb7-5857-4685-be1f-d57550cc96cc">Template</TPLaunchHelpLinkType>
+    <OriginalRelease xmlns="4873beb7-5857-4685-be1f-d57550cc96cc">15</OriginalRelease>
+    <LocalizationTagsTaxHTField0 xmlns="4873beb7-5857-4685-be1f-d57550cc96cc">
+      <Terms xmlns="http://schemas.microsoft.com/office/infopath/2007/PartnerControls"/>
+    </LocalizationTagsTaxHTField0>
+    <UACurrentWords xmlns="4873beb7-5857-4685-be1f-d57550cc96cc" xsi:nil="true"/>
+    <ArtSampleDocs xmlns="4873beb7-5857-4685-be1f-d57550cc96cc" xsi:nil="true"/>
+    <UALocRecommendation xmlns="4873beb7-5857-4685-be1f-d57550cc96cc">Localize</UALocRecommendation>
+    <Manager xmlns="4873beb7-5857-4685-be1f-d57550cc96cc" xsi:nil="true"/>
+    <LocOverallHandbackStatusLookup xmlns="4873beb7-5857-4685-be1f-d57550cc96cc" xsi:nil="true"/>
+    <ShowIn xmlns="4873beb7-5857-4685-be1f-d57550cc96cc">Show everywhere</ShowIn>
+    <UANotes xmlns="4873beb7-5857-4685-be1f-d57550cc96cc" xsi:nil="true"/>
+    <InternalTagsTaxHTField0 xmlns="4873beb7-5857-4685-be1f-d57550cc96cc">
+      <Terms xmlns="http://schemas.microsoft.com/office/infopath/2007/PartnerControls"/>
+    </InternalTagsTaxHTField0>
+    <CSXHash xmlns="4873beb7-5857-4685-be1f-d57550cc96cc" xsi:nil="true"/>
+    <VoteCount xmlns="4873beb7-5857-4685-be1f-d57550cc96cc" xsi:nil="true"/>
+    <LocMarketGroupTiers2 xmlns="4873beb7-5857-4685-be1f-d57550cc96cc" xsi:nil="true"/>
+  </documentManagement>
+</p:properties>
 </file>
 
 <file path=customXml/item2.xml><?xml version="1.0" encoding="utf-8"?>
@@ -31275,145 +31391,26 @@
 </file>
 
 <file path=customXml/item3.xml><?xml version="1.0" encoding="utf-8"?>
-<p:properties xmlns:p="http://schemas.microsoft.com/office/2006/metadata/properties" xmlns:xsi="http://www.w3.org/2001/XMLSchema-instance" xmlns:pc="http://schemas.microsoft.com/office/infopath/2007/PartnerControls">
-  <documentManagement>
-    <LocPublishedLinkedAssetsLookup xmlns="4873beb7-5857-4685-be1f-d57550cc96cc" xsi:nil="true"/>
-    <ApprovalStatus xmlns="4873beb7-5857-4685-be1f-d57550cc96cc">InProgress</ApprovalStatus>
-    <MarketSpecific xmlns="4873beb7-5857-4685-be1f-d57550cc96cc">false</MarketSpecific>
-    <LocComments xmlns="4873beb7-5857-4685-be1f-d57550cc96cc" xsi:nil="true"/>
-    <LocLastLocAttemptVersionTypeLookup xmlns="4873beb7-5857-4685-be1f-d57550cc96cc" xsi:nil="true"/>
-    <DirectSourceMarket xmlns="4873beb7-5857-4685-be1f-d57550cc96cc" xsi:nil="true"/>
-    <ThumbnailAssetId xmlns="4873beb7-5857-4685-be1f-d57550cc96cc" xsi:nil="true"/>
-    <PrimaryImageGen xmlns="4873beb7-5857-4685-be1f-d57550cc96cc">false</PrimaryImageGen>
-    <LocNewPublishedVersionLookup xmlns="4873beb7-5857-4685-be1f-d57550cc96cc" xsi:nil="true"/>
-    <LegacyData xmlns="4873beb7-5857-4685-be1f-d57550cc96cc" xsi:nil="true"/>
-    <LocRecommendedHandoff xmlns="4873beb7-5857-4685-be1f-d57550cc96cc" xsi:nil="true"/>
-    <BusinessGroup xmlns="4873beb7-5857-4685-be1f-d57550cc96cc" xsi:nil="true"/>
-    <BlockPublish xmlns="4873beb7-5857-4685-be1f-d57550cc96cc">false</BlockPublish>
-    <TPFriendlyName xmlns="4873beb7-5857-4685-be1f-d57550cc96cc" xsi:nil="true"/>
-    <LocOverallPublishStatusLookup xmlns="4873beb7-5857-4685-be1f-d57550cc96cc" xsi:nil="true"/>
-    <NumericId xmlns="4873beb7-5857-4685-be1f-d57550cc96cc" xsi:nil="true"/>
-    <APEditor xmlns="4873beb7-5857-4685-be1f-d57550cc96cc">
-      <UserInfo>
-        <DisplayName/>
-        <AccountId xsi:nil="true"/>
-        <AccountType/>
-      </UserInfo>
-    </APEditor>
-    <SourceTitle xmlns="4873beb7-5857-4685-be1f-d57550cc96cc" xsi:nil="true"/>
-    <OpenTemplate xmlns="4873beb7-5857-4685-be1f-d57550cc96cc">true</OpenTemplate>
-    <LocOverallLocStatusLookup xmlns="4873beb7-5857-4685-be1f-d57550cc96cc" xsi:nil="true"/>
-    <UALocComments xmlns="4873beb7-5857-4685-be1f-d57550cc96cc" xsi:nil="true"/>
-    <ParentAssetId xmlns="4873beb7-5857-4685-be1f-d57550cc96cc" xsi:nil="true"/>
-    <IntlLangReviewDate xmlns="4873beb7-5857-4685-be1f-d57550cc96cc" xsi:nil="true"/>
-    <FeatureTagsTaxHTField0 xmlns="4873beb7-5857-4685-be1f-d57550cc96cc">
-      <Terms xmlns="http://schemas.microsoft.com/office/infopath/2007/PartnerControls"/>
-    </FeatureTagsTaxHTField0>
-    <PublishStatusLookup xmlns="4873beb7-5857-4685-be1f-d57550cc96cc">
-      <Value>1345039</Value>
-    </PublishStatusLookup>
-    <Providers xmlns="4873beb7-5857-4685-be1f-d57550cc96cc" xsi:nil="true"/>
-    <MachineTranslated xmlns="4873beb7-5857-4685-be1f-d57550cc96cc">false</MachineTranslated>
-    <OriginalSourceMarket xmlns="4873beb7-5857-4685-be1f-d57550cc96cc" xsi:nil="true"/>
-    <APDescription xmlns="4873beb7-5857-4685-be1f-d57550cc96cc">The bookstacks present on most slides  make this a good choice for students, teachers, reading enthusiasts, and others in education. This presentation template contains multiple slide layouts in widescreen format (16x9) and includes a sample table and chart that you can easily  modify.</APDescription>
-    <ClipArtFilename xmlns="4873beb7-5857-4685-be1f-d57550cc96cc" xsi:nil="true"/>
-    <ContentItem xmlns="4873beb7-5857-4685-be1f-d57550cc96cc" xsi:nil="true"/>
-    <TPInstallLocation xmlns="4873beb7-5857-4685-be1f-d57550cc96cc" xsi:nil="true"/>
-    <PublishTargets xmlns="4873beb7-5857-4685-be1f-d57550cc96cc">OfficeOnlineVNext</PublishTargets>
-    <TimesCloned xmlns="4873beb7-5857-4685-be1f-d57550cc96cc" xsi:nil="true"/>
-    <AssetStart xmlns="4873beb7-5857-4685-be1f-d57550cc96cc">2011-11-26T00:00:00+00:00</AssetStart>
-    <Provider xmlns="4873beb7-5857-4685-be1f-d57550cc96cc" xsi:nil="true"/>
-    <AcquiredFrom xmlns="4873beb7-5857-4685-be1f-d57550cc96cc">Internal MS</AcquiredFrom>
-    <FriendlyTitle xmlns="4873beb7-5857-4685-be1f-d57550cc96cc" xsi:nil="true"/>
-    <LastHandOff xmlns="4873beb7-5857-4685-be1f-d57550cc96cc" xsi:nil="true"/>
-    <TPClientViewer xmlns="4873beb7-5857-4685-be1f-d57550cc96cc" xsi:nil="true"/>
-    <TemplateStatus xmlns="4873beb7-5857-4685-be1f-d57550cc96cc">Complete</TemplateStatus>
-    <Downloads xmlns="4873beb7-5857-4685-be1f-d57550cc96cc">0</Downloads>
-    <OOCacheId xmlns="4873beb7-5857-4685-be1f-d57550cc96cc" xsi:nil="true"/>
-    <IsDeleted xmlns="4873beb7-5857-4685-be1f-d57550cc96cc">false</IsDeleted>
-    <LocPublishedDependentAssetsLookup xmlns="4873beb7-5857-4685-be1f-d57550cc96cc" xsi:nil="true"/>
-    <AssetExpire xmlns="4873beb7-5857-4685-be1f-d57550cc96cc">2029-05-12T07:00:00+00:00</AssetExpire>
-    <DSATActionTaken xmlns="4873beb7-5857-4685-be1f-d57550cc96cc" xsi:nil="true"/>
-    <CSXSubmissionMarket xmlns="4873beb7-5857-4685-be1f-d57550cc96cc" xsi:nil="true"/>
-    <TPExecutable xmlns="4873beb7-5857-4685-be1f-d57550cc96cc" xsi:nil="true"/>
-    <EditorialTags xmlns="4873beb7-5857-4685-be1f-d57550cc96cc" xsi:nil="true"/>
-    <SubmitterId xmlns="4873beb7-5857-4685-be1f-d57550cc96cc" xsi:nil="true"/>
-    <ApprovalLog xmlns="4873beb7-5857-4685-be1f-d57550cc96cc" xsi:nil="true"/>
-    <AssetType xmlns="4873beb7-5857-4685-be1f-d57550cc96cc">TP</AssetType>
-    <BugNumber xmlns="4873beb7-5857-4685-be1f-d57550cc96cc" xsi:nil="true"/>
-    <CSXSubmissionDate xmlns="4873beb7-5857-4685-be1f-d57550cc96cc" xsi:nil="true"/>
-    <CSXUpdate xmlns="4873beb7-5857-4685-be1f-d57550cc96cc">false</CSXUpdate>
-    <Milestone xmlns="4873beb7-5857-4685-be1f-d57550cc96cc" xsi:nil="true"/>
-    <RecommendationsModifier xmlns="4873beb7-5857-4685-be1f-d57550cc96cc" xsi:nil="true"/>
-    <OriginAsset xmlns="4873beb7-5857-4685-be1f-d57550cc96cc" xsi:nil="true"/>
-    <TPComponent xmlns="4873beb7-5857-4685-be1f-d57550cc96cc" xsi:nil="true"/>
-    <AssetId xmlns="4873beb7-5857-4685-be1f-d57550cc96cc">TP102787939</AssetId>
-    <IntlLocPriority xmlns="4873beb7-5857-4685-be1f-d57550cc96cc" xsi:nil="true"/>
-    <PolicheckWords xmlns="4873beb7-5857-4685-be1f-d57550cc96cc" xsi:nil="true"/>
-    <TPLaunchHelpLink xmlns="4873beb7-5857-4685-be1f-d57550cc96cc" xsi:nil="true"/>
-    <TPApplication xmlns="4873beb7-5857-4685-be1f-d57550cc96cc" xsi:nil="true"/>
-    <CrawlForDependencies xmlns="4873beb7-5857-4685-be1f-d57550cc96cc">false</CrawlForDependencies>
-    <HandoffToMSDN xmlns="4873beb7-5857-4685-be1f-d57550cc96cc" xsi:nil="true"/>
-    <PlannedPubDate xmlns="4873beb7-5857-4685-be1f-d57550cc96cc" xsi:nil="true"/>
-    <IntlLangReviewer xmlns="4873beb7-5857-4685-be1f-d57550cc96cc" xsi:nil="true"/>
-    <TrustLevel xmlns="4873beb7-5857-4685-be1f-d57550cc96cc">1 Microsoft Managed Content</TrustLevel>
-    <LocLastLocAttemptVersionLookup xmlns="4873beb7-5857-4685-be1f-d57550cc96cc">694216</LocLastLocAttemptVersionLookup>
-    <LocProcessedForHandoffsLookup xmlns="4873beb7-5857-4685-be1f-d57550cc96cc" xsi:nil="true"/>
-    <IsSearchable xmlns="4873beb7-5857-4685-be1f-d57550cc96cc">true</IsSearchable>
-    <TemplateTemplateType xmlns="4873beb7-5857-4685-be1f-d57550cc96cc">PowerPoint Presentation Template</TemplateTemplateType>
-    <CampaignTagsTaxHTField0 xmlns="4873beb7-5857-4685-be1f-d57550cc96cc">
-      <Terms xmlns="http://schemas.microsoft.com/office/infopath/2007/PartnerControls"/>
-    </CampaignTagsTaxHTField0>
-    <TPNamespace xmlns="4873beb7-5857-4685-be1f-d57550cc96cc" xsi:nil="true"/>
-    <LocOverallPreviewStatusLookup xmlns="4873beb7-5857-4685-be1f-d57550cc96cc" xsi:nil="true"/>
-    <TaxCatchAll xmlns="4873beb7-5857-4685-be1f-d57550cc96cc"/>
-    <Markets xmlns="4873beb7-5857-4685-be1f-d57550cc96cc"/>
-    <UAProjectedTotalWords xmlns="4873beb7-5857-4685-be1f-d57550cc96cc" xsi:nil="true"/>
-    <IntlLangReview xmlns="4873beb7-5857-4685-be1f-d57550cc96cc" xsi:nil="true"/>
-    <OutputCachingOn xmlns="4873beb7-5857-4685-be1f-d57550cc96cc">false</OutputCachingOn>
-    <AverageRating xmlns="4873beb7-5857-4685-be1f-d57550cc96cc" xsi:nil="true"/>
-    <APAuthor xmlns="4873beb7-5857-4685-be1f-d57550cc96cc">
-      <UserInfo>
-        <DisplayName>REDMOND\kristaa</DisplayName>
-        <AccountId>136</AccountId>
-        <AccountType/>
-      </UserInfo>
-    </APAuthor>
-    <LocManualTestRequired xmlns="4873beb7-5857-4685-be1f-d57550cc96cc">false</LocManualTestRequired>
-    <TPCommandLine xmlns="4873beb7-5857-4685-be1f-d57550cc96cc" xsi:nil="true"/>
-    <TPAppVersion xmlns="4873beb7-5857-4685-be1f-d57550cc96cc" xsi:nil="true"/>
-    <EditorialStatus xmlns="4873beb7-5857-4685-be1f-d57550cc96cc">Complete</EditorialStatus>
-    <LastModifiedDateTime xmlns="4873beb7-5857-4685-be1f-d57550cc96cc" xsi:nil="true"/>
-    <ScenarioTagsTaxHTField0 xmlns="4873beb7-5857-4685-be1f-d57550cc96cc">
-      <Terms xmlns="http://schemas.microsoft.com/office/infopath/2007/PartnerControls"/>
-    </ScenarioTagsTaxHTField0>
-    <LocProcessedForMarketsLookup xmlns="4873beb7-5857-4685-be1f-d57550cc96cc" xsi:nil="true"/>
-    <TPLaunchHelpLinkType xmlns="4873beb7-5857-4685-be1f-d57550cc96cc">Template</TPLaunchHelpLinkType>
-    <OriginalRelease xmlns="4873beb7-5857-4685-be1f-d57550cc96cc">15</OriginalRelease>
-    <LocalizationTagsTaxHTField0 xmlns="4873beb7-5857-4685-be1f-d57550cc96cc">
-      <Terms xmlns="http://schemas.microsoft.com/office/infopath/2007/PartnerControls"/>
-    </LocalizationTagsTaxHTField0>
-    <UACurrentWords xmlns="4873beb7-5857-4685-be1f-d57550cc96cc" xsi:nil="true"/>
-    <ArtSampleDocs xmlns="4873beb7-5857-4685-be1f-d57550cc96cc" xsi:nil="true"/>
-    <UALocRecommendation xmlns="4873beb7-5857-4685-be1f-d57550cc96cc">Localize</UALocRecommendation>
-    <Manager xmlns="4873beb7-5857-4685-be1f-d57550cc96cc" xsi:nil="true"/>
-    <LocOverallHandbackStatusLookup xmlns="4873beb7-5857-4685-be1f-d57550cc96cc" xsi:nil="true"/>
-    <ShowIn xmlns="4873beb7-5857-4685-be1f-d57550cc96cc">Show everywhere</ShowIn>
-    <UANotes xmlns="4873beb7-5857-4685-be1f-d57550cc96cc" xsi:nil="true"/>
-    <InternalTagsTaxHTField0 xmlns="4873beb7-5857-4685-be1f-d57550cc96cc">
-      <Terms xmlns="http://schemas.microsoft.com/office/infopath/2007/PartnerControls"/>
-    </InternalTagsTaxHTField0>
-    <CSXHash xmlns="4873beb7-5857-4685-be1f-d57550cc96cc" xsi:nil="true"/>
-    <VoteCount xmlns="4873beb7-5857-4685-be1f-d57550cc96cc" xsi:nil="true"/>
-    <LocMarketGroupTiers2 xmlns="4873beb7-5857-4685-be1f-d57550cc96cc" xsi:nil="true"/>
-  </documentManagement>
-</p:properties>
+<?mso-contentType ?>
+<FormTemplates xmlns="http://schemas.microsoft.com/sharepoint/v3/contenttype/forms">
+  <Display>DocumentLibraryForm</Display>
+  <Edit>AssetEditForm</Edit>
+  <New>DocumentLibraryForm</New>
+</FormTemplates>
 </file>
 
 <file path=customXml/itemProps1.xml><?xml version="1.0" encoding="utf-8"?>
-<ds:datastoreItem xmlns:ds="http://schemas.openxmlformats.org/officeDocument/2006/customXml" ds:itemID="{E1B558C7-619B-49BE-9097-7FCBDADD4ECE}">
+<ds:datastoreItem xmlns:ds="http://schemas.openxmlformats.org/officeDocument/2006/customXml" ds:itemID="{F301D382-32B0-43EE-932C-28906AF37617}">
   <ds:schemaRefs>
-    <ds:schemaRef ds:uri="http://schemas.microsoft.com/sharepoint/v3/contenttype/forms"/>
+    <ds:schemaRef ds:uri="http://purl.org/dc/elements/1.1/"/>
+    <ds:schemaRef ds:uri="http://schemas.microsoft.com/office/2006/metadata/properties"/>
+    <ds:schemaRef ds:uri="http://schemas.openxmlformats.org/package/2006/metadata/core-properties"/>
+    <ds:schemaRef ds:uri="http://schemas.microsoft.com/office/2006/documentManagement/types"/>
+    <ds:schemaRef ds:uri="http://schemas.microsoft.com/office/infopath/2007/PartnerControls"/>
+    <ds:schemaRef ds:uri="http://purl.org/dc/terms/"/>
+    <ds:schemaRef ds:uri="http://purl.org/dc/dcmitype/"/>
+    <ds:schemaRef ds:uri="4873beb7-5857-4685-be1f-d57550cc96cc"/>
+    <ds:schemaRef ds:uri="http://www.w3.org/XML/1998/namespace"/>
   </ds:schemaRefs>
 </ds:datastoreItem>
 </file>
@@ -31437,17 +31434,9 @@
 </file>
 
 <file path=customXml/itemProps3.xml><?xml version="1.0" encoding="utf-8"?>
-<ds:datastoreItem xmlns:ds="http://schemas.openxmlformats.org/officeDocument/2006/customXml" ds:itemID="{F301D382-32B0-43EE-932C-28906AF37617}">
+<ds:datastoreItem xmlns:ds="http://schemas.openxmlformats.org/officeDocument/2006/customXml" ds:itemID="{E1B558C7-619B-49BE-9097-7FCBDADD4ECE}">
   <ds:schemaRefs>
-    <ds:schemaRef ds:uri="http://purl.org/dc/elements/1.1/"/>
-    <ds:schemaRef ds:uri="http://schemas.microsoft.com/office/2006/metadata/properties"/>
-    <ds:schemaRef ds:uri="http://schemas.openxmlformats.org/package/2006/metadata/core-properties"/>
-    <ds:schemaRef ds:uri="http://schemas.microsoft.com/office/2006/documentManagement/types"/>
-    <ds:schemaRef ds:uri="http://schemas.microsoft.com/office/infopath/2007/PartnerControls"/>
-    <ds:schemaRef ds:uri="http://purl.org/dc/terms/"/>
-    <ds:schemaRef ds:uri="http://purl.org/dc/dcmitype/"/>
-    <ds:schemaRef ds:uri="4873beb7-5857-4685-be1f-d57550cc96cc"/>
-    <ds:schemaRef ds:uri="http://www.w3.org/XML/1998/namespace"/>
+    <ds:schemaRef ds:uri="http://schemas.microsoft.com/sharepoint/v3/contenttype/forms"/>
   </ds:schemaRefs>
 </ds:datastoreItem>
 </file>
--- a/钉钉机器人.pptx
+++ b/钉钉机器人.pptx
@@ -260,7 +260,7 @@
                 <a:ea typeface="微软雅黑" panose="020B0503020204020204" pitchFamily="34" charset="-122"/>
               </a:rPr>
               <a:pPr algn="r" rtl="0"/>
-              <a:t>2018/5/7</a:t>
+              <a:t>2018/5/10</a:t>
             </a:fld>
             <a:endParaRPr lang="zh-CN" altLang="en-US" dirty="0">
               <a:solidFill>
@@ -465,7 +465,7 @@
             <a:fld id="{06B449BB-9F99-43EE-A1AA-ED1E313F74C2}" type="datetime1">
               <a:rPr lang="zh-CN" altLang="en-US" smtClean="0"/>
               <a:pPr/>
-              <a:t>2018/5/7</a:t>
+              <a:t>2018/5/10</a:t>
             </a:fld>
             <a:endParaRPr lang="zh-CN" altLang="en-US" dirty="0"/>
           </a:p>
@@ -1078,7 +1078,7 @@
             <a:fld id="{55677D0B-F53C-4787-A85A-18D33BC3BEA1}" type="datetime1">
               <a:rPr lang="zh-CN" altLang="en-US" smtClean="0"/>
               <a:pPr/>
-              <a:t>2018/5/7</a:t>
+              <a:t>2018/5/10</a:t>
             </a:fld>
             <a:endParaRPr lang="zh-CN" altLang="en-US" dirty="0"/>
           </a:p>
@@ -1278,7 +1278,7 @@
             <a:fld id="{54B89B6B-C640-4814-94E3-C138F9C73EE7}" type="datetime1">
               <a:rPr lang="zh-CN" altLang="en-US" smtClean="0"/>
               <a:pPr/>
-              <a:t>2018/5/7</a:t>
+              <a:t>2018/5/10</a:t>
             </a:fld>
             <a:endParaRPr lang="zh-CN" altLang="en-US" dirty="0"/>
           </a:p>
@@ -1484,7 +1484,7 @@
             <a:fld id="{3D2BB3D5-B3F4-4256-B6ED-4B874E5DE258}" type="datetime1">
               <a:rPr lang="zh-CN" altLang="en-US" smtClean="0"/>
               <a:pPr/>
-              <a:t>2018/5/7</a:t>
+              <a:t>2018/5/10</a:t>
             </a:fld>
             <a:endParaRPr lang="zh-CN" altLang="en-US" dirty="0"/>
           </a:p>
@@ -2009,7 +2009,7 @@
             <a:fld id="{109DE028-75A5-419A-B395-C2EDFBD58642}" type="datetime1">
               <a:rPr lang="zh-CN" altLang="en-US" smtClean="0"/>
               <a:pPr/>
-              <a:t>2018/5/7</a:t>
+              <a:t>2018/5/10</a:t>
             </a:fld>
             <a:endParaRPr lang="zh-CN" altLang="en-US" dirty="0"/>
           </a:p>
@@ -2465,7 +2465,7 @@
             <a:fld id="{6DB54F77-3742-4919-9EAD-96757A014E94}" type="datetime1">
               <a:rPr lang="zh-CN" altLang="en-US" smtClean="0"/>
               <a:pPr/>
-              <a:t>2018/5/7</a:t>
+              <a:t>2018/5/10</a:t>
             </a:fld>
             <a:endParaRPr lang="zh-CN" altLang="en-US" dirty="0"/>
           </a:p>
@@ -2603,7 +2603,7 @@
             <a:fld id="{9C6EB163-526A-4855-8844-4C6501B96975}" type="datetime1">
               <a:rPr lang="zh-CN" altLang="en-US" smtClean="0"/>
               <a:pPr/>
-              <a:t>2018/5/7</a:t>
+              <a:t>2018/5/10</a:t>
             </a:fld>
             <a:endParaRPr lang="zh-CN" altLang="en-US" dirty="0"/>
           </a:p>
@@ -2717,7 +2717,7 @@
             <a:fld id="{4E9B638C-251D-44EC-B8B2-08EC45208A21}" type="datetime1">
               <a:rPr lang="zh-CN" altLang="en-US" smtClean="0"/>
               <a:pPr/>
-              <a:t>2018/5/7</a:t>
+              <a:t>2018/5/10</a:t>
             </a:fld>
             <a:endParaRPr lang="zh-CN" altLang="en-US" dirty="0"/>
           </a:p>
@@ -3109,7 +3109,7 @@
             <a:fld id="{0D005F57-EA56-4A95-B718-20B6AA09091F}" type="datetime1">
               <a:rPr lang="zh-CN" altLang="en-US" smtClean="0"/>
               <a:pPr/>
-              <a:t>2018/5/7</a:t>
+              <a:t>2018/5/10</a:t>
             </a:fld>
             <a:endParaRPr lang="zh-CN" altLang="en-US" dirty="0"/>
           </a:p>
@@ -3483,7 +3483,7 @@
             <a:fld id="{06F99FFF-1AD8-41BA-A4C2-05782CB95A16}" type="datetime1">
               <a:rPr lang="zh-CN" altLang="en-US" smtClean="0"/>
               <a:pPr/>
-              <a:t>2018/5/7</a:t>
+              <a:t>2018/5/10</a:t>
             </a:fld>
             <a:endParaRPr lang="zh-CN" altLang="en-US" dirty="0"/>
           </a:p>
@@ -3797,7 +3797,7 @@
             <a:fld id="{474EC2AD-E193-40F2-8E09-6DD726A8C215}" type="datetime1">
               <a:rPr lang="zh-CN" altLang="en-US" smtClean="0"/>
               <a:pPr/>
-              <a:t>2018/5/7</a:t>
+              <a:t>2018/5/10</a:t>
             </a:fld>
             <a:endParaRPr lang="zh-CN" altLang="en-US" dirty="0"/>
           </a:p>
@@ -18328,6 +18328,751 @@
         <p:spPr>
           <a:xfrm>
             <a:off x="1053852" y="3933056"/>
+            <a:ext cx="4176464" cy="493642"/>
+          </a:xfrm>
+          <a:prstGeom prst="rect">
+            <a:avLst/>
+          </a:prstGeom>
+        </p:spPr>
+        <p:txBody>
+          <a:bodyPr vert="horz" lIns="121899" tIns="60949" rIns="121899" bIns="60949" rtlCol="0" anchor="b">
+            <a:normAutofit fontScale="92500"/>
+          </a:bodyPr>
+          <a:lstStyle>
+            <a:lvl1pPr algn="l" defTabSz="1218987" rtl="0" eaLnBrk="1" latinLnBrk="0" hangingPunct="1">
+              <a:lnSpc>
+                <a:spcPct val="85000"/>
+              </a:lnSpc>
+              <a:spcBef>
+                <a:spcPct val="0"/>
+              </a:spcBef>
+              <a:buNone/>
+              <a:tabLst/>
+              <a:defRPr sz="4400" kern="1200" cap="none" baseline="0">
+                <a:solidFill>
+                  <a:schemeClr val="tx1"/>
+                </a:solidFill>
+                <a:latin typeface="微软雅黑" panose="020B0503020204020204" pitchFamily="34" charset="-122"/>
+                <a:ea typeface="微软雅黑" panose="020B0503020204020204" pitchFamily="34" charset="-122"/>
+                <a:cs typeface="+mj-cs"/>
+              </a:defRPr>
+            </a:lvl1pPr>
+          </a:lstStyle>
+          <a:p>
+            <a:r>
+              <a:rPr lang="en-US" altLang="zh-CN" sz="2000" dirty="0"/>
+              <a:t>3</a:t>
+            </a:r>
+            <a:r>
+              <a:rPr lang="zh-CN" altLang="en-US" sz="2000" dirty="0"/>
+              <a:t>、命令行执行</a:t>
+            </a:r>
+            <a:r>
+              <a:rPr lang="en-US" altLang="zh-CN" sz="2000" dirty="0" err="1"/>
+              <a:t>pyspark</a:t>
+            </a:r>
+            <a:r>
+              <a:rPr lang="zh-CN" altLang="en-US" sz="2000" dirty="0"/>
+              <a:t>，</a:t>
+            </a:r>
+            <a:r>
+              <a:rPr lang="en-US" altLang="zh-CN" sz="2000" dirty="0"/>
+              <a:t>spark-</a:t>
+            </a:r>
+            <a:r>
+              <a:rPr lang="en-US" altLang="zh-CN" sz="2000" dirty="0" err="1"/>
+              <a:t>sql</a:t>
+            </a:r>
+            <a:endParaRPr lang="en-US" altLang="zh-CN" sz="2000" dirty="0"/>
+          </a:p>
+        </p:txBody>
+      </p:sp>
+      <p:sp>
+        <p:nvSpPr>
+          <p:cNvPr id="11" name="Rectangle 3">
+            <a:extLst>
+              <a:ext uri="{FF2B5EF4-FFF2-40B4-BE49-F238E27FC236}">
+                <a16:creationId xmlns:a16="http://schemas.microsoft.com/office/drawing/2014/main" id="{CBE95CEF-8AC0-44D6-A512-D5F3F74D9B04}"/>
+              </a:ext>
+            </a:extLst>
+          </p:cNvPr>
+          <p:cNvSpPr>
+            <a:spLocks noChangeArrowheads="1"/>
+          </p:cNvSpPr>
+          <p:nvPr/>
+        </p:nvSpPr>
+        <p:spPr bwMode="auto">
+          <a:xfrm>
+            <a:off x="6022404" y="4822315"/>
+            <a:ext cx="4248472" cy="2022298"/>
+          </a:xfrm>
+          <a:prstGeom prst="rect">
+            <a:avLst/>
+          </a:prstGeom>
+          <a:solidFill>
+            <a:schemeClr val="tx2">
+              <a:lumMod val="85000"/>
+              <a:lumOff val="15000"/>
+            </a:schemeClr>
+          </a:solidFill>
+          <a:ln>
+            <a:noFill/>
+          </a:ln>
+          <a:effectLst/>
+        </p:spPr>
+        <p:txBody>
+          <a:bodyPr vert="horz" wrap="square" lIns="91440" tIns="0" rIns="91440" bIns="158700" numCol="1" anchor="ctr" anchorCtr="0" compatLnSpc="1">
+            <a:prstTxWarp prst="textNoShape">
+              <a:avLst/>
+            </a:prstTxWarp>
+            <a:spAutoFit/>
+          </a:bodyPr>
+          <a:lstStyle/>
+          <a:p>
+            <a:pPr lvl="0" defTabSz="914400" eaLnBrk="0" fontAlgn="base" hangingPunct="0">
+              <a:spcBef>
+                <a:spcPct val="0"/>
+              </a:spcBef>
+              <a:spcAft>
+                <a:spcPct val="0"/>
+              </a:spcAft>
+            </a:pPr>
+            <a:r>
+              <a:rPr lang="zh-CN" altLang="zh-CN" sz="1100" dirty="0">
+                <a:solidFill>
+                  <a:srgbClr val="ABB2BF"/>
+                </a:solidFill>
+                <a:latin typeface="Arial Unicode MS" panose="020B0604020202020204" pitchFamily="34" charset="-122"/>
+              </a:rPr>
+              <a:t>spark = SparkSession \ </a:t>
+            </a:r>
+          </a:p>
+          <a:p>
+            <a:pPr lvl="0" defTabSz="914400" eaLnBrk="0" fontAlgn="base" hangingPunct="0">
+              <a:spcBef>
+                <a:spcPct val="0"/>
+              </a:spcBef>
+              <a:spcAft>
+                <a:spcPct val="0"/>
+              </a:spcAft>
+            </a:pPr>
+            <a:r>
+              <a:rPr lang="zh-CN" altLang="zh-CN" sz="1100" dirty="0">
+                <a:solidFill>
+                  <a:srgbClr val="ABB2BF"/>
+                </a:solidFill>
+                <a:latin typeface="Arial Unicode MS" panose="020B0604020202020204" pitchFamily="34" charset="-122"/>
+              </a:rPr>
+              <a:t>        .</a:t>
+            </a:r>
+            <a:r>
+              <a:rPr lang="zh-CN" altLang="zh-CN" sz="1100" dirty="0">
+                <a:solidFill>
+                  <a:srgbClr val="E06C75"/>
+                </a:solidFill>
+                <a:latin typeface="Arial Unicode MS" panose="020B0604020202020204" pitchFamily="34" charset="-122"/>
+              </a:rPr>
+              <a:t>builder</a:t>
+            </a:r>
+            <a:r>
+              <a:rPr lang="zh-CN" altLang="zh-CN" sz="1100" dirty="0">
+                <a:solidFill>
+                  <a:srgbClr val="ABB2BF"/>
+                </a:solidFill>
+                <a:latin typeface="Arial Unicode MS" panose="020B0604020202020204" pitchFamily="34" charset="-122"/>
+              </a:rPr>
+              <a:t> \ </a:t>
+            </a:r>
+          </a:p>
+          <a:p>
+            <a:pPr lvl="0" defTabSz="914400" eaLnBrk="0" fontAlgn="base" hangingPunct="0">
+              <a:spcBef>
+                <a:spcPct val="0"/>
+              </a:spcBef>
+              <a:spcAft>
+                <a:spcPct val="0"/>
+              </a:spcAft>
+            </a:pPr>
+            <a:r>
+              <a:rPr lang="zh-CN" altLang="zh-CN" sz="1100" dirty="0">
+                <a:solidFill>
+                  <a:srgbClr val="ABB2BF"/>
+                </a:solidFill>
+                <a:latin typeface="Arial Unicode MS" panose="020B0604020202020204" pitchFamily="34" charset="-122"/>
+              </a:rPr>
+              <a:t>        .</a:t>
+            </a:r>
+            <a:r>
+              <a:rPr lang="zh-CN" altLang="zh-CN" sz="1100" dirty="0">
+                <a:solidFill>
+                  <a:srgbClr val="61AFEF"/>
+                </a:solidFill>
+                <a:latin typeface="Arial Unicode MS" panose="020B0604020202020204" pitchFamily="34" charset="-122"/>
+              </a:rPr>
+              <a:t>appName</a:t>
+            </a:r>
+            <a:r>
+              <a:rPr lang="zh-CN" altLang="zh-CN" sz="1100" dirty="0">
+                <a:solidFill>
+                  <a:srgbClr val="ABB2BF"/>
+                </a:solidFill>
+                <a:latin typeface="Arial Unicode MS" panose="020B0604020202020204" pitchFamily="34" charset="-122"/>
+              </a:rPr>
+              <a:t>(</a:t>
+            </a:r>
+            <a:r>
+              <a:rPr lang="zh-CN" altLang="zh-CN" sz="1100" dirty="0">
+                <a:solidFill>
+                  <a:srgbClr val="98C379"/>
+                </a:solidFill>
+                <a:latin typeface="Arial Unicode MS" panose="020B0604020202020204" pitchFamily="34" charset="-122"/>
+              </a:rPr>
+              <a:t>"cubeMailJob"</a:t>
+            </a:r>
+            <a:r>
+              <a:rPr lang="zh-CN" altLang="zh-CN" sz="1100" dirty="0">
+                <a:solidFill>
+                  <a:srgbClr val="ABB2BF"/>
+                </a:solidFill>
+                <a:latin typeface="Arial Unicode MS" panose="020B0604020202020204" pitchFamily="34" charset="-122"/>
+              </a:rPr>
+              <a:t>) \ </a:t>
+            </a:r>
+          </a:p>
+          <a:p>
+            <a:pPr lvl="0" defTabSz="914400" eaLnBrk="0" fontAlgn="base" hangingPunct="0">
+              <a:spcBef>
+                <a:spcPct val="0"/>
+              </a:spcBef>
+              <a:spcAft>
+                <a:spcPct val="0"/>
+              </a:spcAft>
+            </a:pPr>
+            <a:r>
+              <a:rPr lang="zh-CN" altLang="zh-CN" sz="1100" dirty="0">
+                <a:solidFill>
+                  <a:srgbClr val="ABB2BF"/>
+                </a:solidFill>
+                <a:latin typeface="Arial Unicode MS" panose="020B0604020202020204" pitchFamily="34" charset="-122"/>
+              </a:rPr>
+              <a:t>        .</a:t>
+            </a:r>
+            <a:r>
+              <a:rPr lang="zh-CN" altLang="zh-CN" sz="1100" dirty="0">
+                <a:solidFill>
+                  <a:srgbClr val="61AFEF"/>
+                </a:solidFill>
+                <a:latin typeface="Arial Unicode MS" panose="020B0604020202020204" pitchFamily="34" charset="-122"/>
+              </a:rPr>
+              <a:t>config</a:t>
+            </a:r>
+            <a:r>
+              <a:rPr lang="zh-CN" altLang="zh-CN" sz="1100" dirty="0">
+                <a:solidFill>
+                  <a:srgbClr val="ABB2BF"/>
+                </a:solidFill>
+                <a:latin typeface="Arial Unicode MS" panose="020B0604020202020204" pitchFamily="34" charset="-122"/>
+              </a:rPr>
+              <a:t>(</a:t>
+            </a:r>
+            <a:r>
+              <a:rPr lang="zh-CN" altLang="zh-CN" sz="1100" dirty="0">
+                <a:solidFill>
+                  <a:srgbClr val="98C379"/>
+                </a:solidFill>
+                <a:latin typeface="Arial Unicode MS" panose="020B0604020202020204" pitchFamily="34" charset="-122"/>
+              </a:rPr>
+              <a:t>"spark.sql.parquet.compression.codec"</a:t>
+            </a:r>
+            <a:r>
+              <a:rPr lang="zh-CN" altLang="zh-CN" sz="1100" dirty="0">
+                <a:solidFill>
+                  <a:srgbClr val="ABB2BF"/>
+                </a:solidFill>
+                <a:latin typeface="Arial Unicode MS" panose="020B0604020202020204" pitchFamily="34" charset="-122"/>
+              </a:rPr>
+              <a:t>, </a:t>
+            </a:r>
+            <a:r>
+              <a:rPr lang="zh-CN" altLang="zh-CN" sz="1100" dirty="0">
+                <a:solidFill>
+                  <a:srgbClr val="98C379"/>
+                </a:solidFill>
+                <a:latin typeface="Arial Unicode MS" panose="020B0604020202020204" pitchFamily="34" charset="-122"/>
+              </a:rPr>
+              <a:t>"snappy"</a:t>
+            </a:r>
+            <a:r>
+              <a:rPr lang="zh-CN" altLang="zh-CN" sz="1100" dirty="0">
+                <a:solidFill>
+                  <a:srgbClr val="ABB2BF"/>
+                </a:solidFill>
+                <a:latin typeface="Arial Unicode MS" panose="020B0604020202020204" pitchFamily="34" charset="-122"/>
+              </a:rPr>
+              <a:t>) \ </a:t>
+            </a:r>
+          </a:p>
+          <a:p>
+            <a:pPr lvl="0" defTabSz="914400" eaLnBrk="0" fontAlgn="base" hangingPunct="0">
+              <a:spcBef>
+                <a:spcPct val="0"/>
+              </a:spcBef>
+              <a:spcAft>
+                <a:spcPct val="0"/>
+              </a:spcAft>
+            </a:pPr>
+            <a:r>
+              <a:rPr lang="zh-CN" altLang="zh-CN" sz="1100" dirty="0">
+                <a:solidFill>
+                  <a:srgbClr val="ABB2BF"/>
+                </a:solidFill>
+                <a:latin typeface="Arial Unicode MS" panose="020B0604020202020204" pitchFamily="34" charset="-122"/>
+              </a:rPr>
+              <a:t>        .</a:t>
+            </a:r>
+            <a:r>
+              <a:rPr lang="zh-CN" altLang="zh-CN" sz="1100" dirty="0">
+                <a:solidFill>
+                  <a:srgbClr val="61AFEF"/>
+                </a:solidFill>
+                <a:latin typeface="Arial Unicode MS" panose="020B0604020202020204" pitchFamily="34" charset="-122"/>
+              </a:rPr>
+              <a:t>config</a:t>
+            </a:r>
+            <a:r>
+              <a:rPr lang="zh-CN" altLang="zh-CN" sz="1100" dirty="0">
+                <a:solidFill>
+                  <a:srgbClr val="ABB2BF"/>
+                </a:solidFill>
+                <a:latin typeface="Arial Unicode MS" panose="020B0604020202020204" pitchFamily="34" charset="-122"/>
+              </a:rPr>
+              <a:t>(</a:t>
+            </a:r>
+            <a:r>
+              <a:rPr lang="zh-CN" altLang="zh-CN" sz="1100" dirty="0">
+                <a:solidFill>
+                  <a:srgbClr val="98C379"/>
+                </a:solidFill>
+                <a:latin typeface="Arial Unicode MS" panose="020B0604020202020204" pitchFamily="34" charset="-122"/>
+              </a:rPr>
+              <a:t>"spark.sql.shuffle.partitions"</a:t>
+            </a:r>
+            <a:r>
+              <a:rPr lang="zh-CN" altLang="zh-CN" sz="1100" dirty="0">
+                <a:solidFill>
+                  <a:srgbClr val="ABB2BF"/>
+                </a:solidFill>
+                <a:latin typeface="Arial Unicode MS" panose="020B0604020202020204" pitchFamily="34" charset="-122"/>
+              </a:rPr>
+              <a:t>,</a:t>
+            </a:r>
+            <a:r>
+              <a:rPr lang="zh-CN" altLang="zh-CN" sz="1100" dirty="0">
+                <a:solidFill>
+                  <a:srgbClr val="98C379"/>
+                </a:solidFill>
+                <a:latin typeface="Arial Unicode MS" panose="020B0604020202020204" pitchFamily="34" charset="-122"/>
+              </a:rPr>
+              <a:t>"20"</a:t>
+            </a:r>
+            <a:r>
+              <a:rPr lang="zh-CN" altLang="zh-CN" sz="1100" dirty="0">
+                <a:solidFill>
+                  <a:srgbClr val="ABB2BF"/>
+                </a:solidFill>
+                <a:latin typeface="Arial Unicode MS" panose="020B0604020202020204" pitchFamily="34" charset="-122"/>
+              </a:rPr>
+              <a:t>) \ </a:t>
+            </a:r>
+          </a:p>
+          <a:p>
+            <a:pPr lvl="0" defTabSz="914400" eaLnBrk="0" fontAlgn="base" hangingPunct="0">
+              <a:spcBef>
+                <a:spcPct val="0"/>
+              </a:spcBef>
+              <a:spcAft>
+                <a:spcPct val="0"/>
+              </a:spcAft>
+            </a:pPr>
+            <a:r>
+              <a:rPr lang="zh-CN" altLang="zh-CN" sz="1100" dirty="0">
+                <a:solidFill>
+                  <a:srgbClr val="ABB2BF"/>
+                </a:solidFill>
+                <a:latin typeface="Arial Unicode MS" panose="020B0604020202020204" pitchFamily="34" charset="-122"/>
+              </a:rPr>
+              <a:t>        .</a:t>
+            </a:r>
+            <a:r>
+              <a:rPr lang="zh-CN" altLang="zh-CN" sz="1100" dirty="0">
+                <a:solidFill>
+                  <a:srgbClr val="61AFEF"/>
+                </a:solidFill>
+                <a:latin typeface="Arial Unicode MS" panose="020B0604020202020204" pitchFamily="34" charset="-122"/>
+              </a:rPr>
+              <a:t>config</a:t>
+            </a:r>
+            <a:r>
+              <a:rPr lang="zh-CN" altLang="zh-CN" sz="1100" dirty="0">
+                <a:solidFill>
+                  <a:srgbClr val="ABB2BF"/>
+                </a:solidFill>
+                <a:latin typeface="Arial Unicode MS" panose="020B0604020202020204" pitchFamily="34" charset="-122"/>
+              </a:rPr>
+              <a:t>(</a:t>
+            </a:r>
+            <a:r>
+              <a:rPr lang="zh-CN" altLang="zh-CN" sz="1100" dirty="0">
+                <a:solidFill>
+                  <a:srgbClr val="98C379"/>
+                </a:solidFill>
+                <a:latin typeface="Arial Unicode MS" panose="020B0604020202020204" pitchFamily="34" charset="-122"/>
+              </a:rPr>
+              <a:t>"spark.network.timeout"</a:t>
+            </a:r>
+            <a:r>
+              <a:rPr lang="zh-CN" altLang="zh-CN" sz="1100" dirty="0">
+                <a:solidFill>
+                  <a:srgbClr val="ABB2BF"/>
+                </a:solidFill>
+                <a:latin typeface="Arial Unicode MS" panose="020B0604020202020204" pitchFamily="34" charset="-122"/>
+              </a:rPr>
+              <a:t>,</a:t>
+            </a:r>
+            <a:r>
+              <a:rPr lang="zh-CN" altLang="zh-CN" sz="1100" dirty="0">
+                <a:solidFill>
+                  <a:srgbClr val="98C379"/>
+                </a:solidFill>
+                <a:latin typeface="Arial Unicode MS" panose="020B0604020202020204" pitchFamily="34" charset="-122"/>
+              </a:rPr>
+              <a:t>"240"</a:t>
+            </a:r>
+            <a:r>
+              <a:rPr lang="zh-CN" altLang="zh-CN" sz="1100" dirty="0">
+                <a:solidFill>
+                  <a:srgbClr val="ABB2BF"/>
+                </a:solidFill>
+                <a:latin typeface="Arial Unicode MS" panose="020B0604020202020204" pitchFamily="34" charset="-122"/>
+              </a:rPr>
+              <a:t>) \ </a:t>
+            </a:r>
+          </a:p>
+          <a:p>
+            <a:pPr lvl="0" defTabSz="914400" eaLnBrk="0" fontAlgn="base" hangingPunct="0">
+              <a:spcBef>
+                <a:spcPct val="0"/>
+              </a:spcBef>
+              <a:spcAft>
+                <a:spcPct val="0"/>
+              </a:spcAft>
+            </a:pPr>
+            <a:r>
+              <a:rPr lang="zh-CN" altLang="zh-CN" sz="1100" dirty="0">
+                <a:solidFill>
+                  <a:srgbClr val="ABB2BF"/>
+                </a:solidFill>
+                <a:latin typeface="Arial Unicode MS" panose="020B0604020202020204" pitchFamily="34" charset="-122"/>
+              </a:rPr>
+              <a:t>        .</a:t>
+            </a:r>
+            <a:r>
+              <a:rPr lang="zh-CN" altLang="zh-CN" sz="1100" dirty="0">
+                <a:solidFill>
+                  <a:srgbClr val="61AFEF"/>
+                </a:solidFill>
+                <a:latin typeface="Arial Unicode MS" panose="020B0604020202020204" pitchFamily="34" charset="-122"/>
+              </a:rPr>
+              <a:t>config</a:t>
+            </a:r>
+            <a:r>
+              <a:rPr lang="zh-CN" altLang="zh-CN" sz="1100" dirty="0">
+                <a:solidFill>
+                  <a:srgbClr val="ABB2BF"/>
+                </a:solidFill>
+                <a:latin typeface="Arial Unicode MS" panose="020B0604020202020204" pitchFamily="34" charset="-122"/>
+              </a:rPr>
+              <a:t>(</a:t>
+            </a:r>
+            <a:r>
+              <a:rPr lang="zh-CN" altLang="zh-CN" sz="1100" dirty="0">
+                <a:solidFill>
+                  <a:srgbClr val="98C379"/>
+                </a:solidFill>
+                <a:latin typeface="Arial Unicode MS" panose="020B0604020202020204" pitchFamily="34" charset="-122"/>
+              </a:rPr>
+              <a:t>"spark.dynamicAllocation.maxExecutors"</a:t>
+            </a:r>
+            <a:r>
+              <a:rPr lang="zh-CN" altLang="zh-CN" sz="1100" dirty="0">
+                <a:solidFill>
+                  <a:srgbClr val="ABB2BF"/>
+                </a:solidFill>
+                <a:latin typeface="Arial Unicode MS" panose="020B0604020202020204" pitchFamily="34" charset="-122"/>
+              </a:rPr>
+              <a:t>, </a:t>
+            </a:r>
+            <a:r>
+              <a:rPr lang="zh-CN" altLang="zh-CN" sz="1100" dirty="0">
+                <a:solidFill>
+                  <a:srgbClr val="98C379"/>
+                </a:solidFill>
+                <a:latin typeface="Arial Unicode MS" panose="020B0604020202020204" pitchFamily="34" charset="-122"/>
+              </a:rPr>
+              <a:t>"4"</a:t>
+            </a:r>
+            <a:r>
+              <a:rPr lang="zh-CN" altLang="zh-CN" sz="1100" dirty="0">
+                <a:solidFill>
+                  <a:srgbClr val="ABB2BF"/>
+                </a:solidFill>
+                <a:latin typeface="Arial Unicode MS" panose="020B0604020202020204" pitchFamily="34" charset="-122"/>
+              </a:rPr>
+              <a:t>) \ </a:t>
+            </a:r>
+          </a:p>
+          <a:p>
+            <a:pPr lvl="0" defTabSz="914400" eaLnBrk="0" fontAlgn="base" hangingPunct="0">
+              <a:spcBef>
+                <a:spcPct val="0"/>
+              </a:spcBef>
+              <a:spcAft>
+                <a:spcPct val="0"/>
+              </a:spcAft>
+            </a:pPr>
+            <a:r>
+              <a:rPr lang="zh-CN" altLang="zh-CN" sz="1100" dirty="0">
+                <a:solidFill>
+                  <a:srgbClr val="ABB2BF"/>
+                </a:solidFill>
+                <a:latin typeface="Arial Unicode MS" panose="020B0604020202020204" pitchFamily="34" charset="-122"/>
+              </a:rPr>
+              <a:t>        .</a:t>
+            </a:r>
+            <a:r>
+              <a:rPr lang="zh-CN" altLang="zh-CN" sz="1100" dirty="0">
+                <a:solidFill>
+                  <a:srgbClr val="61AFEF"/>
+                </a:solidFill>
+                <a:latin typeface="Arial Unicode MS" panose="020B0604020202020204" pitchFamily="34" charset="-122"/>
+              </a:rPr>
+              <a:t>config</a:t>
+            </a:r>
+            <a:r>
+              <a:rPr lang="zh-CN" altLang="zh-CN" sz="1100" dirty="0">
+                <a:solidFill>
+                  <a:srgbClr val="ABB2BF"/>
+                </a:solidFill>
+                <a:latin typeface="Arial Unicode MS" panose="020B0604020202020204" pitchFamily="34" charset="-122"/>
+              </a:rPr>
+              <a:t>(</a:t>
+            </a:r>
+            <a:r>
+              <a:rPr lang="zh-CN" altLang="zh-CN" sz="1100" dirty="0">
+                <a:solidFill>
+                  <a:srgbClr val="98C379"/>
+                </a:solidFill>
+                <a:latin typeface="Arial Unicode MS" panose="020B0604020202020204" pitchFamily="34" charset="-122"/>
+              </a:rPr>
+              <a:t>"spark.executor.memory"</a:t>
+            </a:r>
+            <a:r>
+              <a:rPr lang="zh-CN" altLang="zh-CN" sz="1100" dirty="0">
+                <a:solidFill>
+                  <a:srgbClr val="ABB2BF"/>
+                </a:solidFill>
+                <a:latin typeface="Arial Unicode MS" panose="020B0604020202020204" pitchFamily="34" charset="-122"/>
+              </a:rPr>
+              <a:t>, </a:t>
+            </a:r>
+            <a:r>
+              <a:rPr lang="zh-CN" altLang="zh-CN" sz="1100" dirty="0">
+                <a:solidFill>
+                  <a:srgbClr val="98C379"/>
+                </a:solidFill>
+                <a:latin typeface="Arial Unicode MS" panose="020B0604020202020204" pitchFamily="34" charset="-122"/>
+              </a:rPr>
+              <a:t>"1G"</a:t>
+            </a:r>
+            <a:r>
+              <a:rPr lang="zh-CN" altLang="zh-CN" sz="1100" dirty="0">
+                <a:solidFill>
+                  <a:srgbClr val="ABB2BF"/>
+                </a:solidFill>
+                <a:latin typeface="Arial Unicode MS" panose="020B0604020202020204" pitchFamily="34" charset="-122"/>
+              </a:rPr>
+              <a:t>) \ </a:t>
+            </a:r>
+          </a:p>
+          <a:p>
+            <a:pPr lvl="0" defTabSz="914400" eaLnBrk="0" fontAlgn="base" hangingPunct="0">
+              <a:spcBef>
+                <a:spcPct val="0"/>
+              </a:spcBef>
+              <a:spcAft>
+                <a:spcPct val="0"/>
+              </a:spcAft>
+            </a:pPr>
+            <a:r>
+              <a:rPr lang="zh-CN" altLang="zh-CN" sz="1100" dirty="0">
+                <a:solidFill>
+                  <a:srgbClr val="ABB2BF"/>
+                </a:solidFill>
+                <a:latin typeface="Arial Unicode MS" panose="020B0604020202020204" pitchFamily="34" charset="-122"/>
+              </a:rPr>
+              <a:t>        .</a:t>
+            </a:r>
+            <a:r>
+              <a:rPr lang="zh-CN" altLang="zh-CN" sz="1100" dirty="0">
+                <a:solidFill>
+                  <a:srgbClr val="61AFEF"/>
+                </a:solidFill>
+                <a:latin typeface="Arial Unicode MS" panose="020B0604020202020204" pitchFamily="34" charset="-122"/>
+              </a:rPr>
+              <a:t>config</a:t>
+            </a:r>
+            <a:r>
+              <a:rPr lang="zh-CN" altLang="zh-CN" sz="1100" dirty="0">
+                <a:solidFill>
+                  <a:srgbClr val="ABB2BF"/>
+                </a:solidFill>
+                <a:latin typeface="Arial Unicode MS" panose="020B0604020202020204" pitchFamily="34" charset="-122"/>
+              </a:rPr>
+              <a:t>(</a:t>
+            </a:r>
+            <a:r>
+              <a:rPr lang="zh-CN" altLang="zh-CN" sz="1100" dirty="0">
+                <a:solidFill>
+                  <a:srgbClr val="98C379"/>
+                </a:solidFill>
+                <a:latin typeface="Arial Unicode MS" panose="020B0604020202020204" pitchFamily="34" charset="-122"/>
+              </a:rPr>
+              <a:t>"spark.executor.cores"</a:t>
+            </a:r>
+            <a:r>
+              <a:rPr lang="zh-CN" altLang="zh-CN" sz="1100" dirty="0">
+                <a:solidFill>
+                  <a:srgbClr val="ABB2BF"/>
+                </a:solidFill>
+                <a:latin typeface="Arial Unicode MS" panose="020B0604020202020204" pitchFamily="34" charset="-122"/>
+              </a:rPr>
+              <a:t>, </a:t>
+            </a:r>
+            <a:r>
+              <a:rPr lang="zh-CN" altLang="zh-CN" sz="1100" dirty="0">
+                <a:solidFill>
+                  <a:srgbClr val="98C379"/>
+                </a:solidFill>
+                <a:latin typeface="Arial Unicode MS" panose="020B0604020202020204" pitchFamily="34" charset="-122"/>
+              </a:rPr>
+              <a:t>"1"</a:t>
+            </a:r>
+            <a:r>
+              <a:rPr lang="zh-CN" altLang="zh-CN" sz="1100" dirty="0">
+                <a:solidFill>
+                  <a:srgbClr val="ABB2BF"/>
+                </a:solidFill>
+                <a:latin typeface="Arial Unicode MS" panose="020B0604020202020204" pitchFamily="34" charset="-122"/>
+              </a:rPr>
+              <a:t>) \ </a:t>
+            </a:r>
+          </a:p>
+          <a:p>
+            <a:pPr lvl="0" defTabSz="914400" eaLnBrk="0" fontAlgn="base" hangingPunct="0">
+              <a:spcBef>
+                <a:spcPct val="0"/>
+              </a:spcBef>
+              <a:spcAft>
+                <a:spcPct val="0"/>
+              </a:spcAft>
+            </a:pPr>
+            <a:r>
+              <a:rPr lang="zh-CN" altLang="zh-CN" sz="1100" dirty="0">
+                <a:solidFill>
+                  <a:srgbClr val="ABB2BF"/>
+                </a:solidFill>
+                <a:latin typeface="Arial Unicode MS" panose="020B0604020202020204" pitchFamily="34" charset="-122"/>
+              </a:rPr>
+              <a:t>        .</a:t>
+            </a:r>
+            <a:r>
+              <a:rPr lang="zh-CN" altLang="zh-CN" sz="1100" dirty="0">
+                <a:solidFill>
+                  <a:srgbClr val="61AFEF"/>
+                </a:solidFill>
+                <a:latin typeface="Arial Unicode MS" panose="020B0604020202020204" pitchFamily="34" charset="-122"/>
+              </a:rPr>
+              <a:t>enableHiveSupport</a:t>
+            </a:r>
+            <a:r>
+              <a:rPr lang="zh-CN" altLang="zh-CN" sz="1100" dirty="0">
+                <a:solidFill>
+                  <a:srgbClr val="ABB2BF"/>
+                </a:solidFill>
+                <a:latin typeface="Arial Unicode MS" panose="020B0604020202020204" pitchFamily="34" charset="-122"/>
+              </a:rPr>
+              <a:t>() \ </a:t>
+            </a:r>
+          </a:p>
+          <a:p>
+            <a:pPr lvl="0" defTabSz="914400" eaLnBrk="0" fontAlgn="base" hangingPunct="0">
+              <a:spcBef>
+                <a:spcPct val="0"/>
+              </a:spcBef>
+              <a:spcAft>
+                <a:spcPct val="0"/>
+              </a:spcAft>
+            </a:pPr>
+            <a:r>
+              <a:rPr lang="zh-CN" altLang="zh-CN" sz="1100" dirty="0">
+                <a:solidFill>
+                  <a:srgbClr val="ABB2BF"/>
+                </a:solidFill>
+                <a:latin typeface="Arial Unicode MS" panose="020B0604020202020204" pitchFamily="34" charset="-122"/>
+              </a:rPr>
+              <a:t>        .</a:t>
+            </a:r>
+            <a:r>
+              <a:rPr lang="zh-CN" altLang="zh-CN" sz="1100" dirty="0">
+                <a:solidFill>
+                  <a:srgbClr val="61AFEF"/>
+                </a:solidFill>
+                <a:latin typeface="Arial Unicode MS" panose="020B0604020202020204" pitchFamily="34" charset="-122"/>
+              </a:rPr>
+              <a:t>getOrCreate</a:t>
+            </a:r>
+            <a:r>
+              <a:rPr lang="zh-CN" altLang="zh-CN" sz="1100" dirty="0">
+                <a:solidFill>
+                  <a:srgbClr val="ABB2BF"/>
+                </a:solidFill>
+                <a:latin typeface="Arial Unicode MS" panose="020B0604020202020204" pitchFamily="34" charset="-122"/>
+              </a:rPr>
+              <a:t>()</a:t>
+            </a:r>
+            <a:endParaRPr lang="zh-CN" altLang="zh-CN" sz="1100" dirty="0">
+              <a:latin typeface="Arial" panose="020B0604020202020204" pitchFamily="34" charset="0"/>
+            </a:endParaRPr>
+          </a:p>
+        </p:txBody>
+      </p:sp>
+      <p:sp>
+        <p:nvSpPr>
+          <p:cNvPr id="12" name="标题 1">
+            <a:extLst>
+              <a:ext uri="{FF2B5EF4-FFF2-40B4-BE49-F238E27FC236}">
+                <a16:creationId xmlns:a16="http://schemas.microsoft.com/office/drawing/2014/main" id="{AA9955A9-F0A6-4EC2-8E73-3EF35CC2BBED}"/>
+              </a:ext>
+            </a:extLst>
+          </p:cNvPr>
+          <p:cNvSpPr txBox="1">
+            <a:spLocks/>
+          </p:cNvSpPr>
+          <p:nvPr/>
+        </p:nvSpPr>
+        <p:spPr>
+          <a:xfrm>
+            <a:off x="1053852" y="4941168"/>
             <a:ext cx="3600399" cy="493642"/>
           </a:xfrm>
           <a:prstGeom prst="rect">
@@ -18361,17 +19106,113 @@
           <a:p>
             <a:r>
               <a:rPr lang="en-US" altLang="zh-CN" sz="2000" dirty="0"/>
-              <a:t>3</a:t>
+              <a:t>4</a:t>
             </a:r>
             <a:r>
               <a:rPr lang="zh-CN" altLang="en-US" sz="2000" dirty="0"/>
-              <a:t>、命令行执行</a:t>
-            </a:r>
-            <a:r>
-              <a:rPr lang="en-US" altLang="zh-CN" sz="2000" dirty="0" err="1"/>
-              <a:t>pyspark</a:t>
-            </a:r>
-            <a:endParaRPr lang="en-US" altLang="zh-CN" sz="2000" dirty="0"/>
+              <a:t>、</a:t>
+            </a:r>
+            <a:r>
+              <a:rPr lang="en-US" altLang="zh-CN" sz="2000"/>
+              <a:t>.config()</a:t>
+            </a:r>
+            <a:r>
+              <a:rPr lang="zh-CN" altLang="en-US" sz="2000"/>
+              <a:t>配置</a:t>
+            </a:r>
+            <a:r>
+              <a:rPr lang="en-US" altLang="zh-CN" sz="2000" dirty="0"/>
+              <a:t>spark</a:t>
+            </a:r>
+          </a:p>
+        </p:txBody>
+      </p:sp>
+      <p:sp>
+        <p:nvSpPr>
+          <p:cNvPr id="13" name="矩形 12">
+            <a:hlinkClick r:id="rId4"/>
+            <a:extLst>
+              <a:ext uri="{FF2B5EF4-FFF2-40B4-BE49-F238E27FC236}">
+                <a16:creationId xmlns:a16="http://schemas.microsoft.com/office/drawing/2014/main" id="{CF0063C4-0730-4ED9-A128-6A600005C91A}"/>
+              </a:ext>
+            </a:extLst>
+          </p:cNvPr>
+          <p:cNvSpPr/>
+          <p:nvPr/>
+        </p:nvSpPr>
+        <p:spPr>
+          <a:xfrm>
+            <a:off x="621804" y="5733256"/>
+            <a:ext cx="4464496" cy="432048"/>
+          </a:xfrm>
+          <a:prstGeom prst="rect">
+            <a:avLst/>
+          </a:prstGeom>
+          <a:solidFill>
+            <a:schemeClr val="bg2">
+              <a:lumMod val="90000"/>
+            </a:schemeClr>
+          </a:solidFill>
+          <a:ln>
+            <a:noFill/>
+          </a:ln>
+          <a:effectLst>
+            <a:outerShdw blurRad="44450" dist="27940" dir="5400000" algn="ctr">
+              <a:srgbClr val="000000">
+                <a:alpha val="32000"/>
+              </a:srgbClr>
+            </a:outerShdw>
+          </a:effectLst>
+          <a:scene3d>
+            <a:camera prst="orthographicFront">
+              <a:rot lat="0" lon="0" rev="0"/>
+            </a:camera>
+            <a:lightRig rig="balanced" dir="t">
+              <a:rot lat="0" lon="0" rev="8700000"/>
+            </a:lightRig>
+          </a:scene3d>
+          <a:sp3d>
+            <a:bevelT w="190500" h="38100"/>
+          </a:sp3d>
+        </p:spPr>
+        <p:style>
+          <a:lnRef idx="2">
+            <a:schemeClr val="accent1">
+              <a:shade val="50000"/>
+            </a:schemeClr>
+          </a:lnRef>
+          <a:fillRef idx="1">
+            <a:schemeClr val="accent1"/>
+          </a:fillRef>
+          <a:effectRef idx="0">
+            <a:schemeClr val="accent1"/>
+          </a:effectRef>
+          <a:fontRef idx="minor">
+            <a:schemeClr val="lt1"/>
+          </a:fontRef>
+        </p:style>
+        <p:txBody>
+          <a:bodyPr rtlCol="0" anchor="ctr"/>
+          <a:lstStyle/>
+          <a:p>
+            <a:pPr algn="ctr"/>
+            <a:r>
+              <a:rPr lang="en-US" altLang="zh-CN" sz="1100" dirty="0">
+                <a:solidFill>
+                  <a:schemeClr val="tx2"/>
+                </a:solidFill>
+                <a:latin typeface="微软雅黑" panose="020B0503020204020204" pitchFamily="34" charset="-122"/>
+                <a:ea typeface="微软雅黑" panose="020B0503020204020204" pitchFamily="34" charset="-122"/>
+              </a:rPr>
+              <a:t>http://spark.apache.org/docs/1.6.1/configuration.html</a:t>
+            </a:r>
+            <a:endParaRPr lang="zh-CN" altLang="en-US" sz="1100" dirty="0">
+              <a:solidFill>
+                <a:schemeClr val="tx2"/>
+              </a:solidFill>
+              <a:latin typeface="微软雅黑" panose="020B0503020204020204" pitchFamily="34" charset="-122"/>
+              <a:ea typeface="微软雅黑" panose="020B0503020204020204" pitchFamily="34" charset="-122"/>
+            </a:endParaRPr>
           </a:p>
         </p:txBody>
       </p:sp>

--- a/钉钉机器人.pptx
+++ b/钉钉机器人.pptx
@@ -5,10 +5,10 @@
     <p:sldMasterId id="2147483660" r:id="rId4"/>
   </p:sldMasterIdLst>
   <p:notesMasterIdLst>
-    <p:notesMasterId r:id="rId26"/>
+    <p:notesMasterId r:id="rId28"/>
   </p:notesMasterIdLst>
   <p:handoutMasterIdLst>
-    <p:handoutMasterId r:id="rId27"/>
+    <p:handoutMasterId r:id="rId29"/>
   </p:handoutMasterIdLst>
   <p:sldIdLst>
     <p:sldId id="264" r:id="rId5"/>
@@ -28,10 +28,12 @@
     <p:sldId id="298" r:id="rId19"/>
     <p:sldId id="300" r:id="rId20"/>
     <p:sldId id="301" r:id="rId21"/>
-    <p:sldId id="299" r:id="rId22"/>
-    <p:sldId id="293" r:id="rId23"/>
-    <p:sldId id="296" r:id="rId24"/>
-    <p:sldId id="266" r:id="rId25"/>
+    <p:sldId id="302" r:id="rId22"/>
+    <p:sldId id="303" r:id="rId23"/>
+    <p:sldId id="299" r:id="rId24"/>
+    <p:sldId id="293" r:id="rId25"/>
+    <p:sldId id="296" r:id="rId26"/>
+    <p:sldId id="266" r:id="rId27"/>
   </p:sldIdLst>
   <p:sldSz cx="12188825" cy="6858000"/>
   <p:notesSz cx="6858000" cy="9144000"/>
@@ -260,7 +262,7 @@
                 <a:ea typeface="微软雅黑" panose="020B0503020204020204" pitchFamily="34" charset="-122"/>
               </a:rPr>
               <a:pPr algn="r" rtl="0"/>
-              <a:t>2018/5/10</a:t>
+              <a:t>2018/5/11</a:t>
             </a:fld>
             <a:endParaRPr lang="zh-CN" altLang="en-US" dirty="0">
               <a:solidFill>
@@ -465,7 +467,7 @@
             <a:fld id="{06B449BB-9F99-43EE-A1AA-ED1E313F74C2}" type="datetime1">
               <a:rPr lang="zh-CN" altLang="en-US" smtClean="0"/>
               <a:pPr/>
-              <a:t>2018/5/10</a:t>
+              <a:t>2018/5/11</a:t>
             </a:fld>
             <a:endParaRPr lang="zh-CN" altLang="en-US" dirty="0"/>
           </a:p>
@@ -1078,7 +1080,7 @@
             <a:fld id="{55677D0B-F53C-4787-A85A-18D33BC3BEA1}" type="datetime1">
               <a:rPr lang="zh-CN" altLang="en-US" smtClean="0"/>
               <a:pPr/>
-              <a:t>2018/5/10</a:t>
+              <a:t>2018/5/11</a:t>
             </a:fld>
             <a:endParaRPr lang="zh-CN" altLang="en-US" dirty="0"/>
           </a:p>
@@ -1278,7 +1280,7 @@
             <a:fld id="{54B89B6B-C640-4814-94E3-C138F9C73EE7}" type="datetime1">
               <a:rPr lang="zh-CN" altLang="en-US" smtClean="0"/>
               <a:pPr/>
-              <a:t>2018/5/10</a:t>
+              <a:t>2018/5/11</a:t>
             </a:fld>
             <a:endParaRPr lang="zh-CN" altLang="en-US" dirty="0"/>
           </a:p>
@@ -1484,7 +1486,7 @@
             <a:fld id="{3D2BB3D5-B3F4-4256-B6ED-4B874E5DE258}" type="datetime1">
               <a:rPr lang="zh-CN" altLang="en-US" smtClean="0"/>
               <a:pPr/>
-              <a:t>2018/5/10</a:t>
+              <a:t>2018/5/11</a:t>
             </a:fld>
             <a:endParaRPr lang="zh-CN" altLang="en-US" dirty="0"/>
           </a:p>
@@ -2009,7 +2011,7 @@
             <a:fld id="{109DE028-75A5-419A-B395-C2EDFBD58642}" type="datetime1">
               <a:rPr lang="zh-CN" altLang="en-US" smtClean="0"/>
               <a:pPr/>
-              <a:t>2018/5/10</a:t>
+              <a:t>2018/5/11</a:t>
             </a:fld>
             <a:endParaRPr lang="zh-CN" altLang="en-US" dirty="0"/>
           </a:p>
@@ -2465,7 +2467,7 @@
             <a:fld id="{6DB54F77-3742-4919-9EAD-96757A014E94}" type="datetime1">
               <a:rPr lang="zh-CN" altLang="en-US" smtClean="0"/>
               <a:pPr/>
-              <a:t>2018/5/10</a:t>
+              <a:t>2018/5/11</a:t>
             </a:fld>
             <a:endParaRPr lang="zh-CN" altLang="en-US" dirty="0"/>
           </a:p>
@@ -2603,7 +2605,7 @@
             <a:fld id="{9C6EB163-526A-4855-8844-4C6501B96975}" type="datetime1">
               <a:rPr lang="zh-CN" altLang="en-US" smtClean="0"/>
               <a:pPr/>
-              <a:t>2018/5/10</a:t>
+              <a:t>2018/5/11</a:t>
             </a:fld>
             <a:endParaRPr lang="zh-CN" altLang="en-US" dirty="0"/>
           </a:p>
@@ -2717,7 +2719,7 @@
             <a:fld id="{4E9B638C-251D-44EC-B8B2-08EC45208A21}" type="datetime1">
               <a:rPr lang="zh-CN" altLang="en-US" smtClean="0"/>
               <a:pPr/>
-              <a:t>2018/5/10</a:t>
+              <a:t>2018/5/11</a:t>
             </a:fld>
             <a:endParaRPr lang="zh-CN" altLang="en-US" dirty="0"/>
           </a:p>
@@ -3109,7 +3111,7 @@
             <a:fld id="{0D005F57-EA56-4A95-B718-20B6AA09091F}" type="datetime1">
               <a:rPr lang="zh-CN" altLang="en-US" smtClean="0"/>
               <a:pPr/>
-              <a:t>2018/5/10</a:t>
+              <a:t>2018/5/11</a:t>
             </a:fld>
             <a:endParaRPr lang="zh-CN" altLang="en-US" dirty="0"/>
           </a:p>
@@ -3483,7 +3485,7 @@
             <a:fld id="{06F99FFF-1AD8-41BA-A4C2-05782CB95A16}" type="datetime1">
               <a:rPr lang="zh-CN" altLang="en-US" smtClean="0"/>
               <a:pPr/>
-              <a:t>2018/5/10</a:t>
+              <a:t>2018/5/11</a:t>
             </a:fld>
             <a:endParaRPr lang="zh-CN" altLang="en-US" dirty="0"/>
           </a:p>
@@ -3797,7 +3799,7 @@
             <a:fld id="{474EC2AD-E193-40F2-8E09-6DD726A8C215}" type="datetime1">
               <a:rPr lang="zh-CN" altLang="en-US" smtClean="0"/>
               <a:pPr/>
-              <a:t>2018/5/10</a:t>
+              <a:t>2018/5/11</a:t>
             </a:fld>
             <a:endParaRPr lang="zh-CN" altLang="en-US" dirty="0"/>
           </a:p>
@@ -15918,6 +15920,4252 @@
             </a:r>
             <a:r>
               <a:rPr lang="zh-CN" altLang="en-US" sz="2000" dirty="0"/>
+              <a:t>、</a:t>
+            </a:r>
+            <a:r>
+              <a:rPr lang="en-US" altLang="zh-CN" sz="2000" dirty="0"/>
+              <a:t>.config()</a:t>
+            </a:r>
+            <a:r>
+              <a:rPr lang="zh-CN" altLang="en-US" sz="2000" dirty="0"/>
+              <a:t>配置</a:t>
+            </a:r>
+            <a:r>
+              <a:rPr lang="en-US" altLang="zh-CN" sz="2000" dirty="0"/>
+              <a:t>spark</a:t>
+            </a:r>
+          </a:p>
+        </p:txBody>
+      </p:sp>
+      <p:sp>
+        <p:nvSpPr>
+          <p:cNvPr id="6" name="Rectangle 3">
+            <a:extLst>
+              <a:ext uri="{FF2B5EF4-FFF2-40B4-BE49-F238E27FC236}">
+                <a16:creationId xmlns:a16="http://schemas.microsoft.com/office/drawing/2014/main" id="{7731F65D-C0B8-48DF-9187-60759963E6A2}"/>
+              </a:ext>
+            </a:extLst>
+          </p:cNvPr>
+          <p:cNvSpPr>
+            <a:spLocks noChangeArrowheads="1"/>
+          </p:cNvSpPr>
+          <p:nvPr/>
+        </p:nvSpPr>
+        <p:spPr bwMode="auto">
+          <a:xfrm>
+            <a:off x="1053852" y="1556792"/>
+            <a:ext cx="5069325" cy="2022298"/>
+          </a:xfrm>
+          <a:prstGeom prst="rect">
+            <a:avLst/>
+          </a:prstGeom>
+          <a:solidFill>
+            <a:schemeClr val="tx2">
+              <a:lumMod val="85000"/>
+              <a:lumOff val="15000"/>
+            </a:schemeClr>
+          </a:solidFill>
+          <a:ln>
+            <a:noFill/>
+          </a:ln>
+          <a:effectLst/>
+        </p:spPr>
+        <p:txBody>
+          <a:bodyPr vert="horz" wrap="square" lIns="91440" tIns="0" rIns="91440" bIns="158700" numCol="1" anchor="ctr" anchorCtr="0" compatLnSpc="1">
+            <a:prstTxWarp prst="textNoShape">
+              <a:avLst/>
+            </a:prstTxWarp>
+            <a:spAutoFit/>
+          </a:bodyPr>
+          <a:lstStyle/>
+          <a:p>
+            <a:pPr lvl="0" defTabSz="914400" eaLnBrk="0" fontAlgn="base" hangingPunct="0">
+              <a:spcBef>
+                <a:spcPct val="0"/>
+              </a:spcBef>
+              <a:spcAft>
+                <a:spcPct val="0"/>
+              </a:spcAft>
+            </a:pPr>
+            <a:r>
+              <a:rPr lang="zh-CN" altLang="zh-CN" sz="1100" dirty="0">
+                <a:solidFill>
+                  <a:srgbClr val="ABB2BF"/>
+                </a:solidFill>
+                <a:latin typeface="Arial Unicode MS" panose="020B0604020202020204" pitchFamily="34" charset="-122"/>
+              </a:rPr>
+              <a:t>spark = SparkSession \ </a:t>
+            </a:r>
+          </a:p>
+          <a:p>
+            <a:pPr lvl="0" defTabSz="914400" eaLnBrk="0" fontAlgn="base" hangingPunct="0">
+              <a:spcBef>
+                <a:spcPct val="0"/>
+              </a:spcBef>
+              <a:spcAft>
+                <a:spcPct val="0"/>
+              </a:spcAft>
+            </a:pPr>
+            <a:r>
+              <a:rPr lang="zh-CN" altLang="zh-CN" sz="1100" dirty="0">
+                <a:solidFill>
+                  <a:srgbClr val="ABB2BF"/>
+                </a:solidFill>
+                <a:latin typeface="Arial Unicode MS" panose="020B0604020202020204" pitchFamily="34" charset="-122"/>
+              </a:rPr>
+              <a:t>        .</a:t>
+            </a:r>
+            <a:r>
+              <a:rPr lang="zh-CN" altLang="zh-CN" sz="1100" dirty="0">
+                <a:solidFill>
+                  <a:srgbClr val="E06C75"/>
+                </a:solidFill>
+                <a:latin typeface="Arial Unicode MS" panose="020B0604020202020204" pitchFamily="34" charset="-122"/>
+              </a:rPr>
+              <a:t>builder</a:t>
+            </a:r>
+            <a:r>
+              <a:rPr lang="zh-CN" altLang="zh-CN" sz="1100" dirty="0">
+                <a:solidFill>
+                  <a:srgbClr val="ABB2BF"/>
+                </a:solidFill>
+                <a:latin typeface="Arial Unicode MS" panose="020B0604020202020204" pitchFamily="34" charset="-122"/>
+              </a:rPr>
+              <a:t> \ </a:t>
+            </a:r>
+          </a:p>
+          <a:p>
+            <a:pPr lvl="0" defTabSz="914400" eaLnBrk="0" fontAlgn="base" hangingPunct="0">
+              <a:spcBef>
+                <a:spcPct val="0"/>
+              </a:spcBef>
+              <a:spcAft>
+                <a:spcPct val="0"/>
+              </a:spcAft>
+            </a:pPr>
+            <a:r>
+              <a:rPr lang="zh-CN" altLang="zh-CN" sz="1100" dirty="0">
+                <a:solidFill>
+                  <a:srgbClr val="ABB2BF"/>
+                </a:solidFill>
+                <a:latin typeface="Arial Unicode MS" panose="020B0604020202020204" pitchFamily="34" charset="-122"/>
+              </a:rPr>
+              <a:t>        .</a:t>
+            </a:r>
+            <a:r>
+              <a:rPr lang="zh-CN" altLang="zh-CN" sz="1100" dirty="0">
+                <a:solidFill>
+                  <a:srgbClr val="61AFEF"/>
+                </a:solidFill>
+                <a:latin typeface="Arial Unicode MS" panose="020B0604020202020204" pitchFamily="34" charset="-122"/>
+              </a:rPr>
+              <a:t>appName</a:t>
+            </a:r>
+            <a:r>
+              <a:rPr lang="zh-CN" altLang="zh-CN" sz="1100" dirty="0">
+                <a:solidFill>
+                  <a:srgbClr val="ABB2BF"/>
+                </a:solidFill>
+                <a:latin typeface="Arial Unicode MS" panose="020B0604020202020204" pitchFamily="34" charset="-122"/>
+              </a:rPr>
+              <a:t>(</a:t>
+            </a:r>
+            <a:r>
+              <a:rPr lang="zh-CN" altLang="zh-CN" sz="1100" dirty="0">
+                <a:solidFill>
+                  <a:srgbClr val="98C379"/>
+                </a:solidFill>
+                <a:latin typeface="Arial Unicode MS" panose="020B0604020202020204" pitchFamily="34" charset="-122"/>
+              </a:rPr>
+              <a:t>"cubeMailJob"</a:t>
+            </a:r>
+            <a:r>
+              <a:rPr lang="zh-CN" altLang="zh-CN" sz="1100" dirty="0">
+                <a:solidFill>
+                  <a:srgbClr val="ABB2BF"/>
+                </a:solidFill>
+                <a:latin typeface="Arial Unicode MS" panose="020B0604020202020204" pitchFamily="34" charset="-122"/>
+              </a:rPr>
+              <a:t>) \ </a:t>
+            </a:r>
+          </a:p>
+          <a:p>
+            <a:pPr lvl="0" defTabSz="914400" eaLnBrk="0" fontAlgn="base" hangingPunct="0">
+              <a:spcBef>
+                <a:spcPct val="0"/>
+              </a:spcBef>
+              <a:spcAft>
+                <a:spcPct val="0"/>
+              </a:spcAft>
+            </a:pPr>
+            <a:r>
+              <a:rPr lang="zh-CN" altLang="zh-CN" sz="1100" dirty="0">
+                <a:solidFill>
+                  <a:srgbClr val="ABB2BF"/>
+                </a:solidFill>
+                <a:latin typeface="Arial Unicode MS" panose="020B0604020202020204" pitchFamily="34" charset="-122"/>
+              </a:rPr>
+              <a:t>        .</a:t>
+            </a:r>
+            <a:r>
+              <a:rPr lang="zh-CN" altLang="zh-CN" sz="1100" dirty="0">
+                <a:solidFill>
+                  <a:srgbClr val="61AFEF"/>
+                </a:solidFill>
+                <a:latin typeface="Arial Unicode MS" panose="020B0604020202020204" pitchFamily="34" charset="-122"/>
+              </a:rPr>
+              <a:t>config</a:t>
+            </a:r>
+            <a:r>
+              <a:rPr lang="zh-CN" altLang="zh-CN" sz="1100" dirty="0">
+                <a:solidFill>
+                  <a:srgbClr val="ABB2BF"/>
+                </a:solidFill>
+                <a:latin typeface="Arial Unicode MS" panose="020B0604020202020204" pitchFamily="34" charset="-122"/>
+              </a:rPr>
+              <a:t>(</a:t>
+            </a:r>
+            <a:r>
+              <a:rPr lang="zh-CN" altLang="zh-CN" sz="1100" dirty="0">
+                <a:solidFill>
+                  <a:srgbClr val="98C379"/>
+                </a:solidFill>
+                <a:latin typeface="Arial Unicode MS" panose="020B0604020202020204" pitchFamily="34" charset="-122"/>
+              </a:rPr>
+              <a:t>"spark.sql.parquet.compression.codec"</a:t>
+            </a:r>
+            <a:r>
+              <a:rPr lang="zh-CN" altLang="zh-CN" sz="1100" dirty="0">
+                <a:solidFill>
+                  <a:srgbClr val="ABB2BF"/>
+                </a:solidFill>
+                <a:latin typeface="Arial Unicode MS" panose="020B0604020202020204" pitchFamily="34" charset="-122"/>
+              </a:rPr>
+              <a:t>, </a:t>
+            </a:r>
+            <a:r>
+              <a:rPr lang="zh-CN" altLang="zh-CN" sz="1100" dirty="0">
+                <a:solidFill>
+                  <a:srgbClr val="98C379"/>
+                </a:solidFill>
+                <a:latin typeface="Arial Unicode MS" panose="020B0604020202020204" pitchFamily="34" charset="-122"/>
+              </a:rPr>
+              <a:t>"snappy"</a:t>
+            </a:r>
+            <a:r>
+              <a:rPr lang="zh-CN" altLang="zh-CN" sz="1100" dirty="0">
+                <a:solidFill>
+                  <a:srgbClr val="ABB2BF"/>
+                </a:solidFill>
+                <a:latin typeface="Arial Unicode MS" panose="020B0604020202020204" pitchFamily="34" charset="-122"/>
+              </a:rPr>
+              <a:t>) \ </a:t>
+            </a:r>
+          </a:p>
+          <a:p>
+            <a:pPr lvl="0" defTabSz="914400" eaLnBrk="0" fontAlgn="base" hangingPunct="0">
+              <a:spcBef>
+                <a:spcPct val="0"/>
+              </a:spcBef>
+              <a:spcAft>
+                <a:spcPct val="0"/>
+              </a:spcAft>
+            </a:pPr>
+            <a:r>
+              <a:rPr lang="zh-CN" altLang="zh-CN" sz="1100" dirty="0">
+                <a:solidFill>
+                  <a:srgbClr val="ABB2BF"/>
+                </a:solidFill>
+                <a:latin typeface="Arial Unicode MS" panose="020B0604020202020204" pitchFamily="34" charset="-122"/>
+              </a:rPr>
+              <a:t>        .</a:t>
+            </a:r>
+            <a:r>
+              <a:rPr lang="zh-CN" altLang="zh-CN" sz="1100" dirty="0">
+                <a:solidFill>
+                  <a:srgbClr val="61AFEF"/>
+                </a:solidFill>
+                <a:latin typeface="Arial Unicode MS" panose="020B0604020202020204" pitchFamily="34" charset="-122"/>
+              </a:rPr>
+              <a:t>config</a:t>
+            </a:r>
+            <a:r>
+              <a:rPr lang="zh-CN" altLang="zh-CN" sz="1100" dirty="0">
+                <a:solidFill>
+                  <a:srgbClr val="ABB2BF"/>
+                </a:solidFill>
+                <a:latin typeface="Arial Unicode MS" panose="020B0604020202020204" pitchFamily="34" charset="-122"/>
+              </a:rPr>
+              <a:t>(</a:t>
+            </a:r>
+            <a:r>
+              <a:rPr lang="zh-CN" altLang="zh-CN" sz="1100" dirty="0">
+                <a:solidFill>
+                  <a:srgbClr val="98C379"/>
+                </a:solidFill>
+                <a:latin typeface="Arial Unicode MS" panose="020B0604020202020204" pitchFamily="34" charset="-122"/>
+              </a:rPr>
+              <a:t>"spark.sql.shuffle.partitions"</a:t>
+            </a:r>
+            <a:r>
+              <a:rPr lang="zh-CN" altLang="zh-CN" sz="1100" dirty="0">
+                <a:solidFill>
+                  <a:srgbClr val="ABB2BF"/>
+                </a:solidFill>
+                <a:latin typeface="Arial Unicode MS" panose="020B0604020202020204" pitchFamily="34" charset="-122"/>
+              </a:rPr>
+              <a:t>,</a:t>
+            </a:r>
+            <a:r>
+              <a:rPr lang="zh-CN" altLang="zh-CN" sz="1100" dirty="0">
+                <a:solidFill>
+                  <a:srgbClr val="98C379"/>
+                </a:solidFill>
+                <a:latin typeface="Arial Unicode MS" panose="020B0604020202020204" pitchFamily="34" charset="-122"/>
+              </a:rPr>
+              <a:t>"20"</a:t>
+            </a:r>
+            <a:r>
+              <a:rPr lang="zh-CN" altLang="zh-CN" sz="1100" dirty="0">
+                <a:solidFill>
+                  <a:srgbClr val="ABB2BF"/>
+                </a:solidFill>
+                <a:latin typeface="Arial Unicode MS" panose="020B0604020202020204" pitchFamily="34" charset="-122"/>
+              </a:rPr>
+              <a:t>) \ </a:t>
+            </a:r>
+          </a:p>
+          <a:p>
+            <a:pPr lvl="0" defTabSz="914400" eaLnBrk="0" fontAlgn="base" hangingPunct="0">
+              <a:spcBef>
+                <a:spcPct val="0"/>
+              </a:spcBef>
+              <a:spcAft>
+                <a:spcPct val="0"/>
+              </a:spcAft>
+            </a:pPr>
+            <a:r>
+              <a:rPr lang="zh-CN" altLang="zh-CN" sz="1100" dirty="0">
+                <a:solidFill>
+                  <a:srgbClr val="ABB2BF"/>
+                </a:solidFill>
+                <a:latin typeface="Arial Unicode MS" panose="020B0604020202020204" pitchFamily="34" charset="-122"/>
+              </a:rPr>
+              <a:t>        .</a:t>
+            </a:r>
+            <a:r>
+              <a:rPr lang="zh-CN" altLang="zh-CN" sz="1100" dirty="0">
+                <a:solidFill>
+                  <a:srgbClr val="61AFEF"/>
+                </a:solidFill>
+                <a:latin typeface="Arial Unicode MS" panose="020B0604020202020204" pitchFamily="34" charset="-122"/>
+              </a:rPr>
+              <a:t>config</a:t>
+            </a:r>
+            <a:r>
+              <a:rPr lang="zh-CN" altLang="zh-CN" sz="1100" dirty="0">
+                <a:solidFill>
+                  <a:srgbClr val="ABB2BF"/>
+                </a:solidFill>
+                <a:latin typeface="Arial Unicode MS" panose="020B0604020202020204" pitchFamily="34" charset="-122"/>
+              </a:rPr>
+              <a:t>(</a:t>
+            </a:r>
+            <a:r>
+              <a:rPr lang="zh-CN" altLang="zh-CN" sz="1100" dirty="0">
+                <a:solidFill>
+                  <a:srgbClr val="98C379"/>
+                </a:solidFill>
+                <a:latin typeface="Arial Unicode MS" panose="020B0604020202020204" pitchFamily="34" charset="-122"/>
+              </a:rPr>
+              <a:t>"spark.network.timeout"</a:t>
+            </a:r>
+            <a:r>
+              <a:rPr lang="zh-CN" altLang="zh-CN" sz="1100" dirty="0">
+                <a:solidFill>
+                  <a:srgbClr val="ABB2BF"/>
+                </a:solidFill>
+                <a:latin typeface="Arial Unicode MS" panose="020B0604020202020204" pitchFamily="34" charset="-122"/>
+              </a:rPr>
+              <a:t>,</a:t>
+            </a:r>
+            <a:r>
+              <a:rPr lang="zh-CN" altLang="zh-CN" sz="1100" dirty="0">
+                <a:solidFill>
+                  <a:srgbClr val="98C379"/>
+                </a:solidFill>
+                <a:latin typeface="Arial Unicode MS" panose="020B0604020202020204" pitchFamily="34" charset="-122"/>
+              </a:rPr>
+              <a:t>"240"</a:t>
+            </a:r>
+            <a:r>
+              <a:rPr lang="zh-CN" altLang="zh-CN" sz="1100" dirty="0">
+                <a:solidFill>
+                  <a:srgbClr val="ABB2BF"/>
+                </a:solidFill>
+                <a:latin typeface="Arial Unicode MS" panose="020B0604020202020204" pitchFamily="34" charset="-122"/>
+              </a:rPr>
+              <a:t>) \ </a:t>
+            </a:r>
+          </a:p>
+          <a:p>
+            <a:pPr lvl="0" defTabSz="914400" eaLnBrk="0" fontAlgn="base" hangingPunct="0">
+              <a:spcBef>
+                <a:spcPct val="0"/>
+              </a:spcBef>
+              <a:spcAft>
+                <a:spcPct val="0"/>
+              </a:spcAft>
+            </a:pPr>
+            <a:r>
+              <a:rPr lang="zh-CN" altLang="zh-CN" sz="1100" dirty="0">
+                <a:solidFill>
+                  <a:srgbClr val="ABB2BF"/>
+                </a:solidFill>
+                <a:latin typeface="Arial Unicode MS" panose="020B0604020202020204" pitchFamily="34" charset="-122"/>
+              </a:rPr>
+              <a:t>        .</a:t>
+            </a:r>
+            <a:r>
+              <a:rPr lang="zh-CN" altLang="zh-CN" sz="1100" dirty="0">
+                <a:solidFill>
+                  <a:srgbClr val="61AFEF"/>
+                </a:solidFill>
+                <a:latin typeface="Arial Unicode MS" panose="020B0604020202020204" pitchFamily="34" charset="-122"/>
+              </a:rPr>
+              <a:t>config</a:t>
+            </a:r>
+            <a:r>
+              <a:rPr lang="zh-CN" altLang="zh-CN" sz="1100" dirty="0">
+                <a:solidFill>
+                  <a:srgbClr val="ABB2BF"/>
+                </a:solidFill>
+                <a:latin typeface="Arial Unicode MS" panose="020B0604020202020204" pitchFamily="34" charset="-122"/>
+              </a:rPr>
+              <a:t>(</a:t>
+            </a:r>
+            <a:r>
+              <a:rPr lang="zh-CN" altLang="zh-CN" sz="1100" dirty="0">
+                <a:solidFill>
+                  <a:srgbClr val="98C379"/>
+                </a:solidFill>
+                <a:latin typeface="Arial Unicode MS" panose="020B0604020202020204" pitchFamily="34" charset="-122"/>
+              </a:rPr>
+              <a:t>"spark.dynamicAllocation.maxExecutors"</a:t>
+            </a:r>
+            <a:r>
+              <a:rPr lang="zh-CN" altLang="zh-CN" sz="1100" dirty="0">
+                <a:solidFill>
+                  <a:srgbClr val="ABB2BF"/>
+                </a:solidFill>
+                <a:latin typeface="Arial Unicode MS" panose="020B0604020202020204" pitchFamily="34" charset="-122"/>
+              </a:rPr>
+              <a:t>, </a:t>
+            </a:r>
+            <a:r>
+              <a:rPr lang="zh-CN" altLang="zh-CN" sz="1100" dirty="0">
+                <a:solidFill>
+                  <a:srgbClr val="98C379"/>
+                </a:solidFill>
+                <a:latin typeface="Arial Unicode MS" panose="020B0604020202020204" pitchFamily="34" charset="-122"/>
+              </a:rPr>
+              <a:t>"4"</a:t>
+            </a:r>
+            <a:r>
+              <a:rPr lang="zh-CN" altLang="zh-CN" sz="1100" dirty="0">
+                <a:solidFill>
+                  <a:srgbClr val="ABB2BF"/>
+                </a:solidFill>
+                <a:latin typeface="Arial Unicode MS" panose="020B0604020202020204" pitchFamily="34" charset="-122"/>
+              </a:rPr>
+              <a:t>) \ </a:t>
+            </a:r>
+          </a:p>
+          <a:p>
+            <a:pPr lvl="0" defTabSz="914400" eaLnBrk="0" fontAlgn="base" hangingPunct="0">
+              <a:spcBef>
+                <a:spcPct val="0"/>
+              </a:spcBef>
+              <a:spcAft>
+                <a:spcPct val="0"/>
+              </a:spcAft>
+            </a:pPr>
+            <a:r>
+              <a:rPr lang="zh-CN" altLang="zh-CN" sz="1100" dirty="0">
+                <a:solidFill>
+                  <a:srgbClr val="ABB2BF"/>
+                </a:solidFill>
+                <a:latin typeface="Arial Unicode MS" panose="020B0604020202020204" pitchFamily="34" charset="-122"/>
+              </a:rPr>
+              <a:t>        .</a:t>
+            </a:r>
+            <a:r>
+              <a:rPr lang="zh-CN" altLang="zh-CN" sz="1100" dirty="0">
+                <a:solidFill>
+                  <a:srgbClr val="61AFEF"/>
+                </a:solidFill>
+                <a:latin typeface="Arial Unicode MS" panose="020B0604020202020204" pitchFamily="34" charset="-122"/>
+              </a:rPr>
+              <a:t>config</a:t>
+            </a:r>
+            <a:r>
+              <a:rPr lang="zh-CN" altLang="zh-CN" sz="1100" dirty="0">
+                <a:solidFill>
+                  <a:srgbClr val="ABB2BF"/>
+                </a:solidFill>
+                <a:latin typeface="Arial Unicode MS" panose="020B0604020202020204" pitchFamily="34" charset="-122"/>
+              </a:rPr>
+              <a:t>(</a:t>
+            </a:r>
+            <a:r>
+              <a:rPr lang="zh-CN" altLang="zh-CN" sz="1100" dirty="0">
+                <a:solidFill>
+                  <a:srgbClr val="98C379"/>
+                </a:solidFill>
+                <a:latin typeface="Arial Unicode MS" panose="020B0604020202020204" pitchFamily="34" charset="-122"/>
+              </a:rPr>
+              <a:t>"spark.executor.memory"</a:t>
+            </a:r>
+            <a:r>
+              <a:rPr lang="zh-CN" altLang="zh-CN" sz="1100" dirty="0">
+                <a:solidFill>
+                  <a:srgbClr val="ABB2BF"/>
+                </a:solidFill>
+                <a:latin typeface="Arial Unicode MS" panose="020B0604020202020204" pitchFamily="34" charset="-122"/>
+              </a:rPr>
+              <a:t>, </a:t>
+            </a:r>
+            <a:r>
+              <a:rPr lang="zh-CN" altLang="zh-CN" sz="1100" dirty="0">
+                <a:solidFill>
+                  <a:srgbClr val="98C379"/>
+                </a:solidFill>
+                <a:latin typeface="Arial Unicode MS" panose="020B0604020202020204" pitchFamily="34" charset="-122"/>
+              </a:rPr>
+              <a:t>"1G"</a:t>
+            </a:r>
+            <a:r>
+              <a:rPr lang="zh-CN" altLang="zh-CN" sz="1100" dirty="0">
+                <a:solidFill>
+                  <a:srgbClr val="ABB2BF"/>
+                </a:solidFill>
+                <a:latin typeface="Arial Unicode MS" panose="020B0604020202020204" pitchFamily="34" charset="-122"/>
+              </a:rPr>
+              <a:t>) \ </a:t>
+            </a:r>
+          </a:p>
+          <a:p>
+            <a:pPr lvl="0" defTabSz="914400" eaLnBrk="0" fontAlgn="base" hangingPunct="0">
+              <a:spcBef>
+                <a:spcPct val="0"/>
+              </a:spcBef>
+              <a:spcAft>
+                <a:spcPct val="0"/>
+              </a:spcAft>
+            </a:pPr>
+            <a:r>
+              <a:rPr lang="zh-CN" altLang="zh-CN" sz="1100" dirty="0">
+                <a:solidFill>
+                  <a:srgbClr val="ABB2BF"/>
+                </a:solidFill>
+                <a:latin typeface="Arial Unicode MS" panose="020B0604020202020204" pitchFamily="34" charset="-122"/>
+              </a:rPr>
+              <a:t>        .</a:t>
+            </a:r>
+            <a:r>
+              <a:rPr lang="zh-CN" altLang="zh-CN" sz="1100" dirty="0">
+                <a:solidFill>
+                  <a:srgbClr val="61AFEF"/>
+                </a:solidFill>
+                <a:latin typeface="Arial Unicode MS" panose="020B0604020202020204" pitchFamily="34" charset="-122"/>
+              </a:rPr>
+              <a:t>config</a:t>
+            </a:r>
+            <a:r>
+              <a:rPr lang="zh-CN" altLang="zh-CN" sz="1100" dirty="0">
+                <a:solidFill>
+                  <a:srgbClr val="ABB2BF"/>
+                </a:solidFill>
+                <a:latin typeface="Arial Unicode MS" panose="020B0604020202020204" pitchFamily="34" charset="-122"/>
+              </a:rPr>
+              <a:t>(</a:t>
+            </a:r>
+            <a:r>
+              <a:rPr lang="zh-CN" altLang="zh-CN" sz="1100" dirty="0">
+                <a:solidFill>
+                  <a:srgbClr val="98C379"/>
+                </a:solidFill>
+                <a:latin typeface="Arial Unicode MS" panose="020B0604020202020204" pitchFamily="34" charset="-122"/>
+              </a:rPr>
+              <a:t>"spark.executor.cores"</a:t>
+            </a:r>
+            <a:r>
+              <a:rPr lang="zh-CN" altLang="zh-CN" sz="1100" dirty="0">
+                <a:solidFill>
+                  <a:srgbClr val="ABB2BF"/>
+                </a:solidFill>
+                <a:latin typeface="Arial Unicode MS" panose="020B0604020202020204" pitchFamily="34" charset="-122"/>
+              </a:rPr>
+              <a:t>, </a:t>
+            </a:r>
+            <a:r>
+              <a:rPr lang="zh-CN" altLang="zh-CN" sz="1100" dirty="0">
+                <a:solidFill>
+                  <a:srgbClr val="98C379"/>
+                </a:solidFill>
+                <a:latin typeface="Arial Unicode MS" panose="020B0604020202020204" pitchFamily="34" charset="-122"/>
+              </a:rPr>
+              <a:t>"1"</a:t>
+            </a:r>
+            <a:r>
+              <a:rPr lang="zh-CN" altLang="zh-CN" sz="1100" dirty="0">
+                <a:solidFill>
+                  <a:srgbClr val="ABB2BF"/>
+                </a:solidFill>
+                <a:latin typeface="Arial Unicode MS" panose="020B0604020202020204" pitchFamily="34" charset="-122"/>
+              </a:rPr>
+              <a:t>) \ </a:t>
+            </a:r>
+          </a:p>
+          <a:p>
+            <a:pPr lvl="0" defTabSz="914400" eaLnBrk="0" fontAlgn="base" hangingPunct="0">
+              <a:spcBef>
+                <a:spcPct val="0"/>
+              </a:spcBef>
+              <a:spcAft>
+                <a:spcPct val="0"/>
+              </a:spcAft>
+            </a:pPr>
+            <a:r>
+              <a:rPr lang="zh-CN" altLang="zh-CN" sz="1100" dirty="0">
+                <a:solidFill>
+                  <a:srgbClr val="ABB2BF"/>
+                </a:solidFill>
+                <a:latin typeface="Arial Unicode MS" panose="020B0604020202020204" pitchFamily="34" charset="-122"/>
+              </a:rPr>
+              <a:t>        .</a:t>
+            </a:r>
+            <a:r>
+              <a:rPr lang="zh-CN" altLang="zh-CN" sz="1100" dirty="0">
+                <a:solidFill>
+                  <a:srgbClr val="61AFEF"/>
+                </a:solidFill>
+                <a:latin typeface="Arial Unicode MS" panose="020B0604020202020204" pitchFamily="34" charset="-122"/>
+              </a:rPr>
+              <a:t>enableHiveSupport</a:t>
+            </a:r>
+            <a:r>
+              <a:rPr lang="zh-CN" altLang="zh-CN" sz="1100" dirty="0">
+                <a:solidFill>
+                  <a:srgbClr val="ABB2BF"/>
+                </a:solidFill>
+                <a:latin typeface="Arial Unicode MS" panose="020B0604020202020204" pitchFamily="34" charset="-122"/>
+              </a:rPr>
+              <a:t>() \ </a:t>
+            </a:r>
+          </a:p>
+          <a:p>
+            <a:pPr lvl="0" defTabSz="914400" eaLnBrk="0" fontAlgn="base" hangingPunct="0">
+              <a:spcBef>
+                <a:spcPct val="0"/>
+              </a:spcBef>
+              <a:spcAft>
+                <a:spcPct val="0"/>
+              </a:spcAft>
+            </a:pPr>
+            <a:r>
+              <a:rPr lang="zh-CN" altLang="zh-CN" sz="1100" dirty="0">
+                <a:solidFill>
+                  <a:srgbClr val="ABB2BF"/>
+                </a:solidFill>
+                <a:latin typeface="Arial Unicode MS" panose="020B0604020202020204" pitchFamily="34" charset="-122"/>
+              </a:rPr>
+              <a:t>        .</a:t>
+            </a:r>
+            <a:r>
+              <a:rPr lang="zh-CN" altLang="zh-CN" sz="1100" dirty="0">
+                <a:solidFill>
+                  <a:srgbClr val="61AFEF"/>
+                </a:solidFill>
+                <a:latin typeface="Arial Unicode MS" panose="020B0604020202020204" pitchFamily="34" charset="-122"/>
+              </a:rPr>
+              <a:t>getOrCreate</a:t>
+            </a:r>
+            <a:r>
+              <a:rPr lang="zh-CN" altLang="zh-CN" sz="1100" dirty="0">
+                <a:solidFill>
+                  <a:srgbClr val="ABB2BF"/>
+                </a:solidFill>
+                <a:latin typeface="Arial Unicode MS" panose="020B0604020202020204" pitchFamily="34" charset="-122"/>
+              </a:rPr>
+              <a:t>()</a:t>
+            </a:r>
+            <a:endParaRPr lang="zh-CN" altLang="zh-CN" sz="1100" dirty="0">
+              <a:latin typeface="Arial" panose="020B0604020202020204" pitchFamily="34" charset="0"/>
+            </a:endParaRPr>
+          </a:p>
+        </p:txBody>
+      </p:sp>
+      <p:sp>
+        <p:nvSpPr>
+          <p:cNvPr id="11" name="矩形 10">
+            <a:hlinkClick r:id="rId2"/>
+            <a:extLst>
+              <a:ext uri="{FF2B5EF4-FFF2-40B4-BE49-F238E27FC236}">
+                <a16:creationId xmlns:a16="http://schemas.microsoft.com/office/drawing/2014/main" id="{ACC6A60A-698E-4503-99F6-89A8B159E3E4}"/>
+              </a:ext>
+            </a:extLst>
+          </p:cNvPr>
+          <p:cNvSpPr/>
+          <p:nvPr/>
+        </p:nvSpPr>
+        <p:spPr>
+          <a:xfrm>
+            <a:off x="1053852" y="3645024"/>
+            <a:ext cx="4464496" cy="432048"/>
+          </a:xfrm>
+          <a:prstGeom prst="rect">
+            <a:avLst/>
+          </a:prstGeom>
+          <a:solidFill>
+            <a:schemeClr val="bg2">
+              <a:lumMod val="90000"/>
+            </a:schemeClr>
+          </a:solidFill>
+          <a:ln>
+            <a:noFill/>
+          </a:ln>
+          <a:effectLst>
+            <a:outerShdw blurRad="44450" dist="27940" dir="5400000" algn="ctr">
+              <a:srgbClr val="000000">
+                <a:alpha val="32000"/>
+              </a:srgbClr>
+            </a:outerShdw>
+          </a:effectLst>
+          <a:scene3d>
+            <a:camera prst="orthographicFront">
+              <a:rot lat="0" lon="0" rev="0"/>
+            </a:camera>
+            <a:lightRig rig="balanced" dir="t">
+              <a:rot lat="0" lon="0" rev="8700000"/>
+            </a:lightRig>
+          </a:scene3d>
+          <a:sp3d>
+            <a:bevelT w="190500" h="38100"/>
+          </a:sp3d>
+        </p:spPr>
+        <p:style>
+          <a:lnRef idx="2">
+            <a:schemeClr val="accent1">
+              <a:shade val="50000"/>
+            </a:schemeClr>
+          </a:lnRef>
+          <a:fillRef idx="1">
+            <a:schemeClr val="accent1"/>
+          </a:fillRef>
+          <a:effectRef idx="0">
+            <a:schemeClr val="accent1"/>
+          </a:effectRef>
+          <a:fontRef idx="minor">
+            <a:schemeClr val="lt1"/>
+          </a:fontRef>
+        </p:style>
+        <p:txBody>
+          <a:bodyPr rtlCol="0" anchor="ctr"/>
+          <a:lstStyle/>
+          <a:p>
+            <a:pPr algn="ctr"/>
+            <a:r>
+              <a:rPr lang="en-US" altLang="zh-CN" sz="1100" dirty="0">
+                <a:solidFill>
+                  <a:schemeClr val="tx2"/>
+                </a:solidFill>
+                <a:latin typeface="微软雅黑" panose="020B0503020204020204" pitchFamily="34" charset="-122"/>
+                <a:ea typeface="微软雅黑" panose="020B0503020204020204" pitchFamily="34" charset="-122"/>
+              </a:rPr>
+              <a:t>http://spark.apache.org/docs/1.6.1/configuration.html</a:t>
+            </a:r>
+            <a:endParaRPr lang="zh-CN" altLang="en-US" sz="1100" dirty="0">
+              <a:solidFill>
+                <a:schemeClr val="tx2"/>
+              </a:solidFill>
+              <a:latin typeface="微软雅黑" panose="020B0503020204020204" pitchFamily="34" charset="-122"/>
+              <a:ea typeface="微软雅黑" panose="020B0503020204020204" pitchFamily="34" charset="-122"/>
+            </a:endParaRPr>
+          </a:p>
+        </p:txBody>
+      </p:sp>
+    </p:spTree>
+    <p:extLst>
+      <p:ext uri="{BB962C8B-B14F-4D97-AF65-F5344CB8AC3E}">
+        <p14:creationId xmlns:p14="http://schemas.microsoft.com/office/powerpoint/2010/main" val="2091731985"/>
+      </p:ext>
+    </p:extLst>
+  </p:cSld>
+  <p:clrMapOvr>
+    <a:masterClrMapping/>
+  </p:clrMapOvr>
+  <mc:AlternateContent xmlns:mc="http://schemas.openxmlformats.org/markup-compatibility/2006" xmlns:p14="http://schemas.microsoft.com/office/powerpoint/2010/main">
+    <mc:Choice Requires="p14">
+      <p:transition spd="med" p14:dur="700">
+        <p:fade/>
+      </p:transition>
+    </mc:Choice>
+    <mc:Fallback xmlns="">
+      <p:transition spd="med">
+        <p:fade/>
+      </p:transition>
+    </mc:Fallback>
+  </mc:AlternateContent>
+</p:sld>
+</file>
+
+<file path=ppt/slides/slide19.xml><?xml version="1.0" encoding="utf-8"?>
+<p:sld xmlns:a="http://schemas.openxmlformats.org/drawingml/2006/main" xmlns:r="http://schemas.openxmlformats.org/officeDocument/2006/relationships" xmlns:p="http://schemas.openxmlformats.org/presentationml/2006/main">
+  <p:cSld>
+    <p:spTree>
+      <p:nvGrpSpPr>
+        <p:cNvPr id="1" name=""/>
+        <p:cNvGrpSpPr/>
+        <p:nvPr/>
+      </p:nvGrpSpPr>
+      <p:grpSpPr>
+        <a:xfrm>
+          <a:off x="0" y="0"/>
+          <a:ext cx="0" cy="0"/>
+          <a:chOff x="0" y="0"/>
+          <a:chExt cx="0" cy="0"/>
+        </a:xfrm>
+      </p:grpSpPr>
+      <p:sp>
+        <p:nvSpPr>
+          <p:cNvPr id="2" name="标题 1"/>
+          <p:cNvSpPr>
+            <a:spLocks noGrp="1"/>
+          </p:cNvSpPr>
+          <p:nvPr>
+            <p:ph type="title"/>
+          </p:nvPr>
+        </p:nvSpPr>
+        <p:spPr>
+          <a:xfrm>
+            <a:off x="353943" y="76200"/>
+            <a:ext cx="11486632" cy="736428"/>
+          </a:xfrm>
+        </p:spPr>
+        <p:txBody>
+          <a:bodyPr rtlCol="0">
+            <a:normAutofit/>
+          </a:bodyPr>
+          <a:lstStyle/>
+          <a:p>
+            <a:r>
+              <a:rPr lang="zh-CN" altLang="en-US" sz="2800" dirty="0"/>
+              <a:t>六、组织</a:t>
+            </a:r>
+            <a:r>
+              <a:rPr lang="en-US" altLang="zh-CN" sz="2800" dirty="0"/>
+              <a:t>python</a:t>
+            </a:r>
+            <a:r>
+              <a:rPr lang="zh-CN" altLang="en-US" sz="2800" dirty="0"/>
+              <a:t>代码</a:t>
+            </a:r>
+            <a:endParaRPr lang="en-US" altLang="zh-CN" sz="2800" dirty="0"/>
+          </a:p>
+        </p:txBody>
+      </p:sp>
+      <p:sp>
+        <p:nvSpPr>
+          <p:cNvPr id="35" name="标题 1">
+            <a:extLst>
+              <a:ext uri="{FF2B5EF4-FFF2-40B4-BE49-F238E27FC236}">
+                <a16:creationId xmlns:a16="http://schemas.microsoft.com/office/drawing/2014/main" id="{DBA25653-C419-4947-9450-ACD83BDD189F}"/>
+              </a:ext>
+            </a:extLst>
+          </p:cNvPr>
+          <p:cNvSpPr txBox="1">
+            <a:spLocks/>
+          </p:cNvSpPr>
+          <p:nvPr/>
+        </p:nvSpPr>
+        <p:spPr>
+          <a:xfrm>
+            <a:off x="1053852" y="775118"/>
+            <a:ext cx="10786723" cy="493642"/>
+          </a:xfrm>
+          <a:prstGeom prst="rect">
+            <a:avLst/>
+          </a:prstGeom>
+        </p:spPr>
+        <p:txBody>
+          <a:bodyPr vert="horz" lIns="121899" tIns="60949" rIns="121899" bIns="60949" rtlCol="0" anchor="b">
+            <a:normAutofit/>
+          </a:bodyPr>
+          <a:lstStyle>
+            <a:lvl1pPr algn="l" defTabSz="1218987" rtl="0" eaLnBrk="1" latinLnBrk="0" hangingPunct="1">
+              <a:lnSpc>
+                <a:spcPct val="85000"/>
+              </a:lnSpc>
+              <a:spcBef>
+                <a:spcPct val="0"/>
+              </a:spcBef>
+              <a:buNone/>
+              <a:tabLst/>
+              <a:defRPr sz="4400" kern="1200" cap="none" baseline="0">
+                <a:solidFill>
+                  <a:schemeClr val="tx1"/>
+                </a:solidFill>
+                <a:latin typeface="微软雅黑" panose="020B0503020204020204" pitchFamily="34" charset="-122"/>
+                <a:ea typeface="微软雅黑" panose="020B0503020204020204" pitchFamily="34" charset="-122"/>
+                <a:cs typeface="+mj-cs"/>
+              </a:defRPr>
+            </a:lvl1pPr>
+          </a:lstStyle>
+          <a:p>
+            <a:r>
+              <a:rPr lang="en-US" altLang="zh-CN" sz="2000" dirty="0"/>
+              <a:t>5</a:t>
+            </a:r>
+            <a:r>
+              <a:rPr lang="zh-CN" altLang="en-US" sz="2000" dirty="0"/>
+              <a:t>、</a:t>
+            </a:r>
+            <a:r>
+              <a:rPr lang="en-US" altLang="zh-CN" sz="2000" dirty="0"/>
+              <a:t>spark</a:t>
+            </a:r>
+            <a:r>
+              <a:rPr lang="zh-CN" altLang="en-US" sz="2000" dirty="0"/>
+              <a:t>单例模式</a:t>
+            </a:r>
+            <a:endParaRPr lang="en-US" altLang="zh-CN" sz="2000" dirty="0"/>
+          </a:p>
+        </p:txBody>
+      </p:sp>
+      <p:sp>
+        <p:nvSpPr>
+          <p:cNvPr id="6" name="Rectangle 3">
+            <a:extLst>
+              <a:ext uri="{FF2B5EF4-FFF2-40B4-BE49-F238E27FC236}">
+                <a16:creationId xmlns:a16="http://schemas.microsoft.com/office/drawing/2014/main" id="{7731F65D-C0B8-48DF-9187-60759963E6A2}"/>
+              </a:ext>
+            </a:extLst>
+          </p:cNvPr>
+          <p:cNvSpPr>
+            <a:spLocks noChangeArrowheads="1"/>
+          </p:cNvSpPr>
+          <p:nvPr/>
+        </p:nvSpPr>
+        <p:spPr bwMode="auto">
+          <a:xfrm>
+            <a:off x="593039" y="1412776"/>
+            <a:ext cx="5069325" cy="5407840"/>
+          </a:xfrm>
+          <a:prstGeom prst="rect">
+            <a:avLst/>
+          </a:prstGeom>
+          <a:solidFill>
+            <a:schemeClr val="tx2">
+              <a:lumMod val="85000"/>
+              <a:lumOff val="15000"/>
+            </a:schemeClr>
+          </a:solidFill>
+          <a:ln>
+            <a:noFill/>
+          </a:ln>
+          <a:effectLst/>
+        </p:spPr>
+        <p:txBody>
+          <a:bodyPr vert="horz" wrap="square" lIns="91440" tIns="0" rIns="91440" bIns="158700" numCol="1" anchor="ctr" anchorCtr="0" compatLnSpc="1">
+            <a:prstTxWarp prst="textNoShape">
+              <a:avLst/>
+            </a:prstTxWarp>
+            <a:spAutoFit/>
+          </a:bodyPr>
+          <a:lstStyle/>
+          <a:p>
+            <a:pPr lvl="0" defTabSz="914400" eaLnBrk="0" fontAlgn="base" hangingPunct="0">
+              <a:spcBef>
+                <a:spcPct val="0"/>
+              </a:spcBef>
+              <a:spcAft>
+                <a:spcPct val="0"/>
+              </a:spcAft>
+            </a:pPr>
+            <a:r>
+              <a:rPr lang="zh-CN" altLang="zh-CN" sz="1100" i="1" dirty="0">
+                <a:solidFill>
+                  <a:srgbClr val="5C6370"/>
+                </a:solidFill>
+                <a:latin typeface="Arial Unicode MS" panose="020B0604020202020204" pitchFamily="34" charset="-122"/>
+              </a:rPr>
+              <a:t># 适用于python3 </a:t>
+            </a:r>
+            <a:endParaRPr lang="zh-CN" altLang="zh-CN" sz="1100" dirty="0">
+              <a:solidFill>
+                <a:srgbClr val="ABB2BF"/>
+              </a:solidFill>
+              <a:latin typeface="Arial Unicode MS" panose="020B0604020202020204" pitchFamily="34" charset="-122"/>
+            </a:endParaRPr>
+          </a:p>
+          <a:p>
+            <a:pPr lvl="0" defTabSz="914400" eaLnBrk="0" fontAlgn="base" hangingPunct="0">
+              <a:spcBef>
+                <a:spcPct val="0"/>
+              </a:spcBef>
+              <a:spcAft>
+                <a:spcPct val="0"/>
+              </a:spcAft>
+            </a:pPr>
+            <a:r>
+              <a:rPr lang="zh-CN" altLang="zh-CN" sz="1100" dirty="0">
+                <a:solidFill>
+                  <a:srgbClr val="C678DD"/>
+                </a:solidFill>
+                <a:latin typeface="Arial Unicode MS" panose="020B0604020202020204" pitchFamily="34" charset="-122"/>
+              </a:rPr>
+              <a:t>from</a:t>
+            </a:r>
+            <a:r>
+              <a:rPr lang="zh-CN" altLang="zh-CN" sz="1100" dirty="0">
+                <a:solidFill>
+                  <a:srgbClr val="ABB2BF"/>
+                </a:solidFill>
+                <a:latin typeface="Arial Unicode MS" panose="020B0604020202020204" pitchFamily="34" charset="-122"/>
+              </a:rPr>
+              <a:t> </a:t>
+            </a:r>
+            <a:r>
+              <a:rPr lang="zh-CN" altLang="zh-CN" sz="1100" dirty="0">
+                <a:solidFill>
+                  <a:srgbClr val="E06C75"/>
+                </a:solidFill>
+                <a:latin typeface="Arial Unicode MS" panose="020B0604020202020204" pitchFamily="34" charset="-122"/>
+              </a:rPr>
+              <a:t>pyspark</a:t>
+            </a:r>
+            <a:r>
+              <a:rPr lang="zh-CN" altLang="zh-CN" sz="1100" dirty="0">
+                <a:solidFill>
+                  <a:srgbClr val="ABB2BF"/>
+                </a:solidFill>
+                <a:latin typeface="Arial Unicode MS" panose="020B0604020202020204" pitchFamily="34" charset="-122"/>
+              </a:rPr>
+              <a:t>.</a:t>
+            </a:r>
+            <a:r>
+              <a:rPr lang="zh-CN" altLang="zh-CN" sz="1100" dirty="0">
+                <a:solidFill>
+                  <a:srgbClr val="E06C75"/>
+                </a:solidFill>
+                <a:latin typeface="Arial Unicode MS" panose="020B0604020202020204" pitchFamily="34" charset="-122"/>
+              </a:rPr>
+              <a:t>sql</a:t>
+            </a:r>
+            <a:r>
+              <a:rPr lang="zh-CN" altLang="zh-CN" sz="1100" dirty="0">
+                <a:solidFill>
+                  <a:srgbClr val="ABB2BF"/>
+                </a:solidFill>
+                <a:latin typeface="Arial Unicode MS" panose="020B0604020202020204" pitchFamily="34" charset="-122"/>
+              </a:rPr>
+              <a:t> </a:t>
+            </a:r>
+            <a:r>
+              <a:rPr lang="zh-CN" altLang="zh-CN" sz="1100" dirty="0">
+                <a:solidFill>
+                  <a:srgbClr val="C678DD"/>
+                </a:solidFill>
+                <a:latin typeface="Arial Unicode MS" panose="020B0604020202020204" pitchFamily="34" charset="-122"/>
+              </a:rPr>
+              <a:t>import</a:t>
+            </a:r>
+            <a:r>
+              <a:rPr lang="zh-CN" altLang="zh-CN" sz="1100" dirty="0">
+                <a:solidFill>
+                  <a:srgbClr val="ABB2BF"/>
+                </a:solidFill>
+                <a:latin typeface="Arial Unicode MS" panose="020B0604020202020204" pitchFamily="34" charset="-122"/>
+              </a:rPr>
+              <a:t> SparkSession</a:t>
+            </a:r>
+          </a:p>
+          <a:p>
+            <a:pPr lvl="0" defTabSz="914400" eaLnBrk="0" fontAlgn="base" hangingPunct="0">
+              <a:spcBef>
+                <a:spcPct val="0"/>
+              </a:spcBef>
+              <a:spcAft>
+                <a:spcPct val="0"/>
+              </a:spcAft>
+            </a:pPr>
+            <a:r>
+              <a:rPr lang="zh-CN" altLang="zh-CN" sz="1100" dirty="0">
+                <a:solidFill>
+                  <a:srgbClr val="ABB2BF"/>
+                </a:solidFill>
+                <a:latin typeface="Arial Unicode MS" panose="020B0604020202020204" pitchFamily="34" charset="-122"/>
+              </a:rPr>
+              <a:t> </a:t>
+            </a:r>
+          </a:p>
+          <a:p>
+            <a:pPr lvl="0" defTabSz="914400" eaLnBrk="0" fontAlgn="base" hangingPunct="0">
+              <a:spcBef>
+                <a:spcPct val="0"/>
+              </a:spcBef>
+              <a:spcAft>
+                <a:spcPct val="0"/>
+              </a:spcAft>
+            </a:pPr>
+            <a:r>
+              <a:rPr lang="zh-CN" altLang="zh-CN" sz="1100" dirty="0">
+                <a:solidFill>
+                  <a:srgbClr val="C678DD"/>
+                </a:solidFill>
+                <a:latin typeface="Arial Unicode MS" panose="020B0604020202020204" pitchFamily="34" charset="-122"/>
+              </a:rPr>
+              <a:t>def</a:t>
+            </a:r>
+            <a:r>
+              <a:rPr lang="zh-CN" altLang="zh-CN" sz="1100" dirty="0">
+                <a:solidFill>
+                  <a:srgbClr val="ABB2BF"/>
+                </a:solidFill>
+                <a:latin typeface="Arial Unicode MS" panose="020B0604020202020204" pitchFamily="34" charset="-122"/>
+              </a:rPr>
+              <a:t> </a:t>
+            </a:r>
+            <a:r>
+              <a:rPr lang="zh-CN" altLang="zh-CN" sz="1100" dirty="0">
+                <a:solidFill>
+                  <a:srgbClr val="61AFEF"/>
+                </a:solidFill>
+                <a:latin typeface="Arial Unicode MS" panose="020B0604020202020204" pitchFamily="34" charset="-122"/>
+              </a:rPr>
+              <a:t>my_spark</a:t>
+            </a:r>
+            <a:r>
+              <a:rPr lang="zh-CN" altLang="zh-CN" sz="1100" dirty="0">
+                <a:solidFill>
+                  <a:srgbClr val="ABB2BF"/>
+                </a:solidFill>
+                <a:latin typeface="Arial Unicode MS" panose="020B0604020202020204" pitchFamily="34" charset="-122"/>
+              </a:rPr>
+              <a:t>():</a:t>
+            </a:r>
+          </a:p>
+          <a:p>
+            <a:pPr lvl="0" defTabSz="914400" eaLnBrk="0" fontAlgn="base" hangingPunct="0">
+              <a:spcBef>
+                <a:spcPct val="0"/>
+              </a:spcBef>
+              <a:spcAft>
+                <a:spcPct val="0"/>
+              </a:spcAft>
+            </a:pPr>
+            <a:r>
+              <a:rPr lang="zh-CN" altLang="zh-CN" sz="1100" dirty="0">
+                <a:solidFill>
+                  <a:srgbClr val="ABB2BF"/>
+                </a:solidFill>
+                <a:latin typeface="Arial Unicode MS" panose="020B0604020202020204" pitchFamily="34" charset="-122"/>
+              </a:rPr>
+              <a:t>    _spark = </a:t>
+            </a:r>
+            <a:r>
+              <a:rPr lang="zh-CN" altLang="zh-CN" sz="1100" dirty="0">
+                <a:solidFill>
+                  <a:srgbClr val="D19A66"/>
+                </a:solidFill>
+                <a:latin typeface="Arial Unicode MS" panose="020B0604020202020204" pitchFamily="34" charset="-122"/>
+              </a:rPr>
+              <a:t>None</a:t>
+            </a:r>
+            <a:endParaRPr lang="zh-CN" altLang="zh-CN" sz="1100" dirty="0">
+              <a:solidFill>
+                <a:srgbClr val="ABB2BF"/>
+              </a:solidFill>
+              <a:latin typeface="Arial Unicode MS" panose="020B0604020202020204" pitchFamily="34" charset="-122"/>
+            </a:endParaRPr>
+          </a:p>
+          <a:p>
+            <a:pPr lvl="0" defTabSz="914400" eaLnBrk="0" fontAlgn="base" hangingPunct="0">
+              <a:spcBef>
+                <a:spcPct val="0"/>
+              </a:spcBef>
+              <a:spcAft>
+                <a:spcPct val="0"/>
+              </a:spcAft>
+            </a:pPr>
+            <a:r>
+              <a:rPr lang="zh-CN" altLang="zh-CN" sz="1100" dirty="0">
+                <a:solidFill>
+                  <a:srgbClr val="ABB2BF"/>
+                </a:solidFill>
+                <a:latin typeface="Arial Unicode MS" panose="020B0604020202020204" pitchFamily="34" charset="-122"/>
+              </a:rPr>
+              <a:t>    </a:t>
+            </a:r>
+            <a:r>
+              <a:rPr lang="zh-CN" altLang="zh-CN" sz="1100" dirty="0">
+                <a:solidFill>
+                  <a:srgbClr val="C678DD"/>
+                </a:solidFill>
+                <a:latin typeface="Arial Unicode MS" panose="020B0604020202020204" pitchFamily="34" charset="-122"/>
+              </a:rPr>
+              <a:t>def</a:t>
+            </a:r>
+            <a:r>
+              <a:rPr lang="zh-CN" altLang="zh-CN" sz="1100" dirty="0">
+                <a:solidFill>
+                  <a:srgbClr val="ABB2BF"/>
+                </a:solidFill>
+                <a:latin typeface="Arial Unicode MS" panose="020B0604020202020204" pitchFamily="34" charset="-122"/>
+              </a:rPr>
+              <a:t> </a:t>
+            </a:r>
+            <a:r>
+              <a:rPr lang="zh-CN" altLang="zh-CN" sz="1100" dirty="0">
+                <a:solidFill>
+                  <a:srgbClr val="61AFEF"/>
+                </a:solidFill>
+                <a:latin typeface="Arial Unicode MS" panose="020B0604020202020204" pitchFamily="34" charset="-122"/>
+              </a:rPr>
+              <a:t>create_spark</a:t>
+            </a:r>
+            <a:r>
+              <a:rPr lang="zh-CN" altLang="zh-CN" sz="1100" dirty="0">
+                <a:solidFill>
+                  <a:srgbClr val="ABB2BF"/>
+                </a:solidFill>
+                <a:latin typeface="Arial Unicode MS" panose="020B0604020202020204" pitchFamily="34" charset="-122"/>
+              </a:rPr>
+              <a:t>():</a:t>
+            </a:r>
+          </a:p>
+          <a:p>
+            <a:pPr lvl="0" defTabSz="914400" eaLnBrk="0" fontAlgn="base" hangingPunct="0">
+              <a:spcBef>
+                <a:spcPct val="0"/>
+              </a:spcBef>
+              <a:spcAft>
+                <a:spcPct val="0"/>
+              </a:spcAft>
+            </a:pPr>
+            <a:r>
+              <a:rPr lang="zh-CN" altLang="zh-CN" sz="1100" dirty="0">
+                <a:solidFill>
+                  <a:srgbClr val="ABB2BF"/>
+                </a:solidFill>
+                <a:latin typeface="Arial Unicode MS" panose="020B0604020202020204" pitchFamily="34" charset="-122"/>
+              </a:rPr>
+              <a:t>        </a:t>
+            </a:r>
+            <a:r>
+              <a:rPr lang="zh-CN" altLang="zh-CN" sz="1100" dirty="0">
+                <a:solidFill>
+                  <a:srgbClr val="C678DD"/>
+                </a:solidFill>
+                <a:latin typeface="Arial Unicode MS" panose="020B0604020202020204" pitchFamily="34" charset="-122"/>
+              </a:rPr>
+              <a:t>nonlocal</a:t>
+            </a:r>
+            <a:r>
+              <a:rPr lang="zh-CN" altLang="zh-CN" sz="1100" dirty="0">
+                <a:solidFill>
+                  <a:srgbClr val="ABB2BF"/>
+                </a:solidFill>
+                <a:latin typeface="Arial Unicode MS" panose="020B0604020202020204" pitchFamily="34" charset="-122"/>
+              </a:rPr>
+              <a:t> _spark</a:t>
+            </a:r>
+          </a:p>
+          <a:p>
+            <a:pPr lvl="0" defTabSz="914400" eaLnBrk="0" fontAlgn="base" hangingPunct="0">
+              <a:spcBef>
+                <a:spcPct val="0"/>
+              </a:spcBef>
+              <a:spcAft>
+                <a:spcPct val="0"/>
+              </a:spcAft>
+            </a:pPr>
+            <a:r>
+              <a:rPr lang="zh-CN" altLang="zh-CN" sz="1100" dirty="0">
+                <a:solidFill>
+                  <a:srgbClr val="ABB2BF"/>
+                </a:solidFill>
+                <a:latin typeface="Arial Unicode MS" panose="020B0604020202020204" pitchFamily="34" charset="-122"/>
+              </a:rPr>
+              <a:t>        </a:t>
+            </a:r>
+            <a:r>
+              <a:rPr lang="zh-CN" altLang="zh-CN" sz="1100" dirty="0">
+                <a:solidFill>
+                  <a:srgbClr val="C678DD"/>
+                </a:solidFill>
+                <a:latin typeface="Arial Unicode MS" panose="020B0604020202020204" pitchFamily="34" charset="-122"/>
+              </a:rPr>
+              <a:t>if</a:t>
+            </a:r>
+            <a:r>
+              <a:rPr lang="zh-CN" altLang="zh-CN" sz="1100" dirty="0">
+                <a:solidFill>
+                  <a:srgbClr val="ABB2BF"/>
+                </a:solidFill>
+                <a:latin typeface="Arial Unicode MS" panose="020B0604020202020204" pitchFamily="34" charset="-122"/>
+              </a:rPr>
+              <a:t> _spark </a:t>
+            </a:r>
+            <a:r>
+              <a:rPr lang="zh-CN" altLang="zh-CN" sz="1100" dirty="0">
+                <a:solidFill>
+                  <a:srgbClr val="C678DD"/>
+                </a:solidFill>
+                <a:latin typeface="Arial Unicode MS" panose="020B0604020202020204" pitchFamily="34" charset="-122"/>
+              </a:rPr>
+              <a:t>is</a:t>
+            </a:r>
+            <a:r>
+              <a:rPr lang="zh-CN" altLang="zh-CN" sz="1100" dirty="0">
+                <a:solidFill>
+                  <a:srgbClr val="ABB2BF"/>
+                </a:solidFill>
+                <a:latin typeface="Arial Unicode MS" panose="020B0604020202020204" pitchFamily="34" charset="-122"/>
+              </a:rPr>
+              <a:t> </a:t>
+            </a:r>
+            <a:r>
+              <a:rPr lang="zh-CN" altLang="zh-CN" sz="1100" dirty="0">
+                <a:solidFill>
+                  <a:srgbClr val="D19A66"/>
+                </a:solidFill>
+                <a:latin typeface="Arial Unicode MS" panose="020B0604020202020204" pitchFamily="34" charset="-122"/>
+              </a:rPr>
+              <a:t>None</a:t>
+            </a:r>
+            <a:r>
+              <a:rPr lang="zh-CN" altLang="zh-CN" sz="1100" dirty="0">
+                <a:solidFill>
+                  <a:srgbClr val="ABB2BF"/>
+                </a:solidFill>
+                <a:latin typeface="Arial Unicode MS" panose="020B0604020202020204" pitchFamily="34" charset="-122"/>
+              </a:rPr>
+              <a:t>:</a:t>
+            </a:r>
+          </a:p>
+          <a:p>
+            <a:pPr lvl="0" defTabSz="914400" eaLnBrk="0" fontAlgn="base" hangingPunct="0">
+              <a:spcBef>
+                <a:spcPct val="0"/>
+              </a:spcBef>
+              <a:spcAft>
+                <a:spcPct val="0"/>
+              </a:spcAft>
+            </a:pPr>
+            <a:r>
+              <a:rPr lang="zh-CN" altLang="zh-CN" sz="1100" dirty="0">
+                <a:solidFill>
+                  <a:srgbClr val="ABB2BF"/>
+                </a:solidFill>
+                <a:latin typeface="Arial Unicode MS" panose="020B0604020202020204" pitchFamily="34" charset="-122"/>
+              </a:rPr>
+              <a:t>            _spark =  SparkSession \ </a:t>
+            </a:r>
+          </a:p>
+          <a:p>
+            <a:pPr lvl="0" defTabSz="914400" eaLnBrk="0" fontAlgn="base" hangingPunct="0">
+              <a:spcBef>
+                <a:spcPct val="0"/>
+              </a:spcBef>
+              <a:spcAft>
+                <a:spcPct val="0"/>
+              </a:spcAft>
+            </a:pPr>
+            <a:r>
+              <a:rPr lang="zh-CN" altLang="zh-CN" sz="1100" dirty="0">
+                <a:solidFill>
+                  <a:srgbClr val="ABB2BF"/>
+                </a:solidFill>
+                <a:latin typeface="Arial Unicode MS" panose="020B0604020202020204" pitchFamily="34" charset="-122"/>
+              </a:rPr>
+              <a:t>                        .</a:t>
+            </a:r>
+            <a:r>
+              <a:rPr lang="zh-CN" altLang="zh-CN" sz="1100" dirty="0">
+                <a:solidFill>
+                  <a:srgbClr val="E06C75"/>
+                </a:solidFill>
+                <a:latin typeface="Arial Unicode MS" panose="020B0604020202020204" pitchFamily="34" charset="-122"/>
+              </a:rPr>
+              <a:t>builder</a:t>
+            </a:r>
+            <a:r>
+              <a:rPr lang="zh-CN" altLang="zh-CN" sz="1100" dirty="0">
+                <a:solidFill>
+                  <a:srgbClr val="ABB2BF"/>
+                </a:solidFill>
+                <a:latin typeface="Arial Unicode MS" panose="020B0604020202020204" pitchFamily="34" charset="-122"/>
+              </a:rPr>
+              <a:t> \ </a:t>
+            </a:r>
+          </a:p>
+          <a:p>
+            <a:pPr lvl="0" defTabSz="914400" eaLnBrk="0" fontAlgn="base" hangingPunct="0">
+              <a:spcBef>
+                <a:spcPct val="0"/>
+              </a:spcBef>
+              <a:spcAft>
+                <a:spcPct val="0"/>
+              </a:spcAft>
+            </a:pPr>
+            <a:r>
+              <a:rPr lang="zh-CN" altLang="zh-CN" sz="1100" dirty="0">
+                <a:solidFill>
+                  <a:srgbClr val="ABB2BF"/>
+                </a:solidFill>
+                <a:latin typeface="Arial Unicode MS" panose="020B0604020202020204" pitchFamily="34" charset="-122"/>
+              </a:rPr>
+              <a:t>                        .</a:t>
+            </a:r>
+            <a:r>
+              <a:rPr lang="zh-CN" altLang="zh-CN" sz="1100" dirty="0">
+                <a:solidFill>
+                  <a:srgbClr val="61AFEF"/>
+                </a:solidFill>
+                <a:latin typeface="Arial Unicode MS" panose="020B0604020202020204" pitchFamily="34" charset="-122"/>
+              </a:rPr>
+              <a:t>appName</a:t>
+            </a:r>
+            <a:r>
+              <a:rPr lang="zh-CN" altLang="zh-CN" sz="1100" dirty="0">
+                <a:solidFill>
+                  <a:srgbClr val="ABB2BF"/>
+                </a:solidFill>
+                <a:latin typeface="Arial Unicode MS" panose="020B0604020202020204" pitchFamily="34" charset="-122"/>
+              </a:rPr>
+              <a:t>(</a:t>
+            </a:r>
+            <a:r>
+              <a:rPr lang="zh-CN" altLang="zh-CN" sz="1100" dirty="0">
+                <a:solidFill>
+                  <a:srgbClr val="98C379"/>
+                </a:solidFill>
+                <a:latin typeface="Arial Unicode MS" panose="020B0604020202020204" pitchFamily="34" charset="-122"/>
+              </a:rPr>
+              <a:t>"20180227_wsm"</a:t>
+            </a:r>
+            <a:r>
+              <a:rPr lang="zh-CN" altLang="zh-CN" sz="1100" dirty="0">
+                <a:solidFill>
+                  <a:srgbClr val="ABB2BF"/>
+                </a:solidFill>
+                <a:latin typeface="Arial Unicode MS" panose="020B0604020202020204" pitchFamily="34" charset="-122"/>
+              </a:rPr>
+              <a:t>) \ </a:t>
+            </a:r>
+          </a:p>
+          <a:p>
+            <a:pPr lvl="0" defTabSz="914400" eaLnBrk="0" fontAlgn="base" hangingPunct="0">
+              <a:spcBef>
+                <a:spcPct val="0"/>
+              </a:spcBef>
+              <a:spcAft>
+                <a:spcPct val="0"/>
+              </a:spcAft>
+            </a:pPr>
+            <a:r>
+              <a:rPr lang="zh-CN" altLang="zh-CN" sz="1100" dirty="0">
+                <a:solidFill>
+                  <a:srgbClr val="ABB2BF"/>
+                </a:solidFill>
+                <a:latin typeface="Arial Unicode MS" panose="020B0604020202020204" pitchFamily="34" charset="-122"/>
+              </a:rPr>
+              <a:t>                        .</a:t>
+            </a:r>
+            <a:r>
+              <a:rPr lang="zh-CN" altLang="zh-CN" sz="1100" dirty="0">
+                <a:solidFill>
+                  <a:srgbClr val="61AFEF"/>
+                </a:solidFill>
+                <a:latin typeface="Arial Unicode MS" panose="020B0604020202020204" pitchFamily="34" charset="-122"/>
+              </a:rPr>
+              <a:t>enableHiveSupport</a:t>
+            </a:r>
+            <a:r>
+              <a:rPr lang="zh-CN" altLang="zh-CN" sz="1100" dirty="0">
+                <a:solidFill>
+                  <a:srgbClr val="ABB2BF"/>
+                </a:solidFill>
+                <a:latin typeface="Arial Unicode MS" panose="020B0604020202020204" pitchFamily="34" charset="-122"/>
+              </a:rPr>
+              <a:t>() \ </a:t>
+            </a:r>
+          </a:p>
+          <a:p>
+            <a:pPr lvl="0" defTabSz="914400" eaLnBrk="0" fontAlgn="base" hangingPunct="0">
+              <a:spcBef>
+                <a:spcPct val="0"/>
+              </a:spcBef>
+              <a:spcAft>
+                <a:spcPct val="0"/>
+              </a:spcAft>
+            </a:pPr>
+            <a:r>
+              <a:rPr lang="zh-CN" altLang="zh-CN" sz="1100" dirty="0">
+                <a:solidFill>
+                  <a:srgbClr val="ABB2BF"/>
+                </a:solidFill>
+                <a:latin typeface="Arial Unicode MS" panose="020B0604020202020204" pitchFamily="34" charset="-122"/>
+              </a:rPr>
+              <a:t>                        .</a:t>
+            </a:r>
+            <a:r>
+              <a:rPr lang="zh-CN" altLang="zh-CN" sz="1100" dirty="0">
+                <a:solidFill>
+                  <a:srgbClr val="61AFEF"/>
+                </a:solidFill>
+                <a:latin typeface="Arial Unicode MS" panose="020B0604020202020204" pitchFamily="34" charset="-122"/>
+              </a:rPr>
+              <a:t>getOrCreate</a:t>
+            </a:r>
+            <a:r>
+              <a:rPr lang="zh-CN" altLang="zh-CN" sz="1100" dirty="0">
+                <a:solidFill>
+                  <a:srgbClr val="ABB2BF"/>
+                </a:solidFill>
+                <a:latin typeface="Arial Unicode MS" panose="020B0604020202020204" pitchFamily="34" charset="-122"/>
+              </a:rPr>
+              <a:t>()</a:t>
+            </a:r>
+          </a:p>
+          <a:p>
+            <a:pPr lvl="0" defTabSz="914400" eaLnBrk="0" fontAlgn="base" hangingPunct="0">
+              <a:spcBef>
+                <a:spcPct val="0"/>
+              </a:spcBef>
+              <a:spcAft>
+                <a:spcPct val="0"/>
+              </a:spcAft>
+            </a:pPr>
+            <a:r>
+              <a:rPr lang="zh-CN" altLang="zh-CN" sz="1100" dirty="0">
+                <a:solidFill>
+                  <a:srgbClr val="ABB2BF"/>
+                </a:solidFill>
+                <a:latin typeface="Arial Unicode MS" panose="020B0604020202020204" pitchFamily="34" charset="-122"/>
+              </a:rPr>
+              <a:t>            </a:t>
+            </a:r>
+            <a:r>
+              <a:rPr lang="zh-CN" altLang="zh-CN" sz="1100" dirty="0">
+                <a:solidFill>
+                  <a:srgbClr val="C678DD"/>
+                </a:solidFill>
+                <a:latin typeface="Arial Unicode MS" panose="020B0604020202020204" pitchFamily="34" charset="-122"/>
+              </a:rPr>
+              <a:t>return</a:t>
+            </a:r>
+            <a:r>
+              <a:rPr lang="zh-CN" altLang="zh-CN" sz="1100" dirty="0">
+                <a:solidFill>
+                  <a:srgbClr val="ABB2BF"/>
+                </a:solidFill>
+                <a:latin typeface="Arial Unicode MS" panose="020B0604020202020204" pitchFamily="34" charset="-122"/>
+              </a:rPr>
+              <a:t> _spark</a:t>
+            </a:r>
+          </a:p>
+          <a:p>
+            <a:pPr lvl="0" defTabSz="914400" eaLnBrk="0" fontAlgn="base" hangingPunct="0">
+              <a:spcBef>
+                <a:spcPct val="0"/>
+              </a:spcBef>
+              <a:spcAft>
+                <a:spcPct val="0"/>
+              </a:spcAft>
+            </a:pPr>
+            <a:r>
+              <a:rPr lang="zh-CN" altLang="zh-CN" sz="1100" dirty="0">
+                <a:solidFill>
+                  <a:srgbClr val="ABB2BF"/>
+                </a:solidFill>
+                <a:latin typeface="Arial Unicode MS" panose="020B0604020202020204" pitchFamily="34" charset="-122"/>
+              </a:rPr>
+              <a:t>        </a:t>
+            </a:r>
+            <a:r>
+              <a:rPr lang="zh-CN" altLang="zh-CN" sz="1100" dirty="0">
+                <a:solidFill>
+                  <a:srgbClr val="C678DD"/>
+                </a:solidFill>
+                <a:latin typeface="Arial Unicode MS" panose="020B0604020202020204" pitchFamily="34" charset="-122"/>
+              </a:rPr>
+              <a:t>else</a:t>
+            </a:r>
+            <a:r>
+              <a:rPr lang="zh-CN" altLang="zh-CN" sz="1100" dirty="0">
+                <a:solidFill>
+                  <a:srgbClr val="ABB2BF"/>
+                </a:solidFill>
+                <a:latin typeface="Arial Unicode MS" panose="020B0604020202020204" pitchFamily="34" charset="-122"/>
+              </a:rPr>
+              <a:t>:</a:t>
+            </a:r>
+          </a:p>
+          <a:p>
+            <a:pPr lvl="0" defTabSz="914400" eaLnBrk="0" fontAlgn="base" hangingPunct="0">
+              <a:spcBef>
+                <a:spcPct val="0"/>
+              </a:spcBef>
+              <a:spcAft>
+                <a:spcPct val="0"/>
+              </a:spcAft>
+            </a:pPr>
+            <a:r>
+              <a:rPr lang="zh-CN" altLang="zh-CN" sz="1100" dirty="0">
+                <a:solidFill>
+                  <a:srgbClr val="ABB2BF"/>
+                </a:solidFill>
+                <a:latin typeface="Arial Unicode MS" panose="020B0604020202020204" pitchFamily="34" charset="-122"/>
+              </a:rPr>
+              <a:t>            </a:t>
+            </a:r>
+            <a:r>
+              <a:rPr lang="zh-CN" altLang="zh-CN" sz="1100" dirty="0">
+                <a:solidFill>
+                  <a:srgbClr val="C678DD"/>
+                </a:solidFill>
+                <a:latin typeface="Arial Unicode MS" panose="020B0604020202020204" pitchFamily="34" charset="-122"/>
+              </a:rPr>
+              <a:t>try</a:t>
+            </a:r>
+            <a:r>
+              <a:rPr lang="zh-CN" altLang="zh-CN" sz="1100" dirty="0">
+                <a:solidFill>
+                  <a:srgbClr val="ABB2BF"/>
+                </a:solidFill>
+                <a:latin typeface="Arial Unicode MS" panose="020B0604020202020204" pitchFamily="34" charset="-122"/>
+              </a:rPr>
+              <a:t>:</a:t>
+            </a:r>
+          </a:p>
+          <a:p>
+            <a:pPr lvl="0" defTabSz="914400" eaLnBrk="0" fontAlgn="base" hangingPunct="0">
+              <a:spcBef>
+                <a:spcPct val="0"/>
+              </a:spcBef>
+              <a:spcAft>
+                <a:spcPct val="0"/>
+              </a:spcAft>
+            </a:pPr>
+            <a:r>
+              <a:rPr lang="zh-CN" altLang="zh-CN" sz="1100" dirty="0">
+                <a:solidFill>
+                  <a:srgbClr val="ABB2BF"/>
+                </a:solidFill>
+                <a:latin typeface="Arial Unicode MS" panose="020B0604020202020204" pitchFamily="34" charset="-122"/>
+              </a:rPr>
+              <a:t>                </a:t>
+            </a:r>
+            <a:r>
+              <a:rPr lang="zh-CN" altLang="zh-CN" sz="1100" dirty="0">
+                <a:solidFill>
+                  <a:srgbClr val="E06C75"/>
+                </a:solidFill>
+                <a:latin typeface="Arial Unicode MS" panose="020B0604020202020204" pitchFamily="34" charset="-122"/>
+              </a:rPr>
+              <a:t>_spark</a:t>
+            </a:r>
+            <a:r>
+              <a:rPr lang="zh-CN" altLang="zh-CN" sz="1100" dirty="0">
+                <a:solidFill>
+                  <a:srgbClr val="ABB2BF"/>
+                </a:solidFill>
+                <a:latin typeface="Arial Unicode MS" panose="020B0604020202020204" pitchFamily="34" charset="-122"/>
+              </a:rPr>
+              <a:t>.</a:t>
+            </a:r>
+            <a:r>
+              <a:rPr lang="zh-CN" altLang="zh-CN" sz="1100" dirty="0">
+                <a:solidFill>
+                  <a:srgbClr val="61AFEF"/>
+                </a:solidFill>
+                <a:latin typeface="Arial Unicode MS" panose="020B0604020202020204" pitchFamily="34" charset="-122"/>
+              </a:rPr>
+              <a:t>sql</a:t>
+            </a:r>
+            <a:r>
+              <a:rPr lang="zh-CN" altLang="zh-CN" sz="1100" dirty="0">
+                <a:solidFill>
+                  <a:srgbClr val="ABB2BF"/>
+                </a:solidFill>
+                <a:latin typeface="Arial Unicode MS" panose="020B0604020202020204" pitchFamily="34" charset="-122"/>
+              </a:rPr>
+              <a:t>(</a:t>
+            </a:r>
+            <a:r>
+              <a:rPr lang="zh-CN" altLang="zh-CN" sz="1100" dirty="0">
+                <a:solidFill>
+                  <a:srgbClr val="98C379"/>
+                </a:solidFill>
+                <a:latin typeface="Arial Unicode MS" panose="020B0604020202020204" pitchFamily="34" charset="-122"/>
+              </a:rPr>
+              <a:t>"""select 1"""</a:t>
+            </a:r>
+            <a:r>
+              <a:rPr lang="zh-CN" altLang="zh-CN" sz="1100" dirty="0">
+                <a:solidFill>
+                  <a:srgbClr val="ABB2BF"/>
+                </a:solidFill>
+                <a:latin typeface="Arial Unicode MS" panose="020B0604020202020204" pitchFamily="34" charset="-122"/>
+              </a:rPr>
+              <a:t>)</a:t>
+            </a:r>
+          </a:p>
+          <a:p>
+            <a:pPr lvl="0" defTabSz="914400" eaLnBrk="0" fontAlgn="base" hangingPunct="0">
+              <a:spcBef>
+                <a:spcPct val="0"/>
+              </a:spcBef>
+              <a:spcAft>
+                <a:spcPct val="0"/>
+              </a:spcAft>
+            </a:pPr>
+            <a:r>
+              <a:rPr lang="zh-CN" altLang="zh-CN" sz="1100" dirty="0">
+                <a:solidFill>
+                  <a:srgbClr val="ABB2BF"/>
+                </a:solidFill>
+                <a:latin typeface="Arial Unicode MS" panose="020B0604020202020204" pitchFamily="34" charset="-122"/>
+              </a:rPr>
+              <a:t>            </a:t>
+            </a:r>
+            <a:r>
+              <a:rPr lang="zh-CN" altLang="zh-CN" sz="1100" dirty="0">
+                <a:solidFill>
+                  <a:srgbClr val="C678DD"/>
+                </a:solidFill>
+                <a:latin typeface="Arial Unicode MS" panose="020B0604020202020204" pitchFamily="34" charset="-122"/>
+              </a:rPr>
+              <a:t>except</a:t>
+            </a:r>
+            <a:r>
+              <a:rPr lang="zh-CN" altLang="zh-CN" sz="1100" dirty="0">
+                <a:solidFill>
+                  <a:srgbClr val="ABB2BF"/>
+                </a:solidFill>
+                <a:latin typeface="Arial Unicode MS" panose="020B0604020202020204" pitchFamily="34" charset="-122"/>
+              </a:rPr>
+              <a:t> Exception:</a:t>
+            </a:r>
+          </a:p>
+          <a:p>
+            <a:pPr lvl="0" defTabSz="914400" eaLnBrk="0" fontAlgn="base" hangingPunct="0">
+              <a:spcBef>
+                <a:spcPct val="0"/>
+              </a:spcBef>
+              <a:spcAft>
+                <a:spcPct val="0"/>
+              </a:spcAft>
+            </a:pPr>
+            <a:r>
+              <a:rPr lang="zh-CN" altLang="zh-CN" sz="1100" dirty="0">
+                <a:solidFill>
+                  <a:srgbClr val="ABB2BF"/>
+                </a:solidFill>
+                <a:latin typeface="Arial Unicode MS" panose="020B0604020202020204" pitchFamily="34" charset="-122"/>
+              </a:rPr>
+              <a:t>                _spark = SparkSession \ </a:t>
+            </a:r>
+          </a:p>
+          <a:p>
+            <a:pPr lvl="0" defTabSz="914400" eaLnBrk="0" fontAlgn="base" hangingPunct="0">
+              <a:spcBef>
+                <a:spcPct val="0"/>
+              </a:spcBef>
+              <a:spcAft>
+                <a:spcPct val="0"/>
+              </a:spcAft>
+            </a:pPr>
+            <a:r>
+              <a:rPr lang="zh-CN" altLang="zh-CN" sz="1100" dirty="0">
+                <a:solidFill>
+                  <a:srgbClr val="ABB2BF"/>
+                </a:solidFill>
+                <a:latin typeface="Arial Unicode MS" panose="020B0604020202020204" pitchFamily="34" charset="-122"/>
+              </a:rPr>
+              <a:t>                            .</a:t>
+            </a:r>
+            <a:r>
+              <a:rPr lang="zh-CN" altLang="zh-CN" sz="1100" dirty="0">
+                <a:solidFill>
+                  <a:srgbClr val="E06C75"/>
+                </a:solidFill>
+                <a:latin typeface="Arial Unicode MS" panose="020B0604020202020204" pitchFamily="34" charset="-122"/>
+              </a:rPr>
+              <a:t>builder</a:t>
+            </a:r>
+            <a:r>
+              <a:rPr lang="zh-CN" altLang="zh-CN" sz="1100" dirty="0">
+                <a:solidFill>
+                  <a:srgbClr val="ABB2BF"/>
+                </a:solidFill>
+                <a:latin typeface="Arial Unicode MS" panose="020B0604020202020204" pitchFamily="34" charset="-122"/>
+              </a:rPr>
+              <a:t> \ </a:t>
+            </a:r>
+          </a:p>
+          <a:p>
+            <a:pPr lvl="0" defTabSz="914400" eaLnBrk="0" fontAlgn="base" hangingPunct="0">
+              <a:spcBef>
+                <a:spcPct val="0"/>
+              </a:spcBef>
+              <a:spcAft>
+                <a:spcPct val="0"/>
+              </a:spcAft>
+            </a:pPr>
+            <a:r>
+              <a:rPr lang="zh-CN" altLang="zh-CN" sz="1100" dirty="0">
+                <a:solidFill>
+                  <a:srgbClr val="ABB2BF"/>
+                </a:solidFill>
+                <a:latin typeface="Arial Unicode MS" panose="020B0604020202020204" pitchFamily="34" charset="-122"/>
+              </a:rPr>
+              <a:t>                            .</a:t>
+            </a:r>
+            <a:r>
+              <a:rPr lang="zh-CN" altLang="zh-CN" sz="1100" dirty="0">
+                <a:solidFill>
+                  <a:srgbClr val="61AFEF"/>
+                </a:solidFill>
+                <a:latin typeface="Arial Unicode MS" panose="020B0604020202020204" pitchFamily="34" charset="-122"/>
+              </a:rPr>
+              <a:t>appName</a:t>
+            </a:r>
+            <a:r>
+              <a:rPr lang="zh-CN" altLang="zh-CN" sz="1100" dirty="0">
+                <a:solidFill>
+                  <a:srgbClr val="ABB2BF"/>
+                </a:solidFill>
+                <a:latin typeface="Arial Unicode MS" panose="020B0604020202020204" pitchFamily="34" charset="-122"/>
+              </a:rPr>
+              <a:t>(</a:t>
+            </a:r>
+            <a:r>
+              <a:rPr lang="zh-CN" altLang="zh-CN" sz="1100" dirty="0">
+                <a:solidFill>
+                  <a:srgbClr val="98C379"/>
+                </a:solidFill>
+                <a:latin typeface="Arial Unicode MS" panose="020B0604020202020204" pitchFamily="34" charset="-122"/>
+              </a:rPr>
+              <a:t>"20180227_wsm"</a:t>
+            </a:r>
+            <a:r>
+              <a:rPr lang="zh-CN" altLang="zh-CN" sz="1100" dirty="0">
+                <a:solidFill>
+                  <a:srgbClr val="ABB2BF"/>
+                </a:solidFill>
+                <a:latin typeface="Arial Unicode MS" panose="020B0604020202020204" pitchFamily="34" charset="-122"/>
+              </a:rPr>
+              <a:t>) \ </a:t>
+            </a:r>
+          </a:p>
+          <a:p>
+            <a:pPr lvl="0" defTabSz="914400" eaLnBrk="0" fontAlgn="base" hangingPunct="0">
+              <a:spcBef>
+                <a:spcPct val="0"/>
+              </a:spcBef>
+              <a:spcAft>
+                <a:spcPct val="0"/>
+              </a:spcAft>
+            </a:pPr>
+            <a:r>
+              <a:rPr lang="zh-CN" altLang="zh-CN" sz="1100" dirty="0">
+                <a:solidFill>
+                  <a:srgbClr val="ABB2BF"/>
+                </a:solidFill>
+                <a:latin typeface="Arial Unicode MS" panose="020B0604020202020204" pitchFamily="34" charset="-122"/>
+              </a:rPr>
+              <a:t>                            .</a:t>
+            </a:r>
+            <a:r>
+              <a:rPr lang="zh-CN" altLang="zh-CN" sz="1100" dirty="0">
+                <a:solidFill>
+                  <a:srgbClr val="61AFEF"/>
+                </a:solidFill>
+                <a:latin typeface="Arial Unicode MS" panose="020B0604020202020204" pitchFamily="34" charset="-122"/>
+              </a:rPr>
+              <a:t>enableHiveSupport</a:t>
+            </a:r>
+            <a:r>
+              <a:rPr lang="zh-CN" altLang="zh-CN" sz="1100" dirty="0">
+                <a:solidFill>
+                  <a:srgbClr val="ABB2BF"/>
+                </a:solidFill>
+                <a:latin typeface="Arial Unicode MS" panose="020B0604020202020204" pitchFamily="34" charset="-122"/>
+              </a:rPr>
+              <a:t>() \ </a:t>
+            </a:r>
+          </a:p>
+          <a:p>
+            <a:pPr lvl="0" defTabSz="914400" eaLnBrk="0" fontAlgn="base" hangingPunct="0">
+              <a:spcBef>
+                <a:spcPct val="0"/>
+              </a:spcBef>
+              <a:spcAft>
+                <a:spcPct val="0"/>
+              </a:spcAft>
+            </a:pPr>
+            <a:r>
+              <a:rPr lang="zh-CN" altLang="zh-CN" sz="1100" dirty="0">
+                <a:solidFill>
+                  <a:srgbClr val="ABB2BF"/>
+                </a:solidFill>
+                <a:latin typeface="Arial Unicode MS" panose="020B0604020202020204" pitchFamily="34" charset="-122"/>
+              </a:rPr>
+              <a:t>                            .</a:t>
+            </a:r>
+            <a:r>
+              <a:rPr lang="zh-CN" altLang="zh-CN" sz="1100" dirty="0">
+                <a:solidFill>
+                  <a:srgbClr val="61AFEF"/>
+                </a:solidFill>
+                <a:latin typeface="Arial Unicode MS" panose="020B0604020202020204" pitchFamily="34" charset="-122"/>
+              </a:rPr>
+              <a:t>getOrCreate</a:t>
+            </a:r>
+            <a:r>
+              <a:rPr lang="zh-CN" altLang="zh-CN" sz="1100" dirty="0">
+                <a:solidFill>
+                  <a:srgbClr val="ABB2BF"/>
+                </a:solidFill>
+                <a:latin typeface="Arial Unicode MS" panose="020B0604020202020204" pitchFamily="34" charset="-122"/>
+              </a:rPr>
+              <a:t>()</a:t>
+            </a:r>
+          </a:p>
+          <a:p>
+            <a:pPr lvl="0" defTabSz="914400" eaLnBrk="0" fontAlgn="base" hangingPunct="0">
+              <a:spcBef>
+                <a:spcPct val="0"/>
+              </a:spcBef>
+              <a:spcAft>
+                <a:spcPct val="0"/>
+              </a:spcAft>
+            </a:pPr>
+            <a:r>
+              <a:rPr lang="zh-CN" altLang="zh-CN" sz="1100" dirty="0">
+                <a:solidFill>
+                  <a:srgbClr val="ABB2BF"/>
+                </a:solidFill>
+                <a:latin typeface="Arial Unicode MS" panose="020B0604020202020204" pitchFamily="34" charset="-122"/>
+              </a:rPr>
+              <a:t>                </a:t>
+            </a:r>
+            <a:r>
+              <a:rPr lang="zh-CN" altLang="zh-CN" sz="1100" dirty="0">
+                <a:solidFill>
+                  <a:srgbClr val="C678DD"/>
+                </a:solidFill>
+                <a:latin typeface="Arial Unicode MS" panose="020B0604020202020204" pitchFamily="34" charset="-122"/>
+              </a:rPr>
+              <a:t>return</a:t>
+            </a:r>
+            <a:r>
+              <a:rPr lang="zh-CN" altLang="zh-CN" sz="1100" dirty="0">
+                <a:solidFill>
+                  <a:srgbClr val="ABB2BF"/>
+                </a:solidFill>
+                <a:latin typeface="Arial Unicode MS" panose="020B0604020202020204" pitchFamily="34" charset="-122"/>
+              </a:rPr>
+              <a:t> _spark</a:t>
+            </a:r>
+          </a:p>
+          <a:p>
+            <a:pPr lvl="0" defTabSz="914400" eaLnBrk="0" fontAlgn="base" hangingPunct="0">
+              <a:spcBef>
+                <a:spcPct val="0"/>
+              </a:spcBef>
+              <a:spcAft>
+                <a:spcPct val="0"/>
+              </a:spcAft>
+            </a:pPr>
+            <a:r>
+              <a:rPr lang="zh-CN" altLang="zh-CN" sz="1100" dirty="0">
+                <a:solidFill>
+                  <a:srgbClr val="ABB2BF"/>
+                </a:solidFill>
+                <a:latin typeface="Arial Unicode MS" panose="020B0604020202020204" pitchFamily="34" charset="-122"/>
+              </a:rPr>
+              <a:t>            </a:t>
+            </a:r>
+            <a:r>
+              <a:rPr lang="zh-CN" altLang="zh-CN" sz="1100" dirty="0">
+                <a:solidFill>
+                  <a:srgbClr val="C678DD"/>
+                </a:solidFill>
+                <a:latin typeface="Arial Unicode MS" panose="020B0604020202020204" pitchFamily="34" charset="-122"/>
+              </a:rPr>
+              <a:t>else</a:t>
+            </a:r>
+            <a:r>
+              <a:rPr lang="zh-CN" altLang="zh-CN" sz="1100" dirty="0">
+                <a:solidFill>
+                  <a:srgbClr val="ABB2BF"/>
+                </a:solidFill>
+                <a:latin typeface="Arial Unicode MS" panose="020B0604020202020204" pitchFamily="34" charset="-122"/>
+              </a:rPr>
+              <a:t>:</a:t>
+            </a:r>
+          </a:p>
+          <a:p>
+            <a:pPr lvl="0" defTabSz="914400" eaLnBrk="0" fontAlgn="base" hangingPunct="0">
+              <a:spcBef>
+                <a:spcPct val="0"/>
+              </a:spcBef>
+              <a:spcAft>
+                <a:spcPct val="0"/>
+              </a:spcAft>
+            </a:pPr>
+            <a:r>
+              <a:rPr lang="zh-CN" altLang="zh-CN" sz="1100" dirty="0">
+                <a:solidFill>
+                  <a:srgbClr val="ABB2BF"/>
+                </a:solidFill>
+                <a:latin typeface="Arial Unicode MS" panose="020B0604020202020204" pitchFamily="34" charset="-122"/>
+              </a:rPr>
+              <a:t>                </a:t>
+            </a:r>
+            <a:r>
+              <a:rPr lang="zh-CN" altLang="zh-CN" sz="1100" dirty="0">
+                <a:solidFill>
+                  <a:srgbClr val="C678DD"/>
+                </a:solidFill>
+                <a:latin typeface="Arial Unicode MS" panose="020B0604020202020204" pitchFamily="34" charset="-122"/>
+              </a:rPr>
+              <a:t>return</a:t>
+            </a:r>
+            <a:r>
+              <a:rPr lang="zh-CN" altLang="zh-CN" sz="1100" dirty="0">
+                <a:solidFill>
+                  <a:srgbClr val="ABB2BF"/>
+                </a:solidFill>
+                <a:latin typeface="Arial Unicode MS" panose="020B0604020202020204" pitchFamily="34" charset="-122"/>
+              </a:rPr>
+              <a:t> _spark</a:t>
+            </a:r>
+          </a:p>
+          <a:p>
+            <a:pPr lvl="0" defTabSz="914400" eaLnBrk="0" fontAlgn="base" hangingPunct="0">
+              <a:spcBef>
+                <a:spcPct val="0"/>
+              </a:spcBef>
+              <a:spcAft>
+                <a:spcPct val="0"/>
+              </a:spcAft>
+            </a:pPr>
+            <a:r>
+              <a:rPr lang="zh-CN" altLang="zh-CN" sz="1100" dirty="0">
+                <a:solidFill>
+                  <a:srgbClr val="ABB2BF"/>
+                </a:solidFill>
+                <a:latin typeface="Arial Unicode MS" panose="020B0604020202020204" pitchFamily="34" charset="-122"/>
+              </a:rPr>
+              <a:t>    </a:t>
+            </a:r>
+            <a:r>
+              <a:rPr lang="zh-CN" altLang="zh-CN" sz="1100" dirty="0">
+                <a:solidFill>
+                  <a:srgbClr val="C678DD"/>
+                </a:solidFill>
+                <a:latin typeface="Arial Unicode MS" panose="020B0604020202020204" pitchFamily="34" charset="-122"/>
+              </a:rPr>
+              <a:t>return</a:t>
+            </a:r>
+            <a:r>
+              <a:rPr lang="zh-CN" altLang="zh-CN" sz="1100" dirty="0">
+                <a:solidFill>
+                  <a:srgbClr val="ABB2BF"/>
+                </a:solidFill>
+                <a:latin typeface="Arial Unicode MS" panose="020B0604020202020204" pitchFamily="34" charset="-122"/>
+              </a:rPr>
+              <a:t> create_spark</a:t>
+            </a:r>
+          </a:p>
+          <a:p>
+            <a:pPr lvl="0" defTabSz="914400" eaLnBrk="0" fontAlgn="base" hangingPunct="0">
+              <a:spcBef>
+                <a:spcPct val="0"/>
+              </a:spcBef>
+              <a:spcAft>
+                <a:spcPct val="0"/>
+              </a:spcAft>
+            </a:pPr>
+            <a:r>
+              <a:rPr lang="zh-CN" altLang="zh-CN" sz="1100" dirty="0">
+                <a:solidFill>
+                  <a:srgbClr val="ABB2BF"/>
+                </a:solidFill>
+                <a:latin typeface="Arial Unicode MS" panose="020B0604020202020204" pitchFamily="34" charset="-122"/>
+              </a:rPr>
+              <a:t> </a:t>
+            </a:r>
+          </a:p>
+          <a:p>
+            <a:pPr lvl="0" defTabSz="914400" eaLnBrk="0" fontAlgn="base" hangingPunct="0">
+              <a:spcBef>
+                <a:spcPct val="0"/>
+              </a:spcBef>
+              <a:spcAft>
+                <a:spcPct val="0"/>
+              </a:spcAft>
+            </a:pPr>
+            <a:r>
+              <a:rPr lang="zh-CN" altLang="zh-CN" sz="1100" dirty="0">
+                <a:solidFill>
+                  <a:srgbClr val="ABB2BF"/>
+                </a:solidFill>
+                <a:latin typeface="Arial Unicode MS" panose="020B0604020202020204" pitchFamily="34" charset="-122"/>
+              </a:rPr>
+              <a:t>spark = </a:t>
+            </a:r>
+            <a:r>
+              <a:rPr lang="zh-CN" altLang="zh-CN" sz="1100" dirty="0">
+                <a:solidFill>
+                  <a:srgbClr val="61AFEF"/>
+                </a:solidFill>
+                <a:latin typeface="Arial Unicode MS" panose="020B0604020202020204" pitchFamily="34" charset="-122"/>
+              </a:rPr>
+              <a:t>my_spark</a:t>
+            </a:r>
+            <a:r>
+              <a:rPr lang="zh-CN" altLang="zh-CN" sz="1100" dirty="0">
+                <a:solidFill>
+                  <a:srgbClr val="ABB2BF"/>
+                </a:solidFill>
+                <a:latin typeface="Arial Unicode MS" panose="020B0604020202020204" pitchFamily="34" charset="-122"/>
+              </a:rPr>
+              <a:t>()            </a:t>
+            </a:r>
+          </a:p>
+          <a:p>
+            <a:pPr lvl="0" defTabSz="914400" eaLnBrk="0" fontAlgn="base" hangingPunct="0">
+              <a:spcBef>
+                <a:spcPct val="0"/>
+              </a:spcBef>
+              <a:spcAft>
+                <a:spcPct val="0"/>
+              </a:spcAft>
+            </a:pPr>
+            <a:r>
+              <a:rPr lang="zh-CN" altLang="zh-CN" sz="1100" dirty="0">
+                <a:solidFill>
+                  <a:srgbClr val="ABB2BF"/>
+                </a:solidFill>
+                <a:latin typeface="Arial Unicode MS" panose="020B0604020202020204" pitchFamily="34" charset="-122"/>
+              </a:rPr>
+              <a:t>sdf = </a:t>
+            </a:r>
+            <a:r>
+              <a:rPr lang="zh-CN" altLang="zh-CN" sz="1100" dirty="0">
+                <a:solidFill>
+                  <a:srgbClr val="61AFEF"/>
+                </a:solidFill>
+                <a:latin typeface="Arial Unicode MS" panose="020B0604020202020204" pitchFamily="34" charset="-122"/>
+              </a:rPr>
+              <a:t>spark</a:t>
+            </a:r>
+            <a:r>
+              <a:rPr lang="zh-CN" altLang="zh-CN" sz="1100" dirty="0">
+                <a:solidFill>
+                  <a:srgbClr val="ABB2BF"/>
+                </a:solidFill>
+                <a:latin typeface="Arial Unicode MS" panose="020B0604020202020204" pitchFamily="34" charset="-122"/>
+              </a:rPr>
+              <a:t>().</a:t>
+            </a:r>
+            <a:r>
+              <a:rPr lang="zh-CN" altLang="zh-CN" sz="1100" dirty="0">
+                <a:solidFill>
+                  <a:srgbClr val="61AFEF"/>
+                </a:solidFill>
+                <a:latin typeface="Arial Unicode MS" panose="020B0604020202020204" pitchFamily="34" charset="-122"/>
+              </a:rPr>
+              <a:t>sql</a:t>
+            </a:r>
+            <a:r>
+              <a:rPr lang="zh-CN" altLang="zh-CN" sz="1100" dirty="0">
+                <a:solidFill>
+                  <a:srgbClr val="ABB2BF"/>
+                </a:solidFill>
+                <a:latin typeface="Arial Unicode MS" panose="020B0604020202020204" pitchFamily="34" charset="-122"/>
+              </a:rPr>
+              <a:t>(</a:t>
+            </a:r>
+            <a:r>
+              <a:rPr lang="zh-CN" altLang="zh-CN" sz="1100" dirty="0">
+                <a:solidFill>
+                  <a:srgbClr val="98C379"/>
+                </a:solidFill>
+                <a:latin typeface="Arial Unicode MS" panose="020B0604020202020204" pitchFamily="34" charset="-122"/>
+              </a:rPr>
+              <a:t>"""select * from ods.city where pt = '20180509' limit 1 """</a:t>
+            </a:r>
+            <a:r>
+              <a:rPr lang="zh-CN" altLang="zh-CN" sz="1100" dirty="0">
+                <a:solidFill>
+                  <a:srgbClr val="ABB2BF"/>
+                </a:solidFill>
+                <a:latin typeface="Arial Unicode MS" panose="020B0604020202020204" pitchFamily="34" charset="-122"/>
+              </a:rPr>
+              <a:t>)</a:t>
+            </a:r>
+          </a:p>
+          <a:p>
+            <a:pPr lvl="0" defTabSz="914400" eaLnBrk="0" fontAlgn="base" hangingPunct="0">
+              <a:spcBef>
+                <a:spcPct val="0"/>
+              </a:spcBef>
+              <a:spcAft>
+                <a:spcPct val="0"/>
+              </a:spcAft>
+            </a:pPr>
+            <a:r>
+              <a:rPr lang="zh-CN" altLang="zh-CN" sz="1100" dirty="0">
+                <a:solidFill>
+                  <a:srgbClr val="E06C75"/>
+                </a:solidFill>
+                <a:latin typeface="Arial Unicode MS" panose="020B0604020202020204" pitchFamily="34" charset="-122"/>
+              </a:rPr>
+              <a:t>sdf</a:t>
+            </a:r>
+            <a:r>
+              <a:rPr lang="zh-CN" altLang="zh-CN" sz="1100" dirty="0">
+                <a:solidFill>
+                  <a:srgbClr val="ABB2BF"/>
+                </a:solidFill>
+                <a:latin typeface="Arial Unicode MS" panose="020B0604020202020204" pitchFamily="34" charset="-122"/>
+              </a:rPr>
+              <a:t>.</a:t>
+            </a:r>
+            <a:r>
+              <a:rPr lang="zh-CN" altLang="zh-CN" sz="1100" dirty="0">
+                <a:solidFill>
+                  <a:srgbClr val="61AFEF"/>
+                </a:solidFill>
+                <a:latin typeface="Arial Unicode MS" panose="020B0604020202020204" pitchFamily="34" charset="-122"/>
+              </a:rPr>
+              <a:t>toPandas</a:t>
+            </a:r>
+            <a:r>
+              <a:rPr lang="zh-CN" altLang="zh-CN" sz="1100" dirty="0">
+                <a:solidFill>
+                  <a:srgbClr val="ABB2BF"/>
+                </a:solidFill>
+                <a:latin typeface="Arial Unicode MS" panose="020B0604020202020204" pitchFamily="34" charset="-122"/>
+              </a:rPr>
+              <a:t>().</a:t>
+            </a:r>
+            <a:r>
+              <a:rPr lang="zh-CN" altLang="zh-CN" sz="1100" dirty="0">
+                <a:solidFill>
+                  <a:srgbClr val="61AFEF"/>
+                </a:solidFill>
+                <a:latin typeface="Arial Unicode MS" panose="020B0604020202020204" pitchFamily="34" charset="-122"/>
+              </a:rPr>
+              <a:t>head</a:t>
+            </a:r>
+            <a:r>
+              <a:rPr lang="zh-CN" altLang="zh-CN" sz="1100" dirty="0">
+                <a:solidFill>
+                  <a:srgbClr val="ABB2BF"/>
+                </a:solidFill>
+                <a:latin typeface="Arial Unicode MS" panose="020B0604020202020204" pitchFamily="34" charset="-122"/>
+              </a:rPr>
+              <a:t>(</a:t>
+            </a:r>
+            <a:r>
+              <a:rPr lang="zh-CN" altLang="zh-CN" sz="1100" dirty="0">
+                <a:solidFill>
+                  <a:srgbClr val="D19A66"/>
+                </a:solidFill>
+                <a:latin typeface="Arial Unicode MS" panose="020B0604020202020204" pitchFamily="34" charset="-122"/>
+              </a:rPr>
+              <a:t>1</a:t>
+            </a:r>
+            <a:r>
+              <a:rPr lang="zh-CN" altLang="zh-CN" sz="1100" dirty="0">
+                <a:solidFill>
+                  <a:srgbClr val="ABB2BF"/>
+                </a:solidFill>
+                <a:latin typeface="Arial Unicode MS" panose="020B0604020202020204" pitchFamily="34" charset="-122"/>
+              </a:rPr>
+              <a:t>)</a:t>
+            </a:r>
+            <a:endParaRPr lang="zh-CN" altLang="zh-CN" sz="1100" dirty="0">
+              <a:latin typeface="Arial" panose="020B0604020202020204" pitchFamily="34" charset="0"/>
+            </a:endParaRPr>
+          </a:p>
+        </p:txBody>
+      </p:sp>
+      <p:sp>
+        <p:nvSpPr>
+          <p:cNvPr id="10" name="Rectangle 3">
+            <a:extLst>
+              <a:ext uri="{FF2B5EF4-FFF2-40B4-BE49-F238E27FC236}">
+                <a16:creationId xmlns:a16="http://schemas.microsoft.com/office/drawing/2014/main" id="{6D99E298-3B5A-440A-BBB3-3286550D9C66}"/>
+              </a:ext>
+            </a:extLst>
+          </p:cNvPr>
+          <p:cNvSpPr>
+            <a:spLocks noChangeArrowheads="1"/>
+          </p:cNvSpPr>
+          <p:nvPr/>
+        </p:nvSpPr>
+        <p:spPr bwMode="auto">
+          <a:xfrm>
+            <a:off x="6094412" y="1412778"/>
+            <a:ext cx="5069325" cy="5407840"/>
+          </a:xfrm>
+          <a:prstGeom prst="rect">
+            <a:avLst/>
+          </a:prstGeom>
+          <a:solidFill>
+            <a:schemeClr val="tx2">
+              <a:lumMod val="85000"/>
+              <a:lumOff val="15000"/>
+            </a:schemeClr>
+          </a:solidFill>
+          <a:ln>
+            <a:noFill/>
+          </a:ln>
+          <a:effectLst/>
+        </p:spPr>
+        <p:txBody>
+          <a:bodyPr vert="horz" wrap="square" lIns="91440" tIns="0" rIns="91440" bIns="158700" numCol="1" anchor="ctr" anchorCtr="0" compatLnSpc="1">
+            <a:prstTxWarp prst="textNoShape">
+              <a:avLst/>
+            </a:prstTxWarp>
+            <a:spAutoFit/>
+          </a:bodyPr>
+          <a:lstStyle/>
+          <a:p>
+            <a:pPr lvl="0" defTabSz="914400" eaLnBrk="0" fontAlgn="base" hangingPunct="0">
+              <a:spcBef>
+                <a:spcPct val="0"/>
+              </a:spcBef>
+              <a:spcAft>
+                <a:spcPct val="0"/>
+              </a:spcAft>
+            </a:pPr>
+            <a:r>
+              <a:rPr lang="zh-CN" altLang="zh-CN" sz="1100" i="1" dirty="0">
+                <a:solidFill>
+                  <a:srgbClr val="5C6370"/>
+                </a:solidFill>
+                <a:latin typeface="Arial Unicode MS" panose="020B0604020202020204" pitchFamily="34" charset="-122"/>
+              </a:rPr>
+              <a:t># 适用于python2 和 python3 </a:t>
+            </a:r>
+            <a:endParaRPr lang="zh-CN" altLang="zh-CN" sz="1100" dirty="0">
+              <a:solidFill>
+                <a:srgbClr val="ABB2BF"/>
+              </a:solidFill>
+              <a:latin typeface="Arial Unicode MS" panose="020B0604020202020204" pitchFamily="34" charset="-122"/>
+            </a:endParaRPr>
+          </a:p>
+          <a:p>
+            <a:pPr lvl="0" defTabSz="914400" eaLnBrk="0" fontAlgn="base" hangingPunct="0">
+              <a:spcBef>
+                <a:spcPct val="0"/>
+              </a:spcBef>
+              <a:spcAft>
+                <a:spcPct val="0"/>
+              </a:spcAft>
+            </a:pPr>
+            <a:r>
+              <a:rPr lang="zh-CN" altLang="zh-CN" sz="1100" dirty="0">
+                <a:solidFill>
+                  <a:srgbClr val="C678DD"/>
+                </a:solidFill>
+                <a:latin typeface="Arial Unicode MS" panose="020B0604020202020204" pitchFamily="34" charset="-122"/>
+              </a:rPr>
+              <a:t>from</a:t>
+            </a:r>
+            <a:r>
+              <a:rPr lang="zh-CN" altLang="zh-CN" sz="1100" dirty="0">
+                <a:solidFill>
+                  <a:srgbClr val="ABB2BF"/>
+                </a:solidFill>
+                <a:latin typeface="Arial Unicode MS" panose="020B0604020202020204" pitchFamily="34" charset="-122"/>
+              </a:rPr>
+              <a:t> </a:t>
+            </a:r>
+            <a:r>
+              <a:rPr lang="zh-CN" altLang="zh-CN" sz="1100" dirty="0">
+                <a:solidFill>
+                  <a:srgbClr val="E06C75"/>
+                </a:solidFill>
+                <a:latin typeface="Arial Unicode MS" panose="020B0604020202020204" pitchFamily="34" charset="-122"/>
+              </a:rPr>
+              <a:t>pyspark</a:t>
+            </a:r>
+            <a:r>
+              <a:rPr lang="zh-CN" altLang="zh-CN" sz="1100" dirty="0">
+                <a:solidFill>
+                  <a:srgbClr val="ABB2BF"/>
+                </a:solidFill>
+                <a:latin typeface="Arial Unicode MS" panose="020B0604020202020204" pitchFamily="34" charset="-122"/>
+              </a:rPr>
+              <a:t>.</a:t>
+            </a:r>
+            <a:r>
+              <a:rPr lang="zh-CN" altLang="zh-CN" sz="1100" dirty="0">
+                <a:solidFill>
+                  <a:srgbClr val="E06C75"/>
+                </a:solidFill>
+                <a:latin typeface="Arial Unicode MS" panose="020B0604020202020204" pitchFamily="34" charset="-122"/>
+              </a:rPr>
+              <a:t>sql</a:t>
+            </a:r>
+            <a:r>
+              <a:rPr lang="zh-CN" altLang="zh-CN" sz="1100" dirty="0">
+                <a:solidFill>
+                  <a:srgbClr val="ABB2BF"/>
+                </a:solidFill>
+                <a:latin typeface="Arial Unicode MS" panose="020B0604020202020204" pitchFamily="34" charset="-122"/>
+              </a:rPr>
+              <a:t> </a:t>
+            </a:r>
+            <a:r>
+              <a:rPr lang="zh-CN" altLang="zh-CN" sz="1100" dirty="0">
+                <a:solidFill>
+                  <a:srgbClr val="C678DD"/>
+                </a:solidFill>
+                <a:latin typeface="Arial Unicode MS" panose="020B0604020202020204" pitchFamily="34" charset="-122"/>
+              </a:rPr>
+              <a:t>import</a:t>
+            </a:r>
+            <a:r>
+              <a:rPr lang="zh-CN" altLang="zh-CN" sz="1100" dirty="0">
+                <a:solidFill>
+                  <a:srgbClr val="ABB2BF"/>
+                </a:solidFill>
+                <a:latin typeface="Arial Unicode MS" panose="020B0604020202020204" pitchFamily="34" charset="-122"/>
+              </a:rPr>
+              <a:t> SparkSession</a:t>
+            </a:r>
+          </a:p>
+          <a:p>
+            <a:pPr lvl="0" defTabSz="914400" eaLnBrk="0" fontAlgn="base" hangingPunct="0">
+              <a:spcBef>
+                <a:spcPct val="0"/>
+              </a:spcBef>
+              <a:spcAft>
+                <a:spcPct val="0"/>
+              </a:spcAft>
+            </a:pPr>
+            <a:r>
+              <a:rPr lang="zh-CN" altLang="zh-CN" sz="1100" dirty="0">
+                <a:solidFill>
+                  <a:srgbClr val="ABB2BF"/>
+                </a:solidFill>
+                <a:latin typeface="Arial Unicode MS" panose="020B0604020202020204" pitchFamily="34" charset="-122"/>
+              </a:rPr>
+              <a:t> </a:t>
+            </a:r>
+          </a:p>
+          <a:p>
+            <a:pPr lvl="0" defTabSz="914400" eaLnBrk="0" fontAlgn="base" hangingPunct="0">
+              <a:spcBef>
+                <a:spcPct val="0"/>
+              </a:spcBef>
+              <a:spcAft>
+                <a:spcPct val="0"/>
+              </a:spcAft>
+            </a:pPr>
+            <a:r>
+              <a:rPr lang="zh-CN" altLang="zh-CN" sz="1100" dirty="0">
+                <a:solidFill>
+                  <a:srgbClr val="C678DD"/>
+                </a:solidFill>
+                <a:latin typeface="Arial Unicode MS" panose="020B0604020202020204" pitchFamily="34" charset="-122"/>
+              </a:rPr>
+              <a:t>class</a:t>
+            </a:r>
+            <a:r>
+              <a:rPr lang="zh-CN" altLang="zh-CN" sz="1100" dirty="0">
+                <a:solidFill>
+                  <a:srgbClr val="E5C07B"/>
+                </a:solidFill>
+                <a:latin typeface="Arial Unicode MS" panose="020B0604020202020204" pitchFamily="34" charset="-122"/>
+              </a:rPr>
+              <a:t> MySpark(</a:t>
+            </a:r>
+            <a:r>
+              <a:rPr lang="zh-CN" altLang="zh-CN" sz="1100" dirty="0">
+                <a:solidFill>
+                  <a:srgbClr val="98C379"/>
+                </a:solidFill>
+                <a:latin typeface="Arial Unicode MS" panose="020B0604020202020204" pitchFamily="34" charset="-122"/>
+              </a:rPr>
+              <a:t>SparkSession</a:t>
+            </a:r>
+            <a:r>
+              <a:rPr lang="zh-CN" altLang="zh-CN" sz="1100" dirty="0">
+                <a:solidFill>
+                  <a:srgbClr val="E5C07B"/>
+                </a:solidFill>
+                <a:latin typeface="Arial Unicode MS" panose="020B0604020202020204" pitchFamily="34" charset="-122"/>
+              </a:rPr>
+              <a:t>)</a:t>
+            </a:r>
+            <a:r>
+              <a:rPr lang="zh-CN" altLang="zh-CN" sz="1100" dirty="0">
+                <a:solidFill>
+                  <a:srgbClr val="ABB2BF"/>
+                </a:solidFill>
+                <a:latin typeface="Arial Unicode MS" panose="020B0604020202020204" pitchFamily="34" charset="-122"/>
+              </a:rPr>
+              <a:t>:</a:t>
+            </a:r>
+          </a:p>
+          <a:p>
+            <a:pPr lvl="0" defTabSz="914400" eaLnBrk="0" fontAlgn="base" hangingPunct="0">
+              <a:spcBef>
+                <a:spcPct val="0"/>
+              </a:spcBef>
+              <a:spcAft>
+                <a:spcPct val="0"/>
+              </a:spcAft>
+            </a:pPr>
+            <a:r>
+              <a:rPr lang="zh-CN" altLang="zh-CN" sz="1100" dirty="0">
+                <a:solidFill>
+                  <a:srgbClr val="ABB2BF"/>
+                </a:solidFill>
+                <a:latin typeface="Arial Unicode MS" panose="020B0604020202020204" pitchFamily="34" charset="-122"/>
+              </a:rPr>
+              <a:t>    __spark = </a:t>
+            </a:r>
+            <a:r>
+              <a:rPr lang="zh-CN" altLang="zh-CN" sz="1100" dirty="0">
+                <a:solidFill>
+                  <a:srgbClr val="D19A66"/>
+                </a:solidFill>
+                <a:latin typeface="Arial Unicode MS" panose="020B0604020202020204" pitchFamily="34" charset="-122"/>
+              </a:rPr>
+              <a:t>None</a:t>
+            </a:r>
+            <a:endParaRPr lang="zh-CN" altLang="zh-CN" sz="1100" dirty="0">
+              <a:solidFill>
+                <a:srgbClr val="ABB2BF"/>
+              </a:solidFill>
+              <a:latin typeface="Arial Unicode MS" panose="020B0604020202020204" pitchFamily="34" charset="-122"/>
+            </a:endParaRPr>
+          </a:p>
+          <a:p>
+            <a:pPr lvl="0" defTabSz="914400" eaLnBrk="0" fontAlgn="base" hangingPunct="0">
+              <a:spcBef>
+                <a:spcPct val="0"/>
+              </a:spcBef>
+              <a:spcAft>
+                <a:spcPct val="0"/>
+              </a:spcAft>
+            </a:pPr>
+            <a:r>
+              <a:rPr lang="zh-CN" altLang="zh-CN" sz="1100" dirty="0">
+                <a:solidFill>
+                  <a:srgbClr val="ABB2BF"/>
+                </a:solidFill>
+                <a:latin typeface="Arial Unicode MS" panose="020B0604020202020204" pitchFamily="34" charset="-122"/>
+              </a:rPr>
+              <a:t>    </a:t>
+            </a:r>
+            <a:r>
+              <a:rPr lang="zh-CN" altLang="zh-CN" sz="1100" dirty="0">
+                <a:solidFill>
+                  <a:srgbClr val="C678DD"/>
+                </a:solidFill>
+                <a:latin typeface="Arial Unicode MS" panose="020B0604020202020204" pitchFamily="34" charset="-122"/>
+              </a:rPr>
+              <a:t>def</a:t>
+            </a:r>
+            <a:r>
+              <a:rPr lang="zh-CN" altLang="zh-CN" sz="1100" dirty="0">
+                <a:solidFill>
+                  <a:srgbClr val="ABB2BF"/>
+                </a:solidFill>
+                <a:latin typeface="Arial Unicode MS" panose="020B0604020202020204" pitchFamily="34" charset="-122"/>
+              </a:rPr>
+              <a:t> </a:t>
+            </a:r>
+            <a:r>
+              <a:rPr lang="zh-CN" altLang="zh-CN" sz="1100" dirty="0">
+                <a:solidFill>
+                  <a:srgbClr val="56B6C2"/>
+                </a:solidFill>
+                <a:latin typeface="Arial Unicode MS" panose="020B0604020202020204" pitchFamily="34" charset="-122"/>
+              </a:rPr>
+              <a:t>__init__</a:t>
+            </a:r>
+            <a:r>
+              <a:rPr lang="zh-CN" altLang="zh-CN" sz="1100" dirty="0">
+                <a:solidFill>
+                  <a:srgbClr val="ABB2BF"/>
+                </a:solidFill>
+                <a:latin typeface="Arial Unicode MS" panose="020B0604020202020204" pitchFamily="34" charset="-122"/>
+              </a:rPr>
+              <a:t>(</a:t>
+            </a:r>
+            <a:r>
+              <a:rPr lang="zh-CN" altLang="zh-CN" sz="1100" dirty="0">
+                <a:solidFill>
+                  <a:srgbClr val="D19A66"/>
+                </a:solidFill>
+                <a:latin typeface="Arial Unicode MS" panose="020B0604020202020204" pitchFamily="34" charset="-122"/>
+              </a:rPr>
+              <a:t>self</a:t>
+            </a:r>
+            <a:r>
+              <a:rPr lang="zh-CN" altLang="zh-CN" sz="1100" dirty="0">
+                <a:solidFill>
+                  <a:srgbClr val="ABB2BF"/>
+                </a:solidFill>
+                <a:latin typeface="Arial Unicode MS" panose="020B0604020202020204" pitchFamily="34" charset="-122"/>
+              </a:rPr>
+              <a:t>):</a:t>
+            </a:r>
+          </a:p>
+          <a:p>
+            <a:pPr lvl="0" defTabSz="914400" eaLnBrk="0" fontAlgn="base" hangingPunct="0">
+              <a:spcBef>
+                <a:spcPct val="0"/>
+              </a:spcBef>
+              <a:spcAft>
+                <a:spcPct val="0"/>
+              </a:spcAft>
+            </a:pPr>
+            <a:r>
+              <a:rPr lang="zh-CN" altLang="zh-CN" sz="1100" dirty="0">
+                <a:solidFill>
+                  <a:srgbClr val="ABB2BF"/>
+                </a:solidFill>
+                <a:latin typeface="Arial Unicode MS" panose="020B0604020202020204" pitchFamily="34" charset="-122"/>
+              </a:rPr>
+              <a:t>        </a:t>
+            </a:r>
+            <a:r>
+              <a:rPr lang="zh-CN" altLang="zh-CN" sz="1100" dirty="0">
+                <a:solidFill>
+                  <a:srgbClr val="C678DD"/>
+                </a:solidFill>
+                <a:latin typeface="Arial Unicode MS" panose="020B0604020202020204" pitchFamily="34" charset="-122"/>
+              </a:rPr>
+              <a:t>pass</a:t>
+            </a:r>
+            <a:endParaRPr lang="zh-CN" altLang="zh-CN" sz="1100" dirty="0">
+              <a:solidFill>
+                <a:srgbClr val="ABB2BF"/>
+              </a:solidFill>
+              <a:latin typeface="Arial Unicode MS" panose="020B0604020202020204" pitchFamily="34" charset="-122"/>
+            </a:endParaRPr>
+          </a:p>
+          <a:p>
+            <a:pPr lvl="0" defTabSz="914400" eaLnBrk="0" fontAlgn="base" hangingPunct="0">
+              <a:spcBef>
+                <a:spcPct val="0"/>
+              </a:spcBef>
+              <a:spcAft>
+                <a:spcPct val="0"/>
+              </a:spcAft>
+            </a:pPr>
+            <a:r>
+              <a:rPr lang="zh-CN" altLang="zh-CN" sz="1100" dirty="0">
+                <a:solidFill>
+                  <a:srgbClr val="ABB2BF"/>
+                </a:solidFill>
+                <a:latin typeface="Arial Unicode MS" panose="020B0604020202020204" pitchFamily="34" charset="-122"/>
+              </a:rPr>
+              <a:t>    </a:t>
+            </a:r>
+            <a:r>
+              <a:rPr lang="zh-CN" altLang="zh-CN" sz="1100" dirty="0">
+                <a:solidFill>
+                  <a:srgbClr val="C678DD"/>
+                </a:solidFill>
+                <a:latin typeface="Arial Unicode MS" panose="020B0604020202020204" pitchFamily="34" charset="-122"/>
+              </a:rPr>
+              <a:t>def</a:t>
+            </a:r>
+            <a:r>
+              <a:rPr lang="zh-CN" altLang="zh-CN" sz="1100" dirty="0">
+                <a:solidFill>
+                  <a:srgbClr val="ABB2BF"/>
+                </a:solidFill>
+                <a:latin typeface="Arial Unicode MS" panose="020B0604020202020204" pitchFamily="34" charset="-122"/>
+              </a:rPr>
+              <a:t> </a:t>
+            </a:r>
+            <a:r>
+              <a:rPr lang="zh-CN" altLang="zh-CN" sz="1100" dirty="0">
+                <a:solidFill>
+                  <a:srgbClr val="56B6C2"/>
+                </a:solidFill>
+                <a:latin typeface="Arial Unicode MS" panose="020B0604020202020204" pitchFamily="34" charset="-122"/>
+              </a:rPr>
+              <a:t>__new__</a:t>
+            </a:r>
+            <a:r>
+              <a:rPr lang="zh-CN" altLang="zh-CN" sz="1100" dirty="0">
+                <a:solidFill>
+                  <a:srgbClr val="ABB2BF"/>
+                </a:solidFill>
+                <a:latin typeface="Arial Unicode MS" panose="020B0604020202020204" pitchFamily="34" charset="-122"/>
+              </a:rPr>
+              <a:t>(</a:t>
+            </a:r>
+            <a:r>
+              <a:rPr lang="zh-CN" altLang="zh-CN" sz="1100" dirty="0">
+                <a:solidFill>
+                  <a:srgbClr val="D19A66"/>
+                </a:solidFill>
+                <a:latin typeface="Arial Unicode MS" panose="020B0604020202020204" pitchFamily="34" charset="-122"/>
+              </a:rPr>
+              <a:t>cls</a:t>
+            </a:r>
+            <a:r>
+              <a:rPr lang="zh-CN" altLang="zh-CN" sz="1100" dirty="0">
+                <a:solidFill>
+                  <a:srgbClr val="ABB2BF"/>
+                </a:solidFill>
+                <a:latin typeface="Arial Unicode MS" panose="020B0604020202020204" pitchFamily="34" charset="-122"/>
+              </a:rPr>
+              <a:t>):</a:t>
+            </a:r>
+          </a:p>
+          <a:p>
+            <a:pPr lvl="0" defTabSz="914400" eaLnBrk="0" fontAlgn="base" hangingPunct="0">
+              <a:spcBef>
+                <a:spcPct val="0"/>
+              </a:spcBef>
+              <a:spcAft>
+                <a:spcPct val="0"/>
+              </a:spcAft>
+            </a:pPr>
+            <a:r>
+              <a:rPr lang="zh-CN" altLang="zh-CN" sz="1100" dirty="0">
+                <a:solidFill>
+                  <a:srgbClr val="ABB2BF"/>
+                </a:solidFill>
+                <a:latin typeface="Arial Unicode MS" panose="020B0604020202020204" pitchFamily="34" charset="-122"/>
+              </a:rPr>
+              <a:t>        </a:t>
+            </a:r>
+            <a:r>
+              <a:rPr lang="zh-CN" altLang="zh-CN" sz="1100" dirty="0">
+                <a:solidFill>
+                  <a:srgbClr val="C678DD"/>
+                </a:solidFill>
+                <a:latin typeface="Arial Unicode MS" panose="020B0604020202020204" pitchFamily="34" charset="-122"/>
+              </a:rPr>
+              <a:t>if</a:t>
+            </a:r>
+            <a:r>
+              <a:rPr lang="zh-CN" altLang="zh-CN" sz="1100" dirty="0">
+                <a:solidFill>
+                  <a:srgbClr val="ABB2BF"/>
+                </a:solidFill>
+                <a:latin typeface="Arial Unicode MS" panose="020B0604020202020204" pitchFamily="34" charset="-122"/>
+              </a:rPr>
+              <a:t> </a:t>
+            </a:r>
+            <a:r>
+              <a:rPr lang="zh-CN" altLang="zh-CN" sz="1100" dirty="0">
+                <a:solidFill>
+                  <a:srgbClr val="E06C75"/>
+                </a:solidFill>
+                <a:latin typeface="Arial Unicode MS" panose="020B0604020202020204" pitchFamily="34" charset="-122"/>
+              </a:rPr>
+              <a:t>cls</a:t>
+            </a:r>
+            <a:r>
+              <a:rPr lang="zh-CN" altLang="zh-CN" sz="1100" dirty="0">
+                <a:solidFill>
+                  <a:srgbClr val="ABB2BF"/>
+                </a:solidFill>
+                <a:latin typeface="Arial Unicode MS" panose="020B0604020202020204" pitchFamily="34" charset="-122"/>
+              </a:rPr>
+              <a:t>.</a:t>
+            </a:r>
+            <a:r>
+              <a:rPr lang="zh-CN" altLang="zh-CN" sz="1100" dirty="0">
+                <a:solidFill>
+                  <a:srgbClr val="E06C75"/>
+                </a:solidFill>
+                <a:latin typeface="Arial Unicode MS" panose="020B0604020202020204" pitchFamily="34" charset="-122"/>
+              </a:rPr>
+              <a:t>__spark</a:t>
+            </a:r>
+            <a:r>
+              <a:rPr lang="zh-CN" altLang="zh-CN" sz="1100" dirty="0">
+                <a:solidFill>
+                  <a:srgbClr val="ABB2BF"/>
+                </a:solidFill>
+                <a:latin typeface="Arial Unicode MS" panose="020B0604020202020204" pitchFamily="34" charset="-122"/>
+              </a:rPr>
+              <a:t> </a:t>
+            </a:r>
+            <a:r>
+              <a:rPr lang="zh-CN" altLang="zh-CN" sz="1100" dirty="0">
+                <a:solidFill>
+                  <a:srgbClr val="C678DD"/>
+                </a:solidFill>
+                <a:latin typeface="Arial Unicode MS" panose="020B0604020202020204" pitchFamily="34" charset="-122"/>
+              </a:rPr>
+              <a:t>is</a:t>
+            </a:r>
+            <a:r>
+              <a:rPr lang="zh-CN" altLang="zh-CN" sz="1100" dirty="0">
+                <a:solidFill>
+                  <a:srgbClr val="ABB2BF"/>
+                </a:solidFill>
+                <a:latin typeface="Arial Unicode MS" panose="020B0604020202020204" pitchFamily="34" charset="-122"/>
+              </a:rPr>
+              <a:t> </a:t>
+            </a:r>
+            <a:r>
+              <a:rPr lang="zh-CN" altLang="zh-CN" sz="1100" dirty="0">
+                <a:solidFill>
+                  <a:srgbClr val="D19A66"/>
+                </a:solidFill>
+                <a:latin typeface="Arial Unicode MS" panose="020B0604020202020204" pitchFamily="34" charset="-122"/>
+              </a:rPr>
+              <a:t>None</a:t>
+            </a:r>
+            <a:r>
+              <a:rPr lang="zh-CN" altLang="zh-CN" sz="1100" dirty="0">
+                <a:solidFill>
+                  <a:srgbClr val="ABB2BF"/>
+                </a:solidFill>
+                <a:latin typeface="Arial Unicode MS" panose="020B0604020202020204" pitchFamily="34" charset="-122"/>
+              </a:rPr>
+              <a:t>:</a:t>
+            </a:r>
+          </a:p>
+          <a:p>
+            <a:pPr lvl="0" defTabSz="914400" eaLnBrk="0" fontAlgn="base" hangingPunct="0">
+              <a:spcBef>
+                <a:spcPct val="0"/>
+              </a:spcBef>
+              <a:spcAft>
+                <a:spcPct val="0"/>
+              </a:spcAft>
+            </a:pPr>
+            <a:r>
+              <a:rPr lang="zh-CN" altLang="zh-CN" sz="1100" dirty="0">
+                <a:solidFill>
+                  <a:srgbClr val="ABB2BF"/>
+                </a:solidFill>
+                <a:latin typeface="Arial Unicode MS" panose="020B0604020202020204" pitchFamily="34" charset="-122"/>
+              </a:rPr>
+              <a:t>            </a:t>
+            </a:r>
+            <a:r>
+              <a:rPr lang="zh-CN" altLang="zh-CN" sz="1100" dirty="0">
+                <a:solidFill>
+                  <a:srgbClr val="E06C75"/>
+                </a:solidFill>
+                <a:latin typeface="Arial Unicode MS" panose="020B0604020202020204" pitchFamily="34" charset="-122"/>
+              </a:rPr>
+              <a:t>cls</a:t>
+            </a:r>
+            <a:r>
+              <a:rPr lang="zh-CN" altLang="zh-CN" sz="1100" dirty="0">
+                <a:solidFill>
+                  <a:srgbClr val="ABB2BF"/>
+                </a:solidFill>
+                <a:latin typeface="Arial Unicode MS" panose="020B0604020202020204" pitchFamily="34" charset="-122"/>
+              </a:rPr>
+              <a:t>.</a:t>
+            </a:r>
+            <a:r>
+              <a:rPr lang="zh-CN" altLang="zh-CN" sz="1100" dirty="0">
+                <a:solidFill>
+                  <a:srgbClr val="E06C75"/>
+                </a:solidFill>
+                <a:latin typeface="Arial Unicode MS" panose="020B0604020202020204" pitchFamily="34" charset="-122"/>
+              </a:rPr>
+              <a:t>__spark</a:t>
+            </a:r>
+            <a:r>
+              <a:rPr lang="zh-CN" altLang="zh-CN" sz="1100" dirty="0">
+                <a:solidFill>
+                  <a:srgbClr val="ABB2BF"/>
+                </a:solidFill>
+                <a:latin typeface="Arial Unicode MS" panose="020B0604020202020204" pitchFamily="34" charset="-122"/>
+              </a:rPr>
+              <a:t> =  SparkSession \ </a:t>
+            </a:r>
+          </a:p>
+          <a:p>
+            <a:pPr lvl="0" defTabSz="914400" eaLnBrk="0" fontAlgn="base" hangingPunct="0">
+              <a:spcBef>
+                <a:spcPct val="0"/>
+              </a:spcBef>
+              <a:spcAft>
+                <a:spcPct val="0"/>
+              </a:spcAft>
+            </a:pPr>
+            <a:r>
+              <a:rPr lang="zh-CN" altLang="zh-CN" sz="1100" dirty="0">
+                <a:solidFill>
+                  <a:srgbClr val="ABB2BF"/>
+                </a:solidFill>
+                <a:latin typeface="Arial Unicode MS" panose="020B0604020202020204" pitchFamily="34" charset="-122"/>
+              </a:rPr>
+              <a:t>                                .</a:t>
+            </a:r>
+            <a:r>
+              <a:rPr lang="zh-CN" altLang="zh-CN" sz="1100" dirty="0">
+                <a:solidFill>
+                  <a:srgbClr val="E06C75"/>
+                </a:solidFill>
+                <a:latin typeface="Arial Unicode MS" panose="020B0604020202020204" pitchFamily="34" charset="-122"/>
+              </a:rPr>
+              <a:t>builder</a:t>
+            </a:r>
+            <a:r>
+              <a:rPr lang="zh-CN" altLang="zh-CN" sz="1100" dirty="0">
+                <a:solidFill>
+                  <a:srgbClr val="ABB2BF"/>
+                </a:solidFill>
+                <a:latin typeface="Arial Unicode MS" panose="020B0604020202020204" pitchFamily="34" charset="-122"/>
+              </a:rPr>
+              <a:t> \ </a:t>
+            </a:r>
+          </a:p>
+          <a:p>
+            <a:pPr lvl="0" defTabSz="914400" eaLnBrk="0" fontAlgn="base" hangingPunct="0">
+              <a:spcBef>
+                <a:spcPct val="0"/>
+              </a:spcBef>
+              <a:spcAft>
+                <a:spcPct val="0"/>
+              </a:spcAft>
+            </a:pPr>
+            <a:r>
+              <a:rPr lang="zh-CN" altLang="zh-CN" sz="1100" dirty="0">
+                <a:solidFill>
+                  <a:srgbClr val="ABB2BF"/>
+                </a:solidFill>
+                <a:latin typeface="Arial Unicode MS" panose="020B0604020202020204" pitchFamily="34" charset="-122"/>
+              </a:rPr>
+              <a:t>                                .</a:t>
+            </a:r>
+            <a:r>
+              <a:rPr lang="zh-CN" altLang="zh-CN" sz="1100" dirty="0">
+                <a:solidFill>
+                  <a:srgbClr val="61AFEF"/>
+                </a:solidFill>
+                <a:latin typeface="Arial Unicode MS" panose="020B0604020202020204" pitchFamily="34" charset="-122"/>
+              </a:rPr>
+              <a:t>appName</a:t>
+            </a:r>
+            <a:r>
+              <a:rPr lang="zh-CN" altLang="zh-CN" sz="1100" dirty="0">
+                <a:solidFill>
+                  <a:srgbClr val="ABB2BF"/>
+                </a:solidFill>
+                <a:latin typeface="Arial Unicode MS" panose="020B0604020202020204" pitchFamily="34" charset="-122"/>
+              </a:rPr>
+              <a:t>(</a:t>
+            </a:r>
+            <a:r>
+              <a:rPr lang="zh-CN" altLang="zh-CN" sz="1100" dirty="0">
+                <a:solidFill>
+                  <a:srgbClr val="98C379"/>
+                </a:solidFill>
+                <a:latin typeface="Arial Unicode MS" panose="020B0604020202020204" pitchFamily="34" charset="-122"/>
+              </a:rPr>
+              <a:t>"20180227_wsm"</a:t>
+            </a:r>
+            <a:r>
+              <a:rPr lang="zh-CN" altLang="zh-CN" sz="1100" dirty="0">
+                <a:solidFill>
+                  <a:srgbClr val="ABB2BF"/>
+                </a:solidFill>
+                <a:latin typeface="Arial Unicode MS" panose="020B0604020202020204" pitchFamily="34" charset="-122"/>
+              </a:rPr>
+              <a:t>) \ </a:t>
+            </a:r>
+          </a:p>
+          <a:p>
+            <a:pPr lvl="0" defTabSz="914400" eaLnBrk="0" fontAlgn="base" hangingPunct="0">
+              <a:spcBef>
+                <a:spcPct val="0"/>
+              </a:spcBef>
+              <a:spcAft>
+                <a:spcPct val="0"/>
+              </a:spcAft>
+            </a:pPr>
+            <a:r>
+              <a:rPr lang="zh-CN" altLang="zh-CN" sz="1100" dirty="0">
+                <a:solidFill>
+                  <a:srgbClr val="ABB2BF"/>
+                </a:solidFill>
+                <a:latin typeface="Arial Unicode MS" panose="020B0604020202020204" pitchFamily="34" charset="-122"/>
+              </a:rPr>
+              <a:t>                                .</a:t>
+            </a:r>
+            <a:r>
+              <a:rPr lang="zh-CN" altLang="zh-CN" sz="1100" dirty="0">
+                <a:solidFill>
+                  <a:srgbClr val="61AFEF"/>
+                </a:solidFill>
+                <a:latin typeface="Arial Unicode MS" panose="020B0604020202020204" pitchFamily="34" charset="-122"/>
+              </a:rPr>
+              <a:t>enableHiveSupport</a:t>
+            </a:r>
+            <a:r>
+              <a:rPr lang="zh-CN" altLang="zh-CN" sz="1100" dirty="0">
+                <a:solidFill>
+                  <a:srgbClr val="ABB2BF"/>
+                </a:solidFill>
+                <a:latin typeface="Arial Unicode MS" panose="020B0604020202020204" pitchFamily="34" charset="-122"/>
+              </a:rPr>
+              <a:t>() \ </a:t>
+            </a:r>
+          </a:p>
+          <a:p>
+            <a:pPr lvl="0" defTabSz="914400" eaLnBrk="0" fontAlgn="base" hangingPunct="0">
+              <a:spcBef>
+                <a:spcPct val="0"/>
+              </a:spcBef>
+              <a:spcAft>
+                <a:spcPct val="0"/>
+              </a:spcAft>
+            </a:pPr>
+            <a:r>
+              <a:rPr lang="zh-CN" altLang="zh-CN" sz="1100" dirty="0">
+                <a:solidFill>
+                  <a:srgbClr val="ABB2BF"/>
+                </a:solidFill>
+                <a:latin typeface="Arial Unicode MS" panose="020B0604020202020204" pitchFamily="34" charset="-122"/>
+              </a:rPr>
+              <a:t>                                .</a:t>
+            </a:r>
+            <a:r>
+              <a:rPr lang="zh-CN" altLang="zh-CN" sz="1100" dirty="0">
+                <a:solidFill>
+                  <a:srgbClr val="61AFEF"/>
+                </a:solidFill>
+                <a:latin typeface="Arial Unicode MS" panose="020B0604020202020204" pitchFamily="34" charset="-122"/>
+              </a:rPr>
+              <a:t>getOrCreate</a:t>
+            </a:r>
+            <a:r>
+              <a:rPr lang="zh-CN" altLang="zh-CN" sz="1100" dirty="0">
+                <a:solidFill>
+                  <a:srgbClr val="ABB2BF"/>
+                </a:solidFill>
+                <a:latin typeface="Arial Unicode MS" panose="020B0604020202020204" pitchFamily="34" charset="-122"/>
+              </a:rPr>
+              <a:t>()</a:t>
+            </a:r>
+          </a:p>
+          <a:p>
+            <a:pPr lvl="0" defTabSz="914400" eaLnBrk="0" fontAlgn="base" hangingPunct="0">
+              <a:spcBef>
+                <a:spcPct val="0"/>
+              </a:spcBef>
+              <a:spcAft>
+                <a:spcPct val="0"/>
+              </a:spcAft>
+            </a:pPr>
+            <a:r>
+              <a:rPr lang="zh-CN" altLang="zh-CN" sz="1100" dirty="0">
+                <a:solidFill>
+                  <a:srgbClr val="ABB2BF"/>
+                </a:solidFill>
+                <a:latin typeface="Arial Unicode MS" panose="020B0604020202020204" pitchFamily="34" charset="-122"/>
+              </a:rPr>
+              <a:t>            </a:t>
+            </a:r>
+            <a:r>
+              <a:rPr lang="zh-CN" altLang="zh-CN" sz="1100" dirty="0">
+                <a:solidFill>
+                  <a:srgbClr val="C678DD"/>
+                </a:solidFill>
+                <a:latin typeface="Arial Unicode MS" panose="020B0604020202020204" pitchFamily="34" charset="-122"/>
+              </a:rPr>
+              <a:t>return</a:t>
+            </a:r>
+            <a:r>
+              <a:rPr lang="zh-CN" altLang="zh-CN" sz="1100" dirty="0">
+                <a:solidFill>
+                  <a:srgbClr val="ABB2BF"/>
+                </a:solidFill>
+                <a:latin typeface="Arial Unicode MS" panose="020B0604020202020204" pitchFamily="34" charset="-122"/>
+              </a:rPr>
+              <a:t> </a:t>
+            </a:r>
+            <a:r>
+              <a:rPr lang="zh-CN" altLang="zh-CN" sz="1100" dirty="0">
+                <a:solidFill>
+                  <a:srgbClr val="E06C75"/>
+                </a:solidFill>
+                <a:latin typeface="Arial Unicode MS" panose="020B0604020202020204" pitchFamily="34" charset="-122"/>
+              </a:rPr>
+              <a:t>cls</a:t>
+            </a:r>
+            <a:r>
+              <a:rPr lang="zh-CN" altLang="zh-CN" sz="1100" dirty="0">
+                <a:solidFill>
+                  <a:srgbClr val="ABB2BF"/>
+                </a:solidFill>
+                <a:latin typeface="Arial Unicode MS" panose="020B0604020202020204" pitchFamily="34" charset="-122"/>
+              </a:rPr>
+              <a:t>.</a:t>
+            </a:r>
+            <a:r>
+              <a:rPr lang="zh-CN" altLang="zh-CN" sz="1100" dirty="0">
+                <a:solidFill>
+                  <a:srgbClr val="E06C75"/>
+                </a:solidFill>
+                <a:latin typeface="Arial Unicode MS" panose="020B0604020202020204" pitchFamily="34" charset="-122"/>
+              </a:rPr>
+              <a:t>__spark</a:t>
+            </a:r>
+            <a:endParaRPr lang="zh-CN" altLang="zh-CN" sz="1100" dirty="0">
+              <a:solidFill>
+                <a:srgbClr val="ABB2BF"/>
+              </a:solidFill>
+              <a:latin typeface="Arial Unicode MS" panose="020B0604020202020204" pitchFamily="34" charset="-122"/>
+            </a:endParaRPr>
+          </a:p>
+          <a:p>
+            <a:pPr lvl="0" defTabSz="914400" eaLnBrk="0" fontAlgn="base" hangingPunct="0">
+              <a:spcBef>
+                <a:spcPct val="0"/>
+              </a:spcBef>
+              <a:spcAft>
+                <a:spcPct val="0"/>
+              </a:spcAft>
+            </a:pPr>
+            <a:r>
+              <a:rPr lang="zh-CN" altLang="zh-CN" sz="1100" dirty="0">
+                <a:solidFill>
+                  <a:srgbClr val="ABB2BF"/>
+                </a:solidFill>
+                <a:latin typeface="Arial Unicode MS" panose="020B0604020202020204" pitchFamily="34" charset="-122"/>
+              </a:rPr>
+              <a:t>        </a:t>
+            </a:r>
+            <a:r>
+              <a:rPr lang="zh-CN" altLang="zh-CN" sz="1100" dirty="0">
+                <a:solidFill>
+                  <a:srgbClr val="C678DD"/>
+                </a:solidFill>
+                <a:latin typeface="Arial Unicode MS" panose="020B0604020202020204" pitchFamily="34" charset="-122"/>
+              </a:rPr>
+              <a:t>else</a:t>
+            </a:r>
+            <a:r>
+              <a:rPr lang="zh-CN" altLang="zh-CN" sz="1100" dirty="0">
+                <a:solidFill>
+                  <a:srgbClr val="ABB2BF"/>
+                </a:solidFill>
+                <a:latin typeface="Arial Unicode MS" panose="020B0604020202020204" pitchFamily="34" charset="-122"/>
+              </a:rPr>
+              <a:t>:</a:t>
+            </a:r>
+          </a:p>
+          <a:p>
+            <a:pPr lvl="0" defTabSz="914400" eaLnBrk="0" fontAlgn="base" hangingPunct="0">
+              <a:spcBef>
+                <a:spcPct val="0"/>
+              </a:spcBef>
+              <a:spcAft>
+                <a:spcPct val="0"/>
+              </a:spcAft>
+            </a:pPr>
+            <a:r>
+              <a:rPr lang="zh-CN" altLang="zh-CN" sz="1100" dirty="0">
+                <a:solidFill>
+                  <a:srgbClr val="ABB2BF"/>
+                </a:solidFill>
+                <a:latin typeface="Arial Unicode MS" panose="020B0604020202020204" pitchFamily="34" charset="-122"/>
+              </a:rPr>
+              <a:t>            </a:t>
+            </a:r>
+            <a:r>
+              <a:rPr lang="zh-CN" altLang="zh-CN" sz="1100" dirty="0">
+                <a:solidFill>
+                  <a:srgbClr val="C678DD"/>
+                </a:solidFill>
+                <a:latin typeface="Arial Unicode MS" panose="020B0604020202020204" pitchFamily="34" charset="-122"/>
+              </a:rPr>
+              <a:t>try</a:t>
+            </a:r>
+            <a:r>
+              <a:rPr lang="zh-CN" altLang="zh-CN" sz="1100" dirty="0">
+                <a:solidFill>
+                  <a:srgbClr val="ABB2BF"/>
+                </a:solidFill>
+                <a:latin typeface="Arial Unicode MS" panose="020B0604020202020204" pitchFamily="34" charset="-122"/>
+              </a:rPr>
+              <a:t>:</a:t>
+            </a:r>
+          </a:p>
+          <a:p>
+            <a:pPr lvl="0" defTabSz="914400" eaLnBrk="0" fontAlgn="base" hangingPunct="0">
+              <a:spcBef>
+                <a:spcPct val="0"/>
+              </a:spcBef>
+              <a:spcAft>
+                <a:spcPct val="0"/>
+              </a:spcAft>
+            </a:pPr>
+            <a:r>
+              <a:rPr lang="zh-CN" altLang="zh-CN" sz="1100" dirty="0">
+                <a:solidFill>
+                  <a:srgbClr val="ABB2BF"/>
+                </a:solidFill>
+                <a:latin typeface="Arial Unicode MS" panose="020B0604020202020204" pitchFamily="34" charset="-122"/>
+              </a:rPr>
+              <a:t>                </a:t>
+            </a:r>
+            <a:r>
+              <a:rPr lang="zh-CN" altLang="zh-CN" sz="1100" dirty="0">
+                <a:solidFill>
+                  <a:srgbClr val="E06C75"/>
+                </a:solidFill>
+                <a:latin typeface="Arial Unicode MS" panose="020B0604020202020204" pitchFamily="34" charset="-122"/>
+              </a:rPr>
+              <a:t>cls</a:t>
+            </a:r>
+            <a:r>
+              <a:rPr lang="zh-CN" altLang="zh-CN" sz="1100" dirty="0">
+                <a:solidFill>
+                  <a:srgbClr val="ABB2BF"/>
+                </a:solidFill>
+                <a:latin typeface="Arial Unicode MS" panose="020B0604020202020204" pitchFamily="34" charset="-122"/>
+              </a:rPr>
+              <a:t>.</a:t>
+            </a:r>
+            <a:r>
+              <a:rPr lang="zh-CN" altLang="zh-CN" sz="1100" dirty="0">
+                <a:solidFill>
+                  <a:srgbClr val="E06C75"/>
+                </a:solidFill>
+                <a:latin typeface="Arial Unicode MS" panose="020B0604020202020204" pitchFamily="34" charset="-122"/>
+              </a:rPr>
+              <a:t>__spark</a:t>
+            </a:r>
+            <a:r>
+              <a:rPr lang="zh-CN" altLang="zh-CN" sz="1100" dirty="0">
+                <a:solidFill>
+                  <a:srgbClr val="ABB2BF"/>
+                </a:solidFill>
+                <a:latin typeface="Arial Unicode MS" panose="020B0604020202020204" pitchFamily="34" charset="-122"/>
+              </a:rPr>
+              <a:t>.</a:t>
+            </a:r>
+            <a:r>
+              <a:rPr lang="zh-CN" altLang="zh-CN" sz="1100" dirty="0">
+                <a:solidFill>
+                  <a:srgbClr val="61AFEF"/>
+                </a:solidFill>
+                <a:latin typeface="Arial Unicode MS" panose="020B0604020202020204" pitchFamily="34" charset="-122"/>
+              </a:rPr>
+              <a:t>sql</a:t>
+            </a:r>
+            <a:r>
+              <a:rPr lang="zh-CN" altLang="zh-CN" sz="1100" dirty="0">
+                <a:solidFill>
+                  <a:srgbClr val="ABB2BF"/>
+                </a:solidFill>
+                <a:latin typeface="Arial Unicode MS" panose="020B0604020202020204" pitchFamily="34" charset="-122"/>
+              </a:rPr>
+              <a:t>(</a:t>
+            </a:r>
+            <a:r>
+              <a:rPr lang="zh-CN" altLang="zh-CN" sz="1100" dirty="0">
+                <a:solidFill>
+                  <a:srgbClr val="98C379"/>
+                </a:solidFill>
+                <a:latin typeface="Arial Unicode MS" panose="020B0604020202020204" pitchFamily="34" charset="-122"/>
+              </a:rPr>
+              <a:t>"""select 1"""</a:t>
+            </a:r>
+            <a:r>
+              <a:rPr lang="zh-CN" altLang="zh-CN" sz="1100" dirty="0">
+                <a:solidFill>
+                  <a:srgbClr val="ABB2BF"/>
+                </a:solidFill>
+                <a:latin typeface="Arial Unicode MS" panose="020B0604020202020204" pitchFamily="34" charset="-122"/>
+              </a:rPr>
+              <a:t>).</a:t>
+            </a:r>
+            <a:r>
+              <a:rPr lang="zh-CN" altLang="zh-CN" sz="1100" dirty="0">
+                <a:solidFill>
+                  <a:srgbClr val="61AFEF"/>
+                </a:solidFill>
+                <a:latin typeface="Arial Unicode MS" panose="020B0604020202020204" pitchFamily="34" charset="-122"/>
+              </a:rPr>
+              <a:t>toPandas</a:t>
+            </a:r>
+            <a:r>
+              <a:rPr lang="zh-CN" altLang="zh-CN" sz="1100" dirty="0">
+                <a:solidFill>
+                  <a:srgbClr val="ABB2BF"/>
+                </a:solidFill>
+                <a:latin typeface="Arial Unicode MS" panose="020B0604020202020204" pitchFamily="34" charset="-122"/>
+              </a:rPr>
+              <a:t>()</a:t>
+            </a:r>
+          </a:p>
+          <a:p>
+            <a:pPr lvl="0" defTabSz="914400" eaLnBrk="0" fontAlgn="base" hangingPunct="0">
+              <a:spcBef>
+                <a:spcPct val="0"/>
+              </a:spcBef>
+              <a:spcAft>
+                <a:spcPct val="0"/>
+              </a:spcAft>
+            </a:pPr>
+            <a:r>
+              <a:rPr lang="zh-CN" altLang="zh-CN" sz="1100" dirty="0">
+                <a:solidFill>
+                  <a:srgbClr val="ABB2BF"/>
+                </a:solidFill>
+                <a:latin typeface="Arial Unicode MS" panose="020B0604020202020204" pitchFamily="34" charset="-122"/>
+              </a:rPr>
+              <a:t>            </a:t>
+            </a:r>
+            <a:r>
+              <a:rPr lang="zh-CN" altLang="zh-CN" sz="1100" dirty="0">
+                <a:solidFill>
+                  <a:srgbClr val="C678DD"/>
+                </a:solidFill>
+                <a:latin typeface="Arial Unicode MS" panose="020B0604020202020204" pitchFamily="34" charset="-122"/>
+              </a:rPr>
+              <a:t>except</a:t>
+            </a:r>
+            <a:r>
+              <a:rPr lang="zh-CN" altLang="zh-CN" sz="1100" dirty="0">
+                <a:solidFill>
+                  <a:srgbClr val="ABB2BF"/>
+                </a:solidFill>
+                <a:latin typeface="Arial Unicode MS" panose="020B0604020202020204" pitchFamily="34" charset="-122"/>
+              </a:rPr>
+              <a:t> Exception:</a:t>
+            </a:r>
+          </a:p>
+          <a:p>
+            <a:pPr lvl="0" defTabSz="914400" eaLnBrk="0" fontAlgn="base" hangingPunct="0">
+              <a:spcBef>
+                <a:spcPct val="0"/>
+              </a:spcBef>
+              <a:spcAft>
+                <a:spcPct val="0"/>
+              </a:spcAft>
+            </a:pPr>
+            <a:r>
+              <a:rPr lang="zh-CN" altLang="zh-CN" sz="1100" dirty="0">
+                <a:solidFill>
+                  <a:srgbClr val="ABB2BF"/>
+                </a:solidFill>
+                <a:latin typeface="Arial Unicode MS" panose="020B0604020202020204" pitchFamily="34" charset="-122"/>
+              </a:rPr>
+              <a:t>                </a:t>
+            </a:r>
+            <a:r>
+              <a:rPr lang="zh-CN" altLang="zh-CN" sz="1100" dirty="0">
+                <a:solidFill>
+                  <a:srgbClr val="E06C75"/>
+                </a:solidFill>
+                <a:latin typeface="Arial Unicode MS" panose="020B0604020202020204" pitchFamily="34" charset="-122"/>
+              </a:rPr>
+              <a:t>cls</a:t>
+            </a:r>
+            <a:r>
+              <a:rPr lang="zh-CN" altLang="zh-CN" sz="1100" dirty="0">
+                <a:solidFill>
+                  <a:srgbClr val="ABB2BF"/>
+                </a:solidFill>
+                <a:latin typeface="Arial Unicode MS" panose="020B0604020202020204" pitchFamily="34" charset="-122"/>
+              </a:rPr>
+              <a:t>.</a:t>
+            </a:r>
+            <a:r>
+              <a:rPr lang="zh-CN" altLang="zh-CN" sz="1100" dirty="0">
+                <a:solidFill>
+                  <a:srgbClr val="E06C75"/>
+                </a:solidFill>
+                <a:latin typeface="Arial Unicode MS" panose="020B0604020202020204" pitchFamily="34" charset="-122"/>
+              </a:rPr>
+              <a:t>__spark</a:t>
+            </a:r>
+            <a:r>
+              <a:rPr lang="zh-CN" altLang="zh-CN" sz="1100" dirty="0">
+                <a:solidFill>
+                  <a:srgbClr val="ABB2BF"/>
+                </a:solidFill>
+                <a:latin typeface="Arial Unicode MS" panose="020B0604020202020204" pitchFamily="34" charset="-122"/>
+              </a:rPr>
+              <a:t> = SparkSession \ </a:t>
+            </a:r>
+          </a:p>
+          <a:p>
+            <a:pPr lvl="0" defTabSz="914400" eaLnBrk="0" fontAlgn="base" hangingPunct="0">
+              <a:spcBef>
+                <a:spcPct val="0"/>
+              </a:spcBef>
+              <a:spcAft>
+                <a:spcPct val="0"/>
+              </a:spcAft>
+            </a:pPr>
+            <a:r>
+              <a:rPr lang="zh-CN" altLang="zh-CN" sz="1100" dirty="0">
+                <a:solidFill>
+                  <a:srgbClr val="ABB2BF"/>
+                </a:solidFill>
+                <a:latin typeface="Arial Unicode MS" panose="020B0604020202020204" pitchFamily="34" charset="-122"/>
+              </a:rPr>
+              <a:t>                            .</a:t>
+            </a:r>
+            <a:r>
+              <a:rPr lang="zh-CN" altLang="zh-CN" sz="1100" dirty="0">
+                <a:solidFill>
+                  <a:srgbClr val="E06C75"/>
+                </a:solidFill>
+                <a:latin typeface="Arial Unicode MS" panose="020B0604020202020204" pitchFamily="34" charset="-122"/>
+              </a:rPr>
+              <a:t>builder</a:t>
+            </a:r>
+            <a:r>
+              <a:rPr lang="zh-CN" altLang="zh-CN" sz="1100" dirty="0">
+                <a:solidFill>
+                  <a:srgbClr val="ABB2BF"/>
+                </a:solidFill>
+                <a:latin typeface="Arial Unicode MS" panose="020B0604020202020204" pitchFamily="34" charset="-122"/>
+              </a:rPr>
+              <a:t> \ </a:t>
+            </a:r>
+          </a:p>
+          <a:p>
+            <a:pPr lvl="0" defTabSz="914400" eaLnBrk="0" fontAlgn="base" hangingPunct="0">
+              <a:spcBef>
+                <a:spcPct val="0"/>
+              </a:spcBef>
+              <a:spcAft>
+                <a:spcPct val="0"/>
+              </a:spcAft>
+            </a:pPr>
+            <a:r>
+              <a:rPr lang="zh-CN" altLang="zh-CN" sz="1100" dirty="0">
+                <a:solidFill>
+                  <a:srgbClr val="ABB2BF"/>
+                </a:solidFill>
+                <a:latin typeface="Arial Unicode MS" panose="020B0604020202020204" pitchFamily="34" charset="-122"/>
+              </a:rPr>
+              <a:t>                            .</a:t>
+            </a:r>
+            <a:r>
+              <a:rPr lang="zh-CN" altLang="zh-CN" sz="1100" dirty="0">
+                <a:solidFill>
+                  <a:srgbClr val="61AFEF"/>
+                </a:solidFill>
+                <a:latin typeface="Arial Unicode MS" panose="020B0604020202020204" pitchFamily="34" charset="-122"/>
+              </a:rPr>
+              <a:t>appName</a:t>
+            </a:r>
+            <a:r>
+              <a:rPr lang="zh-CN" altLang="zh-CN" sz="1100" dirty="0">
+                <a:solidFill>
+                  <a:srgbClr val="ABB2BF"/>
+                </a:solidFill>
+                <a:latin typeface="Arial Unicode MS" panose="020B0604020202020204" pitchFamily="34" charset="-122"/>
+              </a:rPr>
+              <a:t>(</a:t>
+            </a:r>
+            <a:r>
+              <a:rPr lang="zh-CN" altLang="zh-CN" sz="1100" dirty="0">
+                <a:solidFill>
+                  <a:srgbClr val="98C379"/>
+                </a:solidFill>
+                <a:latin typeface="Arial Unicode MS" panose="020B0604020202020204" pitchFamily="34" charset="-122"/>
+              </a:rPr>
+              <a:t>"20180227_wsm"</a:t>
+            </a:r>
+            <a:r>
+              <a:rPr lang="zh-CN" altLang="zh-CN" sz="1100" dirty="0">
+                <a:solidFill>
+                  <a:srgbClr val="ABB2BF"/>
+                </a:solidFill>
+                <a:latin typeface="Arial Unicode MS" panose="020B0604020202020204" pitchFamily="34" charset="-122"/>
+              </a:rPr>
+              <a:t>) \ </a:t>
+            </a:r>
+          </a:p>
+          <a:p>
+            <a:pPr lvl="0" defTabSz="914400" eaLnBrk="0" fontAlgn="base" hangingPunct="0">
+              <a:spcBef>
+                <a:spcPct val="0"/>
+              </a:spcBef>
+              <a:spcAft>
+                <a:spcPct val="0"/>
+              </a:spcAft>
+            </a:pPr>
+            <a:r>
+              <a:rPr lang="zh-CN" altLang="zh-CN" sz="1100" dirty="0">
+                <a:solidFill>
+                  <a:srgbClr val="ABB2BF"/>
+                </a:solidFill>
+                <a:latin typeface="Arial Unicode MS" panose="020B0604020202020204" pitchFamily="34" charset="-122"/>
+              </a:rPr>
+              <a:t>                            .</a:t>
+            </a:r>
+            <a:r>
+              <a:rPr lang="zh-CN" altLang="zh-CN" sz="1100" dirty="0">
+                <a:solidFill>
+                  <a:srgbClr val="61AFEF"/>
+                </a:solidFill>
+                <a:latin typeface="Arial Unicode MS" panose="020B0604020202020204" pitchFamily="34" charset="-122"/>
+              </a:rPr>
+              <a:t>enableHiveSupport</a:t>
+            </a:r>
+            <a:r>
+              <a:rPr lang="zh-CN" altLang="zh-CN" sz="1100" dirty="0">
+                <a:solidFill>
+                  <a:srgbClr val="ABB2BF"/>
+                </a:solidFill>
+                <a:latin typeface="Arial Unicode MS" panose="020B0604020202020204" pitchFamily="34" charset="-122"/>
+              </a:rPr>
+              <a:t>() \ </a:t>
+            </a:r>
+          </a:p>
+          <a:p>
+            <a:pPr lvl="0" defTabSz="914400" eaLnBrk="0" fontAlgn="base" hangingPunct="0">
+              <a:spcBef>
+                <a:spcPct val="0"/>
+              </a:spcBef>
+              <a:spcAft>
+                <a:spcPct val="0"/>
+              </a:spcAft>
+            </a:pPr>
+            <a:r>
+              <a:rPr lang="zh-CN" altLang="zh-CN" sz="1100" dirty="0">
+                <a:solidFill>
+                  <a:srgbClr val="ABB2BF"/>
+                </a:solidFill>
+                <a:latin typeface="Arial Unicode MS" panose="020B0604020202020204" pitchFamily="34" charset="-122"/>
+              </a:rPr>
+              <a:t>                            .</a:t>
+            </a:r>
+            <a:r>
+              <a:rPr lang="zh-CN" altLang="zh-CN" sz="1100" dirty="0">
+                <a:solidFill>
+                  <a:srgbClr val="61AFEF"/>
+                </a:solidFill>
+                <a:latin typeface="Arial Unicode MS" panose="020B0604020202020204" pitchFamily="34" charset="-122"/>
+              </a:rPr>
+              <a:t>getOrCreate</a:t>
+            </a:r>
+            <a:r>
+              <a:rPr lang="zh-CN" altLang="zh-CN" sz="1100" dirty="0">
+                <a:solidFill>
+                  <a:srgbClr val="ABB2BF"/>
+                </a:solidFill>
+                <a:latin typeface="Arial Unicode MS" panose="020B0604020202020204" pitchFamily="34" charset="-122"/>
+              </a:rPr>
+              <a:t>()</a:t>
+            </a:r>
+          </a:p>
+          <a:p>
+            <a:pPr lvl="0" defTabSz="914400" eaLnBrk="0" fontAlgn="base" hangingPunct="0">
+              <a:spcBef>
+                <a:spcPct val="0"/>
+              </a:spcBef>
+              <a:spcAft>
+                <a:spcPct val="0"/>
+              </a:spcAft>
+            </a:pPr>
+            <a:r>
+              <a:rPr lang="zh-CN" altLang="zh-CN" sz="1100" dirty="0">
+                <a:solidFill>
+                  <a:srgbClr val="ABB2BF"/>
+                </a:solidFill>
+                <a:latin typeface="Arial Unicode MS" panose="020B0604020202020204" pitchFamily="34" charset="-122"/>
+              </a:rPr>
+              <a:t>                </a:t>
+            </a:r>
+            <a:r>
+              <a:rPr lang="zh-CN" altLang="zh-CN" sz="1100" dirty="0">
+                <a:solidFill>
+                  <a:srgbClr val="C678DD"/>
+                </a:solidFill>
+                <a:latin typeface="Arial Unicode MS" panose="020B0604020202020204" pitchFamily="34" charset="-122"/>
+              </a:rPr>
+              <a:t>return</a:t>
+            </a:r>
+            <a:r>
+              <a:rPr lang="zh-CN" altLang="zh-CN" sz="1100" dirty="0">
+                <a:solidFill>
+                  <a:srgbClr val="ABB2BF"/>
+                </a:solidFill>
+                <a:latin typeface="Arial Unicode MS" panose="020B0604020202020204" pitchFamily="34" charset="-122"/>
+              </a:rPr>
+              <a:t> </a:t>
+            </a:r>
+            <a:r>
+              <a:rPr lang="zh-CN" altLang="zh-CN" sz="1100" dirty="0">
+                <a:solidFill>
+                  <a:srgbClr val="E06C75"/>
+                </a:solidFill>
+                <a:latin typeface="Arial Unicode MS" panose="020B0604020202020204" pitchFamily="34" charset="-122"/>
+              </a:rPr>
+              <a:t>cls</a:t>
+            </a:r>
+            <a:r>
+              <a:rPr lang="zh-CN" altLang="zh-CN" sz="1100" dirty="0">
+                <a:solidFill>
+                  <a:srgbClr val="ABB2BF"/>
+                </a:solidFill>
+                <a:latin typeface="Arial Unicode MS" panose="020B0604020202020204" pitchFamily="34" charset="-122"/>
+              </a:rPr>
+              <a:t>.</a:t>
+            </a:r>
+            <a:r>
+              <a:rPr lang="zh-CN" altLang="zh-CN" sz="1100" dirty="0">
+                <a:solidFill>
+                  <a:srgbClr val="E06C75"/>
+                </a:solidFill>
+                <a:latin typeface="Arial Unicode MS" panose="020B0604020202020204" pitchFamily="34" charset="-122"/>
+              </a:rPr>
+              <a:t>__spark</a:t>
+            </a:r>
+            <a:endParaRPr lang="zh-CN" altLang="zh-CN" sz="1100" dirty="0">
+              <a:solidFill>
+                <a:srgbClr val="ABB2BF"/>
+              </a:solidFill>
+              <a:latin typeface="Arial Unicode MS" panose="020B0604020202020204" pitchFamily="34" charset="-122"/>
+            </a:endParaRPr>
+          </a:p>
+          <a:p>
+            <a:pPr lvl="0" defTabSz="914400" eaLnBrk="0" fontAlgn="base" hangingPunct="0">
+              <a:spcBef>
+                <a:spcPct val="0"/>
+              </a:spcBef>
+              <a:spcAft>
+                <a:spcPct val="0"/>
+              </a:spcAft>
+            </a:pPr>
+            <a:r>
+              <a:rPr lang="zh-CN" altLang="zh-CN" sz="1100" dirty="0">
+                <a:solidFill>
+                  <a:srgbClr val="ABB2BF"/>
+                </a:solidFill>
+                <a:latin typeface="Arial Unicode MS" panose="020B0604020202020204" pitchFamily="34" charset="-122"/>
+              </a:rPr>
+              <a:t>            </a:t>
+            </a:r>
+            <a:r>
+              <a:rPr lang="zh-CN" altLang="zh-CN" sz="1100" dirty="0">
+                <a:solidFill>
+                  <a:srgbClr val="C678DD"/>
+                </a:solidFill>
+                <a:latin typeface="Arial Unicode MS" panose="020B0604020202020204" pitchFamily="34" charset="-122"/>
+              </a:rPr>
+              <a:t>else</a:t>
+            </a:r>
+            <a:r>
+              <a:rPr lang="zh-CN" altLang="zh-CN" sz="1100" dirty="0">
+                <a:solidFill>
+                  <a:srgbClr val="ABB2BF"/>
+                </a:solidFill>
+                <a:latin typeface="Arial Unicode MS" panose="020B0604020202020204" pitchFamily="34" charset="-122"/>
+              </a:rPr>
+              <a:t>:</a:t>
+            </a:r>
+          </a:p>
+          <a:p>
+            <a:pPr lvl="0" defTabSz="914400" eaLnBrk="0" fontAlgn="base" hangingPunct="0">
+              <a:spcBef>
+                <a:spcPct val="0"/>
+              </a:spcBef>
+              <a:spcAft>
+                <a:spcPct val="0"/>
+              </a:spcAft>
+            </a:pPr>
+            <a:r>
+              <a:rPr lang="zh-CN" altLang="zh-CN" sz="1100" dirty="0">
+                <a:solidFill>
+                  <a:srgbClr val="ABB2BF"/>
+                </a:solidFill>
+                <a:latin typeface="Arial Unicode MS" panose="020B0604020202020204" pitchFamily="34" charset="-122"/>
+              </a:rPr>
+              <a:t>                </a:t>
+            </a:r>
+            <a:r>
+              <a:rPr lang="zh-CN" altLang="zh-CN" sz="1100" dirty="0">
+                <a:solidFill>
+                  <a:srgbClr val="C678DD"/>
+                </a:solidFill>
+                <a:latin typeface="Arial Unicode MS" panose="020B0604020202020204" pitchFamily="34" charset="-122"/>
+              </a:rPr>
+              <a:t>return</a:t>
+            </a:r>
+            <a:r>
+              <a:rPr lang="zh-CN" altLang="zh-CN" sz="1100" dirty="0">
+                <a:solidFill>
+                  <a:srgbClr val="ABB2BF"/>
+                </a:solidFill>
+                <a:latin typeface="Arial Unicode MS" panose="020B0604020202020204" pitchFamily="34" charset="-122"/>
+              </a:rPr>
+              <a:t> </a:t>
+            </a:r>
+            <a:r>
+              <a:rPr lang="zh-CN" altLang="zh-CN" sz="1100" dirty="0">
+                <a:solidFill>
+                  <a:srgbClr val="E06C75"/>
+                </a:solidFill>
+                <a:latin typeface="Arial Unicode MS" panose="020B0604020202020204" pitchFamily="34" charset="-122"/>
+              </a:rPr>
+              <a:t>cls</a:t>
+            </a:r>
+            <a:r>
+              <a:rPr lang="zh-CN" altLang="zh-CN" sz="1100" dirty="0">
+                <a:solidFill>
+                  <a:srgbClr val="ABB2BF"/>
+                </a:solidFill>
+                <a:latin typeface="Arial Unicode MS" panose="020B0604020202020204" pitchFamily="34" charset="-122"/>
+              </a:rPr>
+              <a:t>.</a:t>
+            </a:r>
+            <a:r>
+              <a:rPr lang="zh-CN" altLang="zh-CN" sz="1100" dirty="0">
+                <a:solidFill>
+                  <a:srgbClr val="E06C75"/>
+                </a:solidFill>
+                <a:latin typeface="Arial Unicode MS" panose="020B0604020202020204" pitchFamily="34" charset="-122"/>
+              </a:rPr>
+              <a:t>__spark</a:t>
+            </a:r>
+            <a:endParaRPr lang="en-US" altLang="zh-CN" sz="1100" dirty="0">
+              <a:solidFill>
+                <a:srgbClr val="E06C75"/>
+              </a:solidFill>
+              <a:latin typeface="Arial Unicode MS" panose="020B0604020202020204" pitchFamily="34" charset="-122"/>
+            </a:endParaRPr>
+          </a:p>
+          <a:p>
+            <a:pPr lvl="0" defTabSz="914400" eaLnBrk="0" fontAlgn="base" hangingPunct="0">
+              <a:spcBef>
+                <a:spcPct val="0"/>
+              </a:spcBef>
+              <a:spcAft>
+                <a:spcPct val="0"/>
+              </a:spcAft>
+            </a:pPr>
+            <a:endParaRPr lang="en-US" altLang="zh-CN" sz="1100" dirty="0">
+              <a:solidFill>
+                <a:srgbClr val="E06C75"/>
+              </a:solidFill>
+              <a:latin typeface="Arial Unicode MS" panose="020B0604020202020204" pitchFamily="34" charset="-122"/>
+            </a:endParaRPr>
+          </a:p>
+          <a:p>
+            <a:pPr lvl="0" defTabSz="914400" eaLnBrk="0" fontAlgn="base" hangingPunct="0">
+              <a:spcBef>
+                <a:spcPct val="0"/>
+              </a:spcBef>
+              <a:spcAft>
+                <a:spcPct val="0"/>
+              </a:spcAft>
+            </a:pPr>
+            <a:endParaRPr lang="en-US" altLang="zh-CN" sz="1100" dirty="0">
+              <a:solidFill>
+                <a:srgbClr val="E06C75"/>
+              </a:solidFill>
+              <a:latin typeface="Arial Unicode MS" panose="020B0604020202020204" pitchFamily="34" charset="-122"/>
+            </a:endParaRPr>
+          </a:p>
+          <a:p>
+            <a:pPr lvl="0" defTabSz="914400" eaLnBrk="0" fontAlgn="base" hangingPunct="0">
+              <a:spcBef>
+                <a:spcPct val="0"/>
+              </a:spcBef>
+              <a:spcAft>
+                <a:spcPct val="0"/>
+              </a:spcAft>
+            </a:pPr>
+            <a:endParaRPr lang="en-US" altLang="zh-CN" sz="1100" dirty="0">
+              <a:solidFill>
+                <a:srgbClr val="E06C75"/>
+              </a:solidFill>
+              <a:latin typeface="Arial Unicode MS" panose="020B0604020202020204" pitchFamily="34" charset="-122"/>
+            </a:endParaRPr>
+          </a:p>
+          <a:p>
+            <a:pPr lvl="0" defTabSz="914400" eaLnBrk="0" fontAlgn="base" hangingPunct="0">
+              <a:spcBef>
+                <a:spcPct val="0"/>
+              </a:spcBef>
+              <a:spcAft>
+                <a:spcPct val="0"/>
+              </a:spcAft>
+            </a:pPr>
+            <a:endParaRPr lang="zh-CN" altLang="zh-CN" sz="1100" dirty="0">
+              <a:latin typeface="Arial" panose="020B0604020202020204" pitchFamily="34" charset="0"/>
+            </a:endParaRPr>
+          </a:p>
+        </p:txBody>
+      </p:sp>
+    </p:spTree>
+    <p:extLst>
+      <p:ext uri="{BB962C8B-B14F-4D97-AF65-F5344CB8AC3E}">
+        <p14:creationId xmlns:p14="http://schemas.microsoft.com/office/powerpoint/2010/main" val="2893880163"/>
+      </p:ext>
+    </p:extLst>
+  </p:cSld>
+  <p:clrMapOvr>
+    <a:masterClrMapping/>
+  </p:clrMapOvr>
+  <mc:AlternateContent xmlns:mc="http://schemas.openxmlformats.org/markup-compatibility/2006" xmlns:p14="http://schemas.microsoft.com/office/powerpoint/2010/main">
+    <mc:Choice Requires="p14">
+      <p:transition spd="med" p14:dur="700">
+        <p:fade/>
+      </p:transition>
+    </mc:Choice>
+    <mc:Fallback xmlns="">
+      <p:transition spd="med">
+        <p:fade/>
+      </p:transition>
+    </mc:Fallback>
+  </mc:AlternateContent>
+</p:sld>
+</file>
+
+<file path=ppt/slides/slide2.xml><?xml version="1.0" encoding="utf-8"?>
+<p:sld xmlns:a="http://schemas.openxmlformats.org/drawingml/2006/main" xmlns:r="http://schemas.openxmlformats.org/officeDocument/2006/relationships" xmlns:p="http://schemas.openxmlformats.org/presentationml/2006/main">
+  <p:cSld>
+    <p:spTree>
+      <p:nvGrpSpPr>
+        <p:cNvPr id="1" name=""/>
+        <p:cNvGrpSpPr/>
+        <p:nvPr/>
+      </p:nvGrpSpPr>
+      <p:grpSpPr>
+        <a:xfrm>
+          <a:off x="0" y="0"/>
+          <a:ext cx="0" cy="0"/>
+          <a:chOff x="0" y="0"/>
+          <a:chExt cx="0" cy="0"/>
+        </a:xfrm>
+      </p:grpSpPr>
+      <p:sp>
+        <p:nvSpPr>
+          <p:cNvPr id="13" name="标题 12"/>
+          <p:cNvSpPr>
+            <a:spLocks noGrp="1"/>
+          </p:cNvSpPr>
+          <p:nvPr>
+            <p:ph type="title"/>
+          </p:nvPr>
+        </p:nvSpPr>
+        <p:spPr/>
+        <p:txBody>
+          <a:bodyPr rtlCol="0"/>
+          <a:lstStyle/>
+          <a:p>
+            <a:pPr rtl="0"/>
+            <a:r>
+              <a:rPr lang="zh-CN" altLang="en-US" dirty="0"/>
+              <a:t>主要内容</a:t>
+            </a:r>
+            <a:endParaRPr lang="en-US" dirty="0">
+              <a:latin typeface="微软雅黑" panose="020B0503020204020204" pitchFamily="34" charset="-122"/>
+              <a:ea typeface="微软雅黑" panose="020B0503020204020204" pitchFamily="34" charset="-122"/>
+            </a:endParaRPr>
+          </a:p>
+        </p:txBody>
+      </p:sp>
+      <p:sp>
+        <p:nvSpPr>
+          <p:cNvPr id="14" name="内容占位符 13"/>
+          <p:cNvSpPr>
+            <a:spLocks noGrp="1"/>
+          </p:cNvSpPr>
+          <p:nvPr>
+            <p:ph idx="1"/>
+          </p:nvPr>
+        </p:nvSpPr>
+        <p:spPr/>
+        <p:txBody>
+          <a:bodyPr rtlCol="0">
+            <a:normAutofit lnSpcReduction="10000"/>
+          </a:bodyPr>
+          <a:lstStyle/>
+          <a:p>
+            <a:pPr rtl="0"/>
+            <a:r>
+              <a:rPr lang="zh-CN" altLang="en-US" dirty="0">
+                <a:latin typeface="微软雅黑" panose="020B0503020204020204" pitchFamily="34" charset="-122"/>
+                <a:ea typeface="微软雅黑" panose="020B0503020204020204" pitchFamily="34" charset="-122"/>
+              </a:rPr>
+              <a:t>一、</a:t>
+            </a:r>
+            <a:r>
+              <a:rPr lang="en-US" altLang="zh-CN" dirty="0">
+                <a:latin typeface="微软雅黑" panose="020B0503020204020204" pitchFamily="34" charset="-122"/>
+                <a:ea typeface="微软雅黑" panose="020B0503020204020204" pitchFamily="34" charset="-122"/>
+              </a:rPr>
+              <a:t>http</a:t>
+            </a:r>
+            <a:r>
+              <a:rPr lang="zh-CN" altLang="en-US" dirty="0">
+                <a:latin typeface="微软雅黑" panose="020B0503020204020204" pitchFamily="34" charset="-122"/>
+                <a:ea typeface="微软雅黑" panose="020B0503020204020204" pitchFamily="34" charset="-122"/>
+              </a:rPr>
+              <a:t>协议简单介绍</a:t>
+            </a:r>
+            <a:endParaRPr lang="en-US" altLang="zh-CN" dirty="0">
+              <a:latin typeface="微软雅黑" panose="020B0503020204020204" pitchFamily="34" charset="-122"/>
+              <a:ea typeface="微软雅黑" panose="020B0503020204020204" pitchFamily="34" charset="-122"/>
+            </a:endParaRPr>
+          </a:p>
+          <a:p>
+            <a:pPr rtl="0"/>
+            <a:r>
+              <a:rPr lang="zh-CN" altLang="en-US" dirty="0"/>
+              <a:t>二</a:t>
+            </a:r>
+            <a:r>
+              <a:rPr lang="zh-CN" altLang="en-US" dirty="0">
+                <a:latin typeface="微软雅黑" panose="020B0503020204020204" pitchFamily="34" charset="-122"/>
+                <a:ea typeface="微软雅黑" panose="020B0503020204020204" pitchFamily="34" charset="-122"/>
+              </a:rPr>
+              <a:t>、钉钉群自定义机器人开发</a:t>
+            </a:r>
+            <a:endParaRPr lang="en-US" altLang="zh-CN" dirty="0">
+              <a:latin typeface="微软雅黑" panose="020B0503020204020204" pitchFamily="34" charset="-122"/>
+              <a:ea typeface="微软雅黑" panose="020B0503020204020204" pitchFamily="34" charset="-122"/>
+            </a:endParaRPr>
+          </a:p>
+          <a:p>
+            <a:r>
+              <a:rPr lang="zh-CN" altLang="en-US" dirty="0"/>
+              <a:t>三、企业会话消息发送</a:t>
+            </a:r>
+            <a:endParaRPr lang="en-US" altLang="zh-CN" dirty="0"/>
+          </a:p>
+          <a:p>
+            <a:r>
+              <a:rPr lang="zh-CN" altLang="en-US" dirty="0"/>
+              <a:t>四、消息群发</a:t>
+            </a:r>
+            <a:endParaRPr lang="en-US" altLang="zh-CN" dirty="0"/>
+          </a:p>
+          <a:p>
+            <a:r>
+              <a:rPr lang="zh-CN" altLang="en-US" dirty="0"/>
+              <a:t>五、文档地址</a:t>
+            </a:r>
+            <a:endParaRPr lang="en-US" altLang="zh-CN" dirty="0"/>
+          </a:p>
+          <a:p>
+            <a:r>
+              <a:rPr lang="zh-CN" altLang="en-US" dirty="0"/>
+              <a:t>六、组织</a:t>
+            </a:r>
+            <a:r>
+              <a:rPr lang="en-US" altLang="zh-CN" dirty="0"/>
+              <a:t>python</a:t>
+            </a:r>
+            <a:r>
+              <a:rPr lang="zh-CN" altLang="en-US" dirty="0"/>
+              <a:t>代码</a:t>
+            </a:r>
+            <a:endParaRPr lang="zh-cn" dirty="0">
+              <a:latin typeface="微软雅黑" panose="020B0503020204020204" pitchFamily="34" charset="-122"/>
+              <a:ea typeface="微软雅黑" panose="020B0503020204020204" pitchFamily="34" charset="-122"/>
+            </a:endParaRPr>
+          </a:p>
+          <a:p>
+            <a:pPr rtl="0"/>
+            <a:r>
+              <a:rPr lang="zh-CN" altLang="en-US" dirty="0">
+                <a:latin typeface="微软雅黑" panose="020B0503020204020204" pitchFamily="34" charset="-122"/>
+                <a:ea typeface="微软雅黑" panose="020B0503020204020204" pitchFamily="34" charset="-122"/>
+              </a:rPr>
+              <a:t>七、远程执行</a:t>
+            </a:r>
+            <a:r>
+              <a:rPr lang="en-US" altLang="zh-CN" dirty="0" err="1">
+                <a:latin typeface="微软雅黑" panose="020B0503020204020204" pitchFamily="34" charset="-122"/>
+                <a:ea typeface="微软雅黑" panose="020B0503020204020204" pitchFamily="34" charset="-122"/>
+              </a:rPr>
+              <a:t>jupyter</a:t>
+            </a:r>
+            <a:r>
+              <a:rPr lang="zh-CN" altLang="en-US" dirty="0">
+                <a:latin typeface="微软雅黑" panose="020B0503020204020204" pitchFamily="34" charset="-122"/>
+                <a:ea typeface="微软雅黑" panose="020B0503020204020204" pitchFamily="34" charset="-122"/>
+              </a:rPr>
+              <a:t>代码</a:t>
+            </a:r>
+            <a:endParaRPr lang="en-US" altLang="zh-CN" dirty="0">
+              <a:latin typeface="微软雅黑" panose="020B0503020204020204" pitchFamily="34" charset="-122"/>
+              <a:ea typeface="微软雅黑" panose="020B0503020204020204" pitchFamily="34" charset="-122"/>
+            </a:endParaRPr>
+          </a:p>
+          <a:p>
+            <a:pPr rtl="0"/>
+            <a:r>
+              <a:rPr lang="zh-CN" altLang="en-US" dirty="0"/>
+              <a:t>八、聊聊微信</a:t>
+            </a:r>
+            <a:endParaRPr lang="en-US" dirty="0">
+              <a:latin typeface="微软雅黑" panose="020B0503020204020204" pitchFamily="34" charset="-122"/>
+              <a:ea typeface="微软雅黑" panose="020B0503020204020204" pitchFamily="34" charset="-122"/>
+            </a:endParaRPr>
+          </a:p>
+        </p:txBody>
+      </p:sp>
+      <p:sp>
+        <p:nvSpPr>
+          <p:cNvPr id="4" name="标题 1">
+            <a:extLst>
+              <a:ext uri="{FF2B5EF4-FFF2-40B4-BE49-F238E27FC236}">
+                <a16:creationId xmlns:a16="http://schemas.microsoft.com/office/drawing/2014/main" id="{1E101CCB-11A0-4CB6-856D-E24060769143}"/>
+              </a:ext>
+            </a:extLst>
+          </p:cNvPr>
+          <p:cNvSpPr txBox="1">
+            <a:spLocks/>
+          </p:cNvSpPr>
+          <p:nvPr/>
+        </p:nvSpPr>
+        <p:spPr>
+          <a:xfrm>
+            <a:off x="1053851" y="6228160"/>
+            <a:ext cx="10786723" cy="493642"/>
+          </a:xfrm>
+          <a:prstGeom prst="rect">
+            <a:avLst/>
+          </a:prstGeom>
+        </p:spPr>
+        <p:txBody>
+          <a:bodyPr vert="horz" lIns="121899" tIns="60949" rIns="121899" bIns="60949" rtlCol="0" anchor="b">
+            <a:normAutofit/>
+          </a:bodyPr>
+          <a:lstStyle>
+            <a:lvl1pPr algn="l" defTabSz="1218987" rtl="0" eaLnBrk="1" latinLnBrk="0" hangingPunct="1">
+              <a:lnSpc>
+                <a:spcPct val="85000"/>
+              </a:lnSpc>
+              <a:spcBef>
+                <a:spcPct val="0"/>
+              </a:spcBef>
+              <a:buNone/>
+              <a:tabLst/>
+              <a:defRPr sz="4400" kern="1200" cap="none" baseline="0">
+                <a:solidFill>
+                  <a:schemeClr val="tx1"/>
+                </a:solidFill>
+                <a:latin typeface="微软雅黑" panose="020B0503020204020204" pitchFamily="34" charset="-122"/>
+                <a:ea typeface="微软雅黑" panose="020B0503020204020204" pitchFamily="34" charset="-122"/>
+                <a:cs typeface="+mj-cs"/>
+              </a:defRPr>
+            </a:lvl1pPr>
+          </a:lstStyle>
+          <a:p>
+            <a:r>
+              <a:rPr lang="zh-CN" altLang="en-US" sz="2000" dirty="0"/>
+              <a:t>注意：</a:t>
+            </a:r>
+            <a:r>
+              <a:rPr lang="en-US" altLang="zh-CN" sz="2000" dirty="0"/>
+              <a:t>ppt</a:t>
+            </a:r>
+            <a:r>
+              <a:rPr lang="zh-CN" altLang="en-US" sz="2000" dirty="0"/>
+              <a:t>中的代码直接</a:t>
+            </a:r>
+            <a:r>
+              <a:rPr lang="en-US" altLang="zh-CN" sz="2000" dirty="0"/>
+              <a:t>copy</a:t>
+            </a:r>
+            <a:r>
+              <a:rPr lang="zh-CN" altLang="en-US" sz="2000" dirty="0"/>
+              <a:t>可能会有格式问题，建议</a:t>
+            </a:r>
+            <a:r>
+              <a:rPr lang="en-US" altLang="zh-CN" sz="2000" dirty="0"/>
+              <a:t>copy</a:t>
+            </a:r>
+            <a:r>
+              <a:rPr lang="zh-CN" altLang="en-US" sz="2000" dirty="0"/>
+              <a:t>对应</a:t>
+            </a:r>
+            <a:r>
+              <a:rPr lang="en-US" altLang="zh-CN" sz="2000" dirty="0" err="1"/>
+              <a:t>py</a:t>
+            </a:r>
+            <a:r>
+              <a:rPr lang="zh-CN" altLang="en-US" sz="2000" dirty="0"/>
+              <a:t>文件中的代码，</a:t>
+            </a:r>
+            <a:r>
+              <a:rPr lang="zh-CN" altLang="en-US" sz="2000" dirty="0">
+                <a:hlinkClick r:id="rId2"/>
+              </a:rPr>
+              <a:t>点我下载</a:t>
+            </a:r>
+            <a:endParaRPr lang="en-US" altLang="zh-CN" sz="2000" dirty="0"/>
+          </a:p>
+        </p:txBody>
+      </p:sp>
+    </p:spTree>
+    <p:extLst>
+      <p:ext uri="{BB962C8B-B14F-4D97-AF65-F5344CB8AC3E}">
+        <p14:creationId xmlns:p14="http://schemas.microsoft.com/office/powerpoint/2010/main" val="711182959"/>
+      </p:ext>
+    </p:extLst>
+  </p:cSld>
+  <p:clrMapOvr>
+    <a:masterClrMapping/>
+  </p:clrMapOvr>
+  <mc:AlternateContent xmlns:mc="http://schemas.openxmlformats.org/markup-compatibility/2006" xmlns:p14="http://schemas.microsoft.com/office/powerpoint/2010/main">
+    <mc:Choice Requires="p14">
+      <p:transition spd="med" p14:dur="700">
+        <p:fade/>
+      </p:transition>
+    </mc:Choice>
+    <mc:Fallback xmlns="">
+      <p:transition spd="med">
+        <p:fade/>
+      </p:transition>
+    </mc:Fallback>
+  </mc:AlternateContent>
+</p:sld>
+</file>
+
+<file path=ppt/slides/slide20.xml><?xml version="1.0" encoding="utf-8"?>
+<p:sld xmlns:a="http://schemas.openxmlformats.org/drawingml/2006/main" xmlns:r="http://schemas.openxmlformats.org/officeDocument/2006/relationships" xmlns:p="http://schemas.openxmlformats.org/presentationml/2006/main">
+  <p:cSld>
+    <p:spTree>
+      <p:nvGrpSpPr>
+        <p:cNvPr id="1" name=""/>
+        <p:cNvGrpSpPr/>
+        <p:nvPr/>
+      </p:nvGrpSpPr>
+      <p:grpSpPr>
+        <a:xfrm>
+          <a:off x="0" y="0"/>
+          <a:ext cx="0" cy="0"/>
+          <a:chOff x="0" y="0"/>
+          <a:chExt cx="0" cy="0"/>
+        </a:xfrm>
+      </p:grpSpPr>
+      <p:sp>
+        <p:nvSpPr>
+          <p:cNvPr id="2" name="标题 1"/>
+          <p:cNvSpPr>
+            <a:spLocks noGrp="1"/>
+          </p:cNvSpPr>
+          <p:nvPr>
+            <p:ph type="title"/>
+          </p:nvPr>
+        </p:nvSpPr>
+        <p:spPr>
+          <a:xfrm>
+            <a:off x="353943" y="76200"/>
+            <a:ext cx="11486632" cy="736428"/>
+          </a:xfrm>
+        </p:spPr>
+        <p:txBody>
+          <a:bodyPr rtlCol="0">
+            <a:normAutofit/>
+          </a:bodyPr>
+          <a:lstStyle/>
+          <a:p>
+            <a:r>
+              <a:rPr lang="zh-CN" altLang="en-US" sz="2800" dirty="0"/>
+              <a:t>六、组织</a:t>
+            </a:r>
+            <a:r>
+              <a:rPr lang="en-US" altLang="zh-CN" sz="2800" dirty="0"/>
+              <a:t>python</a:t>
+            </a:r>
+            <a:r>
+              <a:rPr lang="zh-CN" altLang="en-US" sz="2800" dirty="0"/>
+              <a:t>代码</a:t>
+            </a:r>
+            <a:endParaRPr lang="en-US" altLang="zh-CN" sz="2800" dirty="0"/>
+          </a:p>
+        </p:txBody>
+      </p:sp>
+      <p:sp>
+        <p:nvSpPr>
+          <p:cNvPr id="35" name="标题 1">
+            <a:extLst>
+              <a:ext uri="{FF2B5EF4-FFF2-40B4-BE49-F238E27FC236}">
+                <a16:creationId xmlns:a16="http://schemas.microsoft.com/office/drawing/2014/main" id="{DBA25653-C419-4947-9450-ACD83BDD189F}"/>
+              </a:ext>
+            </a:extLst>
+          </p:cNvPr>
+          <p:cNvSpPr txBox="1">
+            <a:spLocks/>
+          </p:cNvSpPr>
+          <p:nvPr/>
+        </p:nvSpPr>
+        <p:spPr>
+          <a:xfrm>
+            <a:off x="1053852" y="775118"/>
+            <a:ext cx="10786723" cy="493642"/>
+          </a:xfrm>
+          <a:prstGeom prst="rect">
+            <a:avLst/>
+          </a:prstGeom>
+        </p:spPr>
+        <p:txBody>
+          <a:bodyPr vert="horz" lIns="121899" tIns="60949" rIns="121899" bIns="60949" rtlCol="0" anchor="b">
+            <a:normAutofit/>
+          </a:bodyPr>
+          <a:lstStyle>
+            <a:lvl1pPr algn="l" defTabSz="1218987" rtl="0" eaLnBrk="1" latinLnBrk="0" hangingPunct="1">
+              <a:lnSpc>
+                <a:spcPct val="85000"/>
+              </a:lnSpc>
+              <a:spcBef>
+                <a:spcPct val="0"/>
+              </a:spcBef>
+              <a:buNone/>
+              <a:tabLst/>
+              <a:defRPr sz="4400" kern="1200" cap="none" baseline="0">
+                <a:solidFill>
+                  <a:schemeClr val="tx1"/>
+                </a:solidFill>
+                <a:latin typeface="微软雅黑" panose="020B0503020204020204" pitchFamily="34" charset="-122"/>
+                <a:ea typeface="微软雅黑" panose="020B0503020204020204" pitchFamily="34" charset="-122"/>
+                <a:cs typeface="+mj-cs"/>
+              </a:defRPr>
+            </a:lvl1pPr>
+          </a:lstStyle>
+          <a:p>
+            <a:r>
+              <a:rPr lang="en-US" altLang="zh-CN" sz="2000" dirty="0"/>
+              <a:t>6</a:t>
+            </a:r>
+            <a:r>
+              <a:rPr lang="zh-CN" altLang="en-US" sz="2000" dirty="0"/>
               <a:t>、申请的企业号维护会话信息</a:t>
             </a:r>
             <a:endParaRPr lang="en-US" altLang="zh-CN" sz="2000" dirty="0"/>
@@ -17842,7 +22090,7 @@
 </p:sld>
 </file>
 
-<file path=ppt/slides/slide19.xml><?xml version="1.0" encoding="utf-8"?>
+<file path=ppt/slides/slide21.xml><?xml version="1.0" encoding="utf-8"?>
 <p:sld xmlns:a="http://schemas.openxmlformats.org/drawingml/2006/main" xmlns:r="http://schemas.openxmlformats.org/officeDocument/2006/relationships" xmlns:p="http://schemas.openxmlformats.org/presentationml/2006/main">
   <p:cSld>
     <p:spTree>
@@ -18387,835 +22635,6 @@
           </a:p>
         </p:txBody>
       </p:sp>
-      <p:sp>
-        <p:nvSpPr>
-          <p:cNvPr id="11" name="Rectangle 3">
-            <a:extLst>
-              <a:ext uri="{FF2B5EF4-FFF2-40B4-BE49-F238E27FC236}">
-                <a16:creationId xmlns:a16="http://schemas.microsoft.com/office/drawing/2014/main" id="{CBE95CEF-8AC0-44D6-A512-D5F3F74D9B04}"/>
-              </a:ext>
-            </a:extLst>
-          </p:cNvPr>
-          <p:cNvSpPr>
-            <a:spLocks noChangeArrowheads="1"/>
-          </p:cNvSpPr>
-          <p:nvPr/>
-        </p:nvSpPr>
-        <p:spPr bwMode="auto">
-          <a:xfrm>
-            <a:off x="6022404" y="4822315"/>
-            <a:ext cx="4248472" cy="2022298"/>
-          </a:xfrm>
-          <a:prstGeom prst="rect">
-            <a:avLst/>
-          </a:prstGeom>
-          <a:solidFill>
-            <a:schemeClr val="tx2">
-              <a:lumMod val="85000"/>
-              <a:lumOff val="15000"/>
-            </a:schemeClr>
-          </a:solidFill>
-          <a:ln>
-            <a:noFill/>
-          </a:ln>
-          <a:effectLst/>
-        </p:spPr>
-        <p:txBody>
-          <a:bodyPr vert="horz" wrap="square" lIns="91440" tIns="0" rIns="91440" bIns="158700" numCol="1" anchor="ctr" anchorCtr="0" compatLnSpc="1">
-            <a:prstTxWarp prst="textNoShape">
-              <a:avLst/>
-            </a:prstTxWarp>
-            <a:spAutoFit/>
-          </a:bodyPr>
-          <a:lstStyle/>
-          <a:p>
-            <a:pPr lvl="0" defTabSz="914400" eaLnBrk="0" fontAlgn="base" hangingPunct="0">
-              <a:spcBef>
-                <a:spcPct val="0"/>
-              </a:spcBef>
-              <a:spcAft>
-                <a:spcPct val="0"/>
-              </a:spcAft>
-            </a:pPr>
-            <a:r>
-              <a:rPr lang="zh-CN" altLang="zh-CN" sz="1100" dirty="0">
-                <a:solidFill>
-                  <a:srgbClr val="ABB2BF"/>
-                </a:solidFill>
-                <a:latin typeface="Arial Unicode MS" panose="020B0604020202020204" pitchFamily="34" charset="-122"/>
-              </a:rPr>
-              <a:t>spark = SparkSession \ </a:t>
-            </a:r>
-          </a:p>
-          <a:p>
-            <a:pPr lvl="0" defTabSz="914400" eaLnBrk="0" fontAlgn="base" hangingPunct="0">
-              <a:spcBef>
-                <a:spcPct val="0"/>
-              </a:spcBef>
-              <a:spcAft>
-                <a:spcPct val="0"/>
-              </a:spcAft>
-            </a:pPr>
-            <a:r>
-              <a:rPr lang="zh-CN" altLang="zh-CN" sz="1100" dirty="0">
-                <a:solidFill>
-                  <a:srgbClr val="ABB2BF"/>
-                </a:solidFill>
-                <a:latin typeface="Arial Unicode MS" panose="020B0604020202020204" pitchFamily="34" charset="-122"/>
-              </a:rPr>
-              <a:t>        .</a:t>
-            </a:r>
-            <a:r>
-              <a:rPr lang="zh-CN" altLang="zh-CN" sz="1100" dirty="0">
-                <a:solidFill>
-                  <a:srgbClr val="E06C75"/>
-                </a:solidFill>
-                <a:latin typeface="Arial Unicode MS" panose="020B0604020202020204" pitchFamily="34" charset="-122"/>
-              </a:rPr>
-              <a:t>builder</a:t>
-            </a:r>
-            <a:r>
-              <a:rPr lang="zh-CN" altLang="zh-CN" sz="1100" dirty="0">
-                <a:solidFill>
-                  <a:srgbClr val="ABB2BF"/>
-                </a:solidFill>
-                <a:latin typeface="Arial Unicode MS" panose="020B0604020202020204" pitchFamily="34" charset="-122"/>
-              </a:rPr>
-              <a:t> \ </a:t>
-            </a:r>
-          </a:p>
-          <a:p>
-            <a:pPr lvl="0" defTabSz="914400" eaLnBrk="0" fontAlgn="base" hangingPunct="0">
-              <a:spcBef>
-                <a:spcPct val="0"/>
-              </a:spcBef>
-              <a:spcAft>
-                <a:spcPct val="0"/>
-              </a:spcAft>
-            </a:pPr>
-            <a:r>
-              <a:rPr lang="zh-CN" altLang="zh-CN" sz="1100" dirty="0">
-                <a:solidFill>
-                  <a:srgbClr val="ABB2BF"/>
-                </a:solidFill>
-                <a:latin typeface="Arial Unicode MS" panose="020B0604020202020204" pitchFamily="34" charset="-122"/>
-              </a:rPr>
-              <a:t>        .</a:t>
-            </a:r>
-            <a:r>
-              <a:rPr lang="zh-CN" altLang="zh-CN" sz="1100" dirty="0">
-                <a:solidFill>
-                  <a:srgbClr val="61AFEF"/>
-                </a:solidFill>
-                <a:latin typeface="Arial Unicode MS" panose="020B0604020202020204" pitchFamily="34" charset="-122"/>
-              </a:rPr>
-              <a:t>appName</a:t>
-            </a:r>
-            <a:r>
-              <a:rPr lang="zh-CN" altLang="zh-CN" sz="1100" dirty="0">
-                <a:solidFill>
-                  <a:srgbClr val="ABB2BF"/>
-                </a:solidFill>
-                <a:latin typeface="Arial Unicode MS" panose="020B0604020202020204" pitchFamily="34" charset="-122"/>
-              </a:rPr>
-              <a:t>(</a:t>
-            </a:r>
-            <a:r>
-              <a:rPr lang="zh-CN" altLang="zh-CN" sz="1100" dirty="0">
-                <a:solidFill>
-                  <a:srgbClr val="98C379"/>
-                </a:solidFill>
-                <a:latin typeface="Arial Unicode MS" panose="020B0604020202020204" pitchFamily="34" charset="-122"/>
-              </a:rPr>
-              <a:t>"cubeMailJob"</a:t>
-            </a:r>
-            <a:r>
-              <a:rPr lang="zh-CN" altLang="zh-CN" sz="1100" dirty="0">
-                <a:solidFill>
-                  <a:srgbClr val="ABB2BF"/>
-                </a:solidFill>
-                <a:latin typeface="Arial Unicode MS" panose="020B0604020202020204" pitchFamily="34" charset="-122"/>
-              </a:rPr>
-              <a:t>) \ </a:t>
-            </a:r>
-          </a:p>
-          <a:p>
-            <a:pPr lvl="0" defTabSz="914400" eaLnBrk="0" fontAlgn="base" hangingPunct="0">
-              <a:spcBef>
-                <a:spcPct val="0"/>
-              </a:spcBef>
-              <a:spcAft>
-                <a:spcPct val="0"/>
-              </a:spcAft>
-            </a:pPr>
-            <a:r>
-              <a:rPr lang="zh-CN" altLang="zh-CN" sz="1100" dirty="0">
-                <a:solidFill>
-                  <a:srgbClr val="ABB2BF"/>
-                </a:solidFill>
-                <a:latin typeface="Arial Unicode MS" panose="020B0604020202020204" pitchFamily="34" charset="-122"/>
-              </a:rPr>
-              <a:t>        .</a:t>
-            </a:r>
-            <a:r>
-              <a:rPr lang="zh-CN" altLang="zh-CN" sz="1100" dirty="0">
-                <a:solidFill>
-                  <a:srgbClr val="61AFEF"/>
-                </a:solidFill>
-                <a:latin typeface="Arial Unicode MS" panose="020B0604020202020204" pitchFamily="34" charset="-122"/>
-              </a:rPr>
-              <a:t>config</a:t>
-            </a:r>
-            <a:r>
-              <a:rPr lang="zh-CN" altLang="zh-CN" sz="1100" dirty="0">
-                <a:solidFill>
-                  <a:srgbClr val="ABB2BF"/>
-                </a:solidFill>
-                <a:latin typeface="Arial Unicode MS" panose="020B0604020202020204" pitchFamily="34" charset="-122"/>
-              </a:rPr>
-              <a:t>(</a:t>
-            </a:r>
-            <a:r>
-              <a:rPr lang="zh-CN" altLang="zh-CN" sz="1100" dirty="0">
-                <a:solidFill>
-                  <a:srgbClr val="98C379"/>
-                </a:solidFill>
-                <a:latin typeface="Arial Unicode MS" panose="020B0604020202020204" pitchFamily="34" charset="-122"/>
-              </a:rPr>
-              <a:t>"spark.sql.parquet.compression.codec"</a:t>
-            </a:r>
-            <a:r>
-              <a:rPr lang="zh-CN" altLang="zh-CN" sz="1100" dirty="0">
-                <a:solidFill>
-                  <a:srgbClr val="ABB2BF"/>
-                </a:solidFill>
-                <a:latin typeface="Arial Unicode MS" panose="020B0604020202020204" pitchFamily="34" charset="-122"/>
-              </a:rPr>
-              <a:t>, </a:t>
-            </a:r>
-            <a:r>
-              <a:rPr lang="zh-CN" altLang="zh-CN" sz="1100" dirty="0">
-                <a:solidFill>
-                  <a:srgbClr val="98C379"/>
-                </a:solidFill>
-                <a:latin typeface="Arial Unicode MS" panose="020B0604020202020204" pitchFamily="34" charset="-122"/>
-              </a:rPr>
-              <a:t>"snappy"</a:t>
-            </a:r>
-            <a:r>
-              <a:rPr lang="zh-CN" altLang="zh-CN" sz="1100" dirty="0">
-                <a:solidFill>
-                  <a:srgbClr val="ABB2BF"/>
-                </a:solidFill>
-                <a:latin typeface="Arial Unicode MS" panose="020B0604020202020204" pitchFamily="34" charset="-122"/>
-              </a:rPr>
-              <a:t>) \ </a:t>
-            </a:r>
-          </a:p>
-          <a:p>
-            <a:pPr lvl="0" defTabSz="914400" eaLnBrk="0" fontAlgn="base" hangingPunct="0">
-              <a:spcBef>
-                <a:spcPct val="0"/>
-              </a:spcBef>
-              <a:spcAft>
-                <a:spcPct val="0"/>
-              </a:spcAft>
-            </a:pPr>
-            <a:r>
-              <a:rPr lang="zh-CN" altLang="zh-CN" sz="1100" dirty="0">
-                <a:solidFill>
-                  <a:srgbClr val="ABB2BF"/>
-                </a:solidFill>
-                <a:latin typeface="Arial Unicode MS" panose="020B0604020202020204" pitchFamily="34" charset="-122"/>
-              </a:rPr>
-              <a:t>        .</a:t>
-            </a:r>
-            <a:r>
-              <a:rPr lang="zh-CN" altLang="zh-CN" sz="1100" dirty="0">
-                <a:solidFill>
-                  <a:srgbClr val="61AFEF"/>
-                </a:solidFill>
-                <a:latin typeface="Arial Unicode MS" panose="020B0604020202020204" pitchFamily="34" charset="-122"/>
-              </a:rPr>
-              <a:t>config</a:t>
-            </a:r>
-            <a:r>
-              <a:rPr lang="zh-CN" altLang="zh-CN" sz="1100" dirty="0">
-                <a:solidFill>
-                  <a:srgbClr val="ABB2BF"/>
-                </a:solidFill>
-                <a:latin typeface="Arial Unicode MS" panose="020B0604020202020204" pitchFamily="34" charset="-122"/>
-              </a:rPr>
-              <a:t>(</a:t>
-            </a:r>
-            <a:r>
-              <a:rPr lang="zh-CN" altLang="zh-CN" sz="1100" dirty="0">
-                <a:solidFill>
-                  <a:srgbClr val="98C379"/>
-                </a:solidFill>
-                <a:latin typeface="Arial Unicode MS" panose="020B0604020202020204" pitchFamily="34" charset="-122"/>
-              </a:rPr>
-              <a:t>"spark.sql.shuffle.partitions"</a:t>
-            </a:r>
-            <a:r>
-              <a:rPr lang="zh-CN" altLang="zh-CN" sz="1100" dirty="0">
-                <a:solidFill>
-                  <a:srgbClr val="ABB2BF"/>
-                </a:solidFill>
-                <a:latin typeface="Arial Unicode MS" panose="020B0604020202020204" pitchFamily="34" charset="-122"/>
-              </a:rPr>
-              <a:t>,</a:t>
-            </a:r>
-            <a:r>
-              <a:rPr lang="zh-CN" altLang="zh-CN" sz="1100" dirty="0">
-                <a:solidFill>
-                  <a:srgbClr val="98C379"/>
-                </a:solidFill>
-                <a:latin typeface="Arial Unicode MS" panose="020B0604020202020204" pitchFamily="34" charset="-122"/>
-              </a:rPr>
-              <a:t>"20"</a:t>
-            </a:r>
-            <a:r>
-              <a:rPr lang="zh-CN" altLang="zh-CN" sz="1100" dirty="0">
-                <a:solidFill>
-                  <a:srgbClr val="ABB2BF"/>
-                </a:solidFill>
-                <a:latin typeface="Arial Unicode MS" panose="020B0604020202020204" pitchFamily="34" charset="-122"/>
-              </a:rPr>
-              <a:t>) \ </a:t>
-            </a:r>
-          </a:p>
-          <a:p>
-            <a:pPr lvl="0" defTabSz="914400" eaLnBrk="0" fontAlgn="base" hangingPunct="0">
-              <a:spcBef>
-                <a:spcPct val="0"/>
-              </a:spcBef>
-              <a:spcAft>
-                <a:spcPct val="0"/>
-              </a:spcAft>
-            </a:pPr>
-            <a:r>
-              <a:rPr lang="zh-CN" altLang="zh-CN" sz="1100" dirty="0">
-                <a:solidFill>
-                  <a:srgbClr val="ABB2BF"/>
-                </a:solidFill>
-                <a:latin typeface="Arial Unicode MS" panose="020B0604020202020204" pitchFamily="34" charset="-122"/>
-              </a:rPr>
-              <a:t>        .</a:t>
-            </a:r>
-            <a:r>
-              <a:rPr lang="zh-CN" altLang="zh-CN" sz="1100" dirty="0">
-                <a:solidFill>
-                  <a:srgbClr val="61AFEF"/>
-                </a:solidFill>
-                <a:latin typeface="Arial Unicode MS" panose="020B0604020202020204" pitchFamily="34" charset="-122"/>
-              </a:rPr>
-              <a:t>config</a:t>
-            </a:r>
-            <a:r>
-              <a:rPr lang="zh-CN" altLang="zh-CN" sz="1100" dirty="0">
-                <a:solidFill>
-                  <a:srgbClr val="ABB2BF"/>
-                </a:solidFill>
-                <a:latin typeface="Arial Unicode MS" panose="020B0604020202020204" pitchFamily="34" charset="-122"/>
-              </a:rPr>
-              <a:t>(</a:t>
-            </a:r>
-            <a:r>
-              <a:rPr lang="zh-CN" altLang="zh-CN" sz="1100" dirty="0">
-                <a:solidFill>
-                  <a:srgbClr val="98C379"/>
-                </a:solidFill>
-                <a:latin typeface="Arial Unicode MS" panose="020B0604020202020204" pitchFamily="34" charset="-122"/>
-              </a:rPr>
-              <a:t>"spark.network.timeout"</a:t>
-            </a:r>
-            <a:r>
-              <a:rPr lang="zh-CN" altLang="zh-CN" sz="1100" dirty="0">
-                <a:solidFill>
-                  <a:srgbClr val="ABB2BF"/>
-                </a:solidFill>
-                <a:latin typeface="Arial Unicode MS" panose="020B0604020202020204" pitchFamily="34" charset="-122"/>
-              </a:rPr>
-              <a:t>,</a:t>
-            </a:r>
-            <a:r>
-              <a:rPr lang="zh-CN" altLang="zh-CN" sz="1100" dirty="0">
-                <a:solidFill>
-                  <a:srgbClr val="98C379"/>
-                </a:solidFill>
-                <a:latin typeface="Arial Unicode MS" panose="020B0604020202020204" pitchFamily="34" charset="-122"/>
-              </a:rPr>
-              <a:t>"240"</a:t>
-            </a:r>
-            <a:r>
-              <a:rPr lang="zh-CN" altLang="zh-CN" sz="1100" dirty="0">
-                <a:solidFill>
-                  <a:srgbClr val="ABB2BF"/>
-                </a:solidFill>
-                <a:latin typeface="Arial Unicode MS" panose="020B0604020202020204" pitchFamily="34" charset="-122"/>
-              </a:rPr>
-              <a:t>) \ </a:t>
-            </a:r>
-          </a:p>
-          <a:p>
-            <a:pPr lvl="0" defTabSz="914400" eaLnBrk="0" fontAlgn="base" hangingPunct="0">
-              <a:spcBef>
-                <a:spcPct val="0"/>
-              </a:spcBef>
-              <a:spcAft>
-                <a:spcPct val="0"/>
-              </a:spcAft>
-            </a:pPr>
-            <a:r>
-              <a:rPr lang="zh-CN" altLang="zh-CN" sz="1100" dirty="0">
-                <a:solidFill>
-                  <a:srgbClr val="ABB2BF"/>
-                </a:solidFill>
-                <a:latin typeface="Arial Unicode MS" panose="020B0604020202020204" pitchFamily="34" charset="-122"/>
-              </a:rPr>
-              <a:t>        .</a:t>
-            </a:r>
-            <a:r>
-              <a:rPr lang="zh-CN" altLang="zh-CN" sz="1100" dirty="0">
-                <a:solidFill>
-                  <a:srgbClr val="61AFEF"/>
-                </a:solidFill>
-                <a:latin typeface="Arial Unicode MS" panose="020B0604020202020204" pitchFamily="34" charset="-122"/>
-              </a:rPr>
-              <a:t>config</a:t>
-            </a:r>
-            <a:r>
-              <a:rPr lang="zh-CN" altLang="zh-CN" sz="1100" dirty="0">
-                <a:solidFill>
-                  <a:srgbClr val="ABB2BF"/>
-                </a:solidFill>
-                <a:latin typeface="Arial Unicode MS" panose="020B0604020202020204" pitchFamily="34" charset="-122"/>
-              </a:rPr>
-              <a:t>(</a:t>
-            </a:r>
-            <a:r>
-              <a:rPr lang="zh-CN" altLang="zh-CN" sz="1100" dirty="0">
-                <a:solidFill>
-                  <a:srgbClr val="98C379"/>
-                </a:solidFill>
-                <a:latin typeface="Arial Unicode MS" panose="020B0604020202020204" pitchFamily="34" charset="-122"/>
-              </a:rPr>
-              <a:t>"spark.dynamicAllocation.maxExecutors"</a:t>
-            </a:r>
-            <a:r>
-              <a:rPr lang="zh-CN" altLang="zh-CN" sz="1100" dirty="0">
-                <a:solidFill>
-                  <a:srgbClr val="ABB2BF"/>
-                </a:solidFill>
-                <a:latin typeface="Arial Unicode MS" panose="020B0604020202020204" pitchFamily="34" charset="-122"/>
-              </a:rPr>
-              <a:t>, </a:t>
-            </a:r>
-            <a:r>
-              <a:rPr lang="zh-CN" altLang="zh-CN" sz="1100" dirty="0">
-                <a:solidFill>
-                  <a:srgbClr val="98C379"/>
-                </a:solidFill>
-                <a:latin typeface="Arial Unicode MS" panose="020B0604020202020204" pitchFamily="34" charset="-122"/>
-              </a:rPr>
-              <a:t>"4"</a:t>
-            </a:r>
-            <a:r>
-              <a:rPr lang="zh-CN" altLang="zh-CN" sz="1100" dirty="0">
-                <a:solidFill>
-                  <a:srgbClr val="ABB2BF"/>
-                </a:solidFill>
-                <a:latin typeface="Arial Unicode MS" panose="020B0604020202020204" pitchFamily="34" charset="-122"/>
-              </a:rPr>
-              <a:t>) \ </a:t>
-            </a:r>
-          </a:p>
-          <a:p>
-            <a:pPr lvl="0" defTabSz="914400" eaLnBrk="0" fontAlgn="base" hangingPunct="0">
-              <a:spcBef>
-                <a:spcPct val="0"/>
-              </a:spcBef>
-              <a:spcAft>
-                <a:spcPct val="0"/>
-              </a:spcAft>
-            </a:pPr>
-            <a:r>
-              <a:rPr lang="zh-CN" altLang="zh-CN" sz="1100" dirty="0">
-                <a:solidFill>
-                  <a:srgbClr val="ABB2BF"/>
-                </a:solidFill>
-                <a:latin typeface="Arial Unicode MS" panose="020B0604020202020204" pitchFamily="34" charset="-122"/>
-              </a:rPr>
-              <a:t>        .</a:t>
-            </a:r>
-            <a:r>
-              <a:rPr lang="zh-CN" altLang="zh-CN" sz="1100" dirty="0">
-                <a:solidFill>
-                  <a:srgbClr val="61AFEF"/>
-                </a:solidFill>
-                <a:latin typeface="Arial Unicode MS" panose="020B0604020202020204" pitchFamily="34" charset="-122"/>
-              </a:rPr>
-              <a:t>config</a:t>
-            </a:r>
-            <a:r>
-              <a:rPr lang="zh-CN" altLang="zh-CN" sz="1100" dirty="0">
-                <a:solidFill>
-                  <a:srgbClr val="ABB2BF"/>
-                </a:solidFill>
-                <a:latin typeface="Arial Unicode MS" panose="020B0604020202020204" pitchFamily="34" charset="-122"/>
-              </a:rPr>
-              <a:t>(</a:t>
-            </a:r>
-            <a:r>
-              <a:rPr lang="zh-CN" altLang="zh-CN" sz="1100" dirty="0">
-                <a:solidFill>
-                  <a:srgbClr val="98C379"/>
-                </a:solidFill>
-                <a:latin typeface="Arial Unicode MS" panose="020B0604020202020204" pitchFamily="34" charset="-122"/>
-              </a:rPr>
-              <a:t>"spark.executor.memory"</a:t>
-            </a:r>
-            <a:r>
-              <a:rPr lang="zh-CN" altLang="zh-CN" sz="1100" dirty="0">
-                <a:solidFill>
-                  <a:srgbClr val="ABB2BF"/>
-                </a:solidFill>
-                <a:latin typeface="Arial Unicode MS" panose="020B0604020202020204" pitchFamily="34" charset="-122"/>
-              </a:rPr>
-              <a:t>, </a:t>
-            </a:r>
-            <a:r>
-              <a:rPr lang="zh-CN" altLang="zh-CN" sz="1100" dirty="0">
-                <a:solidFill>
-                  <a:srgbClr val="98C379"/>
-                </a:solidFill>
-                <a:latin typeface="Arial Unicode MS" panose="020B0604020202020204" pitchFamily="34" charset="-122"/>
-              </a:rPr>
-              <a:t>"1G"</a:t>
-            </a:r>
-            <a:r>
-              <a:rPr lang="zh-CN" altLang="zh-CN" sz="1100" dirty="0">
-                <a:solidFill>
-                  <a:srgbClr val="ABB2BF"/>
-                </a:solidFill>
-                <a:latin typeface="Arial Unicode MS" panose="020B0604020202020204" pitchFamily="34" charset="-122"/>
-              </a:rPr>
-              <a:t>) \ </a:t>
-            </a:r>
-          </a:p>
-          <a:p>
-            <a:pPr lvl="0" defTabSz="914400" eaLnBrk="0" fontAlgn="base" hangingPunct="0">
-              <a:spcBef>
-                <a:spcPct val="0"/>
-              </a:spcBef>
-              <a:spcAft>
-                <a:spcPct val="0"/>
-              </a:spcAft>
-            </a:pPr>
-            <a:r>
-              <a:rPr lang="zh-CN" altLang="zh-CN" sz="1100" dirty="0">
-                <a:solidFill>
-                  <a:srgbClr val="ABB2BF"/>
-                </a:solidFill>
-                <a:latin typeface="Arial Unicode MS" panose="020B0604020202020204" pitchFamily="34" charset="-122"/>
-              </a:rPr>
-              <a:t>        .</a:t>
-            </a:r>
-            <a:r>
-              <a:rPr lang="zh-CN" altLang="zh-CN" sz="1100" dirty="0">
-                <a:solidFill>
-                  <a:srgbClr val="61AFEF"/>
-                </a:solidFill>
-                <a:latin typeface="Arial Unicode MS" panose="020B0604020202020204" pitchFamily="34" charset="-122"/>
-              </a:rPr>
-              <a:t>config</a:t>
-            </a:r>
-            <a:r>
-              <a:rPr lang="zh-CN" altLang="zh-CN" sz="1100" dirty="0">
-                <a:solidFill>
-                  <a:srgbClr val="ABB2BF"/>
-                </a:solidFill>
-                <a:latin typeface="Arial Unicode MS" panose="020B0604020202020204" pitchFamily="34" charset="-122"/>
-              </a:rPr>
-              <a:t>(</a:t>
-            </a:r>
-            <a:r>
-              <a:rPr lang="zh-CN" altLang="zh-CN" sz="1100" dirty="0">
-                <a:solidFill>
-                  <a:srgbClr val="98C379"/>
-                </a:solidFill>
-                <a:latin typeface="Arial Unicode MS" panose="020B0604020202020204" pitchFamily="34" charset="-122"/>
-              </a:rPr>
-              <a:t>"spark.executor.cores"</a:t>
-            </a:r>
-            <a:r>
-              <a:rPr lang="zh-CN" altLang="zh-CN" sz="1100" dirty="0">
-                <a:solidFill>
-                  <a:srgbClr val="ABB2BF"/>
-                </a:solidFill>
-                <a:latin typeface="Arial Unicode MS" panose="020B0604020202020204" pitchFamily="34" charset="-122"/>
-              </a:rPr>
-              <a:t>, </a:t>
-            </a:r>
-            <a:r>
-              <a:rPr lang="zh-CN" altLang="zh-CN" sz="1100" dirty="0">
-                <a:solidFill>
-                  <a:srgbClr val="98C379"/>
-                </a:solidFill>
-                <a:latin typeface="Arial Unicode MS" panose="020B0604020202020204" pitchFamily="34" charset="-122"/>
-              </a:rPr>
-              <a:t>"1"</a:t>
-            </a:r>
-            <a:r>
-              <a:rPr lang="zh-CN" altLang="zh-CN" sz="1100" dirty="0">
-                <a:solidFill>
-                  <a:srgbClr val="ABB2BF"/>
-                </a:solidFill>
-                <a:latin typeface="Arial Unicode MS" panose="020B0604020202020204" pitchFamily="34" charset="-122"/>
-              </a:rPr>
-              <a:t>) \ </a:t>
-            </a:r>
-          </a:p>
-          <a:p>
-            <a:pPr lvl="0" defTabSz="914400" eaLnBrk="0" fontAlgn="base" hangingPunct="0">
-              <a:spcBef>
-                <a:spcPct val="0"/>
-              </a:spcBef>
-              <a:spcAft>
-                <a:spcPct val="0"/>
-              </a:spcAft>
-            </a:pPr>
-            <a:r>
-              <a:rPr lang="zh-CN" altLang="zh-CN" sz="1100" dirty="0">
-                <a:solidFill>
-                  <a:srgbClr val="ABB2BF"/>
-                </a:solidFill>
-                <a:latin typeface="Arial Unicode MS" panose="020B0604020202020204" pitchFamily="34" charset="-122"/>
-              </a:rPr>
-              <a:t>        .</a:t>
-            </a:r>
-            <a:r>
-              <a:rPr lang="zh-CN" altLang="zh-CN" sz="1100" dirty="0">
-                <a:solidFill>
-                  <a:srgbClr val="61AFEF"/>
-                </a:solidFill>
-                <a:latin typeface="Arial Unicode MS" panose="020B0604020202020204" pitchFamily="34" charset="-122"/>
-              </a:rPr>
-              <a:t>enableHiveSupport</a:t>
-            </a:r>
-            <a:r>
-              <a:rPr lang="zh-CN" altLang="zh-CN" sz="1100" dirty="0">
-                <a:solidFill>
-                  <a:srgbClr val="ABB2BF"/>
-                </a:solidFill>
-                <a:latin typeface="Arial Unicode MS" panose="020B0604020202020204" pitchFamily="34" charset="-122"/>
-              </a:rPr>
-              <a:t>() \ </a:t>
-            </a:r>
-          </a:p>
-          <a:p>
-            <a:pPr lvl="0" defTabSz="914400" eaLnBrk="0" fontAlgn="base" hangingPunct="0">
-              <a:spcBef>
-                <a:spcPct val="0"/>
-              </a:spcBef>
-              <a:spcAft>
-                <a:spcPct val="0"/>
-              </a:spcAft>
-            </a:pPr>
-            <a:r>
-              <a:rPr lang="zh-CN" altLang="zh-CN" sz="1100" dirty="0">
-                <a:solidFill>
-                  <a:srgbClr val="ABB2BF"/>
-                </a:solidFill>
-                <a:latin typeface="Arial Unicode MS" panose="020B0604020202020204" pitchFamily="34" charset="-122"/>
-              </a:rPr>
-              <a:t>        .</a:t>
-            </a:r>
-            <a:r>
-              <a:rPr lang="zh-CN" altLang="zh-CN" sz="1100" dirty="0">
-                <a:solidFill>
-                  <a:srgbClr val="61AFEF"/>
-                </a:solidFill>
-                <a:latin typeface="Arial Unicode MS" panose="020B0604020202020204" pitchFamily="34" charset="-122"/>
-              </a:rPr>
-              <a:t>getOrCreate</a:t>
-            </a:r>
-            <a:r>
-              <a:rPr lang="zh-CN" altLang="zh-CN" sz="1100" dirty="0">
-                <a:solidFill>
-                  <a:srgbClr val="ABB2BF"/>
-                </a:solidFill>
-                <a:latin typeface="Arial Unicode MS" panose="020B0604020202020204" pitchFamily="34" charset="-122"/>
-              </a:rPr>
-              <a:t>()</a:t>
-            </a:r>
-            <a:endParaRPr lang="zh-CN" altLang="zh-CN" sz="1100" dirty="0">
-              <a:latin typeface="Arial" panose="020B0604020202020204" pitchFamily="34" charset="0"/>
-            </a:endParaRPr>
-          </a:p>
-        </p:txBody>
-      </p:sp>
-      <p:sp>
-        <p:nvSpPr>
-          <p:cNvPr id="12" name="标题 1">
-            <a:extLst>
-              <a:ext uri="{FF2B5EF4-FFF2-40B4-BE49-F238E27FC236}">
-                <a16:creationId xmlns:a16="http://schemas.microsoft.com/office/drawing/2014/main" id="{AA9955A9-F0A6-4EC2-8E73-3EF35CC2BBED}"/>
-              </a:ext>
-            </a:extLst>
-          </p:cNvPr>
-          <p:cNvSpPr txBox="1">
-            <a:spLocks/>
-          </p:cNvSpPr>
-          <p:nvPr/>
-        </p:nvSpPr>
-        <p:spPr>
-          <a:xfrm>
-            <a:off x="1053852" y="4941168"/>
-            <a:ext cx="3600399" cy="493642"/>
-          </a:xfrm>
-          <a:prstGeom prst="rect">
-            <a:avLst/>
-          </a:prstGeom>
-        </p:spPr>
-        <p:txBody>
-          <a:bodyPr vert="horz" lIns="121899" tIns="60949" rIns="121899" bIns="60949" rtlCol="0" anchor="b">
-            <a:normAutofit/>
-          </a:bodyPr>
-          <a:lstStyle>
-            <a:lvl1pPr algn="l" defTabSz="1218987" rtl="0" eaLnBrk="1" latinLnBrk="0" hangingPunct="1">
-              <a:lnSpc>
-                <a:spcPct val="85000"/>
-              </a:lnSpc>
-              <a:spcBef>
-                <a:spcPct val="0"/>
-              </a:spcBef>
-              <a:buNone/>
-              <a:tabLst/>
-              <a:defRPr sz="4400" kern="1200" cap="none" baseline="0">
-                <a:solidFill>
-                  <a:schemeClr val="tx1"/>
-                </a:solidFill>
-                <a:latin typeface="微软雅黑" panose="020B0503020204020204" pitchFamily="34" charset="-122"/>
-                <a:ea typeface="微软雅黑" panose="020B0503020204020204" pitchFamily="34" charset="-122"/>
-                <a:cs typeface="+mj-cs"/>
-              </a:defRPr>
-            </a:lvl1pPr>
-          </a:lstStyle>
-          <a:p>
-            <a:r>
-              <a:rPr lang="en-US" altLang="zh-CN" sz="2000" dirty="0"/>
-              <a:t>4</a:t>
-            </a:r>
-            <a:r>
-              <a:rPr lang="zh-CN" altLang="en-US" sz="2000" dirty="0"/>
-              <a:t>、</a:t>
-            </a:r>
-            <a:r>
-              <a:rPr lang="en-US" altLang="zh-CN" sz="2000"/>
-              <a:t>.config()</a:t>
-            </a:r>
-            <a:r>
-              <a:rPr lang="zh-CN" altLang="en-US" sz="2000"/>
-              <a:t>配置</a:t>
-            </a:r>
-            <a:r>
-              <a:rPr lang="en-US" altLang="zh-CN" sz="2000" dirty="0"/>
-              <a:t>spark</a:t>
-            </a:r>
-          </a:p>
-        </p:txBody>
-      </p:sp>
-      <p:sp>
-        <p:nvSpPr>
-          <p:cNvPr id="13" name="矩形 12">
-            <a:hlinkClick r:id="rId4"/>
-            <a:extLst>
-              <a:ext uri="{FF2B5EF4-FFF2-40B4-BE49-F238E27FC236}">
-                <a16:creationId xmlns:a16="http://schemas.microsoft.com/office/drawing/2014/main" id="{CF0063C4-0730-4ED9-A128-6A600005C91A}"/>
-              </a:ext>
-            </a:extLst>
-          </p:cNvPr>
-          <p:cNvSpPr/>
-          <p:nvPr/>
-        </p:nvSpPr>
-        <p:spPr>
-          <a:xfrm>
-            <a:off x="621804" y="5733256"/>
-            <a:ext cx="4464496" cy="432048"/>
-          </a:xfrm>
-          <a:prstGeom prst="rect">
-            <a:avLst/>
-          </a:prstGeom>
-          <a:solidFill>
-            <a:schemeClr val="bg2">
-              <a:lumMod val="90000"/>
-            </a:schemeClr>
-          </a:solidFill>
-          <a:ln>
-            <a:noFill/>
-          </a:ln>
-          <a:effectLst>
-            <a:outerShdw blurRad="44450" dist="27940" dir="5400000" algn="ctr">
-              <a:srgbClr val="000000">
-                <a:alpha val="32000"/>
-              </a:srgbClr>
-            </a:outerShdw>
-          </a:effectLst>
-          <a:scene3d>
-            <a:camera prst="orthographicFront">
-              <a:rot lat="0" lon="0" rev="0"/>
-            </a:camera>
-            <a:lightRig rig="balanced" dir="t">
-              <a:rot lat="0" lon="0" rev="8700000"/>
-            </a:lightRig>
-          </a:scene3d>
-          <a:sp3d>
-            <a:bevelT w="190500" h="38100"/>
-          </a:sp3d>
-        </p:spPr>
-        <p:style>
-          <a:lnRef idx="2">
-            <a:schemeClr val="accent1">
-              <a:shade val="50000"/>
-            </a:schemeClr>
-          </a:lnRef>
-          <a:fillRef idx="1">
-            <a:schemeClr val="accent1"/>
-          </a:fillRef>
-          <a:effectRef idx="0">
-            <a:schemeClr val="accent1"/>
-          </a:effectRef>
-          <a:fontRef idx="minor">
-            <a:schemeClr val="lt1"/>
-          </a:fontRef>
-        </p:style>
-        <p:txBody>
-          <a:bodyPr rtlCol="0" anchor="ctr"/>
-          <a:lstStyle/>
-          <a:p>
-            <a:pPr algn="ctr"/>
-            <a:r>
-              <a:rPr lang="en-US" altLang="zh-CN" sz="1100" dirty="0">
-                <a:solidFill>
-                  <a:schemeClr val="tx2"/>
-                </a:solidFill>
-                <a:latin typeface="微软雅黑" panose="020B0503020204020204" pitchFamily="34" charset="-122"/>
-                <a:ea typeface="微软雅黑" panose="020B0503020204020204" pitchFamily="34" charset="-122"/>
-              </a:rPr>
-              <a:t>http://spark.apache.org/docs/1.6.1/configuration.html</a:t>
-            </a:r>
-            <a:endParaRPr lang="zh-CN" altLang="en-US" sz="1100" dirty="0">
-              <a:solidFill>
-                <a:schemeClr val="tx2"/>
-              </a:solidFill>
-              <a:latin typeface="微软雅黑" panose="020B0503020204020204" pitchFamily="34" charset="-122"/>
-              <a:ea typeface="微软雅黑" panose="020B0503020204020204" pitchFamily="34" charset="-122"/>
-            </a:endParaRPr>
-          </a:p>
-        </p:txBody>
-      </p:sp>
     </p:spTree>
     <p:extLst>
       <p:ext uri="{BB962C8B-B14F-4D97-AF65-F5344CB8AC3E}">
@@ -19241,312 +22660,7 @@
 </p:sld>
 </file>
 
-<file path=ppt/slides/slide2.xml><?xml version="1.0" encoding="utf-8"?>
-<p:sld xmlns:a="http://schemas.openxmlformats.org/drawingml/2006/main" xmlns:r="http://schemas.openxmlformats.org/officeDocument/2006/relationships" xmlns:p="http://schemas.openxmlformats.org/presentationml/2006/main">
-  <p:cSld>
-    <p:spTree>
-      <p:nvGrpSpPr>
-        <p:cNvPr id="1" name=""/>
-        <p:cNvGrpSpPr/>
-        <p:nvPr/>
-      </p:nvGrpSpPr>
-      <p:grpSpPr>
-        <a:xfrm>
-          <a:off x="0" y="0"/>
-          <a:ext cx="0" cy="0"/>
-          <a:chOff x="0" y="0"/>
-          <a:chExt cx="0" cy="0"/>
-        </a:xfrm>
-      </p:grpSpPr>
-      <p:sp>
-        <p:nvSpPr>
-          <p:cNvPr id="13" name="标题 12"/>
-          <p:cNvSpPr>
-            <a:spLocks noGrp="1"/>
-          </p:cNvSpPr>
-          <p:nvPr>
-            <p:ph type="title"/>
-          </p:nvPr>
-        </p:nvSpPr>
-        <p:spPr/>
-        <p:txBody>
-          <a:bodyPr rtlCol="0"/>
-          <a:lstStyle/>
-          <a:p>
-            <a:pPr rtl="0"/>
-            <a:r>
-              <a:rPr lang="zh-CN" altLang="en-US" dirty="0"/>
-              <a:t>主要内容</a:t>
-            </a:r>
-            <a:endParaRPr lang="en-US" dirty="0">
-              <a:latin typeface="微软雅黑" panose="020B0503020204020204" pitchFamily="34" charset="-122"/>
-              <a:ea typeface="微软雅黑" panose="020B0503020204020204" pitchFamily="34" charset="-122"/>
-            </a:endParaRPr>
-          </a:p>
-        </p:txBody>
-      </p:sp>
-      <p:sp>
-        <p:nvSpPr>
-          <p:cNvPr id="14" name="内容占位符 13"/>
-          <p:cNvSpPr>
-            <a:spLocks noGrp="1"/>
-          </p:cNvSpPr>
-          <p:nvPr>
-            <p:ph idx="1"/>
-          </p:nvPr>
-        </p:nvSpPr>
-        <p:spPr/>
-        <p:txBody>
-          <a:bodyPr rtlCol="0">
-            <a:normAutofit lnSpcReduction="10000"/>
-          </a:bodyPr>
-          <a:lstStyle/>
-          <a:p>
-            <a:pPr rtl="0"/>
-            <a:r>
-              <a:rPr lang="zh-CN" altLang="en-US" dirty="0">
-                <a:latin typeface="微软雅黑" panose="020B0503020204020204" pitchFamily="34" charset="-122"/>
-                <a:ea typeface="微软雅黑" panose="020B0503020204020204" pitchFamily="34" charset="-122"/>
-              </a:rPr>
-              <a:t>一、</a:t>
-            </a:r>
-            <a:r>
-              <a:rPr lang="en-US" altLang="zh-CN" dirty="0">
-                <a:latin typeface="微软雅黑" panose="020B0503020204020204" pitchFamily="34" charset="-122"/>
-                <a:ea typeface="微软雅黑" panose="020B0503020204020204" pitchFamily="34" charset="-122"/>
-              </a:rPr>
-              <a:t>http</a:t>
-            </a:r>
-            <a:r>
-              <a:rPr lang="zh-CN" altLang="en-US" dirty="0">
-                <a:latin typeface="微软雅黑" panose="020B0503020204020204" pitchFamily="34" charset="-122"/>
-                <a:ea typeface="微软雅黑" panose="020B0503020204020204" pitchFamily="34" charset="-122"/>
-              </a:rPr>
-              <a:t>协议简单介绍</a:t>
-            </a:r>
-            <a:endParaRPr lang="en-US" altLang="zh-CN" dirty="0">
-              <a:latin typeface="微软雅黑" panose="020B0503020204020204" pitchFamily="34" charset="-122"/>
-              <a:ea typeface="微软雅黑" panose="020B0503020204020204" pitchFamily="34" charset="-122"/>
-            </a:endParaRPr>
-          </a:p>
-          <a:p>
-            <a:pPr rtl="0"/>
-            <a:r>
-              <a:rPr lang="zh-CN" altLang="en-US" dirty="0"/>
-              <a:t>二</a:t>
-            </a:r>
-            <a:r>
-              <a:rPr lang="zh-CN" altLang="en-US" dirty="0">
-                <a:latin typeface="微软雅黑" panose="020B0503020204020204" pitchFamily="34" charset="-122"/>
-                <a:ea typeface="微软雅黑" panose="020B0503020204020204" pitchFamily="34" charset="-122"/>
-              </a:rPr>
-              <a:t>、钉钉群自定义机器人开发</a:t>
-            </a:r>
-            <a:endParaRPr lang="en-US" altLang="zh-CN" dirty="0">
-              <a:latin typeface="微软雅黑" panose="020B0503020204020204" pitchFamily="34" charset="-122"/>
-              <a:ea typeface="微软雅黑" panose="020B0503020204020204" pitchFamily="34" charset="-122"/>
-            </a:endParaRPr>
-          </a:p>
-          <a:p>
-            <a:r>
-              <a:rPr lang="zh-CN" altLang="en-US" dirty="0"/>
-              <a:t>三、企业会话消息发送</a:t>
-            </a:r>
-            <a:endParaRPr lang="en-US" altLang="zh-CN" dirty="0"/>
-          </a:p>
-          <a:p>
-            <a:r>
-              <a:rPr lang="zh-CN" altLang="en-US" dirty="0"/>
-              <a:t>四、消息群发</a:t>
-            </a:r>
-            <a:endParaRPr lang="en-US" altLang="zh-CN" dirty="0"/>
-          </a:p>
-          <a:p>
-            <a:r>
-              <a:rPr lang="zh-CN" altLang="en-US" dirty="0"/>
-              <a:t>五、文档地址</a:t>
-            </a:r>
-            <a:endParaRPr lang="en-US" altLang="zh-CN" dirty="0"/>
-          </a:p>
-          <a:p>
-            <a:r>
-              <a:rPr lang="zh-CN" altLang="en-US" dirty="0"/>
-              <a:t>六、组织</a:t>
-            </a:r>
-            <a:r>
-              <a:rPr lang="en-US" altLang="zh-CN" dirty="0"/>
-              <a:t>python</a:t>
-            </a:r>
-            <a:r>
-              <a:rPr lang="zh-CN" altLang="en-US" dirty="0"/>
-              <a:t>代码</a:t>
-            </a:r>
-            <a:endParaRPr lang="zh-cn" dirty="0">
-              <a:latin typeface="微软雅黑" panose="020B0503020204020204" pitchFamily="34" charset="-122"/>
-              <a:ea typeface="微软雅黑" panose="020B0503020204020204" pitchFamily="34" charset="-122"/>
-            </a:endParaRPr>
-          </a:p>
-          <a:p>
-            <a:pPr rtl="0"/>
-            <a:r>
-              <a:rPr lang="zh-CN" altLang="en-US" dirty="0">
-                <a:latin typeface="微软雅黑" panose="020B0503020204020204" pitchFamily="34" charset="-122"/>
-                <a:ea typeface="微软雅黑" panose="020B0503020204020204" pitchFamily="34" charset="-122"/>
-              </a:rPr>
-              <a:t>七、远程执行</a:t>
-            </a:r>
-            <a:r>
-              <a:rPr lang="en-US" altLang="zh-CN" dirty="0" err="1">
-                <a:latin typeface="微软雅黑" panose="020B0503020204020204" pitchFamily="34" charset="-122"/>
-                <a:ea typeface="微软雅黑" panose="020B0503020204020204" pitchFamily="34" charset="-122"/>
-              </a:rPr>
-              <a:t>jupyter</a:t>
-            </a:r>
-            <a:r>
-              <a:rPr lang="zh-CN" altLang="en-US" dirty="0">
-                <a:latin typeface="微软雅黑" panose="020B0503020204020204" pitchFamily="34" charset="-122"/>
-                <a:ea typeface="微软雅黑" panose="020B0503020204020204" pitchFamily="34" charset="-122"/>
-              </a:rPr>
-              <a:t>代码</a:t>
-            </a:r>
-            <a:endParaRPr lang="en-US" altLang="zh-CN" dirty="0">
-              <a:latin typeface="微软雅黑" panose="020B0503020204020204" pitchFamily="34" charset="-122"/>
-              <a:ea typeface="微软雅黑" panose="020B0503020204020204" pitchFamily="34" charset="-122"/>
-            </a:endParaRPr>
-          </a:p>
-          <a:p>
-            <a:pPr rtl="0"/>
-            <a:r>
-              <a:rPr lang="zh-CN" altLang="en-US" dirty="0"/>
-              <a:t>八、聊聊微信</a:t>
-            </a:r>
-            <a:endParaRPr lang="en-US" dirty="0">
-              <a:latin typeface="微软雅黑" panose="020B0503020204020204" pitchFamily="34" charset="-122"/>
-              <a:ea typeface="微软雅黑" panose="020B0503020204020204" pitchFamily="34" charset="-122"/>
-            </a:endParaRPr>
-          </a:p>
-        </p:txBody>
-      </p:sp>
-      <p:sp>
-        <p:nvSpPr>
-          <p:cNvPr id="4" name="标题 1">
-            <a:extLst>
-              <a:ext uri="{FF2B5EF4-FFF2-40B4-BE49-F238E27FC236}">
-                <a16:creationId xmlns:a16="http://schemas.microsoft.com/office/drawing/2014/main" id="{1E101CCB-11A0-4CB6-856D-E24060769143}"/>
-              </a:ext>
-            </a:extLst>
-          </p:cNvPr>
-          <p:cNvSpPr txBox="1">
-            <a:spLocks/>
-          </p:cNvSpPr>
-          <p:nvPr/>
-        </p:nvSpPr>
-        <p:spPr>
-          <a:xfrm>
-            <a:off x="1053851" y="6228160"/>
-            <a:ext cx="10786723" cy="493642"/>
-          </a:xfrm>
-          <a:prstGeom prst="rect">
-            <a:avLst/>
-          </a:prstGeom>
-        </p:spPr>
-        <p:txBody>
-          <a:bodyPr vert="horz" lIns="121899" tIns="60949" rIns="121899" bIns="60949" rtlCol="0" anchor="b">
-            <a:normAutofit/>
-          </a:bodyPr>
-          <a:lstStyle>
-            <a:lvl1pPr algn="l" defTabSz="1218987" rtl="0" eaLnBrk="1" latinLnBrk="0" hangingPunct="1">
-              <a:lnSpc>
-                <a:spcPct val="85000"/>
-              </a:lnSpc>
-              <a:spcBef>
-                <a:spcPct val="0"/>
-              </a:spcBef>
-              <a:buNone/>
-              <a:tabLst/>
-              <a:defRPr sz="4400" kern="1200" cap="none" baseline="0">
-                <a:solidFill>
-                  <a:schemeClr val="tx1"/>
-                </a:solidFill>
-                <a:latin typeface="微软雅黑" panose="020B0503020204020204" pitchFamily="34" charset="-122"/>
-                <a:ea typeface="微软雅黑" panose="020B0503020204020204" pitchFamily="34" charset="-122"/>
-                <a:cs typeface="+mj-cs"/>
-              </a:defRPr>
-            </a:lvl1pPr>
-          </a:lstStyle>
-          <a:p>
-            <a:r>
-              <a:rPr lang="zh-CN" altLang="en-US" sz="2000" dirty="0"/>
-              <a:t>注意：</a:t>
-            </a:r>
-            <a:r>
-              <a:rPr lang="en-US" altLang="zh-CN" sz="2000" dirty="0"/>
-              <a:t>ppt</a:t>
-            </a:r>
-            <a:r>
-              <a:rPr lang="zh-CN" altLang="en-US" sz="2000" dirty="0"/>
-              <a:t>中的代码直接</a:t>
-            </a:r>
-            <a:r>
-              <a:rPr lang="en-US" altLang="zh-CN" sz="2000" dirty="0"/>
-              <a:t>copy</a:t>
-            </a:r>
-            <a:r>
-              <a:rPr lang="zh-CN" altLang="en-US" sz="2000" dirty="0"/>
-              <a:t>可能会有格式问题，建议</a:t>
-            </a:r>
-            <a:r>
-              <a:rPr lang="en-US" altLang="zh-CN" sz="2000" dirty="0"/>
-              <a:t>copy</a:t>
-            </a:r>
-            <a:r>
-              <a:rPr lang="zh-CN" altLang="en-US" sz="2000" dirty="0"/>
-              <a:t>对应</a:t>
-            </a:r>
-            <a:r>
-              <a:rPr lang="en-US" altLang="zh-CN" sz="2000" dirty="0" err="1"/>
-              <a:t>py</a:t>
-            </a:r>
-            <a:r>
-              <a:rPr lang="zh-CN" altLang="en-US" sz="2000" dirty="0"/>
-              <a:t>文件中的代码，</a:t>
-            </a:r>
-            <a:r>
-              <a:rPr lang="zh-CN" altLang="en-US" sz="2000" dirty="0">
-                <a:hlinkClick r:id="rId2"/>
-              </a:rPr>
-              <a:t>点我下载</a:t>
-            </a:r>
-            <a:endParaRPr lang="en-US" altLang="zh-CN" sz="2000" dirty="0"/>
-          </a:p>
-        </p:txBody>
-      </p:sp>
-    </p:spTree>
-    <p:extLst>
-      <p:ext uri="{BB962C8B-B14F-4D97-AF65-F5344CB8AC3E}">
-        <p14:creationId xmlns:p14="http://schemas.microsoft.com/office/powerpoint/2010/main" val="711182959"/>
-      </p:ext>
-    </p:extLst>
-  </p:cSld>
-  <p:clrMapOvr>
-    <a:masterClrMapping/>
-  </p:clrMapOvr>
-  <mc:AlternateContent xmlns:mc="http://schemas.openxmlformats.org/markup-compatibility/2006" xmlns:p14="http://schemas.microsoft.com/office/powerpoint/2010/main">
-    <mc:Choice Requires="p14">
-      <p:transition spd="med" p14:dur="700">
-        <p:fade/>
-      </p:transition>
-    </mc:Choice>
-    <mc:Fallback xmlns="">
-      <p:transition spd="med">
-        <p:fade/>
-      </p:transition>
-    </mc:Fallback>
-  </mc:AlternateContent>
-</p:sld>
-</file>
-
-<file path=ppt/slides/slide20.xml><?xml version="1.0" encoding="utf-8"?>
+<file path=ppt/slides/slide22.xml><?xml version="1.0" encoding="utf-8"?>
 <p:sld xmlns:a="http://schemas.openxmlformats.org/drawingml/2006/main" xmlns:r="http://schemas.openxmlformats.org/officeDocument/2006/relationships" xmlns:p="http://schemas.openxmlformats.org/presentationml/2006/main">
   <p:cSld>
     <p:spTree>
@@ -20281,7 +23395,7 @@
 </p:sld>
 </file>
 
-<file path=ppt/slides/slide21.xml><?xml version="1.0" encoding="utf-8"?>
+<file path=ppt/slides/slide23.xml><?xml version="1.0" encoding="utf-8"?>
 <p:sld xmlns:a="http://schemas.openxmlformats.org/drawingml/2006/main" xmlns:r="http://schemas.openxmlformats.org/officeDocument/2006/relationships" xmlns:p="http://schemas.openxmlformats.org/presentationml/2006/main">
   <p:cSld>
     <p:spTree>
@@ -31056,139 +34170,12 @@
 </file>
 
 <file path=customXml/item1.xml><?xml version="1.0" encoding="utf-8"?>
-<p:properties xmlns:p="http://schemas.microsoft.com/office/2006/metadata/properties" xmlns:xsi="http://www.w3.org/2001/XMLSchema-instance" xmlns:pc="http://schemas.microsoft.com/office/infopath/2007/PartnerControls">
-  <documentManagement>
-    <LocPublishedLinkedAssetsLookup xmlns="4873beb7-5857-4685-be1f-d57550cc96cc" xsi:nil="true"/>
-    <ApprovalStatus xmlns="4873beb7-5857-4685-be1f-d57550cc96cc">InProgress</ApprovalStatus>
-    <MarketSpecific xmlns="4873beb7-5857-4685-be1f-d57550cc96cc">false</MarketSpecific>
-    <LocComments xmlns="4873beb7-5857-4685-be1f-d57550cc96cc" xsi:nil="true"/>
-    <LocLastLocAttemptVersionTypeLookup xmlns="4873beb7-5857-4685-be1f-d57550cc96cc" xsi:nil="true"/>
-    <DirectSourceMarket xmlns="4873beb7-5857-4685-be1f-d57550cc96cc" xsi:nil="true"/>
-    <ThumbnailAssetId xmlns="4873beb7-5857-4685-be1f-d57550cc96cc" xsi:nil="true"/>
-    <PrimaryImageGen xmlns="4873beb7-5857-4685-be1f-d57550cc96cc">false</PrimaryImageGen>
-    <LocNewPublishedVersionLookup xmlns="4873beb7-5857-4685-be1f-d57550cc96cc" xsi:nil="true"/>
-    <LegacyData xmlns="4873beb7-5857-4685-be1f-d57550cc96cc" xsi:nil="true"/>
-    <LocRecommendedHandoff xmlns="4873beb7-5857-4685-be1f-d57550cc96cc" xsi:nil="true"/>
-    <BusinessGroup xmlns="4873beb7-5857-4685-be1f-d57550cc96cc" xsi:nil="true"/>
-    <BlockPublish xmlns="4873beb7-5857-4685-be1f-d57550cc96cc">false</BlockPublish>
-    <TPFriendlyName xmlns="4873beb7-5857-4685-be1f-d57550cc96cc" xsi:nil="true"/>
-    <LocOverallPublishStatusLookup xmlns="4873beb7-5857-4685-be1f-d57550cc96cc" xsi:nil="true"/>
-    <NumericId xmlns="4873beb7-5857-4685-be1f-d57550cc96cc" xsi:nil="true"/>
-    <APEditor xmlns="4873beb7-5857-4685-be1f-d57550cc96cc">
-      <UserInfo>
-        <DisplayName/>
-        <AccountId xsi:nil="true"/>
-        <AccountType/>
-      </UserInfo>
-    </APEditor>
-    <SourceTitle xmlns="4873beb7-5857-4685-be1f-d57550cc96cc" xsi:nil="true"/>
-    <OpenTemplate xmlns="4873beb7-5857-4685-be1f-d57550cc96cc">true</OpenTemplate>
-    <LocOverallLocStatusLookup xmlns="4873beb7-5857-4685-be1f-d57550cc96cc" xsi:nil="true"/>
-    <UALocComments xmlns="4873beb7-5857-4685-be1f-d57550cc96cc" xsi:nil="true"/>
-    <ParentAssetId xmlns="4873beb7-5857-4685-be1f-d57550cc96cc" xsi:nil="true"/>
-    <IntlLangReviewDate xmlns="4873beb7-5857-4685-be1f-d57550cc96cc" xsi:nil="true"/>
-    <FeatureTagsTaxHTField0 xmlns="4873beb7-5857-4685-be1f-d57550cc96cc">
-      <Terms xmlns="http://schemas.microsoft.com/office/infopath/2007/PartnerControls"/>
-    </FeatureTagsTaxHTField0>
-    <PublishStatusLookup xmlns="4873beb7-5857-4685-be1f-d57550cc96cc">
-      <Value>1345039</Value>
-    </PublishStatusLookup>
-    <Providers xmlns="4873beb7-5857-4685-be1f-d57550cc96cc" xsi:nil="true"/>
-    <MachineTranslated xmlns="4873beb7-5857-4685-be1f-d57550cc96cc">false</MachineTranslated>
-    <OriginalSourceMarket xmlns="4873beb7-5857-4685-be1f-d57550cc96cc" xsi:nil="true"/>
-    <APDescription xmlns="4873beb7-5857-4685-be1f-d57550cc96cc">The bookstacks present on most slides  make this a good choice for students, teachers, reading enthusiasts, and others in education. This presentation template contains multiple slide layouts in widescreen format (16x9) and includes a sample table and chart that you can easily  modify.</APDescription>
-    <ClipArtFilename xmlns="4873beb7-5857-4685-be1f-d57550cc96cc" xsi:nil="true"/>
-    <ContentItem xmlns="4873beb7-5857-4685-be1f-d57550cc96cc" xsi:nil="true"/>
-    <TPInstallLocation xmlns="4873beb7-5857-4685-be1f-d57550cc96cc" xsi:nil="true"/>
-    <PublishTargets xmlns="4873beb7-5857-4685-be1f-d57550cc96cc">OfficeOnlineVNext</PublishTargets>
-    <TimesCloned xmlns="4873beb7-5857-4685-be1f-d57550cc96cc" xsi:nil="true"/>
-    <AssetStart xmlns="4873beb7-5857-4685-be1f-d57550cc96cc">2011-11-26T00:00:00+00:00</AssetStart>
-    <Provider xmlns="4873beb7-5857-4685-be1f-d57550cc96cc" xsi:nil="true"/>
-    <AcquiredFrom xmlns="4873beb7-5857-4685-be1f-d57550cc96cc">Internal MS</AcquiredFrom>
-    <FriendlyTitle xmlns="4873beb7-5857-4685-be1f-d57550cc96cc" xsi:nil="true"/>
-    <LastHandOff xmlns="4873beb7-5857-4685-be1f-d57550cc96cc" xsi:nil="true"/>
-    <TPClientViewer xmlns="4873beb7-5857-4685-be1f-d57550cc96cc" xsi:nil="true"/>
-    <TemplateStatus xmlns="4873beb7-5857-4685-be1f-d57550cc96cc">Complete</TemplateStatus>
-    <Downloads xmlns="4873beb7-5857-4685-be1f-d57550cc96cc">0</Downloads>
-    <OOCacheId xmlns="4873beb7-5857-4685-be1f-d57550cc96cc" xsi:nil="true"/>
-    <IsDeleted xmlns="4873beb7-5857-4685-be1f-d57550cc96cc">false</IsDeleted>
-    <LocPublishedDependentAssetsLookup xmlns="4873beb7-5857-4685-be1f-d57550cc96cc" xsi:nil="true"/>
-    <AssetExpire xmlns="4873beb7-5857-4685-be1f-d57550cc96cc">2029-05-12T07:00:00+00:00</AssetExpire>
-    <DSATActionTaken xmlns="4873beb7-5857-4685-be1f-d57550cc96cc" xsi:nil="true"/>
-    <CSXSubmissionMarket xmlns="4873beb7-5857-4685-be1f-d57550cc96cc" xsi:nil="true"/>
-    <TPExecutable xmlns="4873beb7-5857-4685-be1f-d57550cc96cc" xsi:nil="true"/>
-    <EditorialTags xmlns="4873beb7-5857-4685-be1f-d57550cc96cc" xsi:nil="true"/>
-    <SubmitterId xmlns="4873beb7-5857-4685-be1f-d57550cc96cc" xsi:nil="true"/>
-    <ApprovalLog xmlns="4873beb7-5857-4685-be1f-d57550cc96cc" xsi:nil="true"/>
-    <AssetType xmlns="4873beb7-5857-4685-be1f-d57550cc96cc">TP</AssetType>
-    <BugNumber xmlns="4873beb7-5857-4685-be1f-d57550cc96cc" xsi:nil="true"/>
-    <CSXSubmissionDate xmlns="4873beb7-5857-4685-be1f-d57550cc96cc" xsi:nil="true"/>
-    <CSXUpdate xmlns="4873beb7-5857-4685-be1f-d57550cc96cc">false</CSXUpdate>
-    <Milestone xmlns="4873beb7-5857-4685-be1f-d57550cc96cc" xsi:nil="true"/>
-    <RecommendationsModifier xmlns="4873beb7-5857-4685-be1f-d57550cc96cc" xsi:nil="true"/>
-    <OriginAsset xmlns="4873beb7-5857-4685-be1f-d57550cc96cc" xsi:nil="true"/>
-    <TPComponent xmlns="4873beb7-5857-4685-be1f-d57550cc96cc" xsi:nil="true"/>
-    <AssetId xmlns="4873beb7-5857-4685-be1f-d57550cc96cc">TP102787939</AssetId>
-    <IntlLocPriority xmlns="4873beb7-5857-4685-be1f-d57550cc96cc" xsi:nil="true"/>
-    <PolicheckWords xmlns="4873beb7-5857-4685-be1f-d57550cc96cc" xsi:nil="true"/>
-    <TPLaunchHelpLink xmlns="4873beb7-5857-4685-be1f-d57550cc96cc" xsi:nil="true"/>
-    <TPApplication xmlns="4873beb7-5857-4685-be1f-d57550cc96cc" xsi:nil="true"/>
-    <CrawlForDependencies xmlns="4873beb7-5857-4685-be1f-d57550cc96cc">false</CrawlForDependencies>
-    <HandoffToMSDN xmlns="4873beb7-5857-4685-be1f-d57550cc96cc" xsi:nil="true"/>
-    <PlannedPubDate xmlns="4873beb7-5857-4685-be1f-d57550cc96cc" xsi:nil="true"/>
-    <IntlLangReviewer xmlns="4873beb7-5857-4685-be1f-d57550cc96cc" xsi:nil="true"/>
-    <TrustLevel xmlns="4873beb7-5857-4685-be1f-d57550cc96cc">1 Microsoft Managed Content</TrustLevel>
-    <LocLastLocAttemptVersionLookup xmlns="4873beb7-5857-4685-be1f-d57550cc96cc">694216</LocLastLocAttemptVersionLookup>
-    <LocProcessedForHandoffsLookup xmlns="4873beb7-5857-4685-be1f-d57550cc96cc" xsi:nil="true"/>
-    <IsSearchable xmlns="4873beb7-5857-4685-be1f-d57550cc96cc">true</IsSearchable>
-    <TemplateTemplateType xmlns="4873beb7-5857-4685-be1f-d57550cc96cc">PowerPoint Presentation Template</TemplateTemplateType>
-    <CampaignTagsTaxHTField0 xmlns="4873beb7-5857-4685-be1f-d57550cc96cc">
-      <Terms xmlns="http://schemas.microsoft.com/office/infopath/2007/PartnerControls"/>
-    </CampaignTagsTaxHTField0>
-    <TPNamespace xmlns="4873beb7-5857-4685-be1f-d57550cc96cc" xsi:nil="true"/>
-    <LocOverallPreviewStatusLookup xmlns="4873beb7-5857-4685-be1f-d57550cc96cc" xsi:nil="true"/>
-    <TaxCatchAll xmlns="4873beb7-5857-4685-be1f-d57550cc96cc"/>
-    <Markets xmlns="4873beb7-5857-4685-be1f-d57550cc96cc"/>
-    <UAProjectedTotalWords xmlns="4873beb7-5857-4685-be1f-d57550cc96cc" xsi:nil="true"/>
-    <IntlLangReview xmlns="4873beb7-5857-4685-be1f-d57550cc96cc" xsi:nil="true"/>
-    <OutputCachingOn xmlns="4873beb7-5857-4685-be1f-d57550cc96cc">false</OutputCachingOn>
-    <AverageRating xmlns="4873beb7-5857-4685-be1f-d57550cc96cc" xsi:nil="true"/>
-    <APAuthor xmlns="4873beb7-5857-4685-be1f-d57550cc96cc">
-      <UserInfo>
-        <DisplayName>REDMOND\kristaa</DisplayName>
-        <AccountId>136</AccountId>
-        <AccountType/>
-      </UserInfo>
-    </APAuthor>
-    <LocManualTestRequired xmlns="4873beb7-5857-4685-be1f-d57550cc96cc">false</LocManualTestRequired>
-    <TPCommandLine xmlns="4873beb7-5857-4685-be1f-d57550cc96cc" xsi:nil="true"/>
-    <TPAppVersion xmlns="4873beb7-5857-4685-be1f-d57550cc96cc" xsi:nil="true"/>
-    <EditorialStatus xmlns="4873beb7-5857-4685-be1f-d57550cc96cc">Complete</EditorialStatus>
-    <LastModifiedDateTime xmlns="4873beb7-5857-4685-be1f-d57550cc96cc" xsi:nil="true"/>
-    <ScenarioTagsTaxHTField0 xmlns="4873beb7-5857-4685-be1f-d57550cc96cc">
-      <Terms xmlns="http://schemas.microsoft.com/office/infopath/2007/PartnerControls"/>
-    </ScenarioTagsTaxHTField0>
-    <LocProcessedForMarketsLookup xmlns="4873beb7-5857-4685-be1f-d57550cc96cc" xsi:nil="true"/>
-    <TPLaunchHelpLinkType xmlns="4873beb7-5857-4685-be1f-d57550cc96cc">Template</TPLaunchHelpLinkType>
-    <OriginalRelease xmlns="4873beb7-5857-4685-be1f-d57550cc96cc">15</OriginalRelease>
-    <LocalizationTagsTaxHTField0 xmlns="4873beb7-5857-4685-be1f-d57550cc96cc">
-      <Terms xmlns="http://schemas.microsoft.com/office/infopath/2007/PartnerControls"/>
-    </LocalizationTagsTaxHTField0>
-    <UACurrentWords xmlns="4873beb7-5857-4685-be1f-d57550cc96cc" xsi:nil="true"/>
-    <ArtSampleDocs xmlns="4873beb7-5857-4685-be1f-d57550cc96cc" xsi:nil="true"/>
-    <UALocRecommendation xmlns="4873beb7-5857-4685-be1f-d57550cc96cc">Localize</UALocRecommendation>
-    <Manager xmlns="4873beb7-5857-4685-be1f-d57550cc96cc" xsi:nil="true"/>
-    <LocOverallHandbackStatusLookup xmlns="4873beb7-5857-4685-be1f-d57550cc96cc" xsi:nil="true"/>
-    <ShowIn xmlns="4873beb7-5857-4685-be1f-d57550cc96cc">Show everywhere</ShowIn>
-    <UANotes xmlns="4873beb7-5857-4685-be1f-d57550cc96cc" xsi:nil="true"/>
-    <InternalTagsTaxHTField0 xmlns="4873beb7-5857-4685-be1f-d57550cc96cc">
-      <Terms xmlns="http://schemas.microsoft.com/office/infopath/2007/PartnerControls"/>
-    </InternalTagsTaxHTField0>
-    <CSXHash xmlns="4873beb7-5857-4685-be1f-d57550cc96cc" xsi:nil="true"/>
-    <VoteCount xmlns="4873beb7-5857-4685-be1f-d57550cc96cc" xsi:nil="true"/>
-    <LocMarketGroupTiers2 xmlns="4873beb7-5857-4685-be1f-d57550cc96cc" xsi:nil="true"/>
-  </documentManagement>
-</p:properties>
+<?mso-contentType ?>
+<FormTemplates xmlns="http://schemas.microsoft.com/sharepoint/v3/contenttype/forms">
+  <Display>DocumentLibraryForm</Display>
+  <Edit>AssetEditForm</Edit>
+  <New>DocumentLibraryForm</New>
+</FormTemplates>
 </file>
 
 <file path=customXml/item2.xml><?xml version="1.0" encoding="utf-8"?>
@@ -32232,26 +35219,145 @@
 </file>
 
 <file path=customXml/item3.xml><?xml version="1.0" encoding="utf-8"?>
-<?mso-contentType ?>
-<FormTemplates xmlns="http://schemas.microsoft.com/sharepoint/v3/contenttype/forms">
-  <Display>DocumentLibraryForm</Display>
-  <Edit>AssetEditForm</Edit>
-  <New>DocumentLibraryForm</New>
-</FormTemplates>
+<p:properties xmlns:p="http://schemas.microsoft.com/office/2006/metadata/properties" xmlns:xsi="http://www.w3.org/2001/XMLSchema-instance" xmlns:pc="http://schemas.microsoft.com/office/infopath/2007/PartnerControls">
+  <documentManagement>
+    <LocPublishedLinkedAssetsLookup xmlns="4873beb7-5857-4685-be1f-d57550cc96cc" xsi:nil="true"/>
+    <ApprovalStatus xmlns="4873beb7-5857-4685-be1f-d57550cc96cc">InProgress</ApprovalStatus>
+    <MarketSpecific xmlns="4873beb7-5857-4685-be1f-d57550cc96cc">false</MarketSpecific>
+    <LocComments xmlns="4873beb7-5857-4685-be1f-d57550cc96cc" xsi:nil="true"/>
+    <LocLastLocAttemptVersionTypeLookup xmlns="4873beb7-5857-4685-be1f-d57550cc96cc" xsi:nil="true"/>
+    <DirectSourceMarket xmlns="4873beb7-5857-4685-be1f-d57550cc96cc" xsi:nil="true"/>
+    <ThumbnailAssetId xmlns="4873beb7-5857-4685-be1f-d57550cc96cc" xsi:nil="true"/>
+    <PrimaryImageGen xmlns="4873beb7-5857-4685-be1f-d57550cc96cc">false</PrimaryImageGen>
+    <LocNewPublishedVersionLookup xmlns="4873beb7-5857-4685-be1f-d57550cc96cc" xsi:nil="true"/>
+    <LegacyData xmlns="4873beb7-5857-4685-be1f-d57550cc96cc" xsi:nil="true"/>
+    <LocRecommendedHandoff xmlns="4873beb7-5857-4685-be1f-d57550cc96cc" xsi:nil="true"/>
+    <BusinessGroup xmlns="4873beb7-5857-4685-be1f-d57550cc96cc" xsi:nil="true"/>
+    <BlockPublish xmlns="4873beb7-5857-4685-be1f-d57550cc96cc">false</BlockPublish>
+    <TPFriendlyName xmlns="4873beb7-5857-4685-be1f-d57550cc96cc" xsi:nil="true"/>
+    <LocOverallPublishStatusLookup xmlns="4873beb7-5857-4685-be1f-d57550cc96cc" xsi:nil="true"/>
+    <NumericId xmlns="4873beb7-5857-4685-be1f-d57550cc96cc" xsi:nil="true"/>
+    <APEditor xmlns="4873beb7-5857-4685-be1f-d57550cc96cc">
+      <UserInfo>
+        <DisplayName/>
+        <AccountId xsi:nil="true"/>
+        <AccountType/>
+      </UserInfo>
+    </APEditor>
+    <SourceTitle xmlns="4873beb7-5857-4685-be1f-d57550cc96cc" xsi:nil="true"/>
+    <OpenTemplate xmlns="4873beb7-5857-4685-be1f-d57550cc96cc">true</OpenTemplate>
+    <LocOverallLocStatusLookup xmlns="4873beb7-5857-4685-be1f-d57550cc96cc" xsi:nil="true"/>
+    <UALocComments xmlns="4873beb7-5857-4685-be1f-d57550cc96cc" xsi:nil="true"/>
+    <ParentAssetId xmlns="4873beb7-5857-4685-be1f-d57550cc96cc" xsi:nil="true"/>
+    <IntlLangReviewDate xmlns="4873beb7-5857-4685-be1f-d57550cc96cc" xsi:nil="true"/>
+    <FeatureTagsTaxHTField0 xmlns="4873beb7-5857-4685-be1f-d57550cc96cc">
+      <Terms xmlns="http://schemas.microsoft.com/office/infopath/2007/PartnerControls"/>
+    </FeatureTagsTaxHTField0>
+    <PublishStatusLookup xmlns="4873beb7-5857-4685-be1f-d57550cc96cc">
+      <Value>1345039</Value>
+    </PublishStatusLookup>
+    <Providers xmlns="4873beb7-5857-4685-be1f-d57550cc96cc" xsi:nil="true"/>
+    <MachineTranslated xmlns="4873beb7-5857-4685-be1f-d57550cc96cc">false</MachineTranslated>
+    <OriginalSourceMarket xmlns="4873beb7-5857-4685-be1f-d57550cc96cc" xsi:nil="true"/>
+    <APDescription xmlns="4873beb7-5857-4685-be1f-d57550cc96cc">The bookstacks present on most slides  make this a good choice for students, teachers, reading enthusiasts, and others in education. This presentation template contains multiple slide layouts in widescreen format (16x9) and includes a sample table and chart that you can easily  modify.</APDescription>
+    <ClipArtFilename xmlns="4873beb7-5857-4685-be1f-d57550cc96cc" xsi:nil="true"/>
+    <ContentItem xmlns="4873beb7-5857-4685-be1f-d57550cc96cc" xsi:nil="true"/>
+    <TPInstallLocation xmlns="4873beb7-5857-4685-be1f-d57550cc96cc" xsi:nil="true"/>
+    <PublishTargets xmlns="4873beb7-5857-4685-be1f-d57550cc96cc">OfficeOnlineVNext</PublishTargets>
+    <TimesCloned xmlns="4873beb7-5857-4685-be1f-d57550cc96cc" xsi:nil="true"/>
+    <AssetStart xmlns="4873beb7-5857-4685-be1f-d57550cc96cc">2011-11-26T00:00:00+00:00</AssetStart>
+    <Provider xmlns="4873beb7-5857-4685-be1f-d57550cc96cc" xsi:nil="true"/>
+    <AcquiredFrom xmlns="4873beb7-5857-4685-be1f-d57550cc96cc">Internal MS</AcquiredFrom>
+    <FriendlyTitle xmlns="4873beb7-5857-4685-be1f-d57550cc96cc" xsi:nil="true"/>
+    <LastHandOff xmlns="4873beb7-5857-4685-be1f-d57550cc96cc" xsi:nil="true"/>
+    <TPClientViewer xmlns="4873beb7-5857-4685-be1f-d57550cc96cc" xsi:nil="true"/>
+    <TemplateStatus xmlns="4873beb7-5857-4685-be1f-d57550cc96cc">Complete</TemplateStatus>
+    <Downloads xmlns="4873beb7-5857-4685-be1f-d57550cc96cc">0</Downloads>
+    <OOCacheId xmlns="4873beb7-5857-4685-be1f-d57550cc96cc" xsi:nil="true"/>
+    <IsDeleted xmlns="4873beb7-5857-4685-be1f-d57550cc96cc">false</IsDeleted>
+    <LocPublishedDependentAssetsLookup xmlns="4873beb7-5857-4685-be1f-d57550cc96cc" xsi:nil="true"/>
+    <AssetExpire xmlns="4873beb7-5857-4685-be1f-d57550cc96cc">2029-05-12T07:00:00+00:00</AssetExpire>
+    <DSATActionTaken xmlns="4873beb7-5857-4685-be1f-d57550cc96cc" xsi:nil="true"/>
+    <CSXSubmissionMarket xmlns="4873beb7-5857-4685-be1f-d57550cc96cc" xsi:nil="true"/>
+    <TPExecutable xmlns="4873beb7-5857-4685-be1f-d57550cc96cc" xsi:nil="true"/>
+    <EditorialTags xmlns="4873beb7-5857-4685-be1f-d57550cc96cc" xsi:nil="true"/>
+    <SubmitterId xmlns="4873beb7-5857-4685-be1f-d57550cc96cc" xsi:nil="true"/>
+    <ApprovalLog xmlns="4873beb7-5857-4685-be1f-d57550cc96cc" xsi:nil="true"/>
+    <AssetType xmlns="4873beb7-5857-4685-be1f-d57550cc96cc">TP</AssetType>
+    <BugNumber xmlns="4873beb7-5857-4685-be1f-d57550cc96cc" xsi:nil="true"/>
+    <CSXSubmissionDate xmlns="4873beb7-5857-4685-be1f-d57550cc96cc" xsi:nil="true"/>
+    <CSXUpdate xmlns="4873beb7-5857-4685-be1f-d57550cc96cc">false</CSXUpdate>
+    <Milestone xmlns="4873beb7-5857-4685-be1f-d57550cc96cc" xsi:nil="true"/>
+    <RecommendationsModifier xmlns="4873beb7-5857-4685-be1f-d57550cc96cc" xsi:nil="true"/>
+    <OriginAsset xmlns="4873beb7-5857-4685-be1f-d57550cc96cc" xsi:nil="true"/>
+    <TPComponent xmlns="4873beb7-5857-4685-be1f-d57550cc96cc" xsi:nil="true"/>
+    <AssetId xmlns="4873beb7-5857-4685-be1f-d57550cc96cc">TP102787939</AssetId>
+    <IntlLocPriority xmlns="4873beb7-5857-4685-be1f-d57550cc96cc" xsi:nil="true"/>
+    <PolicheckWords xmlns="4873beb7-5857-4685-be1f-d57550cc96cc" xsi:nil="true"/>
+    <TPLaunchHelpLink xmlns="4873beb7-5857-4685-be1f-d57550cc96cc" xsi:nil="true"/>
+    <TPApplication xmlns="4873beb7-5857-4685-be1f-d57550cc96cc" xsi:nil="true"/>
+    <CrawlForDependencies xmlns="4873beb7-5857-4685-be1f-d57550cc96cc">false</CrawlForDependencies>
+    <HandoffToMSDN xmlns="4873beb7-5857-4685-be1f-d57550cc96cc" xsi:nil="true"/>
+    <PlannedPubDate xmlns="4873beb7-5857-4685-be1f-d57550cc96cc" xsi:nil="true"/>
+    <IntlLangReviewer xmlns="4873beb7-5857-4685-be1f-d57550cc96cc" xsi:nil="true"/>
+    <TrustLevel xmlns="4873beb7-5857-4685-be1f-d57550cc96cc">1 Microsoft Managed Content</TrustLevel>
+    <LocLastLocAttemptVersionLookup xmlns="4873beb7-5857-4685-be1f-d57550cc96cc">694216</LocLastLocAttemptVersionLookup>
+    <LocProcessedForHandoffsLookup xmlns="4873beb7-5857-4685-be1f-d57550cc96cc" xsi:nil="true"/>
+    <IsSearchable xmlns="4873beb7-5857-4685-be1f-d57550cc96cc">true</IsSearchable>
+    <TemplateTemplateType xmlns="4873beb7-5857-4685-be1f-d57550cc96cc">PowerPoint Presentation Template</TemplateTemplateType>
+    <CampaignTagsTaxHTField0 xmlns="4873beb7-5857-4685-be1f-d57550cc96cc">
+      <Terms xmlns="http://schemas.microsoft.com/office/infopath/2007/PartnerControls"/>
+    </CampaignTagsTaxHTField0>
+    <TPNamespace xmlns="4873beb7-5857-4685-be1f-d57550cc96cc" xsi:nil="true"/>
+    <LocOverallPreviewStatusLookup xmlns="4873beb7-5857-4685-be1f-d57550cc96cc" xsi:nil="true"/>
+    <TaxCatchAll xmlns="4873beb7-5857-4685-be1f-d57550cc96cc"/>
+    <Markets xmlns="4873beb7-5857-4685-be1f-d57550cc96cc"/>
+    <UAProjectedTotalWords xmlns="4873beb7-5857-4685-be1f-d57550cc96cc" xsi:nil="true"/>
+    <IntlLangReview xmlns="4873beb7-5857-4685-be1f-d57550cc96cc" xsi:nil="true"/>
+    <OutputCachingOn xmlns="4873beb7-5857-4685-be1f-d57550cc96cc">false</OutputCachingOn>
+    <AverageRating xmlns="4873beb7-5857-4685-be1f-d57550cc96cc" xsi:nil="true"/>
+    <APAuthor xmlns="4873beb7-5857-4685-be1f-d57550cc96cc">
+      <UserInfo>
+        <DisplayName>REDMOND\kristaa</DisplayName>
+        <AccountId>136</AccountId>
+        <AccountType/>
+      </UserInfo>
+    </APAuthor>
+    <LocManualTestRequired xmlns="4873beb7-5857-4685-be1f-d57550cc96cc">false</LocManualTestRequired>
+    <TPCommandLine xmlns="4873beb7-5857-4685-be1f-d57550cc96cc" xsi:nil="true"/>
+    <TPAppVersion xmlns="4873beb7-5857-4685-be1f-d57550cc96cc" xsi:nil="true"/>
+    <EditorialStatus xmlns="4873beb7-5857-4685-be1f-d57550cc96cc">Complete</EditorialStatus>
+    <LastModifiedDateTime xmlns="4873beb7-5857-4685-be1f-d57550cc96cc" xsi:nil="true"/>
+    <ScenarioTagsTaxHTField0 xmlns="4873beb7-5857-4685-be1f-d57550cc96cc">
+      <Terms xmlns="http://schemas.microsoft.com/office/infopath/2007/PartnerControls"/>
+    </ScenarioTagsTaxHTField0>
+    <LocProcessedForMarketsLookup xmlns="4873beb7-5857-4685-be1f-d57550cc96cc" xsi:nil="true"/>
+    <TPLaunchHelpLinkType xmlns="4873beb7-5857-4685-be1f-d57550cc96cc">Template</TPLaunchHelpLinkType>
+    <OriginalRelease xmlns="4873beb7-5857-4685-be1f-d57550cc96cc">15</OriginalRelease>
+    <LocalizationTagsTaxHTField0 xmlns="4873beb7-5857-4685-be1f-d57550cc96cc">
+      <Terms xmlns="http://schemas.microsoft.com/office/infopath/2007/PartnerControls"/>
+    </LocalizationTagsTaxHTField0>
+    <UACurrentWords xmlns="4873beb7-5857-4685-be1f-d57550cc96cc" xsi:nil="true"/>
+    <ArtSampleDocs xmlns="4873beb7-5857-4685-be1f-d57550cc96cc" xsi:nil="true"/>
+    <UALocRecommendation xmlns="4873beb7-5857-4685-be1f-d57550cc96cc">Localize</UALocRecommendation>
+    <Manager xmlns="4873beb7-5857-4685-be1f-d57550cc96cc" xsi:nil="true"/>
+    <LocOverallHandbackStatusLookup xmlns="4873beb7-5857-4685-be1f-d57550cc96cc" xsi:nil="true"/>
+    <ShowIn xmlns="4873beb7-5857-4685-be1f-d57550cc96cc">Show everywhere</ShowIn>
+    <UANotes xmlns="4873beb7-5857-4685-be1f-d57550cc96cc" xsi:nil="true"/>
+    <InternalTagsTaxHTField0 xmlns="4873beb7-5857-4685-be1f-d57550cc96cc">
+      <Terms xmlns="http://schemas.microsoft.com/office/infopath/2007/PartnerControls"/>
+    </InternalTagsTaxHTField0>
+    <CSXHash xmlns="4873beb7-5857-4685-be1f-d57550cc96cc" xsi:nil="true"/>
+    <VoteCount xmlns="4873beb7-5857-4685-be1f-d57550cc96cc" xsi:nil="true"/>
+    <LocMarketGroupTiers2 xmlns="4873beb7-5857-4685-be1f-d57550cc96cc" xsi:nil="true"/>
+  </documentManagement>
+</p:properties>
 </file>
 
 <file path=customXml/itemProps1.xml><?xml version="1.0" encoding="utf-8"?>
-<ds:datastoreItem xmlns:ds="http://schemas.openxmlformats.org/officeDocument/2006/customXml" ds:itemID="{F301D382-32B0-43EE-932C-28906AF37617}">
+<ds:datastoreItem xmlns:ds="http://schemas.openxmlformats.org/officeDocument/2006/customXml" ds:itemID="{E1B558C7-619B-49BE-9097-7FCBDADD4ECE}">
   <ds:schemaRefs>
-    <ds:schemaRef ds:uri="http://purl.org/dc/elements/1.1/"/>
-    <ds:schemaRef ds:uri="http://schemas.microsoft.com/office/2006/metadata/properties"/>
-    <ds:schemaRef ds:uri="http://schemas.openxmlformats.org/package/2006/metadata/core-properties"/>
-    <ds:schemaRef ds:uri="http://schemas.microsoft.com/office/2006/documentManagement/types"/>
-    <ds:schemaRef ds:uri="http://schemas.microsoft.com/office/infopath/2007/PartnerControls"/>
-    <ds:schemaRef ds:uri="http://purl.org/dc/terms/"/>
-    <ds:schemaRef ds:uri="http://purl.org/dc/dcmitype/"/>
-    <ds:schemaRef ds:uri="4873beb7-5857-4685-be1f-d57550cc96cc"/>
-    <ds:schemaRef ds:uri="http://www.w3.org/XML/1998/namespace"/>
+    <ds:schemaRef ds:uri="http://schemas.microsoft.com/sharepoint/v3/contenttype/forms"/>
   </ds:schemaRefs>
 </ds:datastoreItem>
 </file>
@@ -32275,9 +35381,17 @@
 </file>
 
 <file path=customXml/itemProps3.xml><?xml version="1.0" encoding="utf-8"?>
-<ds:datastoreItem xmlns:ds="http://schemas.openxmlformats.org/officeDocument/2006/customXml" ds:itemID="{E1B558C7-619B-49BE-9097-7FCBDADD4ECE}">
+<ds:datastoreItem xmlns:ds="http://schemas.openxmlformats.org/officeDocument/2006/customXml" ds:itemID="{F301D382-32B0-43EE-932C-28906AF37617}">
   <ds:schemaRefs>
-    <ds:schemaRef ds:uri="http://schemas.microsoft.com/sharepoint/v3/contenttype/forms"/>
+    <ds:schemaRef ds:uri="http://purl.org/dc/elements/1.1/"/>
+    <ds:schemaRef ds:uri="http://schemas.microsoft.com/office/2006/metadata/properties"/>
+    <ds:schemaRef ds:uri="http://schemas.openxmlformats.org/package/2006/metadata/core-properties"/>
+    <ds:schemaRef ds:uri="http://schemas.microsoft.com/office/2006/documentManagement/types"/>
+    <ds:schemaRef ds:uri="http://schemas.microsoft.com/office/infopath/2007/PartnerControls"/>
+    <ds:schemaRef ds:uri="http://purl.org/dc/terms/"/>
+    <ds:schemaRef ds:uri="http://purl.org/dc/dcmitype/"/>
+    <ds:schemaRef ds:uri="4873beb7-5857-4685-be1f-d57550cc96cc"/>
+    <ds:schemaRef ds:uri="http://www.w3.org/XML/1998/namespace"/>
   </ds:schemaRefs>
 </ds:datastoreItem>
 </file>
--- a/钉钉机器人.pptx
+++ b/钉钉机器人.pptx
@@ -22635,6 +22635,253 @@
           </a:p>
         </p:txBody>
       </p:sp>
+      <p:pic>
+        <p:nvPicPr>
+          <p:cNvPr id="3" name="图片 2">
+            <a:extLst>
+              <a:ext uri="{FF2B5EF4-FFF2-40B4-BE49-F238E27FC236}">
+                <a16:creationId xmlns:a16="http://schemas.microsoft.com/office/drawing/2014/main" id="{652F7AEA-76C6-4C7F-B83E-094DCA74EB2C}"/>
+              </a:ext>
+            </a:extLst>
+          </p:cNvPr>
+          <p:cNvPicPr>
+            <a:picLocks noChangeAspect="1"/>
+          </p:cNvPicPr>
+          <p:nvPr/>
+        </p:nvPicPr>
+        <p:blipFill>
+          <a:blip r:embed="rId4"/>
+          <a:stretch>
+            <a:fillRect/>
+          </a:stretch>
+        </p:blipFill>
+        <p:spPr>
+          <a:xfrm>
+            <a:off x="1629916" y="4581128"/>
+            <a:ext cx="3297813" cy="2132856"/>
+          </a:xfrm>
+          <a:prstGeom prst="rect">
+            <a:avLst/>
+          </a:prstGeom>
+        </p:spPr>
+      </p:pic>
+      <p:sp>
+        <p:nvSpPr>
+          <p:cNvPr id="11" name="矩形 10">
+            <a:extLst>
+              <a:ext uri="{FF2B5EF4-FFF2-40B4-BE49-F238E27FC236}">
+                <a16:creationId xmlns:a16="http://schemas.microsoft.com/office/drawing/2014/main" id="{07A59ADC-09B8-4A66-B46B-704E15B52B78}"/>
+              </a:ext>
+            </a:extLst>
+          </p:cNvPr>
+          <p:cNvSpPr/>
+          <p:nvPr/>
+        </p:nvSpPr>
+        <p:spPr>
+          <a:xfrm>
+            <a:off x="4942284" y="4509120"/>
+            <a:ext cx="3024336" cy="1077218"/>
+          </a:xfrm>
+          <a:prstGeom prst="rect">
+            <a:avLst/>
+          </a:prstGeom>
+        </p:spPr>
+        <p:txBody>
+          <a:bodyPr wrap="square">
+            <a:spAutoFit/>
+          </a:bodyPr>
+          <a:lstStyle/>
+          <a:p>
+            <a:pPr latinLnBrk="1"/>
+            <a:r>
+              <a:rPr lang="en-US" altLang="zh-CN" sz="1600" dirty="0">
+                <a:solidFill>
+                  <a:srgbClr val="5C5C5C"/>
+                </a:solidFill>
+                <a:latin typeface="微软雅黑" panose="020B0503020204020204" pitchFamily="34" charset="-122"/>
+                <a:ea typeface="微软雅黑" panose="020B0503020204020204" pitchFamily="34" charset="-122"/>
+              </a:rPr>
+              <a:t>1</a:t>
+            </a:r>
+            <a:r>
+              <a:rPr lang="zh-CN" altLang="en-US" sz="1600" dirty="0">
+                <a:solidFill>
+                  <a:srgbClr val="5C5C5C"/>
+                </a:solidFill>
+                <a:latin typeface="微软雅黑" panose="020B0503020204020204" pitchFamily="34" charset="-122"/>
+                <a:ea typeface="微软雅黑" panose="020B0503020204020204" pitchFamily="34" charset="-122"/>
+              </a:rPr>
+              <a:t>、打开命令行</a:t>
+            </a:r>
+            <a:endParaRPr lang="en-US" altLang="zh-CN" sz="1600" dirty="0">
+              <a:solidFill>
+                <a:srgbClr val="5C5C5C"/>
+              </a:solidFill>
+              <a:latin typeface="微软雅黑" panose="020B0503020204020204" pitchFamily="34" charset="-122"/>
+              <a:ea typeface="微软雅黑" panose="020B0503020204020204" pitchFamily="34" charset="-122"/>
+            </a:endParaRPr>
+          </a:p>
+          <a:p>
+            <a:pPr latinLnBrk="1"/>
+            <a:r>
+              <a:rPr lang="en-US" altLang="zh-CN" sz="1600" b="0" i="0" dirty="0">
+                <a:solidFill>
+                  <a:srgbClr val="5C5C5C"/>
+                </a:solidFill>
+                <a:effectLst/>
+                <a:latin typeface="微软雅黑" panose="020B0503020204020204" pitchFamily="34" charset="-122"/>
+                <a:ea typeface="微软雅黑" panose="020B0503020204020204" pitchFamily="34" charset="-122"/>
+              </a:rPr>
+              <a:t>2</a:t>
+            </a:r>
+            <a:r>
+              <a:rPr lang="zh-CN" altLang="en-US" sz="1600" b="0" i="0" dirty="0">
+                <a:solidFill>
+                  <a:srgbClr val="5C5C5C"/>
+                </a:solidFill>
+                <a:effectLst/>
+                <a:latin typeface="微软雅黑" panose="020B0503020204020204" pitchFamily="34" charset="-122"/>
+                <a:ea typeface="微软雅黑" panose="020B0503020204020204" pitchFamily="34" charset="-122"/>
+              </a:rPr>
+              <a:t>、输入</a:t>
+            </a:r>
+            <a:r>
+              <a:rPr lang="en-US" altLang="zh-CN" sz="1600" b="0" i="0" dirty="0" err="1">
+                <a:solidFill>
+                  <a:srgbClr val="5C5C5C"/>
+                </a:solidFill>
+                <a:effectLst/>
+                <a:latin typeface="微软雅黑" panose="020B0503020204020204" pitchFamily="34" charset="-122"/>
+                <a:ea typeface="微软雅黑" panose="020B0503020204020204" pitchFamily="34" charset="-122"/>
+              </a:rPr>
+              <a:t>pyspark</a:t>
+            </a:r>
+            <a:endParaRPr lang="en-US" altLang="zh-CN" sz="1600" b="0" i="0" dirty="0">
+              <a:solidFill>
+                <a:srgbClr val="5C5C5C"/>
+              </a:solidFill>
+              <a:effectLst/>
+              <a:latin typeface="微软雅黑" panose="020B0503020204020204" pitchFamily="34" charset="-122"/>
+              <a:ea typeface="微软雅黑" panose="020B0503020204020204" pitchFamily="34" charset="-122"/>
+            </a:endParaRPr>
+          </a:p>
+          <a:p>
+            <a:pPr latinLnBrk="1"/>
+            <a:r>
+              <a:rPr lang="en-US" altLang="zh-CN" sz="1600" dirty="0">
+                <a:solidFill>
+                  <a:srgbClr val="5C5C5C"/>
+                </a:solidFill>
+                <a:latin typeface="微软雅黑" panose="020B0503020204020204" pitchFamily="34" charset="-122"/>
+                <a:ea typeface="微软雅黑" panose="020B0503020204020204" pitchFamily="34" charset="-122"/>
+              </a:rPr>
+              <a:t>3</a:t>
+            </a:r>
+            <a:r>
+              <a:rPr lang="zh-CN" altLang="en-US" sz="1600" dirty="0">
+                <a:solidFill>
+                  <a:srgbClr val="5C5C5C"/>
+                </a:solidFill>
+                <a:latin typeface="微软雅黑" panose="020B0503020204020204" pitchFamily="34" charset="-122"/>
+                <a:ea typeface="微软雅黑" panose="020B0503020204020204" pitchFamily="34" charset="-122"/>
+              </a:rPr>
+              <a:t>、执行</a:t>
+            </a:r>
+            <a:r>
+              <a:rPr lang="en-US" altLang="zh-CN" sz="1600" dirty="0" err="1">
+                <a:solidFill>
+                  <a:srgbClr val="5C5C5C"/>
+                </a:solidFill>
+                <a:latin typeface="微软雅黑" panose="020B0503020204020204" pitchFamily="34" charset="-122"/>
+                <a:ea typeface="微软雅黑" panose="020B0503020204020204" pitchFamily="34" charset="-122"/>
+              </a:rPr>
+              <a:t>sql</a:t>
+            </a:r>
+            <a:endParaRPr lang="en-US" altLang="zh-CN" sz="1600" dirty="0">
+              <a:solidFill>
+                <a:srgbClr val="5C5C5C"/>
+              </a:solidFill>
+              <a:latin typeface="微软雅黑" panose="020B0503020204020204" pitchFamily="34" charset="-122"/>
+              <a:ea typeface="微软雅黑" panose="020B0503020204020204" pitchFamily="34" charset="-122"/>
+            </a:endParaRPr>
+          </a:p>
+          <a:p>
+            <a:pPr latinLnBrk="1"/>
+            <a:r>
+              <a:rPr lang="en-US" altLang="zh-CN" sz="1600" dirty="0" err="1">
+                <a:solidFill>
+                  <a:srgbClr val="5C5C5C"/>
+                </a:solidFill>
+                <a:latin typeface="微软雅黑" panose="020B0503020204020204" pitchFamily="34" charset="-122"/>
+                <a:ea typeface="微软雅黑" panose="020B0503020204020204" pitchFamily="34" charset="-122"/>
+              </a:rPr>
+              <a:t>spark.sql</a:t>
+            </a:r>
+            <a:r>
+              <a:rPr lang="en-US" altLang="zh-CN" sz="1600" dirty="0">
+                <a:solidFill>
+                  <a:srgbClr val="5C5C5C"/>
+                </a:solidFill>
+                <a:latin typeface="微软雅黑" panose="020B0503020204020204" pitchFamily="34" charset="-122"/>
+                <a:ea typeface="微软雅黑" panose="020B0503020204020204" pitchFamily="34" charset="-122"/>
+              </a:rPr>
+              <a:t>(“  select 1  ”)</a:t>
+            </a:r>
+            <a:endParaRPr lang="en-US" altLang="zh-CN" sz="1600" b="0" i="0" dirty="0">
+              <a:solidFill>
+                <a:srgbClr val="5C5C5C"/>
+              </a:solidFill>
+              <a:effectLst/>
+              <a:latin typeface="微软雅黑" panose="020B0503020204020204" pitchFamily="34" charset="-122"/>
+              <a:ea typeface="微软雅黑" panose="020B0503020204020204" pitchFamily="34" charset="-122"/>
+            </a:endParaRPr>
+          </a:p>
+        </p:txBody>
+      </p:sp>
+      <p:cxnSp>
+        <p:nvCxnSpPr>
+          <p:cNvPr id="12" name="直接箭头连接符 11">
+            <a:extLst>
+              <a:ext uri="{FF2B5EF4-FFF2-40B4-BE49-F238E27FC236}">
+                <a16:creationId xmlns:a16="http://schemas.microsoft.com/office/drawing/2014/main" id="{AD715F8F-62BD-40AA-B78F-CB14352C4BA1}"/>
+              </a:ext>
+            </a:extLst>
+          </p:cNvPr>
+          <p:cNvCxnSpPr>
+            <a:cxnSpLocks/>
+          </p:cNvCxnSpPr>
+          <p:nvPr/>
+        </p:nvCxnSpPr>
+        <p:spPr>
+          <a:xfrm flipH="1">
+            <a:off x="4366220" y="6381328"/>
+            <a:ext cx="576064" cy="0"/>
+          </a:xfrm>
+          <a:prstGeom prst="straightConnector1">
+            <a:avLst/>
+          </a:prstGeom>
+          <a:ln w="57150">
+            <a:solidFill>
+              <a:srgbClr val="FF0000"/>
+            </a:solidFill>
+            <a:tailEnd type="triangle"/>
+          </a:ln>
+        </p:spPr>
+        <p:style>
+          <a:lnRef idx="1">
+            <a:schemeClr val="accent1"/>
+          </a:lnRef>
+          <a:fillRef idx="0">
+            <a:schemeClr val="accent1"/>
+          </a:fillRef>
+          <a:effectRef idx="0">
+            <a:schemeClr val="accent1"/>
+          </a:effectRef>
+          <a:fontRef idx="minor">
+            <a:schemeClr val="tx1"/>
+          </a:fontRef>
+        </p:style>
+      </p:cxnSp>
     </p:spTree>
     <p:extLst>
       <p:ext uri="{BB962C8B-B14F-4D97-AF65-F5344CB8AC3E}">
@@ -34170,12 +34417,139 @@
 </file>
 
 <file path=customXml/item1.xml><?xml version="1.0" encoding="utf-8"?>
-<?mso-contentType ?>
-<FormTemplates xmlns="http://schemas.microsoft.com/sharepoint/v3/contenttype/forms">
-  <Display>DocumentLibraryForm</Display>
-  <Edit>AssetEditForm</Edit>
-  <New>DocumentLibraryForm</New>
-</FormTemplates>
+<p:properties xmlns:p="http://schemas.microsoft.com/office/2006/metadata/properties" xmlns:xsi="http://www.w3.org/2001/XMLSchema-instance" xmlns:pc="http://schemas.microsoft.com/office/infopath/2007/PartnerControls">
+  <documentManagement>
+    <LocPublishedLinkedAssetsLookup xmlns="4873beb7-5857-4685-be1f-d57550cc96cc" xsi:nil="true"/>
+    <ApprovalStatus xmlns="4873beb7-5857-4685-be1f-d57550cc96cc">InProgress</ApprovalStatus>
+    <MarketSpecific xmlns="4873beb7-5857-4685-be1f-d57550cc96cc">false</MarketSpecific>
+    <LocComments xmlns="4873beb7-5857-4685-be1f-d57550cc96cc" xsi:nil="true"/>
+    <LocLastLocAttemptVersionTypeLookup xmlns="4873beb7-5857-4685-be1f-d57550cc96cc" xsi:nil="true"/>
+    <DirectSourceMarket xmlns="4873beb7-5857-4685-be1f-d57550cc96cc" xsi:nil="true"/>
+    <ThumbnailAssetId xmlns="4873beb7-5857-4685-be1f-d57550cc96cc" xsi:nil="true"/>
+    <PrimaryImageGen xmlns="4873beb7-5857-4685-be1f-d57550cc96cc">false</PrimaryImageGen>
+    <LocNewPublishedVersionLookup xmlns="4873beb7-5857-4685-be1f-d57550cc96cc" xsi:nil="true"/>
+    <LegacyData xmlns="4873beb7-5857-4685-be1f-d57550cc96cc" xsi:nil="true"/>
+    <LocRecommendedHandoff xmlns="4873beb7-5857-4685-be1f-d57550cc96cc" xsi:nil="true"/>
+    <BusinessGroup xmlns="4873beb7-5857-4685-be1f-d57550cc96cc" xsi:nil="true"/>
+    <BlockPublish xmlns="4873beb7-5857-4685-be1f-d57550cc96cc">false</BlockPublish>
+    <TPFriendlyName xmlns="4873beb7-5857-4685-be1f-d57550cc96cc" xsi:nil="true"/>
+    <LocOverallPublishStatusLookup xmlns="4873beb7-5857-4685-be1f-d57550cc96cc" xsi:nil="true"/>
+    <NumericId xmlns="4873beb7-5857-4685-be1f-d57550cc96cc" xsi:nil="true"/>
+    <APEditor xmlns="4873beb7-5857-4685-be1f-d57550cc96cc">
+      <UserInfo>
+        <DisplayName/>
+        <AccountId xsi:nil="true"/>
+        <AccountType/>
+      </UserInfo>
+    </APEditor>
+    <SourceTitle xmlns="4873beb7-5857-4685-be1f-d57550cc96cc" xsi:nil="true"/>
+    <OpenTemplate xmlns="4873beb7-5857-4685-be1f-d57550cc96cc">true</OpenTemplate>
+    <LocOverallLocStatusLookup xmlns="4873beb7-5857-4685-be1f-d57550cc96cc" xsi:nil="true"/>
+    <UALocComments xmlns="4873beb7-5857-4685-be1f-d57550cc96cc" xsi:nil="true"/>
+    <ParentAssetId xmlns="4873beb7-5857-4685-be1f-d57550cc96cc" xsi:nil="true"/>
+    <IntlLangReviewDate xmlns="4873beb7-5857-4685-be1f-d57550cc96cc" xsi:nil="true"/>
+    <FeatureTagsTaxHTField0 xmlns="4873beb7-5857-4685-be1f-d57550cc96cc">
+      <Terms xmlns="http://schemas.microsoft.com/office/infopath/2007/PartnerControls"/>
+    </FeatureTagsTaxHTField0>
+    <PublishStatusLookup xmlns="4873beb7-5857-4685-be1f-d57550cc96cc">
+      <Value>1345039</Value>
+    </PublishStatusLookup>
+    <Providers xmlns="4873beb7-5857-4685-be1f-d57550cc96cc" xsi:nil="true"/>
+    <MachineTranslated xmlns="4873beb7-5857-4685-be1f-d57550cc96cc">false</MachineTranslated>
+    <OriginalSourceMarket xmlns="4873beb7-5857-4685-be1f-d57550cc96cc" xsi:nil="true"/>
+    <APDescription xmlns="4873beb7-5857-4685-be1f-d57550cc96cc">The bookstacks present on most slides  make this a good choice for students, teachers, reading enthusiasts, and others in education. This presentation template contains multiple slide layouts in widescreen format (16x9) and includes a sample table and chart that you can easily  modify.</APDescription>
+    <ClipArtFilename xmlns="4873beb7-5857-4685-be1f-d57550cc96cc" xsi:nil="true"/>
+    <ContentItem xmlns="4873beb7-5857-4685-be1f-d57550cc96cc" xsi:nil="true"/>
+    <TPInstallLocation xmlns="4873beb7-5857-4685-be1f-d57550cc96cc" xsi:nil="true"/>
+    <PublishTargets xmlns="4873beb7-5857-4685-be1f-d57550cc96cc">OfficeOnlineVNext</PublishTargets>
+    <TimesCloned xmlns="4873beb7-5857-4685-be1f-d57550cc96cc" xsi:nil="true"/>
+    <AssetStart xmlns="4873beb7-5857-4685-be1f-d57550cc96cc">2011-11-26T00:00:00+00:00</AssetStart>
+    <Provider xmlns="4873beb7-5857-4685-be1f-d57550cc96cc" xsi:nil="true"/>
+    <AcquiredFrom xmlns="4873beb7-5857-4685-be1f-d57550cc96cc">Internal MS</AcquiredFrom>
+    <FriendlyTitle xmlns="4873beb7-5857-4685-be1f-d57550cc96cc" xsi:nil="true"/>
+    <LastHandOff xmlns="4873beb7-5857-4685-be1f-d57550cc96cc" xsi:nil="true"/>
+    <TPClientViewer xmlns="4873beb7-5857-4685-be1f-d57550cc96cc" xsi:nil="true"/>
+    <TemplateStatus xmlns="4873beb7-5857-4685-be1f-d57550cc96cc">Complete</TemplateStatus>
+    <Downloads xmlns="4873beb7-5857-4685-be1f-d57550cc96cc">0</Downloads>
+    <OOCacheId xmlns="4873beb7-5857-4685-be1f-d57550cc96cc" xsi:nil="true"/>
+    <IsDeleted xmlns="4873beb7-5857-4685-be1f-d57550cc96cc">false</IsDeleted>
+    <LocPublishedDependentAssetsLookup xmlns="4873beb7-5857-4685-be1f-d57550cc96cc" xsi:nil="true"/>
+    <AssetExpire xmlns="4873beb7-5857-4685-be1f-d57550cc96cc">2029-05-12T07:00:00+00:00</AssetExpire>
+    <DSATActionTaken xmlns="4873beb7-5857-4685-be1f-d57550cc96cc" xsi:nil="true"/>
+    <CSXSubmissionMarket xmlns="4873beb7-5857-4685-be1f-d57550cc96cc" xsi:nil="true"/>
+    <TPExecutable xmlns="4873beb7-5857-4685-be1f-d57550cc96cc" xsi:nil="true"/>
+    <EditorialTags xmlns="4873beb7-5857-4685-be1f-d57550cc96cc" xsi:nil="true"/>
+    <SubmitterId xmlns="4873beb7-5857-4685-be1f-d57550cc96cc" xsi:nil="true"/>
+    <ApprovalLog xmlns="4873beb7-5857-4685-be1f-d57550cc96cc" xsi:nil="true"/>
+    <AssetType xmlns="4873beb7-5857-4685-be1f-d57550cc96cc">TP</AssetType>
+    <BugNumber xmlns="4873beb7-5857-4685-be1f-d57550cc96cc" xsi:nil="true"/>
+    <CSXSubmissionDate xmlns="4873beb7-5857-4685-be1f-d57550cc96cc" xsi:nil="true"/>
+    <CSXUpdate xmlns="4873beb7-5857-4685-be1f-d57550cc96cc">false</CSXUpdate>
+    <Milestone xmlns="4873beb7-5857-4685-be1f-d57550cc96cc" xsi:nil="true"/>
+    <RecommendationsModifier xmlns="4873beb7-5857-4685-be1f-d57550cc96cc" xsi:nil="true"/>
+    <OriginAsset xmlns="4873beb7-5857-4685-be1f-d57550cc96cc" xsi:nil="true"/>
+    <TPComponent xmlns="4873beb7-5857-4685-be1f-d57550cc96cc" xsi:nil="true"/>
+    <AssetId xmlns="4873beb7-5857-4685-be1f-d57550cc96cc">TP102787939</AssetId>
+    <IntlLocPriority xmlns="4873beb7-5857-4685-be1f-d57550cc96cc" xsi:nil="true"/>
+    <PolicheckWords xmlns="4873beb7-5857-4685-be1f-d57550cc96cc" xsi:nil="true"/>
+    <TPLaunchHelpLink xmlns="4873beb7-5857-4685-be1f-d57550cc96cc" xsi:nil="true"/>
+    <TPApplication xmlns="4873beb7-5857-4685-be1f-d57550cc96cc" xsi:nil="true"/>
+    <CrawlForDependencies xmlns="4873beb7-5857-4685-be1f-d57550cc96cc">false</CrawlForDependencies>
+    <HandoffToMSDN xmlns="4873beb7-5857-4685-be1f-d57550cc96cc" xsi:nil="true"/>
+    <PlannedPubDate xmlns="4873beb7-5857-4685-be1f-d57550cc96cc" xsi:nil="true"/>
+    <IntlLangReviewer xmlns="4873beb7-5857-4685-be1f-d57550cc96cc" xsi:nil="true"/>
+    <TrustLevel xmlns="4873beb7-5857-4685-be1f-d57550cc96cc">1 Microsoft Managed Content</TrustLevel>
+    <LocLastLocAttemptVersionLookup xmlns="4873beb7-5857-4685-be1f-d57550cc96cc">694216</LocLastLocAttemptVersionLookup>
+    <LocProcessedForHandoffsLookup xmlns="4873beb7-5857-4685-be1f-d57550cc96cc" xsi:nil="true"/>
+    <IsSearchable xmlns="4873beb7-5857-4685-be1f-d57550cc96cc">true</IsSearchable>
+    <TemplateTemplateType xmlns="4873beb7-5857-4685-be1f-d57550cc96cc">PowerPoint Presentation Template</TemplateTemplateType>
+    <CampaignTagsTaxHTField0 xmlns="4873beb7-5857-4685-be1f-d57550cc96cc">
+      <Terms xmlns="http://schemas.microsoft.com/office/infopath/2007/PartnerControls"/>
+    </CampaignTagsTaxHTField0>
+    <TPNamespace xmlns="4873beb7-5857-4685-be1f-d57550cc96cc" xsi:nil="true"/>
+    <LocOverallPreviewStatusLookup xmlns="4873beb7-5857-4685-be1f-d57550cc96cc" xsi:nil="true"/>
+    <TaxCatchAll xmlns="4873beb7-5857-4685-be1f-d57550cc96cc"/>
+    <Markets xmlns="4873beb7-5857-4685-be1f-d57550cc96cc"/>
+    <UAProjectedTotalWords xmlns="4873beb7-5857-4685-be1f-d57550cc96cc" xsi:nil="true"/>
+    <IntlLangReview xmlns="4873beb7-5857-4685-be1f-d57550cc96cc" xsi:nil="true"/>
+    <OutputCachingOn xmlns="4873beb7-5857-4685-be1f-d57550cc96cc">false</OutputCachingOn>
+    <AverageRating xmlns="4873beb7-5857-4685-be1f-d57550cc96cc" xsi:nil="true"/>
+    <APAuthor xmlns="4873beb7-5857-4685-be1f-d57550cc96cc">
+      <UserInfo>
+        <DisplayName>REDMOND\kristaa</DisplayName>
+        <AccountId>136</AccountId>
+        <AccountType/>
+      </UserInfo>
+    </APAuthor>
+    <LocManualTestRequired xmlns="4873beb7-5857-4685-be1f-d57550cc96cc">false</LocManualTestRequired>
+    <TPCommandLine xmlns="4873beb7-5857-4685-be1f-d57550cc96cc" xsi:nil="true"/>
+    <TPAppVersion xmlns="4873beb7-5857-4685-be1f-d57550cc96cc" xsi:nil="true"/>
+    <EditorialStatus xmlns="4873beb7-5857-4685-be1f-d57550cc96cc">Complete</EditorialStatus>
+    <LastModifiedDateTime xmlns="4873beb7-5857-4685-be1f-d57550cc96cc" xsi:nil="true"/>
+    <ScenarioTagsTaxHTField0 xmlns="4873beb7-5857-4685-be1f-d57550cc96cc">
+      <Terms xmlns="http://schemas.microsoft.com/office/infopath/2007/PartnerControls"/>
+    </ScenarioTagsTaxHTField0>
+    <LocProcessedForMarketsLookup xmlns="4873beb7-5857-4685-be1f-d57550cc96cc" xsi:nil="true"/>
+    <TPLaunchHelpLinkType xmlns="4873beb7-5857-4685-be1f-d57550cc96cc">Template</TPLaunchHelpLinkType>
+    <OriginalRelease xmlns="4873beb7-5857-4685-be1f-d57550cc96cc">15</OriginalRelease>
+    <LocalizationTagsTaxHTField0 xmlns="4873beb7-5857-4685-be1f-d57550cc96cc">
+      <Terms xmlns="http://schemas.microsoft.com/office/infopath/2007/PartnerControls"/>
+    </LocalizationTagsTaxHTField0>
+    <UACurrentWords xmlns="4873beb7-5857-4685-be1f-d57550cc96cc" xsi:nil="true"/>
+    <ArtSampleDocs xmlns="4873beb7-5857-4685-be1f-d57550cc96cc" xsi:nil="true"/>
+    <UALocRecommendation xmlns="4873beb7-5857-4685-be1f-d57550cc96cc">Localize</UALocRecommendation>
+    <Manager xmlns="4873beb7-5857-4685-be1f-d57550cc96cc" xsi:nil="true"/>
+    <LocOverallHandbackStatusLookup xmlns="4873beb7-5857-4685-be1f-d57550cc96cc" xsi:nil="true"/>
+    <ShowIn xmlns="4873beb7-5857-4685-be1f-d57550cc96cc">Show everywhere</ShowIn>
+    <UANotes xmlns="4873beb7-5857-4685-be1f-d57550cc96cc" xsi:nil="true"/>
+    <InternalTagsTaxHTField0 xmlns="4873beb7-5857-4685-be1f-d57550cc96cc">
+      <Terms xmlns="http://schemas.microsoft.com/office/infopath/2007/PartnerControls"/>
+    </InternalTagsTaxHTField0>
+    <CSXHash xmlns="4873beb7-5857-4685-be1f-d57550cc96cc" xsi:nil="true"/>
+    <VoteCount xmlns="4873beb7-5857-4685-be1f-d57550cc96cc" xsi:nil="true"/>
+    <LocMarketGroupTiers2 xmlns="4873beb7-5857-4685-be1f-d57550cc96cc" xsi:nil="true"/>
+  </documentManagement>
+</p:properties>
 </file>
 
 <file path=customXml/item2.xml><?xml version="1.0" encoding="utf-8"?>
@@ -35219,145 +35593,26 @@
 </file>
 
 <file path=customXml/item3.xml><?xml version="1.0" encoding="utf-8"?>
-<p:properties xmlns:p="http://schemas.microsoft.com/office/2006/metadata/properties" xmlns:xsi="http://www.w3.org/2001/XMLSchema-instance" xmlns:pc="http://schemas.microsoft.com/office/infopath/2007/PartnerControls">
-  <documentManagement>
-    <LocPublishedLinkedAssetsLookup xmlns="4873beb7-5857-4685-be1f-d57550cc96cc" xsi:nil="true"/>
-    <ApprovalStatus xmlns="4873beb7-5857-4685-be1f-d57550cc96cc">InProgress</ApprovalStatus>
-    <MarketSpecific xmlns="4873beb7-5857-4685-be1f-d57550cc96cc">false</MarketSpecific>
-    <LocComments xmlns="4873beb7-5857-4685-be1f-d57550cc96cc" xsi:nil="true"/>
-    <LocLastLocAttemptVersionTypeLookup xmlns="4873beb7-5857-4685-be1f-d57550cc96cc" xsi:nil="true"/>
-    <DirectSourceMarket xmlns="4873beb7-5857-4685-be1f-d57550cc96cc" xsi:nil="true"/>
-    <ThumbnailAssetId xmlns="4873beb7-5857-4685-be1f-d57550cc96cc" xsi:nil="true"/>
-    <PrimaryImageGen xmlns="4873beb7-5857-4685-be1f-d57550cc96cc">false</PrimaryImageGen>
-    <LocNewPublishedVersionLookup xmlns="4873beb7-5857-4685-be1f-d57550cc96cc" xsi:nil="true"/>
-    <LegacyData xmlns="4873beb7-5857-4685-be1f-d57550cc96cc" xsi:nil="true"/>
-    <LocRecommendedHandoff xmlns="4873beb7-5857-4685-be1f-d57550cc96cc" xsi:nil="true"/>
-    <BusinessGroup xmlns="4873beb7-5857-4685-be1f-d57550cc96cc" xsi:nil="true"/>
-    <BlockPublish xmlns="4873beb7-5857-4685-be1f-d57550cc96cc">false</BlockPublish>
-    <TPFriendlyName xmlns="4873beb7-5857-4685-be1f-d57550cc96cc" xsi:nil="true"/>
-    <LocOverallPublishStatusLookup xmlns="4873beb7-5857-4685-be1f-d57550cc96cc" xsi:nil="true"/>
-    <NumericId xmlns="4873beb7-5857-4685-be1f-d57550cc96cc" xsi:nil="true"/>
-    <APEditor xmlns="4873beb7-5857-4685-be1f-d57550cc96cc">
-      <UserInfo>
-        <DisplayName/>
-        <AccountId xsi:nil="true"/>
-        <AccountType/>
-      </UserInfo>
-    </APEditor>
-    <SourceTitle xmlns="4873beb7-5857-4685-be1f-d57550cc96cc" xsi:nil="true"/>
-    <OpenTemplate xmlns="4873beb7-5857-4685-be1f-d57550cc96cc">true</OpenTemplate>
-    <LocOverallLocStatusLookup xmlns="4873beb7-5857-4685-be1f-d57550cc96cc" xsi:nil="true"/>
-    <UALocComments xmlns="4873beb7-5857-4685-be1f-d57550cc96cc" xsi:nil="true"/>
-    <ParentAssetId xmlns="4873beb7-5857-4685-be1f-d57550cc96cc" xsi:nil="true"/>
-    <IntlLangReviewDate xmlns="4873beb7-5857-4685-be1f-d57550cc96cc" xsi:nil="true"/>
-    <FeatureTagsTaxHTField0 xmlns="4873beb7-5857-4685-be1f-d57550cc96cc">
-      <Terms xmlns="http://schemas.microsoft.com/office/infopath/2007/PartnerControls"/>
-    </FeatureTagsTaxHTField0>
-    <PublishStatusLookup xmlns="4873beb7-5857-4685-be1f-d57550cc96cc">
-      <Value>1345039</Value>
-    </PublishStatusLookup>
-    <Providers xmlns="4873beb7-5857-4685-be1f-d57550cc96cc" xsi:nil="true"/>
-    <MachineTranslated xmlns="4873beb7-5857-4685-be1f-d57550cc96cc">false</MachineTranslated>
-    <OriginalSourceMarket xmlns="4873beb7-5857-4685-be1f-d57550cc96cc" xsi:nil="true"/>
-    <APDescription xmlns="4873beb7-5857-4685-be1f-d57550cc96cc">The bookstacks present on most slides  make this a good choice for students, teachers, reading enthusiasts, and others in education. This presentation template contains multiple slide layouts in widescreen format (16x9) and includes a sample table and chart that you can easily  modify.</APDescription>
-    <ClipArtFilename xmlns="4873beb7-5857-4685-be1f-d57550cc96cc" xsi:nil="true"/>
-    <ContentItem xmlns="4873beb7-5857-4685-be1f-d57550cc96cc" xsi:nil="true"/>
-    <TPInstallLocation xmlns="4873beb7-5857-4685-be1f-d57550cc96cc" xsi:nil="true"/>
-    <PublishTargets xmlns="4873beb7-5857-4685-be1f-d57550cc96cc">OfficeOnlineVNext</PublishTargets>
-    <TimesCloned xmlns="4873beb7-5857-4685-be1f-d57550cc96cc" xsi:nil="true"/>
-    <AssetStart xmlns="4873beb7-5857-4685-be1f-d57550cc96cc">2011-11-26T00:00:00+00:00</AssetStart>
-    <Provider xmlns="4873beb7-5857-4685-be1f-d57550cc96cc" xsi:nil="true"/>
-    <AcquiredFrom xmlns="4873beb7-5857-4685-be1f-d57550cc96cc">Internal MS</AcquiredFrom>
-    <FriendlyTitle xmlns="4873beb7-5857-4685-be1f-d57550cc96cc" xsi:nil="true"/>
-    <LastHandOff xmlns="4873beb7-5857-4685-be1f-d57550cc96cc" xsi:nil="true"/>
-    <TPClientViewer xmlns="4873beb7-5857-4685-be1f-d57550cc96cc" xsi:nil="true"/>
-    <TemplateStatus xmlns="4873beb7-5857-4685-be1f-d57550cc96cc">Complete</TemplateStatus>
-    <Downloads xmlns="4873beb7-5857-4685-be1f-d57550cc96cc">0</Downloads>
-    <OOCacheId xmlns="4873beb7-5857-4685-be1f-d57550cc96cc" xsi:nil="true"/>
-    <IsDeleted xmlns="4873beb7-5857-4685-be1f-d57550cc96cc">false</IsDeleted>
-    <LocPublishedDependentAssetsLookup xmlns="4873beb7-5857-4685-be1f-d57550cc96cc" xsi:nil="true"/>
-    <AssetExpire xmlns="4873beb7-5857-4685-be1f-d57550cc96cc">2029-05-12T07:00:00+00:00</AssetExpire>
-    <DSATActionTaken xmlns="4873beb7-5857-4685-be1f-d57550cc96cc" xsi:nil="true"/>
-    <CSXSubmissionMarket xmlns="4873beb7-5857-4685-be1f-d57550cc96cc" xsi:nil="true"/>
-    <TPExecutable xmlns="4873beb7-5857-4685-be1f-d57550cc96cc" xsi:nil="true"/>
-    <EditorialTags xmlns="4873beb7-5857-4685-be1f-d57550cc96cc" xsi:nil="true"/>
-    <SubmitterId xmlns="4873beb7-5857-4685-be1f-d57550cc96cc" xsi:nil="true"/>
-    <ApprovalLog xmlns="4873beb7-5857-4685-be1f-d57550cc96cc" xsi:nil="true"/>
-    <AssetType xmlns="4873beb7-5857-4685-be1f-d57550cc96cc">TP</AssetType>
-    <BugNumber xmlns="4873beb7-5857-4685-be1f-d57550cc96cc" xsi:nil="true"/>
-    <CSXSubmissionDate xmlns="4873beb7-5857-4685-be1f-d57550cc96cc" xsi:nil="true"/>
-    <CSXUpdate xmlns="4873beb7-5857-4685-be1f-d57550cc96cc">false</CSXUpdate>
-    <Milestone xmlns="4873beb7-5857-4685-be1f-d57550cc96cc" xsi:nil="true"/>
-    <RecommendationsModifier xmlns="4873beb7-5857-4685-be1f-d57550cc96cc" xsi:nil="true"/>
-    <OriginAsset xmlns="4873beb7-5857-4685-be1f-d57550cc96cc" xsi:nil="true"/>
-    <TPComponent xmlns="4873beb7-5857-4685-be1f-d57550cc96cc" xsi:nil="true"/>
-    <AssetId xmlns="4873beb7-5857-4685-be1f-d57550cc96cc">TP102787939</AssetId>
-    <IntlLocPriority xmlns="4873beb7-5857-4685-be1f-d57550cc96cc" xsi:nil="true"/>
-    <PolicheckWords xmlns="4873beb7-5857-4685-be1f-d57550cc96cc" xsi:nil="true"/>
-    <TPLaunchHelpLink xmlns="4873beb7-5857-4685-be1f-d57550cc96cc" xsi:nil="true"/>
-    <TPApplication xmlns="4873beb7-5857-4685-be1f-d57550cc96cc" xsi:nil="true"/>
-    <CrawlForDependencies xmlns="4873beb7-5857-4685-be1f-d57550cc96cc">false</CrawlForDependencies>
-    <HandoffToMSDN xmlns="4873beb7-5857-4685-be1f-d57550cc96cc" xsi:nil="true"/>
-    <PlannedPubDate xmlns="4873beb7-5857-4685-be1f-d57550cc96cc" xsi:nil="true"/>
-    <IntlLangReviewer xmlns="4873beb7-5857-4685-be1f-d57550cc96cc" xsi:nil="true"/>
-    <TrustLevel xmlns="4873beb7-5857-4685-be1f-d57550cc96cc">1 Microsoft Managed Content</TrustLevel>
-    <LocLastLocAttemptVersionLookup xmlns="4873beb7-5857-4685-be1f-d57550cc96cc">694216</LocLastLocAttemptVersionLookup>
-    <LocProcessedForHandoffsLookup xmlns="4873beb7-5857-4685-be1f-d57550cc96cc" xsi:nil="true"/>
-    <IsSearchable xmlns="4873beb7-5857-4685-be1f-d57550cc96cc">true</IsSearchable>
-    <TemplateTemplateType xmlns="4873beb7-5857-4685-be1f-d57550cc96cc">PowerPoint Presentation Template</TemplateTemplateType>
-    <CampaignTagsTaxHTField0 xmlns="4873beb7-5857-4685-be1f-d57550cc96cc">
-      <Terms xmlns="http://schemas.microsoft.com/office/infopath/2007/PartnerControls"/>
-    </CampaignTagsTaxHTField0>
-    <TPNamespace xmlns="4873beb7-5857-4685-be1f-d57550cc96cc" xsi:nil="true"/>
-    <LocOverallPreviewStatusLookup xmlns="4873beb7-5857-4685-be1f-d57550cc96cc" xsi:nil="true"/>
-    <TaxCatchAll xmlns="4873beb7-5857-4685-be1f-d57550cc96cc"/>
-    <Markets xmlns="4873beb7-5857-4685-be1f-d57550cc96cc"/>
-    <UAProjectedTotalWords xmlns="4873beb7-5857-4685-be1f-d57550cc96cc" xsi:nil="true"/>
-    <IntlLangReview xmlns="4873beb7-5857-4685-be1f-d57550cc96cc" xsi:nil="true"/>
-    <OutputCachingOn xmlns="4873beb7-5857-4685-be1f-d57550cc96cc">false</OutputCachingOn>
-    <AverageRating xmlns="4873beb7-5857-4685-be1f-d57550cc96cc" xsi:nil="true"/>
-    <APAuthor xmlns="4873beb7-5857-4685-be1f-d57550cc96cc">
-      <UserInfo>
-        <DisplayName>REDMOND\kristaa</DisplayName>
-        <AccountId>136</AccountId>
-        <AccountType/>
-      </UserInfo>
-    </APAuthor>
-    <LocManualTestRequired xmlns="4873beb7-5857-4685-be1f-d57550cc96cc">false</LocManualTestRequired>
-    <TPCommandLine xmlns="4873beb7-5857-4685-be1f-d57550cc96cc" xsi:nil="true"/>
-    <TPAppVersion xmlns="4873beb7-5857-4685-be1f-d57550cc96cc" xsi:nil="true"/>
-    <EditorialStatus xmlns="4873beb7-5857-4685-be1f-d57550cc96cc">Complete</EditorialStatus>
-    <LastModifiedDateTime xmlns="4873beb7-5857-4685-be1f-d57550cc96cc" xsi:nil="true"/>
-    <ScenarioTagsTaxHTField0 xmlns="4873beb7-5857-4685-be1f-d57550cc96cc">
-      <Terms xmlns="http://schemas.microsoft.com/office/infopath/2007/PartnerControls"/>
-    </ScenarioTagsTaxHTField0>
-    <LocProcessedForMarketsLookup xmlns="4873beb7-5857-4685-be1f-d57550cc96cc" xsi:nil="true"/>
-    <TPLaunchHelpLinkType xmlns="4873beb7-5857-4685-be1f-d57550cc96cc">Template</TPLaunchHelpLinkType>
-    <OriginalRelease xmlns="4873beb7-5857-4685-be1f-d57550cc96cc">15</OriginalRelease>
-    <LocalizationTagsTaxHTField0 xmlns="4873beb7-5857-4685-be1f-d57550cc96cc">
-      <Terms xmlns="http://schemas.microsoft.com/office/infopath/2007/PartnerControls"/>
-    </LocalizationTagsTaxHTField0>
-    <UACurrentWords xmlns="4873beb7-5857-4685-be1f-d57550cc96cc" xsi:nil="true"/>
-    <ArtSampleDocs xmlns="4873beb7-5857-4685-be1f-d57550cc96cc" xsi:nil="true"/>
-    <UALocRecommendation xmlns="4873beb7-5857-4685-be1f-d57550cc96cc">Localize</UALocRecommendation>
-    <Manager xmlns="4873beb7-5857-4685-be1f-d57550cc96cc" xsi:nil="true"/>
-    <LocOverallHandbackStatusLookup xmlns="4873beb7-5857-4685-be1f-d57550cc96cc" xsi:nil="true"/>
-    <ShowIn xmlns="4873beb7-5857-4685-be1f-d57550cc96cc">Show everywhere</ShowIn>
-    <UANotes xmlns="4873beb7-5857-4685-be1f-d57550cc96cc" xsi:nil="true"/>
-    <InternalTagsTaxHTField0 xmlns="4873beb7-5857-4685-be1f-d57550cc96cc">
-      <Terms xmlns="http://schemas.microsoft.com/office/infopath/2007/PartnerControls"/>
-    </InternalTagsTaxHTField0>
-    <CSXHash xmlns="4873beb7-5857-4685-be1f-d57550cc96cc" xsi:nil="true"/>
-    <VoteCount xmlns="4873beb7-5857-4685-be1f-d57550cc96cc" xsi:nil="true"/>
-    <LocMarketGroupTiers2 xmlns="4873beb7-5857-4685-be1f-d57550cc96cc" xsi:nil="true"/>
-  </documentManagement>
-</p:properties>
+<?mso-contentType ?>
+<FormTemplates xmlns="http://schemas.microsoft.com/sharepoint/v3/contenttype/forms">
+  <Display>DocumentLibraryForm</Display>
+  <Edit>AssetEditForm</Edit>
+  <New>DocumentLibraryForm</New>
+</FormTemplates>
 </file>
 
 <file path=customXml/itemProps1.xml><?xml version="1.0" encoding="utf-8"?>
-<ds:datastoreItem xmlns:ds="http://schemas.openxmlformats.org/officeDocument/2006/customXml" ds:itemID="{E1B558C7-619B-49BE-9097-7FCBDADD4ECE}">
+<ds:datastoreItem xmlns:ds="http://schemas.openxmlformats.org/officeDocument/2006/customXml" ds:itemID="{F301D382-32B0-43EE-932C-28906AF37617}">
   <ds:schemaRefs>
-    <ds:schemaRef ds:uri="http://schemas.microsoft.com/sharepoint/v3/contenttype/forms"/>
+    <ds:schemaRef ds:uri="http://purl.org/dc/elements/1.1/"/>
+    <ds:schemaRef ds:uri="http://schemas.microsoft.com/office/2006/metadata/properties"/>
+    <ds:schemaRef ds:uri="http://schemas.openxmlformats.org/package/2006/metadata/core-properties"/>
+    <ds:schemaRef ds:uri="http://schemas.microsoft.com/office/2006/documentManagement/types"/>
+    <ds:schemaRef ds:uri="http://schemas.microsoft.com/office/infopath/2007/PartnerControls"/>
+    <ds:schemaRef ds:uri="http://purl.org/dc/terms/"/>
+    <ds:schemaRef ds:uri="http://purl.org/dc/dcmitype/"/>
+    <ds:schemaRef ds:uri="4873beb7-5857-4685-be1f-d57550cc96cc"/>
+    <ds:schemaRef ds:uri="http://www.w3.org/XML/1998/namespace"/>
   </ds:schemaRefs>
 </ds:datastoreItem>
 </file>
@@ -35381,17 +35636,9 @@
 </file>
 
 <file path=customXml/itemProps3.xml><?xml version="1.0" encoding="utf-8"?>
-<ds:datastoreItem xmlns:ds="http://schemas.openxmlformats.org/officeDocument/2006/customXml" ds:itemID="{F301D382-32B0-43EE-932C-28906AF37617}">
+<ds:datastoreItem xmlns:ds="http://schemas.openxmlformats.org/officeDocument/2006/customXml" ds:itemID="{E1B558C7-619B-49BE-9097-7FCBDADD4ECE}">
   <ds:schemaRefs>
-    <ds:schemaRef ds:uri="http://purl.org/dc/elements/1.1/"/>
-    <ds:schemaRef ds:uri="http://schemas.microsoft.com/office/2006/metadata/properties"/>
-    <ds:schemaRef ds:uri="http://schemas.openxmlformats.org/package/2006/metadata/core-properties"/>
-    <ds:schemaRef ds:uri="http://schemas.microsoft.com/office/2006/documentManagement/types"/>
-    <ds:schemaRef ds:uri="http://schemas.microsoft.com/office/infopath/2007/PartnerControls"/>
-    <ds:schemaRef ds:uri="http://purl.org/dc/terms/"/>
-    <ds:schemaRef ds:uri="http://purl.org/dc/dcmitype/"/>
-    <ds:schemaRef ds:uri="4873beb7-5857-4685-be1f-d57550cc96cc"/>
-    <ds:schemaRef ds:uri="http://www.w3.org/XML/1998/namespace"/>
+    <ds:schemaRef ds:uri="http://schemas.microsoft.com/sharepoint/v3/contenttype/forms"/>
   </ds:schemaRefs>
 </ds:datastoreItem>
 </file>
--- a/钉钉机器人.pptx
+++ b/钉钉机器人.pptx
@@ -22796,6 +22796,26 @@
                 <a:ea typeface="微软雅黑" panose="020B0503020204020204" pitchFamily="34" charset="-122"/>
               </a:rPr>
               <a:t>sql</a:t>
+            </a:r>
+            <a:r>
+              <a:rPr lang="en-US" altLang="zh-CN" sz="1600" dirty="0">
+                <a:solidFill>
+                  <a:srgbClr val="5C5C5C"/>
+                </a:solidFill>
+                <a:latin typeface="微软雅黑" panose="020B0503020204020204" pitchFamily="34" charset="-122"/>
+                <a:ea typeface="微软雅黑" panose="020B0503020204020204" pitchFamily="34" charset="-122"/>
+              </a:rPr>
+              <a:t>,</a:t>
+            </a:r>
+            <a:r>
+              <a:rPr lang="zh-CN" altLang="en-US" sz="1600">
+                <a:solidFill>
+                  <a:srgbClr val="5C5C5C"/>
+                </a:solidFill>
+                <a:latin typeface="微软雅黑" panose="020B0503020204020204" pitchFamily="34" charset="-122"/>
+                <a:ea typeface="微软雅黑" panose="020B0503020204020204" pitchFamily="34" charset="-122"/>
+              </a:rPr>
+              <a:t>输入</a:t>
             </a:r>
             <a:endParaRPr lang="en-US" altLang="zh-CN" sz="1600" dirty="0">
               <a:solidFill>
@@ -34417,139 +34437,12 @@
 </file>
 
 <file path=customXml/item1.xml><?xml version="1.0" encoding="utf-8"?>
-<p:properties xmlns:p="http://schemas.microsoft.com/office/2006/metadata/properties" xmlns:xsi="http://www.w3.org/2001/XMLSchema-instance" xmlns:pc="http://schemas.microsoft.com/office/infopath/2007/PartnerControls">
-  <documentManagement>
-    <LocPublishedLinkedAssetsLookup xmlns="4873beb7-5857-4685-be1f-d57550cc96cc" xsi:nil="true"/>
-    <ApprovalStatus xmlns="4873beb7-5857-4685-be1f-d57550cc96cc">InProgress</ApprovalStatus>
-    <MarketSpecific xmlns="4873beb7-5857-4685-be1f-d57550cc96cc">false</MarketSpecific>
-    <LocComments xmlns="4873beb7-5857-4685-be1f-d57550cc96cc" xsi:nil="true"/>
-    <LocLastLocAttemptVersionTypeLookup xmlns="4873beb7-5857-4685-be1f-d57550cc96cc" xsi:nil="true"/>
-    <DirectSourceMarket xmlns="4873beb7-5857-4685-be1f-d57550cc96cc" xsi:nil="true"/>
-    <ThumbnailAssetId xmlns="4873beb7-5857-4685-be1f-d57550cc96cc" xsi:nil="true"/>
-    <PrimaryImageGen xmlns="4873beb7-5857-4685-be1f-d57550cc96cc">false</PrimaryImageGen>
-    <LocNewPublishedVersionLookup xmlns="4873beb7-5857-4685-be1f-d57550cc96cc" xsi:nil="true"/>
-    <LegacyData xmlns="4873beb7-5857-4685-be1f-d57550cc96cc" xsi:nil="true"/>
-    <LocRecommendedHandoff xmlns="4873beb7-5857-4685-be1f-d57550cc96cc" xsi:nil="true"/>
-    <BusinessGroup xmlns="4873beb7-5857-4685-be1f-d57550cc96cc" xsi:nil="true"/>
-    <BlockPublish xmlns="4873beb7-5857-4685-be1f-d57550cc96cc">false</BlockPublish>
-    <TPFriendlyName xmlns="4873beb7-5857-4685-be1f-d57550cc96cc" xsi:nil="true"/>
-    <LocOverallPublishStatusLookup xmlns="4873beb7-5857-4685-be1f-d57550cc96cc" xsi:nil="true"/>
-    <NumericId xmlns="4873beb7-5857-4685-be1f-d57550cc96cc" xsi:nil="true"/>
-    <APEditor xmlns="4873beb7-5857-4685-be1f-d57550cc96cc">
-      <UserInfo>
-        <DisplayName/>
-        <AccountId xsi:nil="true"/>
-        <AccountType/>
-      </UserInfo>
-    </APEditor>
-    <SourceTitle xmlns="4873beb7-5857-4685-be1f-d57550cc96cc" xsi:nil="true"/>
-    <OpenTemplate xmlns="4873beb7-5857-4685-be1f-d57550cc96cc">true</OpenTemplate>
-    <LocOverallLocStatusLookup xmlns="4873beb7-5857-4685-be1f-d57550cc96cc" xsi:nil="true"/>
-    <UALocComments xmlns="4873beb7-5857-4685-be1f-d57550cc96cc" xsi:nil="true"/>
-    <ParentAssetId xmlns="4873beb7-5857-4685-be1f-d57550cc96cc" xsi:nil="true"/>
-    <IntlLangReviewDate xmlns="4873beb7-5857-4685-be1f-d57550cc96cc" xsi:nil="true"/>
-    <FeatureTagsTaxHTField0 xmlns="4873beb7-5857-4685-be1f-d57550cc96cc">
-      <Terms xmlns="http://schemas.microsoft.com/office/infopath/2007/PartnerControls"/>
-    </FeatureTagsTaxHTField0>
-    <PublishStatusLookup xmlns="4873beb7-5857-4685-be1f-d57550cc96cc">
-      <Value>1345039</Value>
-    </PublishStatusLookup>
-    <Providers xmlns="4873beb7-5857-4685-be1f-d57550cc96cc" xsi:nil="true"/>
-    <MachineTranslated xmlns="4873beb7-5857-4685-be1f-d57550cc96cc">false</MachineTranslated>
-    <OriginalSourceMarket xmlns="4873beb7-5857-4685-be1f-d57550cc96cc" xsi:nil="true"/>
-    <APDescription xmlns="4873beb7-5857-4685-be1f-d57550cc96cc">The bookstacks present on most slides  make this a good choice for students, teachers, reading enthusiasts, and others in education. This presentation template contains multiple slide layouts in widescreen format (16x9) and includes a sample table and chart that you can easily  modify.</APDescription>
-    <ClipArtFilename xmlns="4873beb7-5857-4685-be1f-d57550cc96cc" xsi:nil="true"/>
-    <ContentItem xmlns="4873beb7-5857-4685-be1f-d57550cc96cc" xsi:nil="true"/>
-    <TPInstallLocation xmlns="4873beb7-5857-4685-be1f-d57550cc96cc" xsi:nil="true"/>
-    <PublishTargets xmlns="4873beb7-5857-4685-be1f-d57550cc96cc">OfficeOnlineVNext</PublishTargets>
-    <TimesCloned xmlns="4873beb7-5857-4685-be1f-d57550cc96cc" xsi:nil="true"/>
-    <AssetStart xmlns="4873beb7-5857-4685-be1f-d57550cc96cc">2011-11-26T00:00:00+00:00</AssetStart>
-    <Provider xmlns="4873beb7-5857-4685-be1f-d57550cc96cc" xsi:nil="true"/>
-    <AcquiredFrom xmlns="4873beb7-5857-4685-be1f-d57550cc96cc">Internal MS</AcquiredFrom>
-    <FriendlyTitle xmlns="4873beb7-5857-4685-be1f-d57550cc96cc" xsi:nil="true"/>
-    <LastHandOff xmlns="4873beb7-5857-4685-be1f-d57550cc96cc" xsi:nil="true"/>
-    <TPClientViewer xmlns="4873beb7-5857-4685-be1f-d57550cc96cc" xsi:nil="true"/>
-    <TemplateStatus xmlns="4873beb7-5857-4685-be1f-d57550cc96cc">Complete</TemplateStatus>
-    <Downloads xmlns="4873beb7-5857-4685-be1f-d57550cc96cc">0</Downloads>
-    <OOCacheId xmlns="4873beb7-5857-4685-be1f-d57550cc96cc" xsi:nil="true"/>
-    <IsDeleted xmlns="4873beb7-5857-4685-be1f-d57550cc96cc">false</IsDeleted>
-    <LocPublishedDependentAssetsLookup xmlns="4873beb7-5857-4685-be1f-d57550cc96cc" xsi:nil="true"/>
-    <AssetExpire xmlns="4873beb7-5857-4685-be1f-d57550cc96cc">2029-05-12T07:00:00+00:00</AssetExpire>
-    <DSATActionTaken xmlns="4873beb7-5857-4685-be1f-d57550cc96cc" xsi:nil="true"/>
-    <CSXSubmissionMarket xmlns="4873beb7-5857-4685-be1f-d57550cc96cc" xsi:nil="true"/>
-    <TPExecutable xmlns="4873beb7-5857-4685-be1f-d57550cc96cc" xsi:nil="true"/>
-    <EditorialTags xmlns="4873beb7-5857-4685-be1f-d57550cc96cc" xsi:nil="true"/>
-    <SubmitterId xmlns="4873beb7-5857-4685-be1f-d57550cc96cc" xsi:nil="true"/>
-    <ApprovalLog xmlns="4873beb7-5857-4685-be1f-d57550cc96cc" xsi:nil="true"/>
-    <AssetType xmlns="4873beb7-5857-4685-be1f-d57550cc96cc">TP</AssetType>
-    <BugNumber xmlns="4873beb7-5857-4685-be1f-d57550cc96cc" xsi:nil="true"/>
-    <CSXSubmissionDate xmlns="4873beb7-5857-4685-be1f-d57550cc96cc" xsi:nil="true"/>
-    <CSXUpdate xmlns="4873beb7-5857-4685-be1f-d57550cc96cc">false</CSXUpdate>
-    <Milestone xmlns="4873beb7-5857-4685-be1f-d57550cc96cc" xsi:nil="true"/>
-    <RecommendationsModifier xmlns="4873beb7-5857-4685-be1f-d57550cc96cc" xsi:nil="true"/>
-    <OriginAsset xmlns="4873beb7-5857-4685-be1f-d57550cc96cc" xsi:nil="true"/>
-    <TPComponent xmlns="4873beb7-5857-4685-be1f-d57550cc96cc" xsi:nil="true"/>
-    <AssetId xmlns="4873beb7-5857-4685-be1f-d57550cc96cc">TP102787939</AssetId>
-    <IntlLocPriority xmlns="4873beb7-5857-4685-be1f-d57550cc96cc" xsi:nil="true"/>
-    <PolicheckWords xmlns="4873beb7-5857-4685-be1f-d57550cc96cc" xsi:nil="true"/>
-    <TPLaunchHelpLink xmlns="4873beb7-5857-4685-be1f-d57550cc96cc" xsi:nil="true"/>
-    <TPApplication xmlns="4873beb7-5857-4685-be1f-d57550cc96cc" xsi:nil="true"/>
-    <CrawlForDependencies xmlns="4873beb7-5857-4685-be1f-d57550cc96cc">false</CrawlForDependencies>
-    <HandoffToMSDN xmlns="4873beb7-5857-4685-be1f-d57550cc96cc" xsi:nil="true"/>
-    <PlannedPubDate xmlns="4873beb7-5857-4685-be1f-d57550cc96cc" xsi:nil="true"/>
-    <IntlLangReviewer xmlns="4873beb7-5857-4685-be1f-d57550cc96cc" xsi:nil="true"/>
-    <TrustLevel xmlns="4873beb7-5857-4685-be1f-d57550cc96cc">1 Microsoft Managed Content</TrustLevel>
-    <LocLastLocAttemptVersionLookup xmlns="4873beb7-5857-4685-be1f-d57550cc96cc">694216</LocLastLocAttemptVersionLookup>
-    <LocProcessedForHandoffsLookup xmlns="4873beb7-5857-4685-be1f-d57550cc96cc" xsi:nil="true"/>
-    <IsSearchable xmlns="4873beb7-5857-4685-be1f-d57550cc96cc">true</IsSearchable>
-    <TemplateTemplateType xmlns="4873beb7-5857-4685-be1f-d57550cc96cc">PowerPoint Presentation Template</TemplateTemplateType>
-    <CampaignTagsTaxHTField0 xmlns="4873beb7-5857-4685-be1f-d57550cc96cc">
-      <Terms xmlns="http://schemas.microsoft.com/office/infopath/2007/PartnerControls"/>
-    </CampaignTagsTaxHTField0>
-    <TPNamespace xmlns="4873beb7-5857-4685-be1f-d57550cc96cc" xsi:nil="true"/>
-    <LocOverallPreviewStatusLookup xmlns="4873beb7-5857-4685-be1f-d57550cc96cc" xsi:nil="true"/>
-    <TaxCatchAll xmlns="4873beb7-5857-4685-be1f-d57550cc96cc"/>
-    <Markets xmlns="4873beb7-5857-4685-be1f-d57550cc96cc"/>
-    <UAProjectedTotalWords xmlns="4873beb7-5857-4685-be1f-d57550cc96cc" xsi:nil="true"/>
-    <IntlLangReview xmlns="4873beb7-5857-4685-be1f-d57550cc96cc" xsi:nil="true"/>
-    <OutputCachingOn xmlns="4873beb7-5857-4685-be1f-d57550cc96cc">false</OutputCachingOn>
-    <AverageRating xmlns="4873beb7-5857-4685-be1f-d57550cc96cc" xsi:nil="true"/>
-    <APAuthor xmlns="4873beb7-5857-4685-be1f-d57550cc96cc">
-      <UserInfo>
-        <DisplayName>REDMOND\kristaa</DisplayName>
-        <AccountId>136</AccountId>
-        <AccountType/>
-      </UserInfo>
-    </APAuthor>
-    <LocManualTestRequired xmlns="4873beb7-5857-4685-be1f-d57550cc96cc">false</LocManualTestRequired>
-    <TPCommandLine xmlns="4873beb7-5857-4685-be1f-d57550cc96cc" xsi:nil="true"/>
-    <TPAppVersion xmlns="4873beb7-5857-4685-be1f-d57550cc96cc" xsi:nil="true"/>
-    <EditorialStatus xmlns="4873beb7-5857-4685-be1f-d57550cc96cc">Complete</EditorialStatus>
-    <LastModifiedDateTime xmlns="4873beb7-5857-4685-be1f-d57550cc96cc" xsi:nil="true"/>
-    <ScenarioTagsTaxHTField0 xmlns="4873beb7-5857-4685-be1f-d57550cc96cc">
-      <Terms xmlns="http://schemas.microsoft.com/office/infopath/2007/PartnerControls"/>
-    </ScenarioTagsTaxHTField0>
-    <LocProcessedForMarketsLookup xmlns="4873beb7-5857-4685-be1f-d57550cc96cc" xsi:nil="true"/>
-    <TPLaunchHelpLinkType xmlns="4873beb7-5857-4685-be1f-d57550cc96cc">Template</TPLaunchHelpLinkType>
-    <OriginalRelease xmlns="4873beb7-5857-4685-be1f-d57550cc96cc">15</OriginalRelease>
-    <LocalizationTagsTaxHTField0 xmlns="4873beb7-5857-4685-be1f-d57550cc96cc">
-      <Terms xmlns="http://schemas.microsoft.com/office/infopath/2007/PartnerControls"/>
-    </LocalizationTagsTaxHTField0>
-    <UACurrentWords xmlns="4873beb7-5857-4685-be1f-d57550cc96cc" xsi:nil="true"/>
-    <ArtSampleDocs xmlns="4873beb7-5857-4685-be1f-d57550cc96cc" xsi:nil="true"/>
-    <UALocRecommendation xmlns="4873beb7-5857-4685-be1f-d57550cc96cc">Localize</UALocRecommendation>
-    <Manager xmlns="4873beb7-5857-4685-be1f-d57550cc96cc" xsi:nil="true"/>
-    <LocOverallHandbackStatusLookup xmlns="4873beb7-5857-4685-be1f-d57550cc96cc" xsi:nil="true"/>
-    <ShowIn xmlns="4873beb7-5857-4685-be1f-d57550cc96cc">Show everywhere</ShowIn>
-    <UANotes xmlns="4873beb7-5857-4685-be1f-d57550cc96cc" xsi:nil="true"/>
-    <InternalTagsTaxHTField0 xmlns="4873beb7-5857-4685-be1f-d57550cc96cc">
-      <Terms xmlns="http://schemas.microsoft.com/office/infopath/2007/PartnerControls"/>
-    </InternalTagsTaxHTField0>
-    <CSXHash xmlns="4873beb7-5857-4685-be1f-d57550cc96cc" xsi:nil="true"/>
-    <VoteCount xmlns="4873beb7-5857-4685-be1f-d57550cc96cc" xsi:nil="true"/>
-    <LocMarketGroupTiers2 xmlns="4873beb7-5857-4685-be1f-d57550cc96cc" xsi:nil="true"/>
-  </documentManagement>
-</p:properties>
+<?mso-contentType ?>
+<FormTemplates xmlns="http://schemas.microsoft.com/sharepoint/v3/contenttype/forms">
+  <Display>DocumentLibraryForm</Display>
+  <Edit>AssetEditForm</Edit>
+  <New>DocumentLibraryForm</New>
+</FormTemplates>
 </file>
 
 <file path=customXml/item2.xml><?xml version="1.0" encoding="utf-8"?>
@@ -35593,26 +35486,145 @@
 </file>
 
 <file path=customXml/item3.xml><?xml version="1.0" encoding="utf-8"?>
-<?mso-contentType ?>
-<FormTemplates xmlns="http://schemas.microsoft.com/sharepoint/v3/contenttype/forms">
-  <Display>DocumentLibraryForm</Display>
-  <Edit>AssetEditForm</Edit>
-  <New>DocumentLibraryForm</New>
-</FormTemplates>
+<p:properties xmlns:p="http://schemas.microsoft.com/office/2006/metadata/properties" xmlns:xsi="http://www.w3.org/2001/XMLSchema-instance" xmlns:pc="http://schemas.microsoft.com/office/infopath/2007/PartnerControls">
+  <documentManagement>
+    <LocPublishedLinkedAssetsLookup xmlns="4873beb7-5857-4685-be1f-d57550cc96cc" xsi:nil="true"/>
+    <ApprovalStatus xmlns="4873beb7-5857-4685-be1f-d57550cc96cc">InProgress</ApprovalStatus>
+    <MarketSpecific xmlns="4873beb7-5857-4685-be1f-d57550cc96cc">false</MarketSpecific>
+    <LocComments xmlns="4873beb7-5857-4685-be1f-d57550cc96cc" xsi:nil="true"/>
+    <LocLastLocAttemptVersionTypeLookup xmlns="4873beb7-5857-4685-be1f-d57550cc96cc" xsi:nil="true"/>
+    <DirectSourceMarket xmlns="4873beb7-5857-4685-be1f-d57550cc96cc" xsi:nil="true"/>
+    <ThumbnailAssetId xmlns="4873beb7-5857-4685-be1f-d57550cc96cc" xsi:nil="true"/>
+    <PrimaryImageGen xmlns="4873beb7-5857-4685-be1f-d57550cc96cc">false</PrimaryImageGen>
+    <LocNewPublishedVersionLookup xmlns="4873beb7-5857-4685-be1f-d57550cc96cc" xsi:nil="true"/>
+    <LegacyData xmlns="4873beb7-5857-4685-be1f-d57550cc96cc" xsi:nil="true"/>
+    <LocRecommendedHandoff xmlns="4873beb7-5857-4685-be1f-d57550cc96cc" xsi:nil="true"/>
+    <BusinessGroup xmlns="4873beb7-5857-4685-be1f-d57550cc96cc" xsi:nil="true"/>
+    <BlockPublish xmlns="4873beb7-5857-4685-be1f-d57550cc96cc">false</BlockPublish>
+    <TPFriendlyName xmlns="4873beb7-5857-4685-be1f-d57550cc96cc" xsi:nil="true"/>
+    <LocOverallPublishStatusLookup xmlns="4873beb7-5857-4685-be1f-d57550cc96cc" xsi:nil="true"/>
+    <NumericId xmlns="4873beb7-5857-4685-be1f-d57550cc96cc" xsi:nil="true"/>
+    <APEditor xmlns="4873beb7-5857-4685-be1f-d57550cc96cc">
+      <UserInfo>
+        <DisplayName/>
+        <AccountId xsi:nil="true"/>
+        <AccountType/>
+      </UserInfo>
+    </APEditor>
+    <SourceTitle xmlns="4873beb7-5857-4685-be1f-d57550cc96cc" xsi:nil="true"/>
+    <OpenTemplate xmlns="4873beb7-5857-4685-be1f-d57550cc96cc">true</OpenTemplate>
+    <LocOverallLocStatusLookup xmlns="4873beb7-5857-4685-be1f-d57550cc96cc" xsi:nil="true"/>
+    <UALocComments xmlns="4873beb7-5857-4685-be1f-d57550cc96cc" xsi:nil="true"/>
+    <ParentAssetId xmlns="4873beb7-5857-4685-be1f-d57550cc96cc" xsi:nil="true"/>
+    <IntlLangReviewDate xmlns="4873beb7-5857-4685-be1f-d57550cc96cc" xsi:nil="true"/>
+    <FeatureTagsTaxHTField0 xmlns="4873beb7-5857-4685-be1f-d57550cc96cc">
+      <Terms xmlns="http://schemas.microsoft.com/office/infopath/2007/PartnerControls"/>
+    </FeatureTagsTaxHTField0>
+    <PublishStatusLookup xmlns="4873beb7-5857-4685-be1f-d57550cc96cc">
+      <Value>1345039</Value>
+    </PublishStatusLookup>
+    <Providers xmlns="4873beb7-5857-4685-be1f-d57550cc96cc" xsi:nil="true"/>
+    <MachineTranslated xmlns="4873beb7-5857-4685-be1f-d57550cc96cc">false</MachineTranslated>
+    <OriginalSourceMarket xmlns="4873beb7-5857-4685-be1f-d57550cc96cc" xsi:nil="true"/>
+    <APDescription xmlns="4873beb7-5857-4685-be1f-d57550cc96cc">The bookstacks present on most slides  make this a good choice for students, teachers, reading enthusiasts, and others in education. This presentation template contains multiple slide layouts in widescreen format (16x9) and includes a sample table and chart that you can easily  modify.</APDescription>
+    <ClipArtFilename xmlns="4873beb7-5857-4685-be1f-d57550cc96cc" xsi:nil="true"/>
+    <ContentItem xmlns="4873beb7-5857-4685-be1f-d57550cc96cc" xsi:nil="true"/>
+    <TPInstallLocation xmlns="4873beb7-5857-4685-be1f-d57550cc96cc" xsi:nil="true"/>
+    <PublishTargets xmlns="4873beb7-5857-4685-be1f-d57550cc96cc">OfficeOnlineVNext</PublishTargets>
+    <TimesCloned xmlns="4873beb7-5857-4685-be1f-d57550cc96cc" xsi:nil="true"/>
+    <AssetStart xmlns="4873beb7-5857-4685-be1f-d57550cc96cc">2011-11-26T00:00:00+00:00</AssetStart>
+    <Provider xmlns="4873beb7-5857-4685-be1f-d57550cc96cc" xsi:nil="true"/>
+    <AcquiredFrom xmlns="4873beb7-5857-4685-be1f-d57550cc96cc">Internal MS</AcquiredFrom>
+    <FriendlyTitle xmlns="4873beb7-5857-4685-be1f-d57550cc96cc" xsi:nil="true"/>
+    <LastHandOff xmlns="4873beb7-5857-4685-be1f-d57550cc96cc" xsi:nil="true"/>
+    <TPClientViewer xmlns="4873beb7-5857-4685-be1f-d57550cc96cc" xsi:nil="true"/>
+    <TemplateStatus xmlns="4873beb7-5857-4685-be1f-d57550cc96cc">Complete</TemplateStatus>
+    <Downloads xmlns="4873beb7-5857-4685-be1f-d57550cc96cc">0</Downloads>
+    <OOCacheId xmlns="4873beb7-5857-4685-be1f-d57550cc96cc" xsi:nil="true"/>
+    <IsDeleted xmlns="4873beb7-5857-4685-be1f-d57550cc96cc">false</IsDeleted>
+    <LocPublishedDependentAssetsLookup xmlns="4873beb7-5857-4685-be1f-d57550cc96cc" xsi:nil="true"/>
+    <AssetExpire xmlns="4873beb7-5857-4685-be1f-d57550cc96cc">2029-05-12T07:00:00+00:00</AssetExpire>
+    <DSATActionTaken xmlns="4873beb7-5857-4685-be1f-d57550cc96cc" xsi:nil="true"/>
+    <CSXSubmissionMarket xmlns="4873beb7-5857-4685-be1f-d57550cc96cc" xsi:nil="true"/>
+    <TPExecutable xmlns="4873beb7-5857-4685-be1f-d57550cc96cc" xsi:nil="true"/>
+    <EditorialTags xmlns="4873beb7-5857-4685-be1f-d57550cc96cc" xsi:nil="true"/>
+    <SubmitterId xmlns="4873beb7-5857-4685-be1f-d57550cc96cc" xsi:nil="true"/>
+    <ApprovalLog xmlns="4873beb7-5857-4685-be1f-d57550cc96cc" xsi:nil="true"/>
+    <AssetType xmlns="4873beb7-5857-4685-be1f-d57550cc96cc">TP</AssetType>
+    <BugNumber xmlns="4873beb7-5857-4685-be1f-d57550cc96cc" xsi:nil="true"/>
+    <CSXSubmissionDate xmlns="4873beb7-5857-4685-be1f-d57550cc96cc" xsi:nil="true"/>
+    <CSXUpdate xmlns="4873beb7-5857-4685-be1f-d57550cc96cc">false</CSXUpdate>
+    <Milestone xmlns="4873beb7-5857-4685-be1f-d57550cc96cc" xsi:nil="true"/>
+    <RecommendationsModifier xmlns="4873beb7-5857-4685-be1f-d57550cc96cc" xsi:nil="true"/>
+    <OriginAsset xmlns="4873beb7-5857-4685-be1f-d57550cc96cc" xsi:nil="true"/>
+    <TPComponent xmlns="4873beb7-5857-4685-be1f-d57550cc96cc" xsi:nil="true"/>
+    <AssetId xmlns="4873beb7-5857-4685-be1f-d57550cc96cc">TP102787939</AssetId>
+    <IntlLocPriority xmlns="4873beb7-5857-4685-be1f-d57550cc96cc" xsi:nil="true"/>
+    <PolicheckWords xmlns="4873beb7-5857-4685-be1f-d57550cc96cc" xsi:nil="true"/>
+    <TPLaunchHelpLink xmlns="4873beb7-5857-4685-be1f-d57550cc96cc" xsi:nil="true"/>
+    <TPApplication xmlns="4873beb7-5857-4685-be1f-d57550cc96cc" xsi:nil="true"/>
+    <CrawlForDependencies xmlns="4873beb7-5857-4685-be1f-d57550cc96cc">false</CrawlForDependencies>
+    <HandoffToMSDN xmlns="4873beb7-5857-4685-be1f-d57550cc96cc" xsi:nil="true"/>
+    <PlannedPubDate xmlns="4873beb7-5857-4685-be1f-d57550cc96cc" xsi:nil="true"/>
+    <IntlLangReviewer xmlns="4873beb7-5857-4685-be1f-d57550cc96cc" xsi:nil="true"/>
+    <TrustLevel xmlns="4873beb7-5857-4685-be1f-d57550cc96cc">1 Microsoft Managed Content</TrustLevel>
+    <LocLastLocAttemptVersionLookup xmlns="4873beb7-5857-4685-be1f-d57550cc96cc">694216</LocLastLocAttemptVersionLookup>
+    <LocProcessedForHandoffsLookup xmlns="4873beb7-5857-4685-be1f-d57550cc96cc" xsi:nil="true"/>
+    <IsSearchable xmlns="4873beb7-5857-4685-be1f-d57550cc96cc">true</IsSearchable>
+    <TemplateTemplateType xmlns="4873beb7-5857-4685-be1f-d57550cc96cc">PowerPoint Presentation Template</TemplateTemplateType>
+    <CampaignTagsTaxHTField0 xmlns="4873beb7-5857-4685-be1f-d57550cc96cc">
+      <Terms xmlns="http://schemas.microsoft.com/office/infopath/2007/PartnerControls"/>
+    </CampaignTagsTaxHTField0>
+    <TPNamespace xmlns="4873beb7-5857-4685-be1f-d57550cc96cc" xsi:nil="true"/>
+    <LocOverallPreviewStatusLookup xmlns="4873beb7-5857-4685-be1f-d57550cc96cc" xsi:nil="true"/>
+    <TaxCatchAll xmlns="4873beb7-5857-4685-be1f-d57550cc96cc"/>
+    <Markets xmlns="4873beb7-5857-4685-be1f-d57550cc96cc"/>
+    <UAProjectedTotalWords xmlns="4873beb7-5857-4685-be1f-d57550cc96cc" xsi:nil="true"/>
+    <IntlLangReview xmlns="4873beb7-5857-4685-be1f-d57550cc96cc" xsi:nil="true"/>
+    <OutputCachingOn xmlns="4873beb7-5857-4685-be1f-d57550cc96cc">false</OutputCachingOn>
+    <AverageRating xmlns="4873beb7-5857-4685-be1f-d57550cc96cc" xsi:nil="true"/>
+    <APAuthor xmlns="4873beb7-5857-4685-be1f-d57550cc96cc">
+      <UserInfo>
+        <DisplayName>REDMOND\kristaa</DisplayName>
+        <AccountId>136</AccountId>
+        <AccountType/>
+      </UserInfo>
+    </APAuthor>
+    <LocManualTestRequired xmlns="4873beb7-5857-4685-be1f-d57550cc96cc">false</LocManualTestRequired>
+    <TPCommandLine xmlns="4873beb7-5857-4685-be1f-d57550cc96cc" xsi:nil="true"/>
+    <TPAppVersion xmlns="4873beb7-5857-4685-be1f-d57550cc96cc" xsi:nil="true"/>
+    <EditorialStatus xmlns="4873beb7-5857-4685-be1f-d57550cc96cc">Complete</EditorialStatus>
+    <LastModifiedDateTime xmlns="4873beb7-5857-4685-be1f-d57550cc96cc" xsi:nil="true"/>
+    <ScenarioTagsTaxHTField0 xmlns="4873beb7-5857-4685-be1f-d57550cc96cc">
+      <Terms xmlns="http://schemas.microsoft.com/office/infopath/2007/PartnerControls"/>
+    </ScenarioTagsTaxHTField0>
+    <LocProcessedForMarketsLookup xmlns="4873beb7-5857-4685-be1f-d57550cc96cc" xsi:nil="true"/>
+    <TPLaunchHelpLinkType xmlns="4873beb7-5857-4685-be1f-d57550cc96cc">Template</TPLaunchHelpLinkType>
+    <OriginalRelease xmlns="4873beb7-5857-4685-be1f-d57550cc96cc">15</OriginalRelease>
+    <LocalizationTagsTaxHTField0 xmlns="4873beb7-5857-4685-be1f-d57550cc96cc">
+      <Terms xmlns="http://schemas.microsoft.com/office/infopath/2007/PartnerControls"/>
+    </LocalizationTagsTaxHTField0>
+    <UACurrentWords xmlns="4873beb7-5857-4685-be1f-d57550cc96cc" xsi:nil="true"/>
+    <ArtSampleDocs xmlns="4873beb7-5857-4685-be1f-d57550cc96cc" xsi:nil="true"/>
+    <UALocRecommendation xmlns="4873beb7-5857-4685-be1f-d57550cc96cc">Localize</UALocRecommendation>
+    <Manager xmlns="4873beb7-5857-4685-be1f-d57550cc96cc" xsi:nil="true"/>
+    <LocOverallHandbackStatusLookup xmlns="4873beb7-5857-4685-be1f-d57550cc96cc" xsi:nil="true"/>
+    <ShowIn xmlns="4873beb7-5857-4685-be1f-d57550cc96cc">Show everywhere</ShowIn>
+    <UANotes xmlns="4873beb7-5857-4685-be1f-d57550cc96cc" xsi:nil="true"/>
+    <InternalTagsTaxHTField0 xmlns="4873beb7-5857-4685-be1f-d57550cc96cc">
+      <Terms xmlns="http://schemas.microsoft.com/office/infopath/2007/PartnerControls"/>
+    </InternalTagsTaxHTField0>
+    <CSXHash xmlns="4873beb7-5857-4685-be1f-d57550cc96cc" xsi:nil="true"/>
+    <VoteCount xmlns="4873beb7-5857-4685-be1f-d57550cc96cc" xsi:nil="true"/>
+    <LocMarketGroupTiers2 xmlns="4873beb7-5857-4685-be1f-d57550cc96cc" xsi:nil="true"/>
+  </documentManagement>
+</p:properties>
 </file>
 
 <file path=customXml/itemProps1.xml><?xml version="1.0" encoding="utf-8"?>
-<ds:datastoreItem xmlns:ds="http://schemas.openxmlformats.org/officeDocument/2006/customXml" ds:itemID="{F301D382-32B0-43EE-932C-28906AF37617}">
+<ds:datastoreItem xmlns:ds="http://schemas.openxmlformats.org/officeDocument/2006/customXml" ds:itemID="{E1B558C7-619B-49BE-9097-7FCBDADD4ECE}">
   <ds:schemaRefs>
-    <ds:schemaRef ds:uri="http://purl.org/dc/elements/1.1/"/>
-    <ds:schemaRef ds:uri="http://schemas.microsoft.com/office/2006/metadata/properties"/>
-    <ds:schemaRef ds:uri="http://schemas.openxmlformats.org/package/2006/metadata/core-properties"/>
-    <ds:schemaRef ds:uri="http://schemas.microsoft.com/office/2006/documentManagement/types"/>
-    <ds:schemaRef ds:uri="http://schemas.microsoft.com/office/infopath/2007/PartnerControls"/>
-    <ds:schemaRef ds:uri="http://purl.org/dc/terms/"/>
-    <ds:schemaRef ds:uri="http://purl.org/dc/dcmitype/"/>
-    <ds:schemaRef ds:uri="4873beb7-5857-4685-be1f-d57550cc96cc"/>
-    <ds:schemaRef ds:uri="http://www.w3.org/XML/1998/namespace"/>
+    <ds:schemaRef ds:uri="http://schemas.microsoft.com/sharepoint/v3/contenttype/forms"/>
   </ds:schemaRefs>
 </ds:datastoreItem>
 </file>
@@ -35636,9 +35648,17 @@
 </file>
 
 <file path=customXml/itemProps3.xml><?xml version="1.0" encoding="utf-8"?>
-<ds:datastoreItem xmlns:ds="http://schemas.openxmlformats.org/officeDocument/2006/customXml" ds:itemID="{E1B558C7-619B-49BE-9097-7FCBDADD4ECE}">
+<ds:datastoreItem xmlns:ds="http://schemas.openxmlformats.org/officeDocument/2006/customXml" ds:itemID="{F301D382-32B0-43EE-932C-28906AF37617}">
   <ds:schemaRefs>
-    <ds:schemaRef ds:uri="http://schemas.microsoft.com/sharepoint/v3/contenttype/forms"/>
+    <ds:schemaRef ds:uri="http://purl.org/dc/elements/1.1/"/>
+    <ds:schemaRef ds:uri="http://schemas.microsoft.com/office/2006/metadata/properties"/>
+    <ds:schemaRef ds:uri="http://schemas.openxmlformats.org/package/2006/metadata/core-properties"/>
+    <ds:schemaRef ds:uri="http://schemas.microsoft.com/office/2006/documentManagement/types"/>
+    <ds:schemaRef ds:uri="http://schemas.microsoft.com/office/infopath/2007/PartnerControls"/>
+    <ds:schemaRef ds:uri="http://purl.org/dc/terms/"/>
+    <ds:schemaRef ds:uri="http://purl.org/dc/dcmitype/"/>
+    <ds:schemaRef ds:uri="4873beb7-5857-4685-be1f-d57550cc96cc"/>
+    <ds:schemaRef ds:uri="http://www.w3.org/XML/1998/namespace"/>
   </ds:schemaRefs>
 </ds:datastoreItem>
 </file>
--- a/钉钉机器人.pptx
+++ b/钉钉机器人.pptx
@@ -22680,7 +22680,7 @@
         <p:spPr>
           <a:xfrm>
             <a:off x="4942284" y="4509120"/>
-            <a:ext cx="3024336" cy="1077218"/>
+            <a:ext cx="3528392" cy="1569660"/>
           </a:xfrm>
           <a:prstGeom prst="rect">
             <a:avLst/>
@@ -22808,7 +22808,7 @@
               <a:t>,</a:t>
             </a:r>
             <a:r>
-              <a:rPr lang="zh-CN" altLang="en-US" sz="1600">
+              <a:rPr lang="zh-CN" altLang="en-US" sz="1600" dirty="0">
                 <a:solidFill>
                   <a:srgbClr val="5C5C5C"/>
                 </a:solidFill>
@@ -22835,7 +22835,7 @@
                 <a:latin typeface="微软雅黑" panose="020B0503020204020204" pitchFamily="34" charset="-122"/>
                 <a:ea typeface="微软雅黑" panose="020B0503020204020204" pitchFamily="34" charset="-122"/>
               </a:rPr>
-              <a:t>spark.sql</a:t>
+              <a:t>aaa</a:t>
             </a:r>
             <a:r>
               <a:rPr lang="en-US" altLang="zh-CN" sz="1600" dirty="0">
@@ -22845,16 +22845,84 @@
                 <a:latin typeface="微软雅黑" panose="020B0503020204020204" pitchFamily="34" charset="-122"/>
                 <a:ea typeface="微软雅黑" panose="020B0503020204020204" pitchFamily="34" charset="-122"/>
               </a:rPr>
+              <a:t> = </a:t>
+            </a:r>
+            <a:r>
+              <a:rPr lang="en-US" altLang="zh-CN" sz="1600" dirty="0" err="1">
+                <a:solidFill>
+                  <a:srgbClr val="5C5C5C"/>
+                </a:solidFill>
+                <a:latin typeface="微软雅黑" panose="020B0503020204020204" pitchFamily="34" charset="-122"/>
+                <a:ea typeface="微软雅黑" panose="020B0503020204020204" pitchFamily="34" charset="-122"/>
+              </a:rPr>
+              <a:t>spark.sql</a:t>
+            </a:r>
+            <a:r>
+              <a:rPr lang="en-US" altLang="zh-CN" sz="1600" dirty="0">
+                <a:solidFill>
+                  <a:srgbClr val="5C5C5C"/>
+                </a:solidFill>
+                <a:latin typeface="微软雅黑" panose="020B0503020204020204" pitchFamily="34" charset="-122"/>
+                <a:ea typeface="微软雅黑" panose="020B0503020204020204" pitchFamily="34" charset="-122"/>
+              </a:rPr>
               <a:t>(“  select 1  ”)</a:t>
             </a:r>
-            <a:endParaRPr lang="en-US" altLang="zh-CN" sz="1600" b="0" i="0" dirty="0">
+          </a:p>
+          <a:p>
+            <a:pPr latinLnBrk="1"/>
+            <a:r>
+              <a:rPr lang="en-US" altLang="zh-CN" sz="1600" b="0" i="0" dirty="0">
+                <a:solidFill>
+                  <a:srgbClr val="5C5C5C"/>
+                </a:solidFill>
+                <a:effectLst/>
+                <a:latin typeface="微软雅黑" panose="020B0503020204020204" pitchFamily="34" charset="-122"/>
+                <a:ea typeface="微软雅黑" panose="020B0503020204020204" pitchFamily="34" charset="-122"/>
+              </a:rPr>
+              <a:t>4</a:t>
+            </a:r>
+            <a:r>
+              <a:rPr lang="zh-CN" altLang="en-US" sz="1600" b="0" i="0" dirty="0">
+                <a:solidFill>
+                  <a:srgbClr val="5C5C5C"/>
+                </a:solidFill>
+                <a:effectLst/>
+                <a:latin typeface="微软雅黑" panose="020B0503020204020204" pitchFamily="34" charset="-122"/>
+                <a:ea typeface="微软雅黑" panose="020B0503020204020204" pitchFamily="34" charset="-122"/>
+              </a:rPr>
+              <a:t>、执行完后退出</a:t>
+            </a:r>
+            <a:r>
+              <a:rPr lang="zh-CN" altLang="en-US" sz="1600" dirty="0">
+                <a:solidFill>
+                  <a:srgbClr val="5C5C5C"/>
+                </a:solidFill>
+                <a:latin typeface="微软雅黑" panose="020B0503020204020204" pitchFamily="34" charset="-122"/>
+                <a:ea typeface="微软雅黑" panose="020B0503020204020204" pitchFamily="34" charset="-122"/>
+              </a:rPr>
+              <a:t>，输入</a:t>
+            </a:r>
+            <a:endParaRPr lang="en-US" altLang="zh-CN" sz="1600" dirty="0">
               <a:solidFill>
                 <a:srgbClr val="5C5C5C"/>
               </a:solidFill>
-              <a:effectLst/>
               <a:latin typeface="微软雅黑" panose="020B0503020204020204" pitchFamily="34" charset="-122"/>
               <a:ea typeface="微软雅黑" panose="020B0503020204020204" pitchFamily="34" charset="-122"/>
             </a:endParaRPr>
+          </a:p>
+          <a:p>
+            <a:pPr latinLnBrk="1"/>
+            <a:r>
+              <a:rPr lang="en-US" altLang="zh-CN" sz="1600" b="0" i="0" dirty="0">
+                <a:solidFill>
+                  <a:srgbClr val="5C5C5C"/>
+                </a:solidFill>
+                <a:effectLst/>
+                <a:latin typeface="微软雅黑" panose="020B0503020204020204" pitchFamily="34" charset="-122"/>
+                <a:ea typeface="微软雅黑" panose="020B0503020204020204" pitchFamily="34" charset="-122"/>
+              </a:rPr>
+              <a:t>exit</a:t>
+            </a:r>
           </a:p>
         </p:txBody>
       </p:sp>
